--- a/Report_test.pptx
+++ b/Report_test.pptx
@@ -224,7 +224,7 @@
           <a:p>
             <a:fld id="{80F76F07-4DDF-4742-A599-1A1948D9D8BF}" type="datetimeFigureOut">
               <a:rPr lang="en-US" smtClean="0"/>
-              <a:t>12/7/2023</a:t>
+              <a:t>12/8/2023</a:t>
             </a:fld>
             <a:endParaRPr lang="en-US"/>
           </a:p>
@@ -389,7 +389,7 @@
           <a:p>
             <a:fld id="{D69DC1A8-4A29-4ED6-A8C3-F6D12A0C95F5}" type="datetimeFigureOut">
               <a:rPr lang="en-US" smtClean="0"/>
-              <a:t>12/7/2023</a:t>
+              <a:t>12/8/2023</a:t>
             </a:fld>
             <a:endParaRPr lang="en-US" dirty="0"/>
           </a:p>
@@ -1957,7 +1957,7 @@
           <a:p>
             <a:fld id="{15D6C63C-0848-4B82-AE9B-D0C2F4F853C4}" type="datetimeFigureOut">
               <a:rPr lang="en-US" smtClean="0"/>
-              <a:t>12/7/2023</a:t>
+              <a:t>12/8/2023</a:t>
             </a:fld>
             <a:endParaRPr lang="en-US" dirty="0"/>
           </a:p>
@@ -2125,7 +2125,7 @@
           <a:p>
             <a:fld id="{15D6C63C-0848-4B82-AE9B-D0C2F4F853C4}" type="datetimeFigureOut">
               <a:rPr lang="en-US" smtClean="0"/>
-              <a:t>12/7/2023</a:t>
+              <a:t>12/8/2023</a:t>
             </a:fld>
             <a:endParaRPr lang="en-US" dirty="0"/>
           </a:p>
@@ -2303,7 +2303,7 @@
           <a:p>
             <a:fld id="{15D6C63C-0848-4B82-AE9B-D0C2F4F853C4}" type="datetimeFigureOut">
               <a:rPr lang="en-US" smtClean="0"/>
-              <a:t>12/7/2023</a:t>
+              <a:t>12/8/2023</a:t>
             </a:fld>
             <a:endParaRPr lang="en-US" dirty="0"/>
           </a:p>
@@ -2637,7 +2637,7 @@
           <a:p>
             <a:fld id="{15D6C63C-0848-4B82-AE9B-D0C2F4F853C4}" type="datetimeFigureOut">
               <a:rPr lang="en-US" smtClean="0"/>
-              <a:t>12/7/2023</a:t>
+              <a:t>12/8/2023</a:t>
             </a:fld>
             <a:endParaRPr lang="en-US" dirty="0"/>
           </a:p>
@@ -2882,7 +2882,7 @@
           <a:p>
             <a:fld id="{15D6C63C-0848-4B82-AE9B-D0C2F4F853C4}" type="datetimeFigureOut">
               <a:rPr lang="en-US" smtClean="0"/>
-              <a:t>12/7/2023</a:t>
+              <a:t>12/8/2023</a:t>
             </a:fld>
             <a:endParaRPr lang="en-US" dirty="0"/>
           </a:p>
@@ -3167,7 +3167,7 @@
           <a:p>
             <a:fld id="{15D6C63C-0848-4B82-AE9B-D0C2F4F853C4}" type="datetimeFigureOut">
               <a:rPr lang="en-US" smtClean="0"/>
-              <a:t>12/7/2023</a:t>
+              <a:t>12/8/2023</a:t>
             </a:fld>
             <a:endParaRPr lang="en-US" dirty="0"/>
           </a:p>
@@ -3586,7 +3586,7 @@
           <a:p>
             <a:fld id="{15D6C63C-0848-4B82-AE9B-D0C2F4F853C4}" type="datetimeFigureOut">
               <a:rPr lang="en-US" smtClean="0"/>
-              <a:t>12/7/2023</a:t>
+              <a:t>12/8/2023</a:t>
             </a:fld>
             <a:endParaRPr lang="en-US" dirty="0"/>
           </a:p>
@@ -3703,7 +3703,7 @@
           <a:p>
             <a:fld id="{15D6C63C-0848-4B82-AE9B-D0C2F4F853C4}" type="datetimeFigureOut">
               <a:rPr lang="en-US" smtClean="0"/>
-              <a:t>12/7/2023</a:t>
+              <a:t>12/8/2023</a:t>
             </a:fld>
             <a:endParaRPr lang="en-US" dirty="0"/>
           </a:p>
@@ -3798,7 +3798,7 @@
           <a:p>
             <a:fld id="{15D6C63C-0848-4B82-AE9B-D0C2F4F853C4}" type="datetimeFigureOut">
               <a:rPr lang="en-US" smtClean="0"/>
-              <a:t>12/7/2023</a:t>
+              <a:t>12/8/2023</a:t>
             </a:fld>
             <a:endParaRPr lang="en-US" dirty="0"/>
           </a:p>
@@ -4073,7 +4073,7 @@
           <a:p>
             <a:fld id="{15D6C63C-0848-4B82-AE9B-D0C2F4F853C4}" type="datetimeFigureOut">
               <a:rPr lang="en-US" smtClean="0"/>
-              <a:t>12/7/2023</a:t>
+              <a:t>12/8/2023</a:t>
             </a:fld>
             <a:endParaRPr lang="en-US" dirty="0"/>
           </a:p>
@@ -4325,7 +4325,7 @@
           <a:p>
             <a:fld id="{15D6C63C-0848-4B82-AE9B-D0C2F4F853C4}" type="datetimeFigureOut">
               <a:rPr lang="en-US" smtClean="0"/>
-              <a:t>12/7/2023</a:t>
+              <a:t>12/8/2023</a:t>
             </a:fld>
             <a:endParaRPr lang="en-US" dirty="0"/>
           </a:p>
@@ -4536,7 +4536,7 @@
           <a:p>
             <a:fld id="{15D6C63C-0848-4B82-AE9B-D0C2F4F853C4}" type="datetimeFigureOut">
               <a:rPr lang="en-US" smtClean="0"/>
-              <a:t>12/7/2023</a:t>
+              <a:t>12/8/2023</a:t>
             </a:fld>
             <a:endParaRPr lang="en-US" dirty="0"/>
           </a:p>
@@ -5331,27 +5331,8 @@
                 <a:ea typeface="HGP創英角ｺﾞｼｯｸUB" panose="020B0900000000000000" pitchFamily="50" charset="-128"/>
                 <a:cs typeface="Arial" panose="020B0604020202020204" pitchFamily="34" charset="0"/>
               </a:rPr>
-              <a:t>~ </a:t>
-            </a:r>
-            <a:r>
-              <a:rPr kumimoji="1" lang="en-US" altLang="ja-JP" sz="2000" dirty="0">
-                <a:solidFill>
-                  <a:prstClr val="black"/>
-                </a:solidFill>
-                <a:latin typeface="Arial" panose="020B0604020202020204" pitchFamily="34" charset="0"/>
-                <a:ea typeface="HGP創英角ｺﾞｼｯｸUB" panose="020B0900000000000000" pitchFamily="50" charset="-128"/>
-                <a:cs typeface="Arial" panose="020B0604020202020204" pitchFamily="34" charset="0"/>
-              </a:rPr>
-              <a:t>7</a:t>
-            </a:r>
-            <a:endParaRPr kumimoji="1" lang="en-US" altLang="ja-JP" sz="2000" dirty="0">
-              <a:solidFill>
-                <a:prstClr val="black"/>
-              </a:solidFill>
-              <a:latin typeface="Arial" panose="020B0604020202020204" pitchFamily="34" charset="0"/>
-              <a:ea typeface="HGP創英角ｺﾞｼｯｸUB" panose="020B0900000000000000" pitchFamily="50" charset="-128"/>
-              <a:cs typeface="Arial" panose="020B0604020202020204" pitchFamily="34" charset="0"/>
-            </a:endParaRPr>
+              <a:t>~ 7</a:t>
+            </a:r>
           </a:p>
         </p:txBody>
       </p:sp>
@@ -6041,19 +6022,7 @@
               <a:rPr lang="en-US" altLang="en-US" sz="2000" dirty="0" smtClean="0">
                 <a:latin typeface="+mn-lt"/>
               </a:rPr>
-              <a:t>Join Date	 : </a:t>
-            </a:r>
-            <a:r>
-              <a:rPr lang="en-US" altLang="en-US" sz="2000" dirty="0" smtClean="0">
-                <a:latin typeface="+mn-lt"/>
-              </a:rPr>
-              <a:t>12</a:t>
-            </a:r>
-            <a:r>
-              <a:rPr lang="en-US" altLang="en-US" sz="2000" dirty="0" smtClean="0">
-                <a:latin typeface="+mn-lt"/>
-              </a:rPr>
-              <a:t>-Feb-2019</a:t>
+              <a:t>Join Date	 : 12-Feb-2019</a:t>
             </a:r>
           </a:p>
           <a:p>
@@ -6257,6 +6226,13 @@
   <p:clrMapOvr>
     <a:masterClrMapping/>
   </p:clrMapOvr>
+  <p:timing>
+    <p:tnLst>
+      <p:par>
+        <p:cTn id="1" dur="indefinite" restart="never" nodeType="tmRoot"/>
+      </p:par>
+    </p:tnLst>
+  </p:timing>
 </p:sld>
 </file>
 
@@ -7202,13 +7178,6 @@
                 </a:rPr>
                 <a:t>Plan</a:t>
               </a:r>
-              <a:endParaRPr lang="en-US" altLang="ja-JP" sz="2000" b="1" dirty="0">
-                <a:solidFill>
-                  <a:srgbClr val="FFFFCC"/>
-                </a:solidFill>
-                <a:ea typeface="HGP創英角ｺﾞｼｯｸUB" pitchFamily="50" charset="-128"/>
-                <a:cs typeface="Arial" panose="020B0604020202020204" pitchFamily="34" charset="0"/>
-              </a:endParaRPr>
             </a:p>
           </p:txBody>
         </p:sp>
@@ -10721,7 +10690,7 @@
                   </a:solidFill>
                   <a:ea typeface="Meiryo UI" panose="020B0604030504040204" pitchFamily="50" charset="-128"/>
                 </a:rPr>
-                <a:t>JOB HISTORY AND ACHIEVEMENT (2109-2023)</a:t>
+                <a:t>Job History &amp; Achievement (2109-2023)</a:t>
               </a:r>
               <a:endParaRPr lang="en-US" altLang="ja-JP" sz="2000" b="1" dirty="0">
                 <a:solidFill>
@@ -10867,6 +10836,2254 @@
           </a:p>
         </p:txBody>
       </p:sp>
+      <p:sp>
+        <p:nvSpPr>
+          <p:cNvPr id="2" name="Rectangle 1"/>
+          <p:cNvSpPr/>
+          <p:nvPr/>
+        </p:nvSpPr>
+        <p:spPr>
+          <a:xfrm>
+            <a:off x="43452" y="625476"/>
+            <a:ext cx="9064036" cy="366267"/>
+          </a:xfrm>
+          <a:prstGeom prst="rect">
+            <a:avLst/>
+          </a:prstGeom>
+          <a:solidFill>
+            <a:schemeClr val="bg2"/>
+          </a:solidFill>
+        </p:spPr>
+        <p:style>
+          <a:lnRef idx="2">
+            <a:schemeClr val="accent1">
+              <a:shade val="50000"/>
+            </a:schemeClr>
+          </a:lnRef>
+          <a:fillRef idx="1">
+            <a:schemeClr val="accent1"/>
+          </a:fillRef>
+          <a:effectRef idx="0">
+            <a:schemeClr val="accent1"/>
+          </a:effectRef>
+          <a:fontRef idx="minor">
+            <a:schemeClr val="lt1"/>
+          </a:fontRef>
+        </p:style>
+        <p:txBody>
+          <a:bodyPr rtlCol="0" anchor="ctr"/>
+          <a:lstStyle/>
+          <a:p>
+            <a:r>
+              <a:rPr lang="en-US" b="1" dirty="0" smtClean="0">
+                <a:solidFill>
+                  <a:schemeClr val="tx1"/>
+                </a:solidFill>
+                <a:latin typeface="Arial "/>
+              </a:rPr>
+              <a:t>1.Job History &amp; Organization: </a:t>
+            </a:r>
+            <a:endParaRPr lang="en-US" b="1" dirty="0">
+              <a:solidFill>
+                <a:schemeClr val="tx1"/>
+              </a:solidFill>
+              <a:latin typeface="Arial "/>
+            </a:endParaRPr>
+          </a:p>
+        </p:txBody>
+      </p:sp>
+      <p:sp>
+        <p:nvSpPr>
+          <p:cNvPr id="8" name="Rectangle 7"/>
+          <p:cNvSpPr/>
+          <p:nvPr/>
+        </p:nvSpPr>
+        <p:spPr>
+          <a:xfrm>
+            <a:off x="32122" y="3200400"/>
+            <a:ext cx="9064037" cy="366267"/>
+          </a:xfrm>
+          <a:prstGeom prst="rect">
+            <a:avLst/>
+          </a:prstGeom>
+          <a:solidFill>
+            <a:schemeClr val="bg2"/>
+          </a:solidFill>
+        </p:spPr>
+        <p:style>
+          <a:lnRef idx="2">
+            <a:schemeClr val="accent1">
+              <a:shade val="50000"/>
+            </a:schemeClr>
+          </a:lnRef>
+          <a:fillRef idx="1">
+            <a:schemeClr val="accent1"/>
+          </a:fillRef>
+          <a:effectRef idx="0">
+            <a:schemeClr val="accent1"/>
+          </a:effectRef>
+          <a:fontRef idx="minor">
+            <a:schemeClr val="lt1"/>
+          </a:fontRef>
+        </p:style>
+        <p:txBody>
+          <a:bodyPr rtlCol="0" anchor="ctr"/>
+          <a:lstStyle/>
+          <a:p>
+            <a:r>
+              <a:rPr lang="en-US" b="1" dirty="0" smtClean="0">
+                <a:solidFill>
+                  <a:schemeClr val="tx1"/>
+                </a:solidFill>
+              </a:rPr>
+              <a:t>2.New Assignment: </a:t>
+            </a:r>
+            <a:endParaRPr lang="en-US" b="1" dirty="0">
+              <a:solidFill>
+                <a:schemeClr val="tx1"/>
+              </a:solidFill>
+            </a:endParaRPr>
+          </a:p>
+        </p:txBody>
+      </p:sp>
+      <p:sp>
+        <p:nvSpPr>
+          <p:cNvPr id="10" name="Rectangle 9"/>
+          <p:cNvSpPr/>
+          <p:nvPr/>
+        </p:nvSpPr>
+        <p:spPr>
+          <a:xfrm>
+            <a:off x="32122" y="4343400"/>
+            <a:ext cx="9031914" cy="366267"/>
+          </a:xfrm>
+          <a:prstGeom prst="rect">
+            <a:avLst/>
+          </a:prstGeom>
+          <a:solidFill>
+            <a:schemeClr val="bg2"/>
+          </a:solidFill>
+        </p:spPr>
+        <p:style>
+          <a:lnRef idx="2">
+            <a:schemeClr val="accent1">
+              <a:shade val="50000"/>
+            </a:schemeClr>
+          </a:lnRef>
+          <a:fillRef idx="1">
+            <a:schemeClr val="accent1"/>
+          </a:fillRef>
+          <a:effectRef idx="0">
+            <a:schemeClr val="accent1"/>
+          </a:effectRef>
+          <a:fontRef idx="minor">
+            <a:schemeClr val="lt1"/>
+          </a:fontRef>
+        </p:style>
+        <p:txBody>
+          <a:bodyPr rtlCol="0" anchor="ctr"/>
+          <a:lstStyle/>
+          <a:p>
+            <a:r>
+              <a:rPr lang="en-US" b="1" dirty="0" smtClean="0">
+                <a:solidFill>
+                  <a:schemeClr val="tx1"/>
+                </a:solidFill>
+                <a:latin typeface="Arial "/>
+              </a:rPr>
+              <a:t>3.My main achievements (2019 – 2023) </a:t>
+            </a:r>
+            <a:endParaRPr lang="en-US" b="1" dirty="0">
+              <a:solidFill>
+                <a:schemeClr val="tx1"/>
+              </a:solidFill>
+              <a:latin typeface="Arial "/>
+            </a:endParaRPr>
+          </a:p>
+        </p:txBody>
+      </p:sp>
+      <p:sp>
+        <p:nvSpPr>
+          <p:cNvPr id="3" name="Rectangle 2"/>
+          <p:cNvSpPr/>
+          <p:nvPr/>
+        </p:nvSpPr>
+        <p:spPr>
+          <a:xfrm>
+            <a:off x="32122" y="3604545"/>
+            <a:ext cx="9035678" cy="662655"/>
+          </a:xfrm>
+          <a:prstGeom prst="rect">
+            <a:avLst/>
+          </a:prstGeom>
+          <a:solidFill>
+            <a:schemeClr val="bg1"/>
+          </a:solidFill>
+          <a:ln w="3175"/>
+        </p:spPr>
+        <p:style>
+          <a:lnRef idx="2">
+            <a:schemeClr val="accent1">
+              <a:shade val="50000"/>
+            </a:schemeClr>
+          </a:lnRef>
+          <a:fillRef idx="1">
+            <a:schemeClr val="accent1"/>
+          </a:fillRef>
+          <a:effectRef idx="0">
+            <a:schemeClr val="accent1"/>
+          </a:effectRef>
+          <a:fontRef idx="minor">
+            <a:schemeClr val="lt1"/>
+          </a:fontRef>
+        </p:style>
+        <p:txBody>
+          <a:bodyPr rtlCol="0" anchor="ctr"/>
+          <a:lstStyle/>
+          <a:p>
+            <a:r>
+              <a:rPr lang="en-US" sz="1600" dirty="0" smtClean="0">
+                <a:solidFill>
+                  <a:schemeClr val="tx1"/>
+                </a:solidFill>
+                <a:latin typeface="Arial "/>
+                <a:sym typeface="Wingdings" panose="05000000000000000000" pitchFamily="2" charset="2"/>
+              </a:rPr>
+              <a:t></a:t>
+            </a:r>
+            <a:r>
+              <a:rPr lang="en-US" sz="1600" dirty="0" smtClean="0">
+                <a:solidFill>
+                  <a:schemeClr val="tx1"/>
+                </a:solidFill>
+                <a:latin typeface="Arial "/>
+              </a:rPr>
+              <a:t>Current job : Software development, </a:t>
+            </a:r>
+            <a:r>
+              <a:rPr lang="en-US" sz="1600" dirty="0">
+                <a:solidFill>
+                  <a:schemeClr val="tx1"/>
+                </a:solidFill>
+                <a:latin typeface="Arial "/>
+              </a:rPr>
+              <a:t>t</a:t>
+            </a:r>
+            <a:r>
+              <a:rPr lang="en-US" sz="1600" dirty="0" smtClean="0">
+                <a:solidFill>
+                  <a:schemeClr val="tx1"/>
+                </a:solidFill>
+                <a:latin typeface="Arial "/>
+              </a:rPr>
+              <a:t>raining beginner, </a:t>
+            </a:r>
+            <a:r>
+              <a:rPr lang="en-US" sz="1600" dirty="0">
+                <a:solidFill>
+                  <a:schemeClr val="tx1"/>
+                </a:solidFill>
+                <a:latin typeface="Arial "/>
+              </a:rPr>
+              <a:t>s</a:t>
+            </a:r>
+            <a:r>
+              <a:rPr lang="en-US" sz="1600" dirty="0" smtClean="0">
+                <a:solidFill>
+                  <a:schemeClr val="tx1"/>
+                </a:solidFill>
+                <a:latin typeface="Arial "/>
+              </a:rPr>
+              <a:t>upport user.                  </a:t>
+            </a:r>
+          </a:p>
+          <a:p>
+            <a:r>
+              <a:rPr lang="en-US" sz="1600" b="1" dirty="0" smtClean="0">
+                <a:solidFill>
+                  <a:schemeClr val="tx1"/>
+                </a:solidFill>
+                <a:latin typeface="Arial "/>
+                <a:sym typeface="Wingdings" panose="05000000000000000000" pitchFamily="2" charset="2"/>
+              </a:rPr>
+              <a:t></a:t>
+            </a:r>
+            <a:r>
+              <a:rPr lang="en-US" sz="1600" b="1" dirty="0" smtClean="0">
+                <a:solidFill>
+                  <a:schemeClr val="tx1"/>
+                </a:solidFill>
+                <a:latin typeface="Arial "/>
+              </a:rPr>
+              <a:t>Change mindset : </a:t>
+            </a:r>
+            <a:endParaRPr lang="en-US" sz="1600" b="1" dirty="0">
+              <a:solidFill>
+                <a:schemeClr val="tx1"/>
+              </a:solidFill>
+              <a:latin typeface="Arial "/>
+            </a:endParaRPr>
+          </a:p>
+        </p:txBody>
+      </p:sp>
+      <p:sp>
+        <p:nvSpPr>
+          <p:cNvPr id="11" name="Rectangle 10"/>
+          <p:cNvSpPr/>
+          <p:nvPr/>
+        </p:nvSpPr>
+        <p:spPr>
+          <a:xfrm>
+            <a:off x="32122" y="4731958"/>
+            <a:ext cx="3015877" cy="2060147"/>
+          </a:xfrm>
+          <a:prstGeom prst="rect">
+            <a:avLst/>
+          </a:prstGeom>
+          <a:solidFill>
+            <a:schemeClr val="bg1"/>
+          </a:solidFill>
+          <a:ln w="3175"/>
+        </p:spPr>
+        <p:style>
+          <a:lnRef idx="2">
+            <a:schemeClr val="accent1">
+              <a:shade val="50000"/>
+            </a:schemeClr>
+          </a:lnRef>
+          <a:fillRef idx="1">
+            <a:schemeClr val="accent1"/>
+          </a:fillRef>
+          <a:effectRef idx="0">
+            <a:schemeClr val="accent1"/>
+          </a:effectRef>
+          <a:fontRef idx="minor">
+            <a:schemeClr val="lt1"/>
+          </a:fontRef>
+        </p:style>
+        <p:txBody>
+          <a:bodyPr rtlCol="0" anchor="ctr"/>
+          <a:lstStyle/>
+          <a:p>
+            <a:pPr algn="ctr"/>
+            <a:endParaRPr lang="en-US"/>
+          </a:p>
+        </p:txBody>
+      </p:sp>
+      <p:sp>
+        <p:nvSpPr>
+          <p:cNvPr id="12" name="Rectangle 11"/>
+          <p:cNvSpPr/>
+          <p:nvPr/>
+        </p:nvSpPr>
+        <p:spPr>
+          <a:xfrm>
+            <a:off x="3124200" y="4731958"/>
+            <a:ext cx="2926134" cy="2053826"/>
+          </a:xfrm>
+          <a:prstGeom prst="rect">
+            <a:avLst/>
+          </a:prstGeom>
+          <a:solidFill>
+            <a:schemeClr val="bg1"/>
+          </a:solidFill>
+          <a:ln w="3175"/>
+        </p:spPr>
+        <p:style>
+          <a:lnRef idx="2">
+            <a:schemeClr val="accent1">
+              <a:shade val="50000"/>
+            </a:schemeClr>
+          </a:lnRef>
+          <a:fillRef idx="1">
+            <a:schemeClr val="accent1"/>
+          </a:fillRef>
+          <a:effectRef idx="0">
+            <a:schemeClr val="accent1"/>
+          </a:effectRef>
+          <a:fontRef idx="minor">
+            <a:schemeClr val="lt1"/>
+          </a:fontRef>
+        </p:style>
+        <p:txBody>
+          <a:bodyPr rtlCol="0" anchor="ctr"/>
+          <a:lstStyle/>
+          <a:p>
+            <a:pPr algn="ctr"/>
+            <a:endParaRPr lang="en-US"/>
+          </a:p>
+        </p:txBody>
+      </p:sp>
+      <p:sp>
+        <p:nvSpPr>
+          <p:cNvPr id="13" name="Rectangle 12"/>
+          <p:cNvSpPr/>
+          <p:nvPr/>
+        </p:nvSpPr>
+        <p:spPr>
+          <a:xfrm>
+            <a:off x="6126535" y="4731958"/>
+            <a:ext cx="2941265" cy="2053826"/>
+          </a:xfrm>
+          <a:prstGeom prst="rect">
+            <a:avLst/>
+          </a:prstGeom>
+          <a:solidFill>
+            <a:schemeClr val="bg1"/>
+          </a:solidFill>
+          <a:ln w="3175"/>
+        </p:spPr>
+        <p:style>
+          <a:lnRef idx="2">
+            <a:schemeClr val="accent1">
+              <a:shade val="50000"/>
+            </a:schemeClr>
+          </a:lnRef>
+          <a:fillRef idx="1">
+            <a:schemeClr val="accent1"/>
+          </a:fillRef>
+          <a:effectRef idx="0">
+            <a:schemeClr val="accent1"/>
+          </a:effectRef>
+          <a:fontRef idx="minor">
+            <a:schemeClr val="lt1"/>
+          </a:fontRef>
+        </p:style>
+        <p:txBody>
+          <a:bodyPr rtlCol="0" anchor="ctr"/>
+          <a:lstStyle/>
+          <a:p>
+            <a:pPr algn="ctr"/>
+            <a:endParaRPr lang="en-US"/>
+          </a:p>
+        </p:txBody>
+      </p:sp>
+      <p:sp>
+        <p:nvSpPr>
+          <p:cNvPr id="4" name="Rectangle 3"/>
+          <p:cNvSpPr/>
+          <p:nvPr/>
+        </p:nvSpPr>
+        <p:spPr>
+          <a:xfrm>
+            <a:off x="43452" y="4809012"/>
+            <a:ext cx="3004547" cy="364176"/>
+          </a:xfrm>
+          <a:prstGeom prst="rect">
+            <a:avLst/>
+          </a:prstGeom>
+          <a:solidFill>
+            <a:srgbClr val="1508B8"/>
+          </a:solidFill>
+        </p:spPr>
+        <p:style>
+          <a:lnRef idx="2">
+            <a:schemeClr val="accent1">
+              <a:shade val="50000"/>
+            </a:schemeClr>
+          </a:lnRef>
+          <a:fillRef idx="1">
+            <a:schemeClr val="accent1"/>
+          </a:fillRef>
+          <a:effectRef idx="0">
+            <a:schemeClr val="accent1"/>
+          </a:effectRef>
+          <a:fontRef idx="minor">
+            <a:schemeClr val="lt1"/>
+          </a:fontRef>
+        </p:style>
+        <p:txBody>
+          <a:bodyPr rtlCol="0" anchor="ctr"/>
+          <a:lstStyle/>
+          <a:p>
+            <a:pPr algn="ctr"/>
+            <a:r>
+              <a:rPr lang="en-US" dirty="0">
+                <a:solidFill>
+                  <a:schemeClr val="bg1"/>
+                </a:solidFill>
+                <a:sym typeface="Wingdings" panose="05000000000000000000" pitchFamily="2" charset="2"/>
+              </a:rPr>
+              <a:t></a:t>
+            </a:r>
+            <a:r>
+              <a:rPr lang="en-US" dirty="0" smtClean="0">
+                <a:solidFill>
+                  <a:schemeClr val="bg1"/>
+                </a:solidFill>
+                <a:sym typeface="Wingdings" panose="05000000000000000000" pitchFamily="2" charset="2"/>
+              </a:rPr>
+              <a:t> </a:t>
+            </a:r>
+            <a:r>
+              <a:rPr lang="en-US" sz="1600" dirty="0" smtClean="0">
+                <a:solidFill>
+                  <a:schemeClr val="bg1"/>
+                </a:solidFill>
+              </a:rPr>
+              <a:t>Achievement 1</a:t>
+            </a:r>
+            <a:endParaRPr lang="en-US" sz="1600" dirty="0">
+              <a:solidFill>
+                <a:schemeClr val="bg1"/>
+              </a:solidFill>
+            </a:endParaRPr>
+          </a:p>
+        </p:txBody>
+      </p:sp>
+      <p:sp>
+        <p:nvSpPr>
+          <p:cNvPr id="15" name="Rectangle 14"/>
+          <p:cNvSpPr/>
+          <p:nvPr/>
+        </p:nvSpPr>
+        <p:spPr>
+          <a:xfrm>
+            <a:off x="3151722" y="4809012"/>
+            <a:ext cx="2898612" cy="372588"/>
+          </a:xfrm>
+          <a:prstGeom prst="rect">
+            <a:avLst/>
+          </a:prstGeom>
+          <a:solidFill>
+            <a:srgbClr val="000077"/>
+          </a:solidFill>
+        </p:spPr>
+        <p:style>
+          <a:lnRef idx="2">
+            <a:schemeClr val="accent1">
+              <a:shade val="50000"/>
+            </a:schemeClr>
+          </a:lnRef>
+          <a:fillRef idx="1">
+            <a:schemeClr val="accent1"/>
+          </a:fillRef>
+          <a:effectRef idx="0">
+            <a:schemeClr val="accent1"/>
+          </a:effectRef>
+          <a:fontRef idx="minor">
+            <a:schemeClr val="lt1"/>
+          </a:fontRef>
+        </p:style>
+        <p:txBody>
+          <a:bodyPr rtlCol="0" anchor="ctr"/>
+          <a:lstStyle/>
+          <a:p>
+            <a:pPr algn="ctr"/>
+            <a:r>
+              <a:rPr lang="en-US" dirty="0" smtClean="0">
+                <a:solidFill>
+                  <a:schemeClr val="bg1"/>
+                </a:solidFill>
+                <a:sym typeface="Wingdings" panose="05000000000000000000" pitchFamily="2" charset="2"/>
+              </a:rPr>
+              <a:t> </a:t>
+            </a:r>
+            <a:r>
+              <a:rPr lang="en-US" sz="1600" dirty="0" smtClean="0">
+                <a:solidFill>
+                  <a:schemeClr val="bg1"/>
+                </a:solidFill>
+              </a:rPr>
+              <a:t>Achievement 2</a:t>
+            </a:r>
+            <a:endParaRPr lang="en-US" sz="1600" dirty="0">
+              <a:solidFill>
+                <a:schemeClr val="bg1"/>
+              </a:solidFill>
+            </a:endParaRPr>
+          </a:p>
+        </p:txBody>
+      </p:sp>
+      <p:sp>
+        <p:nvSpPr>
+          <p:cNvPr id="16" name="Rectangle 15"/>
+          <p:cNvSpPr/>
+          <p:nvPr/>
+        </p:nvSpPr>
+        <p:spPr>
+          <a:xfrm>
+            <a:off x="6154057" y="4809012"/>
+            <a:ext cx="2884579" cy="372588"/>
+          </a:xfrm>
+          <a:prstGeom prst="rect">
+            <a:avLst/>
+          </a:prstGeom>
+          <a:solidFill>
+            <a:srgbClr val="000077"/>
+          </a:solidFill>
+        </p:spPr>
+        <p:style>
+          <a:lnRef idx="2">
+            <a:schemeClr val="accent1">
+              <a:shade val="50000"/>
+            </a:schemeClr>
+          </a:lnRef>
+          <a:fillRef idx="1">
+            <a:schemeClr val="accent1"/>
+          </a:fillRef>
+          <a:effectRef idx="0">
+            <a:schemeClr val="accent1"/>
+          </a:effectRef>
+          <a:fontRef idx="minor">
+            <a:schemeClr val="lt1"/>
+          </a:fontRef>
+        </p:style>
+        <p:txBody>
+          <a:bodyPr rtlCol="0" anchor="ctr"/>
+          <a:lstStyle/>
+          <a:p>
+            <a:pPr algn="ctr"/>
+            <a:r>
+              <a:rPr lang="en-US" dirty="0" smtClean="0">
+                <a:solidFill>
+                  <a:schemeClr val="bg1"/>
+                </a:solidFill>
+                <a:sym typeface="Wingdings" panose="05000000000000000000" pitchFamily="2" charset="2"/>
+              </a:rPr>
+              <a:t> </a:t>
+            </a:r>
+            <a:r>
+              <a:rPr lang="en-US" sz="1600" dirty="0" smtClean="0">
+                <a:solidFill>
+                  <a:schemeClr val="bg1"/>
+                </a:solidFill>
+              </a:rPr>
+              <a:t>Achievement 3</a:t>
+            </a:r>
+            <a:endParaRPr lang="en-US" sz="1600" dirty="0">
+              <a:solidFill>
+                <a:schemeClr val="bg1"/>
+              </a:solidFill>
+            </a:endParaRPr>
+          </a:p>
+        </p:txBody>
+      </p:sp>
+      <p:graphicFrame>
+        <p:nvGraphicFramePr>
+          <p:cNvPr id="5" name="Table 4"/>
+          <p:cNvGraphicFramePr>
+            <a:graphicFrameLocks noGrp="1"/>
+          </p:cNvGraphicFramePr>
+          <p:nvPr>
+            <p:extLst>
+              <p:ext uri="{D42A27DB-BD31-4B8C-83A1-F6EECF244321}">
+                <p14:modId xmlns:p14="http://schemas.microsoft.com/office/powerpoint/2010/main" val="330506697"/>
+              </p:ext>
+            </p:extLst>
+          </p:nvPr>
+        </p:nvGraphicFramePr>
+        <p:xfrm>
+          <a:off x="43450" y="1062816"/>
+          <a:ext cx="4071350" cy="2037965"/>
+        </p:xfrm>
+        <a:graphic>
+          <a:graphicData uri="http://schemas.openxmlformats.org/drawingml/2006/table">
+            <a:tbl>
+              <a:tblPr firstRow="1" bandRow="1">
+                <a:tableStyleId>{5C22544A-7EE6-4342-B048-85BDC9FD1C3A}</a:tableStyleId>
+              </a:tblPr>
+              <a:tblGrid>
+                <a:gridCol w="1393473">
+                  <a:extLst>
+                    <a:ext uri="{9D8B030D-6E8A-4147-A177-3AD203B41FA5}">
+                      <a16:colId xmlns:a16="http://schemas.microsoft.com/office/drawing/2014/main" val="1348139179"/>
+                    </a:ext>
+                  </a:extLst>
+                </a:gridCol>
+                <a:gridCol w="2677877">
+                  <a:extLst>
+                    <a:ext uri="{9D8B030D-6E8A-4147-A177-3AD203B41FA5}">
+                      <a16:colId xmlns:a16="http://schemas.microsoft.com/office/drawing/2014/main" val="103963045"/>
+                    </a:ext>
+                  </a:extLst>
+                </a:gridCol>
+              </a:tblGrid>
+              <a:tr h="544115">
+                <a:tc>
+                  <a:txBody>
+                    <a:bodyPr/>
+                    <a:lstStyle/>
+                    <a:p>
+                      <a:pPr algn="ctr">
+                        <a:lnSpc>
+                          <a:spcPct val="150000"/>
+                        </a:lnSpc>
+                      </a:pPr>
+                      <a:r>
+                        <a:rPr lang="en-US" sz="1600" b="1" dirty="0" smtClean="0">
+                          <a:solidFill>
+                            <a:schemeClr val="tx1"/>
+                          </a:solidFill>
+                          <a:latin typeface="Arial "/>
+                        </a:rPr>
+                        <a:t>Time</a:t>
+                      </a:r>
+                      <a:endParaRPr lang="en-US" sz="1600" b="1" dirty="0">
+                        <a:solidFill>
+                          <a:schemeClr val="tx1"/>
+                        </a:solidFill>
+                        <a:latin typeface="Arial "/>
+                      </a:endParaRPr>
+                    </a:p>
+                  </a:txBody>
+                  <a:tcPr marL="0" marR="0" marT="0" marB="0">
+                    <a:lnL w="12700" cap="flat" cmpd="sng" algn="ctr">
+                      <a:solidFill>
+                        <a:schemeClr val="tx1"/>
+                      </a:solidFill>
+                      <a:prstDash val="solid"/>
+                      <a:round/>
+                      <a:headEnd type="none" w="med" len="med"/>
+                      <a:tailEnd type="none" w="med" len="med"/>
+                    </a:lnL>
+                    <a:lnR w="12700" cap="flat" cmpd="sng" algn="ctr">
+                      <a:solidFill>
+                        <a:schemeClr val="tx1"/>
+                      </a:solidFill>
+                      <a:prstDash val="solid"/>
+                      <a:round/>
+                      <a:headEnd type="none" w="med" len="med"/>
+                      <a:tailEnd type="none" w="med" len="med"/>
+                    </a:lnR>
+                    <a:lnT w="12700" cap="flat" cmpd="sng" algn="ctr">
+                      <a:solidFill>
+                        <a:schemeClr val="tx1"/>
+                      </a:solidFill>
+                      <a:prstDash val="solid"/>
+                      <a:round/>
+                      <a:headEnd type="none" w="med" len="med"/>
+                      <a:tailEnd type="none" w="med" len="med"/>
+                    </a:lnT>
+                    <a:lnB w="12700" cap="flat" cmpd="sng" algn="ctr">
+                      <a:solidFill>
+                        <a:schemeClr val="tx1"/>
+                      </a:solidFill>
+                      <a:prstDash val="solid"/>
+                      <a:round/>
+                      <a:headEnd type="none" w="med" len="med"/>
+                      <a:tailEnd type="none" w="med" len="med"/>
+                    </a:lnB>
+                    <a:solidFill>
+                      <a:schemeClr val="accent3">
+                        <a:lumMod val="20000"/>
+                        <a:lumOff val="80000"/>
+                      </a:schemeClr>
+                    </a:solidFill>
+                  </a:tcPr>
+                </a:tc>
+                <a:tc>
+                  <a:txBody>
+                    <a:bodyPr/>
+                    <a:lstStyle/>
+                    <a:p>
+                      <a:pPr algn="ctr">
+                        <a:lnSpc>
+                          <a:spcPct val="150000"/>
+                        </a:lnSpc>
+                      </a:pPr>
+                      <a:r>
+                        <a:rPr lang="en-US" sz="1600" dirty="0" smtClean="0">
+                          <a:solidFill>
+                            <a:schemeClr val="tx1"/>
+                          </a:solidFill>
+                          <a:latin typeface="Arial "/>
+                        </a:rPr>
+                        <a:t>Career</a:t>
+                      </a:r>
+                      <a:r>
+                        <a:rPr lang="en-US" sz="1600" baseline="0" dirty="0" smtClean="0">
+                          <a:solidFill>
+                            <a:schemeClr val="tx1"/>
+                          </a:solidFill>
+                          <a:latin typeface="Arial "/>
+                        </a:rPr>
+                        <a:t> History</a:t>
+                      </a:r>
+                      <a:endParaRPr lang="en-US" sz="1600" dirty="0">
+                        <a:solidFill>
+                          <a:schemeClr val="tx1"/>
+                        </a:solidFill>
+                        <a:latin typeface="Arial "/>
+                      </a:endParaRPr>
+                    </a:p>
+                  </a:txBody>
+                  <a:tcPr marL="0" marR="0" marT="0" marB="0">
+                    <a:lnL w="12700" cap="flat" cmpd="sng" algn="ctr">
+                      <a:solidFill>
+                        <a:schemeClr val="tx1"/>
+                      </a:solidFill>
+                      <a:prstDash val="solid"/>
+                      <a:round/>
+                      <a:headEnd type="none" w="med" len="med"/>
+                      <a:tailEnd type="none" w="med" len="med"/>
+                    </a:lnL>
+                    <a:lnR w="12700" cap="flat" cmpd="sng" algn="ctr">
+                      <a:solidFill>
+                        <a:schemeClr val="tx1"/>
+                      </a:solidFill>
+                      <a:prstDash val="solid"/>
+                      <a:round/>
+                      <a:headEnd type="none" w="med" len="med"/>
+                      <a:tailEnd type="none" w="med" len="med"/>
+                    </a:lnR>
+                    <a:lnT w="12700" cap="flat" cmpd="sng" algn="ctr">
+                      <a:solidFill>
+                        <a:schemeClr val="tx1"/>
+                      </a:solidFill>
+                      <a:prstDash val="solid"/>
+                      <a:round/>
+                      <a:headEnd type="none" w="med" len="med"/>
+                      <a:tailEnd type="none" w="med" len="med"/>
+                    </a:lnT>
+                    <a:lnB w="12700" cap="flat" cmpd="sng" algn="ctr">
+                      <a:solidFill>
+                        <a:schemeClr val="tx1"/>
+                      </a:solidFill>
+                      <a:prstDash val="solid"/>
+                      <a:round/>
+                      <a:headEnd type="none" w="med" len="med"/>
+                      <a:tailEnd type="none" w="med" len="med"/>
+                    </a:lnB>
+                    <a:solidFill>
+                      <a:schemeClr val="accent3">
+                        <a:lumMod val="20000"/>
+                        <a:lumOff val="80000"/>
+                      </a:schemeClr>
+                    </a:solidFill>
+                  </a:tcPr>
+                </a:tc>
+                <a:extLst>
+                  <a:ext uri="{0D108BD9-81ED-4DB2-BD59-A6C34878D82A}">
+                    <a16:rowId xmlns:a16="http://schemas.microsoft.com/office/drawing/2014/main" val="2991376141"/>
+                  </a:ext>
+                </a:extLst>
+              </a:tr>
+              <a:tr h="497950">
+                <a:tc>
+                  <a:txBody>
+                    <a:bodyPr/>
+                    <a:lstStyle/>
+                    <a:p>
+                      <a:pPr algn="ctr">
+                        <a:lnSpc>
+                          <a:spcPct val="150000"/>
+                        </a:lnSpc>
+                      </a:pPr>
+                      <a:r>
+                        <a:rPr lang="en-US" sz="1600" dirty="0" smtClean="0">
+                          <a:latin typeface="Arial "/>
+                        </a:rPr>
+                        <a:t>Entrance</a:t>
+                      </a:r>
+                      <a:endParaRPr lang="en-US" sz="1600" dirty="0">
+                        <a:latin typeface="Arial "/>
+                      </a:endParaRPr>
+                    </a:p>
+                  </a:txBody>
+                  <a:tcPr marL="0" marR="0" marT="0" marB="0">
+                    <a:lnL w="12700" cap="flat" cmpd="sng" algn="ctr">
+                      <a:solidFill>
+                        <a:schemeClr val="tx1"/>
+                      </a:solidFill>
+                      <a:prstDash val="solid"/>
+                      <a:round/>
+                      <a:headEnd type="none" w="med" len="med"/>
+                      <a:tailEnd type="none" w="med" len="med"/>
+                    </a:lnL>
+                    <a:lnR w="12700" cap="flat" cmpd="sng" algn="ctr">
+                      <a:solidFill>
+                        <a:schemeClr val="tx1"/>
+                      </a:solidFill>
+                      <a:prstDash val="solid"/>
+                      <a:round/>
+                      <a:headEnd type="none" w="med" len="med"/>
+                      <a:tailEnd type="none" w="med" len="med"/>
+                    </a:lnR>
+                    <a:lnT w="12700" cap="flat" cmpd="sng" algn="ctr">
+                      <a:solidFill>
+                        <a:schemeClr val="tx1"/>
+                      </a:solidFill>
+                      <a:prstDash val="solid"/>
+                      <a:round/>
+                      <a:headEnd type="none" w="med" len="med"/>
+                      <a:tailEnd type="none" w="med" len="med"/>
+                    </a:lnT>
+                    <a:lnB w="12700" cap="flat" cmpd="sng" algn="ctr">
+                      <a:solidFill>
+                        <a:schemeClr val="tx1"/>
+                      </a:solidFill>
+                      <a:prstDash val="solid"/>
+                      <a:round/>
+                      <a:headEnd type="none" w="med" len="med"/>
+                      <a:tailEnd type="none" w="med" len="med"/>
+                    </a:lnB>
+                    <a:solidFill>
+                      <a:schemeClr val="bg1"/>
+                    </a:solidFill>
+                  </a:tcPr>
+                </a:tc>
+                <a:tc>
+                  <a:txBody>
+                    <a:bodyPr/>
+                    <a:lstStyle/>
+                    <a:p>
+                      <a:pPr algn="ctr">
+                        <a:lnSpc>
+                          <a:spcPct val="150000"/>
+                        </a:lnSpc>
+                      </a:pPr>
+                      <a:r>
+                        <a:rPr lang="en-US" sz="1600" dirty="0" smtClean="0">
+                          <a:latin typeface="Arial "/>
+                        </a:rPr>
+                        <a:t>12/02/2019</a:t>
+                      </a:r>
+                      <a:endParaRPr lang="en-US" sz="1600" dirty="0">
+                        <a:latin typeface="Arial "/>
+                      </a:endParaRPr>
+                    </a:p>
+                  </a:txBody>
+                  <a:tcPr marL="0" marR="0" marT="0" marB="0">
+                    <a:lnL w="12700" cap="flat" cmpd="sng" algn="ctr">
+                      <a:solidFill>
+                        <a:schemeClr val="tx1"/>
+                      </a:solidFill>
+                      <a:prstDash val="solid"/>
+                      <a:round/>
+                      <a:headEnd type="none" w="med" len="med"/>
+                      <a:tailEnd type="none" w="med" len="med"/>
+                    </a:lnL>
+                    <a:lnR w="12700" cap="flat" cmpd="sng" algn="ctr">
+                      <a:solidFill>
+                        <a:schemeClr val="tx1"/>
+                      </a:solidFill>
+                      <a:prstDash val="solid"/>
+                      <a:round/>
+                      <a:headEnd type="none" w="med" len="med"/>
+                      <a:tailEnd type="none" w="med" len="med"/>
+                    </a:lnR>
+                    <a:lnT w="12700" cap="flat" cmpd="sng" algn="ctr">
+                      <a:solidFill>
+                        <a:schemeClr val="tx1"/>
+                      </a:solidFill>
+                      <a:prstDash val="solid"/>
+                      <a:round/>
+                      <a:headEnd type="none" w="med" len="med"/>
+                      <a:tailEnd type="none" w="med" len="med"/>
+                    </a:lnT>
+                    <a:lnB w="12700" cap="flat" cmpd="sng" algn="ctr">
+                      <a:solidFill>
+                        <a:schemeClr val="tx1"/>
+                      </a:solidFill>
+                      <a:prstDash val="solid"/>
+                      <a:round/>
+                      <a:headEnd type="none" w="med" len="med"/>
+                      <a:tailEnd type="none" w="med" len="med"/>
+                    </a:lnB>
+                    <a:solidFill>
+                      <a:schemeClr val="bg1"/>
+                    </a:solidFill>
+                  </a:tcPr>
+                </a:tc>
+                <a:extLst>
+                  <a:ext uri="{0D108BD9-81ED-4DB2-BD59-A6C34878D82A}">
+                    <a16:rowId xmlns:a16="http://schemas.microsoft.com/office/drawing/2014/main" val="125944848"/>
+                  </a:ext>
+                </a:extLst>
+              </a:tr>
+              <a:tr h="497950">
+                <a:tc>
+                  <a:txBody>
+                    <a:bodyPr/>
+                    <a:lstStyle/>
+                    <a:p>
+                      <a:pPr algn="ctr">
+                        <a:lnSpc>
+                          <a:spcPct val="150000"/>
+                        </a:lnSpc>
+                      </a:pPr>
+                      <a:r>
+                        <a:rPr lang="en-US" sz="1600" dirty="0" smtClean="0">
+                          <a:latin typeface="Arial "/>
+                        </a:rPr>
+                        <a:t>Apr 2021</a:t>
+                      </a:r>
+                      <a:endParaRPr lang="en-US" sz="1600" dirty="0">
+                        <a:latin typeface="Arial "/>
+                      </a:endParaRPr>
+                    </a:p>
+                  </a:txBody>
+                  <a:tcPr marL="0" marR="0" marT="0" marB="0">
+                    <a:lnL w="12700" cap="flat" cmpd="sng" algn="ctr">
+                      <a:solidFill>
+                        <a:schemeClr val="tx1"/>
+                      </a:solidFill>
+                      <a:prstDash val="solid"/>
+                      <a:round/>
+                      <a:headEnd type="none" w="med" len="med"/>
+                      <a:tailEnd type="none" w="med" len="med"/>
+                    </a:lnL>
+                    <a:lnR w="12700" cap="flat" cmpd="sng" algn="ctr">
+                      <a:solidFill>
+                        <a:schemeClr val="tx1"/>
+                      </a:solidFill>
+                      <a:prstDash val="solid"/>
+                      <a:round/>
+                      <a:headEnd type="none" w="med" len="med"/>
+                      <a:tailEnd type="none" w="med" len="med"/>
+                    </a:lnR>
+                    <a:lnT w="12700" cap="flat" cmpd="sng" algn="ctr">
+                      <a:solidFill>
+                        <a:schemeClr val="tx1"/>
+                      </a:solidFill>
+                      <a:prstDash val="solid"/>
+                      <a:round/>
+                      <a:headEnd type="none" w="med" len="med"/>
+                      <a:tailEnd type="none" w="med" len="med"/>
+                    </a:lnT>
+                    <a:lnB w="12700" cap="flat" cmpd="sng" algn="ctr">
+                      <a:solidFill>
+                        <a:schemeClr val="tx1"/>
+                      </a:solidFill>
+                      <a:prstDash val="solid"/>
+                      <a:round/>
+                      <a:headEnd type="none" w="med" len="med"/>
+                      <a:tailEnd type="none" w="med" len="med"/>
+                    </a:lnB>
+                    <a:solidFill>
+                      <a:schemeClr val="bg1"/>
+                    </a:solidFill>
+                  </a:tcPr>
+                </a:tc>
+                <a:tc>
+                  <a:txBody>
+                    <a:bodyPr/>
+                    <a:lstStyle/>
+                    <a:p>
+                      <a:pPr algn="ctr">
+                        <a:lnSpc>
+                          <a:spcPct val="150000"/>
+                        </a:lnSpc>
+                      </a:pPr>
+                      <a:r>
+                        <a:rPr lang="en-US" sz="1600" dirty="0" smtClean="0">
+                          <a:latin typeface="Arial "/>
+                        </a:rPr>
+                        <a:t>Rank</a:t>
+                      </a:r>
+                      <a:r>
+                        <a:rPr lang="en-US" sz="1600" baseline="0" dirty="0" smtClean="0">
+                          <a:latin typeface="Arial "/>
+                        </a:rPr>
+                        <a:t> </a:t>
+                      </a:r>
+                      <a:r>
+                        <a:rPr lang="en-US" sz="1600" dirty="0" smtClean="0">
+                          <a:latin typeface="Arial "/>
+                        </a:rPr>
+                        <a:t>up (V12-V13)</a:t>
+                      </a:r>
+                      <a:endParaRPr lang="en-US" sz="1600" dirty="0">
+                        <a:latin typeface="Arial "/>
+                      </a:endParaRPr>
+                    </a:p>
+                  </a:txBody>
+                  <a:tcPr marL="0" marR="0" marT="0" marB="0">
+                    <a:lnL w="12700" cap="flat" cmpd="sng" algn="ctr">
+                      <a:solidFill>
+                        <a:schemeClr val="tx1"/>
+                      </a:solidFill>
+                      <a:prstDash val="solid"/>
+                      <a:round/>
+                      <a:headEnd type="none" w="med" len="med"/>
+                      <a:tailEnd type="none" w="med" len="med"/>
+                    </a:lnL>
+                    <a:lnR w="12700" cap="flat" cmpd="sng" algn="ctr">
+                      <a:solidFill>
+                        <a:schemeClr val="tx1"/>
+                      </a:solidFill>
+                      <a:prstDash val="solid"/>
+                      <a:round/>
+                      <a:headEnd type="none" w="med" len="med"/>
+                      <a:tailEnd type="none" w="med" len="med"/>
+                    </a:lnR>
+                    <a:lnT w="12700" cap="flat" cmpd="sng" algn="ctr">
+                      <a:solidFill>
+                        <a:schemeClr val="tx1"/>
+                      </a:solidFill>
+                      <a:prstDash val="solid"/>
+                      <a:round/>
+                      <a:headEnd type="none" w="med" len="med"/>
+                      <a:tailEnd type="none" w="med" len="med"/>
+                    </a:lnT>
+                    <a:lnB w="12700" cap="flat" cmpd="sng" algn="ctr">
+                      <a:solidFill>
+                        <a:schemeClr val="tx1"/>
+                      </a:solidFill>
+                      <a:prstDash val="solid"/>
+                      <a:round/>
+                      <a:headEnd type="none" w="med" len="med"/>
+                      <a:tailEnd type="none" w="med" len="med"/>
+                    </a:lnB>
+                    <a:solidFill>
+                      <a:schemeClr val="bg1"/>
+                    </a:solidFill>
+                  </a:tcPr>
+                </a:tc>
+                <a:extLst>
+                  <a:ext uri="{0D108BD9-81ED-4DB2-BD59-A6C34878D82A}">
+                    <a16:rowId xmlns:a16="http://schemas.microsoft.com/office/drawing/2014/main" val="924434113"/>
+                  </a:ext>
+                </a:extLst>
+              </a:tr>
+              <a:tr h="497950">
+                <a:tc>
+                  <a:txBody>
+                    <a:bodyPr/>
+                    <a:lstStyle/>
+                    <a:p>
+                      <a:pPr algn="ctr">
+                        <a:lnSpc>
+                          <a:spcPct val="150000"/>
+                        </a:lnSpc>
+                      </a:pPr>
+                      <a:r>
+                        <a:rPr lang="en-US" sz="1600" dirty="0" smtClean="0">
+                          <a:latin typeface="Arial "/>
+                        </a:rPr>
+                        <a:t>My</a:t>
+                      </a:r>
+                      <a:r>
+                        <a:rPr lang="en-US" sz="1600" baseline="0" dirty="0" smtClean="0">
+                          <a:latin typeface="Arial "/>
+                        </a:rPr>
+                        <a:t> Job</a:t>
+                      </a:r>
+                      <a:endParaRPr lang="en-US" sz="1600" dirty="0">
+                        <a:latin typeface="Arial "/>
+                      </a:endParaRPr>
+                    </a:p>
+                  </a:txBody>
+                  <a:tcPr marL="0" marR="0" marT="0" marB="0">
+                    <a:lnL w="12700" cap="flat" cmpd="sng" algn="ctr">
+                      <a:solidFill>
+                        <a:schemeClr val="tx1"/>
+                      </a:solidFill>
+                      <a:prstDash val="solid"/>
+                      <a:round/>
+                      <a:headEnd type="none" w="med" len="med"/>
+                      <a:tailEnd type="none" w="med" len="med"/>
+                    </a:lnL>
+                    <a:lnR w="12700" cap="flat" cmpd="sng" algn="ctr">
+                      <a:solidFill>
+                        <a:schemeClr val="tx1"/>
+                      </a:solidFill>
+                      <a:prstDash val="solid"/>
+                      <a:round/>
+                      <a:headEnd type="none" w="med" len="med"/>
+                      <a:tailEnd type="none" w="med" len="med"/>
+                    </a:lnR>
+                    <a:lnT w="12700" cap="flat" cmpd="sng" algn="ctr">
+                      <a:solidFill>
+                        <a:schemeClr val="tx1"/>
+                      </a:solidFill>
+                      <a:prstDash val="solid"/>
+                      <a:round/>
+                      <a:headEnd type="none" w="med" len="med"/>
+                      <a:tailEnd type="none" w="med" len="med"/>
+                    </a:lnT>
+                    <a:lnB w="12700" cap="flat" cmpd="sng" algn="ctr">
+                      <a:solidFill>
+                        <a:schemeClr val="tx1"/>
+                      </a:solidFill>
+                      <a:prstDash val="solid"/>
+                      <a:round/>
+                      <a:headEnd type="none" w="med" len="med"/>
+                      <a:tailEnd type="none" w="med" len="med"/>
+                    </a:lnB>
+                    <a:solidFill>
+                      <a:schemeClr val="bg1"/>
+                    </a:solidFill>
+                  </a:tcPr>
+                </a:tc>
+                <a:tc>
+                  <a:txBody>
+                    <a:bodyPr/>
+                    <a:lstStyle/>
+                    <a:p>
+                      <a:pPr>
+                        <a:lnSpc>
+                          <a:spcPct val="150000"/>
+                        </a:lnSpc>
+                      </a:pPr>
+                      <a:endParaRPr lang="en-US" sz="1600" dirty="0">
+                        <a:latin typeface="Arial "/>
+                      </a:endParaRPr>
+                    </a:p>
+                  </a:txBody>
+                  <a:tcPr marL="0" marR="0" marT="0" marB="0">
+                    <a:lnL w="12700" cap="flat" cmpd="sng" algn="ctr">
+                      <a:solidFill>
+                        <a:schemeClr val="tx1"/>
+                      </a:solidFill>
+                      <a:prstDash val="solid"/>
+                      <a:round/>
+                      <a:headEnd type="none" w="med" len="med"/>
+                      <a:tailEnd type="none" w="med" len="med"/>
+                    </a:lnL>
+                    <a:lnR w="12700" cap="flat" cmpd="sng" algn="ctr">
+                      <a:solidFill>
+                        <a:schemeClr val="tx1"/>
+                      </a:solidFill>
+                      <a:prstDash val="solid"/>
+                      <a:round/>
+                      <a:headEnd type="none" w="med" len="med"/>
+                      <a:tailEnd type="none" w="med" len="med"/>
+                    </a:lnR>
+                    <a:lnT w="12700" cap="flat" cmpd="sng" algn="ctr">
+                      <a:solidFill>
+                        <a:schemeClr val="tx1"/>
+                      </a:solidFill>
+                      <a:prstDash val="solid"/>
+                      <a:round/>
+                      <a:headEnd type="none" w="med" len="med"/>
+                      <a:tailEnd type="none" w="med" len="med"/>
+                    </a:lnT>
+                    <a:lnB w="12700" cap="flat" cmpd="sng" algn="ctr">
+                      <a:solidFill>
+                        <a:schemeClr val="tx1"/>
+                      </a:solidFill>
+                      <a:prstDash val="solid"/>
+                      <a:round/>
+                      <a:headEnd type="none" w="med" len="med"/>
+                      <a:tailEnd type="none" w="med" len="med"/>
+                    </a:lnB>
+                    <a:solidFill>
+                      <a:schemeClr val="bg1"/>
+                    </a:solidFill>
+                  </a:tcPr>
+                </a:tc>
+                <a:extLst>
+                  <a:ext uri="{0D108BD9-81ED-4DB2-BD59-A6C34878D82A}">
+                    <a16:rowId xmlns:a16="http://schemas.microsoft.com/office/drawing/2014/main" val="3810989444"/>
+                  </a:ext>
+                </a:extLst>
+              </a:tr>
+            </a:tbl>
+          </a:graphicData>
+        </a:graphic>
+      </p:graphicFrame>
+      <p:sp>
+        <p:nvSpPr>
+          <p:cNvPr id="6" name="Rectangle 5"/>
+          <p:cNvSpPr/>
+          <p:nvPr/>
+        </p:nvSpPr>
+        <p:spPr>
+          <a:xfrm>
+            <a:off x="5257800" y="1066731"/>
+            <a:ext cx="2912443" cy="362376"/>
+          </a:xfrm>
+          <a:prstGeom prst="rect">
+            <a:avLst/>
+          </a:prstGeom>
+          <a:solidFill>
+            <a:schemeClr val="bg1"/>
+          </a:solidFill>
+          <a:ln w="12700"/>
+        </p:spPr>
+        <p:style>
+          <a:lnRef idx="2">
+            <a:schemeClr val="accent1">
+              <a:shade val="50000"/>
+            </a:schemeClr>
+          </a:lnRef>
+          <a:fillRef idx="1">
+            <a:schemeClr val="accent1"/>
+          </a:fillRef>
+          <a:effectRef idx="0">
+            <a:schemeClr val="accent1"/>
+          </a:effectRef>
+          <a:fontRef idx="minor">
+            <a:schemeClr val="lt1"/>
+          </a:fontRef>
+        </p:style>
+        <p:txBody>
+          <a:bodyPr rtlCol="0" anchor="ctr"/>
+          <a:lstStyle/>
+          <a:p>
+            <a:pPr algn="ctr"/>
+            <a:r>
+              <a:rPr lang="en-US" sz="1600" b="1" dirty="0" smtClean="0">
+                <a:solidFill>
+                  <a:schemeClr val="tx1"/>
+                </a:solidFill>
+                <a:latin typeface="Arial "/>
+              </a:rPr>
+              <a:t>ISD (GM. Matsushita)</a:t>
+            </a:r>
+            <a:endParaRPr lang="en-US" sz="1600" b="1" dirty="0">
+              <a:solidFill>
+                <a:schemeClr val="tx1"/>
+              </a:solidFill>
+              <a:latin typeface="Arial "/>
+            </a:endParaRPr>
+          </a:p>
+        </p:txBody>
+      </p:sp>
+      <p:sp>
+        <p:nvSpPr>
+          <p:cNvPr id="7" name="Rectangle 6"/>
+          <p:cNvSpPr/>
+          <p:nvPr/>
+        </p:nvSpPr>
+        <p:spPr>
+          <a:xfrm>
+            <a:off x="7206770" y="2743200"/>
+            <a:ext cx="1900718" cy="381000"/>
+          </a:xfrm>
+          <a:prstGeom prst="rect">
+            <a:avLst/>
+          </a:prstGeom>
+          <a:solidFill>
+            <a:schemeClr val="bg1"/>
+          </a:solidFill>
+          <a:ln w="3175"/>
+        </p:spPr>
+        <p:style>
+          <a:lnRef idx="2">
+            <a:schemeClr val="accent1">
+              <a:shade val="50000"/>
+            </a:schemeClr>
+          </a:lnRef>
+          <a:fillRef idx="1">
+            <a:schemeClr val="accent1"/>
+          </a:fillRef>
+          <a:effectRef idx="0">
+            <a:schemeClr val="accent1"/>
+          </a:effectRef>
+          <a:fontRef idx="minor">
+            <a:schemeClr val="lt1"/>
+          </a:fontRef>
+        </p:style>
+        <p:txBody>
+          <a:bodyPr rtlCol="0" anchor="ctr"/>
+          <a:lstStyle/>
+          <a:p>
+            <a:pPr algn="ctr"/>
+            <a:r>
+              <a:rPr lang="en-US" sz="1600" dirty="0" smtClean="0">
+                <a:solidFill>
+                  <a:schemeClr val="tx1"/>
+                </a:solidFill>
+                <a:latin typeface="Arial "/>
+              </a:rPr>
+              <a:t>Business Planning</a:t>
+            </a:r>
+            <a:endParaRPr lang="en-US" sz="1600" dirty="0">
+              <a:solidFill>
+                <a:schemeClr val="tx1"/>
+              </a:solidFill>
+              <a:latin typeface="Arial "/>
+            </a:endParaRPr>
+          </a:p>
+        </p:txBody>
+      </p:sp>
+      <p:sp>
+        <p:nvSpPr>
+          <p:cNvPr id="20" name="Rectangle 19"/>
+          <p:cNvSpPr/>
+          <p:nvPr/>
+        </p:nvSpPr>
+        <p:spPr>
+          <a:xfrm>
+            <a:off x="5467180" y="2743200"/>
+            <a:ext cx="705020" cy="367792"/>
+          </a:xfrm>
+          <a:prstGeom prst="rect">
+            <a:avLst/>
+          </a:prstGeom>
+          <a:solidFill>
+            <a:schemeClr val="bg1"/>
+          </a:solidFill>
+          <a:ln w="3175"/>
+        </p:spPr>
+        <p:style>
+          <a:lnRef idx="2">
+            <a:schemeClr val="accent1">
+              <a:shade val="50000"/>
+            </a:schemeClr>
+          </a:lnRef>
+          <a:fillRef idx="1">
+            <a:schemeClr val="accent1"/>
+          </a:fillRef>
+          <a:effectRef idx="0">
+            <a:schemeClr val="accent1"/>
+          </a:effectRef>
+          <a:fontRef idx="minor">
+            <a:schemeClr val="lt1"/>
+          </a:fontRef>
+        </p:style>
+        <p:txBody>
+          <a:bodyPr rtlCol="0" anchor="ctr"/>
+          <a:lstStyle/>
+          <a:p>
+            <a:pPr algn="ctr"/>
+            <a:r>
+              <a:rPr lang="en-US" sz="1600" dirty="0" smtClean="0">
+                <a:solidFill>
+                  <a:schemeClr val="tx1"/>
+                </a:solidFill>
+                <a:latin typeface="Arial "/>
+              </a:rPr>
+              <a:t>SAP</a:t>
+            </a:r>
+            <a:endParaRPr lang="en-US" sz="1600" dirty="0">
+              <a:solidFill>
+                <a:schemeClr val="tx1"/>
+              </a:solidFill>
+              <a:latin typeface="Arial "/>
+            </a:endParaRPr>
+          </a:p>
+        </p:txBody>
+      </p:sp>
+      <p:sp>
+        <p:nvSpPr>
+          <p:cNvPr id="21" name="Rectangle 20"/>
+          <p:cNvSpPr/>
+          <p:nvPr/>
+        </p:nvSpPr>
+        <p:spPr>
+          <a:xfrm>
+            <a:off x="6324600" y="2743200"/>
+            <a:ext cx="729770" cy="377120"/>
+          </a:xfrm>
+          <a:prstGeom prst="rect">
+            <a:avLst/>
+          </a:prstGeom>
+          <a:solidFill>
+            <a:schemeClr val="bg1"/>
+          </a:solidFill>
+          <a:ln w="3175"/>
+        </p:spPr>
+        <p:style>
+          <a:lnRef idx="2">
+            <a:schemeClr val="accent1">
+              <a:shade val="50000"/>
+            </a:schemeClr>
+          </a:lnRef>
+          <a:fillRef idx="1">
+            <a:schemeClr val="accent1"/>
+          </a:fillRef>
+          <a:effectRef idx="0">
+            <a:schemeClr val="accent1"/>
+          </a:effectRef>
+          <a:fontRef idx="minor">
+            <a:schemeClr val="lt1"/>
+          </a:fontRef>
+        </p:style>
+        <p:txBody>
+          <a:bodyPr rtlCol="0" anchor="ctr"/>
+          <a:lstStyle/>
+          <a:p>
+            <a:pPr algn="ctr"/>
+            <a:r>
+              <a:rPr lang="en-US" sz="1600" dirty="0" smtClean="0">
+                <a:solidFill>
+                  <a:schemeClr val="tx1"/>
+                </a:solidFill>
+                <a:latin typeface="Arial "/>
+              </a:rPr>
+              <a:t>Infra</a:t>
+            </a:r>
+            <a:endParaRPr lang="en-US" sz="1600" dirty="0">
+              <a:solidFill>
+                <a:schemeClr val="tx1"/>
+              </a:solidFill>
+              <a:latin typeface="Arial "/>
+            </a:endParaRPr>
+          </a:p>
+        </p:txBody>
+      </p:sp>
+      <p:sp>
+        <p:nvSpPr>
+          <p:cNvPr id="23" name="Rectangle 22"/>
+          <p:cNvSpPr/>
+          <p:nvPr/>
+        </p:nvSpPr>
+        <p:spPr>
+          <a:xfrm>
+            <a:off x="4191000" y="2743200"/>
+            <a:ext cx="1124856" cy="357582"/>
+          </a:xfrm>
+          <a:prstGeom prst="rect">
+            <a:avLst/>
+          </a:prstGeom>
+          <a:solidFill>
+            <a:schemeClr val="bg1"/>
+          </a:solidFill>
+          <a:ln w="3175"/>
+        </p:spPr>
+        <p:style>
+          <a:lnRef idx="2">
+            <a:schemeClr val="accent1">
+              <a:shade val="50000"/>
+            </a:schemeClr>
+          </a:lnRef>
+          <a:fillRef idx="1">
+            <a:schemeClr val="accent1"/>
+          </a:fillRef>
+          <a:effectRef idx="0">
+            <a:schemeClr val="accent1"/>
+          </a:effectRef>
+          <a:fontRef idx="minor">
+            <a:schemeClr val="lt1"/>
+          </a:fontRef>
+        </p:style>
+        <p:txBody>
+          <a:bodyPr rtlCol="0" anchor="ctr"/>
+          <a:lstStyle/>
+          <a:p>
+            <a:pPr algn="ctr"/>
+            <a:r>
+              <a:rPr lang="en-US" sz="1600" dirty="0" smtClean="0">
+                <a:solidFill>
+                  <a:schemeClr val="tx1"/>
+                </a:solidFill>
+                <a:latin typeface="Arial "/>
+              </a:rPr>
+              <a:t>Develop</a:t>
+            </a:r>
+            <a:endParaRPr lang="en-US" sz="1600" dirty="0">
+              <a:solidFill>
+                <a:schemeClr val="tx1"/>
+              </a:solidFill>
+              <a:latin typeface="Arial "/>
+            </a:endParaRPr>
+          </a:p>
+        </p:txBody>
+      </p:sp>
+      <p:sp>
+        <p:nvSpPr>
+          <p:cNvPr id="14" name="Rectangle 13"/>
+          <p:cNvSpPr/>
+          <p:nvPr/>
+        </p:nvSpPr>
+        <p:spPr>
+          <a:xfrm>
+            <a:off x="4966650" y="2521646"/>
+            <a:ext cx="627744" cy="257959"/>
+          </a:xfrm>
+          <a:prstGeom prst="rect">
+            <a:avLst/>
+          </a:prstGeom>
+          <a:noFill/>
+          <a:ln>
+            <a:noFill/>
+          </a:ln>
+        </p:spPr>
+        <p:style>
+          <a:lnRef idx="2">
+            <a:schemeClr val="accent1">
+              <a:shade val="50000"/>
+            </a:schemeClr>
+          </a:lnRef>
+          <a:fillRef idx="1">
+            <a:schemeClr val="accent1"/>
+          </a:fillRef>
+          <a:effectRef idx="0">
+            <a:schemeClr val="accent1"/>
+          </a:effectRef>
+          <a:fontRef idx="minor">
+            <a:schemeClr val="lt1"/>
+          </a:fontRef>
+        </p:style>
+        <p:txBody>
+          <a:bodyPr rtlCol="0" anchor="ctr"/>
+          <a:lstStyle/>
+          <a:p>
+            <a:pPr algn="ctr"/>
+            <a:r>
+              <a:rPr lang="en-US" sz="1400" dirty="0" smtClean="0">
+                <a:solidFill>
+                  <a:schemeClr val="tx1"/>
+                </a:solidFill>
+                <a:latin typeface="Arial "/>
+              </a:rPr>
+              <a:t>4HC</a:t>
+            </a:r>
+            <a:endParaRPr lang="en-US" sz="1400" dirty="0">
+              <a:solidFill>
+                <a:schemeClr val="tx1"/>
+              </a:solidFill>
+              <a:latin typeface="Arial "/>
+            </a:endParaRPr>
+          </a:p>
+        </p:txBody>
+      </p:sp>
+      <p:sp>
+        <p:nvSpPr>
+          <p:cNvPr id="26" name="Rectangle 25"/>
+          <p:cNvSpPr/>
+          <p:nvPr/>
+        </p:nvSpPr>
+        <p:spPr>
+          <a:xfrm>
+            <a:off x="5269342" y="1657706"/>
+            <a:ext cx="2912443" cy="290684"/>
+          </a:xfrm>
+          <a:prstGeom prst="rect">
+            <a:avLst/>
+          </a:prstGeom>
+          <a:solidFill>
+            <a:schemeClr val="bg1"/>
+          </a:solidFill>
+          <a:ln w="12700"/>
+        </p:spPr>
+        <p:style>
+          <a:lnRef idx="2">
+            <a:schemeClr val="accent1">
+              <a:shade val="50000"/>
+            </a:schemeClr>
+          </a:lnRef>
+          <a:fillRef idx="1">
+            <a:schemeClr val="accent1"/>
+          </a:fillRef>
+          <a:effectRef idx="0">
+            <a:schemeClr val="accent1"/>
+          </a:effectRef>
+          <a:fontRef idx="minor">
+            <a:schemeClr val="lt1"/>
+          </a:fontRef>
+        </p:style>
+        <p:txBody>
+          <a:bodyPr rot="0" spcFirstLastPara="0" vertOverflow="overflow" horzOverflow="overflow" vert="horz" wrap="square" lIns="91440" tIns="45720" rIns="91440" bIns="45720" numCol="1" spcCol="0" rtlCol="0" fromWordArt="0" anchor="ctr" anchorCtr="0" forceAA="0" compatLnSpc="1">
+            <a:prstTxWarp prst="textNoShape">
+              <a:avLst/>
+            </a:prstTxWarp>
+            <a:noAutofit/>
+          </a:bodyPr>
+          <a:lstStyle/>
+          <a:p>
+            <a:pPr algn="ctr"/>
+            <a:r>
+              <a:rPr lang="en-US" sz="1600" b="1" dirty="0">
+                <a:solidFill>
+                  <a:schemeClr val="tx1"/>
+                </a:solidFill>
+                <a:latin typeface="Arial "/>
+              </a:rPr>
+              <a:t>M. (Chung/ </a:t>
+            </a:r>
+            <a:r>
+              <a:rPr lang="en-US" sz="1600" b="1" dirty="0" err="1">
+                <a:solidFill>
+                  <a:schemeClr val="tx1"/>
+                </a:solidFill>
+                <a:latin typeface="Arial "/>
+              </a:rPr>
+              <a:t>Thuy</a:t>
+            </a:r>
+            <a:r>
+              <a:rPr lang="en-US" sz="1600" b="1" dirty="0">
+                <a:solidFill>
+                  <a:schemeClr val="tx1"/>
+                </a:solidFill>
+                <a:latin typeface="Arial "/>
+              </a:rPr>
+              <a:t>/ </a:t>
+            </a:r>
+            <a:r>
+              <a:rPr lang="en-US" sz="1600" b="1" dirty="0" err="1">
+                <a:solidFill>
+                  <a:schemeClr val="tx1"/>
+                </a:solidFill>
+                <a:latin typeface="Arial "/>
+              </a:rPr>
+              <a:t>Toan</a:t>
+            </a:r>
+            <a:r>
+              <a:rPr lang="en-US" sz="1600" b="1" dirty="0">
+                <a:solidFill>
+                  <a:schemeClr val="tx1"/>
+                </a:solidFill>
+                <a:latin typeface="Arial "/>
+              </a:rPr>
+              <a:t>)</a:t>
+            </a:r>
+          </a:p>
+        </p:txBody>
+      </p:sp>
+      <p:sp>
+        <p:nvSpPr>
+          <p:cNvPr id="28" name="Rectangle 27"/>
+          <p:cNvSpPr/>
+          <p:nvPr/>
+        </p:nvSpPr>
+        <p:spPr>
+          <a:xfrm>
+            <a:off x="5269342" y="2176989"/>
+            <a:ext cx="2912443" cy="208280"/>
+          </a:xfrm>
+          <a:prstGeom prst="rect">
+            <a:avLst/>
+          </a:prstGeom>
+          <a:solidFill>
+            <a:schemeClr val="bg1"/>
+          </a:solidFill>
+          <a:ln w="12700"/>
+        </p:spPr>
+        <p:style>
+          <a:lnRef idx="2">
+            <a:schemeClr val="accent1">
+              <a:shade val="50000"/>
+            </a:schemeClr>
+          </a:lnRef>
+          <a:fillRef idx="1">
+            <a:schemeClr val="accent1"/>
+          </a:fillRef>
+          <a:effectRef idx="0">
+            <a:schemeClr val="accent1"/>
+          </a:effectRef>
+          <a:fontRef idx="minor">
+            <a:schemeClr val="lt1"/>
+          </a:fontRef>
+        </p:style>
+        <p:txBody>
+          <a:bodyPr rot="0" spcFirstLastPara="0" vertOverflow="overflow" horzOverflow="overflow" vert="horz" wrap="square" lIns="91440" tIns="45720" rIns="91440" bIns="45720" numCol="1" spcCol="0" rtlCol="0" fromWordArt="0" anchor="ctr" anchorCtr="0" forceAA="0" compatLnSpc="1">
+            <a:prstTxWarp prst="textNoShape">
+              <a:avLst/>
+            </a:prstTxWarp>
+            <a:noAutofit/>
+          </a:bodyPr>
+          <a:lstStyle/>
+          <a:p>
+            <a:pPr algn="ctr"/>
+            <a:r>
+              <a:rPr lang="en-US" sz="1600" b="1" dirty="0">
+                <a:solidFill>
+                  <a:schemeClr val="tx1"/>
+                </a:solidFill>
+                <a:latin typeface="Arial "/>
+              </a:rPr>
+              <a:t>AM. </a:t>
+            </a:r>
+            <a:r>
+              <a:rPr lang="en-US" sz="1600" b="1" dirty="0" err="1">
+                <a:solidFill>
+                  <a:schemeClr val="tx1"/>
+                </a:solidFill>
+                <a:latin typeface="Arial "/>
+              </a:rPr>
+              <a:t>Hien</a:t>
+            </a:r>
+            <a:endParaRPr lang="en-US" sz="1600" b="1" dirty="0">
+              <a:solidFill>
+                <a:schemeClr val="tx1"/>
+              </a:solidFill>
+              <a:latin typeface="Arial "/>
+            </a:endParaRPr>
+          </a:p>
+        </p:txBody>
+      </p:sp>
+      <p:cxnSp>
+        <p:nvCxnSpPr>
+          <p:cNvPr id="30" name="Straight Connector 29"/>
+          <p:cNvCxnSpPr/>
+          <p:nvPr/>
+        </p:nvCxnSpPr>
+        <p:spPr>
+          <a:xfrm>
+            <a:off x="5029200" y="2509620"/>
+            <a:ext cx="3048000" cy="16262"/>
+          </a:xfrm>
+          <a:prstGeom prst="line">
+            <a:avLst/>
+          </a:prstGeom>
+          <a:ln w="12700"/>
+        </p:spPr>
+        <p:style>
+          <a:lnRef idx="1">
+            <a:schemeClr val="accent1"/>
+          </a:lnRef>
+          <a:fillRef idx="0">
+            <a:schemeClr val="accent1"/>
+          </a:fillRef>
+          <a:effectRef idx="0">
+            <a:schemeClr val="accent1"/>
+          </a:effectRef>
+          <a:fontRef idx="minor">
+            <a:schemeClr val="tx1"/>
+          </a:fontRef>
+        </p:style>
+      </p:cxnSp>
+      <p:cxnSp>
+        <p:nvCxnSpPr>
+          <p:cNvPr id="39" name="Straight Arrow Connector 38"/>
+          <p:cNvCxnSpPr/>
+          <p:nvPr/>
+        </p:nvCxnSpPr>
+        <p:spPr>
+          <a:xfrm>
+            <a:off x="5036820" y="2509620"/>
+            <a:ext cx="0" cy="228600"/>
+          </a:xfrm>
+          <a:prstGeom prst="straightConnector1">
+            <a:avLst/>
+          </a:prstGeom>
+          <a:ln w="12700">
+            <a:tailEnd type="triangle"/>
+          </a:ln>
+        </p:spPr>
+        <p:style>
+          <a:lnRef idx="1">
+            <a:schemeClr val="accent1"/>
+          </a:lnRef>
+          <a:fillRef idx="0">
+            <a:schemeClr val="accent1"/>
+          </a:fillRef>
+          <a:effectRef idx="0">
+            <a:schemeClr val="accent1"/>
+          </a:effectRef>
+          <a:fontRef idx="minor">
+            <a:schemeClr val="tx1"/>
+          </a:fontRef>
+        </p:style>
+      </p:cxnSp>
+      <p:cxnSp>
+        <p:nvCxnSpPr>
+          <p:cNvPr id="47" name="Straight Arrow Connector 46"/>
+          <p:cNvCxnSpPr/>
+          <p:nvPr/>
+        </p:nvCxnSpPr>
+        <p:spPr>
+          <a:xfrm>
+            <a:off x="5819690" y="2514600"/>
+            <a:ext cx="0" cy="228600"/>
+          </a:xfrm>
+          <a:prstGeom prst="straightConnector1">
+            <a:avLst/>
+          </a:prstGeom>
+          <a:ln w="12700">
+            <a:tailEnd type="triangle"/>
+          </a:ln>
+        </p:spPr>
+        <p:style>
+          <a:lnRef idx="1">
+            <a:schemeClr val="accent1"/>
+          </a:lnRef>
+          <a:fillRef idx="0">
+            <a:schemeClr val="accent1"/>
+          </a:fillRef>
+          <a:effectRef idx="0">
+            <a:schemeClr val="accent1"/>
+          </a:effectRef>
+          <a:fontRef idx="minor">
+            <a:schemeClr val="tx1"/>
+          </a:fontRef>
+        </p:style>
+      </p:cxnSp>
+      <p:cxnSp>
+        <p:nvCxnSpPr>
+          <p:cNvPr id="50" name="Straight Arrow Connector 49"/>
+          <p:cNvCxnSpPr/>
+          <p:nvPr/>
+        </p:nvCxnSpPr>
+        <p:spPr>
+          <a:xfrm>
+            <a:off x="6689485" y="2514600"/>
+            <a:ext cx="0" cy="228600"/>
+          </a:xfrm>
+          <a:prstGeom prst="straightConnector1">
+            <a:avLst/>
+          </a:prstGeom>
+          <a:ln w="12700">
+            <a:tailEnd type="triangle"/>
+          </a:ln>
+        </p:spPr>
+        <p:style>
+          <a:lnRef idx="1">
+            <a:schemeClr val="accent1"/>
+          </a:lnRef>
+          <a:fillRef idx="0">
+            <a:schemeClr val="accent1"/>
+          </a:fillRef>
+          <a:effectRef idx="0">
+            <a:schemeClr val="accent1"/>
+          </a:effectRef>
+          <a:fontRef idx="minor">
+            <a:schemeClr val="tx1"/>
+          </a:fontRef>
+        </p:style>
+      </p:cxnSp>
+      <p:cxnSp>
+        <p:nvCxnSpPr>
+          <p:cNvPr id="51" name="Straight Arrow Connector 50"/>
+          <p:cNvCxnSpPr/>
+          <p:nvPr/>
+        </p:nvCxnSpPr>
+        <p:spPr>
+          <a:xfrm>
+            <a:off x="8077200" y="2514600"/>
+            <a:ext cx="0" cy="228600"/>
+          </a:xfrm>
+          <a:prstGeom prst="straightConnector1">
+            <a:avLst/>
+          </a:prstGeom>
+          <a:ln w="12700">
+            <a:tailEnd type="triangle"/>
+          </a:ln>
+        </p:spPr>
+        <p:style>
+          <a:lnRef idx="1">
+            <a:schemeClr val="accent1"/>
+          </a:lnRef>
+          <a:fillRef idx="0">
+            <a:schemeClr val="accent1"/>
+          </a:fillRef>
+          <a:effectRef idx="0">
+            <a:schemeClr val="accent1"/>
+          </a:effectRef>
+          <a:fontRef idx="minor">
+            <a:schemeClr val="tx1"/>
+          </a:fontRef>
+        </p:style>
+      </p:cxnSp>
+      <p:cxnSp>
+        <p:nvCxnSpPr>
+          <p:cNvPr id="4165" name="Straight Connector 4164"/>
+          <p:cNvCxnSpPr/>
+          <p:nvPr/>
+        </p:nvCxnSpPr>
+        <p:spPr>
+          <a:xfrm>
+            <a:off x="6689485" y="1429107"/>
+            <a:ext cx="0" cy="228600"/>
+          </a:xfrm>
+          <a:prstGeom prst="line">
+            <a:avLst/>
+          </a:prstGeom>
+          <a:ln w="12700"/>
+        </p:spPr>
+        <p:style>
+          <a:lnRef idx="1">
+            <a:schemeClr val="accent1"/>
+          </a:lnRef>
+          <a:fillRef idx="0">
+            <a:schemeClr val="accent1"/>
+          </a:fillRef>
+          <a:effectRef idx="0">
+            <a:schemeClr val="accent1"/>
+          </a:effectRef>
+          <a:fontRef idx="minor">
+            <a:schemeClr val="tx1"/>
+          </a:fontRef>
+        </p:style>
+      </p:cxnSp>
+      <p:cxnSp>
+        <p:nvCxnSpPr>
+          <p:cNvPr id="71" name="Straight Connector 70"/>
+          <p:cNvCxnSpPr/>
+          <p:nvPr/>
+        </p:nvCxnSpPr>
+        <p:spPr>
+          <a:xfrm>
+            <a:off x="6696230" y="1948390"/>
+            <a:ext cx="0" cy="228600"/>
+          </a:xfrm>
+          <a:prstGeom prst="line">
+            <a:avLst/>
+          </a:prstGeom>
+          <a:ln w="12700"/>
+        </p:spPr>
+        <p:style>
+          <a:lnRef idx="1">
+            <a:schemeClr val="accent1"/>
+          </a:lnRef>
+          <a:fillRef idx="0">
+            <a:schemeClr val="accent1"/>
+          </a:fillRef>
+          <a:effectRef idx="0">
+            <a:schemeClr val="accent1"/>
+          </a:effectRef>
+          <a:fontRef idx="minor">
+            <a:schemeClr val="tx1"/>
+          </a:fontRef>
+        </p:style>
+      </p:cxnSp>
+      <p:cxnSp>
+        <p:nvCxnSpPr>
+          <p:cNvPr id="72" name="Straight Connector 71"/>
+          <p:cNvCxnSpPr/>
+          <p:nvPr/>
+        </p:nvCxnSpPr>
+        <p:spPr>
+          <a:xfrm>
+            <a:off x="6689485" y="2373987"/>
+            <a:ext cx="0" cy="228600"/>
+          </a:xfrm>
+          <a:prstGeom prst="line">
+            <a:avLst/>
+          </a:prstGeom>
+          <a:ln w="12700"/>
+        </p:spPr>
+        <p:style>
+          <a:lnRef idx="1">
+            <a:schemeClr val="accent1"/>
+          </a:lnRef>
+          <a:fillRef idx="0">
+            <a:schemeClr val="accent1"/>
+          </a:fillRef>
+          <a:effectRef idx="0">
+            <a:schemeClr val="accent1"/>
+          </a:effectRef>
+          <a:fontRef idx="minor">
+            <a:schemeClr val="tx1"/>
+          </a:fontRef>
+        </p:style>
+      </p:cxnSp>
+      <p:sp>
+        <p:nvSpPr>
+          <p:cNvPr id="73" name="Rectangle 72"/>
+          <p:cNvSpPr/>
+          <p:nvPr/>
+        </p:nvSpPr>
+        <p:spPr>
+          <a:xfrm>
+            <a:off x="5812663" y="2521647"/>
+            <a:ext cx="627744" cy="257959"/>
+          </a:xfrm>
+          <a:prstGeom prst="rect">
+            <a:avLst/>
+          </a:prstGeom>
+          <a:noFill/>
+          <a:ln>
+            <a:noFill/>
+          </a:ln>
+        </p:spPr>
+        <p:style>
+          <a:lnRef idx="2">
+            <a:schemeClr val="accent1">
+              <a:shade val="50000"/>
+            </a:schemeClr>
+          </a:lnRef>
+          <a:fillRef idx="1">
+            <a:schemeClr val="accent1"/>
+          </a:fillRef>
+          <a:effectRef idx="0">
+            <a:schemeClr val="accent1"/>
+          </a:effectRef>
+          <a:fontRef idx="minor">
+            <a:schemeClr val="lt1"/>
+          </a:fontRef>
+        </p:style>
+        <p:txBody>
+          <a:bodyPr rtlCol="0" anchor="ctr"/>
+          <a:lstStyle/>
+          <a:p>
+            <a:pPr algn="ctr"/>
+            <a:r>
+              <a:rPr lang="en-US" sz="1400" dirty="0" smtClean="0">
+                <a:solidFill>
+                  <a:schemeClr val="tx1"/>
+                </a:solidFill>
+                <a:latin typeface="Arial "/>
+              </a:rPr>
+              <a:t>4HC</a:t>
+            </a:r>
+            <a:endParaRPr lang="en-US" sz="1400" dirty="0">
+              <a:solidFill>
+                <a:schemeClr val="tx1"/>
+              </a:solidFill>
+              <a:latin typeface="Arial "/>
+            </a:endParaRPr>
+          </a:p>
+        </p:txBody>
+      </p:sp>
+      <p:sp>
+        <p:nvSpPr>
+          <p:cNvPr id="74" name="Rectangle 73"/>
+          <p:cNvSpPr/>
+          <p:nvPr/>
+        </p:nvSpPr>
+        <p:spPr>
+          <a:xfrm>
+            <a:off x="6668236" y="2531911"/>
+            <a:ext cx="627744" cy="257959"/>
+          </a:xfrm>
+          <a:prstGeom prst="rect">
+            <a:avLst/>
+          </a:prstGeom>
+          <a:noFill/>
+          <a:ln>
+            <a:noFill/>
+          </a:ln>
+        </p:spPr>
+        <p:style>
+          <a:lnRef idx="2">
+            <a:schemeClr val="accent1">
+              <a:shade val="50000"/>
+            </a:schemeClr>
+          </a:lnRef>
+          <a:fillRef idx="1">
+            <a:schemeClr val="accent1"/>
+          </a:fillRef>
+          <a:effectRef idx="0">
+            <a:schemeClr val="accent1"/>
+          </a:effectRef>
+          <a:fontRef idx="minor">
+            <a:schemeClr val="lt1"/>
+          </a:fontRef>
+        </p:style>
+        <p:txBody>
+          <a:bodyPr rtlCol="0" anchor="ctr"/>
+          <a:lstStyle/>
+          <a:p>
+            <a:pPr algn="ctr"/>
+            <a:r>
+              <a:rPr lang="en-US" sz="1400" dirty="0" smtClean="0">
+                <a:solidFill>
+                  <a:schemeClr val="tx1"/>
+                </a:solidFill>
+                <a:latin typeface="Arial "/>
+              </a:rPr>
+              <a:t>3HC</a:t>
+            </a:r>
+            <a:endParaRPr lang="en-US" sz="1400" dirty="0">
+              <a:solidFill>
+                <a:schemeClr val="tx1"/>
+              </a:solidFill>
+              <a:latin typeface="Arial "/>
+            </a:endParaRPr>
+          </a:p>
+        </p:txBody>
+      </p:sp>
+      <p:sp>
+        <p:nvSpPr>
+          <p:cNvPr id="75" name="Rectangle 74"/>
+          <p:cNvSpPr/>
+          <p:nvPr/>
+        </p:nvSpPr>
+        <p:spPr>
+          <a:xfrm>
+            <a:off x="8509212" y="2499920"/>
+            <a:ext cx="627744" cy="257959"/>
+          </a:xfrm>
+          <a:prstGeom prst="rect">
+            <a:avLst/>
+          </a:prstGeom>
+          <a:noFill/>
+          <a:ln>
+            <a:noFill/>
+          </a:ln>
+        </p:spPr>
+        <p:style>
+          <a:lnRef idx="2">
+            <a:schemeClr val="accent1">
+              <a:shade val="50000"/>
+            </a:schemeClr>
+          </a:lnRef>
+          <a:fillRef idx="1">
+            <a:schemeClr val="accent1"/>
+          </a:fillRef>
+          <a:effectRef idx="0">
+            <a:schemeClr val="accent1"/>
+          </a:effectRef>
+          <a:fontRef idx="minor">
+            <a:schemeClr val="lt1"/>
+          </a:fontRef>
+        </p:style>
+        <p:txBody>
+          <a:bodyPr rtlCol="0" anchor="ctr"/>
+          <a:lstStyle/>
+          <a:p>
+            <a:pPr algn="ctr"/>
+            <a:r>
+              <a:rPr lang="en-US" sz="1400" dirty="0" smtClean="0">
+                <a:solidFill>
+                  <a:schemeClr val="tx1"/>
+                </a:solidFill>
+                <a:latin typeface="Arial "/>
+              </a:rPr>
+              <a:t>4HC</a:t>
+            </a:r>
+            <a:endParaRPr lang="en-US" sz="1400" dirty="0">
+              <a:solidFill>
+                <a:schemeClr val="tx1"/>
+              </a:solidFill>
+              <a:latin typeface="Arial "/>
+            </a:endParaRPr>
+          </a:p>
+        </p:txBody>
+      </p:sp>
+      <p:sp>
+        <p:nvSpPr>
+          <p:cNvPr id="4171" name="Rectangle 4170"/>
+          <p:cNvSpPr/>
+          <p:nvPr/>
+        </p:nvSpPr>
+        <p:spPr>
+          <a:xfrm>
+            <a:off x="4190808" y="2423668"/>
+            <a:ext cx="793786" cy="266754"/>
+          </a:xfrm>
+          <a:prstGeom prst="rect">
+            <a:avLst/>
+          </a:prstGeom>
+          <a:solidFill>
+            <a:srgbClr val="92D050"/>
+          </a:solidFill>
+          <a:ln w="6350"/>
+        </p:spPr>
+        <p:style>
+          <a:lnRef idx="2">
+            <a:schemeClr val="accent1">
+              <a:shade val="50000"/>
+            </a:schemeClr>
+          </a:lnRef>
+          <a:fillRef idx="1">
+            <a:schemeClr val="accent1"/>
+          </a:fillRef>
+          <a:effectRef idx="0">
+            <a:schemeClr val="accent1"/>
+          </a:effectRef>
+          <a:fontRef idx="minor">
+            <a:schemeClr val="lt1"/>
+          </a:fontRef>
+        </p:style>
+        <p:txBody>
+          <a:bodyPr lIns="0" tIns="0" rIns="0" bIns="0" rtlCol="0" anchor="ctr"/>
+          <a:lstStyle/>
+          <a:p>
+            <a:pPr algn="ctr"/>
+            <a:r>
+              <a:rPr lang="en-US" sz="1200" dirty="0">
+                <a:solidFill>
+                  <a:schemeClr val="tx1"/>
+                </a:solidFill>
+                <a:latin typeface="Arial "/>
+              </a:rPr>
+              <a:t>S</a:t>
+            </a:r>
+            <a:r>
+              <a:rPr lang="en-US" sz="1200" dirty="0" smtClean="0">
+                <a:solidFill>
+                  <a:schemeClr val="tx1"/>
+                </a:solidFill>
+                <a:latin typeface="Arial "/>
+              </a:rPr>
+              <a:t>up. Minh</a:t>
+            </a:r>
+            <a:endParaRPr lang="en-US" sz="1200" dirty="0">
+              <a:solidFill>
+                <a:schemeClr val="tx1"/>
+              </a:solidFill>
+              <a:latin typeface="Arial "/>
+            </a:endParaRPr>
+          </a:p>
+        </p:txBody>
+      </p:sp>
     </p:spTree>
     <p:extLst>
       <p:ext uri="{BB962C8B-B14F-4D97-AF65-F5344CB8AC3E}">
@@ -10877,6 +13094,13 @@
   <p:clrMapOvr>
     <a:masterClrMapping/>
   </p:clrMapOvr>
+  <p:timing>
+    <p:tnLst>
+      <p:par>
+        <p:cTn id="1" dur="indefinite" restart="never" nodeType="tmRoot"/>
+      </p:par>
+    </p:tnLst>
+  </p:timing>
 </p:sld>
 </file>
 
@@ -11285,7 +13509,7 @@
                   </a:solidFill>
                   <a:ea typeface="Meiryo UI" panose="020B0604030504040204" pitchFamily="50" charset="-128"/>
                 </a:rPr>
-                <a:t>BACKGROUND OF ACTIVITIES</a:t>
+                <a:t>Background Of Activities</a:t>
               </a:r>
               <a:endParaRPr lang="en-US" altLang="ja-JP" sz="2000" b="1" dirty="0">
                 <a:solidFill>
@@ -11692,6 +13916,13 @@
   <p:clrMapOvr>
     <a:masterClrMapping/>
   </p:clrMapOvr>
+  <p:timing>
+    <p:tnLst>
+      <p:par>
+        <p:cTn id="1" dur="indefinite" restart="never" nodeType="tmRoot"/>
+      </p:par>
+    </p:tnLst>
+  </p:timing>
 </p:sld>
 </file>
 
@@ -12087,20 +14318,20 @@
               </a:lvl9pPr>
             </a:lstStyle>
             <a:p>
-              <a:pPr algn="ctr" eaLnBrk="0" hangingPunct="0">
+              <a:pPr algn="ctr">
                 <a:spcBef>
                   <a:spcPct val="0"/>
                 </a:spcBef>
                 <a:buNone/>
               </a:pPr>
               <a:r>
-                <a:rPr lang="en-US" altLang="ja-JP" sz="2000" b="1" dirty="0" smtClean="0">
+                <a:rPr lang="en-US" altLang="ja-JP" sz="2000" b="1" dirty="0">
                   <a:solidFill>
                     <a:srgbClr val="FFFFCC"/>
                   </a:solidFill>
                   <a:ea typeface="Meiryo UI" panose="020B0604030504040204" pitchFamily="50" charset="-128"/>
                 </a:rPr>
-                <a:t>BACKGROUND OF ACTIVITIES</a:t>
+                <a:t>Background Of Activities</a:t>
               </a:r>
               <a:endParaRPr lang="en-US" altLang="ja-JP" sz="2000" b="1" dirty="0">
                 <a:solidFill>
@@ -12471,6 +14702,13 @@
   <p:clrMapOvr>
     <a:masterClrMapping/>
   </p:clrMapOvr>
+  <p:timing>
+    <p:tnLst>
+      <p:par>
+        <p:cTn id="1" dur="indefinite" restart="never" nodeType="tmRoot"/>
+      </p:par>
+    </p:tnLst>
+  </p:timing>
 </p:sld>
 </file>
 
@@ -13408,18 +15646,7 @@
                   <a:ea typeface="Meiryo UI" panose="020B0604030504040204" pitchFamily="50" charset="-128"/>
                   <a:cs typeface="Arial" panose="020B0604020202020204" pitchFamily="34" charset="0"/>
                 </a:rPr>
-                <a:t>IMPROVEMENT</a:t>
-              </a:r>
-              <a:r>
-                <a:rPr lang="en-US" altLang="ja-JP" sz="2000" b="1" dirty="0" smtClean="0">
-                  <a:solidFill>
-                    <a:srgbClr val="FFFFCC"/>
-                  </a:solidFill>
-                  <a:latin typeface="+mn-lt"/>
-                  <a:ea typeface="Meiryo UI" panose="020B0604030504040204" pitchFamily="50" charset="-128"/>
-                  <a:cs typeface="Arial" panose="020B0604020202020204" pitchFamily="34" charset="0"/>
-                </a:rPr>
-                <a:t> ACTIVITIES</a:t>
+                <a:t>IMPROVEMENT ACTIVITIES</a:t>
               </a:r>
               <a:endParaRPr lang="en-US" altLang="ja-JP" sz="2000" b="1" dirty="0">
                 <a:solidFill>
@@ -13948,18 +16175,7 @@
                   <a:ea typeface="Meiryo UI" panose="020B0604030504040204" pitchFamily="50" charset="-128"/>
                   <a:cs typeface="Arial" panose="020B0604020202020204" pitchFamily="34" charset="0"/>
                 </a:rPr>
-                <a:t>IMPROVEMENT</a:t>
-              </a:r>
-              <a:r>
-                <a:rPr lang="en-US" altLang="ja-JP" sz="2000" b="1" dirty="0" smtClean="0">
-                  <a:solidFill>
-                    <a:srgbClr val="FFFFCC"/>
-                  </a:solidFill>
-                  <a:latin typeface="+mn-lt"/>
-                  <a:ea typeface="Meiryo UI" panose="020B0604030504040204" pitchFamily="50" charset="-128"/>
-                  <a:cs typeface="Arial" panose="020B0604020202020204" pitchFamily="34" charset="0"/>
-                </a:rPr>
-                <a:t> ACTIVITIES</a:t>
+                <a:t>IMPROVEMENT ACTIVITIES</a:t>
               </a:r>
               <a:endParaRPr lang="en-US" altLang="ja-JP" sz="2000" b="1" dirty="0">
                 <a:solidFill>
@@ -14488,18 +16704,7 @@
                   <a:ea typeface="Meiryo UI" panose="020B0604030504040204" pitchFamily="50" charset="-128"/>
                   <a:cs typeface="Arial" panose="020B0604020202020204" pitchFamily="34" charset="0"/>
                 </a:rPr>
-                <a:t>IMPROVEMENT</a:t>
-              </a:r>
-              <a:r>
-                <a:rPr lang="en-US" altLang="ja-JP" sz="2000" b="1" dirty="0" smtClean="0">
-                  <a:solidFill>
-                    <a:srgbClr val="FFFFCC"/>
-                  </a:solidFill>
-                  <a:latin typeface="+mn-lt"/>
-                  <a:ea typeface="Meiryo UI" panose="020B0604030504040204" pitchFamily="50" charset="-128"/>
-                  <a:cs typeface="Arial" panose="020B0604020202020204" pitchFamily="34" charset="0"/>
-                </a:rPr>
-                <a:t> ACTIVITIES</a:t>
+                <a:t>IMPROVEMENT ACTIVITIES</a:t>
               </a:r>
               <a:endParaRPr lang="en-US" altLang="ja-JP" sz="2000" b="1" dirty="0">
                 <a:solidFill>

--- a/Report_test.pptx
+++ b/Report_test.pptx
@@ -222,7 +222,7 @@
           <a:p>
             <a:fld id="{80F76F07-4DDF-4742-A599-1A1948D9D8BF}" type="datetimeFigureOut">
               <a:rPr lang="en-US" smtClean="0"/>
-              <a:t>12/10/2023</a:t>
+              <a:t>12/12/2023</a:t>
             </a:fld>
             <a:endParaRPr lang="en-US"/>
           </a:p>
@@ -387,7 +387,7 @@
           <a:p>
             <a:fld id="{D69DC1A8-4A29-4ED6-A8C3-F6D12A0C95F5}" type="datetimeFigureOut">
               <a:rPr lang="en-US" smtClean="0"/>
-              <a:t>12/10/2023</a:t>
+              <a:t>12/12/2023</a:t>
             </a:fld>
             <a:endParaRPr lang="en-US" dirty="0"/>
           </a:p>
@@ -1843,7 +1843,7 @@
           <a:p>
             <a:fld id="{15D6C63C-0848-4B82-AE9B-D0C2F4F853C4}" type="datetimeFigureOut">
               <a:rPr lang="en-US" smtClean="0"/>
-              <a:t>12/10/2023</a:t>
+              <a:t>12/12/2023</a:t>
             </a:fld>
             <a:endParaRPr lang="en-US" dirty="0"/>
           </a:p>
@@ -2011,7 +2011,7 @@
           <a:p>
             <a:fld id="{15D6C63C-0848-4B82-AE9B-D0C2F4F853C4}" type="datetimeFigureOut">
               <a:rPr lang="en-US" smtClean="0"/>
-              <a:t>12/10/2023</a:t>
+              <a:t>12/12/2023</a:t>
             </a:fld>
             <a:endParaRPr lang="en-US" dirty="0"/>
           </a:p>
@@ -2189,7 +2189,7 @@
           <a:p>
             <a:fld id="{15D6C63C-0848-4B82-AE9B-D0C2F4F853C4}" type="datetimeFigureOut">
               <a:rPr lang="en-US" smtClean="0"/>
-              <a:t>12/10/2023</a:t>
+              <a:t>12/12/2023</a:t>
             </a:fld>
             <a:endParaRPr lang="en-US" dirty="0"/>
           </a:p>
@@ -2523,7 +2523,7 @@
           <a:p>
             <a:fld id="{15D6C63C-0848-4B82-AE9B-D0C2F4F853C4}" type="datetimeFigureOut">
               <a:rPr lang="en-US" smtClean="0"/>
-              <a:t>12/10/2023</a:t>
+              <a:t>12/12/2023</a:t>
             </a:fld>
             <a:endParaRPr lang="en-US" dirty="0"/>
           </a:p>
@@ -2768,7 +2768,7 @@
           <a:p>
             <a:fld id="{15D6C63C-0848-4B82-AE9B-D0C2F4F853C4}" type="datetimeFigureOut">
               <a:rPr lang="en-US" smtClean="0"/>
-              <a:t>12/10/2023</a:t>
+              <a:t>12/12/2023</a:t>
             </a:fld>
             <a:endParaRPr lang="en-US" dirty="0"/>
           </a:p>
@@ -3053,7 +3053,7 @@
           <a:p>
             <a:fld id="{15D6C63C-0848-4B82-AE9B-D0C2F4F853C4}" type="datetimeFigureOut">
               <a:rPr lang="en-US" smtClean="0"/>
-              <a:t>12/10/2023</a:t>
+              <a:t>12/12/2023</a:t>
             </a:fld>
             <a:endParaRPr lang="en-US" dirty="0"/>
           </a:p>
@@ -3472,7 +3472,7 @@
           <a:p>
             <a:fld id="{15D6C63C-0848-4B82-AE9B-D0C2F4F853C4}" type="datetimeFigureOut">
               <a:rPr lang="en-US" smtClean="0"/>
-              <a:t>12/10/2023</a:t>
+              <a:t>12/12/2023</a:t>
             </a:fld>
             <a:endParaRPr lang="en-US" dirty="0"/>
           </a:p>
@@ -3589,7 +3589,7 @@
           <a:p>
             <a:fld id="{15D6C63C-0848-4B82-AE9B-D0C2F4F853C4}" type="datetimeFigureOut">
               <a:rPr lang="en-US" smtClean="0"/>
-              <a:t>12/10/2023</a:t>
+              <a:t>12/12/2023</a:t>
             </a:fld>
             <a:endParaRPr lang="en-US" dirty="0"/>
           </a:p>
@@ -3684,7 +3684,7 @@
           <a:p>
             <a:fld id="{15D6C63C-0848-4B82-AE9B-D0C2F4F853C4}" type="datetimeFigureOut">
               <a:rPr lang="en-US" smtClean="0"/>
-              <a:t>12/10/2023</a:t>
+              <a:t>12/12/2023</a:t>
             </a:fld>
             <a:endParaRPr lang="en-US" dirty="0"/>
           </a:p>
@@ -3959,7 +3959,7 @@
           <a:p>
             <a:fld id="{15D6C63C-0848-4B82-AE9B-D0C2F4F853C4}" type="datetimeFigureOut">
               <a:rPr lang="en-US" smtClean="0"/>
-              <a:t>12/10/2023</a:t>
+              <a:t>12/12/2023</a:t>
             </a:fld>
             <a:endParaRPr lang="en-US" dirty="0"/>
           </a:p>
@@ -4211,7 +4211,7 @@
           <a:p>
             <a:fld id="{15D6C63C-0848-4B82-AE9B-D0C2F4F853C4}" type="datetimeFigureOut">
               <a:rPr lang="en-US" smtClean="0"/>
-              <a:t>12/10/2023</a:t>
+              <a:t>12/12/2023</a:t>
             </a:fld>
             <a:endParaRPr lang="en-US" dirty="0"/>
           </a:p>
@@ -4422,7 +4422,7 @@
           <a:p>
             <a:fld id="{15D6C63C-0848-4B82-AE9B-D0C2F4F853C4}" type="datetimeFigureOut">
               <a:rPr lang="en-US" smtClean="0"/>
-              <a:t>12/10/2023</a:t>
+              <a:t>12/12/2023</a:t>
             </a:fld>
             <a:endParaRPr lang="en-US" dirty="0"/>
           </a:p>
@@ -6987,16 +6987,7 @@
                 </a:solidFill>
                 <a:latin typeface="Arial "/>
               </a:rPr>
-              <a:t>beside my current </a:t>
-            </a:r>
-            <a:r>
-              <a:rPr lang="en-US" sz="1600" dirty="0" smtClean="0">
-                <a:solidFill>
-                  <a:srgbClr val="1508B8"/>
-                </a:solidFill>
-                <a:latin typeface="Arial "/>
-              </a:rPr>
-              <a:t>jobs</a:t>
+              <a:t>beside my current jobs</a:t>
             </a:r>
             <a:r>
               <a:rPr lang="en-US" sz="1600" b="1" dirty="0">
@@ -7014,52 +7005,7 @@
                 </a:solidFill>
                 <a:latin typeface="Arial "/>
               </a:rPr>
-              <a:t> </a:t>
-            </a:r>
-            <a:r>
-              <a:rPr lang="en-US" sz="1600" b="1" dirty="0" smtClean="0">
-                <a:solidFill>
-                  <a:srgbClr val="1508B8"/>
-                </a:solidFill>
-                <a:latin typeface="Arial "/>
-              </a:rPr>
-              <a:t>S</a:t>
-            </a:r>
-            <a:r>
-              <a:rPr lang="en-US" sz="1600" b="1" dirty="0" smtClean="0">
-                <a:solidFill>
-                  <a:srgbClr val="1508B8"/>
-                </a:solidFill>
-                <a:latin typeface="Arial "/>
-              </a:rPr>
-              <a:t>tudy more </a:t>
-            </a:r>
-            <a:r>
-              <a:rPr lang="en-US" sz="1600" b="1" dirty="0" smtClean="0">
-                <a:solidFill>
-                  <a:srgbClr val="1508B8"/>
-                </a:solidFill>
-                <a:latin typeface="Arial "/>
-              </a:rPr>
-              <a:t>new </a:t>
-            </a:r>
-            <a:r>
-              <a:rPr lang="en-US" sz="1600" b="1" dirty="0" smtClean="0">
-                <a:solidFill>
-                  <a:srgbClr val="1508B8"/>
-                </a:solidFill>
-                <a:latin typeface="Arial "/>
-              </a:rPr>
-              <a:t>technologies </a:t>
-            </a:r>
-            <a:r>
-              <a:rPr lang="en-US" sz="1600" b="1" dirty="0" smtClean="0">
-                <a:solidFill>
-                  <a:srgbClr val="1508B8"/>
-                </a:solidFill>
-                <a:latin typeface="Arial "/>
-              </a:rPr>
-              <a:t>to develop software.</a:t>
+              <a:t> Study more new technologies to develop software.</a:t>
             </a:r>
             <a:endParaRPr lang="en-US" sz="1600" b="1" dirty="0">
               <a:solidFill>
@@ -7373,17 +7319,7 @@
                 <a:latin typeface="Arial" panose="020B0604020202020204" pitchFamily="34" charset="0"/>
                 <a:cs typeface="Arial" panose="020B0604020202020204" pitchFamily="34" charset="0"/>
               </a:rPr>
-              <a:t>+ Develop Weight </a:t>
-            </a:r>
-            <a:r>
-              <a:rPr lang="en-US" sz="1600" dirty="0" smtClean="0">
-                <a:solidFill>
-                  <a:schemeClr val="tx1"/>
-                </a:solidFill>
-                <a:latin typeface="Arial" panose="020B0604020202020204" pitchFamily="34" charset="0"/>
-                <a:cs typeface="Arial" panose="020B0604020202020204" pitchFamily="34" charset="0"/>
-              </a:rPr>
-              <a:t>check for new product Projector, Microwave, Sound biz &amp; TV. Ensure Quality.</a:t>
+              <a:t>+ Develop Weight check for new product Projector, Microwave, Sound biz &amp; TV. Ensure Quality.</a:t>
             </a:r>
           </a:p>
           <a:p>
@@ -7600,14 +7536,14 @@
           <p:nvPr>
             <p:extLst>
               <p:ext uri="{D42A27DB-BD31-4B8C-83A1-F6EECF244321}">
-                <p14:modId xmlns:p14="http://schemas.microsoft.com/office/powerpoint/2010/main" val="3915981857"/>
+                <p14:modId xmlns:p14="http://schemas.microsoft.com/office/powerpoint/2010/main" val="925353630"/>
               </p:ext>
             </p:extLst>
           </p:nvPr>
         </p:nvGraphicFramePr>
         <p:xfrm>
           <a:off x="43453" y="1055341"/>
-          <a:ext cx="4053404" cy="2059432"/>
+          <a:ext cx="4053404" cy="2075479"/>
         </p:xfrm>
         <a:graphic>
           <a:graphicData uri="http://schemas.openxmlformats.org/drawingml/2006/table">
@@ -7616,14 +7552,14 @@
                 <a:tableStyleId>{5C22544A-7EE6-4342-B048-85BDC9FD1C3A}</a:tableStyleId>
               </a:tblPr>
               <a:tblGrid>
-                <a:gridCol w="1387330">
+                <a:gridCol w="2013947">
                   <a:extLst>
                     <a:ext uri="{9D8B030D-6E8A-4147-A177-3AD203B41FA5}">
                       <a16:colId xmlns:a16="http://schemas.microsoft.com/office/drawing/2014/main" val="1348139179"/>
                     </a:ext>
                   </a:extLst>
                 </a:gridCol>
-                <a:gridCol w="2666074">
+                <a:gridCol w="2039457">
                   <a:extLst>
                     <a:ext uri="{9D8B030D-6E8A-4147-A177-3AD203B41FA5}">
                       <a16:colId xmlns:a16="http://schemas.microsoft.com/office/drawing/2014/main" val="103963045"/>
@@ -7631,7 +7567,7 @@
                   </a:extLst>
                 </a:gridCol>
               </a:tblGrid>
-              <a:tr h="269977">
+              <a:tr h="295685">
                 <a:tc>
                   <a:txBody>
                     <a:bodyPr/>
@@ -7791,7 +7727,7 @@
                   </a:ext>
                 </a:extLst>
               </a:tr>
-              <a:tr h="269977">
+              <a:tr h="295685">
                 <a:tc>
                   <a:txBody>
                     <a:bodyPr/>
@@ -7924,7 +7860,7 @@
                   </a:ext>
                 </a:extLst>
               </a:tr>
-              <a:tr h="269977">
+              <a:tr h="295685">
                 <a:tc>
                   <a:txBody>
                     <a:bodyPr/>
@@ -8069,32 +8005,24 @@
                   </a:ext>
                 </a:extLst>
               </a:tr>
-              <a:tr h="924597">
+              <a:tr h="1113835">
                 <a:tc>
                   <a:txBody>
                     <a:bodyPr/>
                     <a:lstStyle/>
                     <a:p>
-                      <a:pPr algn="ctr">
-                        <a:lnSpc>
-                          <a:spcPct val="150000"/>
-                        </a:lnSpc>
+                      <a:pPr algn="ctr" eaLnBrk="1" hangingPunct="1">
+                        <a:spcBef>
+                          <a:spcPct val="0"/>
+                        </a:spcBef>
+                        <a:buFontTx/>
+                        <a:buNone/>
                       </a:pPr>
                       <a:r>
-                        <a:rPr lang="en-US" sz="1600" dirty="0" smtClean="0">
-                          <a:latin typeface="Arial "/>
-                        </a:rPr>
-                        <a:t>My</a:t>
+                        <a:rPr lang="en-US" altLang="en-US" sz="1600" b="1" dirty="0" smtClean="0"/>
+                        <a:t>My Responsibilities</a:t>
                       </a:r>
-                      <a:r>
-                        <a:rPr lang="en-US" sz="1600" baseline="0" dirty="0" smtClean="0">
-                          <a:latin typeface="Arial "/>
-                        </a:rPr>
-                        <a:t> Job</a:t>
-                      </a:r>
-                      <a:endParaRPr lang="en-US" sz="1600" dirty="0">
-                        <a:latin typeface="Arial "/>
-                      </a:endParaRPr>
+                      <a:endParaRPr lang="en-US" altLang="en-US" sz="1600" b="1" dirty="0"/>
                     </a:p>
                   </a:txBody>
                   <a:tcPr marL="0" marR="0" marT="0" marB="0" anchor="ctr">
@@ -8152,8 +8080,47 @@
                       <a:r>
                         <a:rPr lang="en-US" sz="1600" dirty="0" smtClean="0">
                           <a:latin typeface="Arial "/>
+                          <a:sym typeface="Wingdings" panose="05000000000000000000" pitchFamily="2" charset="2"/>
                         </a:rPr>
-                        <a:t>Develop software, support user, study production process of the company.</a:t>
+                        <a:t></a:t>
+                      </a:r>
+                      <a:r>
+                        <a:rPr lang="en-US" sz="1600" dirty="0" smtClean="0">
+                          <a:latin typeface="Arial "/>
+                        </a:rPr>
+                        <a:t>Develop software.</a:t>
+                      </a:r>
+                    </a:p>
+                    <a:p>
+                      <a:pPr>
+                        <a:lnSpc>
+                          <a:spcPct val="150000"/>
+                        </a:lnSpc>
+                      </a:pPr>
+                      <a:r>
+                        <a:rPr lang="en-US" sz="1600" dirty="0" smtClean="0">
+                          <a:latin typeface="Arial "/>
+                          <a:sym typeface="Wingdings" panose="05000000000000000000" pitchFamily="2" charset="2"/>
+                        </a:rPr>
+                        <a:t></a:t>
+                      </a:r>
+                      <a:r>
+                        <a:rPr lang="en-US" sz="1600" dirty="0" smtClean="0">
+                          <a:latin typeface="Arial "/>
+                        </a:rPr>
+                        <a:t>Support users and systems</a:t>
+                      </a:r>
+                      <a:r>
+                        <a:rPr lang="en-US" sz="1600" baseline="0" dirty="0" smtClean="0">
+                          <a:latin typeface="Arial "/>
+                        </a:rPr>
+                        <a:t> of IT.</a:t>
+                      </a:r>
+                      <a:r>
+                        <a:rPr lang="en-US" sz="1600" dirty="0" smtClean="0">
+                          <a:latin typeface="Arial "/>
+                        </a:rPr>
+                        <a:t> </a:t>
                       </a:r>
                       <a:endParaRPr lang="en-US" sz="1600" dirty="0">
                         <a:latin typeface="Arial "/>
@@ -12625,7 +12592,7 @@
           <a:graphicData uri="http://schemas.openxmlformats.org/presentationml/2006/ole">
             <mc:AlternateContent xmlns:mc="http://schemas.openxmlformats.org/markup-compatibility/2006">
               <mc:Choice xmlns:v="urn:schemas-microsoft-com:vml" Requires="v">
-                <p:oleObj spid="_x0000_s1086" name="ｸﾘｯﾌﾟ" r:id="rId12" imgW="1666667" imgH="1695238" progId="">
+                <p:oleObj spid="_x0000_s1095" name="ｸﾘｯﾌﾟ" r:id="rId12" imgW="1666667" imgH="1695238" progId="">
                   <p:embed/>
                 </p:oleObj>
               </mc:Choice>
@@ -12910,13 +12877,7 @@
               <a:rPr lang="en-US" sz="1200" dirty="0" smtClean="0">
                 <a:cs typeface="Arial" panose="020B0604020202020204" pitchFamily="34" charset="0"/>
               </a:rPr>
-              <a:t>1200 </a:t>
-            </a:r>
-            <a:r>
-              <a:rPr lang="en-US" sz="1200" dirty="0" smtClean="0">
-                <a:cs typeface="Arial" panose="020B0604020202020204" pitchFamily="34" charset="0"/>
-              </a:rPr>
-              <a:t>hours/year.</a:t>
+              <a:t>1200 hours/year.</a:t>
             </a:r>
           </a:p>
           <a:p>
@@ -13802,7 +13763,7 @@
         </p:nvGraphicFramePr>
         <p:xfrm>
           <a:off x="43543" y="624740"/>
-          <a:ext cx="9067753" cy="5793880"/>
+          <a:ext cx="9067753" cy="5851664"/>
         </p:xfrm>
         <a:graphic>
           <a:graphicData uri="http://schemas.openxmlformats.org/drawingml/2006/table">
@@ -14883,14 +14844,6 @@
                         </a:rPr>
                         <a:t>.</a:t>
                       </a:r>
-                      <a:endParaRPr lang="en-US" sz="1400" b="1" kern="1200" dirty="0" smtClean="0">
-                        <a:solidFill>
-                          <a:schemeClr val="tx1"/>
-                        </a:solidFill>
-                        <a:latin typeface="+mn-lt"/>
-                        <a:ea typeface="+mn-ea"/>
-                        <a:cs typeface="+mn-cs"/>
-                      </a:endParaRPr>
                     </a:p>
                     <a:p>
                       <a:pPr marL="0" marR="0" lvl="0" indent="0" algn="l" defTabSz="914400" rtl="0" eaLnBrk="1" fontAlgn="auto" latinLnBrk="0" hangingPunct="1">
@@ -14919,29 +14872,7 @@
                           <a:ea typeface="+mn-ea"/>
                           <a:cs typeface="+mn-cs"/>
                         </a:rPr>
-                        <a:t>[2] </a:t>
-                      </a:r>
-                      <a:r>
-                        <a:rPr lang="en-US" sz="1400" b="1" kern="1200" dirty="0" smtClean="0">
-                          <a:solidFill>
-                            <a:schemeClr val="tx1"/>
-                          </a:solidFill>
-                          <a:latin typeface="+mn-lt"/>
-                          <a:ea typeface="+mn-ea"/>
-                          <a:cs typeface="+mn-cs"/>
-                        </a:rPr>
-                        <a:t>Analyze &amp; Optimist all process of </a:t>
-                      </a:r>
-                      <a:r>
-                        <a:rPr lang="en-US" sz="1400" b="1" kern="1200" dirty="0" smtClean="0">
-                          <a:solidFill>
-                            <a:schemeClr val="tx1"/>
-                          </a:solidFill>
-                          <a:latin typeface="+mn-lt"/>
-                          <a:ea typeface="+mn-ea"/>
-                          <a:cs typeface="+mn-cs"/>
-                        </a:rPr>
-                        <a:t>FOSS</a:t>
+                        <a:t>[2] Analyze &amp; Optimist all process of FOSS</a:t>
                       </a:r>
                       <a:r>
                         <a:rPr lang="en-US" sz="1400" b="1" kern="1200" baseline="0" dirty="0" smtClean="0">
@@ -14963,18 +14894,7 @@
                           <a:ea typeface="+mn-ea"/>
                           <a:cs typeface="+mn-cs"/>
                         </a:rPr>
-                        <a:t>evelop </a:t>
-                      </a:r>
-                      <a:r>
-                        <a:rPr lang="en-US" sz="1400" b="1" kern="1200" dirty="0" smtClean="0">
-                          <a:solidFill>
-                            <a:schemeClr val="tx1"/>
-                          </a:solidFill>
-                          <a:latin typeface="+mn-lt"/>
-                          <a:ea typeface="+mn-ea"/>
-                          <a:cs typeface="+mn-cs"/>
-                        </a:rPr>
-                        <a:t>all function of system.</a:t>
+                        <a:t>evelop all function of system.</a:t>
                       </a:r>
                     </a:p>
                     <a:p>
@@ -15305,21 +15225,7 @@
                           <a:latin typeface="Arial" panose="020B0604020202020204" pitchFamily="34" charset="0"/>
                           <a:cs typeface="Arial" panose="020B0604020202020204" pitchFamily="34" charset="0"/>
                         </a:rPr>
-                        <a:t> </a:t>
-                      </a:r>
-                      <a:r>
-                        <a:rPr kumimoji="0" lang="en-US" altLang="en-US" sz="1200" b="0" u="none" strike="noStrike" cap="none" normalizeH="0" baseline="0" dirty="0" smtClean="0">
-                          <a:ln>
-                            <a:noFill/>
-                          </a:ln>
-                          <a:solidFill>
-                            <a:schemeClr val="tx1"/>
-                          </a:solidFill>
-                          <a:effectLst/>
-                          <a:latin typeface="Arial" panose="020B0604020202020204" pitchFamily="34" charset="0"/>
-                          <a:cs typeface="Arial" panose="020B0604020202020204" pitchFamily="34" charset="0"/>
-                        </a:rPr>
-                        <a:t>&amp; (Pic MCS GR)</a:t>
+                        <a:t> &amp; (Pic MCS GR)</a:t>
                       </a:r>
                       <a:endParaRPr kumimoji="0" lang="en-US" altLang="en-US" sz="1200" b="0" u="none" strike="noStrike" cap="none" normalizeH="0" baseline="0" dirty="0">
                         <a:ln>
@@ -18337,15 +18243,7 @@
                             <a:schemeClr val="tx1"/>
                           </a:solidFill>
                         </a:rPr>
-                        <a:t>[1]Survey </a:t>
-                      </a:r>
-                      <a:r>
-                        <a:rPr lang="en-US" sz="1400" b="1" dirty="0" smtClean="0">
-                          <a:solidFill>
-                            <a:schemeClr val="tx1"/>
-                          </a:solidFill>
-                        </a:rPr>
-                        <a:t>all process</a:t>
+                        <a:t>[1]Survey all process</a:t>
                       </a:r>
                     </a:p>
                     <a:p>
@@ -18388,15 +18286,7 @@
                             <a:schemeClr val="tx1"/>
                           </a:solidFill>
                         </a:rPr>
-                        <a:t>Analysis</a:t>
-                      </a:r>
-                      <a:r>
-                        <a:rPr lang="en-US" sz="1400" b="1" dirty="0" smtClean="0">
-                          <a:solidFill>
-                            <a:schemeClr val="tx1"/>
-                          </a:solidFill>
-                        </a:rPr>
-                        <a:t>, design</a:t>
+                        <a:t>Analysis, design</a:t>
                       </a:r>
                     </a:p>
                     <a:p>
@@ -18423,15 +18313,7 @@
                             <a:schemeClr val="tx1"/>
                           </a:solidFill>
                         </a:rPr>
-                        <a:t>[3] </a:t>
-                      </a:r>
-                      <a:r>
-                        <a:rPr lang="en-US" sz="1400" b="1" dirty="0" smtClean="0">
-                          <a:solidFill>
-                            <a:schemeClr val="tx1"/>
-                          </a:solidFill>
-                        </a:rPr>
-                        <a:t>Build database</a:t>
+                        <a:t>[3] Build database</a:t>
                       </a:r>
                     </a:p>
                     <a:p>
@@ -18458,15 +18340,7 @@
                             <a:schemeClr val="tx1"/>
                           </a:solidFill>
                         </a:rPr>
-                        <a:t>[4] </a:t>
-                      </a:r>
-                      <a:r>
-                        <a:rPr lang="en-US" sz="1400" b="1" dirty="0" smtClean="0">
-                          <a:solidFill>
-                            <a:schemeClr val="tx1"/>
-                          </a:solidFill>
-                        </a:rPr>
-                        <a:t>Make software</a:t>
+                        <a:t>[4] Make software</a:t>
                       </a:r>
                     </a:p>
                     <a:p>
@@ -25678,13 +25552,6 @@
               </a:rPr>
               <a:t>quite commonly used and integrates many scanning devices.</a:t>
             </a:r>
-            <a:endParaRPr lang="en-US" sz="1800" dirty="0">
-              <a:solidFill>
-                <a:schemeClr val="tx1"/>
-              </a:solidFill>
-              <a:latin typeface="Arial" panose="020B0604020202020204" pitchFamily="34" charset="0"/>
-              <a:cs typeface="Arial" panose="020B0604020202020204" pitchFamily="34" charset="0"/>
-            </a:endParaRPr>
           </a:p>
         </p:txBody>
       </p:sp>
@@ -25856,18 +25723,7 @@
                 <a:ea typeface="HGP創英角ｺﾞｼｯｸUB" pitchFamily="50" charset="-128"/>
                 <a:cs typeface="Arial" panose="020B0604020202020204" pitchFamily="34" charset="0"/>
               </a:rPr>
-              <a:t> </a:t>
-            </a:r>
-            <a:r>
-              <a:rPr kumimoji="1" lang="en-US" altLang="ja-JP" sz="2000" dirty="0" smtClean="0">
-                <a:solidFill>
-                  <a:srgbClr val="0000FF"/>
-                </a:solidFill>
-                <a:latin typeface="Arial" panose="020B0604020202020204" pitchFamily="34" charset="0"/>
-                <a:ea typeface="HGP創英角ｺﾞｼｯｸUB" pitchFamily="50" charset="-128"/>
-                <a:cs typeface="Arial" panose="020B0604020202020204" pitchFamily="34" charset="0"/>
-              </a:rPr>
-              <a:t>Select new language to develop software</a:t>
+              <a:t> Select new language to develop software</a:t>
             </a:r>
             <a:endParaRPr kumimoji="1" lang="en-US" altLang="ja-JP" sz="2000" dirty="0">
               <a:solidFill>
@@ -26048,18 +25904,7 @@
                 <a:ea typeface="HGP創英角ｺﾞｼｯｸUB" pitchFamily="50" charset="-128"/>
                 <a:cs typeface="Arial" panose="020B0604020202020204" pitchFamily="34" charset="0"/>
               </a:rPr>
-              <a:t> </a:t>
-            </a:r>
-            <a:r>
-              <a:rPr kumimoji="1" lang="en-US" altLang="ja-JP" sz="2000" dirty="0" smtClean="0">
-                <a:solidFill>
-                  <a:srgbClr val="0000FF"/>
-                </a:solidFill>
-                <a:latin typeface="Arial" panose="020B0604020202020204" pitchFamily="34" charset="0"/>
-                <a:ea typeface="HGP創英角ｺﾞｼｯｸUB" pitchFamily="50" charset="-128"/>
-                <a:cs typeface="Arial" panose="020B0604020202020204" pitchFamily="34" charset="0"/>
-              </a:rPr>
-              <a:t>Select new environment for application </a:t>
+              <a:t> Select new environment for application </a:t>
             </a:r>
             <a:endParaRPr kumimoji="1" lang="en-US" altLang="ja-JP" sz="2000" dirty="0">
               <a:solidFill>
@@ -26452,13 +26297,6 @@
               </a:rPr>
               <a:t>, desktop applications and web applications.</a:t>
             </a:r>
-            <a:endParaRPr lang="en-US" sz="1800" dirty="0">
-              <a:solidFill>
-                <a:schemeClr val="tx1"/>
-              </a:solidFill>
-              <a:latin typeface="Arial" panose="020B0604020202020204" pitchFamily="34" charset="0"/>
-              <a:cs typeface="Arial" panose="020B0604020202020204" pitchFamily="34" charset="0"/>
-            </a:endParaRPr>
           </a:p>
         </p:txBody>
       </p:sp>
@@ -27203,13 +27041,6 @@
               </a:rPr>
               <a:t>- Regularly repair and setup window again.</a:t>
             </a:r>
-            <a:endParaRPr lang="en-US" sz="1800" dirty="0">
-              <a:solidFill>
-                <a:schemeClr val="tx1"/>
-              </a:solidFill>
-              <a:latin typeface="Arial" panose="020B0604020202020204" pitchFamily="34" charset="0"/>
-              <a:cs typeface="Arial" panose="020B0604020202020204" pitchFamily="34" charset="0"/>
-            </a:endParaRPr>
           </a:p>
         </p:txBody>
       </p:sp>
@@ -27381,18 +27212,7 @@
                 <a:ea typeface="HGP創英角ｺﾞｼｯｸUB" pitchFamily="50" charset="-128"/>
                 <a:cs typeface="Arial" panose="020B0604020202020204" pitchFamily="34" charset="0"/>
               </a:rPr>
-              <a:t> </a:t>
-            </a:r>
-            <a:r>
-              <a:rPr kumimoji="1" lang="en-US" altLang="ja-JP" sz="2000" dirty="0" smtClean="0">
-                <a:solidFill>
-                  <a:srgbClr val="0000FF"/>
-                </a:solidFill>
-                <a:latin typeface="Arial" panose="020B0604020202020204" pitchFamily="34" charset="0"/>
-                <a:ea typeface="HGP創英角ｺﾞｼｯｸUB" pitchFamily="50" charset="-128"/>
-                <a:cs typeface="Arial" panose="020B0604020202020204" pitchFamily="34" charset="0"/>
-              </a:rPr>
-              <a:t>The Advantage use flutter</a:t>
+              <a:t> The Advantage use flutter</a:t>
             </a:r>
             <a:endParaRPr kumimoji="1" lang="en-US" altLang="ja-JP" sz="2000" dirty="0">
               <a:solidFill>
@@ -28751,18 +28571,11 @@
           <a:lstStyle/>
           <a:p>
             <a:r>
-              <a:rPr lang="en-US" sz="1600" dirty="0" smtClean="0">
-                <a:latin typeface="Arial" panose="020B0604020202020204" pitchFamily="34" charset="0"/>
-                <a:cs typeface="Arial" panose="020B0604020202020204" pitchFamily="34" charset="0"/>
-              </a:rPr>
-              <a:t>Total : </a:t>
-            </a:r>
-            <a:r>
               <a:rPr lang="en-US" sz="1600" b="1" dirty="0" smtClean="0">
                 <a:latin typeface="Arial" panose="020B0604020202020204" pitchFamily="34" charset="0"/>
                 <a:cs typeface="Arial" panose="020B0604020202020204" pitchFamily="34" charset="0"/>
               </a:rPr>
-              <a:t>140pcs</a:t>
+              <a:t>Total : 140pcs</a:t>
             </a:r>
             <a:endParaRPr lang="en-US" sz="1600" b="1" dirty="0">
               <a:latin typeface="Arial" panose="020B0604020202020204" pitchFamily="34" charset="0"/>
@@ -28780,7 +28593,7 @@
         <p:spPr>
           <a:xfrm>
             <a:off x="7656287" y="2931142"/>
-            <a:ext cx="1468232" cy="246221"/>
+            <a:ext cx="1468232" cy="276999"/>
           </a:xfrm>
           <a:prstGeom prst="rect">
             <a:avLst/>
@@ -28793,7 +28606,7 @@
           <a:lstStyle/>
           <a:p>
             <a:r>
-              <a:rPr lang="en-US" sz="1600" b="1" dirty="0" smtClean="0">
+              <a:rPr lang="en-US" b="1" dirty="0" smtClean="0">
                 <a:solidFill>
                   <a:srgbClr val="1508B8"/>
                 </a:solidFill>
@@ -28802,7 +28615,7 @@
               </a:rPr>
               <a:t>MCS Dep: </a:t>
             </a:r>
-            <a:endParaRPr lang="en-US" sz="1600" b="1" dirty="0">
+            <a:endParaRPr lang="en-US" b="1" dirty="0">
               <a:solidFill>
                 <a:srgbClr val="1508B8"/>
               </a:solidFill>
@@ -28834,18 +28647,11 @@
           <a:lstStyle/>
           <a:p>
             <a:r>
-              <a:rPr lang="en-US" sz="1600" dirty="0" smtClean="0">
-                <a:latin typeface="Arial" panose="020B0604020202020204" pitchFamily="34" charset="0"/>
-                <a:cs typeface="Arial" panose="020B0604020202020204" pitchFamily="34" charset="0"/>
-              </a:rPr>
-              <a:t>FY2023: </a:t>
-            </a:r>
-            <a:r>
               <a:rPr lang="en-US" sz="1600" b="1" dirty="0" smtClean="0">
                 <a:latin typeface="Arial" panose="020B0604020202020204" pitchFamily="34" charset="0"/>
                 <a:cs typeface="Arial" panose="020B0604020202020204" pitchFamily="34" charset="0"/>
               </a:rPr>
-              <a:t>20pcs</a:t>
+              <a:t>FY2023: 20pcs</a:t>
             </a:r>
             <a:endParaRPr lang="en-US" sz="1600" b="1" dirty="0">
               <a:latin typeface="Arial" panose="020B0604020202020204" pitchFamily="34" charset="0"/>
@@ -28876,18 +28682,11 @@
           <a:lstStyle/>
           <a:p>
             <a:r>
-              <a:rPr lang="en-US" sz="1600" dirty="0" smtClean="0">
-                <a:latin typeface="Arial" panose="020B0604020202020204" pitchFamily="34" charset="0"/>
-                <a:cs typeface="Arial" panose="020B0604020202020204" pitchFamily="34" charset="0"/>
-              </a:rPr>
-              <a:t>FY2024: </a:t>
-            </a:r>
-            <a:r>
               <a:rPr lang="en-US" sz="1600" b="1" dirty="0" smtClean="0">
                 <a:latin typeface="Arial" panose="020B0604020202020204" pitchFamily="34" charset="0"/>
                 <a:cs typeface="Arial" panose="020B0604020202020204" pitchFamily="34" charset="0"/>
               </a:rPr>
-              <a:t>60pcs</a:t>
+              <a:t>FY2024: 60pcs</a:t>
             </a:r>
             <a:endParaRPr lang="en-US" sz="1600" b="1" dirty="0">
               <a:latin typeface="Arial" panose="020B0604020202020204" pitchFamily="34" charset="0"/>
@@ -28918,18 +28717,11 @@
           <a:lstStyle/>
           <a:p>
             <a:r>
-              <a:rPr lang="en-US" sz="1600" dirty="0" smtClean="0">
-                <a:latin typeface="Arial" panose="020B0604020202020204" pitchFamily="34" charset="0"/>
-                <a:cs typeface="Arial" panose="020B0604020202020204" pitchFamily="34" charset="0"/>
-              </a:rPr>
-              <a:t>FY2025: </a:t>
-            </a:r>
-            <a:r>
               <a:rPr lang="en-US" sz="1600" b="1" dirty="0" smtClean="0">
                 <a:latin typeface="Arial" panose="020B0604020202020204" pitchFamily="34" charset="0"/>
                 <a:cs typeface="Arial" panose="020B0604020202020204" pitchFamily="34" charset="0"/>
               </a:rPr>
-              <a:t>60pcs</a:t>
+              <a:t>FY2025: 60pcs</a:t>
             </a:r>
             <a:endParaRPr lang="en-US" sz="1600" b="1" dirty="0">
               <a:latin typeface="Arial" panose="020B0604020202020204" pitchFamily="34" charset="0"/>
@@ -28947,7 +28739,7 @@
         <p:spPr>
           <a:xfrm>
             <a:off x="7625139" y="4720860"/>
-            <a:ext cx="1468232" cy="246221"/>
+            <a:ext cx="1468232" cy="276999"/>
           </a:xfrm>
           <a:prstGeom prst="rect">
             <a:avLst/>
@@ -28960,7 +28752,7 @@
           <a:lstStyle/>
           <a:p>
             <a:r>
-              <a:rPr lang="en-US" sz="1600" b="1" dirty="0" smtClean="0">
+              <a:rPr lang="en-US" b="1" dirty="0" smtClean="0">
                 <a:solidFill>
                   <a:srgbClr val="1508B8"/>
                 </a:solidFill>
@@ -28969,7 +28761,7 @@
               </a:rPr>
               <a:t>Other Dep: </a:t>
             </a:r>
-            <a:endParaRPr lang="en-US" sz="1600" b="1" dirty="0">
+            <a:endParaRPr lang="en-US" b="1" dirty="0">
               <a:solidFill>
                 <a:srgbClr val="1508B8"/>
               </a:solidFill>
@@ -29001,18 +28793,11 @@
           <a:lstStyle/>
           <a:p>
             <a:r>
-              <a:rPr lang="en-US" sz="1600" dirty="0" smtClean="0">
-                <a:latin typeface="Arial" panose="020B0604020202020204" pitchFamily="34" charset="0"/>
-                <a:cs typeface="Arial" panose="020B0604020202020204" pitchFamily="34" charset="0"/>
-              </a:rPr>
-              <a:t>Total : </a:t>
-            </a:r>
-            <a:r>
               <a:rPr lang="en-US" sz="1600" b="1" dirty="0" smtClean="0">
                 <a:latin typeface="Arial" panose="020B0604020202020204" pitchFamily="34" charset="0"/>
                 <a:cs typeface="Arial" panose="020B0604020202020204" pitchFamily="34" charset="0"/>
               </a:rPr>
-              <a:t>6pcs</a:t>
+              <a:t>Total : 6pcs</a:t>
             </a:r>
             <a:endParaRPr lang="en-US" sz="1600" b="1" dirty="0">
               <a:latin typeface="Arial" panose="020B0604020202020204" pitchFamily="34" charset="0"/>
@@ -29043,18 +28828,11 @@
           <a:lstStyle/>
           <a:p>
             <a:r>
-              <a:rPr lang="en-US" sz="1600" dirty="0" smtClean="0">
-                <a:latin typeface="Arial" panose="020B0604020202020204" pitchFamily="34" charset="0"/>
-                <a:cs typeface="Arial" panose="020B0604020202020204" pitchFamily="34" charset="0"/>
-              </a:rPr>
-              <a:t>FY2025 : </a:t>
-            </a:r>
-            <a:r>
               <a:rPr lang="en-US" sz="1600" b="1" dirty="0" smtClean="0">
                 <a:latin typeface="Arial" panose="020B0604020202020204" pitchFamily="34" charset="0"/>
                 <a:cs typeface="Arial" panose="020B0604020202020204" pitchFamily="34" charset="0"/>
               </a:rPr>
-              <a:t>6pcs</a:t>
+              <a:t>FY2025 : 6pcs</a:t>
             </a:r>
             <a:endParaRPr lang="en-US" sz="1600" b="1" dirty="0">
               <a:latin typeface="Arial" panose="020B0604020202020204" pitchFamily="34" charset="0"/>
@@ -30715,8 +30493,8 @@
         </p:nvSpPr>
         <p:spPr>
           <a:xfrm>
-            <a:off x="158677" y="4572000"/>
-            <a:ext cx="2264742" cy="985988"/>
+            <a:off x="119323" y="4061740"/>
+            <a:ext cx="2264742" cy="967460"/>
           </a:xfrm>
           <a:prstGeom prst="rect">
             <a:avLst/>
@@ -30754,7 +30532,57 @@
                 <a:latin typeface="Arial" panose="020B0604020202020204" pitchFamily="34" charset="0"/>
                 <a:cs typeface="Arial" panose="020B0604020202020204" pitchFamily="34" charset="0"/>
               </a:rPr>
-              <a:t>[3] Develop all function on Mobile</a:t>
+              <a:t>[3] </a:t>
+            </a:r>
+            <a:r>
+              <a:rPr lang="en-US" sz="2000" dirty="0" smtClean="0">
+                <a:solidFill>
+                  <a:srgbClr val="1508B8"/>
+                </a:solidFill>
+                <a:latin typeface="Arial" panose="020B0604020202020204" pitchFamily="34" charset="0"/>
+                <a:cs typeface="Arial" panose="020B0604020202020204" pitchFamily="34" charset="0"/>
+              </a:rPr>
+              <a:t>Development </a:t>
+            </a:r>
+            <a:r>
+              <a:rPr lang="en-US" sz="2000" dirty="0" smtClean="0">
+                <a:solidFill>
+                  <a:srgbClr val="1508B8"/>
+                </a:solidFill>
+                <a:latin typeface="Arial" panose="020B0604020202020204" pitchFamily="34" charset="0"/>
+                <a:cs typeface="Arial" panose="020B0604020202020204" pitchFamily="34" charset="0"/>
+              </a:rPr>
+              <a:t>software</a:t>
+            </a:r>
+            <a:r>
+              <a:rPr lang="en-US" sz="2000" dirty="0" smtClean="0">
+                <a:solidFill>
+                  <a:srgbClr val="1508B8"/>
+                </a:solidFill>
+                <a:latin typeface="Arial" panose="020B0604020202020204" pitchFamily="34" charset="0"/>
+                <a:cs typeface="Arial" panose="020B0604020202020204" pitchFamily="34" charset="0"/>
+              </a:rPr>
+              <a:t> </a:t>
+            </a:r>
+            <a:r>
+              <a:rPr lang="en-US" sz="2000" dirty="0" smtClean="0">
+                <a:solidFill>
+                  <a:srgbClr val="1508B8"/>
+                </a:solidFill>
+                <a:latin typeface="Arial" panose="020B0604020202020204" pitchFamily="34" charset="0"/>
+                <a:cs typeface="Arial" panose="020B0604020202020204" pitchFamily="34" charset="0"/>
+              </a:rPr>
+              <a:t>on </a:t>
+            </a:r>
+            <a:r>
+              <a:rPr lang="en-US" sz="2000" dirty="0" smtClean="0">
+                <a:solidFill>
+                  <a:srgbClr val="1508B8"/>
+                </a:solidFill>
+                <a:latin typeface="Arial" panose="020B0604020202020204" pitchFamily="34" charset="0"/>
+                <a:cs typeface="Arial" panose="020B0604020202020204" pitchFamily="34" charset="0"/>
+              </a:rPr>
+              <a:t>Mobile</a:t>
             </a:r>
             <a:endParaRPr lang="en-US" sz="2000" dirty="0">
               <a:solidFill>
@@ -30774,7 +30602,7 @@
         </p:nvSpPr>
         <p:spPr bwMode="auto">
           <a:xfrm>
-            <a:off x="2554820" y="1986582"/>
+            <a:off x="2554820" y="1904085"/>
             <a:ext cx="5030781" cy="307777"/>
           </a:xfrm>
           <a:prstGeom prst="rect">
@@ -30963,7 +30791,7 @@
       </p:sp>
       <p:sp>
         <p:nvSpPr>
-          <p:cNvPr id="19" name="Google Shape;403;p23">
+          <p:cNvPr id="21" name="Google Shape;403;p23">
             <a:extLst>
               <a:ext uri="{FF2B5EF4-FFF2-40B4-BE49-F238E27FC236}">
                 <a16:creationId xmlns:a16="http://schemas.microsoft.com/office/drawing/2014/main" id="{5B8F4818-F0E7-B544-1B33-0EC21ED9C035}"/>
@@ -30977,8 +30805,8 @@
         </p:nvSpPr>
         <p:spPr>
           <a:xfrm>
-            <a:off x="2628251" y="2082100"/>
-            <a:ext cx="5016199" cy="1161452"/>
+            <a:off x="64307" y="2839359"/>
+            <a:ext cx="2193063" cy="1567558"/>
           </a:xfrm>
           <a:prstGeom prst="rect">
             <a:avLst/>
@@ -31249,31 +31077,34 @@
                 <a:latin typeface="Arial" panose="020B0604020202020204" pitchFamily="34" charset="0"/>
                 <a:cs typeface="Arial" panose="020B0604020202020204" pitchFamily="34" charset="0"/>
               </a:rPr>
-              <a:t>-so do he thong </a:t>
-            </a:r>
-            <a:r>
-              <a:rPr lang="en-US" sz="1800" dirty="0" err="1" smtClean="0">
+              <a:t>Analyze Material control System.</a:t>
+            </a:r>
+          </a:p>
+          <a:p>
+            <a:pPr algn="l"/>
+            <a:r>
+              <a:rPr lang="en-US" sz="1800" dirty="0" smtClean="0">
                 <a:solidFill>
                   <a:schemeClr val="tx1"/>
                 </a:solidFill>
                 <a:latin typeface="Arial" panose="020B0604020202020204" pitchFamily="34" charset="0"/>
                 <a:cs typeface="Arial" panose="020B0604020202020204" pitchFamily="34" charset="0"/>
               </a:rPr>
-              <a:t>foss</a:t>
-            </a:r>
-            <a:r>
-              <a:rPr lang="en-US" sz="1800" dirty="0" smtClean="0">
-                <a:solidFill>
-                  <a:schemeClr val="tx1"/>
-                </a:solidFill>
-                <a:latin typeface="Arial" panose="020B0604020202020204" pitchFamily="34" charset="0"/>
-                <a:cs typeface="Arial" panose="020B0604020202020204" pitchFamily="34" charset="0"/>
-              </a:rPr>
-              <a:t>.</a:t>
-            </a:r>
+              <a:t>Improve &amp; Optimate the process.</a:t>
+            </a:r>
+            <a:endParaRPr lang="en-US" sz="1800" dirty="0" smtClean="0">
+              <a:solidFill>
+                <a:schemeClr val="tx1"/>
+              </a:solidFill>
+              <a:latin typeface="Arial" panose="020B0604020202020204" pitchFamily="34" charset="0"/>
+              <a:cs typeface="Arial" panose="020B0604020202020204" pitchFamily="34" charset="0"/>
+            </a:endParaRPr>
+          </a:p>
+          <a:p>
+            <a:pPr algn="l"/>
             <a:endParaRPr lang="en-US" sz="1800" dirty="0">
               <a:solidFill>
-                <a:schemeClr val="tx1"/>
+                <a:srgbClr val="FF0000"/>
               </a:solidFill>
               <a:latin typeface="Arial" panose="020B0604020202020204" pitchFamily="34" charset="0"/>
               <a:cs typeface="Arial" panose="020B0604020202020204" pitchFamily="34" charset="0"/>
@@ -31283,7 +31114,7 @@
       </p:sp>
       <p:sp>
         <p:nvSpPr>
-          <p:cNvPr id="20" name="Google Shape;403;p23">
+          <p:cNvPr id="23" name="Google Shape;403;p23">
             <a:extLst>
               <a:ext uri="{FF2B5EF4-FFF2-40B4-BE49-F238E27FC236}">
                 <a16:creationId xmlns:a16="http://schemas.microsoft.com/office/drawing/2014/main" id="{5B8F4818-F0E7-B544-1B33-0EC21ED9C035}"/>
@@ -31297,8 +31128,8 @@
         </p:nvSpPr>
         <p:spPr>
           <a:xfrm>
-            <a:off x="2628251" y="4191000"/>
-            <a:ext cx="5016199" cy="1161452"/>
+            <a:off x="155162" y="4930805"/>
+            <a:ext cx="2193063" cy="1361742"/>
           </a:xfrm>
           <a:prstGeom prst="rect">
             <a:avLst/>
@@ -31562,28 +31393,2168 @@
           <a:p>
             <a:pPr algn="l"/>
             <a:r>
-              <a:rPr lang="en-US" sz="1800" dirty="0" smtClean="0">
+              <a:rPr lang="en-US" sz="1800" dirty="0">
                 <a:solidFill>
                   <a:schemeClr val="tx1"/>
                 </a:solidFill>
                 <a:latin typeface="Arial" panose="020B0604020202020204" pitchFamily="34" charset="0"/>
                 <a:cs typeface="Arial" panose="020B0604020202020204" pitchFamily="34" charset="0"/>
               </a:rPr>
-              <a:t>-so do he </a:t>
-            </a:r>
-            <a:r>
-              <a:rPr lang="en-US" sz="1800" smtClean="0">
+              <a:t>Amount of </a:t>
+            </a:r>
+            <a:r>
+              <a:rPr lang="en-US" sz="1800" dirty="0" smtClean="0">
                 <a:solidFill>
                   <a:schemeClr val="tx1"/>
                 </a:solidFill>
                 <a:latin typeface="Arial" panose="020B0604020202020204" pitchFamily="34" charset="0"/>
                 <a:cs typeface="Arial" panose="020B0604020202020204" pitchFamily="34" charset="0"/>
               </a:rPr>
-              <a:t>thong mobile.</a:t>
+              <a:t>working </a:t>
+            </a:r>
+            <a:r>
+              <a:rPr lang="en-US" sz="1800" dirty="0">
+                <a:solidFill>
+                  <a:schemeClr val="tx1"/>
+                </a:solidFill>
+                <a:latin typeface="Arial" panose="020B0604020202020204" pitchFamily="34" charset="0"/>
+                <a:cs typeface="Arial" panose="020B0604020202020204" pitchFamily="34" charset="0"/>
+              </a:rPr>
+              <a:t>is </a:t>
+            </a:r>
+            <a:r>
+              <a:rPr lang="en-US" sz="1800" dirty="0" smtClean="0">
+                <a:solidFill>
+                  <a:schemeClr val="tx1"/>
+                </a:solidFill>
+                <a:latin typeface="Arial" panose="020B0604020202020204" pitchFamily="34" charset="0"/>
+                <a:cs typeface="Arial" panose="020B0604020202020204" pitchFamily="34" charset="0"/>
+              </a:rPr>
+              <a:t>big.</a:t>
             </a:r>
             <a:endParaRPr lang="en-US" sz="1800" dirty="0">
               <a:solidFill>
                 <a:schemeClr val="tx1"/>
+              </a:solidFill>
+              <a:latin typeface="Arial" panose="020B0604020202020204" pitchFamily="34" charset="0"/>
+              <a:cs typeface="Arial" panose="020B0604020202020204" pitchFamily="34" charset="0"/>
+            </a:endParaRPr>
+          </a:p>
+          <a:p>
+            <a:pPr algn="l"/>
+            <a:r>
+              <a:rPr lang="en-US" sz="1800" dirty="0" smtClean="0">
+                <a:solidFill>
+                  <a:schemeClr val="tx1"/>
+                </a:solidFill>
+                <a:latin typeface="Arial" panose="020B0604020202020204" pitchFamily="34" charset="0"/>
+                <a:cs typeface="Arial" panose="020B0604020202020204" pitchFamily="34" charset="0"/>
+              </a:rPr>
+              <a:t>Research </a:t>
+            </a:r>
+            <a:r>
+              <a:rPr lang="en-US" sz="1800" dirty="0">
+                <a:solidFill>
+                  <a:schemeClr val="tx1"/>
+                </a:solidFill>
+                <a:latin typeface="Arial" panose="020B0604020202020204" pitchFamily="34" charset="0"/>
+                <a:cs typeface="Arial" panose="020B0604020202020204" pitchFamily="34" charset="0"/>
+              </a:rPr>
+              <a:t>new technology to apply </a:t>
+            </a:r>
+            <a:r>
+              <a:rPr lang="en-US" sz="1800" dirty="0" smtClean="0">
+                <a:solidFill>
+                  <a:schemeClr val="tx1"/>
+                </a:solidFill>
+                <a:latin typeface="Arial" panose="020B0604020202020204" pitchFamily="34" charset="0"/>
+                <a:cs typeface="Arial" panose="020B0604020202020204" pitchFamily="34" charset="0"/>
+              </a:rPr>
+              <a:t>and own.</a:t>
+            </a:r>
+            <a:endParaRPr lang="en-US" sz="1800" dirty="0">
+              <a:solidFill>
+                <a:schemeClr val="tx1"/>
+              </a:solidFill>
+              <a:latin typeface="Arial" panose="020B0604020202020204" pitchFamily="34" charset="0"/>
+              <a:cs typeface="Arial" panose="020B0604020202020204" pitchFamily="34" charset="0"/>
+            </a:endParaRPr>
+          </a:p>
+        </p:txBody>
+      </p:sp>
+      <p:sp>
+        <p:nvSpPr>
+          <p:cNvPr id="24" name="Rectangle 28"/>
+          <p:cNvSpPr>
+            <a:spLocks noChangeArrowheads="1"/>
+          </p:cNvSpPr>
+          <p:nvPr/>
+        </p:nvSpPr>
+        <p:spPr bwMode="auto">
+          <a:xfrm>
+            <a:off x="3673460" y="2667000"/>
+            <a:ext cx="669940" cy="373370"/>
+          </a:xfrm>
+          <a:prstGeom prst="rect">
+            <a:avLst/>
+          </a:prstGeom>
+          <a:solidFill>
+            <a:srgbClr val="FFFF00"/>
+          </a:solidFill>
+          <a:ln w="19050">
+            <a:solidFill>
+              <a:srgbClr val="666699"/>
+            </a:solidFill>
+            <a:miter lim="800000"/>
+            <a:headEnd/>
+            <a:tailEnd/>
+          </a:ln>
+          <a:effectLst/>
+          <a:extLst/>
+        </p:spPr>
+        <p:txBody>
+          <a:bodyPr wrap="none" anchor="ctr"/>
+          <a:lstStyle/>
+          <a:p>
+            <a:pPr algn="ctr"/>
+            <a:r>
+              <a:rPr lang="en-US" altLang="ja-JP" sz="1600" dirty="0">
+                <a:latin typeface="Arial" pitchFamily="34" charset="0"/>
+                <a:cs typeface="Arial" pitchFamily="34" charset="0"/>
+              </a:rPr>
+              <a:t>G/R</a:t>
+            </a:r>
+            <a:endParaRPr lang="ja-JP" altLang="en-US" sz="1600" dirty="0">
+              <a:latin typeface="Arial" pitchFamily="34" charset="0"/>
+              <a:cs typeface="Arial" pitchFamily="34" charset="0"/>
+            </a:endParaRPr>
+          </a:p>
+        </p:txBody>
+      </p:sp>
+      <p:sp>
+        <p:nvSpPr>
+          <p:cNvPr id="29" name="Rectangle 28"/>
+          <p:cNvSpPr>
+            <a:spLocks noChangeArrowheads="1"/>
+          </p:cNvSpPr>
+          <p:nvPr/>
+        </p:nvSpPr>
+        <p:spPr bwMode="auto">
+          <a:xfrm>
+            <a:off x="4648200" y="2670050"/>
+            <a:ext cx="728696" cy="370320"/>
+          </a:xfrm>
+          <a:prstGeom prst="rect">
+            <a:avLst/>
+          </a:prstGeom>
+          <a:solidFill>
+            <a:srgbClr val="FFFF00"/>
+          </a:solidFill>
+          <a:ln w="19050">
+            <a:solidFill>
+              <a:srgbClr val="666699"/>
+            </a:solidFill>
+            <a:miter lim="800000"/>
+            <a:headEnd/>
+            <a:tailEnd/>
+          </a:ln>
+          <a:effectLst/>
+          <a:extLst/>
+        </p:spPr>
+        <p:txBody>
+          <a:bodyPr wrap="none" anchor="ctr"/>
+          <a:lstStyle/>
+          <a:p>
+            <a:pPr algn="ctr"/>
+            <a:r>
+              <a:rPr lang="en-US" altLang="ja-JP" sz="1600" dirty="0">
+                <a:latin typeface="Arial" pitchFamily="34" charset="0"/>
+                <a:cs typeface="Arial" pitchFamily="34" charset="0"/>
+              </a:rPr>
+              <a:t>Storing</a:t>
+            </a:r>
+            <a:endParaRPr lang="ja-JP" altLang="en-US" sz="1600" dirty="0">
+              <a:latin typeface="Arial" pitchFamily="34" charset="0"/>
+              <a:cs typeface="Arial" pitchFamily="34" charset="0"/>
+            </a:endParaRPr>
+          </a:p>
+        </p:txBody>
+      </p:sp>
+      <p:sp>
+        <p:nvSpPr>
+          <p:cNvPr id="30" name="Rectangle 29"/>
+          <p:cNvSpPr>
+            <a:spLocks noChangeArrowheads="1"/>
+          </p:cNvSpPr>
+          <p:nvPr/>
+        </p:nvSpPr>
+        <p:spPr bwMode="auto">
+          <a:xfrm>
+            <a:off x="5638800" y="2667000"/>
+            <a:ext cx="743298" cy="352841"/>
+          </a:xfrm>
+          <a:prstGeom prst="rect">
+            <a:avLst/>
+          </a:prstGeom>
+          <a:solidFill>
+            <a:srgbClr val="FFFF00"/>
+          </a:solidFill>
+          <a:ln w="19050">
+            <a:solidFill>
+              <a:srgbClr val="666699"/>
+            </a:solidFill>
+            <a:miter lim="800000"/>
+            <a:headEnd/>
+            <a:tailEnd/>
+          </a:ln>
+          <a:effectLst/>
+          <a:extLst/>
+        </p:spPr>
+        <p:txBody>
+          <a:bodyPr wrap="none" anchor="ctr"/>
+          <a:lstStyle/>
+          <a:p>
+            <a:pPr algn="ctr"/>
+            <a:r>
+              <a:rPr lang="en-US" altLang="ja-JP" sz="1600" dirty="0" smtClean="0">
+                <a:latin typeface="Arial" pitchFamily="34" charset="0"/>
+                <a:cs typeface="Arial" pitchFamily="34" charset="0"/>
+              </a:rPr>
+              <a:t>Kitting</a:t>
+            </a:r>
+          </a:p>
+        </p:txBody>
+      </p:sp>
+      <p:sp>
+        <p:nvSpPr>
+          <p:cNvPr id="32" name="Rectangle 31"/>
+          <p:cNvSpPr>
+            <a:spLocks noChangeArrowheads="1"/>
+          </p:cNvSpPr>
+          <p:nvPr/>
+        </p:nvSpPr>
+        <p:spPr bwMode="auto">
+          <a:xfrm>
+            <a:off x="6629400" y="2667000"/>
+            <a:ext cx="881723" cy="352841"/>
+          </a:xfrm>
+          <a:prstGeom prst="rect">
+            <a:avLst/>
+          </a:prstGeom>
+          <a:solidFill>
+            <a:srgbClr val="FFFF00"/>
+          </a:solidFill>
+          <a:ln w="19050">
+            <a:solidFill>
+              <a:srgbClr val="666699"/>
+            </a:solidFill>
+            <a:miter lim="800000"/>
+            <a:headEnd/>
+            <a:tailEnd/>
+          </a:ln>
+          <a:effectLst/>
+          <a:extLst/>
+        </p:spPr>
+        <p:txBody>
+          <a:bodyPr wrap="none" anchor="ctr"/>
+          <a:lstStyle/>
+          <a:p>
+            <a:pPr algn="ctr"/>
+            <a:r>
+              <a:rPr lang="en-US" altLang="ja-JP" sz="1600" dirty="0" smtClean="0">
+                <a:latin typeface="Arial" pitchFamily="34" charset="0"/>
+                <a:cs typeface="Arial" pitchFamily="34" charset="0"/>
+              </a:rPr>
+              <a:t>Supply</a:t>
+            </a:r>
+            <a:endParaRPr lang="ja-JP" altLang="en-US" sz="1600" dirty="0">
+              <a:latin typeface="Arial" pitchFamily="34" charset="0"/>
+              <a:cs typeface="Arial" pitchFamily="34" charset="0"/>
+            </a:endParaRPr>
+          </a:p>
+        </p:txBody>
+      </p:sp>
+      <p:sp>
+        <p:nvSpPr>
+          <p:cNvPr id="3" name="Rectangle 2"/>
+          <p:cNvSpPr/>
+          <p:nvPr/>
+        </p:nvSpPr>
+        <p:spPr>
+          <a:xfrm>
+            <a:off x="2447665" y="2229379"/>
+            <a:ext cx="990600" cy="289073"/>
+          </a:xfrm>
+          <a:prstGeom prst="rect">
+            <a:avLst/>
+          </a:prstGeom>
+          <a:noFill/>
+          <a:ln>
+            <a:noFill/>
+          </a:ln>
+        </p:spPr>
+        <p:style>
+          <a:lnRef idx="2">
+            <a:schemeClr val="accent1">
+              <a:shade val="50000"/>
+            </a:schemeClr>
+          </a:lnRef>
+          <a:fillRef idx="1">
+            <a:schemeClr val="accent1"/>
+          </a:fillRef>
+          <a:effectRef idx="0">
+            <a:schemeClr val="accent1"/>
+          </a:effectRef>
+          <a:fontRef idx="minor">
+            <a:schemeClr val="lt1"/>
+          </a:fontRef>
+        </p:style>
+        <p:txBody>
+          <a:bodyPr rtlCol="0" anchor="ctr"/>
+          <a:lstStyle/>
+          <a:p>
+            <a:pPr algn="ctr"/>
+            <a:r>
+              <a:rPr lang="en-US" sz="1600" dirty="0">
+                <a:solidFill>
+                  <a:schemeClr val="tx1"/>
+                </a:solidFill>
+                <a:latin typeface="Arial" panose="020B0604020202020204" pitchFamily="34" charset="0"/>
+                <a:cs typeface="Arial" panose="020B0604020202020204" pitchFamily="34" charset="0"/>
+              </a:rPr>
+              <a:t>S</a:t>
+            </a:r>
+            <a:r>
+              <a:rPr lang="en-US" sz="1600" dirty="0" smtClean="0">
+                <a:solidFill>
+                  <a:schemeClr val="tx1"/>
+                </a:solidFill>
+                <a:latin typeface="Arial" panose="020B0604020202020204" pitchFamily="34" charset="0"/>
+                <a:cs typeface="Arial" panose="020B0604020202020204" pitchFamily="34" charset="0"/>
+              </a:rPr>
+              <a:t>upplier</a:t>
+            </a:r>
+            <a:endParaRPr lang="en-US" sz="1600" dirty="0">
+              <a:solidFill>
+                <a:schemeClr val="tx1"/>
+              </a:solidFill>
+              <a:latin typeface="Arial" panose="020B0604020202020204" pitchFamily="34" charset="0"/>
+              <a:cs typeface="Arial" panose="020B0604020202020204" pitchFamily="34" charset="0"/>
+            </a:endParaRPr>
+          </a:p>
+        </p:txBody>
+      </p:sp>
+      <p:sp>
+        <p:nvSpPr>
+          <p:cNvPr id="51" name="Rectangle 50"/>
+          <p:cNvSpPr/>
+          <p:nvPr/>
+        </p:nvSpPr>
+        <p:spPr>
+          <a:xfrm>
+            <a:off x="3416399" y="2228176"/>
+            <a:ext cx="1112077" cy="397061"/>
+          </a:xfrm>
+          <a:prstGeom prst="rect">
+            <a:avLst/>
+          </a:prstGeom>
+          <a:noFill/>
+          <a:ln>
+            <a:noFill/>
+          </a:ln>
+        </p:spPr>
+        <p:style>
+          <a:lnRef idx="2">
+            <a:schemeClr val="accent1">
+              <a:shade val="50000"/>
+            </a:schemeClr>
+          </a:lnRef>
+          <a:fillRef idx="1">
+            <a:schemeClr val="accent1"/>
+          </a:fillRef>
+          <a:effectRef idx="0">
+            <a:schemeClr val="accent1"/>
+          </a:effectRef>
+          <a:fontRef idx="minor">
+            <a:schemeClr val="lt1"/>
+          </a:fontRef>
+        </p:style>
+        <p:txBody>
+          <a:bodyPr rtlCol="0" anchor="ctr"/>
+          <a:lstStyle/>
+          <a:p>
+            <a:r>
+              <a:rPr lang="en-US" sz="1400" dirty="0" smtClean="0">
+                <a:solidFill>
+                  <a:schemeClr val="tx1"/>
+                </a:solidFill>
+                <a:latin typeface="Arial" panose="020B0604020202020204" pitchFamily="34" charset="0"/>
+                <a:cs typeface="Arial" panose="020B0604020202020204" pitchFamily="34" charset="0"/>
+              </a:rPr>
+              <a:t>Receiving Area MCS</a:t>
+            </a:r>
+            <a:endParaRPr lang="en-US" sz="1400" dirty="0">
+              <a:solidFill>
+                <a:schemeClr val="tx1"/>
+              </a:solidFill>
+              <a:latin typeface="Arial" panose="020B0604020202020204" pitchFamily="34" charset="0"/>
+              <a:cs typeface="Arial" panose="020B0604020202020204" pitchFamily="34" charset="0"/>
+            </a:endParaRPr>
+          </a:p>
+        </p:txBody>
+      </p:sp>
+      <p:pic>
+        <p:nvPicPr>
+          <p:cNvPr id="4" name="Picture 3"/>
+          <p:cNvPicPr>
+            <a:picLocks noChangeAspect="1"/>
+          </p:cNvPicPr>
+          <p:nvPr/>
+        </p:nvPicPr>
+        <p:blipFill>
+          <a:blip r:embed="rId3"/>
+          <a:stretch>
+            <a:fillRect/>
+          </a:stretch>
+        </p:blipFill>
+        <p:spPr>
+          <a:xfrm>
+            <a:off x="2568675" y="2625237"/>
+            <a:ext cx="843507" cy="449929"/>
+          </a:xfrm>
+          <a:prstGeom prst="rect">
+            <a:avLst/>
+          </a:prstGeom>
+        </p:spPr>
+      </p:pic>
+      <p:pic>
+        <p:nvPicPr>
+          <p:cNvPr id="54" name="Picture 53">
+            <a:extLst>
+              <a:ext uri="{FF2B5EF4-FFF2-40B4-BE49-F238E27FC236}">
+                <a16:creationId xmlns:a16="http://schemas.microsoft.com/office/drawing/2014/main" id="{AEFD97A8-7449-4D34-85ED-67B392E8716C}"/>
+              </a:ext>
+            </a:extLst>
+          </p:cNvPr>
+          <p:cNvPicPr>
+            <a:picLocks noChangeAspect="1"/>
+          </p:cNvPicPr>
+          <p:nvPr/>
+        </p:nvPicPr>
+        <p:blipFill>
+          <a:blip r:embed="rId4"/>
+          <a:stretch>
+            <a:fillRect/>
+          </a:stretch>
+        </p:blipFill>
+        <p:spPr>
+          <a:xfrm>
+            <a:off x="2633386" y="4061739"/>
+            <a:ext cx="3050152" cy="2147325"/>
+          </a:xfrm>
+          <a:prstGeom prst="rect">
+            <a:avLst/>
+          </a:prstGeom>
+        </p:spPr>
+      </p:pic>
+      <p:sp>
+        <p:nvSpPr>
+          <p:cNvPr id="55" name="Rectangle 54"/>
+          <p:cNvSpPr/>
+          <p:nvPr/>
+        </p:nvSpPr>
+        <p:spPr>
+          <a:xfrm>
+            <a:off x="4483810" y="2239376"/>
+            <a:ext cx="1199727" cy="397061"/>
+          </a:xfrm>
+          <a:prstGeom prst="rect">
+            <a:avLst/>
+          </a:prstGeom>
+          <a:noFill/>
+          <a:ln>
+            <a:noFill/>
+          </a:ln>
+        </p:spPr>
+        <p:style>
+          <a:lnRef idx="2">
+            <a:schemeClr val="accent1">
+              <a:shade val="50000"/>
+            </a:schemeClr>
+          </a:lnRef>
+          <a:fillRef idx="1">
+            <a:schemeClr val="accent1"/>
+          </a:fillRef>
+          <a:effectRef idx="0">
+            <a:schemeClr val="accent1"/>
+          </a:effectRef>
+          <a:fontRef idx="minor">
+            <a:schemeClr val="lt1"/>
+          </a:fontRef>
+        </p:style>
+        <p:txBody>
+          <a:bodyPr rtlCol="0" anchor="ctr"/>
+          <a:lstStyle/>
+          <a:p>
+            <a:r>
+              <a:rPr lang="en-US" sz="1400" dirty="0" smtClean="0">
+                <a:solidFill>
+                  <a:schemeClr val="tx1"/>
+                </a:solidFill>
+                <a:latin typeface="Arial" panose="020B0604020202020204" pitchFamily="34" charset="0"/>
+                <a:cs typeface="Arial" panose="020B0604020202020204" pitchFamily="34" charset="0"/>
+              </a:rPr>
+              <a:t>Warehouse MCS</a:t>
+            </a:r>
+            <a:endParaRPr lang="en-US" sz="1400" dirty="0">
+              <a:solidFill>
+                <a:schemeClr val="tx1"/>
+              </a:solidFill>
+              <a:latin typeface="Arial" panose="020B0604020202020204" pitchFamily="34" charset="0"/>
+              <a:cs typeface="Arial" panose="020B0604020202020204" pitchFamily="34" charset="0"/>
+            </a:endParaRPr>
+          </a:p>
+        </p:txBody>
+      </p:sp>
+      <p:sp>
+        <p:nvSpPr>
+          <p:cNvPr id="56" name="Rectangle 55"/>
+          <p:cNvSpPr/>
+          <p:nvPr/>
+        </p:nvSpPr>
+        <p:spPr>
+          <a:xfrm>
+            <a:off x="6583400" y="2239376"/>
+            <a:ext cx="1112077" cy="397061"/>
+          </a:xfrm>
+          <a:prstGeom prst="rect">
+            <a:avLst/>
+          </a:prstGeom>
+          <a:noFill/>
+          <a:ln>
+            <a:noFill/>
+          </a:ln>
+        </p:spPr>
+        <p:style>
+          <a:lnRef idx="2">
+            <a:schemeClr val="accent1">
+              <a:shade val="50000"/>
+            </a:schemeClr>
+          </a:lnRef>
+          <a:fillRef idx="1">
+            <a:schemeClr val="accent1"/>
+          </a:fillRef>
+          <a:effectRef idx="0">
+            <a:schemeClr val="accent1"/>
+          </a:effectRef>
+          <a:fontRef idx="minor">
+            <a:schemeClr val="lt1"/>
+          </a:fontRef>
+        </p:style>
+        <p:txBody>
+          <a:bodyPr rtlCol="0" anchor="ctr"/>
+          <a:lstStyle/>
+          <a:p>
+            <a:r>
+              <a:rPr lang="en-US" sz="1400" dirty="0" smtClean="0">
+                <a:solidFill>
+                  <a:schemeClr val="tx1"/>
+                </a:solidFill>
+                <a:latin typeface="Arial" panose="020B0604020202020204" pitchFamily="34" charset="0"/>
+                <a:cs typeface="Arial" panose="020B0604020202020204" pitchFamily="34" charset="0"/>
+              </a:rPr>
+              <a:t>Production Lines</a:t>
+            </a:r>
+            <a:endParaRPr lang="en-US" sz="1400" dirty="0">
+              <a:solidFill>
+                <a:schemeClr val="tx1"/>
+              </a:solidFill>
+              <a:latin typeface="Arial" panose="020B0604020202020204" pitchFamily="34" charset="0"/>
+              <a:cs typeface="Arial" panose="020B0604020202020204" pitchFamily="34" charset="0"/>
+            </a:endParaRPr>
+          </a:p>
+        </p:txBody>
+      </p:sp>
+      <p:sp>
+        <p:nvSpPr>
+          <p:cNvPr id="57" name="Rectangle 56"/>
+          <p:cNvSpPr/>
+          <p:nvPr/>
+        </p:nvSpPr>
+        <p:spPr>
+          <a:xfrm>
+            <a:off x="5542425" y="2239376"/>
+            <a:ext cx="1112077" cy="397061"/>
+          </a:xfrm>
+          <a:prstGeom prst="rect">
+            <a:avLst/>
+          </a:prstGeom>
+          <a:noFill/>
+          <a:ln>
+            <a:noFill/>
+          </a:ln>
+        </p:spPr>
+        <p:style>
+          <a:lnRef idx="2">
+            <a:schemeClr val="accent1">
+              <a:shade val="50000"/>
+            </a:schemeClr>
+          </a:lnRef>
+          <a:fillRef idx="1">
+            <a:schemeClr val="accent1"/>
+          </a:fillRef>
+          <a:effectRef idx="0">
+            <a:schemeClr val="accent1"/>
+          </a:effectRef>
+          <a:fontRef idx="minor">
+            <a:schemeClr val="lt1"/>
+          </a:fontRef>
+        </p:style>
+        <p:txBody>
+          <a:bodyPr rtlCol="0" anchor="ctr"/>
+          <a:lstStyle/>
+          <a:p>
+            <a:r>
+              <a:rPr lang="en-US" sz="1400" dirty="0" smtClean="0">
+                <a:solidFill>
+                  <a:schemeClr val="tx1"/>
+                </a:solidFill>
+                <a:latin typeface="Arial" panose="020B0604020202020204" pitchFamily="34" charset="0"/>
+                <a:cs typeface="Arial" panose="020B0604020202020204" pitchFamily="34" charset="0"/>
+              </a:rPr>
+              <a:t>Kitting by lines</a:t>
+            </a:r>
+            <a:endParaRPr lang="en-US" sz="1400" dirty="0">
+              <a:solidFill>
+                <a:schemeClr val="tx1"/>
+              </a:solidFill>
+              <a:latin typeface="Arial" panose="020B0604020202020204" pitchFamily="34" charset="0"/>
+              <a:cs typeface="Arial" panose="020B0604020202020204" pitchFamily="34" charset="0"/>
+            </a:endParaRPr>
+          </a:p>
+        </p:txBody>
+      </p:sp>
+      <p:cxnSp>
+        <p:nvCxnSpPr>
+          <p:cNvPr id="59" name="Straight Arrow Connector 58"/>
+          <p:cNvCxnSpPr>
+            <a:stCxn id="4" idx="3"/>
+            <a:endCxn id="24" idx="1"/>
+          </p:cNvCxnSpPr>
+          <p:nvPr/>
+        </p:nvCxnSpPr>
+        <p:spPr>
+          <a:xfrm>
+            <a:off x="3412182" y="2850202"/>
+            <a:ext cx="261278" cy="3483"/>
+          </a:xfrm>
+          <a:prstGeom prst="straightConnector1">
+            <a:avLst/>
+          </a:prstGeom>
+          <a:ln w="38100">
+            <a:tailEnd type="triangle"/>
+          </a:ln>
+        </p:spPr>
+        <p:style>
+          <a:lnRef idx="1">
+            <a:schemeClr val="accent1"/>
+          </a:lnRef>
+          <a:fillRef idx="0">
+            <a:schemeClr val="accent1"/>
+          </a:fillRef>
+          <a:effectRef idx="0">
+            <a:schemeClr val="accent1"/>
+          </a:effectRef>
+          <a:fontRef idx="minor">
+            <a:schemeClr val="tx1"/>
+          </a:fontRef>
+        </p:style>
+      </p:cxnSp>
+      <p:cxnSp>
+        <p:nvCxnSpPr>
+          <p:cNvPr id="61" name="Straight Arrow Connector 60"/>
+          <p:cNvCxnSpPr/>
+          <p:nvPr/>
+        </p:nvCxnSpPr>
+        <p:spPr>
+          <a:xfrm>
+            <a:off x="4397837" y="2835876"/>
+            <a:ext cx="261278" cy="3483"/>
+          </a:xfrm>
+          <a:prstGeom prst="straightConnector1">
+            <a:avLst/>
+          </a:prstGeom>
+          <a:ln w="38100">
+            <a:tailEnd type="triangle"/>
+          </a:ln>
+        </p:spPr>
+        <p:style>
+          <a:lnRef idx="1">
+            <a:schemeClr val="accent1"/>
+          </a:lnRef>
+          <a:fillRef idx="0">
+            <a:schemeClr val="accent1"/>
+          </a:fillRef>
+          <a:effectRef idx="0">
+            <a:schemeClr val="accent1"/>
+          </a:effectRef>
+          <a:fontRef idx="minor">
+            <a:schemeClr val="tx1"/>
+          </a:fontRef>
+        </p:style>
+      </p:cxnSp>
+      <p:cxnSp>
+        <p:nvCxnSpPr>
+          <p:cNvPr id="62" name="Straight Arrow Connector 61"/>
+          <p:cNvCxnSpPr/>
+          <p:nvPr/>
+        </p:nvCxnSpPr>
+        <p:spPr>
+          <a:xfrm>
+            <a:off x="5391498" y="2850201"/>
+            <a:ext cx="261278" cy="3483"/>
+          </a:xfrm>
+          <a:prstGeom prst="straightConnector1">
+            <a:avLst/>
+          </a:prstGeom>
+          <a:ln w="38100">
+            <a:tailEnd type="triangle"/>
+          </a:ln>
+        </p:spPr>
+        <p:style>
+          <a:lnRef idx="1">
+            <a:schemeClr val="accent1"/>
+          </a:lnRef>
+          <a:fillRef idx="0">
+            <a:schemeClr val="accent1"/>
+          </a:fillRef>
+          <a:effectRef idx="0">
+            <a:schemeClr val="accent1"/>
+          </a:effectRef>
+          <a:fontRef idx="minor">
+            <a:schemeClr val="tx1"/>
+          </a:fontRef>
+        </p:style>
+      </p:cxnSp>
+      <p:cxnSp>
+        <p:nvCxnSpPr>
+          <p:cNvPr id="63" name="Straight Arrow Connector 62"/>
+          <p:cNvCxnSpPr/>
+          <p:nvPr/>
+        </p:nvCxnSpPr>
+        <p:spPr>
+          <a:xfrm>
+            <a:off x="6393224" y="2856695"/>
+            <a:ext cx="261278" cy="3483"/>
+          </a:xfrm>
+          <a:prstGeom prst="straightConnector1">
+            <a:avLst/>
+          </a:prstGeom>
+          <a:ln w="38100">
+            <a:tailEnd type="triangle"/>
+          </a:ln>
+        </p:spPr>
+        <p:style>
+          <a:lnRef idx="1">
+            <a:schemeClr val="accent1"/>
+          </a:lnRef>
+          <a:fillRef idx="0">
+            <a:schemeClr val="accent1"/>
+          </a:fillRef>
+          <a:effectRef idx="0">
+            <a:schemeClr val="accent1"/>
+          </a:effectRef>
+          <a:fontRef idx="minor">
+            <a:schemeClr val="tx1"/>
+          </a:fontRef>
+        </p:style>
+      </p:cxnSp>
+      <p:sp>
+        <p:nvSpPr>
+          <p:cNvPr id="64" name="Text Box 80"/>
+          <p:cNvSpPr txBox="1">
+            <a:spLocks noChangeArrowheads="1"/>
+          </p:cNvSpPr>
+          <p:nvPr/>
+        </p:nvSpPr>
+        <p:spPr bwMode="auto">
+          <a:xfrm>
+            <a:off x="2633386" y="3678335"/>
+            <a:ext cx="5030781" cy="307777"/>
+          </a:xfrm>
+          <a:prstGeom prst="rect">
+            <a:avLst/>
+          </a:prstGeom>
+          <a:noFill/>
+          <a:ln>
+            <a:noFill/>
+          </a:ln>
+          <a:extLst>
+            <a:ext uri="{909E8E84-426E-40DD-AFC4-6F175D3DCCD1}">
+              <a14:hiddenFill xmlns:a14="http://schemas.microsoft.com/office/drawing/2010/main">
+                <a:solidFill>
+                  <a:srgbClr val="FFFFFF"/>
+                </a:solidFill>
+              </a14:hiddenFill>
+            </a:ext>
+            <a:ext uri="{91240B29-F687-4F45-9708-019B960494DF}">
+              <a14:hiddenLine xmlns:a14="http://schemas.microsoft.com/office/drawing/2010/main" w="9525" algn="ctr">
+                <a:solidFill>
+                  <a:srgbClr val="000000"/>
+                </a:solidFill>
+                <a:miter lim="800000"/>
+                <a:headEnd/>
+                <a:tailEnd/>
+              </a14:hiddenLine>
+            </a:ext>
+          </a:extLst>
+        </p:spPr>
+        <p:txBody>
+          <a:bodyPr wrap="square" lIns="0" tIns="0" rIns="0" bIns="0">
+            <a:spAutoFit/>
+          </a:bodyPr>
+          <a:lstStyle>
+            <a:lvl1pPr marL="285750" indent="-285750" eaLnBrk="0" hangingPunct="0">
+              <a:defRPr>
+                <a:solidFill>
+                  <a:schemeClr val="tx1"/>
+                </a:solidFill>
+                <a:latin typeface="Arial" charset="0"/>
+                <a:cs typeface="Arial" charset="0"/>
+              </a:defRPr>
+            </a:lvl1pPr>
+            <a:lvl2pPr marL="742950" indent="-285750" eaLnBrk="0" hangingPunct="0">
+              <a:defRPr>
+                <a:solidFill>
+                  <a:schemeClr val="tx1"/>
+                </a:solidFill>
+                <a:latin typeface="Arial" charset="0"/>
+                <a:cs typeface="Arial" charset="0"/>
+              </a:defRPr>
+            </a:lvl2pPr>
+            <a:lvl3pPr marL="1143000" indent="-228600" eaLnBrk="0" hangingPunct="0">
+              <a:defRPr>
+                <a:solidFill>
+                  <a:schemeClr val="tx1"/>
+                </a:solidFill>
+                <a:latin typeface="Arial" charset="0"/>
+                <a:cs typeface="Arial" charset="0"/>
+              </a:defRPr>
+            </a:lvl3pPr>
+            <a:lvl4pPr marL="1600200" indent="-228600" eaLnBrk="0" hangingPunct="0">
+              <a:defRPr>
+                <a:solidFill>
+                  <a:schemeClr val="tx1"/>
+                </a:solidFill>
+                <a:latin typeface="Arial" charset="0"/>
+                <a:cs typeface="Arial" charset="0"/>
+              </a:defRPr>
+            </a:lvl4pPr>
+            <a:lvl5pPr marL="2057400" indent="-228600" eaLnBrk="0" hangingPunct="0">
+              <a:defRPr>
+                <a:solidFill>
+                  <a:schemeClr val="tx1"/>
+                </a:solidFill>
+                <a:latin typeface="Arial" charset="0"/>
+                <a:cs typeface="Arial" charset="0"/>
+              </a:defRPr>
+            </a:lvl5pPr>
+            <a:lvl6pPr marL="2514600" indent="-228600" eaLnBrk="0" fontAlgn="base" hangingPunct="0">
+              <a:spcBef>
+                <a:spcPct val="0"/>
+              </a:spcBef>
+              <a:spcAft>
+                <a:spcPct val="0"/>
+              </a:spcAft>
+              <a:defRPr>
+                <a:solidFill>
+                  <a:schemeClr val="tx1"/>
+                </a:solidFill>
+                <a:latin typeface="Arial" charset="0"/>
+                <a:cs typeface="Arial" charset="0"/>
+              </a:defRPr>
+            </a:lvl6pPr>
+            <a:lvl7pPr marL="2971800" indent="-228600" eaLnBrk="0" fontAlgn="base" hangingPunct="0">
+              <a:spcBef>
+                <a:spcPct val="0"/>
+              </a:spcBef>
+              <a:spcAft>
+                <a:spcPct val="0"/>
+              </a:spcAft>
+              <a:defRPr>
+                <a:solidFill>
+                  <a:schemeClr val="tx1"/>
+                </a:solidFill>
+                <a:latin typeface="Arial" charset="0"/>
+                <a:cs typeface="Arial" charset="0"/>
+              </a:defRPr>
+            </a:lvl7pPr>
+            <a:lvl8pPr marL="3429000" indent="-228600" eaLnBrk="0" fontAlgn="base" hangingPunct="0">
+              <a:spcBef>
+                <a:spcPct val="0"/>
+              </a:spcBef>
+              <a:spcAft>
+                <a:spcPct val="0"/>
+              </a:spcAft>
+              <a:defRPr>
+                <a:solidFill>
+                  <a:schemeClr val="tx1"/>
+                </a:solidFill>
+                <a:latin typeface="Arial" charset="0"/>
+                <a:cs typeface="Arial" charset="0"/>
+              </a:defRPr>
+            </a:lvl8pPr>
+            <a:lvl9pPr marL="3886200" indent="-228600" eaLnBrk="0" fontAlgn="base" hangingPunct="0">
+              <a:spcBef>
+                <a:spcPct val="0"/>
+              </a:spcBef>
+              <a:spcAft>
+                <a:spcPct val="0"/>
+              </a:spcAft>
+              <a:defRPr>
+                <a:solidFill>
+                  <a:schemeClr val="tx1"/>
+                </a:solidFill>
+                <a:latin typeface="Arial" charset="0"/>
+                <a:cs typeface="Arial" charset="0"/>
+              </a:defRPr>
+            </a:lvl9pPr>
+          </a:lstStyle>
+          <a:p>
+            <a:pPr marL="0" indent="0" eaLnBrk="1" hangingPunct="1">
+              <a:spcBef>
+                <a:spcPct val="30000"/>
+              </a:spcBef>
+              <a:buFont typeface="Wingdings" pitchFamily="2" charset="2"/>
+              <a:buChar char="q"/>
+            </a:pPr>
+            <a:r>
+              <a:rPr kumimoji="1" lang="en-US" altLang="ja-JP" sz="2000" dirty="0" smtClean="0">
+                <a:solidFill>
+                  <a:srgbClr val="0000FF"/>
+                </a:solidFill>
+                <a:latin typeface="Arial" panose="020B0604020202020204" pitchFamily="34" charset="0"/>
+                <a:ea typeface="HGP創英角ｺﾞｼｯｸUB" pitchFamily="50" charset="-128"/>
+                <a:cs typeface="Arial" panose="020B0604020202020204" pitchFamily="34" charset="0"/>
+              </a:rPr>
+              <a:t> </a:t>
+            </a:r>
+            <a:r>
+              <a:rPr lang="da-DK" altLang="ja-JP" sz="2000" b="1" dirty="0" smtClean="0">
+                <a:solidFill>
+                  <a:srgbClr val="0000FF"/>
+                </a:solidFill>
+              </a:rPr>
+              <a:t>Function FOSS totally</a:t>
+            </a:r>
+            <a:endParaRPr kumimoji="1" lang="en-US" altLang="ja-JP" sz="2000" dirty="0">
+              <a:solidFill>
+                <a:srgbClr val="0000FF"/>
+              </a:solidFill>
+              <a:latin typeface="Arial" panose="020B0604020202020204" pitchFamily="34" charset="0"/>
+              <a:ea typeface="HGP創英角ｺﾞｼｯｸUB" pitchFamily="50" charset="-128"/>
+              <a:cs typeface="Arial" panose="020B0604020202020204" pitchFamily="34" charset="0"/>
+            </a:endParaRPr>
+          </a:p>
+        </p:txBody>
+      </p:sp>
+      <p:sp>
+        <p:nvSpPr>
+          <p:cNvPr id="65" name="Text Box 80"/>
+          <p:cNvSpPr txBox="1">
+            <a:spLocks noChangeArrowheads="1"/>
+          </p:cNvSpPr>
+          <p:nvPr/>
+        </p:nvSpPr>
+        <p:spPr bwMode="auto">
+          <a:xfrm>
+            <a:off x="2584270" y="6408536"/>
+            <a:ext cx="4782709" cy="307777"/>
+          </a:xfrm>
+          <a:prstGeom prst="rect">
+            <a:avLst/>
+          </a:prstGeom>
+          <a:noFill/>
+          <a:ln>
+            <a:noFill/>
+          </a:ln>
+          <a:extLst>
+            <a:ext uri="{909E8E84-426E-40DD-AFC4-6F175D3DCCD1}">
+              <a14:hiddenFill xmlns:a14="http://schemas.microsoft.com/office/drawing/2010/main">
+                <a:solidFill>
+                  <a:srgbClr val="FFFFFF"/>
+                </a:solidFill>
+              </a14:hiddenFill>
+            </a:ext>
+            <a:ext uri="{91240B29-F687-4F45-9708-019B960494DF}">
+              <a14:hiddenLine xmlns:a14="http://schemas.microsoft.com/office/drawing/2010/main" w="9525" algn="ctr">
+                <a:solidFill>
+                  <a:srgbClr val="000000"/>
+                </a:solidFill>
+                <a:miter lim="800000"/>
+                <a:headEnd/>
+                <a:tailEnd/>
+              </a14:hiddenLine>
+            </a:ext>
+          </a:extLst>
+        </p:spPr>
+        <p:txBody>
+          <a:bodyPr wrap="square" lIns="0" tIns="0" rIns="0" bIns="0">
+            <a:spAutoFit/>
+          </a:bodyPr>
+          <a:lstStyle>
+            <a:lvl1pPr marL="285750" indent="-285750" eaLnBrk="0" hangingPunct="0">
+              <a:defRPr>
+                <a:solidFill>
+                  <a:schemeClr val="tx1"/>
+                </a:solidFill>
+                <a:latin typeface="Arial" charset="0"/>
+                <a:cs typeface="Arial" charset="0"/>
+              </a:defRPr>
+            </a:lvl1pPr>
+            <a:lvl2pPr marL="742950" indent="-285750" eaLnBrk="0" hangingPunct="0">
+              <a:defRPr>
+                <a:solidFill>
+                  <a:schemeClr val="tx1"/>
+                </a:solidFill>
+                <a:latin typeface="Arial" charset="0"/>
+                <a:cs typeface="Arial" charset="0"/>
+              </a:defRPr>
+            </a:lvl2pPr>
+            <a:lvl3pPr marL="1143000" indent="-228600" eaLnBrk="0" hangingPunct="0">
+              <a:defRPr>
+                <a:solidFill>
+                  <a:schemeClr val="tx1"/>
+                </a:solidFill>
+                <a:latin typeface="Arial" charset="0"/>
+                <a:cs typeface="Arial" charset="0"/>
+              </a:defRPr>
+            </a:lvl3pPr>
+            <a:lvl4pPr marL="1600200" indent="-228600" eaLnBrk="0" hangingPunct="0">
+              <a:defRPr>
+                <a:solidFill>
+                  <a:schemeClr val="tx1"/>
+                </a:solidFill>
+                <a:latin typeface="Arial" charset="0"/>
+                <a:cs typeface="Arial" charset="0"/>
+              </a:defRPr>
+            </a:lvl4pPr>
+            <a:lvl5pPr marL="2057400" indent="-228600" eaLnBrk="0" hangingPunct="0">
+              <a:defRPr>
+                <a:solidFill>
+                  <a:schemeClr val="tx1"/>
+                </a:solidFill>
+                <a:latin typeface="Arial" charset="0"/>
+                <a:cs typeface="Arial" charset="0"/>
+              </a:defRPr>
+            </a:lvl5pPr>
+            <a:lvl6pPr marL="2514600" indent="-228600" eaLnBrk="0" fontAlgn="base" hangingPunct="0">
+              <a:spcBef>
+                <a:spcPct val="0"/>
+              </a:spcBef>
+              <a:spcAft>
+                <a:spcPct val="0"/>
+              </a:spcAft>
+              <a:defRPr>
+                <a:solidFill>
+                  <a:schemeClr val="tx1"/>
+                </a:solidFill>
+                <a:latin typeface="Arial" charset="0"/>
+                <a:cs typeface="Arial" charset="0"/>
+              </a:defRPr>
+            </a:lvl6pPr>
+            <a:lvl7pPr marL="2971800" indent="-228600" eaLnBrk="0" fontAlgn="base" hangingPunct="0">
+              <a:spcBef>
+                <a:spcPct val="0"/>
+              </a:spcBef>
+              <a:spcAft>
+                <a:spcPct val="0"/>
+              </a:spcAft>
+              <a:defRPr>
+                <a:solidFill>
+                  <a:schemeClr val="tx1"/>
+                </a:solidFill>
+                <a:latin typeface="Arial" charset="0"/>
+                <a:cs typeface="Arial" charset="0"/>
+              </a:defRPr>
+            </a:lvl7pPr>
+            <a:lvl8pPr marL="3429000" indent="-228600" eaLnBrk="0" fontAlgn="base" hangingPunct="0">
+              <a:spcBef>
+                <a:spcPct val="0"/>
+              </a:spcBef>
+              <a:spcAft>
+                <a:spcPct val="0"/>
+              </a:spcAft>
+              <a:defRPr>
+                <a:solidFill>
+                  <a:schemeClr val="tx1"/>
+                </a:solidFill>
+                <a:latin typeface="Arial" charset="0"/>
+                <a:cs typeface="Arial" charset="0"/>
+              </a:defRPr>
+            </a:lvl8pPr>
+            <a:lvl9pPr marL="3886200" indent="-228600" eaLnBrk="0" fontAlgn="base" hangingPunct="0">
+              <a:spcBef>
+                <a:spcPct val="0"/>
+              </a:spcBef>
+              <a:spcAft>
+                <a:spcPct val="0"/>
+              </a:spcAft>
+              <a:defRPr>
+                <a:solidFill>
+                  <a:schemeClr val="tx1"/>
+                </a:solidFill>
+                <a:latin typeface="Arial" charset="0"/>
+                <a:cs typeface="Arial" charset="0"/>
+              </a:defRPr>
+            </a:lvl9pPr>
+          </a:lstStyle>
+          <a:p>
+            <a:pPr marL="0" indent="0" eaLnBrk="1" hangingPunct="1">
+              <a:spcBef>
+                <a:spcPct val="30000"/>
+              </a:spcBef>
+            </a:pPr>
+            <a:r>
+              <a:rPr kumimoji="1" lang="en-US" altLang="ja-JP" sz="2000" dirty="0" smtClean="0">
+                <a:solidFill>
+                  <a:srgbClr val="0000FF"/>
+                </a:solidFill>
+                <a:latin typeface="Arial" panose="020B0604020202020204" pitchFamily="34" charset="0"/>
+                <a:ea typeface="HGP創英角ｺﾞｼｯｸUB" pitchFamily="50" charset="-128"/>
+                <a:cs typeface="Arial" panose="020B0604020202020204" pitchFamily="34" charset="0"/>
+                <a:sym typeface="Wingdings 3" panose="05040102010807070707" pitchFamily="18" charset="2"/>
+              </a:rPr>
+              <a:t> </a:t>
+            </a:r>
+            <a:r>
+              <a:rPr kumimoji="1" lang="en-US" altLang="ja-JP" sz="2000" b="1" dirty="0" smtClean="0">
+                <a:solidFill>
+                  <a:srgbClr val="1508B8"/>
+                </a:solidFill>
+                <a:latin typeface="Arial" panose="020B0604020202020204" pitchFamily="34" charset="0"/>
+                <a:ea typeface="HGP創英角ｺﾞｼｯｸUB" pitchFamily="50" charset="-128"/>
+                <a:cs typeface="Arial" panose="020B0604020202020204" pitchFamily="34" charset="0"/>
+                <a:sym typeface="Wingdings 3" panose="05040102010807070707" pitchFamily="18" charset="2"/>
+              </a:rPr>
+              <a:t>…….</a:t>
+            </a:r>
+            <a:endParaRPr kumimoji="1" lang="en-US" altLang="ja-JP" sz="2000" b="1" dirty="0">
+              <a:solidFill>
+                <a:srgbClr val="1508B8"/>
+              </a:solidFill>
+              <a:latin typeface="Arial" panose="020B0604020202020204" pitchFamily="34" charset="0"/>
+              <a:ea typeface="HGP創英角ｺﾞｼｯｸUB" pitchFamily="50" charset="-128"/>
+              <a:cs typeface="Arial" panose="020B0604020202020204" pitchFamily="34" charset="0"/>
+            </a:endParaRPr>
+          </a:p>
+        </p:txBody>
+      </p:sp>
+      <p:sp>
+        <p:nvSpPr>
+          <p:cNvPr id="66" name="Rectangle 28"/>
+          <p:cNvSpPr>
+            <a:spLocks noChangeArrowheads="1"/>
+          </p:cNvSpPr>
+          <p:nvPr/>
+        </p:nvSpPr>
+        <p:spPr bwMode="auto">
+          <a:xfrm>
+            <a:off x="3886200" y="3210003"/>
+            <a:ext cx="1040074" cy="447597"/>
+          </a:xfrm>
+          <a:prstGeom prst="rect">
+            <a:avLst/>
+          </a:prstGeom>
+          <a:noFill/>
+          <a:ln w="19050">
+            <a:solidFill>
+              <a:srgbClr val="666699"/>
+            </a:solidFill>
+            <a:miter lim="800000"/>
+            <a:headEnd/>
+            <a:tailEnd/>
+          </a:ln>
+          <a:effectLst/>
+          <a:extLst/>
+        </p:spPr>
+        <p:txBody>
+          <a:bodyPr wrap="none" anchor="ctr"/>
+          <a:lstStyle/>
+          <a:p>
+            <a:pPr algn="ctr"/>
+            <a:r>
+              <a:rPr lang="en-US" altLang="ja-JP" sz="1400" dirty="0" smtClean="0">
+                <a:latin typeface="Arial" pitchFamily="34" charset="0"/>
+                <a:cs typeface="Arial" pitchFamily="34" charset="0"/>
+              </a:rPr>
+              <a:t>Temporary </a:t>
+            </a:r>
+          </a:p>
+          <a:p>
+            <a:pPr algn="ctr"/>
+            <a:r>
+              <a:rPr lang="en-US" altLang="ja-JP" sz="1400" dirty="0" smtClean="0">
+                <a:latin typeface="Arial" pitchFamily="34" charset="0"/>
+                <a:cs typeface="Arial" pitchFamily="34" charset="0"/>
+              </a:rPr>
+              <a:t>Location</a:t>
+            </a:r>
+            <a:endParaRPr lang="ja-JP" altLang="en-US" sz="1400" dirty="0">
+              <a:latin typeface="Arial" pitchFamily="34" charset="0"/>
+              <a:cs typeface="Arial" pitchFamily="34" charset="0"/>
+            </a:endParaRPr>
+          </a:p>
+        </p:txBody>
+      </p:sp>
+      <p:sp>
+        <p:nvSpPr>
+          <p:cNvPr id="67" name="Rectangle 28"/>
+          <p:cNvSpPr>
+            <a:spLocks noChangeArrowheads="1"/>
+          </p:cNvSpPr>
+          <p:nvPr/>
+        </p:nvSpPr>
+        <p:spPr bwMode="auto">
+          <a:xfrm>
+            <a:off x="2815407" y="3215316"/>
+            <a:ext cx="994593" cy="442284"/>
+          </a:xfrm>
+          <a:prstGeom prst="rect">
+            <a:avLst/>
+          </a:prstGeom>
+          <a:noFill/>
+          <a:ln w="19050">
+            <a:solidFill>
+              <a:srgbClr val="666699"/>
+            </a:solidFill>
+            <a:miter lim="800000"/>
+            <a:headEnd/>
+            <a:tailEnd/>
+          </a:ln>
+          <a:effectLst/>
+          <a:extLst/>
+        </p:spPr>
+        <p:txBody>
+          <a:bodyPr wrap="none" anchor="ctr"/>
+          <a:lstStyle/>
+          <a:p>
+            <a:pPr algn="ctr"/>
+            <a:r>
+              <a:rPr lang="en-US" altLang="ja-JP" sz="1400" dirty="0" smtClean="0">
+                <a:latin typeface="Arial" pitchFamily="34" charset="0"/>
+                <a:cs typeface="Arial" pitchFamily="34" charset="0"/>
+              </a:rPr>
+              <a:t>GR local</a:t>
+            </a:r>
+          </a:p>
+          <a:p>
+            <a:pPr algn="ctr"/>
+            <a:r>
+              <a:rPr lang="en-US" altLang="ja-JP" sz="1400" dirty="0" smtClean="0">
+                <a:latin typeface="Arial" pitchFamily="34" charset="0"/>
+                <a:cs typeface="Arial" pitchFamily="34" charset="0"/>
+              </a:rPr>
+              <a:t>&amp; Oversea</a:t>
+            </a:r>
+          </a:p>
+        </p:txBody>
+      </p:sp>
+      <p:cxnSp>
+        <p:nvCxnSpPr>
+          <p:cNvPr id="72" name="Straight Arrow Connector 71"/>
+          <p:cNvCxnSpPr>
+            <a:stCxn id="24" idx="2"/>
+            <a:endCxn id="66" idx="0"/>
+          </p:cNvCxnSpPr>
+          <p:nvPr/>
+        </p:nvCxnSpPr>
+        <p:spPr>
+          <a:xfrm>
+            <a:off x="4008430" y="3040370"/>
+            <a:ext cx="397807" cy="169633"/>
+          </a:xfrm>
+          <a:prstGeom prst="straightConnector1">
+            <a:avLst/>
+          </a:prstGeom>
+          <a:ln w="12700">
+            <a:tailEnd type="triangle"/>
+          </a:ln>
+        </p:spPr>
+        <p:style>
+          <a:lnRef idx="1">
+            <a:schemeClr val="accent1"/>
+          </a:lnRef>
+          <a:fillRef idx="0">
+            <a:schemeClr val="accent1"/>
+          </a:fillRef>
+          <a:effectRef idx="0">
+            <a:schemeClr val="accent1"/>
+          </a:effectRef>
+          <a:fontRef idx="minor">
+            <a:schemeClr val="tx1"/>
+          </a:fontRef>
+        </p:style>
+      </p:cxnSp>
+      <p:cxnSp>
+        <p:nvCxnSpPr>
+          <p:cNvPr id="74" name="Straight Arrow Connector 73"/>
+          <p:cNvCxnSpPr>
+            <a:stCxn id="24" idx="2"/>
+            <a:endCxn id="67" idx="0"/>
+          </p:cNvCxnSpPr>
+          <p:nvPr/>
+        </p:nvCxnSpPr>
+        <p:spPr>
+          <a:xfrm flipH="1">
+            <a:off x="3312704" y="3040370"/>
+            <a:ext cx="695726" cy="174946"/>
+          </a:xfrm>
+          <a:prstGeom prst="straightConnector1">
+            <a:avLst/>
+          </a:prstGeom>
+          <a:ln w="12700">
+            <a:tailEnd type="triangle"/>
+          </a:ln>
+        </p:spPr>
+        <p:style>
+          <a:lnRef idx="1">
+            <a:schemeClr val="accent1"/>
+          </a:lnRef>
+          <a:fillRef idx="0">
+            <a:schemeClr val="accent1"/>
+          </a:fillRef>
+          <a:effectRef idx="0">
+            <a:schemeClr val="accent1"/>
+          </a:effectRef>
+          <a:fontRef idx="minor">
+            <a:schemeClr val="tx1"/>
+          </a:fontRef>
+        </p:style>
+      </p:cxnSp>
+      <p:sp>
+        <p:nvSpPr>
+          <p:cNvPr id="76" name="Rectangle 28"/>
+          <p:cNvSpPr>
+            <a:spLocks noChangeArrowheads="1"/>
+          </p:cNvSpPr>
+          <p:nvPr/>
+        </p:nvSpPr>
+        <p:spPr bwMode="auto">
+          <a:xfrm>
+            <a:off x="5029200" y="3210003"/>
+            <a:ext cx="780100" cy="447597"/>
+          </a:xfrm>
+          <a:prstGeom prst="rect">
+            <a:avLst/>
+          </a:prstGeom>
+          <a:noFill/>
+          <a:ln w="19050">
+            <a:solidFill>
+              <a:srgbClr val="666699"/>
+            </a:solidFill>
+            <a:miter lim="800000"/>
+            <a:headEnd/>
+            <a:tailEnd/>
+          </a:ln>
+          <a:effectLst/>
+          <a:extLst/>
+        </p:spPr>
+        <p:txBody>
+          <a:bodyPr wrap="none" anchor="ctr"/>
+          <a:lstStyle/>
+          <a:p>
+            <a:pPr algn="ctr"/>
+            <a:r>
+              <a:rPr lang="en-US" altLang="ja-JP" sz="1400" dirty="0" smtClean="0">
+                <a:latin typeface="Arial" pitchFamily="34" charset="0"/>
+                <a:cs typeface="Arial" pitchFamily="34" charset="0"/>
+              </a:rPr>
+              <a:t>Kitting </a:t>
+            </a:r>
+          </a:p>
+          <a:p>
+            <a:pPr algn="ctr"/>
+            <a:r>
+              <a:rPr lang="en-US" altLang="ja-JP" sz="1400" dirty="0" smtClean="0">
+                <a:latin typeface="Arial" pitchFamily="34" charset="0"/>
+                <a:cs typeface="Arial" pitchFamily="34" charset="0"/>
+              </a:rPr>
+              <a:t>FA</a:t>
+            </a:r>
+            <a:endParaRPr lang="en-US" altLang="ja-JP" sz="1400" dirty="0" smtClean="0">
+              <a:latin typeface="Arial" pitchFamily="34" charset="0"/>
+              <a:cs typeface="Arial" pitchFamily="34" charset="0"/>
+            </a:endParaRPr>
+          </a:p>
+        </p:txBody>
+      </p:sp>
+      <p:sp>
+        <p:nvSpPr>
+          <p:cNvPr id="77" name="Rectangle 28"/>
+          <p:cNvSpPr>
+            <a:spLocks noChangeArrowheads="1"/>
+          </p:cNvSpPr>
+          <p:nvPr/>
+        </p:nvSpPr>
+        <p:spPr bwMode="auto">
+          <a:xfrm>
+            <a:off x="5867400" y="3210003"/>
+            <a:ext cx="780100" cy="447597"/>
+          </a:xfrm>
+          <a:prstGeom prst="rect">
+            <a:avLst/>
+          </a:prstGeom>
+          <a:noFill/>
+          <a:ln w="19050">
+            <a:solidFill>
+              <a:srgbClr val="666699"/>
+            </a:solidFill>
+            <a:miter lim="800000"/>
+            <a:headEnd/>
+            <a:tailEnd/>
+          </a:ln>
+          <a:effectLst/>
+          <a:extLst/>
+        </p:spPr>
+        <p:txBody>
+          <a:bodyPr wrap="none" anchor="ctr"/>
+          <a:lstStyle/>
+          <a:p>
+            <a:pPr algn="ctr"/>
+            <a:r>
+              <a:rPr lang="en-US" altLang="ja-JP" sz="1400" dirty="0" smtClean="0">
+                <a:latin typeface="Arial" pitchFamily="34" charset="0"/>
+                <a:cs typeface="Arial" pitchFamily="34" charset="0"/>
+              </a:rPr>
+              <a:t>Kitting </a:t>
+            </a:r>
+          </a:p>
+          <a:p>
+            <a:pPr algn="ctr"/>
+            <a:r>
+              <a:rPr lang="en-US" altLang="ja-JP" sz="1400" dirty="0" smtClean="0">
+                <a:latin typeface="Arial" pitchFamily="34" charset="0"/>
+                <a:cs typeface="Arial" pitchFamily="34" charset="0"/>
+              </a:rPr>
+              <a:t>Dip</a:t>
+            </a:r>
+          </a:p>
+        </p:txBody>
+      </p:sp>
+      <p:sp>
+        <p:nvSpPr>
+          <p:cNvPr id="78" name="Rectangle 28"/>
+          <p:cNvSpPr>
+            <a:spLocks noChangeArrowheads="1"/>
+          </p:cNvSpPr>
+          <p:nvPr/>
+        </p:nvSpPr>
+        <p:spPr bwMode="auto">
+          <a:xfrm>
+            <a:off x="6705600" y="3210003"/>
+            <a:ext cx="780100" cy="447597"/>
+          </a:xfrm>
+          <a:prstGeom prst="rect">
+            <a:avLst/>
+          </a:prstGeom>
+          <a:noFill/>
+          <a:ln w="19050">
+            <a:solidFill>
+              <a:srgbClr val="666699"/>
+            </a:solidFill>
+            <a:miter lim="800000"/>
+            <a:headEnd/>
+            <a:tailEnd/>
+          </a:ln>
+          <a:effectLst/>
+          <a:extLst/>
+        </p:spPr>
+        <p:txBody>
+          <a:bodyPr wrap="none" anchor="ctr"/>
+          <a:lstStyle/>
+          <a:p>
+            <a:pPr algn="ctr"/>
+            <a:r>
+              <a:rPr lang="en-US" altLang="ja-JP" sz="1400" dirty="0" smtClean="0">
+                <a:latin typeface="Arial" pitchFamily="34" charset="0"/>
+                <a:cs typeface="Arial" pitchFamily="34" charset="0"/>
+              </a:rPr>
+              <a:t>Kitting </a:t>
+            </a:r>
+          </a:p>
+          <a:p>
+            <a:pPr algn="ctr"/>
+            <a:r>
+              <a:rPr lang="en-US" altLang="ja-JP" sz="1400" dirty="0" smtClean="0">
+                <a:latin typeface="Arial" pitchFamily="34" charset="0"/>
+                <a:cs typeface="Arial" pitchFamily="34" charset="0"/>
+              </a:rPr>
+              <a:t>Others</a:t>
+            </a:r>
+          </a:p>
+        </p:txBody>
+      </p:sp>
+      <p:cxnSp>
+        <p:nvCxnSpPr>
+          <p:cNvPr id="81" name="Straight Arrow Connector 80"/>
+          <p:cNvCxnSpPr>
+            <a:stCxn id="30" idx="2"/>
+            <a:endCxn id="76" idx="0"/>
+          </p:cNvCxnSpPr>
+          <p:nvPr/>
+        </p:nvCxnSpPr>
+        <p:spPr>
+          <a:xfrm flipH="1">
+            <a:off x="5419250" y="3019841"/>
+            <a:ext cx="591199" cy="190162"/>
+          </a:xfrm>
+          <a:prstGeom prst="straightConnector1">
+            <a:avLst/>
+          </a:prstGeom>
+          <a:ln>
+            <a:tailEnd type="triangle"/>
+          </a:ln>
+        </p:spPr>
+        <p:style>
+          <a:lnRef idx="1">
+            <a:schemeClr val="accent1"/>
+          </a:lnRef>
+          <a:fillRef idx="0">
+            <a:schemeClr val="accent1"/>
+          </a:fillRef>
+          <a:effectRef idx="0">
+            <a:schemeClr val="accent1"/>
+          </a:effectRef>
+          <a:fontRef idx="minor">
+            <a:schemeClr val="tx1"/>
+          </a:fontRef>
+        </p:style>
+      </p:cxnSp>
+      <p:cxnSp>
+        <p:nvCxnSpPr>
+          <p:cNvPr id="83" name="Straight Arrow Connector 82"/>
+          <p:cNvCxnSpPr>
+            <a:stCxn id="30" idx="2"/>
+            <a:endCxn id="78" idx="0"/>
+          </p:cNvCxnSpPr>
+          <p:nvPr/>
+        </p:nvCxnSpPr>
+        <p:spPr>
+          <a:xfrm>
+            <a:off x="6010449" y="3019841"/>
+            <a:ext cx="1085201" cy="190162"/>
+          </a:xfrm>
+          <a:prstGeom prst="straightConnector1">
+            <a:avLst/>
+          </a:prstGeom>
+          <a:ln>
+            <a:tailEnd type="triangle"/>
+          </a:ln>
+        </p:spPr>
+        <p:style>
+          <a:lnRef idx="1">
+            <a:schemeClr val="accent1"/>
+          </a:lnRef>
+          <a:fillRef idx="0">
+            <a:schemeClr val="accent1"/>
+          </a:fillRef>
+          <a:effectRef idx="0">
+            <a:schemeClr val="accent1"/>
+          </a:effectRef>
+          <a:fontRef idx="minor">
+            <a:schemeClr val="tx1"/>
+          </a:fontRef>
+        </p:style>
+      </p:cxnSp>
+      <p:cxnSp>
+        <p:nvCxnSpPr>
+          <p:cNvPr id="85" name="Straight Arrow Connector 84"/>
+          <p:cNvCxnSpPr>
+            <a:stCxn id="30" idx="2"/>
+            <a:endCxn id="77" idx="0"/>
+          </p:cNvCxnSpPr>
+          <p:nvPr/>
+        </p:nvCxnSpPr>
+        <p:spPr>
+          <a:xfrm>
+            <a:off x="6010449" y="3019841"/>
+            <a:ext cx="247001" cy="190162"/>
+          </a:xfrm>
+          <a:prstGeom prst="straightConnector1">
+            <a:avLst/>
+          </a:prstGeom>
+          <a:ln>
+            <a:tailEnd type="triangle"/>
+          </a:ln>
+        </p:spPr>
+        <p:style>
+          <a:lnRef idx="1">
+            <a:schemeClr val="accent1"/>
+          </a:lnRef>
+          <a:fillRef idx="0">
+            <a:schemeClr val="accent1"/>
+          </a:fillRef>
+          <a:effectRef idx="0">
+            <a:schemeClr val="accent1"/>
+          </a:effectRef>
+          <a:fontRef idx="minor">
+            <a:schemeClr val="tx1"/>
+          </a:fontRef>
+        </p:style>
+      </p:cxnSp>
+      <p:sp>
+        <p:nvSpPr>
+          <p:cNvPr id="86" name="Rectangle 85"/>
+          <p:cNvSpPr/>
+          <p:nvPr/>
+        </p:nvSpPr>
+        <p:spPr>
+          <a:xfrm>
+            <a:off x="5725339" y="4336634"/>
+            <a:ext cx="1344922" cy="2170843"/>
+          </a:xfrm>
+          <a:prstGeom prst="rect">
+            <a:avLst/>
+          </a:prstGeom>
+        </p:spPr>
+        <p:style>
+          <a:lnRef idx="2">
+            <a:schemeClr val="accent1">
+              <a:shade val="50000"/>
+            </a:schemeClr>
+          </a:lnRef>
+          <a:fillRef idx="1">
+            <a:schemeClr val="accent1"/>
+          </a:fillRef>
+          <a:effectRef idx="0">
+            <a:schemeClr val="accent1"/>
+          </a:effectRef>
+          <a:fontRef idx="minor">
+            <a:schemeClr val="lt1"/>
+          </a:fontRef>
+        </p:style>
+        <p:txBody>
+          <a:bodyPr rtlCol="0" anchor="ctr"/>
+          <a:lstStyle/>
+          <a:p>
+            <a:pPr algn="ctr"/>
+            <a:r>
+              <a:rPr lang="en-US" dirty="0" smtClean="0"/>
+              <a:t>So </a:t>
+            </a:r>
+            <a:r>
+              <a:rPr lang="en-US" dirty="0" err="1" smtClean="0"/>
+              <a:t>sanh</a:t>
+            </a:r>
+            <a:r>
+              <a:rPr lang="en-US" dirty="0" smtClean="0"/>
+              <a:t> </a:t>
+            </a:r>
+            <a:r>
+              <a:rPr lang="en-US" dirty="0" err="1" smtClean="0"/>
+              <a:t>thoi</a:t>
+            </a:r>
+            <a:r>
+              <a:rPr lang="en-US" dirty="0" smtClean="0"/>
+              <a:t> </a:t>
+            </a:r>
+            <a:r>
+              <a:rPr lang="en-US" dirty="0" err="1" smtClean="0"/>
+              <a:t>gian</a:t>
+            </a:r>
+            <a:r>
+              <a:rPr lang="en-US" dirty="0" smtClean="0"/>
+              <a:t> lam he thong cu, </a:t>
+            </a:r>
+            <a:r>
+              <a:rPr lang="en-US" dirty="0" err="1" smtClean="0"/>
+              <a:t>hinh</a:t>
+            </a:r>
+            <a:r>
+              <a:rPr lang="en-US" dirty="0" smtClean="0"/>
+              <a:t> </a:t>
+            </a:r>
+            <a:r>
+              <a:rPr lang="en-US" dirty="0" err="1" smtClean="0"/>
+              <a:t>anh</a:t>
+            </a:r>
+            <a:r>
+              <a:rPr lang="en-US" dirty="0" smtClean="0"/>
+              <a:t> </a:t>
+            </a:r>
+            <a:r>
+              <a:rPr lang="en-US" dirty="0" err="1" smtClean="0"/>
+              <a:t>giao</a:t>
+            </a:r>
+            <a:r>
+              <a:rPr lang="en-US" dirty="0" smtClean="0"/>
+              <a:t> </a:t>
+            </a:r>
+            <a:r>
+              <a:rPr lang="en-US" dirty="0" err="1" smtClean="0"/>
+              <a:t>dien</a:t>
+            </a:r>
+            <a:r>
+              <a:rPr lang="en-US" dirty="0" smtClean="0"/>
+              <a:t> </a:t>
+            </a:r>
+            <a:r>
+              <a:rPr lang="en-US" dirty="0" err="1" smtClean="0"/>
+              <a:t>moi</a:t>
+            </a:r>
+            <a:endParaRPr lang="en-US" dirty="0"/>
+          </a:p>
+        </p:txBody>
+      </p:sp>
+      <p:sp>
+        <p:nvSpPr>
+          <p:cNvPr id="89" name="Text Box 80"/>
+          <p:cNvSpPr txBox="1">
+            <a:spLocks noChangeArrowheads="1"/>
+          </p:cNvSpPr>
+          <p:nvPr/>
+        </p:nvSpPr>
+        <p:spPr bwMode="auto">
+          <a:xfrm>
+            <a:off x="7661460" y="2275680"/>
+            <a:ext cx="1674380" cy="3988784"/>
+          </a:xfrm>
+          <a:prstGeom prst="rect">
+            <a:avLst/>
+          </a:prstGeom>
+          <a:noFill/>
+          <a:ln>
+            <a:noFill/>
+          </a:ln>
+          <a:extLst>
+            <a:ext uri="{909E8E84-426E-40DD-AFC4-6F175D3DCCD1}">
+              <a14:hiddenFill xmlns:a14="http://schemas.microsoft.com/office/drawing/2010/main">
+                <a:solidFill>
+                  <a:srgbClr val="FFFFFF"/>
+                </a:solidFill>
+              </a14:hiddenFill>
+            </a:ext>
+            <a:ext uri="{91240B29-F687-4F45-9708-019B960494DF}">
+              <a14:hiddenLine xmlns:a14="http://schemas.microsoft.com/office/drawing/2010/main" w="9525" algn="ctr">
+                <a:solidFill>
+                  <a:srgbClr val="000000"/>
+                </a:solidFill>
+                <a:miter lim="800000"/>
+                <a:headEnd/>
+                <a:tailEnd/>
+              </a14:hiddenLine>
+            </a:ext>
+          </a:extLst>
+        </p:spPr>
+        <p:txBody>
+          <a:bodyPr wrap="square" lIns="0" tIns="0" rIns="0" bIns="0">
+            <a:spAutoFit/>
+          </a:bodyPr>
+          <a:lstStyle>
+            <a:lvl1pPr eaLnBrk="0" hangingPunct="0">
+              <a:defRPr>
+                <a:solidFill>
+                  <a:schemeClr val="tx1"/>
+                </a:solidFill>
+                <a:latin typeface="Arial" charset="0"/>
+                <a:cs typeface="Arial" charset="0"/>
+              </a:defRPr>
+            </a:lvl1pPr>
+            <a:lvl2pPr marL="742950" indent="-285750" eaLnBrk="0" hangingPunct="0">
+              <a:defRPr>
+                <a:solidFill>
+                  <a:schemeClr val="tx1"/>
+                </a:solidFill>
+                <a:latin typeface="Arial" charset="0"/>
+                <a:cs typeface="Arial" charset="0"/>
+              </a:defRPr>
+            </a:lvl2pPr>
+            <a:lvl3pPr marL="1143000" indent="-228600" eaLnBrk="0" hangingPunct="0">
+              <a:defRPr>
+                <a:solidFill>
+                  <a:schemeClr val="tx1"/>
+                </a:solidFill>
+                <a:latin typeface="Arial" charset="0"/>
+                <a:cs typeface="Arial" charset="0"/>
+              </a:defRPr>
+            </a:lvl3pPr>
+            <a:lvl4pPr marL="1600200" indent="-228600" eaLnBrk="0" hangingPunct="0">
+              <a:defRPr>
+                <a:solidFill>
+                  <a:schemeClr val="tx1"/>
+                </a:solidFill>
+                <a:latin typeface="Arial" charset="0"/>
+                <a:cs typeface="Arial" charset="0"/>
+              </a:defRPr>
+            </a:lvl4pPr>
+            <a:lvl5pPr marL="2057400" indent="-228600" eaLnBrk="0" hangingPunct="0">
+              <a:defRPr>
+                <a:solidFill>
+                  <a:schemeClr val="tx1"/>
+                </a:solidFill>
+                <a:latin typeface="Arial" charset="0"/>
+                <a:cs typeface="Arial" charset="0"/>
+              </a:defRPr>
+            </a:lvl5pPr>
+            <a:lvl6pPr marL="2514600" indent="-228600" eaLnBrk="0" fontAlgn="base" hangingPunct="0">
+              <a:spcBef>
+                <a:spcPct val="0"/>
+              </a:spcBef>
+              <a:spcAft>
+                <a:spcPct val="0"/>
+              </a:spcAft>
+              <a:defRPr>
+                <a:solidFill>
+                  <a:schemeClr val="tx1"/>
+                </a:solidFill>
+                <a:latin typeface="Arial" charset="0"/>
+                <a:cs typeface="Arial" charset="0"/>
+              </a:defRPr>
+            </a:lvl6pPr>
+            <a:lvl7pPr marL="2971800" indent="-228600" eaLnBrk="0" fontAlgn="base" hangingPunct="0">
+              <a:spcBef>
+                <a:spcPct val="0"/>
+              </a:spcBef>
+              <a:spcAft>
+                <a:spcPct val="0"/>
+              </a:spcAft>
+              <a:defRPr>
+                <a:solidFill>
+                  <a:schemeClr val="tx1"/>
+                </a:solidFill>
+                <a:latin typeface="Arial" charset="0"/>
+                <a:cs typeface="Arial" charset="0"/>
+              </a:defRPr>
+            </a:lvl7pPr>
+            <a:lvl8pPr marL="3429000" indent="-228600" eaLnBrk="0" fontAlgn="base" hangingPunct="0">
+              <a:spcBef>
+                <a:spcPct val="0"/>
+              </a:spcBef>
+              <a:spcAft>
+                <a:spcPct val="0"/>
+              </a:spcAft>
+              <a:defRPr>
+                <a:solidFill>
+                  <a:schemeClr val="tx1"/>
+                </a:solidFill>
+                <a:latin typeface="Arial" charset="0"/>
+                <a:cs typeface="Arial" charset="0"/>
+              </a:defRPr>
+            </a:lvl8pPr>
+            <a:lvl9pPr marL="3886200" indent="-228600" eaLnBrk="0" fontAlgn="base" hangingPunct="0">
+              <a:spcBef>
+                <a:spcPct val="0"/>
+              </a:spcBef>
+              <a:spcAft>
+                <a:spcPct val="0"/>
+              </a:spcAft>
+              <a:defRPr>
+                <a:solidFill>
+                  <a:schemeClr val="tx1"/>
+                </a:solidFill>
+                <a:latin typeface="Arial" charset="0"/>
+                <a:cs typeface="Arial" charset="0"/>
+              </a:defRPr>
+            </a:lvl9pPr>
+          </a:lstStyle>
+          <a:p>
+            <a:pPr eaLnBrk="1" hangingPunct="1">
+              <a:spcBef>
+                <a:spcPct val="20000"/>
+              </a:spcBef>
+            </a:pPr>
+            <a:r>
+              <a:rPr kumimoji="1" lang="en-US" altLang="en-US" dirty="0" smtClean="0">
+                <a:latin typeface="Arial" panose="020B0604020202020204" pitchFamily="34" charset="0"/>
+                <a:ea typeface="HGP創英角ｺﾞｼｯｸUB" pitchFamily="50" charset="-128"/>
+                <a:cs typeface="Arial" panose="020B0604020202020204" pitchFamily="34" charset="0"/>
+                <a:sym typeface="Wingdings 2" pitchFamily="18" charset="2"/>
+              </a:rPr>
+              <a:t>- GR local (</a:t>
+            </a:r>
+            <a:r>
+              <a:rPr kumimoji="1" lang="en-US" altLang="en-US" b="1" dirty="0" smtClean="0">
+                <a:latin typeface="Arial" panose="020B0604020202020204" pitchFamily="34" charset="0"/>
+                <a:ea typeface="HGP創英角ｺﾞｼｯｸUB" pitchFamily="50" charset="-128"/>
+                <a:cs typeface="Arial" panose="020B0604020202020204" pitchFamily="34" charset="0"/>
+                <a:sym typeface="Wingdings 2" pitchFamily="18" charset="2"/>
+              </a:rPr>
+              <a:t>Otc.23</a:t>
+            </a:r>
+            <a:r>
+              <a:rPr kumimoji="1" lang="en-US" altLang="en-US" dirty="0" smtClean="0">
+                <a:latin typeface="Arial" panose="020B0604020202020204" pitchFamily="34" charset="0"/>
+                <a:ea typeface="HGP創英角ｺﾞｼｯｸUB" pitchFamily="50" charset="-128"/>
+                <a:cs typeface="Arial" panose="020B0604020202020204" pitchFamily="34" charset="0"/>
+                <a:sym typeface="Wingdings 2" pitchFamily="18" charset="2"/>
+              </a:rPr>
+              <a:t>)</a:t>
+            </a:r>
+          </a:p>
+          <a:p>
+            <a:pPr eaLnBrk="1" hangingPunct="1">
+              <a:spcBef>
+                <a:spcPct val="20000"/>
+              </a:spcBef>
+            </a:pPr>
+            <a:r>
+              <a:rPr kumimoji="1" lang="en-US" altLang="en-US" dirty="0" smtClean="0">
+                <a:latin typeface="Arial" panose="020B0604020202020204" pitchFamily="34" charset="0"/>
+                <a:ea typeface="HGP創英角ｺﾞｼｯｸUB" pitchFamily="50" charset="-128"/>
+                <a:cs typeface="Arial" panose="020B0604020202020204" pitchFamily="34" charset="0"/>
+                <a:sym typeface="Wingdings 2" pitchFamily="18" charset="2"/>
+              </a:rPr>
+              <a:t>- GR Oversea (</a:t>
+            </a:r>
+            <a:r>
+              <a:rPr kumimoji="1" lang="en-US" altLang="en-US" b="1" dirty="0" smtClean="0">
+                <a:latin typeface="Arial" panose="020B0604020202020204" pitchFamily="34" charset="0"/>
+                <a:ea typeface="HGP創英角ｺﾞｼｯｸUB" pitchFamily="50" charset="-128"/>
+                <a:cs typeface="Arial" panose="020B0604020202020204" pitchFamily="34" charset="0"/>
+                <a:sym typeface="Wingdings 2" pitchFamily="18" charset="2"/>
+              </a:rPr>
+              <a:t>Dec.23</a:t>
+            </a:r>
+            <a:r>
+              <a:rPr kumimoji="1" lang="en-US" altLang="en-US" dirty="0" smtClean="0">
+                <a:latin typeface="Arial" panose="020B0604020202020204" pitchFamily="34" charset="0"/>
+                <a:ea typeface="HGP創英角ｺﾞｼｯｸUB" pitchFamily="50" charset="-128"/>
+                <a:cs typeface="Arial" panose="020B0604020202020204" pitchFamily="34" charset="0"/>
+                <a:sym typeface="Wingdings 2" pitchFamily="18" charset="2"/>
+              </a:rPr>
+              <a:t>)</a:t>
+            </a:r>
+          </a:p>
+          <a:p>
+            <a:pPr eaLnBrk="1" hangingPunct="1">
+              <a:spcBef>
+                <a:spcPct val="20000"/>
+              </a:spcBef>
+            </a:pPr>
+            <a:r>
+              <a:rPr kumimoji="1" lang="en-US" altLang="en-US" dirty="0" smtClean="0">
+                <a:latin typeface="Arial" panose="020B0604020202020204" pitchFamily="34" charset="0"/>
+                <a:ea typeface="HGP創英角ｺﾞｼｯｸUB" pitchFamily="50" charset="-128"/>
+                <a:cs typeface="Arial" panose="020B0604020202020204" pitchFamily="34" charset="0"/>
+                <a:sym typeface="Wingdings 2" pitchFamily="18" charset="2"/>
+              </a:rPr>
+              <a:t>- Free temp location (</a:t>
+            </a:r>
+            <a:r>
+              <a:rPr kumimoji="1" lang="en-US" altLang="en-US" b="1" dirty="0" smtClean="0">
+                <a:latin typeface="Arial" panose="020B0604020202020204" pitchFamily="34" charset="0"/>
+                <a:ea typeface="HGP創英角ｺﾞｼｯｸUB" pitchFamily="50" charset="-128"/>
+                <a:cs typeface="Arial" panose="020B0604020202020204" pitchFamily="34" charset="0"/>
+                <a:sym typeface="Wingdings 2" pitchFamily="18" charset="2"/>
+              </a:rPr>
+              <a:t>Jan.24</a:t>
+            </a:r>
+            <a:r>
+              <a:rPr kumimoji="1" lang="en-US" altLang="en-US" dirty="0" smtClean="0">
+                <a:latin typeface="Arial" panose="020B0604020202020204" pitchFamily="34" charset="0"/>
+                <a:ea typeface="HGP創英角ｺﾞｼｯｸUB" pitchFamily="50" charset="-128"/>
+                <a:cs typeface="Arial" panose="020B0604020202020204" pitchFamily="34" charset="0"/>
+                <a:sym typeface="Wingdings 2" pitchFamily="18" charset="2"/>
+              </a:rPr>
+              <a:t>)</a:t>
+            </a:r>
+          </a:p>
+          <a:p>
+            <a:pPr eaLnBrk="1" hangingPunct="1">
+              <a:spcBef>
+                <a:spcPct val="20000"/>
+              </a:spcBef>
+            </a:pPr>
+            <a:r>
+              <a:rPr kumimoji="1" lang="en-US" altLang="en-US" dirty="0" smtClean="0">
+                <a:latin typeface="Arial" panose="020B0604020202020204" pitchFamily="34" charset="0"/>
+                <a:ea typeface="HGP創英角ｺﾞｼｯｸUB" pitchFamily="50" charset="-128"/>
+                <a:cs typeface="Arial" panose="020B0604020202020204" pitchFamily="34" charset="0"/>
+                <a:sym typeface="Wingdings 2" pitchFamily="18" charset="2"/>
+              </a:rPr>
+              <a:t>- Storing</a:t>
+            </a:r>
+          </a:p>
+          <a:p>
+            <a:pPr eaLnBrk="1" hangingPunct="1">
+              <a:spcBef>
+                <a:spcPct val="20000"/>
+              </a:spcBef>
+            </a:pPr>
+            <a:r>
+              <a:rPr kumimoji="1" lang="en-US" altLang="en-US" dirty="0" smtClean="0">
+                <a:latin typeface="Arial" panose="020B0604020202020204" pitchFamily="34" charset="0"/>
+                <a:ea typeface="HGP創英角ｺﾞｼｯｸUB" pitchFamily="50" charset="-128"/>
+                <a:cs typeface="Arial" panose="020B0604020202020204" pitchFamily="34" charset="0"/>
+                <a:sym typeface="Wingdings 2" pitchFamily="18" charset="2"/>
+              </a:rPr>
+              <a:t> (</a:t>
+            </a:r>
+            <a:r>
+              <a:rPr kumimoji="1" lang="en-US" altLang="en-US" b="1" dirty="0" smtClean="0">
+                <a:latin typeface="Arial" panose="020B0604020202020204" pitchFamily="34" charset="0"/>
+                <a:ea typeface="HGP創英角ｺﾞｼｯｸUB" pitchFamily="50" charset="-128"/>
+                <a:cs typeface="Arial" panose="020B0604020202020204" pitchFamily="34" charset="0"/>
+                <a:sym typeface="Wingdings 2" pitchFamily="18" charset="2"/>
+              </a:rPr>
+              <a:t>Feb.24</a:t>
+            </a:r>
+            <a:r>
+              <a:rPr kumimoji="1" lang="en-US" altLang="en-US" dirty="0" smtClean="0">
+                <a:latin typeface="Arial" panose="020B0604020202020204" pitchFamily="34" charset="0"/>
+                <a:ea typeface="HGP創英角ｺﾞｼｯｸUB" pitchFamily="50" charset="-128"/>
+                <a:cs typeface="Arial" panose="020B0604020202020204" pitchFamily="34" charset="0"/>
+                <a:sym typeface="Wingdings 2" pitchFamily="18" charset="2"/>
+              </a:rPr>
+              <a:t>)</a:t>
+            </a:r>
+          </a:p>
+          <a:p>
+            <a:pPr eaLnBrk="1" hangingPunct="1">
+              <a:spcBef>
+                <a:spcPct val="20000"/>
+              </a:spcBef>
+            </a:pPr>
+            <a:r>
+              <a:rPr kumimoji="1" lang="en-US" altLang="en-US" dirty="0" smtClean="0">
+                <a:latin typeface="Arial" panose="020B0604020202020204" pitchFamily="34" charset="0"/>
+                <a:ea typeface="HGP創英角ｺﾞｼｯｸUB" pitchFamily="50" charset="-128"/>
+                <a:cs typeface="Arial" panose="020B0604020202020204" pitchFamily="34" charset="0"/>
+                <a:sym typeface="Wingdings 2" pitchFamily="18" charset="2"/>
+              </a:rPr>
+              <a:t>- Kitting FA, </a:t>
+            </a:r>
+          </a:p>
+          <a:p>
+            <a:pPr eaLnBrk="1" hangingPunct="1">
+              <a:spcBef>
+                <a:spcPct val="20000"/>
+              </a:spcBef>
+            </a:pPr>
+            <a:r>
+              <a:rPr kumimoji="1" lang="en-US" altLang="en-US" dirty="0" smtClean="0">
+                <a:latin typeface="Arial" panose="020B0604020202020204" pitchFamily="34" charset="0"/>
+                <a:ea typeface="HGP創英角ｺﾞｼｯｸUB" pitchFamily="50" charset="-128"/>
+                <a:cs typeface="Arial" panose="020B0604020202020204" pitchFamily="34" charset="0"/>
+                <a:sym typeface="Wingdings 2" pitchFamily="18" charset="2"/>
+              </a:rPr>
+              <a:t>Dip (</a:t>
+            </a:r>
+            <a:r>
+              <a:rPr kumimoji="1" lang="en-US" altLang="en-US" b="1" dirty="0" smtClean="0">
+                <a:latin typeface="Arial" panose="020B0604020202020204" pitchFamily="34" charset="0"/>
+                <a:ea typeface="HGP創英角ｺﾞｼｯｸUB" pitchFamily="50" charset="-128"/>
+                <a:cs typeface="Arial" panose="020B0604020202020204" pitchFamily="34" charset="0"/>
+                <a:sym typeface="Wingdings 2" pitchFamily="18" charset="2"/>
+              </a:rPr>
+              <a:t>Dec.23</a:t>
+            </a:r>
+            <a:r>
+              <a:rPr kumimoji="1" lang="en-US" altLang="en-US" dirty="0" smtClean="0">
+                <a:latin typeface="Arial" panose="020B0604020202020204" pitchFamily="34" charset="0"/>
+                <a:ea typeface="HGP創英角ｺﾞｼｯｸUB" pitchFamily="50" charset="-128"/>
+                <a:cs typeface="Arial" panose="020B0604020202020204" pitchFamily="34" charset="0"/>
+                <a:sym typeface="Wingdings 2" pitchFamily="18" charset="2"/>
+              </a:rPr>
+              <a:t>)</a:t>
+            </a:r>
+          </a:p>
+          <a:p>
+            <a:pPr eaLnBrk="1" hangingPunct="1">
+              <a:spcBef>
+                <a:spcPct val="20000"/>
+              </a:spcBef>
+            </a:pPr>
+            <a:r>
+              <a:rPr kumimoji="1" lang="en-US" altLang="en-US" dirty="0" smtClean="0">
+                <a:latin typeface="Arial" panose="020B0604020202020204" pitchFamily="34" charset="0"/>
+                <a:ea typeface="HGP創英角ｺﾞｼｯｸUB" pitchFamily="50" charset="-128"/>
+                <a:cs typeface="Arial" panose="020B0604020202020204" pitchFamily="34" charset="0"/>
+                <a:sym typeface="Wingdings 2" pitchFamily="18" charset="2"/>
+              </a:rPr>
+              <a:t>- Kitting Other (</a:t>
+            </a:r>
+            <a:r>
+              <a:rPr kumimoji="1" lang="en-US" altLang="en-US" b="1" dirty="0" smtClean="0">
+                <a:latin typeface="Arial" panose="020B0604020202020204" pitchFamily="34" charset="0"/>
+                <a:ea typeface="HGP創英角ｺﾞｼｯｸUB" pitchFamily="50" charset="-128"/>
+                <a:cs typeface="Arial" panose="020B0604020202020204" pitchFamily="34" charset="0"/>
+                <a:sym typeface="Wingdings 2" pitchFamily="18" charset="2"/>
+              </a:rPr>
+              <a:t>Feb</a:t>
+            </a:r>
+            <a:r>
+              <a:rPr kumimoji="1" lang="en-US" altLang="en-US" b="1" dirty="0" smtClean="0">
+                <a:latin typeface="Arial" panose="020B0604020202020204" pitchFamily="34" charset="0"/>
+                <a:ea typeface="HGP創英角ｺﾞｼｯｸUB" pitchFamily="50" charset="-128"/>
+                <a:cs typeface="Arial" panose="020B0604020202020204" pitchFamily="34" charset="0"/>
+                <a:sym typeface="Wingdings 2" pitchFamily="18" charset="2"/>
+              </a:rPr>
+              <a:t>.24</a:t>
+            </a:r>
+            <a:r>
+              <a:rPr kumimoji="1" lang="en-US" altLang="en-US" dirty="0" smtClean="0">
+                <a:latin typeface="Arial" panose="020B0604020202020204" pitchFamily="34" charset="0"/>
+                <a:ea typeface="HGP創英角ｺﾞｼｯｸUB" pitchFamily="50" charset="-128"/>
+                <a:cs typeface="Arial" panose="020B0604020202020204" pitchFamily="34" charset="0"/>
+                <a:sym typeface="Wingdings 2" pitchFamily="18" charset="2"/>
+              </a:rPr>
+              <a:t>)</a:t>
+            </a:r>
+            <a:endParaRPr kumimoji="1" lang="en-US" altLang="en-US" dirty="0" smtClean="0">
+              <a:latin typeface="Arial" panose="020B0604020202020204" pitchFamily="34" charset="0"/>
+              <a:ea typeface="HGP創英角ｺﾞｼｯｸUB" pitchFamily="50" charset="-128"/>
+              <a:cs typeface="Arial" panose="020B0604020202020204" pitchFamily="34" charset="0"/>
+              <a:sym typeface="Wingdings 2" pitchFamily="18" charset="2"/>
+            </a:endParaRPr>
+          </a:p>
+        </p:txBody>
+      </p:sp>
+      <p:sp>
+        <p:nvSpPr>
+          <p:cNvPr id="93" name="Rectangle 92"/>
+          <p:cNvSpPr/>
+          <p:nvPr/>
+        </p:nvSpPr>
+        <p:spPr>
+          <a:xfrm>
+            <a:off x="7696096" y="1913539"/>
+            <a:ext cx="1468232" cy="276999"/>
+          </a:xfrm>
+          <a:prstGeom prst="rect">
+            <a:avLst/>
+          </a:prstGeom>
+        </p:spPr>
+        <p:txBody>
+          <a:bodyPr wrap="square" lIns="0" tIns="0" rIns="0" bIns="0">
+            <a:spAutoFit/>
+          </a:bodyPr>
+          <a:lstStyle/>
+          <a:p>
+            <a:r>
+              <a:rPr lang="en-US" b="1" dirty="0" smtClean="0">
+                <a:solidFill>
+                  <a:srgbClr val="1508B8"/>
+                </a:solidFill>
+                <a:latin typeface="Arial" panose="020B0604020202020204" pitchFamily="34" charset="0"/>
+                <a:cs typeface="Arial" panose="020B0604020202020204" pitchFamily="34" charset="0"/>
+              </a:rPr>
+              <a:t>Apply</a:t>
+            </a:r>
+            <a:r>
+              <a:rPr lang="en-US" b="1" dirty="0" smtClean="0">
+                <a:solidFill>
+                  <a:srgbClr val="1508B8"/>
+                </a:solidFill>
+                <a:latin typeface="Arial" panose="020B0604020202020204" pitchFamily="34" charset="0"/>
+                <a:cs typeface="Arial" panose="020B0604020202020204" pitchFamily="34" charset="0"/>
+              </a:rPr>
+              <a:t>: </a:t>
+            </a:r>
+            <a:endParaRPr lang="en-US" b="1" dirty="0">
+              <a:solidFill>
+                <a:srgbClr val="1508B8"/>
               </a:solidFill>
               <a:latin typeface="Arial" panose="020B0604020202020204" pitchFamily="34" charset="0"/>
               <a:cs typeface="Arial" panose="020B0604020202020204" pitchFamily="34" charset="0"/>
@@ -32137,6 +34108,13 @@
   <p:clrMapOvr>
     <a:masterClrMapping/>
   </p:clrMapOvr>
+  <p:timing>
+    <p:tnLst>
+      <p:par>
+        <p:cTn id="1" dur="indefinite" restart="never" nodeType="tmRoot"/>
+      </p:par>
+    </p:tnLst>
+  </p:timing>
 </p:sld>
 </file>
 

--- a/Report_test.pptx
+++ b/Report_test.pptx
@@ -18,7 +18,7 @@
     <p:sldId id="1596" r:id="rId6"/>
     <p:sldId id="1612" r:id="rId7"/>
     <p:sldId id="1613" r:id="rId8"/>
-    <p:sldId id="1614" r:id="rId9"/>
+    <p:sldId id="1616" r:id="rId9"/>
     <p:sldId id="1587" r:id="rId10"/>
   </p:sldIdLst>
   <p:sldSz cx="9144000" cy="6858000" type="screen4x3"/>
@@ -222,7 +222,7 @@
           <a:p>
             <a:fld id="{80F76F07-4DDF-4742-A599-1A1948D9D8BF}" type="datetimeFigureOut">
               <a:rPr lang="en-US" smtClean="0"/>
-              <a:t>12/12/2023</a:t>
+              <a:t>12/13/2023</a:t>
             </a:fld>
             <a:endParaRPr lang="en-US"/>
           </a:p>
@@ -387,7 +387,7 @@
           <a:p>
             <a:fld id="{D69DC1A8-4A29-4ED6-A8C3-F6D12A0C95F5}" type="datetimeFigureOut">
               <a:rPr lang="en-US" smtClean="0"/>
-              <a:t>12/12/2023</a:t>
+              <a:t>12/13/2023</a:t>
             </a:fld>
             <a:endParaRPr lang="en-US" dirty="0"/>
           </a:p>
@@ -1562,7 +1562,7 @@
     </p:spTree>
     <p:extLst>
       <p:ext uri="{BB962C8B-B14F-4D97-AF65-F5344CB8AC3E}">
-        <p14:creationId xmlns:p14="http://schemas.microsoft.com/office/powerpoint/2010/main" val="183565357"/>
+        <p14:creationId xmlns:p14="http://schemas.microsoft.com/office/powerpoint/2010/main" val="2215265578"/>
       </p:ext>
     </p:extLst>
   </p:cSld>
@@ -1843,7 +1843,7 @@
           <a:p>
             <a:fld id="{15D6C63C-0848-4B82-AE9B-D0C2F4F853C4}" type="datetimeFigureOut">
               <a:rPr lang="en-US" smtClean="0"/>
-              <a:t>12/12/2023</a:t>
+              <a:t>12/13/2023</a:t>
             </a:fld>
             <a:endParaRPr lang="en-US" dirty="0"/>
           </a:p>
@@ -2011,7 +2011,7 @@
           <a:p>
             <a:fld id="{15D6C63C-0848-4B82-AE9B-D0C2F4F853C4}" type="datetimeFigureOut">
               <a:rPr lang="en-US" smtClean="0"/>
-              <a:t>12/12/2023</a:t>
+              <a:t>12/13/2023</a:t>
             </a:fld>
             <a:endParaRPr lang="en-US" dirty="0"/>
           </a:p>
@@ -2189,7 +2189,7 @@
           <a:p>
             <a:fld id="{15D6C63C-0848-4B82-AE9B-D0C2F4F853C4}" type="datetimeFigureOut">
               <a:rPr lang="en-US" smtClean="0"/>
-              <a:t>12/12/2023</a:t>
+              <a:t>12/13/2023</a:t>
             </a:fld>
             <a:endParaRPr lang="en-US" dirty="0"/>
           </a:p>
@@ -2523,7 +2523,7 @@
           <a:p>
             <a:fld id="{15D6C63C-0848-4B82-AE9B-D0C2F4F853C4}" type="datetimeFigureOut">
               <a:rPr lang="en-US" smtClean="0"/>
-              <a:t>12/12/2023</a:t>
+              <a:t>12/13/2023</a:t>
             </a:fld>
             <a:endParaRPr lang="en-US" dirty="0"/>
           </a:p>
@@ -2768,7 +2768,7 @@
           <a:p>
             <a:fld id="{15D6C63C-0848-4B82-AE9B-D0C2F4F853C4}" type="datetimeFigureOut">
               <a:rPr lang="en-US" smtClean="0"/>
-              <a:t>12/12/2023</a:t>
+              <a:t>12/13/2023</a:t>
             </a:fld>
             <a:endParaRPr lang="en-US" dirty="0"/>
           </a:p>
@@ -3053,7 +3053,7 @@
           <a:p>
             <a:fld id="{15D6C63C-0848-4B82-AE9B-D0C2F4F853C4}" type="datetimeFigureOut">
               <a:rPr lang="en-US" smtClean="0"/>
-              <a:t>12/12/2023</a:t>
+              <a:t>12/13/2023</a:t>
             </a:fld>
             <a:endParaRPr lang="en-US" dirty="0"/>
           </a:p>
@@ -3472,7 +3472,7 @@
           <a:p>
             <a:fld id="{15D6C63C-0848-4B82-AE9B-D0C2F4F853C4}" type="datetimeFigureOut">
               <a:rPr lang="en-US" smtClean="0"/>
-              <a:t>12/12/2023</a:t>
+              <a:t>12/13/2023</a:t>
             </a:fld>
             <a:endParaRPr lang="en-US" dirty="0"/>
           </a:p>
@@ -3589,7 +3589,7 @@
           <a:p>
             <a:fld id="{15D6C63C-0848-4B82-AE9B-D0C2F4F853C4}" type="datetimeFigureOut">
               <a:rPr lang="en-US" smtClean="0"/>
-              <a:t>12/12/2023</a:t>
+              <a:t>12/13/2023</a:t>
             </a:fld>
             <a:endParaRPr lang="en-US" dirty="0"/>
           </a:p>
@@ -3684,7 +3684,7 @@
           <a:p>
             <a:fld id="{15D6C63C-0848-4B82-AE9B-D0C2F4F853C4}" type="datetimeFigureOut">
               <a:rPr lang="en-US" smtClean="0"/>
-              <a:t>12/12/2023</a:t>
+              <a:t>12/13/2023</a:t>
             </a:fld>
             <a:endParaRPr lang="en-US" dirty="0"/>
           </a:p>
@@ -3959,7 +3959,7 @@
           <a:p>
             <a:fld id="{15D6C63C-0848-4B82-AE9B-D0C2F4F853C4}" type="datetimeFigureOut">
               <a:rPr lang="en-US" smtClean="0"/>
-              <a:t>12/12/2023</a:t>
+              <a:t>12/13/2023</a:t>
             </a:fld>
             <a:endParaRPr lang="en-US" dirty="0"/>
           </a:p>
@@ -4211,7 +4211,7 @@
           <a:p>
             <a:fld id="{15D6C63C-0848-4B82-AE9B-D0C2F4F853C4}" type="datetimeFigureOut">
               <a:rPr lang="en-US" smtClean="0"/>
-              <a:t>12/12/2023</a:t>
+              <a:t>12/13/2023</a:t>
             </a:fld>
             <a:endParaRPr lang="en-US" dirty="0"/>
           </a:p>
@@ -4422,7 +4422,7 @@
           <a:p>
             <a:fld id="{15D6C63C-0848-4B82-AE9B-D0C2F4F853C4}" type="datetimeFigureOut">
               <a:rPr lang="en-US" smtClean="0"/>
-              <a:t>12/12/2023</a:t>
+              <a:t>12/13/2023</a:t>
             </a:fld>
             <a:endParaRPr lang="en-US" dirty="0"/>
           </a:p>
@@ -6903,16 +6903,36 @@
                 </a:solidFill>
                 <a:latin typeface="Arial "/>
               </a:rPr>
-              <a:t>: Development software</a:t>
-            </a:r>
-            <a:r>
-              <a:rPr lang="en-US" sz="1600" dirty="0">
+              <a:t>: </a:t>
+            </a:r>
+            <a:r>
+              <a:rPr lang="en-GB" altLang="ja-JP" sz="1600" dirty="0">
+                <a:solidFill>
+                  <a:srgbClr val="000000"/>
+                </a:solidFill>
+                <a:latin typeface="Arial" pitchFamily="34" charset="0"/>
+                <a:ea typeface="Meiryo UI" panose="020B0604030504040204" pitchFamily="50" charset="-128"/>
+                <a:cs typeface="Arial" pitchFamily="34" charset="0"/>
+              </a:rPr>
+              <a:t>Maintain developed Systems, Analyse, Design &amp; Develop new systems</a:t>
+            </a:r>
+            <a:r>
+              <a:rPr lang="en-US" sz="1600" dirty="0" smtClean="0">
                 <a:solidFill>
                   <a:schemeClr val="tx1"/>
                 </a:solidFill>
                 <a:latin typeface="Arial "/>
               </a:rPr>
-              <a:t>, support user using software, study system of company production </a:t>
+              <a:t>, </a:t>
+            </a:r>
+            <a:r>
+              <a:rPr lang="en-US" sz="1600" dirty="0">
+                <a:solidFill>
+                  <a:schemeClr val="tx1"/>
+                </a:solidFill>
+                <a:latin typeface="Arial "/>
+              </a:rPr>
+              <a:t>study system of company production </a:t>
             </a:r>
             <a:r>
               <a:rPr lang="en-US" sz="1600" dirty="0" smtClean="0">
@@ -7536,14 +7556,14 @@
           <p:nvPr>
             <p:extLst>
               <p:ext uri="{D42A27DB-BD31-4B8C-83A1-F6EECF244321}">
-                <p14:modId xmlns:p14="http://schemas.microsoft.com/office/powerpoint/2010/main" val="925353630"/>
+                <p14:modId xmlns:p14="http://schemas.microsoft.com/office/powerpoint/2010/main" val="2710420038"/>
               </p:ext>
             </p:extLst>
           </p:nvPr>
         </p:nvGraphicFramePr>
         <p:xfrm>
-          <a:off x="43453" y="1055341"/>
-          <a:ext cx="4053404" cy="2075479"/>
+          <a:off x="43452" y="1047341"/>
+          <a:ext cx="4053404" cy="2079766"/>
         </p:xfrm>
         <a:graphic>
           <a:graphicData uri="http://schemas.openxmlformats.org/drawingml/2006/table">
@@ -7567,7 +7587,7 @@
                   </a:extLst>
                 </a:gridCol>
               </a:tblGrid>
-              <a:tr h="295685">
+              <a:tr h="304530">
                 <a:tc>
                   <a:txBody>
                     <a:bodyPr/>
@@ -7727,7 +7747,7 @@
                   </a:ext>
                 </a:extLst>
               </a:tr>
-              <a:tr h="295685">
+              <a:tr h="330715">
                 <a:tc>
                   <a:txBody>
                     <a:bodyPr/>
@@ -7860,7 +7880,7 @@
                   </a:ext>
                 </a:extLst>
               </a:tr>
-              <a:tr h="295685">
+              <a:tr h="330715">
                 <a:tc>
                   <a:txBody>
                     <a:bodyPr/>
@@ -8005,7 +8025,7 @@
                   </a:ext>
                 </a:extLst>
               </a:tr>
-              <a:tr h="1113835">
+              <a:tr h="1042930">
                 <a:tc>
                   <a:txBody>
                     <a:bodyPr/>
@@ -8090,6 +8110,9 @@
                         </a:rPr>
                         <a:t>Develop software.</a:t>
                       </a:r>
+                      <a:endParaRPr lang="en-US" sz="1600" dirty="0" smtClean="0">
+                        <a:latin typeface="Arial "/>
+                      </a:endParaRPr>
                     </a:p>
                     <a:p>
                       <a:pPr>
@@ -8108,7 +8131,19 @@
                         <a:rPr lang="en-US" sz="1600" dirty="0" smtClean="0">
                           <a:latin typeface="Arial "/>
                         </a:rPr>
-                        <a:t>Support users and systems</a:t>
+                        <a:t>Support users </a:t>
+                      </a:r>
+                      <a:r>
+                        <a:rPr lang="en-US" sz="1600" dirty="0" smtClean="0">
+                          <a:latin typeface="Arial "/>
+                        </a:rPr>
+                        <a:t>and all </a:t>
+                      </a:r>
+                      <a:r>
+                        <a:rPr lang="en-US" sz="1600" dirty="0" smtClean="0">
+                          <a:latin typeface="Arial "/>
+                        </a:rPr>
+                        <a:t>systems</a:t>
                       </a:r>
                       <a:r>
                         <a:rPr lang="en-US" sz="1600" baseline="0" dirty="0" smtClean="0">
@@ -12592,7 +12627,7 @@
           <a:graphicData uri="http://schemas.openxmlformats.org/presentationml/2006/ole">
             <mc:AlternateContent xmlns:mc="http://schemas.openxmlformats.org/markup-compatibility/2006">
               <mc:Choice xmlns:v="urn:schemas-microsoft-com:vml" Requires="v">
-                <p:oleObj spid="_x0000_s1095" name="ｸﾘｯﾌﾟ" r:id="rId12" imgW="1666667" imgH="1695238" progId="">
+                <p:oleObj spid="_x0000_s1105" name="ｸﾘｯﾌﾟ" r:id="rId12" imgW="1666667" imgH="1695238" progId="">
                   <p:embed/>
                 </p:oleObj>
               </mc:Choice>
@@ -13756,7 +13791,7 @@
           <p:nvPr>
             <p:extLst>
               <p:ext uri="{D42A27DB-BD31-4B8C-83A1-F6EECF244321}">
-                <p14:modId xmlns:p14="http://schemas.microsoft.com/office/powerpoint/2010/main" val="3318731930"/>
+                <p14:modId xmlns:p14="http://schemas.microsoft.com/office/powerpoint/2010/main" val="2450494009"/>
               </p:ext>
             </p:extLst>
           </p:nvPr>
@@ -18243,8 +18278,21 @@
                             <a:schemeClr val="tx1"/>
                           </a:solidFill>
                         </a:rPr>
-                        <a:t>[1]Survey all process</a:t>
+                        <a:t>[1]Survey all </a:t>
                       </a:r>
+                      <a:r>
+                        <a:rPr lang="en-US" sz="1400" b="1" dirty="0" smtClean="0">
+                          <a:solidFill>
+                            <a:schemeClr val="tx1"/>
+                          </a:solidFill>
+                        </a:rPr>
+                        <a:t>process and build standard management.</a:t>
+                      </a:r>
+                      <a:endParaRPr lang="en-US" sz="1400" b="1" dirty="0" smtClean="0">
+                        <a:solidFill>
+                          <a:schemeClr val="tx1"/>
+                        </a:solidFill>
+                      </a:endParaRPr>
                     </a:p>
                     <a:p>
                       <a:pPr marL="0" marR="0" lvl="0" indent="0" algn="l" defTabSz="914400" rtl="0" eaLnBrk="1" fontAlgn="auto" latinLnBrk="0" hangingPunct="1">
@@ -18286,7 +18334,15 @@
                             <a:schemeClr val="tx1"/>
                           </a:solidFill>
                         </a:rPr>
-                        <a:t>Analysis, design</a:t>
+                        <a:t>Analysis system, design </a:t>
+                      </a:r>
+                      <a:r>
+                        <a:rPr lang="en-US" sz="1400" b="1" dirty="0" smtClean="0">
+                          <a:solidFill>
+                            <a:schemeClr val="tx1"/>
+                          </a:solidFill>
+                        </a:rPr>
+                        <a:t>database</a:t>
                       </a:r>
                     </a:p>
                     <a:p>
@@ -18313,35 +18369,13 @@
                             <a:schemeClr val="tx1"/>
                           </a:solidFill>
                         </a:rPr>
-                        <a:t>[3] Build database</a:t>
+                        <a:t>[3] Develop &amp; Testing</a:t>
                       </a:r>
-                    </a:p>
-                    <a:p>
-                      <a:pPr marL="0" marR="0" lvl="0" indent="0" algn="l" defTabSz="914400" rtl="0" eaLnBrk="1" fontAlgn="auto" latinLnBrk="0" hangingPunct="1">
-                        <a:lnSpc>
-                          <a:spcPct val="130000"/>
-                        </a:lnSpc>
-                        <a:spcBef>
-                          <a:spcPts val="0"/>
-                        </a:spcBef>
-                        <a:spcAft>
-                          <a:spcPts val="0"/>
-                        </a:spcAft>
-                        <a:buClrTx/>
-                        <a:buSzTx/>
-                        <a:buFontTx/>
-                        <a:buNone/>
-                        <a:tabLst/>
-                        <a:defRPr/>
-                      </a:pPr>
-                      <a:r>
-                        <a:rPr lang="en-US" sz="1400" b="1" dirty="0" smtClean="0">
-                          <a:solidFill>
-                            <a:schemeClr val="tx1"/>
-                          </a:solidFill>
-                        </a:rPr>
-                        <a:t>[4] Make software</a:t>
-                      </a:r>
+                      <a:endParaRPr lang="en-US" sz="1400" b="1" dirty="0" smtClean="0">
+                        <a:solidFill>
+                          <a:schemeClr val="tx1"/>
+                        </a:solidFill>
+                      </a:endParaRPr>
                     </a:p>
                     <a:p>
                       <a:pPr marL="0" marR="0" lvl="0" indent="0" algn="ctr" defTabSz="914400" rtl="0" eaLnBrk="1" fontAlgn="auto" latinLnBrk="0" hangingPunct="1">
@@ -23988,7 +24022,18 @@
                   <a:ea typeface="Meiryo UI" panose="020B0604030504040204" pitchFamily="50" charset="-128"/>
                   <a:cs typeface="Arial" panose="020B0604020202020204" pitchFamily="34" charset="0"/>
                 </a:rPr>
-                <a:t>Current Issue &amp; Improvement Activities</a:t>
+                <a:t>Current Issue &amp; Improvement </a:t>
+              </a:r>
+              <a:r>
+                <a:rPr lang="en-US" altLang="ja-JP" sz="2000" b="1" dirty="0" smtClean="0">
+                  <a:solidFill>
+                    <a:srgbClr val="FFFFCC"/>
+                  </a:solidFill>
+                  <a:latin typeface="+mn-lt"/>
+                  <a:ea typeface="Meiryo UI" panose="020B0604030504040204" pitchFamily="50" charset="-128"/>
+                  <a:cs typeface="Arial" panose="020B0604020202020204" pitchFamily="34" charset="0"/>
+                </a:rPr>
+                <a:t>Activities Theme 1</a:t>
               </a:r>
               <a:endParaRPr lang="en-US" altLang="ja-JP" sz="2000" b="1" dirty="0">
                 <a:solidFill>
@@ -24230,7 +24275,7 @@
         <p:spPr bwMode="auto">
           <a:xfrm>
             <a:off x="13606" y="1417664"/>
-            <a:ext cx="2425475" cy="368591"/>
+            <a:ext cx="2459192" cy="368591"/>
           </a:xfrm>
           <a:prstGeom prst="rect">
             <a:avLst/>
@@ -24402,7 +24447,7 @@
         <p:spPr bwMode="auto">
           <a:xfrm>
             <a:off x="47260" y="1832318"/>
-            <a:ext cx="2391821" cy="5025682"/>
+            <a:ext cx="2418849" cy="5025682"/>
           </a:xfrm>
           <a:prstGeom prst="rect">
             <a:avLst/>
@@ -29267,8 +29312,25 @@
                   <a:ea typeface="Meiryo UI" panose="020B0604030504040204" pitchFamily="50" charset="-128"/>
                   <a:cs typeface="Arial" panose="020B0604020202020204" pitchFamily="34" charset="0"/>
                 </a:rPr>
-                <a:t>Current Issue &amp; Improvement Activities</a:t>
+                <a:t>Current Issue &amp; Improvement </a:t>
               </a:r>
+              <a:r>
+                <a:rPr lang="en-US" altLang="ja-JP" sz="2000" b="1" dirty="0" smtClean="0">
+                  <a:solidFill>
+                    <a:srgbClr val="FFFFCC"/>
+                  </a:solidFill>
+                  <a:ea typeface="Meiryo UI" panose="020B0604030504040204" pitchFamily="50" charset="-128"/>
+                  <a:cs typeface="Arial" panose="020B0604020202020204" pitchFamily="34" charset="0"/>
+                </a:rPr>
+                <a:t>Activities Theme 1</a:t>
+              </a:r>
+              <a:endParaRPr lang="en-US" altLang="ja-JP" sz="2000" b="1" dirty="0">
+                <a:solidFill>
+                  <a:srgbClr val="FFFFCC"/>
+                </a:solidFill>
+                <a:ea typeface="Meiryo UI" panose="020B0604030504040204" pitchFamily="50" charset="-128"/>
+                <a:cs typeface="Arial" panose="020B0604020202020204" pitchFamily="34" charset="0"/>
+              </a:endParaRPr>
             </a:p>
           </p:txBody>
         </p:sp>
@@ -29463,7 +29525,7 @@
         <p:spPr bwMode="auto">
           <a:xfrm>
             <a:off x="13606" y="1417664"/>
-            <a:ext cx="2409813" cy="368591"/>
+            <a:ext cx="2459192" cy="368591"/>
           </a:xfrm>
           <a:prstGeom prst="rect">
             <a:avLst/>
@@ -29949,7 +30011,7 @@
         <p:spPr bwMode="auto">
           <a:xfrm>
             <a:off x="47260" y="1832318"/>
-            <a:ext cx="2391821" cy="5025682"/>
+            <a:ext cx="2424985" cy="5025682"/>
           </a:xfrm>
           <a:prstGeom prst="rect">
             <a:avLst/>
@@ -30532,57 +30594,7 @@
                 <a:latin typeface="Arial" panose="020B0604020202020204" pitchFamily="34" charset="0"/>
                 <a:cs typeface="Arial" panose="020B0604020202020204" pitchFamily="34" charset="0"/>
               </a:rPr>
-              <a:t>[3] </a:t>
-            </a:r>
-            <a:r>
-              <a:rPr lang="en-US" sz="2000" dirty="0" smtClean="0">
-                <a:solidFill>
-                  <a:srgbClr val="1508B8"/>
-                </a:solidFill>
-                <a:latin typeface="Arial" panose="020B0604020202020204" pitchFamily="34" charset="0"/>
-                <a:cs typeface="Arial" panose="020B0604020202020204" pitchFamily="34" charset="0"/>
-              </a:rPr>
-              <a:t>Development </a:t>
-            </a:r>
-            <a:r>
-              <a:rPr lang="en-US" sz="2000" dirty="0" smtClean="0">
-                <a:solidFill>
-                  <a:srgbClr val="1508B8"/>
-                </a:solidFill>
-                <a:latin typeface="Arial" panose="020B0604020202020204" pitchFamily="34" charset="0"/>
-                <a:cs typeface="Arial" panose="020B0604020202020204" pitchFamily="34" charset="0"/>
-              </a:rPr>
-              <a:t>software</a:t>
-            </a:r>
-            <a:r>
-              <a:rPr lang="en-US" sz="2000" dirty="0" smtClean="0">
-                <a:solidFill>
-                  <a:srgbClr val="1508B8"/>
-                </a:solidFill>
-                <a:latin typeface="Arial" panose="020B0604020202020204" pitchFamily="34" charset="0"/>
-                <a:cs typeface="Arial" panose="020B0604020202020204" pitchFamily="34" charset="0"/>
-              </a:rPr>
-              <a:t> </a:t>
-            </a:r>
-            <a:r>
-              <a:rPr lang="en-US" sz="2000" dirty="0" smtClean="0">
-                <a:solidFill>
-                  <a:srgbClr val="1508B8"/>
-                </a:solidFill>
-                <a:latin typeface="Arial" panose="020B0604020202020204" pitchFamily="34" charset="0"/>
-                <a:cs typeface="Arial" panose="020B0604020202020204" pitchFamily="34" charset="0"/>
-              </a:rPr>
-              <a:t>on </a:t>
-            </a:r>
-            <a:r>
-              <a:rPr lang="en-US" sz="2000" dirty="0" smtClean="0">
-                <a:solidFill>
-                  <a:srgbClr val="1508B8"/>
-                </a:solidFill>
-                <a:latin typeface="Arial" panose="020B0604020202020204" pitchFamily="34" charset="0"/>
-                <a:cs typeface="Arial" panose="020B0604020202020204" pitchFamily="34" charset="0"/>
-              </a:rPr>
-              <a:t>Mobile</a:t>
+              <a:t>[3] Development software on Mobile</a:t>
             </a:r>
             <a:endParaRPr lang="en-US" sz="2000" dirty="0">
               <a:solidFill>
@@ -30806,7 +30818,7 @@
         <p:spPr>
           <a:xfrm>
             <a:off x="64307" y="2839359"/>
-            <a:ext cx="2193063" cy="1567558"/>
+            <a:ext cx="2361050" cy="1567558"/>
           </a:xfrm>
           <a:prstGeom prst="rect">
             <a:avLst/>
@@ -31077,7 +31089,17 @@
                 <a:latin typeface="Arial" panose="020B0604020202020204" pitchFamily="34" charset="0"/>
                 <a:cs typeface="Arial" panose="020B0604020202020204" pitchFamily="34" charset="0"/>
               </a:rPr>
-              <a:t>Analyze Material control System.</a:t>
+              <a:t>- Analyze </a:t>
+            </a:r>
+            <a:r>
+              <a:rPr lang="en-US" sz="1800" dirty="0" smtClean="0">
+                <a:solidFill>
+                  <a:schemeClr val="tx1"/>
+                </a:solidFill>
+                <a:latin typeface="Arial" panose="020B0604020202020204" pitchFamily="34" charset="0"/>
+                <a:cs typeface="Arial" panose="020B0604020202020204" pitchFamily="34" charset="0"/>
+              </a:rPr>
+              <a:t>Material control System.</a:t>
             </a:r>
           </a:p>
           <a:p>
@@ -31090,15 +31112,18 @@
                 <a:latin typeface="Arial" panose="020B0604020202020204" pitchFamily="34" charset="0"/>
                 <a:cs typeface="Arial" panose="020B0604020202020204" pitchFamily="34" charset="0"/>
               </a:rPr>
-              <a:t>Improve &amp; Optimate the process.</a:t>
-            </a:r>
-            <a:endParaRPr lang="en-US" sz="1800" dirty="0" smtClean="0">
-              <a:solidFill>
-                <a:schemeClr val="tx1"/>
-              </a:solidFill>
-              <a:latin typeface="Arial" panose="020B0604020202020204" pitchFamily="34" charset="0"/>
-              <a:cs typeface="Arial" panose="020B0604020202020204" pitchFamily="34" charset="0"/>
-            </a:endParaRPr>
+              <a:t>- Improve </a:t>
+            </a:r>
+            <a:r>
+              <a:rPr lang="en-US" sz="1800" dirty="0" smtClean="0">
+                <a:solidFill>
+                  <a:schemeClr val="tx1"/>
+                </a:solidFill>
+                <a:latin typeface="Arial" panose="020B0604020202020204" pitchFamily="34" charset="0"/>
+                <a:cs typeface="Arial" panose="020B0604020202020204" pitchFamily="34" charset="0"/>
+              </a:rPr>
+              <a:t>&amp; Optimate the process.</a:t>
+            </a:r>
           </a:p>
           <a:p>
             <a:pPr algn="l"/>
@@ -31128,8 +31153,8 @@
         </p:nvSpPr>
         <p:spPr>
           <a:xfrm>
-            <a:off x="155162" y="4930805"/>
-            <a:ext cx="2193063" cy="1361742"/>
+            <a:off x="76970" y="4930805"/>
+            <a:ext cx="2271256" cy="1361742"/>
           </a:xfrm>
           <a:prstGeom prst="rect">
             <a:avLst/>
@@ -31393,14 +31418,24 @@
           <a:p>
             <a:pPr algn="l"/>
             <a:r>
-              <a:rPr lang="en-US" sz="1800" dirty="0">
+              <a:rPr lang="en-US" sz="1800" dirty="0" smtClean="0">
                 <a:solidFill>
                   <a:schemeClr val="tx1"/>
                 </a:solidFill>
                 <a:latin typeface="Arial" panose="020B0604020202020204" pitchFamily="34" charset="0"/>
                 <a:cs typeface="Arial" panose="020B0604020202020204" pitchFamily="34" charset="0"/>
               </a:rPr>
-              <a:t>Amount of </a:t>
+              <a:t>- Amount </a:t>
+            </a:r>
+            <a:r>
+              <a:rPr lang="en-US" sz="1800" dirty="0">
+                <a:solidFill>
+                  <a:schemeClr val="tx1"/>
+                </a:solidFill>
+                <a:latin typeface="Arial" panose="020B0604020202020204" pitchFamily="34" charset="0"/>
+                <a:cs typeface="Arial" panose="020B0604020202020204" pitchFamily="34" charset="0"/>
+              </a:rPr>
+              <a:t>of </a:t>
             </a:r>
             <a:r>
               <a:rPr lang="en-US" sz="1800" dirty="0" smtClean="0">
@@ -31450,7 +31485,7 @@
                 <a:latin typeface="Arial" panose="020B0604020202020204" pitchFamily="34" charset="0"/>
                 <a:cs typeface="Arial" panose="020B0604020202020204" pitchFamily="34" charset="0"/>
               </a:rPr>
-              <a:t>Research </a:t>
+              <a:t>- Research </a:t>
             </a:r>
             <a:r>
               <a:rPr lang="en-US" sz="1800" dirty="0">
@@ -32369,7 +32404,7 @@
         <p:spPr bwMode="auto">
           <a:xfrm>
             <a:off x="2584270" y="6408536"/>
-            <a:ext cx="4782709" cy="307777"/>
+            <a:ext cx="4959530" cy="307777"/>
           </a:xfrm>
           <a:prstGeom prst="rect">
             <a:avLst/>
@@ -32525,7 +32560,7 @@
                 <a:cs typeface="Arial" panose="020B0604020202020204" pitchFamily="34" charset="0"/>
                 <a:sym typeface="Wingdings 3" panose="05040102010807070707" pitchFamily="18" charset="2"/>
               </a:rPr>
-              <a:t> </a:t>
+              <a:t></a:t>
             </a:r>
             <a:r>
               <a:rPr kumimoji="1" lang="en-US" altLang="ja-JP" sz="2000" b="1" dirty="0" smtClean="0">
@@ -32537,7 +32572,31 @@
                 <a:cs typeface="Arial" panose="020B0604020202020204" pitchFamily="34" charset="0"/>
                 <a:sym typeface="Wingdings 3" panose="05040102010807070707" pitchFamily="18" charset="2"/>
               </a:rPr>
-              <a:t>…….</a:t>
+              <a:t>New </a:t>
+            </a:r>
+            <a:r>
+              <a:rPr kumimoji="1" lang="en-US" altLang="ja-JP" sz="2000" b="1" dirty="0">
+                <a:solidFill>
+                  <a:srgbClr val="1508B8"/>
+                </a:solidFill>
+                <a:latin typeface="Arial" panose="020B0604020202020204" pitchFamily="34" charset="0"/>
+                <a:ea typeface="HGP創英角ｺﾞｼｯｸUB" pitchFamily="50" charset="-128"/>
+                <a:cs typeface="Arial" panose="020B0604020202020204" pitchFamily="34" charset="0"/>
+                <a:sym typeface="Wingdings 3" panose="05040102010807070707" pitchFamily="18" charset="2"/>
+              </a:rPr>
+              <a:t>software to run on mobile </a:t>
+            </a:r>
+            <a:r>
+              <a:rPr kumimoji="1" lang="en-US" altLang="ja-JP" sz="2000" b="1" dirty="0" smtClean="0">
+                <a:solidFill>
+                  <a:srgbClr val="1508B8"/>
+                </a:solidFill>
+                <a:latin typeface="Arial" panose="020B0604020202020204" pitchFamily="34" charset="0"/>
+                <a:ea typeface="HGP創英角ｺﾞｼｯｸUB" pitchFamily="50" charset="-128"/>
+                <a:cs typeface="Arial" panose="020B0604020202020204" pitchFamily="34" charset="0"/>
+                <a:sym typeface="Wingdings 3" panose="05040102010807070707" pitchFamily="18" charset="2"/>
+              </a:rPr>
+              <a:t>devices</a:t>
             </a:r>
             <a:endParaRPr kumimoji="1" lang="en-US" altLang="ja-JP" sz="2000" b="1" dirty="0">
               <a:solidFill>
@@ -32782,10 +32841,6 @@
               </a:rPr>
               <a:t>FA</a:t>
             </a:r>
-            <a:endParaRPr lang="en-US" altLang="ja-JP" sz="1400" dirty="0" smtClean="0">
-              <a:latin typeface="Arial" pitchFamily="34" charset="0"/>
-              <a:cs typeface="Arial" pitchFamily="34" charset="0"/>
-            </a:endParaRPr>
           </a:p>
         </p:txBody>
       </p:sp>
@@ -33011,7 +33066,7 @@
         </p:nvSpPr>
         <p:spPr>
           <a:xfrm>
-            <a:off x="5725339" y="4336634"/>
+            <a:off x="5975039" y="3868497"/>
             <a:ext cx="1344922" cy="2170843"/>
           </a:xfrm>
           <a:prstGeom prst="rect">
@@ -33482,16 +33537,7 @@
                 <a:cs typeface="Arial" panose="020B0604020202020204" pitchFamily="34" charset="0"/>
                 <a:sym typeface="Wingdings 2" pitchFamily="18" charset="2"/>
               </a:rPr>
-              <a:t>Feb</a:t>
-            </a:r>
-            <a:r>
-              <a:rPr kumimoji="1" lang="en-US" altLang="en-US" b="1" dirty="0" smtClean="0">
-                <a:latin typeface="Arial" panose="020B0604020202020204" pitchFamily="34" charset="0"/>
-                <a:ea typeface="HGP創英角ｺﾞｼｯｸUB" pitchFamily="50" charset="-128"/>
-                <a:cs typeface="Arial" panose="020B0604020202020204" pitchFamily="34" charset="0"/>
-                <a:sym typeface="Wingdings 2" pitchFamily="18" charset="2"/>
-              </a:rPr>
-              <a:t>.24</a:t>
+              <a:t>Feb.24</a:t>
             </a:r>
             <a:r>
               <a:rPr kumimoji="1" lang="en-US" altLang="en-US" dirty="0" smtClean="0">
@@ -33502,12 +33548,6 @@
               </a:rPr>
               <a:t>)</a:t>
             </a:r>
-            <a:endParaRPr kumimoji="1" lang="en-US" altLang="en-US" dirty="0" smtClean="0">
-              <a:latin typeface="Arial" panose="020B0604020202020204" pitchFamily="34" charset="0"/>
-              <a:ea typeface="HGP創英角ｺﾞｼｯｸUB" pitchFamily="50" charset="-128"/>
-              <a:cs typeface="Arial" panose="020B0604020202020204" pitchFamily="34" charset="0"/>
-              <a:sym typeface="Wingdings 2" pitchFamily="18" charset="2"/>
-            </a:endParaRPr>
           </a:p>
         </p:txBody>
       </p:sp>
@@ -33540,17 +33580,7 @@
                 <a:latin typeface="Arial" panose="020B0604020202020204" pitchFamily="34" charset="0"/>
                 <a:cs typeface="Arial" panose="020B0604020202020204" pitchFamily="34" charset="0"/>
               </a:rPr>
-              <a:t>Apply</a:t>
-            </a:r>
-            <a:r>
-              <a:rPr lang="en-US" b="1" dirty="0" smtClean="0">
-                <a:solidFill>
-                  <a:srgbClr val="1508B8"/>
-                </a:solidFill>
-                <a:latin typeface="Arial" panose="020B0604020202020204" pitchFamily="34" charset="0"/>
-                <a:cs typeface="Arial" panose="020B0604020202020204" pitchFamily="34" charset="0"/>
-              </a:rPr>
-              <a:t>: </a:t>
+              <a:t>Apply: </a:t>
             </a:r>
             <a:endParaRPr lang="en-US" b="1" dirty="0">
               <a:solidFill>
@@ -33981,15 +34011,14 @@
                 <a:buNone/>
               </a:pPr>
               <a:r>
-                <a:rPr lang="en-US" altLang="ja-JP" sz="2000" b="1" dirty="0" smtClean="0">
+                <a:rPr lang="en-US" altLang="ja-JP" sz="2000" b="1" dirty="0">
                   <a:solidFill>
                     <a:srgbClr val="FFFFCC"/>
                   </a:solidFill>
-                  <a:latin typeface="+mn-lt"/>
                   <a:ea typeface="Meiryo UI" panose="020B0604030504040204" pitchFamily="50" charset="-128"/>
                   <a:cs typeface="Arial" panose="020B0604020202020204" pitchFamily="34" charset="0"/>
                 </a:rPr>
-                <a:t>IMPROVEMENT ACTIVITIES</a:t>
+                <a:t>Current Issue &amp; Improvement Activities Theme 2</a:t>
               </a:r>
               <a:endParaRPr lang="en-US" altLang="ja-JP" sz="2000" b="1" dirty="0">
                 <a:solidFill>
@@ -34098,6 +34127,3062 @@
           </p:txBody>
         </p:sp>
       </p:grpSp>
+      <p:sp>
+        <p:nvSpPr>
+          <p:cNvPr id="6" name="Rectangle 5"/>
+          <p:cNvSpPr/>
+          <p:nvPr/>
+        </p:nvSpPr>
+        <p:spPr>
+          <a:xfrm>
+            <a:off x="47260" y="633616"/>
+            <a:ext cx="9064036" cy="737984"/>
+          </a:xfrm>
+          <a:prstGeom prst="rect">
+            <a:avLst/>
+          </a:prstGeom>
+          <a:solidFill>
+            <a:schemeClr val="accent5">
+              <a:lumMod val="20000"/>
+              <a:lumOff val="80000"/>
+            </a:schemeClr>
+          </a:solidFill>
+        </p:spPr>
+        <p:style>
+          <a:lnRef idx="2">
+            <a:schemeClr val="accent1">
+              <a:shade val="50000"/>
+            </a:schemeClr>
+          </a:lnRef>
+          <a:fillRef idx="1">
+            <a:schemeClr val="accent1"/>
+          </a:fillRef>
+          <a:effectRef idx="0">
+            <a:schemeClr val="accent1"/>
+          </a:effectRef>
+          <a:fontRef idx="minor">
+            <a:schemeClr val="lt1"/>
+          </a:fontRef>
+        </p:style>
+        <p:txBody>
+          <a:bodyPr rtlCol="0" anchor="ctr"/>
+          <a:lstStyle/>
+          <a:p>
+            <a:r>
+              <a:rPr kumimoji="1" lang="en-US" altLang="ja-JP" b="1" dirty="0" smtClean="0">
+                <a:solidFill>
+                  <a:srgbClr val="0000FF"/>
+                </a:solidFill>
+                <a:latin typeface="Arial" panose="020B0604020202020204" pitchFamily="34" charset="0"/>
+                <a:ea typeface="HGP創英角ｺﾞｼｯｸUB" pitchFamily="50" charset="-128"/>
+                <a:cs typeface="Arial" panose="020B0604020202020204" pitchFamily="34" charset="0"/>
+              </a:rPr>
+              <a:t>Approach</a:t>
+            </a:r>
+            <a:r>
+              <a:rPr kumimoji="1" lang="en-US" altLang="ja-JP" b="1" dirty="0">
+                <a:solidFill>
+                  <a:schemeClr val="tx1"/>
+                </a:solidFill>
+                <a:latin typeface="Arial" panose="020B0604020202020204" pitchFamily="34" charset="0"/>
+                <a:ea typeface="HGP創英角ｺﾞｼｯｸUB" pitchFamily="50" charset="-128"/>
+                <a:cs typeface="Arial" panose="020B0604020202020204" pitchFamily="34" charset="0"/>
+              </a:rPr>
+              <a:t>: Study about the department's asset management system of IT. Provide a standard process to optimize the management </a:t>
+            </a:r>
+            <a:r>
+              <a:rPr kumimoji="1" lang="en-US" altLang="ja-JP" b="1" dirty="0" smtClean="0">
+                <a:solidFill>
+                  <a:schemeClr val="tx1"/>
+                </a:solidFill>
+                <a:latin typeface="Arial" panose="020B0604020202020204" pitchFamily="34" charset="0"/>
+                <a:ea typeface="HGP創英角ｺﾞｼｯｸUB" pitchFamily="50" charset="-128"/>
+                <a:cs typeface="Arial" panose="020B0604020202020204" pitchFamily="34" charset="0"/>
+              </a:rPr>
+              <a:t>system.</a:t>
+            </a:r>
+            <a:endParaRPr lang="en-US" dirty="0">
+              <a:solidFill>
+                <a:schemeClr val="tx1"/>
+              </a:solidFill>
+              <a:latin typeface="Arial" panose="020B0604020202020204" pitchFamily="34" charset="0"/>
+              <a:cs typeface="Arial" panose="020B0604020202020204" pitchFamily="34" charset="0"/>
+            </a:endParaRPr>
+          </a:p>
+        </p:txBody>
+      </p:sp>
+      <p:sp>
+        <p:nvSpPr>
+          <p:cNvPr id="7" name="Rectangle 6"/>
+          <p:cNvSpPr>
+            <a:spLocks noChangeArrowheads="1"/>
+          </p:cNvSpPr>
+          <p:nvPr/>
+        </p:nvSpPr>
+        <p:spPr bwMode="auto">
+          <a:xfrm>
+            <a:off x="13606" y="1417664"/>
+            <a:ext cx="2459192" cy="368591"/>
+          </a:xfrm>
+          <a:prstGeom prst="rect">
+            <a:avLst/>
+          </a:prstGeom>
+          <a:solidFill>
+            <a:srgbClr val="0000CC"/>
+          </a:solidFill>
+          <a:ln w="9525">
+            <a:solidFill>
+              <a:srgbClr val="333399"/>
+            </a:solidFill>
+            <a:miter lim="800000"/>
+            <a:headEnd/>
+            <a:tailEnd/>
+          </a:ln>
+        </p:spPr>
+        <p:txBody>
+          <a:bodyPr wrap="none" anchor="ctr"/>
+          <a:lstStyle>
+            <a:lvl1pPr eaLnBrk="0" hangingPunct="0">
+              <a:defRPr>
+                <a:solidFill>
+                  <a:schemeClr val="tx1"/>
+                </a:solidFill>
+                <a:latin typeface="Arial" charset="0"/>
+                <a:cs typeface="Arial" charset="0"/>
+              </a:defRPr>
+            </a:lvl1pPr>
+            <a:lvl2pPr marL="742950" indent="-285750" eaLnBrk="0" hangingPunct="0">
+              <a:defRPr>
+                <a:solidFill>
+                  <a:schemeClr val="tx1"/>
+                </a:solidFill>
+                <a:latin typeface="Arial" charset="0"/>
+                <a:cs typeface="Arial" charset="0"/>
+              </a:defRPr>
+            </a:lvl2pPr>
+            <a:lvl3pPr marL="1143000" indent="-228600" eaLnBrk="0" hangingPunct="0">
+              <a:defRPr>
+                <a:solidFill>
+                  <a:schemeClr val="tx1"/>
+                </a:solidFill>
+                <a:latin typeface="Arial" charset="0"/>
+                <a:cs typeface="Arial" charset="0"/>
+              </a:defRPr>
+            </a:lvl3pPr>
+            <a:lvl4pPr marL="1600200" indent="-228600" eaLnBrk="0" hangingPunct="0">
+              <a:defRPr>
+                <a:solidFill>
+                  <a:schemeClr val="tx1"/>
+                </a:solidFill>
+                <a:latin typeface="Arial" charset="0"/>
+                <a:cs typeface="Arial" charset="0"/>
+              </a:defRPr>
+            </a:lvl4pPr>
+            <a:lvl5pPr marL="2057400" indent="-228600" eaLnBrk="0" hangingPunct="0">
+              <a:defRPr>
+                <a:solidFill>
+                  <a:schemeClr val="tx1"/>
+                </a:solidFill>
+                <a:latin typeface="Arial" charset="0"/>
+                <a:cs typeface="Arial" charset="0"/>
+              </a:defRPr>
+            </a:lvl5pPr>
+            <a:lvl6pPr marL="2514600" indent="-228600" eaLnBrk="0" fontAlgn="base" hangingPunct="0">
+              <a:spcBef>
+                <a:spcPct val="0"/>
+              </a:spcBef>
+              <a:spcAft>
+                <a:spcPct val="0"/>
+              </a:spcAft>
+              <a:defRPr>
+                <a:solidFill>
+                  <a:schemeClr val="tx1"/>
+                </a:solidFill>
+                <a:latin typeface="Arial" charset="0"/>
+                <a:cs typeface="Arial" charset="0"/>
+              </a:defRPr>
+            </a:lvl6pPr>
+            <a:lvl7pPr marL="2971800" indent="-228600" eaLnBrk="0" fontAlgn="base" hangingPunct="0">
+              <a:spcBef>
+                <a:spcPct val="0"/>
+              </a:spcBef>
+              <a:spcAft>
+                <a:spcPct val="0"/>
+              </a:spcAft>
+              <a:defRPr>
+                <a:solidFill>
+                  <a:schemeClr val="tx1"/>
+                </a:solidFill>
+                <a:latin typeface="Arial" charset="0"/>
+                <a:cs typeface="Arial" charset="0"/>
+              </a:defRPr>
+            </a:lvl7pPr>
+            <a:lvl8pPr marL="3429000" indent="-228600" eaLnBrk="0" fontAlgn="base" hangingPunct="0">
+              <a:spcBef>
+                <a:spcPct val="0"/>
+              </a:spcBef>
+              <a:spcAft>
+                <a:spcPct val="0"/>
+              </a:spcAft>
+              <a:defRPr>
+                <a:solidFill>
+                  <a:schemeClr val="tx1"/>
+                </a:solidFill>
+                <a:latin typeface="Arial" charset="0"/>
+                <a:cs typeface="Arial" charset="0"/>
+              </a:defRPr>
+            </a:lvl8pPr>
+            <a:lvl9pPr marL="3886200" indent="-228600" eaLnBrk="0" fontAlgn="base" hangingPunct="0">
+              <a:spcBef>
+                <a:spcPct val="0"/>
+              </a:spcBef>
+              <a:spcAft>
+                <a:spcPct val="0"/>
+              </a:spcAft>
+              <a:defRPr>
+                <a:solidFill>
+                  <a:schemeClr val="tx1"/>
+                </a:solidFill>
+                <a:latin typeface="Arial" charset="0"/>
+                <a:cs typeface="Arial" charset="0"/>
+              </a:defRPr>
+            </a:lvl9pPr>
+          </a:lstStyle>
+          <a:p>
+            <a:pPr algn="ctr" eaLnBrk="1" hangingPunct="1"/>
+            <a:r>
+              <a:rPr kumimoji="1" lang="en-US" altLang="ja-JP" sz="2000" b="1" dirty="0">
+                <a:solidFill>
+                  <a:schemeClr val="bg1"/>
+                </a:solidFill>
+                <a:latin typeface="Arial" panose="020B0604020202020204" pitchFamily="34" charset="0"/>
+                <a:ea typeface="HGP創英角ｺﾞｼｯｸUB" pitchFamily="50" charset="-128"/>
+                <a:cs typeface="Arial" panose="020B0604020202020204" pitchFamily="34" charset="0"/>
+              </a:rPr>
+              <a:t>Main </a:t>
+            </a:r>
+            <a:r>
+              <a:rPr kumimoji="1" lang="en-US" altLang="ja-JP" sz="2000" b="1" dirty="0" smtClean="0">
+                <a:solidFill>
+                  <a:schemeClr val="bg1"/>
+                </a:solidFill>
+                <a:latin typeface="Arial" panose="020B0604020202020204" pitchFamily="34" charset="0"/>
+                <a:ea typeface="HGP創英角ｺﾞｼｯｸUB" pitchFamily="50" charset="-128"/>
+                <a:cs typeface="Arial" panose="020B0604020202020204" pitchFamily="34" charset="0"/>
+              </a:rPr>
+              <a:t>Issue</a:t>
+            </a:r>
+            <a:endParaRPr kumimoji="1" lang="en-US" altLang="ja-JP" sz="2000" b="1" dirty="0">
+              <a:solidFill>
+                <a:schemeClr val="bg1"/>
+              </a:solidFill>
+              <a:latin typeface="Arial" panose="020B0604020202020204" pitchFamily="34" charset="0"/>
+              <a:ea typeface="HGP創英角ｺﾞｼｯｸUB" pitchFamily="50" charset="-128"/>
+              <a:cs typeface="Arial" panose="020B0604020202020204" pitchFamily="34" charset="0"/>
+            </a:endParaRPr>
+          </a:p>
+        </p:txBody>
+      </p:sp>
+      <p:sp>
+        <p:nvSpPr>
+          <p:cNvPr id="8" name="Rectangle 5"/>
+          <p:cNvSpPr>
+            <a:spLocks noChangeArrowheads="1"/>
+          </p:cNvSpPr>
+          <p:nvPr/>
+        </p:nvSpPr>
+        <p:spPr bwMode="auto">
+          <a:xfrm>
+            <a:off x="2514599" y="1418990"/>
+            <a:ext cx="5029201" cy="377025"/>
+          </a:xfrm>
+          <a:prstGeom prst="rect">
+            <a:avLst/>
+          </a:prstGeom>
+          <a:solidFill>
+            <a:srgbClr val="0000CC"/>
+          </a:solidFill>
+          <a:ln w="9525">
+            <a:solidFill>
+              <a:srgbClr val="333399"/>
+            </a:solidFill>
+            <a:miter lim="800000"/>
+            <a:headEnd/>
+            <a:tailEnd/>
+          </a:ln>
+        </p:spPr>
+        <p:txBody>
+          <a:bodyPr wrap="none" anchor="ctr"/>
+          <a:lstStyle>
+            <a:lvl1pPr eaLnBrk="0" hangingPunct="0">
+              <a:defRPr>
+                <a:solidFill>
+                  <a:schemeClr val="tx1"/>
+                </a:solidFill>
+                <a:latin typeface="Arial" charset="0"/>
+                <a:cs typeface="Arial" charset="0"/>
+              </a:defRPr>
+            </a:lvl1pPr>
+            <a:lvl2pPr marL="742950" indent="-285750" eaLnBrk="0" hangingPunct="0">
+              <a:defRPr>
+                <a:solidFill>
+                  <a:schemeClr val="tx1"/>
+                </a:solidFill>
+                <a:latin typeface="Arial" charset="0"/>
+                <a:cs typeface="Arial" charset="0"/>
+              </a:defRPr>
+            </a:lvl2pPr>
+            <a:lvl3pPr marL="1143000" indent="-228600" eaLnBrk="0" hangingPunct="0">
+              <a:defRPr>
+                <a:solidFill>
+                  <a:schemeClr val="tx1"/>
+                </a:solidFill>
+                <a:latin typeface="Arial" charset="0"/>
+                <a:cs typeface="Arial" charset="0"/>
+              </a:defRPr>
+            </a:lvl3pPr>
+            <a:lvl4pPr marL="1600200" indent="-228600" eaLnBrk="0" hangingPunct="0">
+              <a:defRPr>
+                <a:solidFill>
+                  <a:schemeClr val="tx1"/>
+                </a:solidFill>
+                <a:latin typeface="Arial" charset="0"/>
+                <a:cs typeface="Arial" charset="0"/>
+              </a:defRPr>
+            </a:lvl4pPr>
+            <a:lvl5pPr marL="2057400" indent="-228600" eaLnBrk="0" hangingPunct="0">
+              <a:defRPr>
+                <a:solidFill>
+                  <a:schemeClr val="tx1"/>
+                </a:solidFill>
+                <a:latin typeface="Arial" charset="0"/>
+                <a:cs typeface="Arial" charset="0"/>
+              </a:defRPr>
+            </a:lvl5pPr>
+            <a:lvl6pPr marL="2514600" indent="-228600" eaLnBrk="0" fontAlgn="base" hangingPunct="0">
+              <a:spcBef>
+                <a:spcPct val="0"/>
+              </a:spcBef>
+              <a:spcAft>
+                <a:spcPct val="0"/>
+              </a:spcAft>
+              <a:defRPr>
+                <a:solidFill>
+                  <a:schemeClr val="tx1"/>
+                </a:solidFill>
+                <a:latin typeface="Arial" charset="0"/>
+                <a:cs typeface="Arial" charset="0"/>
+              </a:defRPr>
+            </a:lvl6pPr>
+            <a:lvl7pPr marL="2971800" indent="-228600" eaLnBrk="0" fontAlgn="base" hangingPunct="0">
+              <a:spcBef>
+                <a:spcPct val="0"/>
+              </a:spcBef>
+              <a:spcAft>
+                <a:spcPct val="0"/>
+              </a:spcAft>
+              <a:defRPr>
+                <a:solidFill>
+                  <a:schemeClr val="tx1"/>
+                </a:solidFill>
+                <a:latin typeface="Arial" charset="0"/>
+                <a:cs typeface="Arial" charset="0"/>
+              </a:defRPr>
+            </a:lvl7pPr>
+            <a:lvl8pPr marL="3429000" indent="-228600" eaLnBrk="0" fontAlgn="base" hangingPunct="0">
+              <a:spcBef>
+                <a:spcPct val="0"/>
+              </a:spcBef>
+              <a:spcAft>
+                <a:spcPct val="0"/>
+              </a:spcAft>
+              <a:defRPr>
+                <a:solidFill>
+                  <a:schemeClr val="tx1"/>
+                </a:solidFill>
+                <a:latin typeface="Arial" charset="0"/>
+                <a:cs typeface="Arial" charset="0"/>
+              </a:defRPr>
+            </a:lvl8pPr>
+            <a:lvl9pPr marL="3886200" indent="-228600" eaLnBrk="0" fontAlgn="base" hangingPunct="0">
+              <a:spcBef>
+                <a:spcPct val="0"/>
+              </a:spcBef>
+              <a:spcAft>
+                <a:spcPct val="0"/>
+              </a:spcAft>
+              <a:defRPr>
+                <a:solidFill>
+                  <a:schemeClr val="tx1"/>
+                </a:solidFill>
+                <a:latin typeface="Arial" charset="0"/>
+                <a:cs typeface="Arial" charset="0"/>
+              </a:defRPr>
+            </a:lvl9pPr>
+          </a:lstStyle>
+          <a:p>
+            <a:pPr algn="ctr" eaLnBrk="1" hangingPunct="1"/>
+            <a:r>
+              <a:rPr kumimoji="1" lang="en-US" altLang="ja-JP" sz="2000" b="1" dirty="0">
+                <a:solidFill>
+                  <a:schemeClr val="bg1"/>
+                </a:solidFill>
+                <a:latin typeface="Arial" panose="020B0604020202020204" pitchFamily="34" charset="0"/>
+                <a:ea typeface="HGP創英角ｺﾞｼｯｸUB" pitchFamily="50" charset="-128"/>
+                <a:cs typeface="Arial" panose="020B0604020202020204" pitchFamily="34" charset="0"/>
+              </a:rPr>
+              <a:t>Corrective Action</a:t>
+            </a:r>
+          </a:p>
+        </p:txBody>
+      </p:sp>
+      <p:sp>
+        <p:nvSpPr>
+          <p:cNvPr id="12" name="Rectangle 9"/>
+          <p:cNvSpPr>
+            <a:spLocks noChangeArrowheads="1"/>
+          </p:cNvSpPr>
+          <p:nvPr/>
+        </p:nvSpPr>
+        <p:spPr bwMode="auto">
+          <a:xfrm>
+            <a:off x="7585601" y="1417388"/>
+            <a:ext cx="1511140" cy="380230"/>
+          </a:xfrm>
+          <a:prstGeom prst="rect">
+            <a:avLst/>
+          </a:prstGeom>
+          <a:solidFill>
+            <a:srgbClr val="0000CC"/>
+          </a:solidFill>
+          <a:ln w="9525">
+            <a:solidFill>
+              <a:srgbClr val="333399"/>
+            </a:solidFill>
+            <a:miter lim="800000"/>
+            <a:headEnd/>
+            <a:tailEnd/>
+          </a:ln>
+        </p:spPr>
+        <p:txBody>
+          <a:bodyPr wrap="none" anchor="ctr"/>
+          <a:lstStyle>
+            <a:lvl1pPr eaLnBrk="0" hangingPunct="0">
+              <a:defRPr>
+                <a:solidFill>
+                  <a:schemeClr val="tx1"/>
+                </a:solidFill>
+                <a:latin typeface="Arial" charset="0"/>
+                <a:cs typeface="Arial" charset="0"/>
+              </a:defRPr>
+            </a:lvl1pPr>
+            <a:lvl2pPr marL="742950" indent="-285750" eaLnBrk="0" hangingPunct="0">
+              <a:defRPr>
+                <a:solidFill>
+                  <a:schemeClr val="tx1"/>
+                </a:solidFill>
+                <a:latin typeface="Arial" charset="0"/>
+                <a:cs typeface="Arial" charset="0"/>
+              </a:defRPr>
+            </a:lvl2pPr>
+            <a:lvl3pPr marL="1143000" indent="-228600" eaLnBrk="0" hangingPunct="0">
+              <a:defRPr>
+                <a:solidFill>
+                  <a:schemeClr val="tx1"/>
+                </a:solidFill>
+                <a:latin typeface="Arial" charset="0"/>
+                <a:cs typeface="Arial" charset="0"/>
+              </a:defRPr>
+            </a:lvl3pPr>
+            <a:lvl4pPr marL="1600200" indent="-228600" eaLnBrk="0" hangingPunct="0">
+              <a:defRPr>
+                <a:solidFill>
+                  <a:schemeClr val="tx1"/>
+                </a:solidFill>
+                <a:latin typeface="Arial" charset="0"/>
+                <a:cs typeface="Arial" charset="0"/>
+              </a:defRPr>
+            </a:lvl4pPr>
+            <a:lvl5pPr marL="2057400" indent="-228600" eaLnBrk="0" hangingPunct="0">
+              <a:defRPr>
+                <a:solidFill>
+                  <a:schemeClr val="tx1"/>
+                </a:solidFill>
+                <a:latin typeface="Arial" charset="0"/>
+                <a:cs typeface="Arial" charset="0"/>
+              </a:defRPr>
+            </a:lvl5pPr>
+            <a:lvl6pPr marL="2514600" indent="-228600" eaLnBrk="0" fontAlgn="base" hangingPunct="0">
+              <a:spcBef>
+                <a:spcPct val="0"/>
+              </a:spcBef>
+              <a:spcAft>
+                <a:spcPct val="0"/>
+              </a:spcAft>
+              <a:defRPr>
+                <a:solidFill>
+                  <a:schemeClr val="tx1"/>
+                </a:solidFill>
+                <a:latin typeface="Arial" charset="0"/>
+                <a:cs typeface="Arial" charset="0"/>
+              </a:defRPr>
+            </a:lvl6pPr>
+            <a:lvl7pPr marL="2971800" indent="-228600" eaLnBrk="0" fontAlgn="base" hangingPunct="0">
+              <a:spcBef>
+                <a:spcPct val="0"/>
+              </a:spcBef>
+              <a:spcAft>
+                <a:spcPct val="0"/>
+              </a:spcAft>
+              <a:defRPr>
+                <a:solidFill>
+                  <a:schemeClr val="tx1"/>
+                </a:solidFill>
+                <a:latin typeface="Arial" charset="0"/>
+                <a:cs typeface="Arial" charset="0"/>
+              </a:defRPr>
+            </a:lvl7pPr>
+            <a:lvl8pPr marL="3429000" indent="-228600" eaLnBrk="0" fontAlgn="base" hangingPunct="0">
+              <a:spcBef>
+                <a:spcPct val="0"/>
+              </a:spcBef>
+              <a:spcAft>
+                <a:spcPct val="0"/>
+              </a:spcAft>
+              <a:defRPr>
+                <a:solidFill>
+                  <a:schemeClr val="tx1"/>
+                </a:solidFill>
+                <a:latin typeface="Arial" charset="0"/>
+                <a:cs typeface="Arial" charset="0"/>
+              </a:defRPr>
+            </a:lvl8pPr>
+            <a:lvl9pPr marL="3886200" indent="-228600" eaLnBrk="0" fontAlgn="base" hangingPunct="0">
+              <a:spcBef>
+                <a:spcPct val="0"/>
+              </a:spcBef>
+              <a:spcAft>
+                <a:spcPct val="0"/>
+              </a:spcAft>
+              <a:defRPr>
+                <a:solidFill>
+                  <a:schemeClr val="tx1"/>
+                </a:solidFill>
+                <a:latin typeface="Arial" charset="0"/>
+                <a:cs typeface="Arial" charset="0"/>
+              </a:defRPr>
+            </a:lvl9pPr>
+          </a:lstStyle>
+          <a:p>
+            <a:pPr algn="ctr" eaLnBrk="1" hangingPunct="1"/>
+            <a:r>
+              <a:rPr kumimoji="1" lang="en-US" altLang="ja-JP" sz="2000" b="1" dirty="0" smtClean="0">
+                <a:solidFill>
+                  <a:schemeClr val="bg1"/>
+                </a:solidFill>
+                <a:latin typeface="Arial" panose="020B0604020202020204" pitchFamily="34" charset="0"/>
+                <a:ea typeface="HGP創英角ｺﾞｼｯｸUB" pitchFamily="50" charset="-128"/>
+                <a:cs typeface="Arial" panose="020B0604020202020204" pitchFamily="34" charset="0"/>
+              </a:rPr>
+              <a:t>Result</a:t>
+            </a:r>
+            <a:endParaRPr kumimoji="1" lang="en-US" altLang="ja-JP" sz="2000" b="1" dirty="0">
+              <a:solidFill>
+                <a:schemeClr val="bg1"/>
+              </a:solidFill>
+              <a:latin typeface="Arial" panose="020B0604020202020204" pitchFamily="34" charset="0"/>
+              <a:ea typeface="HGP創英角ｺﾞｼｯｸUB" pitchFamily="50" charset="-128"/>
+              <a:cs typeface="Arial" panose="020B0604020202020204" pitchFamily="34" charset="0"/>
+            </a:endParaRPr>
+          </a:p>
+        </p:txBody>
+      </p:sp>
+      <p:sp>
+        <p:nvSpPr>
+          <p:cNvPr id="13" name="Rectangle 8"/>
+          <p:cNvSpPr>
+            <a:spLocks noChangeArrowheads="1"/>
+          </p:cNvSpPr>
+          <p:nvPr/>
+        </p:nvSpPr>
+        <p:spPr bwMode="auto">
+          <a:xfrm>
+            <a:off x="47260" y="1832318"/>
+            <a:ext cx="2425538" cy="5025682"/>
+          </a:xfrm>
+          <a:prstGeom prst="rect">
+            <a:avLst/>
+          </a:prstGeom>
+          <a:noFill/>
+          <a:ln w="3175">
+            <a:solidFill>
+              <a:srgbClr val="0E067C"/>
+            </a:solidFill>
+            <a:miter lim="800000"/>
+            <a:headEnd/>
+            <a:tailEnd/>
+          </a:ln>
+          <a:extLst>
+            <a:ext uri="{909E8E84-426E-40DD-AFC4-6F175D3DCCD1}">
+              <a14:hiddenFill xmlns:a14="http://schemas.microsoft.com/office/drawing/2010/main">
+                <a:solidFill>
+                  <a:srgbClr val="FFFFFF"/>
+                </a:solidFill>
+              </a14:hiddenFill>
+            </a:ext>
+          </a:extLst>
+        </p:spPr>
+        <p:txBody>
+          <a:bodyPr wrap="none" anchor="ctr"/>
+          <a:lstStyle>
+            <a:lvl1pPr eaLnBrk="0" hangingPunct="0">
+              <a:defRPr>
+                <a:solidFill>
+                  <a:schemeClr val="tx1"/>
+                </a:solidFill>
+                <a:latin typeface="Arial" charset="0"/>
+                <a:cs typeface="Arial" charset="0"/>
+              </a:defRPr>
+            </a:lvl1pPr>
+            <a:lvl2pPr marL="742950" indent="-285750" eaLnBrk="0" hangingPunct="0">
+              <a:defRPr>
+                <a:solidFill>
+                  <a:schemeClr val="tx1"/>
+                </a:solidFill>
+                <a:latin typeface="Arial" charset="0"/>
+                <a:cs typeface="Arial" charset="0"/>
+              </a:defRPr>
+            </a:lvl2pPr>
+            <a:lvl3pPr marL="1143000" indent="-228600" eaLnBrk="0" hangingPunct="0">
+              <a:defRPr>
+                <a:solidFill>
+                  <a:schemeClr val="tx1"/>
+                </a:solidFill>
+                <a:latin typeface="Arial" charset="0"/>
+                <a:cs typeface="Arial" charset="0"/>
+              </a:defRPr>
+            </a:lvl3pPr>
+            <a:lvl4pPr marL="1600200" indent="-228600" eaLnBrk="0" hangingPunct="0">
+              <a:defRPr>
+                <a:solidFill>
+                  <a:schemeClr val="tx1"/>
+                </a:solidFill>
+                <a:latin typeface="Arial" charset="0"/>
+                <a:cs typeface="Arial" charset="0"/>
+              </a:defRPr>
+            </a:lvl4pPr>
+            <a:lvl5pPr marL="2057400" indent="-228600" eaLnBrk="0" hangingPunct="0">
+              <a:defRPr>
+                <a:solidFill>
+                  <a:schemeClr val="tx1"/>
+                </a:solidFill>
+                <a:latin typeface="Arial" charset="0"/>
+                <a:cs typeface="Arial" charset="0"/>
+              </a:defRPr>
+            </a:lvl5pPr>
+            <a:lvl6pPr marL="2514600" indent="-228600" eaLnBrk="0" fontAlgn="base" hangingPunct="0">
+              <a:spcBef>
+                <a:spcPct val="0"/>
+              </a:spcBef>
+              <a:spcAft>
+                <a:spcPct val="0"/>
+              </a:spcAft>
+              <a:defRPr>
+                <a:solidFill>
+                  <a:schemeClr val="tx1"/>
+                </a:solidFill>
+                <a:latin typeface="Arial" charset="0"/>
+                <a:cs typeface="Arial" charset="0"/>
+              </a:defRPr>
+            </a:lvl6pPr>
+            <a:lvl7pPr marL="2971800" indent="-228600" eaLnBrk="0" fontAlgn="base" hangingPunct="0">
+              <a:spcBef>
+                <a:spcPct val="0"/>
+              </a:spcBef>
+              <a:spcAft>
+                <a:spcPct val="0"/>
+              </a:spcAft>
+              <a:defRPr>
+                <a:solidFill>
+                  <a:schemeClr val="tx1"/>
+                </a:solidFill>
+                <a:latin typeface="Arial" charset="0"/>
+                <a:cs typeface="Arial" charset="0"/>
+              </a:defRPr>
+            </a:lvl7pPr>
+            <a:lvl8pPr marL="3429000" indent="-228600" eaLnBrk="0" fontAlgn="base" hangingPunct="0">
+              <a:spcBef>
+                <a:spcPct val="0"/>
+              </a:spcBef>
+              <a:spcAft>
+                <a:spcPct val="0"/>
+              </a:spcAft>
+              <a:defRPr>
+                <a:solidFill>
+                  <a:schemeClr val="tx1"/>
+                </a:solidFill>
+                <a:latin typeface="Arial" charset="0"/>
+                <a:cs typeface="Arial" charset="0"/>
+              </a:defRPr>
+            </a:lvl8pPr>
+            <a:lvl9pPr marL="3886200" indent="-228600" eaLnBrk="0" fontAlgn="base" hangingPunct="0">
+              <a:spcBef>
+                <a:spcPct val="0"/>
+              </a:spcBef>
+              <a:spcAft>
+                <a:spcPct val="0"/>
+              </a:spcAft>
+              <a:defRPr>
+                <a:solidFill>
+                  <a:schemeClr val="tx1"/>
+                </a:solidFill>
+                <a:latin typeface="Arial" charset="0"/>
+                <a:cs typeface="Arial" charset="0"/>
+              </a:defRPr>
+            </a:lvl9pPr>
+          </a:lstStyle>
+          <a:p>
+            <a:pPr eaLnBrk="1" hangingPunct="1"/>
+            <a:endParaRPr lang="vi-VN" altLang="en-US">
+              <a:latin typeface="Arial" panose="020B0604020202020204" pitchFamily="34" charset="0"/>
+              <a:cs typeface="Arial" panose="020B0604020202020204" pitchFamily="34" charset="0"/>
+            </a:endParaRPr>
+          </a:p>
+        </p:txBody>
+      </p:sp>
+      <p:sp>
+        <p:nvSpPr>
+          <p:cNvPr id="14" name="Rectangle 8"/>
+          <p:cNvSpPr>
+            <a:spLocks noChangeArrowheads="1"/>
+          </p:cNvSpPr>
+          <p:nvPr/>
+        </p:nvSpPr>
+        <p:spPr bwMode="auto">
+          <a:xfrm>
+            <a:off x="2514599" y="1832318"/>
+            <a:ext cx="5029201" cy="5025682"/>
+          </a:xfrm>
+          <a:prstGeom prst="rect">
+            <a:avLst/>
+          </a:prstGeom>
+          <a:noFill/>
+          <a:ln w="3175">
+            <a:solidFill>
+              <a:srgbClr val="0E067C"/>
+            </a:solidFill>
+            <a:miter lim="800000"/>
+            <a:headEnd/>
+            <a:tailEnd/>
+          </a:ln>
+          <a:extLst>
+            <a:ext uri="{909E8E84-426E-40DD-AFC4-6F175D3DCCD1}">
+              <a14:hiddenFill xmlns:a14="http://schemas.microsoft.com/office/drawing/2010/main">
+                <a:solidFill>
+                  <a:srgbClr val="FFFFFF"/>
+                </a:solidFill>
+              </a14:hiddenFill>
+            </a:ext>
+          </a:extLst>
+        </p:spPr>
+        <p:txBody>
+          <a:bodyPr wrap="none" anchor="ctr"/>
+          <a:lstStyle>
+            <a:lvl1pPr eaLnBrk="0" hangingPunct="0">
+              <a:defRPr>
+                <a:solidFill>
+                  <a:schemeClr val="tx1"/>
+                </a:solidFill>
+                <a:latin typeface="Arial" charset="0"/>
+                <a:cs typeface="Arial" charset="0"/>
+              </a:defRPr>
+            </a:lvl1pPr>
+            <a:lvl2pPr marL="742950" indent="-285750" eaLnBrk="0" hangingPunct="0">
+              <a:defRPr>
+                <a:solidFill>
+                  <a:schemeClr val="tx1"/>
+                </a:solidFill>
+                <a:latin typeface="Arial" charset="0"/>
+                <a:cs typeface="Arial" charset="0"/>
+              </a:defRPr>
+            </a:lvl2pPr>
+            <a:lvl3pPr marL="1143000" indent="-228600" eaLnBrk="0" hangingPunct="0">
+              <a:defRPr>
+                <a:solidFill>
+                  <a:schemeClr val="tx1"/>
+                </a:solidFill>
+                <a:latin typeface="Arial" charset="0"/>
+                <a:cs typeface="Arial" charset="0"/>
+              </a:defRPr>
+            </a:lvl3pPr>
+            <a:lvl4pPr marL="1600200" indent="-228600" eaLnBrk="0" hangingPunct="0">
+              <a:defRPr>
+                <a:solidFill>
+                  <a:schemeClr val="tx1"/>
+                </a:solidFill>
+                <a:latin typeface="Arial" charset="0"/>
+                <a:cs typeface="Arial" charset="0"/>
+              </a:defRPr>
+            </a:lvl4pPr>
+            <a:lvl5pPr marL="2057400" indent="-228600" eaLnBrk="0" hangingPunct="0">
+              <a:defRPr>
+                <a:solidFill>
+                  <a:schemeClr val="tx1"/>
+                </a:solidFill>
+                <a:latin typeface="Arial" charset="0"/>
+                <a:cs typeface="Arial" charset="0"/>
+              </a:defRPr>
+            </a:lvl5pPr>
+            <a:lvl6pPr marL="2514600" indent="-228600" eaLnBrk="0" fontAlgn="base" hangingPunct="0">
+              <a:spcBef>
+                <a:spcPct val="0"/>
+              </a:spcBef>
+              <a:spcAft>
+                <a:spcPct val="0"/>
+              </a:spcAft>
+              <a:defRPr>
+                <a:solidFill>
+                  <a:schemeClr val="tx1"/>
+                </a:solidFill>
+                <a:latin typeface="Arial" charset="0"/>
+                <a:cs typeface="Arial" charset="0"/>
+              </a:defRPr>
+            </a:lvl6pPr>
+            <a:lvl7pPr marL="2971800" indent="-228600" eaLnBrk="0" fontAlgn="base" hangingPunct="0">
+              <a:spcBef>
+                <a:spcPct val="0"/>
+              </a:spcBef>
+              <a:spcAft>
+                <a:spcPct val="0"/>
+              </a:spcAft>
+              <a:defRPr>
+                <a:solidFill>
+                  <a:schemeClr val="tx1"/>
+                </a:solidFill>
+                <a:latin typeface="Arial" charset="0"/>
+                <a:cs typeface="Arial" charset="0"/>
+              </a:defRPr>
+            </a:lvl7pPr>
+            <a:lvl8pPr marL="3429000" indent="-228600" eaLnBrk="0" fontAlgn="base" hangingPunct="0">
+              <a:spcBef>
+                <a:spcPct val="0"/>
+              </a:spcBef>
+              <a:spcAft>
+                <a:spcPct val="0"/>
+              </a:spcAft>
+              <a:defRPr>
+                <a:solidFill>
+                  <a:schemeClr val="tx1"/>
+                </a:solidFill>
+                <a:latin typeface="Arial" charset="0"/>
+                <a:cs typeface="Arial" charset="0"/>
+              </a:defRPr>
+            </a:lvl8pPr>
+            <a:lvl9pPr marL="3886200" indent="-228600" eaLnBrk="0" fontAlgn="base" hangingPunct="0">
+              <a:spcBef>
+                <a:spcPct val="0"/>
+              </a:spcBef>
+              <a:spcAft>
+                <a:spcPct val="0"/>
+              </a:spcAft>
+              <a:defRPr>
+                <a:solidFill>
+                  <a:schemeClr val="tx1"/>
+                </a:solidFill>
+                <a:latin typeface="Arial" charset="0"/>
+                <a:cs typeface="Arial" charset="0"/>
+              </a:defRPr>
+            </a:lvl9pPr>
+          </a:lstStyle>
+          <a:p>
+            <a:pPr eaLnBrk="1" hangingPunct="1"/>
+            <a:endParaRPr lang="vi-VN" altLang="en-US">
+              <a:latin typeface="Arial" panose="020B0604020202020204" pitchFamily="34" charset="0"/>
+              <a:cs typeface="Arial" panose="020B0604020202020204" pitchFamily="34" charset="0"/>
+            </a:endParaRPr>
+          </a:p>
+        </p:txBody>
+      </p:sp>
+      <p:sp>
+        <p:nvSpPr>
+          <p:cNvPr id="15" name="Rectangle 10"/>
+          <p:cNvSpPr>
+            <a:spLocks noChangeArrowheads="1"/>
+          </p:cNvSpPr>
+          <p:nvPr/>
+        </p:nvSpPr>
+        <p:spPr bwMode="auto">
+          <a:xfrm>
+            <a:off x="7585601" y="1832318"/>
+            <a:ext cx="1511140" cy="5025682"/>
+          </a:xfrm>
+          <a:prstGeom prst="rect">
+            <a:avLst/>
+          </a:prstGeom>
+          <a:noFill/>
+          <a:ln w="3175">
+            <a:solidFill>
+              <a:srgbClr val="0E067C"/>
+            </a:solidFill>
+            <a:miter lim="800000"/>
+            <a:headEnd/>
+            <a:tailEnd/>
+          </a:ln>
+          <a:extLst>
+            <a:ext uri="{909E8E84-426E-40DD-AFC4-6F175D3DCCD1}">
+              <a14:hiddenFill xmlns:a14="http://schemas.microsoft.com/office/drawing/2010/main">
+                <a:solidFill>
+                  <a:srgbClr val="FFFFFF"/>
+                </a:solidFill>
+              </a14:hiddenFill>
+            </a:ext>
+          </a:extLst>
+        </p:spPr>
+        <p:txBody>
+          <a:bodyPr wrap="none" anchor="ctr"/>
+          <a:lstStyle>
+            <a:lvl1pPr eaLnBrk="0" hangingPunct="0">
+              <a:defRPr>
+                <a:solidFill>
+                  <a:schemeClr val="tx1"/>
+                </a:solidFill>
+                <a:latin typeface="Arial" charset="0"/>
+                <a:cs typeface="Arial" charset="0"/>
+              </a:defRPr>
+            </a:lvl1pPr>
+            <a:lvl2pPr marL="742950" indent="-285750" eaLnBrk="0" hangingPunct="0">
+              <a:defRPr>
+                <a:solidFill>
+                  <a:schemeClr val="tx1"/>
+                </a:solidFill>
+                <a:latin typeface="Arial" charset="0"/>
+                <a:cs typeface="Arial" charset="0"/>
+              </a:defRPr>
+            </a:lvl2pPr>
+            <a:lvl3pPr marL="1143000" indent="-228600" eaLnBrk="0" hangingPunct="0">
+              <a:defRPr>
+                <a:solidFill>
+                  <a:schemeClr val="tx1"/>
+                </a:solidFill>
+                <a:latin typeface="Arial" charset="0"/>
+                <a:cs typeface="Arial" charset="0"/>
+              </a:defRPr>
+            </a:lvl3pPr>
+            <a:lvl4pPr marL="1600200" indent="-228600" eaLnBrk="0" hangingPunct="0">
+              <a:defRPr>
+                <a:solidFill>
+                  <a:schemeClr val="tx1"/>
+                </a:solidFill>
+                <a:latin typeface="Arial" charset="0"/>
+                <a:cs typeface="Arial" charset="0"/>
+              </a:defRPr>
+            </a:lvl4pPr>
+            <a:lvl5pPr marL="2057400" indent="-228600" eaLnBrk="0" hangingPunct="0">
+              <a:defRPr>
+                <a:solidFill>
+                  <a:schemeClr val="tx1"/>
+                </a:solidFill>
+                <a:latin typeface="Arial" charset="0"/>
+                <a:cs typeface="Arial" charset="0"/>
+              </a:defRPr>
+            </a:lvl5pPr>
+            <a:lvl6pPr marL="2514600" indent="-228600" eaLnBrk="0" fontAlgn="base" hangingPunct="0">
+              <a:spcBef>
+                <a:spcPct val="0"/>
+              </a:spcBef>
+              <a:spcAft>
+                <a:spcPct val="0"/>
+              </a:spcAft>
+              <a:defRPr>
+                <a:solidFill>
+                  <a:schemeClr val="tx1"/>
+                </a:solidFill>
+                <a:latin typeface="Arial" charset="0"/>
+                <a:cs typeface="Arial" charset="0"/>
+              </a:defRPr>
+            </a:lvl6pPr>
+            <a:lvl7pPr marL="2971800" indent="-228600" eaLnBrk="0" fontAlgn="base" hangingPunct="0">
+              <a:spcBef>
+                <a:spcPct val="0"/>
+              </a:spcBef>
+              <a:spcAft>
+                <a:spcPct val="0"/>
+              </a:spcAft>
+              <a:defRPr>
+                <a:solidFill>
+                  <a:schemeClr val="tx1"/>
+                </a:solidFill>
+                <a:latin typeface="Arial" charset="0"/>
+                <a:cs typeface="Arial" charset="0"/>
+              </a:defRPr>
+            </a:lvl7pPr>
+            <a:lvl8pPr marL="3429000" indent="-228600" eaLnBrk="0" fontAlgn="base" hangingPunct="0">
+              <a:spcBef>
+                <a:spcPct val="0"/>
+              </a:spcBef>
+              <a:spcAft>
+                <a:spcPct val="0"/>
+              </a:spcAft>
+              <a:defRPr>
+                <a:solidFill>
+                  <a:schemeClr val="tx1"/>
+                </a:solidFill>
+                <a:latin typeface="Arial" charset="0"/>
+                <a:cs typeface="Arial" charset="0"/>
+              </a:defRPr>
+            </a:lvl8pPr>
+            <a:lvl9pPr marL="3886200" indent="-228600" eaLnBrk="0" fontAlgn="base" hangingPunct="0">
+              <a:spcBef>
+                <a:spcPct val="0"/>
+              </a:spcBef>
+              <a:spcAft>
+                <a:spcPct val="0"/>
+              </a:spcAft>
+              <a:defRPr>
+                <a:solidFill>
+                  <a:schemeClr val="tx1"/>
+                </a:solidFill>
+                <a:latin typeface="Arial" charset="0"/>
+                <a:cs typeface="Arial" charset="0"/>
+              </a:defRPr>
+            </a:lvl9pPr>
+          </a:lstStyle>
+          <a:p>
+            <a:pPr eaLnBrk="1" hangingPunct="1"/>
+            <a:endParaRPr lang="vi-VN" altLang="en-US">
+              <a:solidFill>
+                <a:srgbClr val="003399"/>
+              </a:solidFill>
+              <a:latin typeface="Arial" panose="020B0604020202020204" pitchFamily="34" charset="0"/>
+              <a:cs typeface="Arial" panose="020B0604020202020204" pitchFamily="34" charset="0"/>
+            </a:endParaRPr>
+          </a:p>
+        </p:txBody>
+      </p:sp>
+      <p:sp>
+        <p:nvSpPr>
+          <p:cNvPr id="16" name="Rectangle 15"/>
+          <p:cNvSpPr/>
+          <p:nvPr/>
+        </p:nvSpPr>
+        <p:spPr>
+          <a:xfrm>
+            <a:off x="158677" y="1880876"/>
+            <a:ext cx="2264742" cy="1243324"/>
+          </a:xfrm>
+          <a:prstGeom prst="rect">
+            <a:avLst/>
+          </a:prstGeom>
+          <a:noFill/>
+          <a:ln>
+            <a:noFill/>
+          </a:ln>
+        </p:spPr>
+        <p:style>
+          <a:lnRef idx="2">
+            <a:schemeClr val="accent1">
+              <a:shade val="50000"/>
+            </a:schemeClr>
+          </a:lnRef>
+          <a:fillRef idx="1">
+            <a:schemeClr val="accent1"/>
+          </a:fillRef>
+          <a:effectRef idx="0">
+            <a:schemeClr val="accent1"/>
+          </a:effectRef>
+          <a:fontRef idx="minor">
+            <a:schemeClr val="lt1"/>
+          </a:fontRef>
+        </p:style>
+        <p:txBody>
+          <a:bodyPr lIns="0" tIns="0" rIns="0" bIns="0" rtlCol="0" anchor="ctr"/>
+          <a:lstStyle/>
+          <a:p>
+            <a:r>
+              <a:rPr lang="en-US" sz="2000" dirty="0" smtClean="0">
+                <a:solidFill>
+                  <a:srgbClr val="1508B8"/>
+                </a:solidFill>
+              </a:rPr>
+              <a:t>[1</a:t>
+            </a:r>
+            <a:r>
+              <a:rPr lang="en-US" sz="2000" dirty="0">
+                <a:solidFill>
+                  <a:srgbClr val="1508B8"/>
+                </a:solidFill>
+                <a:latin typeface="Arial" panose="020B0604020202020204" pitchFamily="34" charset="0"/>
+                <a:cs typeface="Arial" panose="020B0604020202020204" pitchFamily="34" charset="0"/>
+              </a:rPr>
+              <a:t>] </a:t>
+            </a:r>
+            <a:r>
+              <a:rPr lang="en-US" sz="2000" dirty="0" smtClean="0">
+                <a:solidFill>
+                  <a:srgbClr val="1508B8"/>
+                </a:solidFill>
+                <a:latin typeface="Arial" panose="020B0604020202020204" pitchFamily="34" charset="0"/>
+                <a:cs typeface="Arial" panose="020B0604020202020204" pitchFamily="34" charset="0"/>
+              </a:rPr>
+              <a:t>Survey </a:t>
+            </a:r>
+            <a:r>
+              <a:rPr lang="en-US" sz="2000" dirty="0">
+                <a:solidFill>
+                  <a:srgbClr val="1508B8"/>
+                </a:solidFill>
+                <a:latin typeface="Arial" panose="020B0604020202020204" pitchFamily="34" charset="0"/>
+                <a:cs typeface="Arial" panose="020B0604020202020204" pitchFamily="34" charset="0"/>
+              </a:rPr>
+              <a:t>all process and build standard management</a:t>
+            </a:r>
+            <a:endParaRPr lang="en-US" sz="2000" dirty="0">
+              <a:solidFill>
+                <a:srgbClr val="1508B8"/>
+              </a:solidFill>
+              <a:latin typeface="Arial" panose="020B0604020202020204" pitchFamily="34" charset="0"/>
+              <a:cs typeface="Arial" panose="020B0604020202020204" pitchFamily="34" charset="0"/>
+            </a:endParaRPr>
+          </a:p>
+        </p:txBody>
+      </p:sp>
+      <p:sp>
+        <p:nvSpPr>
+          <p:cNvPr id="17" name="Rectangle 16"/>
+          <p:cNvSpPr/>
+          <p:nvPr/>
+        </p:nvSpPr>
+        <p:spPr>
+          <a:xfrm>
+            <a:off x="102968" y="4835289"/>
+            <a:ext cx="2264742" cy="604988"/>
+          </a:xfrm>
+          <a:prstGeom prst="rect">
+            <a:avLst/>
+          </a:prstGeom>
+          <a:noFill/>
+          <a:ln>
+            <a:noFill/>
+          </a:ln>
+        </p:spPr>
+        <p:style>
+          <a:lnRef idx="2">
+            <a:schemeClr val="accent1">
+              <a:shade val="50000"/>
+            </a:schemeClr>
+          </a:lnRef>
+          <a:fillRef idx="1">
+            <a:schemeClr val="accent1"/>
+          </a:fillRef>
+          <a:effectRef idx="0">
+            <a:schemeClr val="accent1"/>
+          </a:effectRef>
+          <a:fontRef idx="minor">
+            <a:schemeClr val="lt1"/>
+          </a:fontRef>
+        </p:style>
+        <p:txBody>
+          <a:bodyPr lIns="0" tIns="0" rIns="0" bIns="0" rtlCol="0" anchor="ctr"/>
+          <a:lstStyle/>
+          <a:p>
+            <a:r>
+              <a:rPr lang="en-US" sz="2000" dirty="0" smtClean="0">
+                <a:solidFill>
+                  <a:srgbClr val="1508B8"/>
+                </a:solidFill>
+                <a:latin typeface="Arial" panose="020B0604020202020204" pitchFamily="34" charset="0"/>
+                <a:cs typeface="Arial" panose="020B0604020202020204" pitchFamily="34" charset="0"/>
+              </a:rPr>
+              <a:t>[2] </a:t>
+            </a:r>
+            <a:r>
+              <a:rPr lang="en-US" sz="2000" dirty="0">
+                <a:solidFill>
+                  <a:srgbClr val="1508B8"/>
+                </a:solidFill>
+                <a:latin typeface="Arial" panose="020B0604020202020204" pitchFamily="34" charset="0"/>
+                <a:cs typeface="Arial" panose="020B0604020202020204" pitchFamily="34" charset="0"/>
+              </a:rPr>
+              <a:t>Analysis system, design database</a:t>
+            </a:r>
+          </a:p>
+        </p:txBody>
+      </p:sp>
+      <p:sp>
+        <p:nvSpPr>
+          <p:cNvPr id="18" name="Text Box 80"/>
+          <p:cNvSpPr txBox="1">
+            <a:spLocks noChangeArrowheads="1"/>
+          </p:cNvSpPr>
+          <p:nvPr/>
+        </p:nvSpPr>
+        <p:spPr bwMode="auto">
+          <a:xfrm>
+            <a:off x="2570360" y="1880876"/>
+            <a:ext cx="5902940" cy="402291"/>
+          </a:xfrm>
+          <a:prstGeom prst="rect">
+            <a:avLst/>
+          </a:prstGeom>
+          <a:noFill/>
+          <a:ln>
+            <a:noFill/>
+          </a:ln>
+          <a:extLst>
+            <a:ext uri="{909E8E84-426E-40DD-AFC4-6F175D3DCCD1}">
+              <a14:hiddenFill xmlns:a14="http://schemas.microsoft.com/office/drawing/2010/main">
+                <a:solidFill>
+                  <a:srgbClr val="FFFFFF"/>
+                </a:solidFill>
+              </a14:hiddenFill>
+            </a:ext>
+            <a:ext uri="{91240B29-F687-4F45-9708-019B960494DF}">
+              <a14:hiddenLine xmlns:a14="http://schemas.microsoft.com/office/drawing/2010/main" w="9525" algn="ctr">
+                <a:solidFill>
+                  <a:srgbClr val="000000"/>
+                </a:solidFill>
+                <a:miter lim="800000"/>
+                <a:headEnd/>
+                <a:tailEnd/>
+              </a14:hiddenLine>
+            </a:ext>
+          </a:extLst>
+        </p:spPr>
+        <p:txBody>
+          <a:bodyPr wrap="square" lIns="90000" tIns="46800" rIns="90000" bIns="46800">
+            <a:spAutoFit/>
+          </a:bodyPr>
+          <a:lstStyle>
+            <a:lvl1pPr marL="285750" indent="-285750" eaLnBrk="0" hangingPunct="0">
+              <a:defRPr>
+                <a:solidFill>
+                  <a:schemeClr val="tx1"/>
+                </a:solidFill>
+                <a:latin typeface="Arial" charset="0"/>
+                <a:cs typeface="Arial" charset="0"/>
+              </a:defRPr>
+            </a:lvl1pPr>
+            <a:lvl2pPr marL="742950" indent="-285750" eaLnBrk="0" hangingPunct="0">
+              <a:defRPr>
+                <a:solidFill>
+                  <a:schemeClr val="tx1"/>
+                </a:solidFill>
+                <a:latin typeface="Arial" charset="0"/>
+                <a:cs typeface="Arial" charset="0"/>
+              </a:defRPr>
+            </a:lvl2pPr>
+            <a:lvl3pPr marL="1143000" indent="-228600" eaLnBrk="0" hangingPunct="0">
+              <a:defRPr>
+                <a:solidFill>
+                  <a:schemeClr val="tx1"/>
+                </a:solidFill>
+                <a:latin typeface="Arial" charset="0"/>
+                <a:cs typeface="Arial" charset="0"/>
+              </a:defRPr>
+            </a:lvl3pPr>
+            <a:lvl4pPr marL="1600200" indent="-228600" eaLnBrk="0" hangingPunct="0">
+              <a:defRPr>
+                <a:solidFill>
+                  <a:schemeClr val="tx1"/>
+                </a:solidFill>
+                <a:latin typeface="Arial" charset="0"/>
+                <a:cs typeface="Arial" charset="0"/>
+              </a:defRPr>
+            </a:lvl4pPr>
+            <a:lvl5pPr marL="2057400" indent="-228600" eaLnBrk="0" hangingPunct="0">
+              <a:defRPr>
+                <a:solidFill>
+                  <a:schemeClr val="tx1"/>
+                </a:solidFill>
+                <a:latin typeface="Arial" charset="0"/>
+                <a:cs typeface="Arial" charset="0"/>
+              </a:defRPr>
+            </a:lvl5pPr>
+            <a:lvl6pPr marL="2514600" indent="-228600" eaLnBrk="0" fontAlgn="base" hangingPunct="0">
+              <a:spcBef>
+                <a:spcPct val="0"/>
+              </a:spcBef>
+              <a:spcAft>
+                <a:spcPct val="0"/>
+              </a:spcAft>
+              <a:defRPr>
+                <a:solidFill>
+                  <a:schemeClr val="tx1"/>
+                </a:solidFill>
+                <a:latin typeface="Arial" charset="0"/>
+                <a:cs typeface="Arial" charset="0"/>
+              </a:defRPr>
+            </a:lvl6pPr>
+            <a:lvl7pPr marL="2971800" indent="-228600" eaLnBrk="0" fontAlgn="base" hangingPunct="0">
+              <a:spcBef>
+                <a:spcPct val="0"/>
+              </a:spcBef>
+              <a:spcAft>
+                <a:spcPct val="0"/>
+              </a:spcAft>
+              <a:defRPr>
+                <a:solidFill>
+                  <a:schemeClr val="tx1"/>
+                </a:solidFill>
+                <a:latin typeface="Arial" charset="0"/>
+                <a:cs typeface="Arial" charset="0"/>
+              </a:defRPr>
+            </a:lvl7pPr>
+            <a:lvl8pPr marL="3429000" indent="-228600" eaLnBrk="0" fontAlgn="base" hangingPunct="0">
+              <a:spcBef>
+                <a:spcPct val="0"/>
+              </a:spcBef>
+              <a:spcAft>
+                <a:spcPct val="0"/>
+              </a:spcAft>
+              <a:defRPr>
+                <a:solidFill>
+                  <a:schemeClr val="tx1"/>
+                </a:solidFill>
+                <a:latin typeface="Arial" charset="0"/>
+                <a:cs typeface="Arial" charset="0"/>
+              </a:defRPr>
+            </a:lvl8pPr>
+            <a:lvl9pPr marL="3886200" indent="-228600" eaLnBrk="0" fontAlgn="base" hangingPunct="0">
+              <a:spcBef>
+                <a:spcPct val="0"/>
+              </a:spcBef>
+              <a:spcAft>
+                <a:spcPct val="0"/>
+              </a:spcAft>
+              <a:defRPr>
+                <a:solidFill>
+                  <a:schemeClr val="tx1"/>
+                </a:solidFill>
+                <a:latin typeface="Arial" charset="0"/>
+                <a:cs typeface="Arial" charset="0"/>
+              </a:defRPr>
+            </a:lvl9pPr>
+          </a:lstStyle>
+          <a:p>
+            <a:pPr marL="0" indent="0" eaLnBrk="1" hangingPunct="1">
+              <a:spcBef>
+                <a:spcPct val="30000"/>
+              </a:spcBef>
+              <a:buFont typeface="Wingdings" pitchFamily="2" charset="2"/>
+              <a:buChar char="q"/>
+            </a:pPr>
+            <a:r>
+              <a:rPr kumimoji="1" lang="en-US" altLang="ja-JP" sz="2000" dirty="0" smtClean="0">
+                <a:solidFill>
+                  <a:srgbClr val="0000FF"/>
+                </a:solidFill>
+                <a:latin typeface="Arial" panose="020B0604020202020204" pitchFamily="34" charset="0"/>
+                <a:ea typeface="HGP創英角ｺﾞｼｯｸUB" pitchFamily="50" charset="-128"/>
+                <a:cs typeface="Arial" panose="020B0604020202020204" pitchFamily="34" charset="0"/>
+              </a:rPr>
+              <a:t> Discuss, </a:t>
+            </a:r>
+            <a:r>
+              <a:rPr kumimoji="1" lang="en-US" altLang="ja-JP" sz="2000" dirty="0" smtClean="0">
+                <a:solidFill>
+                  <a:srgbClr val="0000FF"/>
+                </a:solidFill>
+                <a:latin typeface="Arial" panose="020B0604020202020204" pitchFamily="34" charset="0"/>
+                <a:ea typeface="HGP創英角ｺﾞｼｯｸUB" pitchFamily="50" charset="-128"/>
+                <a:cs typeface="Arial" panose="020B0604020202020204" pitchFamily="34" charset="0"/>
+              </a:rPr>
+              <a:t>Q&amp;A, </a:t>
+            </a:r>
+            <a:r>
+              <a:rPr kumimoji="1" lang="en-US" altLang="ja-JP" sz="2000" dirty="0" smtClean="0">
+                <a:solidFill>
+                  <a:srgbClr val="0000FF"/>
+                </a:solidFill>
+                <a:latin typeface="Arial" panose="020B0604020202020204" pitchFamily="34" charset="0"/>
+                <a:ea typeface="HGP創英角ｺﾞｼｯｸUB" pitchFamily="50" charset="-128"/>
+                <a:cs typeface="Arial" panose="020B0604020202020204" pitchFamily="34" charset="0"/>
+              </a:rPr>
+              <a:t>find solution</a:t>
+            </a:r>
+            <a:endParaRPr kumimoji="1" lang="en-US" altLang="ja-JP" sz="2000" dirty="0">
+              <a:solidFill>
+                <a:srgbClr val="0000FF"/>
+              </a:solidFill>
+              <a:latin typeface="Arial" panose="020B0604020202020204" pitchFamily="34" charset="0"/>
+              <a:ea typeface="HGP創英角ｺﾞｼｯｸUB" pitchFamily="50" charset="-128"/>
+              <a:cs typeface="Arial" panose="020B0604020202020204" pitchFamily="34" charset="0"/>
+            </a:endParaRPr>
+          </a:p>
+        </p:txBody>
+      </p:sp>
+      <p:sp>
+        <p:nvSpPr>
+          <p:cNvPr id="20" name="Google Shape;403;p23">
+            <a:extLst>
+              <a:ext uri="{FF2B5EF4-FFF2-40B4-BE49-F238E27FC236}">
+                <a16:creationId xmlns:a16="http://schemas.microsoft.com/office/drawing/2014/main" id="{5B8F4818-F0E7-B544-1B33-0EC21ED9C035}"/>
+              </a:ext>
+            </a:extLst>
+          </p:cNvPr>
+          <p:cNvSpPr txBox="1">
+            <a:spLocks/>
+          </p:cNvSpPr>
+          <p:nvPr/>
+        </p:nvSpPr>
+        <p:spPr>
+          <a:xfrm>
+            <a:off x="47260" y="3131205"/>
+            <a:ext cx="2376159" cy="1680861"/>
+          </a:xfrm>
+          <a:prstGeom prst="rect">
+            <a:avLst/>
+          </a:prstGeom>
+          <a:noFill/>
+          <a:ln>
+            <a:noFill/>
+          </a:ln>
+        </p:spPr>
+        <p:txBody>
+          <a:bodyPr spcFirstLastPara="1" wrap="square" lIns="68569" tIns="68569" rIns="68569" bIns="68569" anchor="ctr" anchorCtr="0">
+            <a:noAutofit/>
+          </a:bodyPr>
+          <a:lstStyle>
+            <a:defPPr marR="0" lvl="0" algn="l" rtl="0">
+              <a:lnSpc>
+                <a:spcPct val="100000"/>
+              </a:lnSpc>
+              <a:spcBef>
+                <a:spcPts val="0"/>
+              </a:spcBef>
+              <a:spcAft>
+                <a:spcPts val="0"/>
+              </a:spcAft>
+            </a:defPPr>
+            <a:lvl1pPr marR="0" lvl="0" algn="ctr" rtl="0">
+              <a:lnSpc>
+                <a:spcPct val="100000"/>
+              </a:lnSpc>
+              <a:spcBef>
+                <a:spcPts val="0"/>
+              </a:spcBef>
+              <a:spcAft>
+                <a:spcPts val="0"/>
+              </a:spcAft>
+              <a:buClr>
+                <a:schemeClr val="dk1"/>
+              </a:buClr>
+              <a:buSzPts val="3600"/>
+              <a:buFont typeface="Fira Sans Extra Condensed"/>
+              <a:buNone/>
+              <a:defRPr sz="3600" b="0" i="0" u="none" strike="noStrike" cap="none">
+                <a:solidFill>
+                  <a:schemeClr val="dk1"/>
+                </a:solidFill>
+                <a:latin typeface="Fira Sans Extra Condensed"/>
+                <a:ea typeface="Fira Sans Extra Condensed"/>
+                <a:cs typeface="Fira Sans Extra Condensed"/>
+                <a:sym typeface="Fira Sans Extra Condensed"/>
+              </a:defRPr>
+            </a:lvl1pPr>
+            <a:lvl2pPr marR="0" lvl="1" algn="ctr" rtl="0">
+              <a:lnSpc>
+                <a:spcPct val="100000"/>
+              </a:lnSpc>
+              <a:spcBef>
+                <a:spcPts val="0"/>
+              </a:spcBef>
+              <a:spcAft>
+                <a:spcPts val="0"/>
+              </a:spcAft>
+              <a:buClr>
+                <a:schemeClr val="dk1"/>
+              </a:buClr>
+              <a:buSzPts val="3600"/>
+              <a:buFont typeface="Fira Sans Extra Condensed"/>
+              <a:buNone/>
+              <a:defRPr sz="3600" b="0" i="0" u="none" strike="noStrike" cap="none">
+                <a:solidFill>
+                  <a:schemeClr val="dk1"/>
+                </a:solidFill>
+                <a:latin typeface="Fira Sans Extra Condensed"/>
+                <a:ea typeface="Fira Sans Extra Condensed"/>
+                <a:cs typeface="Fira Sans Extra Condensed"/>
+                <a:sym typeface="Fira Sans Extra Condensed"/>
+              </a:defRPr>
+            </a:lvl2pPr>
+            <a:lvl3pPr marR="0" lvl="2" algn="ctr" rtl="0">
+              <a:lnSpc>
+                <a:spcPct val="100000"/>
+              </a:lnSpc>
+              <a:spcBef>
+                <a:spcPts val="0"/>
+              </a:spcBef>
+              <a:spcAft>
+                <a:spcPts val="0"/>
+              </a:spcAft>
+              <a:buClr>
+                <a:schemeClr val="dk1"/>
+              </a:buClr>
+              <a:buSzPts val="3600"/>
+              <a:buFont typeface="Fira Sans Extra Condensed"/>
+              <a:buNone/>
+              <a:defRPr sz="3600" b="0" i="0" u="none" strike="noStrike" cap="none">
+                <a:solidFill>
+                  <a:schemeClr val="dk1"/>
+                </a:solidFill>
+                <a:latin typeface="Fira Sans Extra Condensed"/>
+                <a:ea typeface="Fira Sans Extra Condensed"/>
+                <a:cs typeface="Fira Sans Extra Condensed"/>
+                <a:sym typeface="Fira Sans Extra Condensed"/>
+              </a:defRPr>
+            </a:lvl3pPr>
+            <a:lvl4pPr marR="0" lvl="3" algn="ctr" rtl="0">
+              <a:lnSpc>
+                <a:spcPct val="100000"/>
+              </a:lnSpc>
+              <a:spcBef>
+                <a:spcPts val="0"/>
+              </a:spcBef>
+              <a:spcAft>
+                <a:spcPts val="0"/>
+              </a:spcAft>
+              <a:buClr>
+                <a:schemeClr val="dk1"/>
+              </a:buClr>
+              <a:buSzPts val="3600"/>
+              <a:buFont typeface="Fira Sans Extra Condensed"/>
+              <a:buNone/>
+              <a:defRPr sz="3600" b="0" i="0" u="none" strike="noStrike" cap="none">
+                <a:solidFill>
+                  <a:schemeClr val="dk1"/>
+                </a:solidFill>
+                <a:latin typeface="Fira Sans Extra Condensed"/>
+                <a:ea typeface="Fira Sans Extra Condensed"/>
+                <a:cs typeface="Fira Sans Extra Condensed"/>
+                <a:sym typeface="Fira Sans Extra Condensed"/>
+              </a:defRPr>
+            </a:lvl4pPr>
+            <a:lvl5pPr marR="0" lvl="4" algn="ctr" rtl="0">
+              <a:lnSpc>
+                <a:spcPct val="100000"/>
+              </a:lnSpc>
+              <a:spcBef>
+                <a:spcPts val="0"/>
+              </a:spcBef>
+              <a:spcAft>
+                <a:spcPts val="0"/>
+              </a:spcAft>
+              <a:buClr>
+                <a:schemeClr val="dk1"/>
+              </a:buClr>
+              <a:buSzPts val="3600"/>
+              <a:buFont typeface="Fira Sans Extra Condensed"/>
+              <a:buNone/>
+              <a:defRPr sz="3600" b="0" i="0" u="none" strike="noStrike" cap="none">
+                <a:solidFill>
+                  <a:schemeClr val="dk1"/>
+                </a:solidFill>
+                <a:latin typeface="Fira Sans Extra Condensed"/>
+                <a:ea typeface="Fira Sans Extra Condensed"/>
+                <a:cs typeface="Fira Sans Extra Condensed"/>
+                <a:sym typeface="Fira Sans Extra Condensed"/>
+              </a:defRPr>
+            </a:lvl5pPr>
+            <a:lvl6pPr marR="0" lvl="5" algn="ctr" rtl="0">
+              <a:lnSpc>
+                <a:spcPct val="100000"/>
+              </a:lnSpc>
+              <a:spcBef>
+                <a:spcPts val="0"/>
+              </a:spcBef>
+              <a:spcAft>
+                <a:spcPts val="0"/>
+              </a:spcAft>
+              <a:buClr>
+                <a:schemeClr val="dk1"/>
+              </a:buClr>
+              <a:buSzPts val="3600"/>
+              <a:buFont typeface="Fira Sans Extra Condensed"/>
+              <a:buNone/>
+              <a:defRPr sz="3600" b="0" i="0" u="none" strike="noStrike" cap="none">
+                <a:solidFill>
+                  <a:schemeClr val="dk1"/>
+                </a:solidFill>
+                <a:latin typeface="Fira Sans Extra Condensed"/>
+                <a:ea typeface="Fira Sans Extra Condensed"/>
+                <a:cs typeface="Fira Sans Extra Condensed"/>
+                <a:sym typeface="Fira Sans Extra Condensed"/>
+              </a:defRPr>
+            </a:lvl6pPr>
+            <a:lvl7pPr marR="0" lvl="6" algn="ctr" rtl="0">
+              <a:lnSpc>
+                <a:spcPct val="100000"/>
+              </a:lnSpc>
+              <a:spcBef>
+                <a:spcPts val="0"/>
+              </a:spcBef>
+              <a:spcAft>
+                <a:spcPts val="0"/>
+              </a:spcAft>
+              <a:buClr>
+                <a:schemeClr val="dk1"/>
+              </a:buClr>
+              <a:buSzPts val="3600"/>
+              <a:buFont typeface="Fira Sans Extra Condensed"/>
+              <a:buNone/>
+              <a:defRPr sz="3600" b="0" i="0" u="none" strike="noStrike" cap="none">
+                <a:solidFill>
+                  <a:schemeClr val="dk1"/>
+                </a:solidFill>
+                <a:latin typeface="Fira Sans Extra Condensed"/>
+                <a:ea typeface="Fira Sans Extra Condensed"/>
+                <a:cs typeface="Fira Sans Extra Condensed"/>
+                <a:sym typeface="Fira Sans Extra Condensed"/>
+              </a:defRPr>
+            </a:lvl7pPr>
+            <a:lvl8pPr marR="0" lvl="7" algn="ctr" rtl="0">
+              <a:lnSpc>
+                <a:spcPct val="100000"/>
+              </a:lnSpc>
+              <a:spcBef>
+                <a:spcPts val="0"/>
+              </a:spcBef>
+              <a:spcAft>
+                <a:spcPts val="0"/>
+              </a:spcAft>
+              <a:buClr>
+                <a:schemeClr val="dk1"/>
+              </a:buClr>
+              <a:buSzPts val="3600"/>
+              <a:buFont typeface="Fira Sans Extra Condensed"/>
+              <a:buNone/>
+              <a:defRPr sz="3600" b="0" i="0" u="none" strike="noStrike" cap="none">
+                <a:solidFill>
+                  <a:schemeClr val="dk1"/>
+                </a:solidFill>
+                <a:latin typeface="Fira Sans Extra Condensed"/>
+                <a:ea typeface="Fira Sans Extra Condensed"/>
+                <a:cs typeface="Fira Sans Extra Condensed"/>
+                <a:sym typeface="Fira Sans Extra Condensed"/>
+              </a:defRPr>
+            </a:lvl8pPr>
+            <a:lvl9pPr marR="0" lvl="8" algn="ctr" rtl="0">
+              <a:lnSpc>
+                <a:spcPct val="100000"/>
+              </a:lnSpc>
+              <a:spcBef>
+                <a:spcPts val="0"/>
+              </a:spcBef>
+              <a:spcAft>
+                <a:spcPts val="0"/>
+              </a:spcAft>
+              <a:buClr>
+                <a:schemeClr val="dk1"/>
+              </a:buClr>
+              <a:buSzPts val="3600"/>
+              <a:buFont typeface="Fira Sans Extra Condensed"/>
+              <a:buNone/>
+              <a:defRPr sz="3600" b="0" i="0" u="none" strike="noStrike" cap="none">
+                <a:solidFill>
+                  <a:schemeClr val="dk1"/>
+                </a:solidFill>
+                <a:latin typeface="Fira Sans Extra Condensed"/>
+                <a:ea typeface="Fira Sans Extra Condensed"/>
+                <a:cs typeface="Fira Sans Extra Condensed"/>
+                <a:sym typeface="Fira Sans Extra Condensed"/>
+              </a:defRPr>
+            </a:lvl9pPr>
+          </a:lstStyle>
+          <a:p>
+            <a:pPr algn="l"/>
+            <a:r>
+              <a:rPr lang="en-US" sz="1800" dirty="0" smtClean="0">
+                <a:solidFill>
+                  <a:schemeClr val="tx1"/>
+                </a:solidFill>
+                <a:latin typeface="Arial" panose="020B0604020202020204" pitchFamily="34" charset="0"/>
+                <a:cs typeface="Arial" panose="020B0604020202020204" pitchFamily="34" charset="0"/>
+              </a:rPr>
+              <a:t>Too </a:t>
+            </a:r>
+            <a:r>
+              <a:rPr lang="en-US" sz="1800" dirty="0">
+                <a:solidFill>
+                  <a:schemeClr val="tx1"/>
+                </a:solidFill>
+                <a:latin typeface="Arial" panose="020B0604020202020204" pitchFamily="34" charset="0"/>
+                <a:cs typeface="Arial" panose="020B0604020202020204" pitchFamily="34" charset="0"/>
+              </a:rPr>
+              <a:t>much manual </a:t>
+            </a:r>
+            <a:r>
+              <a:rPr lang="en-US" sz="1800" dirty="0" smtClean="0">
+                <a:solidFill>
+                  <a:schemeClr val="tx1"/>
+                </a:solidFill>
+                <a:latin typeface="Arial" panose="020B0604020202020204" pitchFamily="34" charset="0"/>
+                <a:cs typeface="Arial" panose="020B0604020202020204" pitchFamily="34" charset="0"/>
+              </a:rPr>
+              <a:t>job.</a:t>
+            </a:r>
+          </a:p>
+          <a:p>
+            <a:pPr algn="l"/>
+            <a:r>
+              <a:rPr lang="en-US" sz="1800" dirty="0">
+                <a:solidFill>
+                  <a:schemeClr val="tx1"/>
+                </a:solidFill>
+                <a:latin typeface="Arial" panose="020B0604020202020204" pitchFamily="34" charset="0"/>
+                <a:cs typeface="Arial" panose="020B0604020202020204" pitchFamily="34" charset="0"/>
+              </a:rPr>
+              <a:t>Use excel, </a:t>
+            </a:r>
+            <a:r>
+              <a:rPr lang="en-US" sz="1800" dirty="0">
+                <a:solidFill>
+                  <a:schemeClr val="tx1"/>
+                </a:solidFill>
+                <a:latin typeface="Arial" panose="020B0604020202020204" pitchFamily="34" charset="0"/>
+                <a:cs typeface="Arial" panose="020B0604020202020204" pitchFamily="34" charset="0"/>
+              </a:rPr>
+              <a:t>papers, </a:t>
+            </a:r>
+            <a:r>
+              <a:rPr lang="en-US" sz="1800" dirty="0" smtClean="0">
+                <a:solidFill>
+                  <a:schemeClr val="tx1"/>
+                </a:solidFill>
+                <a:latin typeface="Arial" panose="020B0604020202020204" pitchFamily="34" charset="0"/>
+                <a:cs typeface="Arial" panose="020B0604020202020204" pitchFamily="34" charset="0"/>
+              </a:rPr>
+              <a:t>check sheet </a:t>
+            </a:r>
+            <a:r>
+              <a:rPr lang="en-US" sz="1800" dirty="0">
+                <a:solidFill>
+                  <a:schemeClr val="tx1"/>
+                </a:solidFill>
+                <a:latin typeface="Arial" panose="020B0604020202020204" pitchFamily="34" charset="0"/>
+                <a:cs typeface="Arial" panose="020B0604020202020204" pitchFamily="34" charset="0"/>
+              </a:rPr>
+              <a:t>and </a:t>
+            </a:r>
+            <a:r>
+              <a:rPr lang="en-US" sz="1800" dirty="0">
+                <a:solidFill>
+                  <a:schemeClr val="tx1"/>
+                </a:solidFill>
+                <a:latin typeface="Arial" panose="020B0604020202020204" pitchFamily="34" charset="0"/>
+                <a:cs typeface="Arial" panose="020B0604020202020204" pitchFamily="34" charset="0"/>
+              </a:rPr>
+              <a:t>to </a:t>
+            </a:r>
+            <a:r>
+              <a:rPr lang="en-US" sz="1800" dirty="0" smtClean="0">
+                <a:solidFill>
+                  <a:schemeClr val="tx1"/>
+                </a:solidFill>
+                <a:latin typeface="Arial" panose="020B0604020202020204" pitchFamily="34" charset="0"/>
+                <a:cs typeface="Arial" panose="020B0604020202020204" pitchFamily="34" charset="0"/>
+              </a:rPr>
+              <a:t>management.</a:t>
+            </a:r>
+          </a:p>
+          <a:p>
+            <a:pPr algn="l"/>
+            <a:r>
+              <a:rPr lang="en-US" sz="1800" dirty="0">
+                <a:solidFill>
+                  <a:schemeClr val="tx1"/>
+                </a:solidFill>
+                <a:latin typeface="Arial" panose="020B0604020202020204" pitchFamily="34" charset="0"/>
+                <a:cs typeface="Arial" panose="020B0604020202020204" pitchFamily="34" charset="0"/>
+              </a:rPr>
+              <a:t>Tack time to report long time</a:t>
+            </a:r>
+            <a:endParaRPr lang="en-US" sz="1800" dirty="0">
+              <a:solidFill>
+                <a:schemeClr val="tx1"/>
+              </a:solidFill>
+              <a:latin typeface="Arial" panose="020B0604020202020204" pitchFamily="34" charset="0"/>
+              <a:cs typeface="Arial" panose="020B0604020202020204" pitchFamily="34" charset="0"/>
+            </a:endParaRPr>
+          </a:p>
+        </p:txBody>
+      </p:sp>
+      <p:sp>
+        <p:nvSpPr>
+          <p:cNvPr id="21" name="Google Shape;403;p23">
+            <a:extLst>
+              <a:ext uri="{FF2B5EF4-FFF2-40B4-BE49-F238E27FC236}">
+                <a16:creationId xmlns:a16="http://schemas.microsoft.com/office/drawing/2014/main" id="{5B8F4818-F0E7-B544-1B33-0EC21ED9C035}"/>
+              </a:ext>
+            </a:extLst>
+          </p:cNvPr>
+          <p:cNvSpPr txBox="1">
+            <a:spLocks/>
+          </p:cNvSpPr>
+          <p:nvPr/>
+        </p:nvSpPr>
+        <p:spPr>
+          <a:xfrm>
+            <a:off x="75259" y="5526836"/>
+            <a:ext cx="2376159" cy="1216894"/>
+          </a:xfrm>
+          <a:prstGeom prst="rect">
+            <a:avLst/>
+          </a:prstGeom>
+          <a:noFill/>
+          <a:ln>
+            <a:noFill/>
+          </a:ln>
+        </p:spPr>
+        <p:txBody>
+          <a:bodyPr spcFirstLastPara="1" wrap="square" lIns="68569" tIns="68569" rIns="68569" bIns="68569" anchor="ctr" anchorCtr="0">
+            <a:noAutofit/>
+          </a:bodyPr>
+          <a:lstStyle>
+            <a:defPPr marR="0" lvl="0" algn="l" rtl="0">
+              <a:lnSpc>
+                <a:spcPct val="100000"/>
+              </a:lnSpc>
+              <a:spcBef>
+                <a:spcPts val="0"/>
+              </a:spcBef>
+              <a:spcAft>
+                <a:spcPts val="0"/>
+              </a:spcAft>
+            </a:defPPr>
+            <a:lvl1pPr marR="0" lvl="0" algn="ctr" rtl="0">
+              <a:lnSpc>
+                <a:spcPct val="100000"/>
+              </a:lnSpc>
+              <a:spcBef>
+                <a:spcPts val="0"/>
+              </a:spcBef>
+              <a:spcAft>
+                <a:spcPts val="0"/>
+              </a:spcAft>
+              <a:buClr>
+                <a:schemeClr val="dk1"/>
+              </a:buClr>
+              <a:buSzPts val="3600"/>
+              <a:buFont typeface="Fira Sans Extra Condensed"/>
+              <a:buNone/>
+              <a:defRPr sz="3600" b="0" i="0" u="none" strike="noStrike" cap="none">
+                <a:solidFill>
+                  <a:schemeClr val="dk1"/>
+                </a:solidFill>
+                <a:latin typeface="Fira Sans Extra Condensed"/>
+                <a:ea typeface="Fira Sans Extra Condensed"/>
+                <a:cs typeface="Fira Sans Extra Condensed"/>
+                <a:sym typeface="Fira Sans Extra Condensed"/>
+              </a:defRPr>
+            </a:lvl1pPr>
+            <a:lvl2pPr marR="0" lvl="1" algn="ctr" rtl="0">
+              <a:lnSpc>
+                <a:spcPct val="100000"/>
+              </a:lnSpc>
+              <a:spcBef>
+                <a:spcPts val="0"/>
+              </a:spcBef>
+              <a:spcAft>
+                <a:spcPts val="0"/>
+              </a:spcAft>
+              <a:buClr>
+                <a:schemeClr val="dk1"/>
+              </a:buClr>
+              <a:buSzPts val="3600"/>
+              <a:buFont typeface="Fira Sans Extra Condensed"/>
+              <a:buNone/>
+              <a:defRPr sz="3600" b="0" i="0" u="none" strike="noStrike" cap="none">
+                <a:solidFill>
+                  <a:schemeClr val="dk1"/>
+                </a:solidFill>
+                <a:latin typeface="Fira Sans Extra Condensed"/>
+                <a:ea typeface="Fira Sans Extra Condensed"/>
+                <a:cs typeface="Fira Sans Extra Condensed"/>
+                <a:sym typeface="Fira Sans Extra Condensed"/>
+              </a:defRPr>
+            </a:lvl2pPr>
+            <a:lvl3pPr marR="0" lvl="2" algn="ctr" rtl="0">
+              <a:lnSpc>
+                <a:spcPct val="100000"/>
+              </a:lnSpc>
+              <a:spcBef>
+                <a:spcPts val="0"/>
+              </a:spcBef>
+              <a:spcAft>
+                <a:spcPts val="0"/>
+              </a:spcAft>
+              <a:buClr>
+                <a:schemeClr val="dk1"/>
+              </a:buClr>
+              <a:buSzPts val="3600"/>
+              <a:buFont typeface="Fira Sans Extra Condensed"/>
+              <a:buNone/>
+              <a:defRPr sz="3600" b="0" i="0" u="none" strike="noStrike" cap="none">
+                <a:solidFill>
+                  <a:schemeClr val="dk1"/>
+                </a:solidFill>
+                <a:latin typeface="Fira Sans Extra Condensed"/>
+                <a:ea typeface="Fira Sans Extra Condensed"/>
+                <a:cs typeface="Fira Sans Extra Condensed"/>
+                <a:sym typeface="Fira Sans Extra Condensed"/>
+              </a:defRPr>
+            </a:lvl3pPr>
+            <a:lvl4pPr marR="0" lvl="3" algn="ctr" rtl="0">
+              <a:lnSpc>
+                <a:spcPct val="100000"/>
+              </a:lnSpc>
+              <a:spcBef>
+                <a:spcPts val="0"/>
+              </a:spcBef>
+              <a:spcAft>
+                <a:spcPts val="0"/>
+              </a:spcAft>
+              <a:buClr>
+                <a:schemeClr val="dk1"/>
+              </a:buClr>
+              <a:buSzPts val="3600"/>
+              <a:buFont typeface="Fira Sans Extra Condensed"/>
+              <a:buNone/>
+              <a:defRPr sz="3600" b="0" i="0" u="none" strike="noStrike" cap="none">
+                <a:solidFill>
+                  <a:schemeClr val="dk1"/>
+                </a:solidFill>
+                <a:latin typeface="Fira Sans Extra Condensed"/>
+                <a:ea typeface="Fira Sans Extra Condensed"/>
+                <a:cs typeface="Fira Sans Extra Condensed"/>
+                <a:sym typeface="Fira Sans Extra Condensed"/>
+              </a:defRPr>
+            </a:lvl4pPr>
+            <a:lvl5pPr marR="0" lvl="4" algn="ctr" rtl="0">
+              <a:lnSpc>
+                <a:spcPct val="100000"/>
+              </a:lnSpc>
+              <a:spcBef>
+                <a:spcPts val="0"/>
+              </a:spcBef>
+              <a:spcAft>
+                <a:spcPts val="0"/>
+              </a:spcAft>
+              <a:buClr>
+                <a:schemeClr val="dk1"/>
+              </a:buClr>
+              <a:buSzPts val="3600"/>
+              <a:buFont typeface="Fira Sans Extra Condensed"/>
+              <a:buNone/>
+              <a:defRPr sz="3600" b="0" i="0" u="none" strike="noStrike" cap="none">
+                <a:solidFill>
+                  <a:schemeClr val="dk1"/>
+                </a:solidFill>
+                <a:latin typeface="Fira Sans Extra Condensed"/>
+                <a:ea typeface="Fira Sans Extra Condensed"/>
+                <a:cs typeface="Fira Sans Extra Condensed"/>
+                <a:sym typeface="Fira Sans Extra Condensed"/>
+              </a:defRPr>
+            </a:lvl5pPr>
+            <a:lvl6pPr marR="0" lvl="5" algn="ctr" rtl="0">
+              <a:lnSpc>
+                <a:spcPct val="100000"/>
+              </a:lnSpc>
+              <a:spcBef>
+                <a:spcPts val="0"/>
+              </a:spcBef>
+              <a:spcAft>
+                <a:spcPts val="0"/>
+              </a:spcAft>
+              <a:buClr>
+                <a:schemeClr val="dk1"/>
+              </a:buClr>
+              <a:buSzPts val="3600"/>
+              <a:buFont typeface="Fira Sans Extra Condensed"/>
+              <a:buNone/>
+              <a:defRPr sz="3600" b="0" i="0" u="none" strike="noStrike" cap="none">
+                <a:solidFill>
+                  <a:schemeClr val="dk1"/>
+                </a:solidFill>
+                <a:latin typeface="Fira Sans Extra Condensed"/>
+                <a:ea typeface="Fira Sans Extra Condensed"/>
+                <a:cs typeface="Fira Sans Extra Condensed"/>
+                <a:sym typeface="Fira Sans Extra Condensed"/>
+              </a:defRPr>
+            </a:lvl6pPr>
+            <a:lvl7pPr marR="0" lvl="6" algn="ctr" rtl="0">
+              <a:lnSpc>
+                <a:spcPct val="100000"/>
+              </a:lnSpc>
+              <a:spcBef>
+                <a:spcPts val="0"/>
+              </a:spcBef>
+              <a:spcAft>
+                <a:spcPts val="0"/>
+              </a:spcAft>
+              <a:buClr>
+                <a:schemeClr val="dk1"/>
+              </a:buClr>
+              <a:buSzPts val="3600"/>
+              <a:buFont typeface="Fira Sans Extra Condensed"/>
+              <a:buNone/>
+              <a:defRPr sz="3600" b="0" i="0" u="none" strike="noStrike" cap="none">
+                <a:solidFill>
+                  <a:schemeClr val="dk1"/>
+                </a:solidFill>
+                <a:latin typeface="Fira Sans Extra Condensed"/>
+                <a:ea typeface="Fira Sans Extra Condensed"/>
+                <a:cs typeface="Fira Sans Extra Condensed"/>
+                <a:sym typeface="Fira Sans Extra Condensed"/>
+              </a:defRPr>
+            </a:lvl7pPr>
+            <a:lvl8pPr marR="0" lvl="7" algn="ctr" rtl="0">
+              <a:lnSpc>
+                <a:spcPct val="100000"/>
+              </a:lnSpc>
+              <a:spcBef>
+                <a:spcPts val="0"/>
+              </a:spcBef>
+              <a:spcAft>
+                <a:spcPts val="0"/>
+              </a:spcAft>
+              <a:buClr>
+                <a:schemeClr val="dk1"/>
+              </a:buClr>
+              <a:buSzPts val="3600"/>
+              <a:buFont typeface="Fira Sans Extra Condensed"/>
+              <a:buNone/>
+              <a:defRPr sz="3600" b="0" i="0" u="none" strike="noStrike" cap="none">
+                <a:solidFill>
+                  <a:schemeClr val="dk1"/>
+                </a:solidFill>
+                <a:latin typeface="Fira Sans Extra Condensed"/>
+                <a:ea typeface="Fira Sans Extra Condensed"/>
+                <a:cs typeface="Fira Sans Extra Condensed"/>
+                <a:sym typeface="Fira Sans Extra Condensed"/>
+              </a:defRPr>
+            </a:lvl8pPr>
+            <a:lvl9pPr marR="0" lvl="8" algn="ctr" rtl="0">
+              <a:lnSpc>
+                <a:spcPct val="100000"/>
+              </a:lnSpc>
+              <a:spcBef>
+                <a:spcPts val="0"/>
+              </a:spcBef>
+              <a:spcAft>
+                <a:spcPts val="0"/>
+              </a:spcAft>
+              <a:buClr>
+                <a:schemeClr val="dk1"/>
+              </a:buClr>
+              <a:buSzPts val="3600"/>
+              <a:buFont typeface="Fira Sans Extra Condensed"/>
+              <a:buNone/>
+              <a:defRPr sz="3600" b="0" i="0" u="none" strike="noStrike" cap="none">
+                <a:solidFill>
+                  <a:schemeClr val="dk1"/>
+                </a:solidFill>
+                <a:latin typeface="Fira Sans Extra Condensed"/>
+                <a:ea typeface="Fira Sans Extra Condensed"/>
+                <a:cs typeface="Fira Sans Extra Condensed"/>
+                <a:sym typeface="Fira Sans Extra Condensed"/>
+              </a:defRPr>
+            </a:lvl9pPr>
+          </a:lstStyle>
+          <a:p>
+            <a:pPr algn="l"/>
+            <a:r>
+              <a:rPr lang="en-US" sz="1800" dirty="0">
+                <a:solidFill>
+                  <a:schemeClr val="tx1"/>
+                </a:solidFill>
+                <a:latin typeface="Arial" panose="020B0604020202020204" pitchFamily="34" charset="0"/>
+                <a:cs typeface="Arial" panose="020B0604020202020204" pitchFamily="34" charset="0"/>
+              </a:rPr>
+              <a:t>Use barcode &amp; scan device to manage.</a:t>
+            </a:r>
+          </a:p>
+          <a:p>
+            <a:pPr algn="l"/>
+            <a:r>
+              <a:rPr lang="en-US" sz="1800" dirty="0">
+                <a:solidFill>
+                  <a:schemeClr val="tx1"/>
+                </a:solidFill>
+                <a:latin typeface="Arial" panose="020B0604020202020204" pitchFamily="34" charset="0"/>
+                <a:cs typeface="Arial" panose="020B0604020202020204" pitchFamily="34" charset="0"/>
+              </a:rPr>
+              <a:t>Stored database on server</a:t>
+            </a:r>
+            <a:endParaRPr lang="en-US" sz="1800" dirty="0" smtClean="0">
+              <a:solidFill>
+                <a:schemeClr val="tx1"/>
+              </a:solidFill>
+              <a:latin typeface="Arial" panose="020B0604020202020204" pitchFamily="34" charset="0"/>
+              <a:cs typeface="Arial" panose="020B0604020202020204" pitchFamily="34" charset="0"/>
+            </a:endParaRPr>
+          </a:p>
+        </p:txBody>
+      </p:sp>
+      <p:grpSp>
+        <p:nvGrpSpPr>
+          <p:cNvPr id="47" name="Group 46"/>
+          <p:cNvGrpSpPr/>
+          <p:nvPr/>
+        </p:nvGrpSpPr>
+        <p:grpSpPr>
+          <a:xfrm>
+            <a:off x="2584215" y="2501437"/>
+            <a:ext cx="1010862" cy="571774"/>
+            <a:chOff x="4363277" y="2128211"/>
+            <a:chExt cx="1132046" cy="571774"/>
+          </a:xfrm>
+        </p:grpSpPr>
+        <p:sp>
+          <p:nvSpPr>
+            <p:cNvPr id="48" name="AutoShape 77"/>
+            <p:cNvSpPr>
+              <a:spLocks noChangeArrowheads="1"/>
+            </p:cNvSpPr>
+            <p:nvPr/>
+          </p:nvSpPr>
+          <p:spPr bwMode="auto">
+            <a:xfrm>
+              <a:off x="4382963" y="2128211"/>
+              <a:ext cx="1112360" cy="571774"/>
+            </a:xfrm>
+            <a:prstGeom prst="flowChartOnlineStorage">
+              <a:avLst/>
+            </a:prstGeom>
+            <a:gradFill rotWithShape="1">
+              <a:gsLst>
+                <a:gs pos="0">
+                  <a:schemeClr val="bg1">
+                    <a:gamma/>
+                    <a:shade val="76471"/>
+                    <a:invGamma/>
+                  </a:schemeClr>
+                </a:gs>
+                <a:gs pos="50000">
+                  <a:schemeClr val="bg1"/>
+                </a:gs>
+                <a:gs pos="100000">
+                  <a:schemeClr val="bg1">
+                    <a:gamma/>
+                    <a:shade val="76471"/>
+                    <a:invGamma/>
+                  </a:schemeClr>
+                </a:gs>
+              </a:gsLst>
+              <a:lin ang="5400000" scaled="1"/>
+            </a:gradFill>
+            <a:ln w="9525">
+              <a:solidFill>
+                <a:schemeClr val="tx1"/>
+              </a:solidFill>
+              <a:miter lim="800000"/>
+              <a:headEnd/>
+              <a:tailEnd/>
+            </a:ln>
+            <a:effectLst/>
+            <a:extLst>
+              <a:ext uri="{AF507438-7753-43E0-B8FC-AC1667EBCBE1}">
+                <a14:hiddenEffects xmlns:a14="http://schemas.microsoft.com/office/drawing/2010/main">
+                  <a:effectLst>
+                    <a:outerShdw dist="35921" dir="2700000" algn="ctr" rotWithShape="0">
+                      <a:schemeClr val="bg2"/>
+                    </a:outerShdw>
+                  </a:effectLst>
+                </a14:hiddenEffects>
+              </a:ext>
+            </a:extLst>
+          </p:spPr>
+          <p:txBody>
+            <a:bodyPr wrap="none" anchor="ctr"/>
+            <a:lstStyle/>
+            <a:p>
+              <a:endParaRPr lang="en-US">
+                <a:latin typeface="Arial" panose="020B0604020202020204" pitchFamily="34" charset="0"/>
+                <a:cs typeface="Arial" panose="020B0604020202020204" pitchFamily="34" charset="0"/>
+              </a:endParaRPr>
+            </a:p>
+          </p:txBody>
+        </p:sp>
+        <p:sp>
+          <p:nvSpPr>
+            <p:cNvPr id="49" name="Text Box 78"/>
+            <p:cNvSpPr txBox="1">
+              <a:spLocks noChangeArrowheads="1"/>
+            </p:cNvSpPr>
+            <p:nvPr/>
+          </p:nvSpPr>
+          <p:spPr bwMode="auto">
+            <a:xfrm>
+              <a:off x="4363277" y="2214444"/>
+              <a:ext cx="916146" cy="338554"/>
+            </a:xfrm>
+            <a:prstGeom prst="rect">
+              <a:avLst/>
+            </a:prstGeom>
+            <a:noFill/>
+            <a:ln>
+              <a:noFill/>
+            </a:ln>
+            <a:effectLst/>
+            <a:extLst>
+              <a:ext uri="{909E8E84-426E-40DD-AFC4-6F175D3DCCD1}">
+                <a14:hiddenFill xmlns:a14="http://schemas.microsoft.com/office/drawing/2010/main">
+                  <a:solidFill>
+                    <a:schemeClr val="accent1"/>
+                  </a:solidFill>
+                </a14:hiddenFill>
+              </a:ext>
+              <a:ext uri="{91240B29-F687-4F45-9708-019B960494DF}">
+                <a14:hiddenLine xmlns:a14="http://schemas.microsoft.com/office/drawing/2010/main" w="9525" algn="ctr">
+                  <a:solidFill>
+                    <a:schemeClr val="tx1"/>
+                  </a:solidFill>
+                  <a:miter lim="800000"/>
+                  <a:headEnd/>
+                  <a:tailEnd/>
+                </a14:hiddenLine>
+              </a:ext>
+              <a:ext uri="{AF507438-7753-43E0-B8FC-AC1667EBCBE1}">
+                <a14:hiddenEffects xmlns:a14="http://schemas.microsoft.com/office/drawing/2010/main">
+                  <a:effectLst>
+                    <a:outerShdw dist="35921" dir="2700000" algn="ctr" rotWithShape="0">
+                      <a:schemeClr val="bg2"/>
+                    </a:outerShdw>
+                  </a:effectLst>
+                </a14:hiddenEffects>
+              </a:ext>
+            </a:extLst>
+          </p:spPr>
+          <p:txBody>
+            <a:bodyPr wrap="square">
+              <a:spAutoFit/>
+            </a:bodyPr>
+            <a:lstStyle/>
+            <a:p>
+              <a:pPr algn="ctr">
+                <a:spcBef>
+                  <a:spcPct val="50000"/>
+                </a:spcBef>
+              </a:pPr>
+              <a:r>
+                <a:rPr lang="en-US" altLang="ja-JP" sz="1600" b="1" dirty="0" smtClean="0">
+                  <a:solidFill>
+                    <a:srgbClr val="FF0000"/>
+                  </a:solidFill>
+                  <a:latin typeface="Arial" panose="020B0604020202020204" pitchFamily="34" charset="0"/>
+                  <a:cs typeface="Arial" panose="020B0604020202020204" pitchFamily="34" charset="0"/>
+                </a:rPr>
+                <a:t>GR</a:t>
+              </a:r>
+              <a:endParaRPr lang="en-US" altLang="ja-JP" sz="1600" b="1" dirty="0" smtClean="0">
+                <a:solidFill>
+                  <a:srgbClr val="FF0000"/>
+                </a:solidFill>
+                <a:latin typeface="Arial" panose="020B0604020202020204" pitchFamily="34" charset="0"/>
+                <a:cs typeface="Arial" panose="020B0604020202020204" pitchFamily="34" charset="0"/>
+              </a:endParaRPr>
+            </a:p>
+          </p:txBody>
+        </p:sp>
+      </p:grpSp>
+      <p:pic>
+        <p:nvPicPr>
+          <p:cNvPr id="50" name="Picture 111" descr="j0079210"/>
+          <p:cNvPicPr>
+            <a:picLocks noChangeAspect="1" noChangeArrowheads="1"/>
+          </p:cNvPicPr>
+          <p:nvPr/>
+        </p:nvPicPr>
+        <p:blipFill>
+          <a:blip r:embed="rId3" cstate="print">
+            <a:extLst>
+              <a:ext uri="{28A0092B-C50C-407E-A947-70E740481C1C}">
+                <a14:useLocalDpi xmlns:a14="http://schemas.microsoft.com/office/drawing/2010/main" val="0"/>
+              </a:ext>
+            </a:extLst>
+          </a:blip>
+          <a:srcRect/>
+          <a:stretch>
+            <a:fillRect/>
+          </a:stretch>
+        </p:blipFill>
+        <p:spPr bwMode="auto">
+          <a:xfrm>
+            <a:off x="6649817" y="3860991"/>
+            <a:ext cx="773399" cy="951075"/>
+          </a:xfrm>
+          <a:prstGeom prst="rect">
+            <a:avLst/>
+          </a:prstGeom>
+          <a:noFill/>
+          <a:extLst>
+            <a:ext uri="{909E8E84-426E-40DD-AFC4-6F175D3DCCD1}">
+              <a14:hiddenFill xmlns:a14="http://schemas.microsoft.com/office/drawing/2010/main">
+                <a:solidFill>
+                  <a:srgbClr val="FFFFFF"/>
+                </a:solidFill>
+              </a14:hiddenFill>
+            </a:ext>
+          </a:extLst>
+        </p:spPr>
+      </p:pic>
+      <p:sp>
+        <p:nvSpPr>
+          <p:cNvPr id="51" name="Text Box 113"/>
+          <p:cNvSpPr txBox="1">
+            <a:spLocks noChangeArrowheads="1"/>
+          </p:cNvSpPr>
+          <p:nvPr/>
+        </p:nvSpPr>
+        <p:spPr bwMode="auto">
+          <a:xfrm>
+            <a:off x="4693948" y="5006405"/>
+            <a:ext cx="1655763" cy="707886"/>
+          </a:xfrm>
+          <a:prstGeom prst="rect">
+            <a:avLst/>
+          </a:prstGeom>
+          <a:noFill/>
+          <a:ln>
+            <a:noFill/>
+          </a:ln>
+          <a:effectLst/>
+          <a:extLst>
+            <a:ext uri="{909E8E84-426E-40DD-AFC4-6F175D3DCCD1}">
+              <a14:hiddenFill xmlns:a14="http://schemas.microsoft.com/office/drawing/2010/main">
+                <a:solidFill>
+                  <a:schemeClr val="accent1"/>
+                </a:solidFill>
+              </a14:hiddenFill>
+            </a:ext>
+            <a:ext uri="{91240B29-F687-4F45-9708-019B960494DF}">
+              <a14:hiddenLine xmlns:a14="http://schemas.microsoft.com/office/drawing/2010/main" w="9525">
+                <a:solidFill>
+                  <a:schemeClr val="tx1"/>
+                </a:solidFill>
+                <a:miter lim="800000"/>
+                <a:headEnd/>
+                <a:tailEnd/>
+              </a14:hiddenLine>
+            </a:ext>
+            <a:ext uri="{AF507438-7753-43E0-B8FC-AC1667EBCBE1}">
+              <a14:hiddenEffects xmlns:a14="http://schemas.microsoft.com/office/drawing/2010/main">
+                <a:effectLst>
+                  <a:outerShdw dist="35921" dir="2700000" algn="ctr" rotWithShape="0">
+                    <a:schemeClr val="bg2"/>
+                  </a:outerShdw>
+                </a:effectLst>
+              </a14:hiddenEffects>
+            </a:ext>
+          </a:extLst>
+        </p:spPr>
+        <p:txBody>
+          <a:bodyPr wrap="square">
+            <a:spAutoFit/>
+          </a:bodyPr>
+          <a:lstStyle/>
+          <a:p>
+            <a:pPr algn="ctr">
+              <a:lnSpc>
+                <a:spcPct val="100000"/>
+              </a:lnSpc>
+              <a:spcBef>
+                <a:spcPct val="50000"/>
+              </a:spcBef>
+            </a:pPr>
+            <a:r>
+              <a:rPr kumimoji="1" lang="en-US" altLang="ja-JP" sz="2000" b="1" dirty="0" smtClean="0">
+                <a:solidFill>
+                  <a:srgbClr val="000099"/>
+                </a:solidFill>
+                <a:effectLst>
+                  <a:outerShdw blurRad="38100" dist="38100" dir="2700000" algn="tl">
+                    <a:srgbClr val="C0C0C0"/>
+                  </a:outerShdw>
+                </a:effectLst>
+                <a:latin typeface="Arial" panose="020B0604020202020204" pitchFamily="34" charset="0"/>
+                <a:cs typeface="Arial" panose="020B0604020202020204" pitchFamily="34" charset="0"/>
+              </a:rPr>
+              <a:t>e-Pro </a:t>
+            </a:r>
+            <a:r>
+              <a:rPr kumimoji="1" lang="en-US" altLang="ja-JP" sz="2000" b="1" dirty="0">
+                <a:solidFill>
+                  <a:srgbClr val="000099"/>
+                </a:solidFill>
+                <a:effectLst>
+                  <a:outerShdw blurRad="38100" dist="38100" dir="2700000" algn="tl">
+                    <a:srgbClr val="C0C0C0"/>
+                  </a:outerShdw>
+                </a:effectLst>
+                <a:latin typeface="Arial" panose="020B0604020202020204" pitchFamily="34" charset="0"/>
+                <a:cs typeface="Arial" panose="020B0604020202020204" pitchFamily="34" charset="0"/>
+              </a:rPr>
+              <a:t>System</a:t>
+            </a:r>
+          </a:p>
+        </p:txBody>
+      </p:sp>
+      <p:pic>
+        <p:nvPicPr>
+          <p:cNvPr id="52" name="Picture 17" descr="C:\Program Files\Microsoft Office\MEDIA\CAGCAT10\j0195384.wmf"/>
+          <p:cNvPicPr>
+            <a:picLocks noChangeAspect="1" noChangeArrowheads="1"/>
+          </p:cNvPicPr>
+          <p:nvPr/>
+        </p:nvPicPr>
+        <p:blipFill>
+          <a:blip r:embed="rId4" cstate="print">
+            <a:extLst>
+              <a:ext uri="{28A0092B-C50C-407E-A947-70E740481C1C}">
+                <a14:useLocalDpi xmlns:a14="http://schemas.microsoft.com/office/drawing/2010/main" val="0"/>
+              </a:ext>
+            </a:extLst>
+          </a:blip>
+          <a:srcRect/>
+          <a:stretch>
+            <a:fillRect/>
+          </a:stretch>
+        </p:blipFill>
+        <p:spPr>
+          <a:xfrm>
+            <a:off x="3957195" y="2806516"/>
+            <a:ext cx="1097034" cy="877627"/>
+          </a:xfrm>
+          <a:prstGeom prst="rect">
+            <a:avLst/>
+          </a:prstGeom>
+          <a:noFill/>
+          <a:extLst>
+            <a:ext uri="{909E8E84-426E-40DD-AFC4-6F175D3DCCD1}">
+              <a14:hiddenFill xmlns:a14="http://schemas.microsoft.com/office/drawing/2010/main">
+                <a:solidFill>
+                  <a:srgbClr val="FFFFFF"/>
+                </a:solidFill>
+              </a14:hiddenFill>
+            </a:ext>
+          </a:extLst>
+        </p:spPr>
+      </p:pic>
+      <p:sp>
+        <p:nvSpPr>
+          <p:cNvPr id="53" name="Text Box 114"/>
+          <p:cNvSpPr txBox="1">
+            <a:spLocks noChangeArrowheads="1"/>
+          </p:cNvSpPr>
+          <p:nvPr/>
+        </p:nvSpPr>
+        <p:spPr bwMode="auto">
+          <a:xfrm>
+            <a:off x="3633410" y="4093529"/>
+            <a:ext cx="1325869" cy="477054"/>
+          </a:xfrm>
+          <a:prstGeom prst="rect">
+            <a:avLst/>
+          </a:prstGeom>
+          <a:noFill/>
+          <a:ln>
+            <a:noFill/>
+          </a:ln>
+          <a:effectLst/>
+          <a:extLst>
+            <a:ext uri="{909E8E84-426E-40DD-AFC4-6F175D3DCCD1}">
+              <a14:hiddenFill xmlns:a14="http://schemas.microsoft.com/office/drawing/2010/main">
+                <a:solidFill>
+                  <a:schemeClr val="accent1"/>
+                </a:solidFill>
+              </a14:hiddenFill>
+            </a:ext>
+            <a:ext uri="{91240B29-F687-4F45-9708-019B960494DF}">
+              <a14:hiddenLine xmlns:a14="http://schemas.microsoft.com/office/drawing/2010/main" w="9525">
+                <a:solidFill>
+                  <a:schemeClr val="tx1"/>
+                </a:solidFill>
+                <a:miter lim="800000"/>
+                <a:headEnd/>
+                <a:tailEnd/>
+              </a14:hiddenLine>
+            </a:ext>
+            <a:ext uri="{AF507438-7753-43E0-B8FC-AC1667EBCBE1}">
+              <a14:hiddenEffects xmlns:a14="http://schemas.microsoft.com/office/drawing/2010/main">
+                <a:effectLst>
+                  <a:outerShdw dist="35921" dir="2700000" algn="ctr" rotWithShape="0">
+                    <a:schemeClr val="bg2"/>
+                  </a:outerShdw>
+                </a:effectLst>
+              </a14:hiddenEffects>
+            </a:ext>
+          </a:extLst>
+        </p:spPr>
+        <p:txBody>
+          <a:bodyPr wrap="square">
+            <a:spAutoFit/>
+          </a:bodyPr>
+          <a:lstStyle/>
+          <a:p>
+            <a:pPr algn="l">
+              <a:lnSpc>
+                <a:spcPct val="100000"/>
+              </a:lnSpc>
+              <a:spcBef>
+                <a:spcPct val="50000"/>
+              </a:spcBef>
+            </a:pPr>
+            <a:r>
+              <a:rPr kumimoji="1" lang="en-US" altLang="ja-JP" sz="2500" b="1" dirty="0" smtClean="0">
+                <a:solidFill>
+                  <a:srgbClr val="FF0000"/>
+                </a:solidFill>
+                <a:effectLst>
+                  <a:outerShdw blurRad="38100" dist="38100" dir="2700000" algn="tl">
+                    <a:srgbClr val="C0C0C0"/>
+                  </a:outerShdw>
+                </a:effectLst>
+                <a:latin typeface="Arial" panose="020B0604020202020204" pitchFamily="34" charset="0"/>
+                <a:cs typeface="Arial" panose="020B0604020202020204" pitchFamily="34" charset="0"/>
+              </a:rPr>
+              <a:t>Excel</a:t>
+            </a:r>
+            <a:endParaRPr kumimoji="1" lang="en-US" altLang="ja-JP" sz="2500" b="1" dirty="0">
+              <a:solidFill>
+                <a:srgbClr val="FF0000"/>
+              </a:solidFill>
+              <a:effectLst>
+                <a:outerShdw blurRad="38100" dist="38100" dir="2700000" algn="tl">
+                  <a:srgbClr val="C0C0C0"/>
+                </a:outerShdw>
+              </a:effectLst>
+              <a:latin typeface="Arial" panose="020B0604020202020204" pitchFamily="34" charset="0"/>
+              <a:cs typeface="Arial" panose="020B0604020202020204" pitchFamily="34" charset="0"/>
+            </a:endParaRPr>
+          </a:p>
+        </p:txBody>
+      </p:sp>
+      <p:sp>
+        <p:nvSpPr>
+          <p:cNvPr id="58" name="Text Box 78"/>
+          <p:cNvSpPr txBox="1">
+            <a:spLocks noChangeArrowheads="1"/>
+          </p:cNvSpPr>
+          <p:nvPr/>
+        </p:nvSpPr>
+        <p:spPr bwMode="auto">
+          <a:xfrm>
+            <a:off x="2570360" y="3518839"/>
+            <a:ext cx="1302665" cy="523220"/>
+          </a:xfrm>
+          <a:prstGeom prst="rect">
+            <a:avLst/>
+          </a:prstGeom>
+          <a:solidFill>
+            <a:srgbClr val="FFFF00"/>
+          </a:solidFill>
+          <a:ln>
+            <a:noFill/>
+          </a:ln>
+          <a:effectLst/>
+          <a:extLst/>
+        </p:spPr>
+        <p:txBody>
+          <a:bodyPr wrap="square">
+            <a:spAutoFit/>
+          </a:bodyPr>
+          <a:lstStyle/>
+          <a:p>
+            <a:pPr algn="ctr">
+              <a:spcBef>
+                <a:spcPct val="50000"/>
+              </a:spcBef>
+            </a:pPr>
+            <a:r>
+              <a:rPr lang="en-US" altLang="ja-JP" sz="1400" b="1" dirty="0" smtClean="0">
+                <a:solidFill>
+                  <a:srgbClr val="0E067C"/>
+                </a:solidFill>
+                <a:latin typeface="Arial" panose="020B0604020202020204" pitchFamily="34" charset="0"/>
+                <a:cs typeface="Arial" panose="020B0604020202020204" pitchFamily="34" charset="0"/>
+              </a:rPr>
+              <a:t>Print </a:t>
+            </a:r>
+            <a:r>
+              <a:rPr lang="en-US" altLang="ja-JP" sz="1400" b="1" dirty="0" smtClean="0">
+                <a:solidFill>
+                  <a:srgbClr val="0E067C"/>
+                </a:solidFill>
+                <a:latin typeface="Arial" panose="020B0604020202020204" pitchFamily="34" charset="0"/>
+                <a:cs typeface="Arial" panose="020B0604020202020204" pitchFamily="34" charset="0"/>
+              </a:rPr>
+              <a:t>barcode</a:t>
+            </a:r>
+            <a:endParaRPr lang="en-US" altLang="ja-JP" sz="1400" b="1" dirty="0">
+              <a:solidFill>
+                <a:srgbClr val="0E067C"/>
+              </a:solidFill>
+              <a:latin typeface="Arial" panose="020B0604020202020204" pitchFamily="34" charset="0"/>
+              <a:cs typeface="Arial" panose="020B0604020202020204" pitchFamily="34" charset="0"/>
+            </a:endParaRPr>
+          </a:p>
+        </p:txBody>
+      </p:sp>
+      <p:sp>
+        <p:nvSpPr>
+          <p:cNvPr id="62" name="Text Box 113"/>
+          <p:cNvSpPr txBox="1">
+            <a:spLocks noChangeArrowheads="1"/>
+          </p:cNvSpPr>
+          <p:nvPr/>
+        </p:nvSpPr>
+        <p:spPr bwMode="auto">
+          <a:xfrm>
+            <a:off x="3331225" y="2329465"/>
+            <a:ext cx="1655763" cy="400110"/>
+          </a:xfrm>
+          <a:prstGeom prst="rect">
+            <a:avLst/>
+          </a:prstGeom>
+          <a:noFill/>
+          <a:ln>
+            <a:noFill/>
+          </a:ln>
+          <a:effectLst/>
+          <a:extLst>
+            <a:ext uri="{909E8E84-426E-40DD-AFC4-6F175D3DCCD1}">
+              <a14:hiddenFill xmlns:a14="http://schemas.microsoft.com/office/drawing/2010/main">
+                <a:solidFill>
+                  <a:schemeClr val="accent1"/>
+                </a:solidFill>
+              </a14:hiddenFill>
+            </a:ext>
+            <a:ext uri="{91240B29-F687-4F45-9708-019B960494DF}">
+              <a14:hiddenLine xmlns:a14="http://schemas.microsoft.com/office/drawing/2010/main" w="9525">
+                <a:solidFill>
+                  <a:schemeClr val="tx1"/>
+                </a:solidFill>
+                <a:miter lim="800000"/>
+                <a:headEnd/>
+                <a:tailEnd/>
+              </a14:hiddenLine>
+            </a:ext>
+            <a:ext uri="{AF507438-7753-43E0-B8FC-AC1667EBCBE1}">
+              <a14:hiddenEffects xmlns:a14="http://schemas.microsoft.com/office/drawing/2010/main">
+                <a:effectLst>
+                  <a:outerShdw dist="35921" dir="2700000" algn="ctr" rotWithShape="0">
+                    <a:schemeClr val="bg2"/>
+                  </a:outerShdw>
+                </a:effectLst>
+              </a14:hiddenEffects>
+            </a:ext>
+          </a:extLst>
+        </p:spPr>
+        <p:txBody>
+          <a:bodyPr wrap="square">
+            <a:spAutoFit/>
+          </a:bodyPr>
+          <a:lstStyle/>
+          <a:p>
+            <a:pPr algn="ctr">
+              <a:lnSpc>
+                <a:spcPct val="100000"/>
+              </a:lnSpc>
+              <a:spcBef>
+                <a:spcPct val="50000"/>
+              </a:spcBef>
+            </a:pPr>
+            <a:r>
+              <a:rPr kumimoji="1" lang="en-US" altLang="ja-JP" sz="2000" b="1" dirty="0" smtClean="0">
+                <a:solidFill>
+                  <a:srgbClr val="000099"/>
+                </a:solidFill>
+                <a:effectLst>
+                  <a:outerShdw blurRad="38100" dist="38100" dir="2700000" algn="tl">
+                    <a:srgbClr val="C0C0C0"/>
+                  </a:outerShdw>
+                </a:effectLst>
+                <a:latin typeface="Arial" panose="020B0604020202020204" pitchFamily="34" charset="0"/>
+                <a:cs typeface="Arial" panose="020B0604020202020204" pitchFamily="34" charset="0"/>
+              </a:rPr>
+              <a:t>Supplier</a:t>
+            </a:r>
+            <a:endParaRPr kumimoji="1" lang="en-US" altLang="ja-JP" sz="2000" b="1" dirty="0">
+              <a:solidFill>
+                <a:srgbClr val="000099"/>
+              </a:solidFill>
+              <a:effectLst>
+                <a:outerShdw blurRad="38100" dist="38100" dir="2700000" algn="tl">
+                  <a:srgbClr val="C0C0C0"/>
+                </a:outerShdw>
+              </a:effectLst>
+              <a:latin typeface="Arial" panose="020B0604020202020204" pitchFamily="34" charset="0"/>
+              <a:cs typeface="Arial" panose="020B0604020202020204" pitchFamily="34" charset="0"/>
+            </a:endParaRPr>
+          </a:p>
+        </p:txBody>
+      </p:sp>
+      <p:sp>
+        <p:nvSpPr>
+          <p:cNvPr id="64" name="Freeform 63"/>
+          <p:cNvSpPr/>
+          <p:nvPr/>
+        </p:nvSpPr>
+        <p:spPr>
+          <a:xfrm>
+            <a:off x="5326027" y="4710582"/>
+            <a:ext cx="682373" cy="45719"/>
+          </a:xfrm>
+          <a:custGeom>
+            <a:avLst/>
+            <a:gdLst>
+              <a:gd name="connsiteX0" fmla="*/ 0 w 1991213"/>
+              <a:gd name="connsiteY0" fmla="*/ 250746 h 612005"/>
+              <a:gd name="connsiteX1" fmla="*/ 1229194 w 1991213"/>
+              <a:gd name="connsiteY1" fmla="*/ 10904 h 612005"/>
+              <a:gd name="connsiteX2" fmla="*/ 1933731 w 1991213"/>
+              <a:gd name="connsiteY2" fmla="*/ 565540 h 612005"/>
+              <a:gd name="connsiteX3" fmla="*/ 1948721 w 1991213"/>
+              <a:gd name="connsiteY3" fmla="*/ 580530 h 612005"/>
+              <a:gd name="connsiteX4" fmla="*/ 1978702 w 1991213"/>
+              <a:gd name="connsiteY4" fmla="*/ 610510 h 612005"/>
+            </a:gdLst>
+            <a:ahLst/>
+            <a:cxnLst>
+              <a:cxn ang="0">
+                <a:pos x="connsiteX0" y="connsiteY0"/>
+              </a:cxn>
+              <a:cxn ang="0">
+                <a:pos x="connsiteX1" y="connsiteY1"/>
+              </a:cxn>
+              <a:cxn ang="0">
+                <a:pos x="connsiteX2" y="connsiteY2"/>
+              </a:cxn>
+              <a:cxn ang="0">
+                <a:pos x="connsiteX3" y="connsiteY3"/>
+              </a:cxn>
+              <a:cxn ang="0">
+                <a:pos x="connsiteX4" y="connsiteY4"/>
+              </a:cxn>
+            </a:cxnLst>
+            <a:rect l="l" t="t" r="r" b="b"/>
+            <a:pathLst>
+              <a:path w="1991213" h="612005">
+                <a:moveTo>
+                  <a:pt x="0" y="250746"/>
+                </a:moveTo>
+                <a:cubicBezTo>
+                  <a:pt x="453452" y="104592"/>
+                  <a:pt x="906905" y="-41562"/>
+                  <a:pt x="1229194" y="10904"/>
+                </a:cubicBezTo>
+                <a:cubicBezTo>
+                  <a:pt x="1551483" y="63370"/>
+                  <a:pt x="1813810" y="470602"/>
+                  <a:pt x="1933731" y="565540"/>
+                </a:cubicBezTo>
+                <a:cubicBezTo>
+                  <a:pt x="2053652" y="660478"/>
+                  <a:pt x="1948721" y="580530"/>
+                  <a:pt x="1948721" y="580530"/>
+                </a:cubicBezTo>
+                <a:lnTo>
+                  <a:pt x="1978702" y="610510"/>
+                </a:lnTo>
+              </a:path>
+            </a:pathLst>
+          </a:custGeom>
+          <a:noFill/>
+          <a:ln>
+            <a:solidFill>
+              <a:srgbClr val="2313F3"/>
+            </a:solidFill>
+            <a:prstDash val="sysDash"/>
+            <a:headEnd type="arrow" w="med" len="med"/>
+            <a:tailEnd type="arrow" w="med" len="med"/>
+          </a:ln>
+        </p:spPr>
+        <p:style>
+          <a:lnRef idx="2">
+            <a:schemeClr val="accent1">
+              <a:shade val="50000"/>
+            </a:schemeClr>
+          </a:lnRef>
+          <a:fillRef idx="1">
+            <a:schemeClr val="accent1"/>
+          </a:fillRef>
+          <a:effectRef idx="0">
+            <a:schemeClr val="accent1"/>
+          </a:effectRef>
+          <a:fontRef idx="minor">
+            <a:schemeClr val="lt1"/>
+          </a:fontRef>
+        </p:style>
+        <p:txBody>
+          <a:bodyPr rtlCol="0" anchor="ctr"/>
+          <a:lstStyle/>
+          <a:p>
+            <a:pPr algn="ctr"/>
+            <a:endParaRPr lang="en-US">
+              <a:latin typeface="Arial" panose="020B0604020202020204" pitchFamily="34" charset="0"/>
+              <a:cs typeface="Arial" panose="020B0604020202020204" pitchFamily="34" charset="0"/>
+            </a:endParaRPr>
+          </a:p>
+        </p:txBody>
+      </p:sp>
+      <p:sp>
+        <p:nvSpPr>
+          <p:cNvPr id="65" name="Text Box 113"/>
+          <p:cNvSpPr txBox="1">
+            <a:spLocks noChangeArrowheads="1"/>
+          </p:cNvSpPr>
+          <p:nvPr/>
+        </p:nvSpPr>
+        <p:spPr bwMode="auto">
+          <a:xfrm>
+            <a:off x="6338455" y="4894868"/>
+            <a:ext cx="786979" cy="400110"/>
+          </a:xfrm>
+          <a:prstGeom prst="rect">
+            <a:avLst/>
+          </a:prstGeom>
+          <a:noFill/>
+          <a:ln>
+            <a:noFill/>
+          </a:ln>
+          <a:effectLst/>
+          <a:extLst>
+            <a:ext uri="{909E8E84-426E-40DD-AFC4-6F175D3DCCD1}">
+              <a14:hiddenFill xmlns:a14="http://schemas.microsoft.com/office/drawing/2010/main">
+                <a:solidFill>
+                  <a:schemeClr val="accent1"/>
+                </a:solidFill>
+              </a14:hiddenFill>
+            </a:ext>
+            <a:ext uri="{91240B29-F687-4F45-9708-019B960494DF}">
+              <a14:hiddenLine xmlns:a14="http://schemas.microsoft.com/office/drawing/2010/main" w="9525">
+                <a:solidFill>
+                  <a:schemeClr val="tx1"/>
+                </a:solidFill>
+                <a:miter lim="800000"/>
+                <a:headEnd/>
+                <a:tailEnd/>
+              </a14:hiddenLine>
+            </a:ext>
+            <a:ext uri="{AF507438-7753-43E0-B8FC-AC1667EBCBE1}">
+              <a14:hiddenEffects xmlns:a14="http://schemas.microsoft.com/office/drawing/2010/main">
+                <a:effectLst>
+                  <a:outerShdw dist="35921" dir="2700000" algn="ctr" rotWithShape="0">
+                    <a:schemeClr val="bg2"/>
+                  </a:outerShdw>
+                </a:effectLst>
+              </a14:hiddenEffects>
+            </a:ext>
+          </a:extLst>
+        </p:spPr>
+        <p:txBody>
+          <a:bodyPr wrap="square">
+            <a:spAutoFit/>
+          </a:bodyPr>
+          <a:lstStyle/>
+          <a:p>
+            <a:pPr algn="ctr">
+              <a:lnSpc>
+                <a:spcPct val="100000"/>
+              </a:lnSpc>
+              <a:spcBef>
+                <a:spcPct val="50000"/>
+              </a:spcBef>
+            </a:pPr>
+            <a:r>
+              <a:rPr kumimoji="1" lang="en-US" altLang="ja-JP" sz="2000" b="1" dirty="0" smtClean="0">
+                <a:solidFill>
+                  <a:srgbClr val="000099"/>
+                </a:solidFill>
+                <a:effectLst>
+                  <a:outerShdw blurRad="38100" dist="38100" dir="2700000" algn="tl">
+                    <a:srgbClr val="C0C0C0"/>
+                  </a:outerShdw>
+                </a:effectLst>
+                <a:latin typeface="Arial" panose="020B0604020202020204" pitchFamily="34" charset="0"/>
+                <a:cs typeface="Arial" panose="020B0604020202020204" pitchFamily="34" charset="0"/>
+              </a:rPr>
+              <a:t>SAP</a:t>
+            </a:r>
+            <a:endParaRPr kumimoji="1" lang="en-US" altLang="ja-JP" sz="2000" b="1" dirty="0">
+              <a:solidFill>
+                <a:srgbClr val="000099"/>
+              </a:solidFill>
+              <a:effectLst>
+                <a:outerShdw blurRad="38100" dist="38100" dir="2700000" algn="tl">
+                  <a:srgbClr val="C0C0C0"/>
+                </a:outerShdw>
+              </a:effectLst>
+              <a:latin typeface="Arial" panose="020B0604020202020204" pitchFamily="34" charset="0"/>
+              <a:cs typeface="Arial" panose="020B0604020202020204" pitchFamily="34" charset="0"/>
+            </a:endParaRPr>
+          </a:p>
+        </p:txBody>
+      </p:sp>
+      <p:pic>
+        <p:nvPicPr>
+          <p:cNvPr id="67" name="Picture 2"/>
+          <p:cNvPicPr>
+            <a:picLocks noChangeAspect="1" noChangeArrowheads="1"/>
+          </p:cNvPicPr>
+          <p:nvPr/>
+        </p:nvPicPr>
+        <p:blipFill>
+          <a:blip r:embed="rId5">
+            <a:extLst>
+              <a:ext uri="{28A0092B-C50C-407E-A947-70E740481C1C}">
+                <a14:useLocalDpi xmlns:a14="http://schemas.microsoft.com/office/drawing/2010/main" val="0"/>
+              </a:ext>
+            </a:extLst>
+          </a:blip>
+          <a:srcRect/>
+          <a:stretch>
+            <a:fillRect/>
+          </a:stretch>
+        </p:blipFill>
+        <p:spPr bwMode="auto">
+          <a:xfrm>
+            <a:off x="3342614" y="5094923"/>
+            <a:ext cx="816492" cy="863825"/>
+          </a:xfrm>
+          <a:prstGeom prst="rect">
+            <a:avLst/>
+          </a:prstGeom>
+          <a:noFill/>
+          <a:ln>
+            <a:noFill/>
+          </a:ln>
+          <a:extLst>
+            <a:ext uri="{909E8E84-426E-40DD-AFC4-6F175D3DCCD1}">
+              <a14:hiddenFill xmlns:a14="http://schemas.microsoft.com/office/drawing/2010/main">
+                <a:solidFill>
+                  <a:schemeClr val="accent1"/>
+                </a:solidFill>
+              </a14:hiddenFill>
+            </a:ext>
+            <a:ext uri="{91240B29-F687-4F45-9708-019B960494DF}">
+              <a14:hiddenLine xmlns:a14="http://schemas.microsoft.com/office/drawing/2010/main" w="9525">
+                <a:solidFill>
+                  <a:schemeClr val="tx1"/>
+                </a:solidFill>
+                <a:miter lim="800000"/>
+                <a:headEnd/>
+                <a:tailEnd/>
+              </a14:hiddenLine>
+            </a:ext>
+          </a:extLst>
+        </p:spPr>
+      </p:pic>
+      <p:sp>
+        <p:nvSpPr>
+          <p:cNvPr id="68" name="AutoShape 83"/>
+          <p:cNvSpPr>
+            <a:spLocks noChangeArrowheads="1"/>
+          </p:cNvSpPr>
+          <p:nvPr/>
+        </p:nvSpPr>
+        <p:spPr bwMode="auto">
+          <a:xfrm rot="1085408">
+            <a:off x="3298291" y="2846201"/>
+            <a:ext cx="801494" cy="176958"/>
+          </a:xfrm>
+          <a:prstGeom prst="notchedRightArrow">
+            <a:avLst>
+              <a:gd name="adj1" fmla="val 50000"/>
+              <a:gd name="adj2" fmla="val 69934"/>
+            </a:avLst>
+          </a:prstGeom>
+          <a:solidFill>
+            <a:srgbClr val="0000FF"/>
+          </a:solidFill>
+          <a:ln w="9525" algn="ctr">
+            <a:solidFill>
+              <a:schemeClr val="tx1"/>
+            </a:solidFill>
+            <a:miter lim="800000"/>
+            <a:headEnd/>
+            <a:tailEnd/>
+          </a:ln>
+          <a:effectLst/>
+          <a:extLst>
+            <a:ext uri="{AF507438-7753-43E0-B8FC-AC1667EBCBE1}">
+              <a14:hiddenEffects xmlns:a14="http://schemas.microsoft.com/office/drawing/2010/main">
+                <a:effectLst>
+                  <a:outerShdw dist="35921" dir="2700000" algn="ctr" rotWithShape="0">
+                    <a:schemeClr val="bg2"/>
+                  </a:outerShdw>
+                </a:effectLst>
+              </a14:hiddenEffects>
+            </a:ext>
+          </a:extLst>
+        </p:spPr>
+        <p:txBody>
+          <a:bodyPr wrap="none" anchor="ctr"/>
+          <a:lstStyle/>
+          <a:p>
+            <a:endParaRPr lang="en-US">
+              <a:latin typeface="Arial" panose="020B0604020202020204" pitchFamily="34" charset="0"/>
+              <a:cs typeface="Arial" panose="020B0604020202020204" pitchFamily="34" charset="0"/>
+            </a:endParaRPr>
+          </a:p>
+        </p:txBody>
+      </p:sp>
+      <p:sp>
+        <p:nvSpPr>
+          <p:cNvPr id="69" name="AutoShape 83"/>
+          <p:cNvSpPr>
+            <a:spLocks noChangeArrowheads="1"/>
+          </p:cNvSpPr>
+          <p:nvPr/>
+        </p:nvSpPr>
+        <p:spPr bwMode="auto">
+          <a:xfrm rot="7907941" flipV="1">
+            <a:off x="3649229" y="3412000"/>
+            <a:ext cx="486223" cy="177378"/>
+          </a:xfrm>
+          <a:prstGeom prst="notchedRightArrow">
+            <a:avLst>
+              <a:gd name="adj1" fmla="val 50000"/>
+              <a:gd name="adj2" fmla="val 69934"/>
+            </a:avLst>
+          </a:prstGeom>
+          <a:solidFill>
+            <a:srgbClr val="0000FF"/>
+          </a:solidFill>
+          <a:ln w="9525" algn="ctr">
+            <a:solidFill>
+              <a:schemeClr val="tx1"/>
+            </a:solidFill>
+            <a:miter lim="800000"/>
+            <a:headEnd/>
+            <a:tailEnd/>
+          </a:ln>
+          <a:effectLst/>
+          <a:extLst>
+            <a:ext uri="{AF507438-7753-43E0-B8FC-AC1667EBCBE1}">
+              <a14:hiddenEffects xmlns:a14="http://schemas.microsoft.com/office/drawing/2010/main">
+                <a:effectLst>
+                  <a:outerShdw dist="35921" dir="2700000" algn="ctr" rotWithShape="0">
+                    <a:schemeClr val="bg2"/>
+                  </a:outerShdw>
+                </a:effectLst>
+              </a14:hiddenEffects>
+            </a:ext>
+          </a:extLst>
+        </p:spPr>
+        <p:txBody>
+          <a:bodyPr wrap="none" anchor="ctr"/>
+          <a:lstStyle/>
+          <a:p>
+            <a:endParaRPr lang="en-US">
+              <a:latin typeface="Arial" panose="020B0604020202020204" pitchFamily="34" charset="0"/>
+              <a:cs typeface="Arial" panose="020B0604020202020204" pitchFamily="34" charset="0"/>
+            </a:endParaRPr>
+          </a:p>
+        </p:txBody>
+      </p:sp>
     </p:spTree>
     <p:extLst>
       <p:ext uri="{BB962C8B-B14F-4D97-AF65-F5344CB8AC3E}">
@@ -34511,9 +37596,6 @@
             </a:lstStyle>
             <a:p>
               <a:pPr algn="ctr">
-                <a:lnSpc>
-                  <a:spcPct val="150000"/>
-                </a:lnSpc>
                 <a:spcBef>
                   <a:spcPct val="0"/>
                 </a:spcBef>
@@ -34524,14 +37606,18 @@
                   <a:solidFill>
                     <a:srgbClr val="FFFFCC"/>
                   </a:solidFill>
-                  <a:ea typeface="HGP創英角ｺﾞｼｯｸUB"/>
+                  <a:ea typeface="Meiryo UI" panose="020B0604030504040204" pitchFamily="50" charset="-128"/>
+                  <a:cs typeface="Arial" panose="020B0604020202020204" pitchFamily="34" charset="0"/>
                 </a:rPr>
-                <a:t>Total Improvement Result</a:t>
+                <a:t>Current Issue &amp; Improvement Activities Theme 2</a:t>
               </a:r>
-              <a:endParaRPr lang="en-US" sz="2000" b="1" dirty="0">
+              <a:endParaRPr lang="en-US" altLang="ja-JP" sz="2000" b="1" dirty="0">
                 <a:solidFill>
                   <a:srgbClr val="FFFFCC"/>
                 </a:solidFill>
+                <a:latin typeface="+mn-lt"/>
+                <a:ea typeface="Meiryo UI" panose="020B0604030504040204" pitchFamily="50" charset="-128"/>
+                <a:cs typeface="Arial" panose="020B0604020202020204" pitchFamily="34" charset="0"/>
               </a:endParaRPr>
             </a:p>
           </p:txBody>
@@ -34632,16 +37718,1113 @@
           </p:txBody>
         </p:sp>
       </p:grpSp>
+      <p:sp>
+        <p:nvSpPr>
+          <p:cNvPr id="6" name="Rectangle 5"/>
+          <p:cNvSpPr/>
+          <p:nvPr/>
+        </p:nvSpPr>
+        <p:spPr>
+          <a:xfrm>
+            <a:off x="47260" y="633616"/>
+            <a:ext cx="9064036" cy="737984"/>
+          </a:xfrm>
+          <a:prstGeom prst="rect">
+            <a:avLst/>
+          </a:prstGeom>
+          <a:solidFill>
+            <a:schemeClr val="accent5">
+              <a:lumMod val="20000"/>
+              <a:lumOff val="80000"/>
+            </a:schemeClr>
+          </a:solidFill>
+        </p:spPr>
+        <p:style>
+          <a:lnRef idx="2">
+            <a:schemeClr val="accent1">
+              <a:shade val="50000"/>
+            </a:schemeClr>
+          </a:lnRef>
+          <a:fillRef idx="1">
+            <a:schemeClr val="accent1"/>
+          </a:fillRef>
+          <a:effectRef idx="0">
+            <a:schemeClr val="accent1"/>
+          </a:effectRef>
+          <a:fontRef idx="minor">
+            <a:schemeClr val="lt1"/>
+          </a:fontRef>
+        </p:style>
+        <p:txBody>
+          <a:bodyPr rtlCol="0" anchor="ctr"/>
+          <a:lstStyle/>
+          <a:p>
+            <a:r>
+              <a:rPr kumimoji="1" lang="en-US" altLang="ja-JP" b="1" dirty="0" smtClean="0">
+                <a:solidFill>
+                  <a:srgbClr val="0000FF"/>
+                </a:solidFill>
+                <a:latin typeface="Arial" panose="020B0604020202020204" pitchFamily="34" charset="0"/>
+                <a:ea typeface="HGP創英角ｺﾞｼｯｸUB" pitchFamily="50" charset="-128"/>
+                <a:cs typeface="Arial" panose="020B0604020202020204" pitchFamily="34" charset="0"/>
+              </a:rPr>
+              <a:t>Approach</a:t>
+            </a:r>
+            <a:r>
+              <a:rPr kumimoji="1" lang="en-US" altLang="ja-JP" b="1" dirty="0" smtClean="0">
+                <a:solidFill>
+                  <a:schemeClr val="tx1"/>
+                </a:solidFill>
+                <a:latin typeface="Arial" panose="020B0604020202020204" pitchFamily="34" charset="0"/>
+                <a:ea typeface="HGP創英角ｺﾞｼｯｸUB" pitchFamily="50" charset="-128"/>
+                <a:cs typeface="Arial" panose="020B0604020202020204" pitchFamily="34" charset="0"/>
+              </a:rPr>
+              <a:t>:</a:t>
+            </a:r>
+            <a:endParaRPr lang="en-US" dirty="0">
+              <a:solidFill>
+                <a:schemeClr val="tx1"/>
+              </a:solidFill>
+              <a:latin typeface="Arial" panose="020B0604020202020204" pitchFamily="34" charset="0"/>
+              <a:cs typeface="Arial" panose="020B0604020202020204" pitchFamily="34" charset="0"/>
+            </a:endParaRPr>
+          </a:p>
+        </p:txBody>
+      </p:sp>
+      <p:sp>
+        <p:nvSpPr>
+          <p:cNvPr id="7" name="Rectangle 6"/>
+          <p:cNvSpPr>
+            <a:spLocks noChangeArrowheads="1"/>
+          </p:cNvSpPr>
+          <p:nvPr/>
+        </p:nvSpPr>
+        <p:spPr bwMode="auto">
+          <a:xfrm>
+            <a:off x="13606" y="1417664"/>
+            <a:ext cx="2459192" cy="368591"/>
+          </a:xfrm>
+          <a:prstGeom prst="rect">
+            <a:avLst/>
+          </a:prstGeom>
+          <a:solidFill>
+            <a:srgbClr val="0000CC"/>
+          </a:solidFill>
+          <a:ln w="9525">
+            <a:solidFill>
+              <a:srgbClr val="333399"/>
+            </a:solidFill>
+            <a:miter lim="800000"/>
+            <a:headEnd/>
+            <a:tailEnd/>
+          </a:ln>
+        </p:spPr>
+        <p:txBody>
+          <a:bodyPr wrap="none" anchor="ctr"/>
+          <a:lstStyle>
+            <a:lvl1pPr eaLnBrk="0" hangingPunct="0">
+              <a:defRPr>
+                <a:solidFill>
+                  <a:schemeClr val="tx1"/>
+                </a:solidFill>
+                <a:latin typeface="Arial" charset="0"/>
+                <a:cs typeface="Arial" charset="0"/>
+              </a:defRPr>
+            </a:lvl1pPr>
+            <a:lvl2pPr marL="742950" indent="-285750" eaLnBrk="0" hangingPunct="0">
+              <a:defRPr>
+                <a:solidFill>
+                  <a:schemeClr val="tx1"/>
+                </a:solidFill>
+                <a:latin typeface="Arial" charset="0"/>
+                <a:cs typeface="Arial" charset="0"/>
+              </a:defRPr>
+            </a:lvl2pPr>
+            <a:lvl3pPr marL="1143000" indent="-228600" eaLnBrk="0" hangingPunct="0">
+              <a:defRPr>
+                <a:solidFill>
+                  <a:schemeClr val="tx1"/>
+                </a:solidFill>
+                <a:latin typeface="Arial" charset="0"/>
+                <a:cs typeface="Arial" charset="0"/>
+              </a:defRPr>
+            </a:lvl3pPr>
+            <a:lvl4pPr marL="1600200" indent="-228600" eaLnBrk="0" hangingPunct="0">
+              <a:defRPr>
+                <a:solidFill>
+                  <a:schemeClr val="tx1"/>
+                </a:solidFill>
+                <a:latin typeface="Arial" charset="0"/>
+                <a:cs typeface="Arial" charset="0"/>
+              </a:defRPr>
+            </a:lvl4pPr>
+            <a:lvl5pPr marL="2057400" indent="-228600" eaLnBrk="0" hangingPunct="0">
+              <a:defRPr>
+                <a:solidFill>
+                  <a:schemeClr val="tx1"/>
+                </a:solidFill>
+                <a:latin typeface="Arial" charset="0"/>
+                <a:cs typeface="Arial" charset="0"/>
+              </a:defRPr>
+            </a:lvl5pPr>
+            <a:lvl6pPr marL="2514600" indent="-228600" eaLnBrk="0" fontAlgn="base" hangingPunct="0">
+              <a:spcBef>
+                <a:spcPct val="0"/>
+              </a:spcBef>
+              <a:spcAft>
+                <a:spcPct val="0"/>
+              </a:spcAft>
+              <a:defRPr>
+                <a:solidFill>
+                  <a:schemeClr val="tx1"/>
+                </a:solidFill>
+                <a:latin typeface="Arial" charset="0"/>
+                <a:cs typeface="Arial" charset="0"/>
+              </a:defRPr>
+            </a:lvl6pPr>
+            <a:lvl7pPr marL="2971800" indent="-228600" eaLnBrk="0" fontAlgn="base" hangingPunct="0">
+              <a:spcBef>
+                <a:spcPct val="0"/>
+              </a:spcBef>
+              <a:spcAft>
+                <a:spcPct val="0"/>
+              </a:spcAft>
+              <a:defRPr>
+                <a:solidFill>
+                  <a:schemeClr val="tx1"/>
+                </a:solidFill>
+                <a:latin typeface="Arial" charset="0"/>
+                <a:cs typeface="Arial" charset="0"/>
+              </a:defRPr>
+            </a:lvl7pPr>
+            <a:lvl8pPr marL="3429000" indent="-228600" eaLnBrk="0" fontAlgn="base" hangingPunct="0">
+              <a:spcBef>
+                <a:spcPct val="0"/>
+              </a:spcBef>
+              <a:spcAft>
+                <a:spcPct val="0"/>
+              </a:spcAft>
+              <a:defRPr>
+                <a:solidFill>
+                  <a:schemeClr val="tx1"/>
+                </a:solidFill>
+                <a:latin typeface="Arial" charset="0"/>
+                <a:cs typeface="Arial" charset="0"/>
+              </a:defRPr>
+            </a:lvl8pPr>
+            <a:lvl9pPr marL="3886200" indent="-228600" eaLnBrk="0" fontAlgn="base" hangingPunct="0">
+              <a:spcBef>
+                <a:spcPct val="0"/>
+              </a:spcBef>
+              <a:spcAft>
+                <a:spcPct val="0"/>
+              </a:spcAft>
+              <a:defRPr>
+                <a:solidFill>
+                  <a:schemeClr val="tx1"/>
+                </a:solidFill>
+                <a:latin typeface="Arial" charset="0"/>
+                <a:cs typeface="Arial" charset="0"/>
+              </a:defRPr>
+            </a:lvl9pPr>
+          </a:lstStyle>
+          <a:p>
+            <a:pPr algn="ctr" eaLnBrk="1" hangingPunct="1"/>
+            <a:r>
+              <a:rPr kumimoji="1" lang="en-US" altLang="ja-JP" sz="2000" b="1" dirty="0">
+                <a:solidFill>
+                  <a:schemeClr val="bg1"/>
+                </a:solidFill>
+                <a:latin typeface="Arial" panose="020B0604020202020204" pitchFamily="34" charset="0"/>
+                <a:ea typeface="HGP創英角ｺﾞｼｯｸUB" pitchFamily="50" charset="-128"/>
+                <a:cs typeface="Arial" panose="020B0604020202020204" pitchFamily="34" charset="0"/>
+              </a:rPr>
+              <a:t>Main </a:t>
+            </a:r>
+            <a:r>
+              <a:rPr kumimoji="1" lang="en-US" altLang="ja-JP" sz="2000" b="1" dirty="0" smtClean="0">
+                <a:solidFill>
+                  <a:schemeClr val="bg1"/>
+                </a:solidFill>
+                <a:latin typeface="Arial" panose="020B0604020202020204" pitchFamily="34" charset="0"/>
+                <a:ea typeface="HGP創英角ｺﾞｼｯｸUB" pitchFamily="50" charset="-128"/>
+                <a:cs typeface="Arial" panose="020B0604020202020204" pitchFamily="34" charset="0"/>
+              </a:rPr>
+              <a:t>Issue</a:t>
+            </a:r>
+            <a:endParaRPr kumimoji="1" lang="en-US" altLang="ja-JP" sz="2000" b="1" dirty="0">
+              <a:solidFill>
+                <a:schemeClr val="bg1"/>
+              </a:solidFill>
+              <a:latin typeface="Arial" panose="020B0604020202020204" pitchFamily="34" charset="0"/>
+              <a:ea typeface="HGP創英角ｺﾞｼｯｸUB" pitchFamily="50" charset="-128"/>
+              <a:cs typeface="Arial" panose="020B0604020202020204" pitchFamily="34" charset="0"/>
+            </a:endParaRPr>
+          </a:p>
+        </p:txBody>
+      </p:sp>
+      <p:sp>
+        <p:nvSpPr>
+          <p:cNvPr id="8" name="Rectangle 5"/>
+          <p:cNvSpPr>
+            <a:spLocks noChangeArrowheads="1"/>
+          </p:cNvSpPr>
+          <p:nvPr/>
+        </p:nvSpPr>
+        <p:spPr bwMode="auto">
+          <a:xfrm>
+            <a:off x="2514599" y="1418990"/>
+            <a:ext cx="5029201" cy="377025"/>
+          </a:xfrm>
+          <a:prstGeom prst="rect">
+            <a:avLst/>
+          </a:prstGeom>
+          <a:solidFill>
+            <a:srgbClr val="0000CC"/>
+          </a:solidFill>
+          <a:ln w="9525">
+            <a:solidFill>
+              <a:srgbClr val="333399"/>
+            </a:solidFill>
+            <a:miter lim="800000"/>
+            <a:headEnd/>
+            <a:tailEnd/>
+          </a:ln>
+        </p:spPr>
+        <p:txBody>
+          <a:bodyPr wrap="none" anchor="ctr"/>
+          <a:lstStyle>
+            <a:lvl1pPr eaLnBrk="0" hangingPunct="0">
+              <a:defRPr>
+                <a:solidFill>
+                  <a:schemeClr val="tx1"/>
+                </a:solidFill>
+                <a:latin typeface="Arial" charset="0"/>
+                <a:cs typeface="Arial" charset="0"/>
+              </a:defRPr>
+            </a:lvl1pPr>
+            <a:lvl2pPr marL="742950" indent="-285750" eaLnBrk="0" hangingPunct="0">
+              <a:defRPr>
+                <a:solidFill>
+                  <a:schemeClr val="tx1"/>
+                </a:solidFill>
+                <a:latin typeface="Arial" charset="0"/>
+                <a:cs typeface="Arial" charset="0"/>
+              </a:defRPr>
+            </a:lvl2pPr>
+            <a:lvl3pPr marL="1143000" indent="-228600" eaLnBrk="0" hangingPunct="0">
+              <a:defRPr>
+                <a:solidFill>
+                  <a:schemeClr val="tx1"/>
+                </a:solidFill>
+                <a:latin typeface="Arial" charset="0"/>
+                <a:cs typeface="Arial" charset="0"/>
+              </a:defRPr>
+            </a:lvl3pPr>
+            <a:lvl4pPr marL="1600200" indent="-228600" eaLnBrk="0" hangingPunct="0">
+              <a:defRPr>
+                <a:solidFill>
+                  <a:schemeClr val="tx1"/>
+                </a:solidFill>
+                <a:latin typeface="Arial" charset="0"/>
+                <a:cs typeface="Arial" charset="0"/>
+              </a:defRPr>
+            </a:lvl4pPr>
+            <a:lvl5pPr marL="2057400" indent="-228600" eaLnBrk="0" hangingPunct="0">
+              <a:defRPr>
+                <a:solidFill>
+                  <a:schemeClr val="tx1"/>
+                </a:solidFill>
+                <a:latin typeface="Arial" charset="0"/>
+                <a:cs typeface="Arial" charset="0"/>
+              </a:defRPr>
+            </a:lvl5pPr>
+            <a:lvl6pPr marL="2514600" indent="-228600" eaLnBrk="0" fontAlgn="base" hangingPunct="0">
+              <a:spcBef>
+                <a:spcPct val="0"/>
+              </a:spcBef>
+              <a:spcAft>
+                <a:spcPct val="0"/>
+              </a:spcAft>
+              <a:defRPr>
+                <a:solidFill>
+                  <a:schemeClr val="tx1"/>
+                </a:solidFill>
+                <a:latin typeface="Arial" charset="0"/>
+                <a:cs typeface="Arial" charset="0"/>
+              </a:defRPr>
+            </a:lvl6pPr>
+            <a:lvl7pPr marL="2971800" indent="-228600" eaLnBrk="0" fontAlgn="base" hangingPunct="0">
+              <a:spcBef>
+                <a:spcPct val="0"/>
+              </a:spcBef>
+              <a:spcAft>
+                <a:spcPct val="0"/>
+              </a:spcAft>
+              <a:defRPr>
+                <a:solidFill>
+                  <a:schemeClr val="tx1"/>
+                </a:solidFill>
+                <a:latin typeface="Arial" charset="0"/>
+                <a:cs typeface="Arial" charset="0"/>
+              </a:defRPr>
+            </a:lvl7pPr>
+            <a:lvl8pPr marL="3429000" indent="-228600" eaLnBrk="0" fontAlgn="base" hangingPunct="0">
+              <a:spcBef>
+                <a:spcPct val="0"/>
+              </a:spcBef>
+              <a:spcAft>
+                <a:spcPct val="0"/>
+              </a:spcAft>
+              <a:defRPr>
+                <a:solidFill>
+                  <a:schemeClr val="tx1"/>
+                </a:solidFill>
+                <a:latin typeface="Arial" charset="0"/>
+                <a:cs typeface="Arial" charset="0"/>
+              </a:defRPr>
+            </a:lvl8pPr>
+            <a:lvl9pPr marL="3886200" indent="-228600" eaLnBrk="0" fontAlgn="base" hangingPunct="0">
+              <a:spcBef>
+                <a:spcPct val="0"/>
+              </a:spcBef>
+              <a:spcAft>
+                <a:spcPct val="0"/>
+              </a:spcAft>
+              <a:defRPr>
+                <a:solidFill>
+                  <a:schemeClr val="tx1"/>
+                </a:solidFill>
+                <a:latin typeface="Arial" charset="0"/>
+                <a:cs typeface="Arial" charset="0"/>
+              </a:defRPr>
+            </a:lvl9pPr>
+          </a:lstStyle>
+          <a:p>
+            <a:pPr algn="ctr" eaLnBrk="1" hangingPunct="1"/>
+            <a:r>
+              <a:rPr kumimoji="1" lang="en-US" altLang="ja-JP" sz="2000" b="1" dirty="0">
+                <a:solidFill>
+                  <a:schemeClr val="bg1"/>
+                </a:solidFill>
+                <a:latin typeface="Arial" panose="020B0604020202020204" pitchFamily="34" charset="0"/>
+                <a:ea typeface="HGP創英角ｺﾞｼｯｸUB" pitchFamily="50" charset="-128"/>
+                <a:cs typeface="Arial" panose="020B0604020202020204" pitchFamily="34" charset="0"/>
+              </a:rPr>
+              <a:t>Corrective Action</a:t>
+            </a:r>
+          </a:p>
+        </p:txBody>
+      </p:sp>
+      <p:sp>
+        <p:nvSpPr>
+          <p:cNvPr id="12" name="Rectangle 9"/>
+          <p:cNvSpPr>
+            <a:spLocks noChangeArrowheads="1"/>
+          </p:cNvSpPr>
+          <p:nvPr/>
+        </p:nvSpPr>
+        <p:spPr bwMode="auto">
+          <a:xfrm>
+            <a:off x="7585601" y="1417388"/>
+            <a:ext cx="1511140" cy="380230"/>
+          </a:xfrm>
+          <a:prstGeom prst="rect">
+            <a:avLst/>
+          </a:prstGeom>
+          <a:solidFill>
+            <a:srgbClr val="0000CC"/>
+          </a:solidFill>
+          <a:ln w="9525">
+            <a:solidFill>
+              <a:srgbClr val="333399"/>
+            </a:solidFill>
+            <a:miter lim="800000"/>
+            <a:headEnd/>
+            <a:tailEnd/>
+          </a:ln>
+        </p:spPr>
+        <p:txBody>
+          <a:bodyPr wrap="none" anchor="ctr"/>
+          <a:lstStyle>
+            <a:lvl1pPr eaLnBrk="0" hangingPunct="0">
+              <a:defRPr>
+                <a:solidFill>
+                  <a:schemeClr val="tx1"/>
+                </a:solidFill>
+                <a:latin typeface="Arial" charset="0"/>
+                <a:cs typeface="Arial" charset="0"/>
+              </a:defRPr>
+            </a:lvl1pPr>
+            <a:lvl2pPr marL="742950" indent="-285750" eaLnBrk="0" hangingPunct="0">
+              <a:defRPr>
+                <a:solidFill>
+                  <a:schemeClr val="tx1"/>
+                </a:solidFill>
+                <a:latin typeface="Arial" charset="0"/>
+                <a:cs typeface="Arial" charset="0"/>
+              </a:defRPr>
+            </a:lvl2pPr>
+            <a:lvl3pPr marL="1143000" indent="-228600" eaLnBrk="0" hangingPunct="0">
+              <a:defRPr>
+                <a:solidFill>
+                  <a:schemeClr val="tx1"/>
+                </a:solidFill>
+                <a:latin typeface="Arial" charset="0"/>
+                <a:cs typeface="Arial" charset="0"/>
+              </a:defRPr>
+            </a:lvl3pPr>
+            <a:lvl4pPr marL="1600200" indent="-228600" eaLnBrk="0" hangingPunct="0">
+              <a:defRPr>
+                <a:solidFill>
+                  <a:schemeClr val="tx1"/>
+                </a:solidFill>
+                <a:latin typeface="Arial" charset="0"/>
+                <a:cs typeface="Arial" charset="0"/>
+              </a:defRPr>
+            </a:lvl4pPr>
+            <a:lvl5pPr marL="2057400" indent="-228600" eaLnBrk="0" hangingPunct="0">
+              <a:defRPr>
+                <a:solidFill>
+                  <a:schemeClr val="tx1"/>
+                </a:solidFill>
+                <a:latin typeface="Arial" charset="0"/>
+                <a:cs typeface="Arial" charset="0"/>
+              </a:defRPr>
+            </a:lvl5pPr>
+            <a:lvl6pPr marL="2514600" indent="-228600" eaLnBrk="0" fontAlgn="base" hangingPunct="0">
+              <a:spcBef>
+                <a:spcPct val="0"/>
+              </a:spcBef>
+              <a:spcAft>
+                <a:spcPct val="0"/>
+              </a:spcAft>
+              <a:defRPr>
+                <a:solidFill>
+                  <a:schemeClr val="tx1"/>
+                </a:solidFill>
+                <a:latin typeface="Arial" charset="0"/>
+                <a:cs typeface="Arial" charset="0"/>
+              </a:defRPr>
+            </a:lvl6pPr>
+            <a:lvl7pPr marL="2971800" indent="-228600" eaLnBrk="0" fontAlgn="base" hangingPunct="0">
+              <a:spcBef>
+                <a:spcPct val="0"/>
+              </a:spcBef>
+              <a:spcAft>
+                <a:spcPct val="0"/>
+              </a:spcAft>
+              <a:defRPr>
+                <a:solidFill>
+                  <a:schemeClr val="tx1"/>
+                </a:solidFill>
+                <a:latin typeface="Arial" charset="0"/>
+                <a:cs typeface="Arial" charset="0"/>
+              </a:defRPr>
+            </a:lvl7pPr>
+            <a:lvl8pPr marL="3429000" indent="-228600" eaLnBrk="0" fontAlgn="base" hangingPunct="0">
+              <a:spcBef>
+                <a:spcPct val="0"/>
+              </a:spcBef>
+              <a:spcAft>
+                <a:spcPct val="0"/>
+              </a:spcAft>
+              <a:defRPr>
+                <a:solidFill>
+                  <a:schemeClr val="tx1"/>
+                </a:solidFill>
+                <a:latin typeface="Arial" charset="0"/>
+                <a:cs typeface="Arial" charset="0"/>
+              </a:defRPr>
+            </a:lvl8pPr>
+            <a:lvl9pPr marL="3886200" indent="-228600" eaLnBrk="0" fontAlgn="base" hangingPunct="0">
+              <a:spcBef>
+                <a:spcPct val="0"/>
+              </a:spcBef>
+              <a:spcAft>
+                <a:spcPct val="0"/>
+              </a:spcAft>
+              <a:defRPr>
+                <a:solidFill>
+                  <a:schemeClr val="tx1"/>
+                </a:solidFill>
+                <a:latin typeface="Arial" charset="0"/>
+                <a:cs typeface="Arial" charset="0"/>
+              </a:defRPr>
+            </a:lvl9pPr>
+          </a:lstStyle>
+          <a:p>
+            <a:pPr algn="ctr" eaLnBrk="1" hangingPunct="1"/>
+            <a:r>
+              <a:rPr kumimoji="1" lang="en-US" altLang="ja-JP" sz="2000" b="1" dirty="0" smtClean="0">
+                <a:solidFill>
+                  <a:schemeClr val="bg1"/>
+                </a:solidFill>
+                <a:latin typeface="Arial" panose="020B0604020202020204" pitchFamily="34" charset="0"/>
+                <a:ea typeface="HGP創英角ｺﾞｼｯｸUB" pitchFamily="50" charset="-128"/>
+                <a:cs typeface="Arial" panose="020B0604020202020204" pitchFamily="34" charset="0"/>
+              </a:rPr>
+              <a:t>Result</a:t>
+            </a:r>
+            <a:endParaRPr kumimoji="1" lang="en-US" altLang="ja-JP" sz="2000" b="1" dirty="0">
+              <a:solidFill>
+                <a:schemeClr val="bg1"/>
+              </a:solidFill>
+              <a:latin typeface="Arial" panose="020B0604020202020204" pitchFamily="34" charset="0"/>
+              <a:ea typeface="HGP創英角ｺﾞｼｯｸUB" pitchFamily="50" charset="-128"/>
+              <a:cs typeface="Arial" panose="020B0604020202020204" pitchFamily="34" charset="0"/>
+            </a:endParaRPr>
+          </a:p>
+        </p:txBody>
+      </p:sp>
+      <p:sp>
+        <p:nvSpPr>
+          <p:cNvPr id="13" name="Rectangle 8"/>
+          <p:cNvSpPr>
+            <a:spLocks noChangeArrowheads="1"/>
+          </p:cNvSpPr>
+          <p:nvPr/>
+        </p:nvSpPr>
+        <p:spPr bwMode="auto">
+          <a:xfrm>
+            <a:off x="47260" y="1832318"/>
+            <a:ext cx="2425538" cy="5025682"/>
+          </a:xfrm>
+          <a:prstGeom prst="rect">
+            <a:avLst/>
+          </a:prstGeom>
+          <a:noFill/>
+          <a:ln w="3175">
+            <a:solidFill>
+              <a:srgbClr val="0E067C"/>
+            </a:solidFill>
+            <a:miter lim="800000"/>
+            <a:headEnd/>
+            <a:tailEnd/>
+          </a:ln>
+          <a:extLst>
+            <a:ext uri="{909E8E84-426E-40DD-AFC4-6F175D3DCCD1}">
+              <a14:hiddenFill xmlns:a14="http://schemas.microsoft.com/office/drawing/2010/main">
+                <a:solidFill>
+                  <a:srgbClr val="FFFFFF"/>
+                </a:solidFill>
+              </a14:hiddenFill>
+            </a:ext>
+          </a:extLst>
+        </p:spPr>
+        <p:txBody>
+          <a:bodyPr wrap="none" anchor="ctr"/>
+          <a:lstStyle>
+            <a:lvl1pPr eaLnBrk="0" hangingPunct="0">
+              <a:defRPr>
+                <a:solidFill>
+                  <a:schemeClr val="tx1"/>
+                </a:solidFill>
+                <a:latin typeface="Arial" charset="0"/>
+                <a:cs typeface="Arial" charset="0"/>
+              </a:defRPr>
+            </a:lvl1pPr>
+            <a:lvl2pPr marL="742950" indent="-285750" eaLnBrk="0" hangingPunct="0">
+              <a:defRPr>
+                <a:solidFill>
+                  <a:schemeClr val="tx1"/>
+                </a:solidFill>
+                <a:latin typeface="Arial" charset="0"/>
+                <a:cs typeface="Arial" charset="0"/>
+              </a:defRPr>
+            </a:lvl2pPr>
+            <a:lvl3pPr marL="1143000" indent="-228600" eaLnBrk="0" hangingPunct="0">
+              <a:defRPr>
+                <a:solidFill>
+                  <a:schemeClr val="tx1"/>
+                </a:solidFill>
+                <a:latin typeface="Arial" charset="0"/>
+                <a:cs typeface="Arial" charset="0"/>
+              </a:defRPr>
+            </a:lvl3pPr>
+            <a:lvl4pPr marL="1600200" indent="-228600" eaLnBrk="0" hangingPunct="0">
+              <a:defRPr>
+                <a:solidFill>
+                  <a:schemeClr val="tx1"/>
+                </a:solidFill>
+                <a:latin typeface="Arial" charset="0"/>
+                <a:cs typeface="Arial" charset="0"/>
+              </a:defRPr>
+            </a:lvl4pPr>
+            <a:lvl5pPr marL="2057400" indent="-228600" eaLnBrk="0" hangingPunct="0">
+              <a:defRPr>
+                <a:solidFill>
+                  <a:schemeClr val="tx1"/>
+                </a:solidFill>
+                <a:latin typeface="Arial" charset="0"/>
+                <a:cs typeface="Arial" charset="0"/>
+              </a:defRPr>
+            </a:lvl5pPr>
+            <a:lvl6pPr marL="2514600" indent="-228600" eaLnBrk="0" fontAlgn="base" hangingPunct="0">
+              <a:spcBef>
+                <a:spcPct val="0"/>
+              </a:spcBef>
+              <a:spcAft>
+                <a:spcPct val="0"/>
+              </a:spcAft>
+              <a:defRPr>
+                <a:solidFill>
+                  <a:schemeClr val="tx1"/>
+                </a:solidFill>
+                <a:latin typeface="Arial" charset="0"/>
+                <a:cs typeface="Arial" charset="0"/>
+              </a:defRPr>
+            </a:lvl6pPr>
+            <a:lvl7pPr marL="2971800" indent="-228600" eaLnBrk="0" fontAlgn="base" hangingPunct="0">
+              <a:spcBef>
+                <a:spcPct val="0"/>
+              </a:spcBef>
+              <a:spcAft>
+                <a:spcPct val="0"/>
+              </a:spcAft>
+              <a:defRPr>
+                <a:solidFill>
+                  <a:schemeClr val="tx1"/>
+                </a:solidFill>
+                <a:latin typeface="Arial" charset="0"/>
+                <a:cs typeface="Arial" charset="0"/>
+              </a:defRPr>
+            </a:lvl7pPr>
+            <a:lvl8pPr marL="3429000" indent="-228600" eaLnBrk="0" fontAlgn="base" hangingPunct="0">
+              <a:spcBef>
+                <a:spcPct val="0"/>
+              </a:spcBef>
+              <a:spcAft>
+                <a:spcPct val="0"/>
+              </a:spcAft>
+              <a:defRPr>
+                <a:solidFill>
+                  <a:schemeClr val="tx1"/>
+                </a:solidFill>
+                <a:latin typeface="Arial" charset="0"/>
+                <a:cs typeface="Arial" charset="0"/>
+              </a:defRPr>
+            </a:lvl8pPr>
+            <a:lvl9pPr marL="3886200" indent="-228600" eaLnBrk="0" fontAlgn="base" hangingPunct="0">
+              <a:spcBef>
+                <a:spcPct val="0"/>
+              </a:spcBef>
+              <a:spcAft>
+                <a:spcPct val="0"/>
+              </a:spcAft>
+              <a:defRPr>
+                <a:solidFill>
+                  <a:schemeClr val="tx1"/>
+                </a:solidFill>
+                <a:latin typeface="Arial" charset="0"/>
+                <a:cs typeface="Arial" charset="0"/>
+              </a:defRPr>
+            </a:lvl9pPr>
+          </a:lstStyle>
+          <a:p>
+            <a:pPr eaLnBrk="1" hangingPunct="1"/>
+            <a:endParaRPr lang="vi-VN" altLang="en-US">
+              <a:latin typeface="Arial" panose="020B0604020202020204" pitchFamily="34" charset="0"/>
+              <a:cs typeface="Arial" panose="020B0604020202020204" pitchFamily="34" charset="0"/>
+            </a:endParaRPr>
+          </a:p>
+        </p:txBody>
+      </p:sp>
+      <p:sp>
+        <p:nvSpPr>
+          <p:cNvPr id="14" name="Rectangle 8"/>
+          <p:cNvSpPr>
+            <a:spLocks noChangeArrowheads="1"/>
+          </p:cNvSpPr>
+          <p:nvPr/>
+        </p:nvSpPr>
+        <p:spPr bwMode="auto">
+          <a:xfrm>
+            <a:off x="2514599" y="1832318"/>
+            <a:ext cx="5029201" cy="5025682"/>
+          </a:xfrm>
+          <a:prstGeom prst="rect">
+            <a:avLst/>
+          </a:prstGeom>
+          <a:noFill/>
+          <a:ln w="3175">
+            <a:solidFill>
+              <a:srgbClr val="0E067C"/>
+            </a:solidFill>
+            <a:miter lim="800000"/>
+            <a:headEnd/>
+            <a:tailEnd/>
+          </a:ln>
+          <a:extLst>
+            <a:ext uri="{909E8E84-426E-40DD-AFC4-6F175D3DCCD1}">
+              <a14:hiddenFill xmlns:a14="http://schemas.microsoft.com/office/drawing/2010/main">
+                <a:solidFill>
+                  <a:srgbClr val="FFFFFF"/>
+                </a:solidFill>
+              </a14:hiddenFill>
+            </a:ext>
+          </a:extLst>
+        </p:spPr>
+        <p:txBody>
+          <a:bodyPr wrap="none" anchor="ctr"/>
+          <a:lstStyle>
+            <a:lvl1pPr eaLnBrk="0" hangingPunct="0">
+              <a:defRPr>
+                <a:solidFill>
+                  <a:schemeClr val="tx1"/>
+                </a:solidFill>
+                <a:latin typeface="Arial" charset="0"/>
+                <a:cs typeface="Arial" charset="0"/>
+              </a:defRPr>
+            </a:lvl1pPr>
+            <a:lvl2pPr marL="742950" indent="-285750" eaLnBrk="0" hangingPunct="0">
+              <a:defRPr>
+                <a:solidFill>
+                  <a:schemeClr val="tx1"/>
+                </a:solidFill>
+                <a:latin typeface="Arial" charset="0"/>
+                <a:cs typeface="Arial" charset="0"/>
+              </a:defRPr>
+            </a:lvl2pPr>
+            <a:lvl3pPr marL="1143000" indent="-228600" eaLnBrk="0" hangingPunct="0">
+              <a:defRPr>
+                <a:solidFill>
+                  <a:schemeClr val="tx1"/>
+                </a:solidFill>
+                <a:latin typeface="Arial" charset="0"/>
+                <a:cs typeface="Arial" charset="0"/>
+              </a:defRPr>
+            </a:lvl3pPr>
+            <a:lvl4pPr marL="1600200" indent="-228600" eaLnBrk="0" hangingPunct="0">
+              <a:defRPr>
+                <a:solidFill>
+                  <a:schemeClr val="tx1"/>
+                </a:solidFill>
+                <a:latin typeface="Arial" charset="0"/>
+                <a:cs typeface="Arial" charset="0"/>
+              </a:defRPr>
+            </a:lvl4pPr>
+            <a:lvl5pPr marL="2057400" indent="-228600" eaLnBrk="0" hangingPunct="0">
+              <a:defRPr>
+                <a:solidFill>
+                  <a:schemeClr val="tx1"/>
+                </a:solidFill>
+                <a:latin typeface="Arial" charset="0"/>
+                <a:cs typeface="Arial" charset="0"/>
+              </a:defRPr>
+            </a:lvl5pPr>
+            <a:lvl6pPr marL="2514600" indent="-228600" eaLnBrk="0" fontAlgn="base" hangingPunct="0">
+              <a:spcBef>
+                <a:spcPct val="0"/>
+              </a:spcBef>
+              <a:spcAft>
+                <a:spcPct val="0"/>
+              </a:spcAft>
+              <a:defRPr>
+                <a:solidFill>
+                  <a:schemeClr val="tx1"/>
+                </a:solidFill>
+                <a:latin typeface="Arial" charset="0"/>
+                <a:cs typeface="Arial" charset="0"/>
+              </a:defRPr>
+            </a:lvl6pPr>
+            <a:lvl7pPr marL="2971800" indent="-228600" eaLnBrk="0" fontAlgn="base" hangingPunct="0">
+              <a:spcBef>
+                <a:spcPct val="0"/>
+              </a:spcBef>
+              <a:spcAft>
+                <a:spcPct val="0"/>
+              </a:spcAft>
+              <a:defRPr>
+                <a:solidFill>
+                  <a:schemeClr val="tx1"/>
+                </a:solidFill>
+                <a:latin typeface="Arial" charset="0"/>
+                <a:cs typeface="Arial" charset="0"/>
+              </a:defRPr>
+            </a:lvl7pPr>
+            <a:lvl8pPr marL="3429000" indent="-228600" eaLnBrk="0" fontAlgn="base" hangingPunct="0">
+              <a:spcBef>
+                <a:spcPct val="0"/>
+              </a:spcBef>
+              <a:spcAft>
+                <a:spcPct val="0"/>
+              </a:spcAft>
+              <a:defRPr>
+                <a:solidFill>
+                  <a:schemeClr val="tx1"/>
+                </a:solidFill>
+                <a:latin typeface="Arial" charset="0"/>
+                <a:cs typeface="Arial" charset="0"/>
+              </a:defRPr>
+            </a:lvl8pPr>
+            <a:lvl9pPr marL="3886200" indent="-228600" eaLnBrk="0" fontAlgn="base" hangingPunct="0">
+              <a:spcBef>
+                <a:spcPct val="0"/>
+              </a:spcBef>
+              <a:spcAft>
+                <a:spcPct val="0"/>
+              </a:spcAft>
+              <a:defRPr>
+                <a:solidFill>
+                  <a:schemeClr val="tx1"/>
+                </a:solidFill>
+                <a:latin typeface="Arial" charset="0"/>
+                <a:cs typeface="Arial" charset="0"/>
+              </a:defRPr>
+            </a:lvl9pPr>
+          </a:lstStyle>
+          <a:p>
+            <a:pPr eaLnBrk="1" hangingPunct="1"/>
+            <a:endParaRPr lang="vi-VN" altLang="en-US">
+              <a:latin typeface="Arial" panose="020B0604020202020204" pitchFamily="34" charset="0"/>
+              <a:cs typeface="Arial" panose="020B0604020202020204" pitchFamily="34" charset="0"/>
+            </a:endParaRPr>
+          </a:p>
+        </p:txBody>
+      </p:sp>
+      <p:sp>
+        <p:nvSpPr>
+          <p:cNvPr id="15" name="Rectangle 10"/>
+          <p:cNvSpPr>
+            <a:spLocks noChangeArrowheads="1"/>
+          </p:cNvSpPr>
+          <p:nvPr/>
+        </p:nvSpPr>
+        <p:spPr bwMode="auto">
+          <a:xfrm>
+            <a:off x="7585601" y="1832318"/>
+            <a:ext cx="1511140" cy="5025682"/>
+          </a:xfrm>
+          <a:prstGeom prst="rect">
+            <a:avLst/>
+          </a:prstGeom>
+          <a:noFill/>
+          <a:ln w="3175">
+            <a:solidFill>
+              <a:srgbClr val="0E067C"/>
+            </a:solidFill>
+            <a:miter lim="800000"/>
+            <a:headEnd/>
+            <a:tailEnd/>
+          </a:ln>
+          <a:extLst>
+            <a:ext uri="{909E8E84-426E-40DD-AFC4-6F175D3DCCD1}">
+              <a14:hiddenFill xmlns:a14="http://schemas.microsoft.com/office/drawing/2010/main">
+                <a:solidFill>
+                  <a:srgbClr val="FFFFFF"/>
+                </a:solidFill>
+              </a14:hiddenFill>
+            </a:ext>
+          </a:extLst>
+        </p:spPr>
+        <p:txBody>
+          <a:bodyPr wrap="none" anchor="ctr"/>
+          <a:lstStyle>
+            <a:lvl1pPr eaLnBrk="0" hangingPunct="0">
+              <a:defRPr>
+                <a:solidFill>
+                  <a:schemeClr val="tx1"/>
+                </a:solidFill>
+                <a:latin typeface="Arial" charset="0"/>
+                <a:cs typeface="Arial" charset="0"/>
+              </a:defRPr>
+            </a:lvl1pPr>
+            <a:lvl2pPr marL="742950" indent="-285750" eaLnBrk="0" hangingPunct="0">
+              <a:defRPr>
+                <a:solidFill>
+                  <a:schemeClr val="tx1"/>
+                </a:solidFill>
+                <a:latin typeface="Arial" charset="0"/>
+                <a:cs typeface="Arial" charset="0"/>
+              </a:defRPr>
+            </a:lvl2pPr>
+            <a:lvl3pPr marL="1143000" indent="-228600" eaLnBrk="0" hangingPunct="0">
+              <a:defRPr>
+                <a:solidFill>
+                  <a:schemeClr val="tx1"/>
+                </a:solidFill>
+                <a:latin typeface="Arial" charset="0"/>
+                <a:cs typeface="Arial" charset="0"/>
+              </a:defRPr>
+            </a:lvl3pPr>
+            <a:lvl4pPr marL="1600200" indent="-228600" eaLnBrk="0" hangingPunct="0">
+              <a:defRPr>
+                <a:solidFill>
+                  <a:schemeClr val="tx1"/>
+                </a:solidFill>
+                <a:latin typeface="Arial" charset="0"/>
+                <a:cs typeface="Arial" charset="0"/>
+              </a:defRPr>
+            </a:lvl4pPr>
+            <a:lvl5pPr marL="2057400" indent="-228600" eaLnBrk="0" hangingPunct="0">
+              <a:defRPr>
+                <a:solidFill>
+                  <a:schemeClr val="tx1"/>
+                </a:solidFill>
+                <a:latin typeface="Arial" charset="0"/>
+                <a:cs typeface="Arial" charset="0"/>
+              </a:defRPr>
+            </a:lvl5pPr>
+            <a:lvl6pPr marL="2514600" indent="-228600" eaLnBrk="0" fontAlgn="base" hangingPunct="0">
+              <a:spcBef>
+                <a:spcPct val="0"/>
+              </a:spcBef>
+              <a:spcAft>
+                <a:spcPct val="0"/>
+              </a:spcAft>
+              <a:defRPr>
+                <a:solidFill>
+                  <a:schemeClr val="tx1"/>
+                </a:solidFill>
+                <a:latin typeface="Arial" charset="0"/>
+                <a:cs typeface="Arial" charset="0"/>
+              </a:defRPr>
+            </a:lvl6pPr>
+            <a:lvl7pPr marL="2971800" indent="-228600" eaLnBrk="0" fontAlgn="base" hangingPunct="0">
+              <a:spcBef>
+                <a:spcPct val="0"/>
+              </a:spcBef>
+              <a:spcAft>
+                <a:spcPct val="0"/>
+              </a:spcAft>
+              <a:defRPr>
+                <a:solidFill>
+                  <a:schemeClr val="tx1"/>
+                </a:solidFill>
+                <a:latin typeface="Arial" charset="0"/>
+                <a:cs typeface="Arial" charset="0"/>
+              </a:defRPr>
+            </a:lvl7pPr>
+            <a:lvl8pPr marL="3429000" indent="-228600" eaLnBrk="0" fontAlgn="base" hangingPunct="0">
+              <a:spcBef>
+                <a:spcPct val="0"/>
+              </a:spcBef>
+              <a:spcAft>
+                <a:spcPct val="0"/>
+              </a:spcAft>
+              <a:defRPr>
+                <a:solidFill>
+                  <a:schemeClr val="tx1"/>
+                </a:solidFill>
+                <a:latin typeface="Arial" charset="0"/>
+                <a:cs typeface="Arial" charset="0"/>
+              </a:defRPr>
+            </a:lvl8pPr>
+            <a:lvl9pPr marL="3886200" indent="-228600" eaLnBrk="0" fontAlgn="base" hangingPunct="0">
+              <a:spcBef>
+                <a:spcPct val="0"/>
+              </a:spcBef>
+              <a:spcAft>
+                <a:spcPct val="0"/>
+              </a:spcAft>
+              <a:defRPr>
+                <a:solidFill>
+                  <a:schemeClr val="tx1"/>
+                </a:solidFill>
+                <a:latin typeface="Arial" charset="0"/>
+                <a:cs typeface="Arial" charset="0"/>
+              </a:defRPr>
+            </a:lvl9pPr>
+          </a:lstStyle>
+          <a:p>
+            <a:pPr eaLnBrk="1" hangingPunct="1"/>
+            <a:endParaRPr lang="vi-VN" altLang="en-US">
+              <a:solidFill>
+                <a:srgbClr val="003399"/>
+              </a:solidFill>
+              <a:latin typeface="Arial" panose="020B0604020202020204" pitchFamily="34" charset="0"/>
+              <a:cs typeface="Arial" panose="020B0604020202020204" pitchFamily="34" charset="0"/>
+            </a:endParaRPr>
+          </a:p>
+        </p:txBody>
+      </p:sp>
+      <p:sp>
+        <p:nvSpPr>
+          <p:cNvPr id="16" name="Rectangle 15"/>
+          <p:cNvSpPr/>
+          <p:nvPr/>
+        </p:nvSpPr>
+        <p:spPr>
+          <a:xfrm>
+            <a:off x="127658" y="2011379"/>
+            <a:ext cx="2264742" cy="604988"/>
+          </a:xfrm>
+          <a:prstGeom prst="rect">
+            <a:avLst/>
+          </a:prstGeom>
+          <a:noFill/>
+          <a:ln>
+            <a:noFill/>
+          </a:ln>
+        </p:spPr>
+        <p:style>
+          <a:lnRef idx="2">
+            <a:schemeClr val="accent1">
+              <a:shade val="50000"/>
+            </a:schemeClr>
+          </a:lnRef>
+          <a:fillRef idx="1">
+            <a:schemeClr val="accent1"/>
+          </a:fillRef>
+          <a:effectRef idx="0">
+            <a:schemeClr val="accent1"/>
+          </a:effectRef>
+          <a:fontRef idx="minor">
+            <a:schemeClr val="lt1"/>
+          </a:fontRef>
+        </p:style>
+        <p:txBody>
+          <a:bodyPr lIns="0" tIns="0" rIns="0" bIns="0" rtlCol="0" anchor="ctr"/>
+          <a:lstStyle/>
+          <a:p>
+            <a:r>
+              <a:rPr lang="en-US" sz="2000" dirty="0" smtClean="0">
+                <a:solidFill>
+                  <a:srgbClr val="1508B8"/>
+                </a:solidFill>
+                <a:latin typeface="Arial" panose="020B0604020202020204" pitchFamily="34" charset="0"/>
+                <a:cs typeface="Arial" panose="020B0604020202020204" pitchFamily="34" charset="0"/>
+              </a:rPr>
+              <a:t>[3] </a:t>
+            </a:r>
+            <a:r>
+              <a:rPr lang="en-US" sz="2000" dirty="0" smtClean="0">
+                <a:solidFill>
+                  <a:srgbClr val="1508B8"/>
+                </a:solidFill>
+                <a:latin typeface="Arial" panose="020B0604020202020204" pitchFamily="34" charset="0"/>
+                <a:cs typeface="Arial" panose="020B0604020202020204" pitchFamily="34" charset="0"/>
+              </a:rPr>
+              <a:t>Develop and testing</a:t>
+            </a:r>
+            <a:endParaRPr lang="en-US" sz="2000" dirty="0">
+              <a:solidFill>
+                <a:srgbClr val="1508B8"/>
+              </a:solidFill>
+              <a:latin typeface="Arial" panose="020B0604020202020204" pitchFamily="34" charset="0"/>
+              <a:cs typeface="Arial" panose="020B0604020202020204" pitchFamily="34" charset="0"/>
+            </a:endParaRPr>
+          </a:p>
+        </p:txBody>
+      </p:sp>
     </p:spTree>
     <p:extLst>
       <p:ext uri="{BB962C8B-B14F-4D97-AF65-F5344CB8AC3E}">
-        <p14:creationId xmlns:p14="http://schemas.microsoft.com/office/powerpoint/2010/main" val="1876837228"/>
+        <p14:creationId xmlns:p14="http://schemas.microsoft.com/office/powerpoint/2010/main" val="1701685573"/>
       </p:ext>
     </p:extLst>
   </p:cSld>
   <p:clrMapOvr>
     <a:masterClrMapping/>
   </p:clrMapOvr>
+  <p:timing>
+    <p:tnLst>
+      <p:par>
+        <p:cTn id="1" dur="indefinite" restart="never" nodeType="tmRoot"/>
+      </p:par>
+    </p:tnLst>
+  </p:timing>
 </p:sld>
 </file>
 

--- a/Report_test.pptx
+++ b/Report_test.pptx
@@ -140,6 +140,2162 @@
 </p:presentation>
 </file>
 
+<file path=ppt/diagrams/colors1.xml><?xml version="1.0" encoding="utf-8"?>
+<dgm:colorsDef xmlns:dgm="http://schemas.openxmlformats.org/drawingml/2006/diagram" xmlns:a="http://schemas.openxmlformats.org/drawingml/2006/main" uniqueId="urn:microsoft.com/office/officeart/2005/8/colors/accent1_2">
+  <dgm:title val=""/>
+  <dgm:desc val=""/>
+  <dgm:catLst>
+    <dgm:cat type="accent1" pri="11200"/>
+  </dgm:catLst>
+  <dgm:styleLbl name="node0">
+    <dgm:fillClrLst meth="repeat">
+      <a:schemeClr val="accent1"/>
+    </dgm:fillClrLst>
+    <dgm:linClrLst meth="repeat">
+      <a:schemeClr val="lt1"/>
+    </dgm:linClrLst>
+    <dgm:effectClrLst/>
+    <dgm:txLinClrLst/>
+    <dgm:txFillClrLst/>
+    <dgm:txEffectClrLst/>
+  </dgm:styleLbl>
+  <dgm:styleLbl name="alignNode1">
+    <dgm:fillClrLst meth="repeat">
+      <a:schemeClr val="accent1"/>
+    </dgm:fillClrLst>
+    <dgm:linClrLst meth="repeat">
+      <a:schemeClr val="accent1"/>
+    </dgm:linClrLst>
+    <dgm:effectClrLst/>
+    <dgm:txLinClrLst/>
+    <dgm:txFillClrLst/>
+    <dgm:txEffectClrLst/>
+  </dgm:styleLbl>
+  <dgm:styleLbl name="node1">
+    <dgm:fillClrLst meth="repeat">
+      <a:schemeClr val="accent1"/>
+    </dgm:fillClrLst>
+    <dgm:linClrLst meth="repeat">
+      <a:schemeClr val="lt1"/>
+    </dgm:linClrLst>
+    <dgm:effectClrLst/>
+    <dgm:txLinClrLst/>
+    <dgm:txFillClrLst/>
+    <dgm:txEffectClrLst/>
+  </dgm:styleLbl>
+  <dgm:styleLbl name="lnNode1">
+    <dgm:fillClrLst meth="repeat">
+      <a:schemeClr val="accent1"/>
+    </dgm:fillClrLst>
+    <dgm:linClrLst meth="repeat">
+      <a:schemeClr val="lt1"/>
+    </dgm:linClrLst>
+    <dgm:effectClrLst/>
+    <dgm:txLinClrLst/>
+    <dgm:txFillClrLst/>
+    <dgm:txEffectClrLst/>
+  </dgm:styleLbl>
+  <dgm:styleLbl name="vennNode1">
+    <dgm:fillClrLst meth="repeat">
+      <a:schemeClr val="accent1">
+        <a:alpha val="50000"/>
+      </a:schemeClr>
+    </dgm:fillClrLst>
+    <dgm:linClrLst meth="repeat">
+      <a:schemeClr val="lt1"/>
+    </dgm:linClrLst>
+    <dgm:effectClrLst/>
+    <dgm:txLinClrLst/>
+    <dgm:txFillClrLst/>
+    <dgm:txEffectClrLst/>
+  </dgm:styleLbl>
+  <dgm:styleLbl name="node2">
+    <dgm:fillClrLst meth="repeat">
+      <a:schemeClr val="accent1"/>
+    </dgm:fillClrLst>
+    <dgm:linClrLst meth="repeat">
+      <a:schemeClr val="lt1"/>
+    </dgm:linClrLst>
+    <dgm:effectClrLst/>
+    <dgm:txLinClrLst/>
+    <dgm:txFillClrLst/>
+    <dgm:txEffectClrLst/>
+  </dgm:styleLbl>
+  <dgm:styleLbl name="node3">
+    <dgm:fillClrLst meth="repeat">
+      <a:schemeClr val="accent1"/>
+    </dgm:fillClrLst>
+    <dgm:linClrLst meth="repeat">
+      <a:schemeClr val="lt1"/>
+    </dgm:linClrLst>
+    <dgm:effectClrLst/>
+    <dgm:txLinClrLst/>
+    <dgm:txFillClrLst/>
+    <dgm:txEffectClrLst/>
+  </dgm:styleLbl>
+  <dgm:styleLbl name="node4">
+    <dgm:fillClrLst meth="repeat">
+      <a:schemeClr val="accent1"/>
+    </dgm:fillClrLst>
+    <dgm:linClrLst meth="repeat">
+      <a:schemeClr val="lt1"/>
+    </dgm:linClrLst>
+    <dgm:effectClrLst/>
+    <dgm:txLinClrLst/>
+    <dgm:txFillClrLst/>
+    <dgm:txEffectClrLst/>
+  </dgm:styleLbl>
+  <dgm:styleLbl name="fgImgPlace1">
+    <dgm:fillClrLst meth="repeat">
+      <a:schemeClr val="accent1">
+        <a:tint val="50000"/>
+      </a:schemeClr>
+    </dgm:fillClrLst>
+    <dgm:linClrLst meth="repeat">
+      <a:schemeClr val="lt1"/>
+    </dgm:linClrLst>
+    <dgm:effectClrLst/>
+    <dgm:txLinClrLst/>
+    <dgm:txFillClrLst meth="repeat">
+      <a:schemeClr val="lt1"/>
+    </dgm:txFillClrLst>
+    <dgm:txEffectClrLst/>
+  </dgm:styleLbl>
+  <dgm:styleLbl name="alignImgPlace1">
+    <dgm:fillClrLst meth="repeat">
+      <a:schemeClr val="accent1">
+        <a:tint val="50000"/>
+      </a:schemeClr>
+    </dgm:fillClrLst>
+    <dgm:linClrLst meth="repeat">
+      <a:schemeClr val="lt1"/>
+    </dgm:linClrLst>
+    <dgm:effectClrLst/>
+    <dgm:txLinClrLst/>
+    <dgm:txFillClrLst meth="repeat">
+      <a:schemeClr val="lt1"/>
+    </dgm:txFillClrLst>
+    <dgm:txEffectClrLst/>
+  </dgm:styleLbl>
+  <dgm:styleLbl name="bgImgPlace1">
+    <dgm:fillClrLst meth="repeat">
+      <a:schemeClr val="accent1">
+        <a:tint val="50000"/>
+      </a:schemeClr>
+    </dgm:fillClrLst>
+    <dgm:linClrLst meth="repeat">
+      <a:schemeClr val="lt1"/>
+    </dgm:linClrLst>
+    <dgm:effectClrLst/>
+    <dgm:txLinClrLst/>
+    <dgm:txFillClrLst meth="repeat">
+      <a:schemeClr val="lt1"/>
+    </dgm:txFillClrLst>
+    <dgm:txEffectClrLst/>
+  </dgm:styleLbl>
+  <dgm:styleLbl name="sibTrans2D1">
+    <dgm:fillClrLst meth="repeat">
+      <a:schemeClr val="accent1">
+        <a:tint val="60000"/>
+      </a:schemeClr>
+    </dgm:fillClrLst>
+    <dgm:linClrLst meth="repeat">
+      <a:schemeClr val="accent1">
+        <a:tint val="60000"/>
+      </a:schemeClr>
+    </dgm:linClrLst>
+    <dgm:effectClrLst/>
+    <dgm:txLinClrLst/>
+    <dgm:txFillClrLst/>
+    <dgm:txEffectClrLst/>
+  </dgm:styleLbl>
+  <dgm:styleLbl name="fgSibTrans2D1">
+    <dgm:fillClrLst meth="repeat">
+      <a:schemeClr val="accent1">
+        <a:tint val="60000"/>
+      </a:schemeClr>
+    </dgm:fillClrLst>
+    <dgm:linClrLst meth="repeat">
+      <a:schemeClr val="accent1">
+        <a:tint val="60000"/>
+      </a:schemeClr>
+    </dgm:linClrLst>
+    <dgm:effectClrLst/>
+    <dgm:txLinClrLst/>
+    <dgm:txFillClrLst/>
+    <dgm:txEffectClrLst/>
+  </dgm:styleLbl>
+  <dgm:styleLbl name="bgSibTrans2D1">
+    <dgm:fillClrLst meth="repeat">
+      <a:schemeClr val="accent1">
+        <a:tint val="60000"/>
+      </a:schemeClr>
+    </dgm:fillClrLst>
+    <dgm:linClrLst meth="repeat">
+      <a:schemeClr val="accent1">
+        <a:tint val="60000"/>
+      </a:schemeClr>
+    </dgm:linClrLst>
+    <dgm:effectClrLst/>
+    <dgm:txLinClrLst/>
+    <dgm:txFillClrLst/>
+    <dgm:txEffectClrLst/>
+  </dgm:styleLbl>
+  <dgm:styleLbl name="sibTrans1D1">
+    <dgm:fillClrLst meth="repeat">
+      <a:schemeClr val="accent1"/>
+    </dgm:fillClrLst>
+    <dgm:linClrLst meth="repeat">
+      <a:schemeClr val="accent1"/>
+    </dgm:linClrLst>
+    <dgm:effectClrLst/>
+    <dgm:txLinClrLst/>
+    <dgm:txFillClrLst meth="repeat">
+      <a:schemeClr val="tx1"/>
+    </dgm:txFillClrLst>
+    <dgm:txEffectClrLst/>
+  </dgm:styleLbl>
+  <dgm:styleLbl name="callout">
+    <dgm:fillClrLst meth="repeat">
+      <a:schemeClr val="accent1"/>
+    </dgm:fillClrLst>
+    <dgm:linClrLst meth="repeat">
+      <a:schemeClr val="accent1">
+        <a:tint val="50000"/>
+      </a:schemeClr>
+    </dgm:linClrLst>
+    <dgm:effectClrLst/>
+    <dgm:txLinClrLst/>
+    <dgm:txFillClrLst meth="repeat">
+      <a:schemeClr val="tx1"/>
+    </dgm:txFillClrLst>
+    <dgm:txEffectClrLst/>
+  </dgm:styleLbl>
+  <dgm:styleLbl name="asst0">
+    <dgm:fillClrLst meth="repeat">
+      <a:schemeClr val="accent1"/>
+    </dgm:fillClrLst>
+    <dgm:linClrLst meth="repeat">
+      <a:schemeClr val="lt1"/>
+    </dgm:linClrLst>
+    <dgm:effectClrLst/>
+    <dgm:txLinClrLst/>
+    <dgm:txFillClrLst/>
+    <dgm:txEffectClrLst/>
+  </dgm:styleLbl>
+  <dgm:styleLbl name="asst1">
+    <dgm:fillClrLst meth="repeat">
+      <a:schemeClr val="accent1"/>
+    </dgm:fillClrLst>
+    <dgm:linClrLst meth="repeat">
+      <a:schemeClr val="lt1"/>
+    </dgm:linClrLst>
+    <dgm:effectClrLst/>
+    <dgm:txLinClrLst/>
+    <dgm:txFillClrLst/>
+    <dgm:txEffectClrLst/>
+  </dgm:styleLbl>
+  <dgm:styleLbl name="asst2">
+    <dgm:fillClrLst meth="repeat">
+      <a:schemeClr val="accent1"/>
+    </dgm:fillClrLst>
+    <dgm:linClrLst meth="repeat">
+      <a:schemeClr val="lt1"/>
+    </dgm:linClrLst>
+    <dgm:effectClrLst/>
+    <dgm:txLinClrLst/>
+    <dgm:txFillClrLst/>
+    <dgm:txEffectClrLst/>
+  </dgm:styleLbl>
+  <dgm:styleLbl name="asst3">
+    <dgm:fillClrLst meth="repeat">
+      <a:schemeClr val="accent1"/>
+    </dgm:fillClrLst>
+    <dgm:linClrLst meth="repeat">
+      <a:schemeClr val="lt1"/>
+    </dgm:linClrLst>
+    <dgm:effectClrLst/>
+    <dgm:txLinClrLst/>
+    <dgm:txFillClrLst/>
+    <dgm:txEffectClrLst/>
+  </dgm:styleLbl>
+  <dgm:styleLbl name="asst4">
+    <dgm:fillClrLst meth="repeat">
+      <a:schemeClr val="accent1"/>
+    </dgm:fillClrLst>
+    <dgm:linClrLst meth="repeat">
+      <a:schemeClr val="lt1"/>
+    </dgm:linClrLst>
+    <dgm:effectClrLst/>
+    <dgm:txLinClrLst/>
+    <dgm:txFillClrLst/>
+    <dgm:txEffectClrLst/>
+  </dgm:styleLbl>
+  <dgm:styleLbl name="parChTrans2D1">
+    <dgm:fillClrLst meth="repeat">
+      <a:schemeClr val="accent1">
+        <a:tint val="60000"/>
+      </a:schemeClr>
+    </dgm:fillClrLst>
+    <dgm:linClrLst meth="repeat">
+      <a:schemeClr val="accent1">
+        <a:tint val="60000"/>
+      </a:schemeClr>
+    </dgm:linClrLst>
+    <dgm:effectClrLst/>
+    <dgm:txLinClrLst/>
+    <dgm:txFillClrLst meth="repeat">
+      <a:schemeClr val="lt1"/>
+    </dgm:txFillClrLst>
+    <dgm:txEffectClrLst/>
+  </dgm:styleLbl>
+  <dgm:styleLbl name="parChTrans2D2">
+    <dgm:fillClrLst meth="repeat">
+      <a:schemeClr val="accent1"/>
+    </dgm:fillClrLst>
+    <dgm:linClrLst meth="repeat">
+      <a:schemeClr val="accent1"/>
+    </dgm:linClrLst>
+    <dgm:effectClrLst/>
+    <dgm:txLinClrLst/>
+    <dgm:txFillClrLst meth="repeat">
+      <a:schemeClr val="lt1"/>
+    </dgm:txFillClrLst>
+    <dgm:txEffectClrLst/>
+  </dgm:styleLbl>
+  <dgm:styleLbl name="parChTrans2D3">
+    <dgm:fillClrLst meth="repeat">
+      <a:schemeClr val="accent1"/>
+    </dgm:fillClrLst>
+    <dgm:linClrLst meth="repeat">
+      <a:schemeClr val="accent1"/>
+    </dgm:linClrLst>
+    <dgm:effectClrLst/>
+    <dgm:txLinClrLst/>
+    <dgm:txFillClrLst meth="repeat">
+      <a:schemeClr val="lt1"/>
+    </dgm:txFillClrLst>
+    <dgm:txEffectClrLst/>
+  </dgm:styleLbl>
+  <dgm:styleLbl name="parChTrans2D4">
+    <dgm:fillClrLst meth="repeat">
+      <a:schemeClr val="accent1"/>
+    </dgm:fillClrLst>
+    <dgm:linClrLst meth="repeat">
+      <a:schemeClr val="accent1"/>
+    </dgm:linClrLst>
+    <dgm:effectClrLst/>
+    <dgm:txLinClrLst/>
+    <dgm:txFillClrLst meth="repeat">
+      <a:schemeClr val="lt1"/>
+    </dgm:txFillClrLst>
+    <dgm:txEffectClrLst/>
+  </dgm:styleLbl>
+  <dgm:styleLbl name="parChTrans1D1">
+    <dgm:fillClrLst meth="repeat">
+      <a:schemeClr val="accent1"/>
+    </dgm:fillClrLst>
+    <dgm:linClrLst meth="repeat">
+      <a:schemeClr val="accent1">
+        <a:shade val="60000"/>
+      </a:schemeClr>
+    </dgm:linClrLst>
+    <dgm:effectClrLst/>
+    <dgm:txLinClrLst/>
+    <dgm:txFillClrLst meth="repeat">
+      <a:schemeClr val="tx1"/>
+    </dgm:txFillClrLst>
+    <dgm:txEffectClrLst/>
+  </dgm:styleLbl>
+  <dgm:styleLbl name="parChTrans1D2">
+    <dgm:fillClrLst meth="repeat">
+      <a:schemeClr val="accent1"/>
+    </dgm:fillClrLst>
+    <dgm:linClrLst meth="repeat">
+      <a:schemeClr val="accent1">
+        <a:shade val="60000"/>
+      </a:schemeClr>
+    </dgm:linClrLst>
+    <dgm:effectClrLst/>
+    <dgm:txLinClrLst/>
+    <dgm:txFillClrLst meth="repeat">
+      <a:schemeClr val="tx1"/>
+    </dgm:txFillClrLst>
+    <dgm:txEffectClrLst/>
+  </dgm:styleLbl>
+  <dgm:styleLbl name="parChTrans1D3">
+    <dgm:fillClrLst meth="repeat">
+      <a:schemeClr val="accent1"/>
+    </dgm:fillClrLst>
+    <dgm:linClrLst meth="repeat">
+      <a:schemeClr val="accent1">
+        <a:shade val="80000"/>
+      </a:schemeClr>
+    </dgm:linClrLst>
+    <dgm:effectClrLst/>
+    <dgm:txLinClrLst/>
+    <dgm:txFillClrLst meth="repeat">
+      <a:schemeClr val="tx1"/>
+    </dgm:txFillClrLst>
+    <dgm:txEffectClrLst/>
+  </dgm:styleLbl>
+  <dgm:styleLbl name="parChTrans1D4">
+    <dgm:fillClrLst meth="repeat">
+      <a:schemeClr val="accent1"/>
+    </dgm:fillClrLst>
+    <dgm:linClrLst meth="repeat">
+      <a:schemeClr val="accent1">
+        <a:shade val="80000"/>
+      </a:schemeClr>
+    </dgm:linClrLst>
+    <dgm:effectClrLst/>
+    <dgm:txLinClrLst/>
+    <dgm:txFillClrLst meth="repeat">
+      <a:schemeClr val="tx1"/>
+    </dgm:txFillClrLst>
+    <dgm:txEffectClrLst/>
+  </dgm:styleLbl>
+  <dgm:styleLbl name="fgAcc1">
+    <dgm:fillClrLst meth="repeat">
+      <a:schemeClr val="lt1">
+        <a:alpha val="90000"/>
+      </a:schemeClr>
+    </dgm:fillClrLst>
+    <dgm:linClrLst meth="repeat">
+      <a:schemeClr val="accent1"/>
+    </dgm:linClrLst>
+    <dgm:effectClrLst/>
+    <dgm:txLinClrLst/>
+    <dgm:txFillClrLst meth="repeat">
+      <a:schemeClr val="dk1"/>
+    </dgm:txFillClrLst>
+    <dgm:txEffectClrLst/>
+  </dgm:styleLbl>
+  <dgm:styleLbl name="conFgAcc1">
+    <dgm:fillClrLst meth="repeat">
+      <a:schemeClr val="lt1">
+        <a:alpha val="90000"/>
+      </a:schemeClr>
+    </dgm:fillClrLst>
+    <dgm:linClrLst meth="repeat">
+      <a:schemeClr val="accent1"/>
+    </dgm:linClrLst>
+    <dgm:effectClrLst/>
+    <dgm:txLinClrLst/>
+    <dgm:txFillClrLst meth="repeat">
+      <a:schemeClr val="dk1"/>
+    </dgm:txFillClrLst>
+    <dgm:txEffectClrLst/>
+  </dgm:styleLbl>
+  <dgm:styleLbl name="alignAcc1">
+    <dgm:fillClrLst meth="repeat">
+      <a:schemeClr val="lt1">
+        <a:alpha val="90000"/>
+      </a:schemeClr>
+    </dgm:fillClrLst>
+    <dgm:linClrLst meth="repeat">
+      <a:schemeClr val="accent1"/>
+    </dgm:linClrLst>
+    <dgm:effectClrLst/>
+    <dgm:txLinClrLst/>
+    <dgm:txFillClrLst meth="repeat">
+      <a:schemeClr val="dk1"/>
+    </dgm:txFillClrLst>
+    <dgm:txEffectClrLst/>
+  </dgm:styleLbl>
+  <dgm:styleLbl name="trAlignAcc1">
+    <dgm:fillClrLst meth="repeat">
+      <a:schemeClr val="lt1">
+        <a:alpha val="40000"/>
+      </a:schemeClr>
+    </dgm:fillClrLst>
+    <dgm:linClrLst meth="repeat">
+      <a:schemeClr val="accent1"/>
+    </dgm:linClrLst>
+    <dgm:effectClrLst/>
+    <dgm:txLinClrLst/>
+    <dgm:txFillClrLst meth="repeat">
+      <a:schemeClr val="dk1"/>
+    </dgm:txFillClrLst>
+    <dgm:txEffectClrLst/>
+  </dgm:styleLbl>
+  <dgm:styleLbl name="bgAcc1">
+    <dgm:fillClrLst meth="repeat">
+      <a:schemeClr val="lt1">
+        <a:alpha val="90000"/>
+      </a:schemeClr>
+    </dgm:fillClrLst>
+    <dgm:linClrLst meth="repeat">
+      <a:schemeClr val="accent1"/>
+    </dgm:linClrLst>
+    <dgm:effectClrLst/>
+    <dgm:txLinClrLst/>
+    <dgm:txFillClrLst meth="repeat">
+      <a:schemeClr val="dk1"/>
+    </dgm:txFillClrLst>
+    <dgm:txEffectClrLst/>
+  </dgm:styleLbl>
+  <dgm:styleLbl name="solidFgAcc1">
+    <dgm:fillClrLst meth="repeat">
+      <a:schemeClr val="lt1"/>
+    </dgm:fillClrLst>
+    <dgm:linClrLst meth="repeat">
+      <a:schemeClr val="accent1"/>
+    </dgm:linClrLst>
+    <dgm:effectClrLst/>
+    <dgm:txLinClrLst/>
+    <dgm:txFillClrLst meth="repeat">
+      <a:schemeClr val="dk1"/>
+    </dgm:txFillClrLst>
+    <dgm:txEffectClrLst/>
+  </dgm:styleLbl>
+  <dgm:styleLbl name="solidAlignAcc1">
+    <dgm:fillClrLst meth="repeat">
+      <a:schemeClr val="lt1"/>
+    </dgm:fillClrLst>
+    <dgm:linClrLst meth="repeat">
+      <a:schemeClr val="accent1"/>
+    </dgm:linClrLst>
+    <dgm:effectClrLst/>
+    <dgm:txLinClrLst/>
+    <dgm:txFillClrLst meth="repeat">
+      <a:schemeClr val="dk1"/>
+    </dgm:txFillClrLst>
+    <dgm:txEffectClrLst/>
+  </dgm:styleLbl>
+  <dgm:styleLbl name="solidBgAcc1">
+    <dgm:fillClrLst meth="repeat">
+      <a:schemeClr val="lt1"/>
+    </dgm:fillClrLst>
+    <dgm:linClrLst meth="repeat">
+      <a:schemeClr val="accent1"/>
+    </dgm:linClrLst>
+    <dgm:effectClrLst/>
+    <dgm:txLinClrLst/>
+    <dgm:txFillClrLst meth="repeat">
+      <a:schemeClr val="dk1"/>
+    </dgm:txFillClrLst>
+    <dgm:txEffectClrLst/>
+  </dgm:styleLbl>
+  <dgm:styleLbl name="fgAccFollowNode1">
+    <dgm:fillClrLst meth="repeat">
+      <a:schemeClr val="accent1">
+        <a:alpha val="90000"/>
+        <a:tint val="40000"/>
+      </a:schemeClr>
+    </dgm:fillClrLst>
+    <dgm:linClrLst meth="repeat">
+      <a:schemeClr val="accent1">
+        <a:alpha val="90000"/>
+        <a:tint val="40000"/>
+      </a:schemeClr>
+    </dgm:linClrLst>
+    <dgm:effectClrLst/>
+    <dgm:txLinClrLst/>
+    <dgm:txFillClrLst meth="repeat">
+      <a:schemeClr val="dk1"/>
+    </dgm:txFillClrLst>
+    <dgm:txEffectClrLst/>
+  </dgm:styleLbl>
+  <dgm:styleLbl name="alignAccFollowNode1">
+    <dgm:fillClrLst meth="repeat">
+      <a:schemeClr val="accent1">
+        <a:alpha val="90000"/>
+        <a:tint val="40000"/>
+      </a:schemeClr>
+    </dgm:fillClrLst>
+    <dgm:linClrLst meth="repeat">
+      <a:schemeClr val="accent1">
+        <a:alpha val="90000"/>
+        <a:tint val="40000"/>
+      </a:schemeClr>
+    </dgm:linClrLst>
+    <dgm:effectClrLst/>
+    <dgm:txLinClrLst/>
+    <dgm:txFillClrLst meth="repeat">
+      <a:schemeClr val="dk1"/>
+    </dgm:txFillClrLst>
+    <dgm:txEffectClrLst/>
+  </dgm:styleLbl>
+  <dgm:styleLbl name="bgAccFollowNode1">
+    <dgm:fillClrLst meth="repeat">
+      <a:schemeClr val="accent1">
+        <a:alpha val="90000"/>
+        <a:tint val="40000"/>
+      </a:schemeClr>
+    </dgm:fillClrLst>
+    <dgm:linClrLst meth="repeat">
+      <a:schemeClr val="accent1">
+        <a:alpha val="90000"/>
+        <a:tint val="40000"/>
+      </a:schemeClr>
+    </dgm:linClrLst>
+    <dgm:effectClrLst/>
+    <dgm:txLinClrLst/>
+    <dgm:txFillClrLst meth="repeat">
+      <a:schemeClr val="dk1"/>
+    </dgm:txFillClrLst>
+    <dgm:txEffectClrLst/>
+  </dgm:styleLbl>
+  <dgm:styleLbl name="fgAcc0">
+    <dgm:fillClrLst meth="repeat">
+      <a:schemeClr val="lt1">
+        <a:alpha val="90000"/>
+      </a:schemeClr>
+    </dgm:fillClrLst>
+    <dgm:linClrLst meth="repeat">
+      <a:schemeClr val="accent1"/>
+    </dgm:linClrLst>
+    <dgm:effectClrLst/>
+    <dgm:txLinClrLst/>
+    <dgm:txFillClrLst meth="repeat">
+      <a:schemeClr val="dk1"/>
+    </dgm:txFillClrLst>
+    <dgm:txEffectClrLst/>
+  </dgm:styleLbl>
+  <dgm:styleLbl name="fgAcc2">
+    <dgm:fillClrLst meth="repeat">
+      <a:schemeClr val="lt1">
+        <a:alpha val="90000"/>
+      </a:schemeClr>
+    </dgm:fillClrLst>
+    <dgm:linClrLst meth="repeat">
+      <a:schemeClr val="accent1"/>
+    </dgm:linClrLst>
+    <dgm:effectClrLst/>
+    <dgm:txLinClrLst/>
+    <dgm:txFillClrLst meth="repeat">
+      <a:schemeClr val="dk1"/>
+    </dgm:txFillClrLst>
+    <dgm:txEffectClrLst/>
+  </dgm:styleLbl>
+  <dgm:styleLbl name="fgAcc3">
+    <dgm:fillClrLst meth="repeat">
+      <a:schemeClr val="lt1">
+        <a:alpha val="90000"/>
+      </a:schemeClr>
+    </dgm:fillClrLst>
+    <dgm:linClrLst meth="repeat">
+      <a:schemeClr val="accent1"/>
+    </dgm:linClrLst>
+    <dgm:effectClrLst/>
+    <dgm:txLinClrLst/>
+    <dgm:txFillClrLst meth="repeat">
+      <a:schemeClr val="dk1"/>
+    </dgm:txFillClrLst>
+    <dgm:txEffectClrLst/>
+  </dgm:styleLbl>
+  <dgm:styleLbl name="fgAcc4">
+    <dgm:fillClrLst meth="repeat">
+      <a:schemeClr val="lt1">
+        <a:alpha val="90000"/>
+      </a:schemeClr>
+    </dgm:fillClrLst>
+    <dgm:linClrLst meth="repeat">
+      <a:schemeClr val="accent1"/>
+    </dgm:linClrLst>
+    <dgm:effectClrLst/>
+    <dgm:txLinClrLst/>
+    <dgm:txFillClrLst meth="repeat">
+      <a:schemeClr val="dk1"/>
+    </dgm:txFillClrLst>
+    <dgm:txEffectClrLst/>
+  </dgm:styleLbl>
+  <dgm:styleLbl name="bgShp">
+    <dgm:fillClrLst meth="repeat">
+      <a:schemeClr val="accent1">
+        <a:tint val="40000"/>
+      </a:schemeClr>
+    </dgm:fillClrLst>
+    <dgm:linClrLst meth="repeat">
+      <a:schemeClr val="accent1"/>
+    </dgm:linClrLst>
+    <dgm:effectClrLst/>
+    <dgm:txLinClrLst/>
+    <dgm:txFillClrLst meth="repeat">
+      <a:schemeClr val="dk1"/>
+    </dgm:txFillClrLst>
+    <dgm:txEffectClrLst/>
+  </dgm:styleLbl>
+  <dgm:styleLbl name="dkBgShp">
+    <dgm:fillClrLst meth="repeat">
+      <a:schemeClr val="accent1">
+        <a:shade val="80000"/>
+      </a:schemeClr>
+    </dgm:fillClrLst>
+    <dgm:linClrLst meth="repeat">
+      <a:schemeClr val="accent1"/>
+    </dgm:linClrLst>
+    <dgm:effectClrLst/>
+    <dgm:txLinClrLst/>
+    <dgm:txFillClrLst meth="repeat">
+      <a:schemeClr val="lt1"/>
+    </dgm:txFillClrLst>
+    <dgm:txEffectClrLst/>
+  </dgm:styleLbl>
+  <dgm:styleLbl name="trBgShp">
+    <dgm:fillClrLst meth="repeat">
+      <a:schemeClr val="accent1">
+        <a:tint val="50000"/>
+        <a:alpha val="40000"/>
+      </a:schemeClr>
+    </dgm:fillClrLst>
+    <dgm:linClrLst meth="repeat">
+      <a:schemeClr val="accent1"/>
+    </dgm:linClrLst>
+    <dgm:effectClrLst/>
+    <dgm:txLinClrLst/>
+    <dgm:txFillClrLst meth="repeat">
+      <a:schemeClr val="lt1"/>
+    </dgm:txFillClrLst>
+    <dgm:txEffectClrLst/>
+  </dgm:styleLbl>
+  <dgm:styleLbl name="fgShp">
+    <dgm:fillClrLst meth="repeat">
+      <a:schemeClr val="accent1">
+        <a:tint val="60000"/>
+      </a:schemeClr>
+    </dgm:fillClrLst>
+    <dgm:linClrLst meth="repeat">
+      <a:schemeClr val="lt1"/>
+    </dgm:linClrLst>
+    <dgm:effectClrLst/>
+    <dgm:txLinClrLst/>
+    <dgm:txFillClrLst meth="repeat">
+      <a:schemeClr val="dk1"/>
+    </dgm:txFillClrLst>
+    <dgm:txEffectClrLst/>
+  </dgm:styleLbl>
+  <dgm:styleLbl name="revTx">
+    <dgm:fillClrLst meth="repeat">
+      <a:schemeClr val="lt1">
+        <a:alpha val="0"/>
+      </a:schemeClr>
+    </dgm:fillClrLst>
+    <dgm:linClrLst meth="repeat">
+      <a:schemeClr val="dk1">
+        <a:alpha val="0"/>
+      </a:schemeClr>
+    </dgm:linClrLst>
+    <dgm:effectClrLst/>
+    <dgm:txLinClrLst/>
+    <dgm:txFillClrLst meth="repeat">
+      <a:schemeClr val="tx1"/>
+    </dgm:txFillClrLst>
+    <dgm:txEffectClrLst/>
+  </dgm:styleLbl>
+</dgm:colorsDef>
+</file>
+
+<file path=ppt/diagrams/data1.xml><?xml version="1.0" encoding="utf-8"?>
+<dgm:dataModel xmlns:dgm="http://schemas.openxmlformats.org/drawingml/2006/diagram" xmlns:a="http://schemas.openxmlformats.org/drawingml/2006/main">
+  <dgm:ptLst>
+    <dgm:pt modelId="{33599A12-6A98-4752-A2A5-084FAF224A1F}" type="doc">
+      <dgm:prSet loTypeId="urn:microsoft.com/office/officeart/2005/8/layout/hList2" loCatId="relationship" qsTypeId="urn:microsoft.com/office/officeart/2005/8/quickstyle/simple3" qsCatId="simple" csTypeId="urn:microsoft.com/office/officeart/2005/8/colors/accent1_2" csCatId="accent1" phldr="1"/>
+      <dgm:spPr/>
+      <dgm:t>
+        <a:bodyPr/>
+        <a:lstStyle/>
+        <a:p>
+          <a:endParaRPr lang="en-US"/>
+        </a:p>
+      </dgm:t>
+    </dgm:pt>
+    <dgm:pt modelId="{E6E2CEF5-6F17-45B3-A800-E0F392720245}" type="pres">
+      <dgm:prSet presAssocID="{33599A12-6A98-4752-A2A5-084FAF224A1F}" presName="linearFlow" presStyleCnt="0">
+        <dgm:presLayoutVars>
+          <dgm:dir/>
+          <dgm:animLvl val="lvl"/>
+          <dgm:resizeHandles/>
+        </dgm:presLayoutVars>
+      </dgm:prSet>
+      <dgm:spPr/>
+      <dgm:t>
+        <a:bodyPr/>
+        <a:lstStyle/>
+        <a:p>
+          <a:endParaRPr lang="en-US"/>
+        </a:p>
+      </dgm:t>
+    </dgm:pt>
+  </dgm:ptLst>
+  <dgm:cxnLst>
+    <dgm:cxn modelId="{D789E91E-5B9A-4EC3-ACC2-6E6A86A052C6}" type="presOf" srcId="{33599A12-6A98-4752-A2A5-084FAF224A1F}" destId="{E6E2CEF5-6F17-45B3-A800-E0F392720245}" srcOrd="0" destOrd="0" presId="urn:microsoft.com/office/officeart/2005/8/layout/hList2"/>
+  </dgm:cxnLst>
+  <dgm:bg>
+    <a:blipFill>
+      <a:blip xmlns:r="http://schemas.openxmlformats.org/officeDocument/2006/relationships" r:embed="rId1"/>
+      <a:stretch>
+        <a:fillRect/>
+      </a:stretch>
+    </a:blipFill>
+  </dgm:bg>
+  <dgm:whole/>
+  <dgm:extLst>
+    <a:ext uri="http://schemas.microsoft.com/office/drawing/2008/diagram">
+      <dsp:dataModelExt xmlns:dsp="http://schemas.microsoft.com/office/drawing/2008/diagram" relId="rId8" minVer="http://schemas.openxmlformats.org/drawingml/2006/diagram"/>
+    </a:ext>
+  </dgm:extLst>
+</dgm:dataModel>
+</file>
+
+<file path=ppt/diagrams/drawing1.xml><?xml version="1.0" encoding="utf-8"?>
+<dsp:drawing xmlns:dgm="http://schemas.openxmlformats.org/drawingml/2006/diagram" xmlns:dsp="http://schemas.microsoft.com/office/drawing/2008/diagram" xmlns:a="http://schemas.openxmlformats.org/drawingml/2006/main">
+  <dsp:spTree>
+    <dsp:nvGrpSpPr>
+      <dsp:cNvPr id="0" name=""/>
+      <dsp:cNvGrpSpPr/>
+    </dsp:nvGrpSpPr>
+    <dsp:grpSpPr/>
+  </dsp:spTree>
+</dsp:drawing>
+</file>
+
+<file path=ppt/diagrams/layout1.xml><?xml version="1.0" encoding="utf-8"?>
+<dgm:layoutDef xmlns:dgm="http://schemas.openxmlformats.org/drawingml/2006/diagram" xmlns:a="http://schemas.openxmlformats.org/drawingml/2006/main" uniqueId="urn:microsoft.com/office/officeart/2005/8/layout/hList2">
+  <dgm:title val=""/>
+  <dgm:desc val=""/>
+  <dgm:catLst>
+    <dgm:cat type="list" pri="6000"/>
+    <dgm:cat type="relationship" pri="16000"/>
+    <dgm:cat type="picture" pri="29000"/>
+    <dgm:cat type="pictureconvert" pri="29000"/>
+  </dgm:catLst>
+  <dgm:sampData>
+    <dgm:dataModel>
+      <dgm:ptLst>
+        <dgm:pt modelId="0" type="doc"/>
+        <dgm:pt modelId="1">
+          <dgm:prSet phldr="1"/>
+        </dgm:pt>
+        <dgm:pt modelId="11">
+          <dgm:prSet phldr="1"/>
+        </dgm:pt>
+        <dgm:pt modelId="12">
+          <dgm:prSet phldr="1"/>
+        </dgm:pt>
+        <dgm:pt modelId="2">
+          <dgm:prSet phldr="1"/>
+        </dgm:pt>
+        <dgm:pt modelId="21">
+          <dgm:prSet phldr="1"/>
+        </dgm:pt>
+        <dgm:pt modelId="22">
+          <dgm:prSet phldr="1"/>
+        </dgm:pt>
+        <dgm:pt modelId="3">
+          <dgm:prSet phldr="1"/>
+        </dgm:pt>
+        <dgm:pt modelId="31">
+          <dgm:prSet phldr="1"/>
+        </dgm:pt>
+        <dgm:pt modelId="32">
+          <dgm:prSet phldr="1"/>
+        </dgm:pt>
+      </dgm:ptLst>
+      <dgm:cxnLst>
+        <dgm:cxn modelId="4" srcId="0" destId="1" srcOrd="0" destOrd="0"/>
+        <dgm:cxn modelId="5" srcId="0" destId="2" srcOrd="1" destOrd="0"/>
+        <dgm:cxn modelId="6" srcId="0" destId="3" srcOrd="2" destOrd="0"/>
+        <dgm:cxn modelId="13" srcId="1" destId="11" srcOrd="0" destOrd="0"/>
+        <dgm:cxn modelId="14" srcId="1" destId="12" srcOrd="1" destOrd="0"/>
+        <dgm:cxn modelId="23" srcId="2" destId="21" srcOrd="0" destOrd="0"/>
+        <dgm:cxn modelId="24" srcId="2" destId="22" srcOrd="1" destOrd="0"/>
+        <dgm:cxn modelId="33" srcId="3" destId="31" srcOrd="0" destOrd="0"/>
+        <dgm:cxn modelId="34" srcId="3" destId="32" srcOrd="1" destOrd="0"/>
+      </dgm:cxnLst>
+      <dgm:bg/>
+      <dgm:whole/>
+    </dgm:dataModel>
+  </dgm:sampData>
+  <dgm:styleData>
+    <dgm:dataModel>
+      <dgm:ptLst>
+        <dgm:pt modelId="0" type="doc"/>
+        <dgm:pt modelId="1"/>
+        <dgm:pt modelId="11"/>
+        <dgm:pt modelId="2"/>
+        <dgm:pt modelId="21"/>
+      </dgm:ptLst>
+      <dgm:cxnLst>
+        <dgm:cxn modelId="4" srcId="0" destId="1" srcOrd="0" destOrd="0"/>
+        <dgm:cxn modelId="5" srcId="0" destId="2" srcOrd="1" destOrd="0"/>
+        <dgm:cxn modelId="13" srcId="1" destId="11" srcOrd="0" destOrd="0"/>
+        <dgm:cxn modelId="23" srcId="2" destId="21" srcOrd="0" destOrd="0"/>
+      </dgm:cxnLst>
+      <dgm:bg/>
+      <dgm:whole/>
+    </dgm:dataModel>
+  </dgm:styleData>
+  <dgm:clrData>
+    <dgm:dataModel>
+      <dgm:ptLst>
+        <dgm:pt modelId="0" type="doc"/>
+        <dgm:pt modelId="1"/>
+        <dgm:pt modelId="11"/>
+        <dgm:pt modelId="2"/>
+        <dgm:pt modelId="21"/>
+        <dgm:pt modelId="3"/>
+        <dgm:pt modelId="31"/>
+        <dgm:pt modelId="4"/>
+        <dgm:pt modelId="41"/>
+      </dgm:ptLst>
+      <dgm:cxnLst>
+        <dgm:cxn modelId="5" srcId="0" destId="1" srcOrd="0" destOrd="0"/>
+        <dgm:cxn modelId="6" srcId="0" destId="2" srcOrd="1" destOrd="0"/>
+        <dgm:cxn modelId="7" srcId="0" destId="3" srcOrd="2" destOrd="0"/>
+        <dgm:cxn modelId="8" srcId="0" destId="4" srcOrd="3" destOrd="0"/>
+        <dgm:cxn modelId="13" srcId="1" destId="11" srcOrd="0" destOrd="0"/>
+        <dgm:cxn modelId="23" srcId="2" destId="21" srcOrd="0" destOrd="0"/>
+        <dgm:cxn modelId="33" srcId="3" destId="31" srcOrd="0" destOrd="0"/>
+        <dgm:cxn modelId="43" srcId="4" destId="41" srcOrd="0" destOrd="0"/>
+      </dgm:cxnLst>
+      <dgm:bg/>
+      <dgm:whole/>
+    </dgm:dataModel>
+  </dgm:clrData>
+  <dgm:layoutNode name="linearFlow">
+    <dgm:varLst>
+      <dgm:dir/>
+      <dgm:animLvl val="lvl"/>
+      <dgm:resizeHandles/>
+    </dgm:varLst>
+    <dgm:choose name="Name0">
+      <dgm:if name="Name1" func="var" arg="dir" op="equ" val="norm">
+        <dgm:alg type="lin">
+          <dgm:param type="linDir" val="fromL"/>
+          <dgm:param type="nodeVertAlign" val="t"/>
+        </dgm:alg>
+      </dgm:if>
+      <dgm:else name="Name2">
+        <dgm:alg type="lin">
+          <dgm:param type="linDir" val="fromR"/>
+          <dgm:param type="nodeVertAlign" val="t"/>
+        </dgm:alg>
+      </dgm:else>
+    </dgm:choose>
+    <dgm:shape xmlns:r="http://schemas.openxmlformats.org/officeDocument/2006/relationships" r:blip="">
+      <dgm:adjLst/>
+    </dgm:shape>
+    <dgm:presOf/>
+    <dgm:constrLst>
+      <dgm:constr type="w" for="ch" forName="compositeNode" refType="w"/>
+      <dgm:constr type="h" for="ch" forName="compositeNode" refType="h"/>
+      <dgm:constr type="w" for="ch" forName="sibTrans" refType="w" refFor="ch" refForName="compositeNode" op="equ" fact="0.2"/>
+      <dgm:constr type="h" for="des" forName="childNode" op="equ"/>
+      <dgm:constr type="w" for="des" forName="childNode" op="equ"/>
+      <dgm:constr type="w" for="des" forName="parentNode" op="equ"/>
+      <dgm:constr type="h" for="des" forName="image" op="equ"/>
+      <dgm:constr type="w" for="des" forName="image" op="equ"/>
+      <dgm:constr type="primFontSz" for="des" forName="parentNode" op="equ" val="65"/>
+      <dgm:constr type="primFontSz" for="des" forName="childNode" op="equ" val="65"/>
+    </dgm:constrLst>
+    <dgm:ruleLst/>
+    <dgm:forEach name="Name3" axis="ch" ptType="node">
+      <dgm:layoutNode name="compositeNode">
+        <dgm:varLst>
+          <dgm:bulletEnabled val="1"/>
+        </dgm:varLst>
+        <dgm:alg type="composite"/>
+        <dgm:presOf/>
+        <dgm:choose name="Name4">
+          <dgm:if name="Name5" func="var" arg="dir" op="equ" val="norm">
+            <dgm:constrLst>
+              <dgm:constr type="w" for="ch" forName="image" refType="w"/>
+              <dgm:constr type="h" for="ch" forName="image" refType="h"/>
+              <dgm:constr type="h" for="ch" forName="image" refType="w" refFor="ch" refForName="image" op="lte"/>
+              <dgm:constr type="w" for="ch" forName="image" refType="h" refFor="ch" refForName="image" op="lte"/>
+              <dgm:constr type="w" for="ch" forName="image" refType="w" op="lte" fact="0.33"/>
+              <dgm:constr type="h" for="ch" forName="image" refType="h" op="lte" fact="0.33"/>
+              <dgm:constr type="t" for="ch" forName="image"/>
+              <dgm:constr type="l" for="ch" forName="image"/>
+              <dgm:constr type="w" for="ch" forName="childNode" refType="w" fact="0.85"/>
+              <dgm:constr type="h" for="ch" forName="childNode" refType="h" fact="0.78"/>
+              <dgm:constr type="t" for="ch" forName="childNode" refType="h" refFor="ch" refForName="image" fact="0.66"/>
+              <dgm:constr type="l" for="ch" forName="childNode" refType="w" refFor="ch" refForName="image" fact="0.5"/>
+              <dgm:constr type="tMarg" for="ch" forName="childNode" refType="w" refFor="ch" refForName="image" fact="1.25"/>
+              <dgm:constr type="t" for="ch" forName="parentNode" refType="h" refFor="ch" refForName="image" fact="0.66"/>
+              <dgm:constr type="b" for="ch" forName="parentNode" refType="b" refFor="ch" refForName="childNode"/>
+              <dgm:constr type="l" for="ch" forName="parentNode"/>
+              <dgm:constr type="r" for="ch" forName="parentNode" refType="l" refFor="ch" refForName="childNode"/>
+              <dgm:constr type="rMarg" for="ch" forName="parentNode" refType="w" refFor="ch" refForName="image" fact="1.25"/>
+            </dgm:constrLst>
+          </dgm:if>
+          <dgm:else name="Name6">
+            <dgm:constrLst>
+              <dgm:constr type="w" for="ch" forName="image" refType="w"/>
+              <dgm:constr type="h" for="ch" forName="image" refType="h"/>
+              <dgm:constr type="h" for="ch" forName="image" refType="w" refFor="ch" refForName="image" op="lte"/>
+              <dgm:constr type="w" for="ch" forName="image" refType="h" refFor="ch" refForName="image" op="lte"/>
+              <dgm:constr type="w" for="ch" forName="image" refType="w" op="lte" fact="0.33"/>
+              <dgm:constr type="h" for="ch" forName="image" refType="h" op="lte" fact="0.33"/>
+              <dgm:constr type="t" for="ch" forName="image"/>
+              <dgm:constr type="r" for="ch" forName="image" refType="w"/>
+              <dgm:constr type="w" for="ch" forName="childNode" refType="w" fact="0.85"/>
+              <dgm:constr type="h" for="ch" forName="childNode" refType="h" fact="0.78"/>
+              <dgm:constr type="t" for="ch" forName="childNode" refType="h" refFor="ch" refForName="image" fact="0.66"/>
+              <dgm:constr type="r" for="ch" forName="childNode" refType="w"/>
+              <dgm:constr type="rOff" for="ch" forName="childNode" refType="w" refFor="ch" refForName="image" fact="-0.5"/>
+              <dgm:constr type="tMarg" for="ch" forName="childNode" refType="w" refFor="ch" refForName="image" fact="1.25"/>
+              <dgm:constr type="t" for="ch" forName="parentNode" refType="h" refFor="ch" refForName="image" fact="0.66"/>
+              <dgm:constr type="b" for="ch" forName="parentNode" refType="b" refFor="ch" refForName="childNode"/>
+              <dgm:constr type="r" for="ch" forName="parentNode" refType="w"/>
+              <dgm:constr type="l" for="ch" forName="parentNode" refType="r" refFor="ch" refForName="childNode"/>
+              <dgm:constr type="lOff" for="ch" forName="parentNode" refType="rOff" refFor="ch" refForName="childNode"/>
+              <dgm:constr type="lMarg" for="ch" forName="parentNode" refType="w" refFor="ch" refForName="image" fact="1.25"/>
+            </dgm:constrLst>
+          </dgm:else>
+        </dgm:choose>
+        <dgm:ruleLst>
+          <dgm:rule type="w" for="ch" forName="childNode" val="NaN" fact="0.4" max="NaN"/>
+          <dgm:rule type="h" for="ch" forName="childNode" val="NaN" fact="0.5" max="NaN"/>
+        </dgm:ruleLst>
+        <dgm:layoutNode name="image" styleLbl="fgImgPlace1">
+          <dgm:alg type="sp"/>
+          <dgm:shape xmlns:r="http://schemas.openxmlformats.org/officeDocument/2006/relationships" type="rect" r:blip="" zOrderOff="4" blipPhldr="1">
+            <dgm:adjLst/>
+          </dgm:shape>
+          <dgm:presOf/>
+          <dgm:constrLst/>
+          <dgm:ruleLst/>
+        </dgm:layoutNode>
+        <dgm:layoutNode name="childNode" styleLbl="node1">
+          <dgm:varLst>
+            <dgm:bulletEnabled val="1"/>
+          </dgm:varLst>
+          <dgm:alg type="tx">
+            <dgm:param type="stBulletLvl" val="1"/>
+          </dgm:alg>
+          <dgm:shape xmlns:r="http://schemas.openxmlformats.org/officeDocument/2006/relationships" type="rect" r:blip="" zOrderOff="2">
+            <dgm:adjLst/>
+          </dgm:shape>
+          <dgm:presOf axis="des" ptType="node"/>
+          <dgm:constrLst/>
+          <dgm:ruleLst>
+            <dgm:rule type="primFontSz" val="5" fact="NaN" max="NaN"/>
+          </dgm:ruleLst>
+        </dgm:layoutNode>
+        <dgm:layoutNode name="parentNode" styleLbl="revTx">
+          <dgm:varLst>
+            <dgm:chMax val="0"/>
+            <dgm:bulletEnabled val="1"/>
+          </dgm:varLst>
+          <dgm:choose name="Name7">
+            <dgm:if name="Name8" func="var" arg="dir" op="equ" val="norm">
+              <dgm:alg type="tx">
+                <dgm:param type="autoTxRot" val="grav"/>
+                <dgm:param type="txAnchorVert" val="t"/>
+                <dgm:param type="parTxLTRAlign" val="r"/>
+                <dgm:param type="parTxRTLAlign" val="r"/>
+              </dgm:alg>
+              <dgm:shape xmlns:r="http://schemas.openxmlformats.org/officeDocument/2006/relationships" rot="270" type="rect" r:blip="">
+                <dgm:adjLst/>
+              </dgm:shape>
+              <dgm:presOf axis="self"/>
+              <dgm:constrLst>
+                <dgm:constr type="lMarg"/>
+                <dgm:constr type="bMarg"/>
+                <dgm:constr type="tMarg"/>
+              </dgm:constrLst>
+            </dgm:if>
+            <dgm:else name="Name9">
+              <dgm:alg type="tx">
+                <dgm:param type="autoTxRot" val="grav"/>
+                <dgm:param type="parTxLTRAlign" val="l"/>
+                <dgm:param type="parTxRTLAlign" val="l"/>
+              </dgm:alg>
+              <dgm:shape xmlns:r="http://schemas.openxmlformats.org/officeDocument/2006/relationships" rot="90" type="rect" r:blip="">
+                <dgm:adjLst/>
+              </dgm:shape>
+              <dgm:presOf axis="self"/>
+              <dgm:constrLst>
+                <dgm:constr type="rMarg"/>
+                <dgm:constr type="bMarg"/>
+                <dgm:constr type="tMarg"/>
+              </dgm:constrLst>
+            </dgm:else>
+          </dgm:choose>
+          <dgm:ruleLst>
+            <dgm:rule type="primFontSz" val="5" fact="NaN" max="NaN"/>
+          </dgm:ruleLst>
+        </dgm:layoutNode>
+      </dgm:layoutNode>
+      <dgm:forEach name="Name10" axis="followSib" ptType="sibTrans" cnt="1">
+        <dgm:layoutNode name="sibTrans">
+          <dgm:alg type="sp"/>
+          <dgm:shape xmlns:r="http://schemas.openxmlformats.org/officeDocument/2006/relationships" r:blip="">
+            <dgm:adjLst/>
+          </dgm:shape>
+          <dgm:presOf axis="self"/>
+          <dgm:constrLst/>
+          <dgm:ruleLst/>
+        </dgm:layoutNode>
+      </dgm:forEach>
+    </dgm:forEach>
+  </dgm:layoutNode>
+</dgm:layoutDef>
+</file>
+
+<file path=ppt/diagrams/quickStyle1.xml><?xml version="1.0" encoding="utf-8"?>
+<dgm:styleDef xmlns:dgm="http://schemas.openxmlformats.org/drawingml/2006/diagram" xmlns:a="http://schemas.openxmlformats.org/drawingml/2006/main" uniqueId="urn:microsoft.com/office/officeart/2005/8/quickstyle/simple3">
+  <dgm:title val=""/>
+  <dgm:desc val=""/>
+  <dgm:catLst>
+    <dgm:cat type="simple" pri="10300"/>
+  </dgm:catLst>
+  <dgm:scene3d>
+    <a:camera prst="orthographicFront"/>
+    <a:lightRig rig="threePt" dir="t"/>
+  </dgm:scene3d>
+  <dgm:styleLbl name="node0">
+    <dgm:scene3d>
+      <a:camera prst="orthographicFront"/>
+      <a:lightRig rig="flat" dir="t"/>
+    </dgm:scene3d>
+    <dgm:sp3d prstMaterial="dkEdge">
+      <a:bevelT w="8200" h="38100"/>
+    </dgm:sp3d>
+    <dgm:txPr/>
+    <dgm:style>
+      <a:lnRef idx="0">
+        <a:scrgbClr r="0" g="0" b="0"/>
+      </a:lnRef>
+      <a:fillRef idx="2">
+        <a:scrgbClr r="0" g="0" b="0"/>
+      </a:fillRef>
+      <a:effectRef idx="1">
+        <a:scrgbClr r="0" g="0" b="0"/>
+      </a:effectRef>
+      <a:fontRef idx="minor">
+        <a:schemeClr val="dk1"/>
+      </a:fontRef>
+    </dgm:style>
+  </dgm:styleLbl>
+  <dgm:styleLbl name="lnNode1">
+    <dgm:scene3d>
+      <a:camera prst="orthographicFront"/>
+      <a:lightRig rig="flat" dir="t"/>
+    </dgm:scene3d>
+    <dgm:sp3d prstMaterial="dkEdge">
+      <a:bevelT w="8200" h="38100"/>
+    </dgm:sp3d>
+    <dgm:txPr/>
+    <dgm:style>
+      <a:lnRef idx="1">
+        <a:scrgbClr r="0" g="0" b="0"/>
+      </a:lnRef>
+      <a:fillRef idx="2">
+        <a:scrgbClr r="0" g="0" b="0"/>
+      </a:fillRef>
+      <a:effectRef idx="0">
+        <a:scrgbClr r="0" g="0" b="0"/>
+      </a:effectRef>
+      <a:fontRef idx="minor">
+        <a:schemeClr val="dk1"/>
+      </a:fontRef>
+    </dgm:style>
+  </dgm:styleLbl>
+  <dgm:styleLbl name="vennNode1">
+    <dgm:scene3d>
+      <a:camera prst="orthographicFront"/>
+      <a:lightRig rig="flat" dir="t"/>
+    </dgm:scene3d>
+    <dgm:sp3d prstMaterial="dkEdge">
+      <a:bevelT w="8200" h="38100"/>
+    </dgm:sp3d>
+    <dgm:txPr/>
+    <dgm:style>
+      <a:lnRef idx="0">
+        <a:scrgbClr r="0" g="0" b="0"/>
+      </a:lnRef>
+      <a:fillRef idx="2">
+        <a:scrgbClr r="0" g="0" b="0"/>
+      </a:fillRef>
+      <a:effectRef idx="0">
+        <a:scrgbClr r="0" g="0" b="0"/>
+      </a:effectRef>
+      <a:fontRef idx="minor">
+        <a:schemeClr val="tx1"/>
+      </a:fontRef>
+    </dgm:style>
+  </dgm:styleLbl>
+  <dgm:styleLbl name="alignNode1">
+    <dgm:scene3d>
+      <a:camera prst="orthographicFront"/>
+      <a:lightRig rig="threePt" dir="t"/>
+    </dgm:scene3d>
+    <dgm:sp3d/>
+    <dgm:txPr/>
+    <dgm:style>
+      <a:lnRef idx="1">
+        <a:scrgbClr r="0" g="0" b="0"/>
+      </a:lnRef>
+      <a:fillRef idx="2">
+        <a:scrgbClr r="0" g="0" b="0"/>
+      </a:fillRef>
+      <a:effectRef idx="1">
+        <a:scrgbClr r="0" g="0" b="0"/>
+      </a:effectRef>
+      <a:fontRef idx="minor">
+        <a:schemeClr val="dk1"/>
+      </a:fontRef>
+    </dgm:style>
+  </dgm:styleLbl>
+  <dgm:styleLbl name="node1">
+    <dgm:scene3d>
+      <a:camera prst="orthographicFront"/>
+      <a:lightRig rig="flat" dir="t"/>
+    </dgm:scene3d>
+    <dgm:sp3d prstMaterial="dkEdge">
+      <a:bevelT w="8200" h="38100"/>
+    </dgm:sp3d>
+    <dgm:txPr/>
+    <dgm:style>
+      <a:lnRef idx="0">
+        <a:scrgbClr r="0" g="0" b="0"/>
+      </a:lnRef>
+      <a:fillRef idx="2">
+        <a:scrgbClr r="0" g="0" b="0"/>
+      </a:fillRef>
+      <a:effectRef idx="1">
+        <a:scrgbClr r="0" g="0" b="0"/>
+      </a:effectRef>
+      <a:fontRef idx="minor">
+        <a:schemeClr val="dk1"/>
+      </a:fontRef>
+    </dgm:style>
+  </dgm:styleLbl>
+  <dgm:styleLbl name="node2">
+    <dgm:scene3d>
+      <a:camera prst="orthographicFront"/>
+      <a:lightRig rig="flat" dir="t"/>
+    </dgm:scene3d>
+    <dgm:sp3d prstMaterial="dkEdge">
+      <a:bevelT w="8200" h="38100"/>
+    </dgm:sp3d>
+    <dgm:txPr/>
+    <dgm:style>
+      <a:lnRef idx="0">
+        <a:scrgbClr r="0" g="0" b="0"/>
+      </a:lnRef>
+      <a:fillRef idx="2">
+        <a:scrgbClr r="0" g="0" b="0"/>
+      </a:fillRef>
+      <a:effectRef idx="1">
+        <a:scrgbClr r="0" g="0" b="0"/>
+      </a:effectRef>
+      <a:fontRef idx="minor">
+        <a:schemeClr val="dk1"/>
+      </a:fontRef>
+    </dgm:style>
+  </dgm:styleLbl>
+  <dgm:styleLbl name="node3">
+    <dgm:scene3d>
+      <a:camera prst="orthographicFront"/>
+      <a:lightRig rig="flat" dir="t"/>
+    </dgm:scene3d>
+    <dgm:sp3d prstMaterial="dkEdge">
+      <a:bevelT w="8200" h="38100"/>
+    </dgm:sp3d>
+    <dgm:txPr/>
+    <dgm:style>
+      <a:lnRef idx="0">
+        <a:scrgbClr r="0" g="0" b="0"/>
+      </a:lnRef>
+      <a:fillRef idx="2">
+        <a:scrgbClr r="0" g="0" b="0"/>
+      </a:fillRef>
+      <a:effectRef idx="1">
+        <a:scrgbClr r="0" g="0" b="0"/>
+      </a:effectRef>
+      <a:fontRef idx="minor">
+        <a:schemeClr val="dk1"/>
+      </a:fontRef>
+    </dgm:style>
+  </dgm:styleLbl>
+  <dgm:styleLbl name="node4">
+    <dgm:scene3d>
+      <a:camera prst="orthographicFront"/>
+      <a:lightRig rig="flat" dir="t"/>
+    </dgm:scene3d>
+    <dgm:sp3d prstMaterial="dkEdge">
+      <a:bevelT w="8200" h="38100"/>
+    </dgm:sp3d>
+    <dgm:txPr/>
+    <dgm:style>
+      <a:lnRef idx="0">
+        <a:scrgbClr r="0" g="0" b="0"/>
+      </a:lnRef>
+      <a:fillRef idx="2">
+        <a:scrgbClr r="0" g="0" b="0"/>
+      </a:fillRef>
+      <a:effectRef idx="1">
+        <a:scrgbClr r="0" g="0" b="0"/>
+      </a:effectRef>
+      <a:fontRef idx="minor">
+        <a:schemeClr val="dk1"/>
+      </a:fontRef>
+    </dgm:style>
+  </dgm:styleLbl>
+  <dgm:styleLbl name="fgImgPlace1">
+    <dgm:scene3d>
+      <a:camera prst="orthographicFront"/>
+      <a:lightRig rig="threePt" dir="t"/>
+    </dgm:scene3d>
+    <dgm:sp3d/>
+    <dgm:txPr/>
+    <dgm:style>
+      <a:lnRef idx="1">
+        <a:scrgbClr r="0" g="0" b="0"/>
+      </a:lnRef>
+      <a:fillRef idx="1">
+        <a:scrgbClr r="0" g="0" b="0"/>
+      </a:fillRef>
+      <a:effectRef idx="1">
+        <a:scrgbClr r="0" g="0" b="0"/>
+      </a:effectRef>
+      <a:fontRef idx="minor"/>
+    </dgm:style>
+  </dgm:styleLbl>
+  <dgm:styleLbl name="alignImgPlace1">
+    <dgm:scene3d>
+      <a:camera prst="orthographicFront"/>
+      <a:lightRig rig="threePt" dir="t"/>
+    </dgm:scene3d>
+    <dgm:sp3d/>
+    <dgm:txPr/>
+    <dgm:style>
+      <a:lnRef idx="1">
+        <a:scrgbClr r="0" g="0" b="0"/>
+      </a:lnRef>
+      <a:fillRef idx="1">
+        <a:scrgbClr r="0" g="0" b="0"/>
+      </a:fillRef>
+      <a:effectRef idx="1">
+        <a:scrgbClr r="0" g="0" b="0"/>
+      </a:effectRef>
+      <a:fontRef idx="minor"/>
+    </dgm:style>
+  </dgm:styleLbl>
+  <dgm:styleLbl name="bgImgPlace1">
+    <dgm:scene3d>
+      <a:camera prst="orthographicFront"/>
+      <a:lightRig rig="threePt" dir="t"/>
+    </dgm:scene3d>
+    <dgm:sp3d/>
+    <dgm:txPr/>
+    <dgm:style>
+      <a:lnRef idx="1">
+        <a:scrgbClr r="0" g="0" b="0"/>
+      </a:lnRef>
+      <a:fillRef idx="1">
+        <a:scrgbClr r="0" g="0" b="0"/>
+      </a:fillRef>
+      <a:effectRef idx="1">
+        <a:scrgbClr r="0" g="0" b="0"/>
+      </a:effectRef>
+      <a:fontRef idx="minor"/>
+    </dgm:style>
+  </dgm:styleLbl>
+  <dgm:styleLbl name="sibTrans2D1">
+    <dgm:scene3d>
+      <a:camera prst="orthographicFront"/>
+      <a:lightRig rig="threePt" dir="t"/>
+    </dgm:scene3d>
+    <dgm:sp3d/>
+    <dgm:txPr/>
+    <dgm:style>
+      <a:lnRef idx="0">
+        <a:scrgbClr r="0" g="0" b="0"/>
+      </a:lnRef>
+      <a:fillRef idx="2">
+        <a:scrgbClr r="0" g="0" b="0"/>
+      </a:fillRef>
+      <a:effectRef idx="1">
+        <a:scrgbClr r="0" g="0" b="0"/>
+      </a:effectRef>
+      <a:fontRef idx="minor">
+        <a:schemeClr val="dk1"/>
+      </a:fontRef>
+    </dgm:style>
+  </dgm:styleLbl>
+  <dgm:styleLbl name="fgSibTrans2D1">
+    <dgm:scene3d>
+      <a:camera prst="orthographicFront"/>
+      <a:lightRig rig="threePt" dir="t"/>
+    </dgm:scene3d>
+    <dgm:sp3d/>
+    <dgm:txPr/>
+    <dgm:style>
+      <a:lnRef idx="0">
+        <a:scrgbClr r="0" g="0" b="0"/>
+      </a:lnRef>
+      <a:fillRef idx="2">
+        <a:scrgbClr r="0" g="0" b="0"/>
+      </a:fillRef>
+      <a:effectRef idx="1">
+        <a:scrgbClr r="0" g="0" b="0"/>
+      </a:effectRef>
+      <a:fontRef idx="minor">
+        <a:schemeClr val="dk1"/>
+      </a:fontRef>
+    </dgm:style>
+  </dgm:styleLbl>
+  <dgm:styleLbl name="bgSibTrans2D1">
+    <dgm:scene3d>
+      <a:camera prst="orthographicFront"/>
+      <a:lightRig rig="threePt" dir="t"/>
+    </dgm:scene3d>
+    <dgm:sp3d/>
+    <dgm:txPr/>
+    <dgm:style>
+      <a:lnRef idx="0">
+        <a:scrgbClr r="0" g="0" b="0"/>
+      </a:lnRef>
+      <a:fillRef idx="2">
+        <a:scrgbClr r="0" g="0" b="0"/>
+      </a:fillRef>
+      <a:effectRef idx="1">
+        <a:scrgbClr r="0" g="0" b="0"/>
+      </a:effectRef>
+      <a:fontRef idx="minor">
+        <a:schemeClr val="dk1"/>
+      </a:fontRef>
+    </dgm:style>
+  </dgm:styleLbl>
+  <dgm:styleLbl name="sibTrans1D1">
+    <dgm:scene3d>
+      <a:camera prst="orthographicFront"/>
+      <a:lightRig rig="threePt" dir="t"/>
+    </dgm:scene3d>
+    <dgm:sp3d/>
+    <dgm:txPr/>
+    <dgm:style>
+      <a:lnRef idx="1">
+        <a:scrgbClr r="0" g="0" b="0"/>
+      </a:lnRef>
+      <a:fillRef idx="0">
+        <a:scrgbClr r="0" g="0" b="0"/>
+      </a:fillRef>
+      <a:effectRef idx="0">
+        <a:scrgbClr r="0" g="0" b="0"/>
+      </a:effectRef>
+      <a:fontRef idx="minor"/>
+    </dgm:style>
+  </dgm:styleLbl>
+  <dgm:styleLbl name="callout">
+    <dgm:scene3d>
+      <a:camera prst="orthographicFront"/>
+      <a:lightRig rig="threePt" dir="t"/>
+    </dgm:scene3d>
+    <dgm:sp3d/>
+    <dgm:txPr/>
+    <dgm:style>
+      <a:lnRef idx="1">
+        <a:scrgbClr r="0" g="0" b="0"/>
+      </a:lnRef>
+      <a:fillRef idx="2">
+        <a:scrgbClr r="0" g="0" b="0"/>
+      </a:fillRef>
+      <a:effectRef idx="1">
+        <a:scrgbClr r="0" g="0" b="0"/>
+      </a:effectRef>
+      <a:fontRef idx="minor"/>
+    </dgm:style>
+  </dgm:styleLbl>
+  <dgm:styleLbl name="asst0">
+    <dgm:scene3d>
+      <a:camera prst="orthographicFront"/>
+      <a:lightRig rig="flat" dir="t"/>
+    </dgm:scene3d>
+    <dgm:sp3d prstMaterial="dkEdge">
+      <a:bevelT w="8200" h="38100"/>
+    </dgm:sp3d>
+    <dgm:txPr/>
+    <dgm:style>
+      <a:lnRef idx="0">
+        <a:scrgbClr r="0" g="0" b="0"/>
+      </a:lnRef>
+      <a:fillRef idx="2">
+        <a:scrgbClr r="0" g="0" b="0"/>
+      </a:fillRef>
+      <a:effectRef idx="1">
+        <a:scrgbClr r="0" g="0" b="0"/>
+      </a:effectRef>
+      <a:fontRef idx="minor">
+        <a:schemeClr val="dk1"/>
+      </a:fontRef>
+    </dgm:style>
+  </dgm:styleLbl>
+  <dgm:styleLbl name="asst1">
+    <dgm:scene3d>
+      <a:camera prst="orthographicFront"/>
+      <a:lightRig rig="flat" dir="t"/>
+    </dgm:scene3d>
+    <dgm:sp3d prstMaterial="dkEdge">
+      <a:bevelT w="8200" h="38100"/>
+    </dgm:sp3d>
+    <dgm:txPr/>
+    <dgm:style>
+      <a:lnRef idx="0">
+        <a:scrgbClr r="0" g="0" b="0"/>
+      </a:lnRef>
+      <a:fillRef idx="2">
+        <a:scrgbClr r="0" g="0" b="0"/>
+      </a:fillRef>
+      <a:effectRef idx="1">
+        <a:scrgbClr r="0" g="0" b="0"/>
+      </a:effectRef>
+      <a:fontRef idx="minor">
+        <a:schemeClr val="dk1"/>
+      </a:fontRef>
+    </dgm:style>
+  </dgm:styleLbl>
+  <dgm:styleLbl name="asst2">
+    <dgm:scene3d>
+      <a:camera prst="orthographicFront"/>
+      <a:lightRig rig="flat" dir="t"/>
+    </dgm:scene3d>
+    <dgm:sp3d prstMaterial="dkEdge">
+      <a:bevelT w="8200" h="38100"/>
+    </dgm:sp3d>
+    <dgm:txPr/>
+    <dgm:style>
+      <a:lnRef idx="0">
+        <a:scrgbClr r="0" g="0" b="0"/>
+      </a:lnRef>
+      <a:fillRef idx="2">
+        <a:scrgbClr r="0" g="0" b="0"/>
+      </a:fillRef>
+      <a:effectRef idx="1">
+        <a:scrgbClr r="0" g="0" b="0"/>
+      </a:effectRef>
+      <a:fontRef idx="minor">
+        <a:schemeClr val="dk1"/>
+      </a:fontRef>
+    </dgm:style>
+  </dgm:styleLbl>
+  <dgm:styleLbl name="asst3">
+    <dgm:scene3d>
+      <a:camera prst="orthographicFront"/>
+      <a:lightRig rig="flat" dir="t"/>
+    </dgm:scene3d>
+    <dgm:sp3d prstMaterial="dkEdge">
+      <a:bevelT w="8200" h="38100"/>
+    </dgm:sp3d>
+    <dgm:txPr/>
+    <dgm:style>
+      <a:lnRef idx="0">
+        <a:scrgbClr r="0" g="0" b="0"/>
+      </a:lnRef>
+      <a:fillRef idx="2">
+        <a:scrgbClr r="0" g="0" b="0"/>
+      </a:fillRef>
+      <a:effectRef idx="1">
+        <a:scrgbClr r="0" g="0" b="0"/>
+      </a:effectRef>
+      <a:fontRef idx="minor">
+        <a:schemeClr val="dk1"/>
+      </a:fontRef>
+    </dgm:style>
+  </dgm:styleLbl>
+  <dgm:styleLbl name="asst4">
+    <dgm:scene3d>
+      <a:camera prst="orthographicFront"/>
+      <a:lightRig rig="flat" dir="t"/>
+    </dgm:scene3d>
+    <dgm:sp3d prstMaterial="dkEdge">
+      <a:bevelT w="8200" h="38100"/>
+    </dgm:sp3d>
+    <dgm:txPr/>
+    <dgm:style>
+      <a:lnRef idx="0">
+        <a:scrgbClr r="0" g="0" b="0"/>
+      </a:lnRef>
+      <a:fillRef idx="2">
+        <a:scrgbClr r="0" g="0" b="0"/>
+      </a:fillRef>
+      <a:effectRef idx="1">
+        <a:scrgbClr r="0" g="0" b="0"/>
+      </a:effectRef>
+      <a:fontRef idx="minor">
+        <a:schemeClr val="dk1"/>
+      </a:fontRef>
+    </dgm:style>
+  </dgm:styleLbl>
+  <dgm:styleLbl name="parChTrans2D1">
+    <dgm:scene3d>
+      <a:camera prst="orthographicFront"/>
+      <a:lightRig rig="threePt" dir="t"/>
+    </dgm:scene3d>
+    <dgm:sp3d/>
+    <dgm:txPr/>
+    <dgm:style>
+      <a:lnRef idx="1">
+        <a:scrgbClr r="0" g="0" b="0"/>
+      </a:lnRef>
+      <a:fillRef idx="2">
+        <a:scrgbClr r="0" g="0" b="0"/>
+      </a:fillRef>
+      <a:effectRef idx="1">
+        <a:scrgbClr r="0" g="0" b="0"/>
+      </a:effectRef>
+      <a:fontRef idx="minor">
+        <a:schemeClr val="dk1"/>
+      </a:fontRef>
+    </dgm:style>
+  </dgm:styleLbl>
+  <dgm:styleLbl name="parChTrans2D2">
+    <dgm:scene3d>
+      <a:camera prst="orthographicFront"/>
+      <a:lightRig rig="threePt" dir="t"/>
+    </dgm:scene3d>
+    <dgm:sp3d/>
+    <dgm:txPr/>
+    <dgm:style>
+      <a:lnRef idx="1">
+        <a:scrgbClr r="0" g="0" b="0"/>
+      </a:lnRef>
+      <a:fillRef idx="2">
+        <a:scrgbClr r="0" g="0" b="0"/>
+      </a:fillRef>
+      <a:effectRef idx="1">
+        <a:scrgbClr r="0" g="0" b="0"/>
+      </a:effectRef>
+      <a:fontRef idx="minor">
+        <a:schemeClr val="dk1"/>
+      </a:fontRef>
+    </dgm:style>
+  </dgm:styleLbl>
+  <dgm:styleLbl name="parChTrans2D3">
+    <dgm:scene3d>
+      <a:camera prst="orthographicFront"/>
+      <a:lightRig rig="threePt" dir="t"/>
+    </dgm:scene3d>
+    <dgm:sp3d/>
+    <dgm:txPr/>
+    <dgm:style>
+      <a:lnRef idx="1">
+        <a:scrgbClr r="0" g="0" b="0"/>
+      </a:lnRef>
+      <a:fillRef idx="2">
+        <a:scrgbClr r="0" g="0" b="0"/>
+      </a:fillRef>
+      <a:effectRef idx="1">
+        <a:scrgbClr r="0" g="0" b="0"/>
+      </a:effectRef>
+      <a:fontRef idx="minor">
+        <a:schemeClr val="dk1"/>
+      </a:fontRef>
+    </dgm:style>
+  </dgm:styleLbl>
+  <dgm:styleLbl name="parChTrans2D4">
+    <dgm:scene3d>
+      <a:camera prst="orthographicFront"/>
+      <a:lightRig rig="threePt" dir="t"/>
+    </dgm:scene3d>
+    <dgm:sp3d/>
+    <dgm:txPr/>
+    <dgm:style>
+      <a:lnRef idx="1">
+        <a:scrgbClr r="0" g="0" b="0"/>
+      </a:lnRef>
+      <a:fillRef idx="2">
+        <a:scrgbClr r="0" g="0" b="0"/>
+      </a:fillRef>
+      <a:effectRef idx="1">
+        <a:scrgbClr r="0" g="0" b="0"/>
+      </a:effectRef>
+      <a:fontRef idx="minor">
+        <a:schemeClr val="dk1"/>
+      </a:fontRef>
+    </dgm:style>
+  </dgm:styleLbl>
+  <dgm:styleLbl name="parChTrans1D1">
+    <dgm:scene3d>
+      <a:camera prst="orthographicFront"/>
+      <a:lightRig rig="threePt" dir="t"/>
+    </dgm:scene3d>
+    <dgm:sp3d/>
+    <dgm:txPr/>
+    <dgm:style>
+      <a:lnRef idx="2">
+        <a:scrgbClr r="0" g="0" b="0"/>
+      </a:lnRef>
+      <a:fillRef idx="0">
+        <a:scrgbClr r="0" g="0" b="0"/>
+      </a:fillRef>
+      <a:effectRef idx="0">
+        <a:scrgbClr r="0" g="0" b="0"/>
+      </a:effectRef>
+      <a:fontRef idx="minor"/>
+    </dgm:style>
+  </dgm:styleLbl>
+  <dgm:styleLbl name="parChTrans1D2">
+    <dgm:scene3d>
+      <a:camera prst="orthographicFront"/>
+      <a:lightRig rig="threePt" dir="t"/>
+    </dgm:scene3d>
+    <dgm:sp3d/>
+    <dgm:txPr/>
+    <dgm:style>
+      <a:lnRef idx="2">
+        <a:scrgbClr r="0" g="0" b="0"/>
+      </a:lnRef>
+      <a:fillRef idx="0">
+        <a:scrgbClr r="0" g="0" b="0"/>
+      </a:fillRef>
+      <a:effectRef idx="0">
+        <a:scrgbClr r="0" g="0" b="0"/>
+      </a:effectRef>
+      <a:fontRef idx="minor"/>
+    </dgm:style>
+  </dgm:styleLbl>
+  <dgm:styleLbl name="parChTrans1D3">
+    <dgm:scene3d>
+      <a:camera prst="orthographicFront"/>
+      <a:lightRig rig="threePt" dir="t"/>
+    </dgm:scene3d>
+    <dgm:sp3d/>
+    <dgm:txPr/>
+    <dgm:style>
+      <a:lnRef idx="2">
+        <a:scrgbClr r="0" g="0" b="0"/>
+      </a:lnRef>
+      <a:fillRef idx="0">
+        <a:scrgbClr r="0" g="0" b="0"/>
+      </a:fillRef>
+      <a:effectRef idx="0">
+        <a:scrgbClr r="0" g="0" b="0"/>
+      </a:effectRef>
+      <a:fontRef idx="minor"/>
+    </dgm:style>
+  </dgm:styleLbl>
+  <dgm:styleLbl name="parChTrans1D4">
+    <dgm:scene3d>
+      <a:camera prst="orthographicFront"/>
+      <a:lightRig rig="threePt" dir="t"/>
+    </dgm:scene3d>
+    <dgm:sp3d/>
+    <dgm:txPr/>
+    <dgm:style>
+      <a:lnRef idx="2">
+        <a:scrgbClr r="0" g="0" b="0"/>
+      </a:lnRef>
+      <a:fillRef idx="0">
+        <a:scrgbClr r="0" g="0" b="0"/>
+      </a:fillRef>
+      <a:effectRef idx="0">
+        <a:scrgbClr r="0" g="0" b="0"/>
+      </a:effectRef>
+      <a:fontRef idx="minor"/>
+    </dgm:style>
+  </dgm:styleLbl>
+  <dgm:styleLbl name="fgAcc1">
+    <dgm:scene3d>
+      <a:camera prst="orthographicFront"/>
+      <a:lightRig rig="threePt" dir="t"/>
+    </dgm:scene3d>
+    <dgm:sp3d/>
+    <dgm:txPr/>
+    <dgm:style>
+      <a:lnRef idx="1">
+        <a:scrgbClr r="0" g="0" b="0"/>
+      </a:lnRef>
+      <a:fillRef idx="1">
+        <a:scrgbClr r="0" g="0" b="0"/>
+      </a:fillRef>
+      <a:effectRef idx="0">
+        <a:scrgbClr r="0" g="0" b="0"/>
+      </a:effectRef>
+      <a:fontRef idx="minor"/>
+    </dgm:style>
+  </dgm:styleLbl>
+  <dgm:styleLbl name="conFgAcc1">
+    <dgm:scene3d>
+      <a:camera prst="orthographicFront"/>
+      <a:lightRig rig="threePt" dir="t"/>
+    </dgm:scene3d>
+    <dgm:sp3d/>
+    <dgm:txPr/>
+    <dgm:style>
+      <a:lnRef idx="1">
+        <a:scrgbClr r="0" g="0" b="0"/>
+      </a:lnRef>
+      <a:fillRef idx="1">
+        <a:scrgbClr r="0" g="0" b="0"/>
+      </a:fillRef>
+      <a:effectRef idx="0">
+        <a:scrgbClr r="0" g="0" b="0"/>
+      </a:effectRef>
+      <a:fontRef idx="minor"/>
+    </dgm:style>
+  </dgm:styleLbl>
+  <dgm:styleLbl name="alignAcc1">
+    <dgm:scene3d>
+      <a:camera prst="orthographicFront"/>
+      <a:lightRig rig="threePt" dir="t"/>
+    </dgm:scene3d>
+    <dgm:sp3d/>
+    <dgm:txPr/>
+    <dgm:style>
+      <a:lnRef idx="1">
+        <a:scrgbClr r="0" g="0" b="0"/>
+      </a:lnRef>
+      <a:fillRef idx="1">
+        <a:scrgbClr r="0" g="0" b="0"/>
+      </a:fillRef>
+      <a:effectRef idx="0">
+        <a:scrgbClr r="0" g="0" b="0"/>
+      </a:effectRef>
+      <a:fontRef idx="minor"/>
+    </dgm:style>
+  </dgm:styleLbl>
+  <dgm:styleLbl name="trAlignAcc1">
+    <dgm:scene3d>
+      <a:camera prst="orthographicFront"/>
+      <a:lightRig rig="threePt" dir="t"/>
+    </dgm:scene3d>
+    <dgm:sp3d/>
+    <dgm:txPr/>
+    <dgm:style>
+      <a:lnRef idx="1">
+        <a:scrgbClr r="0" g="0" b="0"/>
+      </a:lnRef>
+      <a:fillRef idx="1">
+        <a:scrgbClr r="0" g="0" b="0"/>
+      </a:fillRef>
+      <a:effectRef idx="0">
+        <a:scrgbClr r="0" g="0" b="0"/>
+      </a:effectRef>
+      <a:fontRef idx="minor"/>
+    </dgm:style>
+  </dgm:styleLbl>
+  <dgm:styleLbl name="bgAcc1">
+    <dgm:scene3d>
+      <a:camera prst="orthographicFront"/>
+      <a:lightRig rig="threePt" dir="t"/>
+    </dgm:scene3d>
+    <dgm:sp3d/>
+    <dgm:txPr/>
+    <dgm:style>
+      <a:lnRef idx="1">
+        <a:scrgbClr r="0" g="0" b="0"/>
+      </a:lnRef>
+      <a:fillRef idx="1">
+        <a:scrgbClr r="0" g="0" b="0"/>
+      </a:fillRef>
+      <a:effectRef idx="0">
+        <a:scrgbClr r="0" g="0" b="0"/>
+      </a:effectRef>
+      <a:fontRef idx="minor"/>
+    </dgm:style>
+  </dgm:styleLbl>
+  <dgm:styleLbl name="solidFgAcc1">
+    <dgm:scene3d>
+      <a:camera prst="orthographicFront"/>
+      <a:lightRig rig="threePt" dir="t"/>
+    </dgm:scene3d>
+    <dgm:sp3d/>
+    <dgm:txPr/>
+    <dgm:style>
+      <a:lnRef idx="1">
+        <a:scrgbClr r="0" g="0" b="0"/>
+      </a:lnRef>
+      <a:fillRef idx="2">
+        <a:scrgbClr r="0" g="0" b="0"/>
+      </a:fillRef>
+      <a:effectRef idx="0">
+        <a:scrgbClr r="0" g="0" b="0"/>
+      </a:effectRef>
+      <a:fontRef idx="minor"/>
+    </dgm:style>
+  </dgm:styleLbl>
+  <dgm:styleLbl name="solidAlignAcc1">
+    <dgm:scene3d>
+      <a:camera prst="orthographicFront"/>
+      <a:lightRig rig="threePt" dir="t"/>
+    </dgm:scene3d>
+    <dgm:sp3d/>
+    <dgm:txPr/>
+    <dgm:style>
+      <a:lnRef idx="1">
+        <a:scrgbClr r="0" g="0" b="0"/>
+      </a:lnRef>
+      <a:fillRef idx="1">
+        <a:scrgbClr r="0" g="0" b="0"/>
+      </a:fillRef>
+      <a:effectRef idx="0">
+        <a:scrgbClr r="0" g="0" b="0"/>
+      </a:effectRef>
+      <a:fontRef idx="minor"/>
+    </dgm:style>
+  </dgm:styleLbl>
+  <dgm:styleLbl name="solidBgAcc1">
+    <dgm:scene3d>
+      <a:camera prst="orthographicFront"/>
+      <a:lightRig rig="threePt" dir="t"/>
+    </dgm:scene3d>
+    <dgm:sp3d/>
+    <dgm:txPr/>
+    <dgm:style>
+      <a:lnRef idx="1">
+        <a:scrgbClr r="0" g="0" b="0"/>
+      </a:lnRef>
+      <a:fillRef idx="1">
+        <a:scrgbClr r="0" g="0" b="0"/>
+      </a:fillRef>
+      <a:effectRef idx="0">
+        <a:scrgbClr r="0" g="0" b="0"/>
+      </a:effectRef>
+      <a:fontRef idx="minor"/>
+    </dgm:style>
+  </dgm:styleLbl>
+  <dgm:styleLbl name="fgAccFollowNode1">
+    <dgm:scene3d>
+      <a:camera prst="orthographicFront"/>
+      <a:lightRig rig="threePt" dir="t"/>
+    </dgm:scene3d>
+    <dgm:sp3d/>
+    <dgm:txPr/>
+    <dgm:style>
+      <a:lnRef idx="1">
+        <a:scrgbClr r="0" g="0" b="0"/>
+      </a:lnRef>
+      <a:fillRef idx="1">
+        <a:scrgbClr r="0" g="0" b="0"/>
+      </a:fillRef>
+      <a:effectRef idx="0">
+        <a:scrgbClr r="0" g="0" b="0"/>
+      </a:effectRef>
+      <a:fontRef idx="minor"/>
+    </dgm:style>
+  </dgm:styleLbl>
+  <dgm:styleLbl name="alignAccFollowNode1">
+    <dgm:scene3d>
+      <a:camera prst="orthographicFront"/>
+      <a:lightRig rig="threePt" dir="t"/>
+    </dgm:scene3d>
+    <dgm:sp3d/>
+    <dgm:txPr/>
+    <dgm:style>
+      <a:lnRef idx="1">
+        <a:scrgbClr r="0" g="0" b="0"/>
+      </a:lnRef>
+      <a:fillRef idx="1">
+        <a:scrgbClr r="0" g="0" b="0"/>
+      </a:fillRef>
+      <a:effectRef idx="0">
+        <a:scrgbClr r="0" g="0" b="0"/>
+      </a:effectRef>
+      <a:fontRef idx="minor"/>
+    </dgm:style>
+  </dgm:styleLbl>
+  <dgm:styleLbl name="bgAccFollowNode1">
+    <dgm:scene3d>
+      <a:camera prst="orthographicFront"/>
+      <a:lightRig rig="threePt" dir="t"/>
+    </dgm:scene3d>
+    <dgm:sp3d/>
+    <dgm:txPr/>
+    <dgm:style>
+      <a:lnRef idx="1">
+        <a:scrgbClr r="0" g="0" b="0"/>
+      </a:lnRef>
+      <a:fillRef idx="1">
+        <a:scrgbClr r="0" g="0" b="0"/>
+      </a:fillRef>
+      <a:effectRef idx="0">
+        <a:scrgbClr r="0" g="0" b="0"/>
+      </a:effectRef>
+      <a:fontRef idx="minor"/>
+    </dgm:style>
+  </dgm:styleLbl>
+  <dgm:styleLbl name="fgAcc0">
+    <dgm:scene3d>
+      <a:camera prst="orthographicFront"/>
+      <a:lightRig rig="threePt" dir="t"/>
+    </dgm:scene3d>
+    <dgm:sp3d/>
+    <dgm:txPr/>
+    <dgm:style>
+      <a:lnRef idx="1">
+        <a:scrgbClr r="0" g="0" b="0"/>
+      </a:lnRef>
+      <a:fillRef idx="1">
+        <a:scrgbClr r="0" g="0" b="0"/>
+      </a:fillRef>
+      <a:effectRef idx="0">
+        <a:scrgbClr r="0" g="0" b="0"/>
+      </a:effectRef>
+      <a:fontRef idx="minor"/>
+    </dgm:style>
+  </dgm:styleLbl>
+  <dgm:styleLbl name="fgAcc2">
+    <dgm:scene3d>
+      <a:camera prst="orthographicFront"/>
+      <a:lightRig rig="threePt" dir="t"/>
+    </dgm:scene3d>
+    <dgm:sp3d/>
+    <dgm:txPr/>
+    <dgm:style>
+      <a:lnRef idx="1">
+        <a:scrgbClr r="0" g="0" b="0"/>
+      </a:lnRef>
+      <a:fillRef idx="1">
+        <a:scrgbClr r="0" g="0" b="0"/>
+      </a:fillRef>
+      <a:effectRef idx="0">
+        <a:scrgbClr r="0" g="0" b="0"/>
+      </a:effectRef>
+      <a:fontRef idx="minor"/>
+    </dgm:style>
+  </dgm:styleLbl>
+  <dgm:styleLbl name="fgAcc3">
+    <dgm:scene3d>
+      <a:camera prst="orthographicFront"/>
+      <a:lightRig rig="threePt" dir="t"/>
+    </dgm:scene3d>
+    <dgm:sp3d/>
+    <dgm:txPr/>
+    <dgm:style>
+      <a:lnRef idx="1">
+        <a:scrgbClr r="0" g="0" b="0"/>
+      </a:lnRef>
+      <a:fillRef idx="1">
+        <a:scrgbClr r="0" g="0" b="0"/>
+      </a:fillRef>
+      <a:effectRef idx="0">
+        <a:scrgbClr r="0" g="0" b="0"/>
+      </a:effectRef>
+      <a:fontRef idx="minor"/>
+    </dgm:style>
+  </dgm:styleLbl>
+  <dgm:styleLbl name="fgAcc4">
+    <dgm:scene3d>
+      <a:camera prst="orthographicFront"/>
+      <a:lightRig rig="threePt" dir="t"/>
+    </dgm:scene3d>
+    <dgm:sp3d/>
+    <dgm:txPr/>
+    <dgm:style>
+      <a:lnRef idx="1">
+        <a:scrgbClr r="0" g="0" b="0"/>
+      </a:lnRef>
+      <a:fillRef idx="1">
+        <a:scrgbClr r="0" g="0" b="0"/>
+      </a:fillRef>
+      <a:effectRef idx="0">
+        <a:scrgbClr r="0" g="0" b="0"/>
+      </a:effectRef>
+      <a:fontRef idx="minor"/>
+    </dgm:style>
+  </dgm:styleLbl>
+  <dgm:styleLbl name="bgShp">
+    <dgm:scene3d>
+      <a:camera prst="orthographicFront"/>
+      <a:lightRig rig="threePt" dir="t"/>
+    </dgm:scene3d>
+    <dgm:sp3d/>
+    <dgm:txPr/>
+    <dgm:style>
+      <a:lnRef idx="0">
+        <a:scrgbClr r="0" g="0" b="0"/>
+      </a:lnRef>
+      <a:fillRef idx="1">
+        <a:scrgbClr r="0" g="0" b="0"/>
+      </a:fillRef>
+      <a:effectRef idx="1">
+        <a:scrgbClr r="0" g="0" b="0"/>
+      </a:effectRef>
+      <a:fontRef idx="minor"/>
+    </dgm:style>
+  </dgm:styleLbl>
+  <dgm:styleLbl name="dkBgShp">
+    <dgm:scene3d>
+      <a:camera prst="orthographicFront"/>
+      <a:lightRig rig="threePt" dir="t"/>
+    </dgm:scene3d>
+    <dgm:sp3d/>
+    <dgm:txPr/>
+    <dgm:style>
+      <a:lnRef idx="0">
+        <a:scrgbClr r="0" g="0" b="0"/>
+      </a:lnRef>
+      <a:fillRef idx="1">
+        <a:scrgbClr r="0" g="0" b="0"/>
+      </a:fillRef>
+      <a:effectRef idx="1">
+        <a:scrgbClr r="0" g="0" b="0"/>
+      </a:effectRef>
+      <a:fontRef idx="minor"/>
+    </dgm:style>
+  </dgm:styleLbl>
+  <dgm:styleLbl name="trBgShp">
+    <dgm:scene3d>
+      <a:camera prst="orthographicFront"/>
+      <a:lightRig rig="threePt" dir="t"/>
+    </dgm:scene3d>
+    <dgm:sp3d/>
+    <dgm:txPr/>
+    <dgm:style>
+      <a:lnRef idx="0">
+        <a:scrgbClr r="0" g="0" b="0"/>
+      </a:lnRef>
+      <a:fillRef idx="1">
+        <a:scrgbClr r="0" g="0" b="0"/>
+      </a:fillRef>
+      <a:effectRef idx="0">
+        <a:scrgbClr r="0" g="0" b="0"/>
+      </a:effectRef>
+      <a:fontRef idx="minor"/>
+    </dgm:style>
+  </dgm:styleLbl>
+  <dgm:styleLbl name="fgShp">
+    <dgm:scene3d>
+      <a:camera prst="orthographicFront"/>
+      <a:lightRig rig="flat" dir="t"/>
+    </dgm:scene3d>
+    <dgm:sp3d prstMaterial="dkEdge">
+      <a:bevelT w="8200" h="38100"/>
+    </dgm:sp3d>
+    <dgm:txPr/>
+    <dgm:style>
+      <a:lnRef idx="1">
+        <a:scrgbClr r="0" g="0" b="0"/>
+      </a:lnRef>
+      <a:fillRef idx="2">
+        <a:scrgbClr r="0" g="0" b="0"/>
+      </a:fillRef>
+      <a:effectRef idx="1">
+        <a:scrgbClr r="0" g="0" b="0"/>
+      </a:effectRef>
+      <a:fontRef idx="minor"/>
+    </dgm:style>
+  </dgm:styleLbl>
+  <dgm:styleLbl name="revTx">
+    <dgm:scene3d>
+      <a:camera prst="orthographicFront"/>
+      <a:lightRig rig="threePt" dir="t"/>
+    </dgm:scene3d>
+    <dgm:sp3d/>
+    <dgm:txPr/>
+    <dgm:style>
+      <a:lnRef idx="0">
+        <a:scrgbClr r="0" g="0" b="0"/>
+      </a:lnRef>
+      <a:fillRef idx="0">
+        <a:scrgbClr r="0" g="0" b="0"/>
+      </a:fillRef>
+      <a:effectRef idx="0">
+        <a:scrgbClr r="0" g="0" b="0"/>
+      </a:effectRef>
+      <a:fontRef idx="minor"/>
+    </dgm:style>
+  </dgm:styleLbl>
+</dgm:styleDef>
+</file>
+
 <file path=ppt/handoutMasters/handoutMaster1.xml><?xml version="1.0" encoding="utf-8"?>
 <p:handoutMaster xmlns:a="http://schemas.openxmlformats.org/drawingml/2006/main" xmlns:r="http://schemas.openxmlformats.org/officeDocument/2006/relationships" xmlns:p="http://schemas.openxmlformats.org/presentationml/2006/main">
   <p:cSld>
@@ -222,7 +2378,7 @@
           <a:p>
             <a:fld id="{80F76F07-4DDF-4742-A599-1A1948D9D8BF}" type="datetimeFigureOut">
               <a:rPr lang="en-US" smtClean="0"/>
-              <a:t>12/13/2023</a:t>
+              <a:t>12/14/2023</a:t>
             </a:fld>
             <a:endParaRPr lang="en-US"/>
           </a:p>
@@ -387,7 +2543,7 @@
           <a:p>
             <a:fld id="{D69DC1A8-4A29-4ED6-A8C3-F6D12A0C95F5}" type="datetimeFigureOut">
               <a:rPr lang="en-US" smtClean="0"/>
-              <a:t>12/13/2023</a:t>
+              <a:t>12/14/2023</a:t>
             </a:fld>
             <a:endParaRPr lang="en-US" dirty="0"/>
           </a:p>
@@ -1843,7 +3999,7 @@
           <a:p>
             <a:fld id="{15D6C63C-0848-4B82-AE9B-D0C2F4F853C4}" type="datetimeFigureOut">
               <a:rPr lang="en-US" smtClean="0"/>
-              <a:t>12/13/2023</a:t>
+              <a:t>12/14/2023</a:t>
             </a:fld>
             <a:endParaRPr lang="en-US" dirty="0"/>
           </a:p>
@@ -2011,7 +4167,7 @@
           <a:p>
             <a:fld id="{15D6C63C-0848-4B82-AE9B-D0C2F4F853C4}" type="datetimeFigureOut">
               <a:rPr lang="en-US" smtClean="0"/>
-              <a:t>12/13/2023</a:t>
+              <a:t>12/14/2023</a:t>
             </a:fld>
             <a:endParaRPr lang="en-US" dirty="0"/>
           </a:p>
@@ -2189,7 +4345,7 @@
           <a:p>
             <a:fld id="{15D6C63C-0848-4B82-AE9B-D0C2F4F853C4}" type="datetimeFigureOut">
               <a:rPr lang="en-US" smtClean="0"/>
-              <a:t>12/13/2023</a:t>
+              <a:t>12/14/2023</a:t>
             </a:fld>
             <a:endParaRPr lang="en-US" dirty="0"/>
           </a:p>
@@ -2523,7 +4679,7 @@
           <a:p>
             <a:fld id="{15D6C63C-0848-4B82-AE9B-D0C2F4F853C4}" type="datetimeFigureOut">
               <a:rPr lang="en-US" smtClean="0"/>
-              <a:t>12/13/2023</a:t>
+              <a:t>12/14/2023</a:t>
             </a:fld>
             <a:endParaRPr lang="en-US" dirty="0"/>
           </a:p>
@@ -2768,7 +4924,7 @@
           <a:p>
             <a:fld id="{15D6C63C-0848-4B82-AE9B-D0C2F4F853C4}" type="datetimeFigureOut">
               <a:rPr lang="en-US" smtClean="0"/>
-              <a:t>12/13/2023</a:t>
+              <a:t>12/14/2023</a:t>
             </a:fld>
             <a:endParaRPr lang="en-US" dirty="0"/>
           </a:p>
@@ -3053,7 +5209,7 @@
           <a:p>
             <a:fld id="{15D6C63C-0848-4B82-AE9B-D0C2F4F853C4}" type="datetimeFigureOut">
               <a:rPr lang="en-US" smtClean="0"/>
-              <a:t>12/13/2023</a:t>
+              <a:t>12/14/2023</a:t>
             </a:fld>
             <a:endParaRPr lang="en-US" dirty="0"/>
           </a:p>
@@ -3472,7 +5628,7 @@
           <a:p>
             <a:fld id="{15D6C63C-0848-4B82-AE9B-D0C2F4F853C4}" type="datetimeFigureOut">
               <a:rPr lang="en-US" smtClean="0"/>
-              <a:t>12/13/2023</a:t>
+              <a:t>12/14/2023</a:t>
             </a:fld>
             <a:endParaRPr lang="en-US" dirty="0"/>
           </a:p>
@@ -3589,7 +5745,7 @@
           <a:p>
             <a:fld id="{15D6C63C-0848-4B82-AE9B-D0C2F4F853C4}" type="datetimeFigureOut">
               <a:rPr lang="en-US" smtClean="0"/>
-              <a:t>12/13/2023</a:t>
+              <a:t>12/14/2023</a:t>
             </a:fld>
             <a:endParaRPr lang="en-US" dirty="0"/>
           </a:p>
@@ -3684,7 +5840,7 @@
           <a:p>
             <a:fld id="{15D6C63C-0848-4B82-AE9B-D0C2F4F853C4}" type="datetimeFigureOut">
               <a:rPr lang="en-US" smtClean="0"/>
-              <a:t>12/13/2023</a:t>
+              <a:t>12/14/2023</a:t>
             </a:fld>
             <a:endParaRPr lang="en-US" dirty="0"/>
           </a:p>
@@ -3959,7 +6115,7 @@
           <a:p>
             <a:fld id="{15D6C63C-0848-4B82-AE9B-D0C2F4F853C4}" type="datetimeFigureOut">
               <a:rPr lang="en-US" smtClean="0"/>
-              <a:t>12/13/2023</a:t>
+              <a:t>12/14/2023</a:t>
             </a:fld>
             <a:endParaRPr lang="en-US" dirty="0"/>
           </a:p>
@@ -4211,7 +6367,7 @@
           <a:p>
             <a:fld id="{15D6C63C-0848-4B82-AE9B-D0C2F4F853C4}" type="datetimeFigureOut">
               <a:rPr lang="en-US" smtClean="0"/>
-              <a:t>12/13/2023</a:t>
+              <a:t>12/14/2023</a:t>
             </a:fld>
             <a:endParaRPr lang="en-US" dirty="0"/>
           </a:p>
@@ -4422,7 +6578,7 @@
           <a:p>
             <a:fld id="{15D6C63C-0848-4B82-AE9B-D0C2F4F853C4}" type="datetimeFigureOut">
               <a:rPr lang="en-US" smtClean="0"/>
-              <a:t>12/13/2023</a:t>
+              <a:t>12/14/2023</a:t>
             </a:fld>
             <a:endParaRPr lang="en-US" dirty="0"/>
           </a:p>
@@ -7563,7 +9719,7 @@
         </p:nvGraphicFramePr>
         <p:xfrm>
           <a:off x="43452" y="1047341"/>
-          <a:ext cx="4053404" cy="2079766"/>
+          <a:ext cx="4053404" cy="2240280"/>
         </p:xfrm>
         <a:graphic>
           <a:graphicData uri="http://schemas.openxmlformats.org/drawingml/2006/table">
@@ -8110,9 +10266,6 @@
                         </a:rPr>
                         <a:t>Develop software.</a:t>
                       </a:r>
-                      <a:endParaRPr lang="en-US" sz="1600" dirty="0" smtClean="0">
-                        <a:latin typeface="Arial "/>
-                      </a:endParaRPr>
                     </a:p>
                     <a:p>
                       <a:pPr>
@@ -8131,19 +10284,7 @@
                         <a:rPr lang="en-US" sz="1600" dirty="0" smtClean="0">
                           <a:latin typeface="Arial "/>
                         </a:rPr>
-                        <a:t>Support users </a:t>
-                      </a:r>
-                      <a:r>
-                        <a:rPr lang="en-US" sz="1600" dirty="0" smtClean="0">
-                          <a:latin typeface="Arial "/>
-                        </a:rPr>
-                        <a:t>and all </a:t>
-                      </a:r>
-                      <a:r>
-                        <a:rPr lang="en-US" sz="1600" dirty="0" smtClean="0">
-                          <a:latin typeface="Arial "/>
-                        </a:rPr>
-                        <a:t>systems</a:t>
+                        <a:t>Support users and all systems</a:t>
                       </a:r>
                       <a:r>
                         <a:rPr lang="en-US" sz="1600" baseline="0" dirty="0" smtClean="0">
@@ -12627,7 +14768,7 @@
           <a:graphicData uri="http://schemas.openxmlformats.org/presentationml/2006/ole">
             <mc:AlternateContent xmlns:mc="http://schemas.openxmlformats.org/markup-compatibility/2006">
               <mc:Choice xmlns:v="urn:schemas-microsoft-com:vml" Requires="v">
-                <p:oleObj spid="_x0000_s1105" name="ｸﾘｯﾌﾟ" r:id="rId12" imgW="1666667" imgH="1695238" progId="">
+                <p:oleObj spid="_x0000_s1111" name="ｸﾘｯﾌﾟ" r:id="rId12" imgW="1666667" imgH="1695238" progId="">
                   <p:embed/>
                 </p:oleObj>
               </mc:Choice>
@@ -18278,21 +20419,8 @@
                             <a:schemeClr val="tx1"/>
                           </a:solidFill>
                         </a:rPr>
-                        <a:t>[1]Survey all </a:t>
+                        <a:t>[1]Survey all process and build standard management.</a:t>
                       </a:r>
-                      <a:r>
-                        <a:rPr lang="en-US" sz="1400" b="1" dirty="0" smtClean="0">
-                          <a:solidFill>
-                            <a:schemeClr val="tx1"/>
-                          </a:solidFill>
-                        </a:rPr>
-                        <a:t>process and build standard management.</a:t>
-                      </a:r>
-                      <a:endParaRPr lang="en-US" sz="1400" b="1" dirty="0" smtClean="0">
-                        <a:solidFill>
-                          <a:schemeClr val="tx1"/>
-                        </a:solidFill>
-                      </a:endParaRPr>
                     </a:p>
                     <a:p>
                       <a:pPr marL="0" marR="0" lvl="0" indent="0" algn="l" defTabSz="914400" rtl="0" eaLnBrk="1" fontAlgn="auto" latinLnBrk="0" hangingPunct="1">
@@ -18334,15 +20462,7 @@
                             <a:schemeClr val="tx1"/>
                           </a:solidFill>
                         </a:rPr>
-                        <a:t>Analysis system, design </a:t>
-                      </a:r>
-                      <a:r>
-                        <a:rPr lang="en-US" sz="1400" b="1" dirty="0" smtClean="0">
-                          <a:solidFill>
-                            <a:schemeClr val="tx1"/>
-                          </a:solidFill>
-                        </a:rPr>
-                        <a:t>database</a:t>
+                        <a:t>Analysis system, design database</a:t>
                       </a:r>
                     </a:p>
                     <a:p>
@@ -18369,13 +20489,24 @@
                             <a:schemeClr val="tx1"/>
                           </a:solidFill>
                         </a:rPr>
-                        <a:t>[3] Develop &amp; Testing</a:t>
+                        <a:t>[3] Develop </a:t>
                       </a:r>
-                      <a:endParaRPr lang="en-US" sz="1400" b="1" dirty="0" smtClean="0">
-                        <a:solidFill>
-                          <a:schemeClr val="tx1"/>
-                        </a:solidFill>
-                      </a:endParaRPr>
+                      <a:r>
+                        <a:rPr lang="en-US" sz="1400" b="1" dirty="0" smtClean="0">
+                          <a:solidFill>
+                            <a:schemeClr val="tx1"/>
+                          </a:solidFill>
+                        </a:rPr>
+                        <a:t>&amp; </a:t>
+                      </a:r>
+                      <a:r>
+                        <a:rPr lang="en-US" sz="1400" b="1" dirty="0" smtClean="0">
+                          <a:solidFill>
+                            <a:schemeClr val="tx1"/>
+                          </a:solidFill>
+                        </a:rPr>
+                        <a:t>Testing</a:t>
+                      </a:r>
                     </a:p>
                     <a:p>
                       <a:pPr marL="0" marR="0" lvl="0" indent="0" algn="ctr" defTabSz="914400" rtl="0" eaLnBrk="1" fontAlgn="auto" latinLnBrk="0" hangingPunct="1">
@@ -24022,18 +26153,7 @@
                   <a:ea typeface="Meiryo UI" panose="020B0604030504040204" pitchFamily="50" charset="-128"/>
                   <a:cs typeface="Arial" panose="020B0604020202020204" pitchFamily="34" charset="0"/>
                 </a:rPr>
-                <a:t>Current Issue &amp; Improvement </a:t>
-              </a:r>
-              <a:r>
-                <a:rPr lang="en-US" altLang="ja-JP" sz="2000" b="1" dirty="0" smtClean="0">
-                  <a:solidFill>
-                    <a:srgbClr val="FFFFCC"/>
-                  </a:solidFill>
-                  <a:latin typeface="+mn-lt"/>
-                  <a:ea typeface="Meiryo UI" panose="020B0604030504040204" pitchFamily="50" charset="-128"/>
-                  <a:cs typeface="Arial" panose="020B0604020202020204" pitchFamily="34" charset="0"/>
-                </a:rPr>
-                <a:t>Activities Theme 1</a:t>
+                <a:t>Current Issue &amp; Improvement Activities Theme 1</a:t>
               </a:r>
               <a:endParaRPr lang="en-US" altLang="ja-JP" sz="2000" b="1" dirty="0">
                 <a:solidFill>
@@ -31089,17 +33209,7 @@
                 <a:latin typeface="Arial" panose="020B0604020202020204" pitchFamily="34" charset="0"/>
                 <a:cs typeface="Arial" panose="020B0604020202020204" pitchFamily="34" charset="0"/>
               </a:rPr>
-              <a:t>- Analyze </a:t>
-            </a:r>
-            <a:r>
-              <a:rPr lang="en-US" sz="1800" dirty="0" smtClean="0">
-                <a:solidFill>
-                  <a:schemeClr val="tx1"/>
-                </a:solidFill>
-                <a:latin typeface="Arial" panose="020B0604020202020204" pitchFamily="34" charset="0"/>
-                <a:cs typeface="Arial" panose="020B0604020202020204" pitchFamily="34" charset="0"/>
-              </a:rPr>
-              <a:t>Material control System.</a:t>
+              <a:t>- Analyze Material control System.</a:t>
             </a:r>
           </a:p>
           <a:p>
@@ -31112,17 +33222,7 @@
                 <a:latin typeface="Arial" panose="020B0604020202020204" pitchFamily="34" charset="0"/>
                 <a:cs typeface="Arial" panose="020B0604020202020204" pitchFamily="34" charset="0"/>
               </a:rPr>
-              <a:t>- Improve </a:t>
-            </a:r>
-            <a:r>
-              <a:rPr lang="en-US" sz="1800" dirty="0" smtClean="0">
-                <a:solidFill>
-                  <a:schemeClr val="tx1"/>
-                </a:solidFill>
-                <a:latin typeface="Arial" panose="020B0604020202020204" pitchFamily="34" charset="0"/>
-                <a:cs typeface="Arial" panose="020B0604020202020204" pitchFamily="34" charset="0"/>
-              </a:rPr>
-              <a:t>&amp; Optimate the process.</a:t>
+              <a:t>- Improve &amp; Optimate the process.</a:t>
             </a:r>
           </a:p>
           <a:p>
@@ -34393,8 +36493,8 @@
         </p:nvSpPr>
         <p:spPr bwMode="auto">
           <a:xfrm>
-            <a:off x="2514599" y="1418990"/>
-            <a:ext cx="5029201" cy="377025"/>
+            <a:off x="2514601" y="1418990"/>
+            <a:ext cx="4953000" cy="377025"/>
           </a:xfrm>
           <a:prstGeom prst="rect">
             <a:avLst/>
@@ -34546,8 +36646,8 @@
         </p:nvSpPr>
         <p:spPr bwMode="auto">
           <a:xfrm>
-            <a:off x="7585601" y="1417388"/>
-            <a:ext cx="1511140" cy="380230"/>
+            <a:off x="7507780" y="1417388"/>
+            <a:ext cx="1588961" cy="380230"/>
           </a:xfrm>
           <a:prstGeom prst="rect">
             <a:avLst/>
@@ -34860,8 +36960,8 @@
         </p:nvSpPr>
         <p:spPr bwMode="auto">
           <a:xfrm>
-            <a:off x="2514599" y="1832318"/>
-            <a:ext cx="5029201" cy="5025682"/>
+            <a:off x="2514600" y="1832318"/>
+            <a:ext cx="4965914" cy="5025682"/>
           </a:xfrm>
           <a:prstGeom prst="rect">
             <a:avLst/>
@@ -35013,8 +37113,8 @@
         </p:nvSpPr>
         <p:spPr bwMode="auto">
           <a:xfrm>
-            <a:off x="7585601" y="1832318"/>
-            <a:ext cx="1511140" cy="5025682"/>
+            <a:off x="7507780" y="1832318"/>
+            <a:ext cx="1588961" cy="5025682"/>
           </a:xfrm>
           <a:prstGeom prst="rect">
             <a:avLst/>
@@ -35236,13 +37336,6 @@
               </a:rPr>
               <a:t>all process and build standard management</a:t>
             </a:r>
-            <a:endParaRPr lang="en-US" sz="2000" dirty="0">
-              <a:solidFill>
-                <a:srgbClr val="1508B8"/>
-              </a:solidFill>
-              <a:latin typeface="Arial" panose="020B0604020202020204" pitchFamily="34" charset="0"/>
-              <a:cs typeface="Arial" panose="020B0604020202020204" pitchFamily="34" charset="0"/>
-            </a:endParaRPr>
           </a:p>
         </p:txBody>
       </p:sp>
@@ -35318,8 +37411,8 @@
         </p:nvSpPr>
         <p:spPr bwMode="auto">
           <a:xfrm>
-            <a:off x="2570360" y="1880876"/>
-            <a:ext cx="5902940" cy="402291"/>
+            <a:off x="2465411" y="1824892"/>
+            <a:ext cx="4875106" cy="402291"/>
           </a:xfrm>
           <a:prstGeom prst="rect">
             <a:avLst/>
@@ -35476,29 +37569,7 @@
                 <a:ea typeface="HGP創英角ｺﾞｼｯｸUB" pitchFamily="50" charset="-128"/>
                 <a:cs typeface="Arial" panose="020B0604020202020204" pitchFamily="34" charset="0"/>
               </a:rPr>
-              <a:t> Discuss, </a:t>
-            </a:r>
-            <a:r>
-              <a:rPr kumimoji="1" lang="en-US" altLang="ja-JP" sz="2000" dirty="0" smtClean="0">
-                <a:solidFill>
-                  <a:srgbClr val="0000FF"/>
-                </a:solidFill>
-                <a:latin typeface="Arial" panose="020B0604020202020204" pitchFamily="34" charset="0"/>
-                <a:ea typeface="HGP創英角ｺﾞｼｯｸUB" pitchFamily="50" charset="-128"/>
-                <a:cs typeface="Arial" panose="020B0604020202020204" pitchFamily="34" charset="0"/>
-              </a:rPr>
-              <a:t>Q&amp;A, </a:t>
-            </a:r>
-            <a:r>
-              <a:rPr kumimoji="1" lang="en-US" altLang="ja-JP" sz="2000" dirty="0" smtClean="0">
-                <a:solidFill>
-                  <a:srgbClr val="0000FF"/>
-                </a:solidFill>
-                <a:latin typeface="Arial" panose="020B0604020202020204" pitchFamily="34" charset="0"/>
-                <a:ea typeface="HGP創英角ｺﾞｼｯｸUB" pitchFamily="50" charset="-128"/>
-                <a:cs typeface="Arial" panose="020B0604020202020204" pitchFamily="34" charset="0"/>
-              </a:rPr>
-              <a:t>find solution</a:t>
+              <a:t> Discuss, Q&amp;A, find solution</a:t>
             </a:r>
             <a:endParaRPr kumimoji="1" lang="en-US" altLang="ja-JP" sz="2000" dirty="0">
               <a:solidFill>
@@ -35832,17 +37903,7 @@
                 <a:latin typeface="Arial" panose="020B0604020202020204" pitchFamily="34" charset="0"/>
                 <a:cs typeface="Arial" panose="020B0604020202020204" pitchFamily="34" charset="0"/>
               </a:rPr>
-              <a:t>Use excel, </a:t>
-            </a:r>
-            <a:r>
-              <a:rPr lang="en-US" sz="1800" dirty="0">
-                <a:solidFill>
-                  <a:schemeClr val="tx1"/>
-                </a:solidFill>
-                <a:latin typeface="Arial" panose="020B0604020202020204" pitchFamily="34" charset="0"/>
-                <a:cs typeface="Arial" panose="020B0604020202020204" pitchFamily="34" charset="0"/>
-              </a:rPr>
-              <a:t>papers, </a:t>
+              <a:t>Use excel, papers, </a:t>
             </a:r>
             <a:r>
               <a:rPr lang="en-US" sz="1800" dirty="0" smtClean="0">
@@ -35862,17 +37923,7 @@
                 <a:latin typeface="Arial" panose="020B0604020202020204" pitchFamily="34" charset="0"/>
                 <a:cs typeface="Arial" panose="020B0604020202020204" pitchFamily="34" charset="0"/>
               </a:rPr>
-              <a:t>and </a:t>
-            </a:r>
-            <a:r>
-              <a:rPr lang="en-US" sz="1800" dirty="0">
-                <a:solidFill>
-                  <a:schemeClr val="tx1"/>
-                </a:solidFill>
-                <a:latin typeface="Arial" panose="020B0604020202020204" pitchFamily="34" charset="0"/>
-                <a:cs typeface="Arial" panose="020B0604020202020204" pitchFamily="34" charset="0"/>
-              </a:rPr>
-              <a:t>to </a:t>
+              <a:t>and to </a:t>
             </a:r>
             <a:r>
               <a:rPr lang="en-US" sz="1800" dirty="0" smtClean="0">
@@ -35897,13 +37948,6 @@
               </a:rPr>
               <a:t>Tack time to report long time</a:t>
             </a:r>
-            <a:endParaRPr lang="en-US" sz="1800" dirty="0">
-              <a:solidFill>
-                <a:schemeClr val="tx1"/>
-              </a:solidFill>
-              <a:latin typeface="Arial" panose="020B0604020202020204" pitchFamily="34" charset="0"/>
-              <a:cs typeface="Arial" panose="020B0604020202020204" pitchFamily="34" charset="0"/>
-            </a:endParaRPr>
           </a:p>
         </p:txBody>
       </p:sp>
@@ -36222,180 +38266,660 @@
       </p:sp>
       <p:grpSp>
         <p:nvGrpSpPr>
-          <p:cNvPr id="47" name="Group 46"/>
+          <p:cNvPr id="41" name="Group 40">
+            <a:extLst>
+              <a:ext uri="{FF2B5EF4-FFF2-40B4-BE49-F238E27FC236}">
+                <a16:creationId xmlns:a16="http://schemas.microsoft.com/office/drawing/2014/main" id="{F9CDFBAC-2A29-E681-518C-447CD2E21D6D}"/>
+              </a:ext>
+            </a:extLst>
+          </p:cNvPr>
           <p:cNvGrpSpPr/>
           <p:nvPr/>
         </p:nvGrpSpPr>
         <p:grpSpPr>
           <a:xfrm>
-            <a:off x="2584215" y="2501437"/>
-            <a:ext cx="1010862" cy="571774"/>
-            <a:chOff x="4363277" y="2128211"/>
-            <a:chExt cx="1132046" cy="571774"/>
+            <a:off x="5268460" y="2699225"/>
+            <a:ext cx="821682" cy="881824"/>
+            <a:chOff x="878683" y="2721692"/>
+            <a:chExt cx="793236" cy="372779"/>
           </a:xfrm>
         </p:grpSpPr>
         <p:sp>
           <p:nvSpPr>
-            <p:cNvPr id="48" name="AutoShape 77"/>
-            <p:cNvSpPr>
-              <a:spLocks noChangeArrowheads="1"/>
-            </p:cNvSpPr>
+            <p:cNvPr id="45" name="TextBox 44">
+              <a:extLst>
+                <a:ext uri="{FF2B5EF4-FFF2-40B4-BE49-F238E27FC236}">
+                  <a16:creationId xmlns:a16="http://schemas.microsoft.com/office/drawing/2014/main" id="{414FBDC5-34C4-4A27-F4E8-8409D79710EB}"/>
+                </a:ext>
+              </a:extLst>
+            </p:cNvPr>
+            <p:cNvSpPr txBox="1"/>
             <p:nvPr/>
           </p:nvSpPr>
-          <p:spPr bwMode="auto">
+          <p:spPr>
             <a:xfrm>
-              <a:off x="4382963" y="2128211"/>
-              <a:ext cx="1112360" cy="571774"/>
-            </a:xfrm>
-            <a:prstGeom prst="flowChartOnlineStorage">
-              <a:avLst/>
-            </a:prstGeom>
-            <a:gradFill rotWithShape="1">
-              <a:gsLst>
-                <a:gs pos="0">
-                  <a:schemeClr val="bg1">
-                    <a:gamma/>
-                    <a:shade val="76471"/>
-                    <a:invGamma/>
-                  </a:schemeClr>
-                </a:gs>
-                <a:gs pos="50000">
-                  <a:schemeClr val="bg1"/>
-                </a:gs>
-                <a:gs pos="100000">
-                  <a:schemeClr val="bg1">
-                    <a:gamma/>
-                    <a:shade val="76471"/>
-                    <a:invGamma/>
-                  </a:schemeClr>
-                </a:gs>
-              </a:gsLst>
-              <a:lin ang="5400000" scaled="1"/>
-            </a:gradFill>
-            <a:ln w="9525">
-              <a:solidFill>
-                <a:schemeClr val="tx1"/>
-              </a:solidFill>
-              <a:miter lim="800000"/>
-              <a:headEnd/>
-              <a:tailEnd/>
-            </a:ln>
-            <a:effectLst/>
-            <a:extLst>
-              <a:ext uri="{AF507438-7753-43E0-B8FC-AC1667EBCBE1}">
-                <a14:hiddenEffects xmlns:a14="http://schemas.microsoft.com/office/drawing/2010/main">
-                  <a:effectLst>
-                    <a:outerShdw dist="35921" dir="2700000" algn="ctr" rotWithShape="0">
-                      <a:schemeClr val="bg2"/>
-                    </a:outerShdw>
-                  </a:effectLst>
-                </a14:hiddenEffects>
-              </a:ext>
-            </a:extLst>
-          </p:spPr>
-          <p:txBody>
-            <a:bodyPr wrap="none" anchor="ctr"/>
-            <a:lstStyle/>
-            <a:p>
-              <a:endParaRPr lang="en-US">
-                <a:latin typeface="Arial" panose="020B0604020202020204" pitchFamily="34" charset="0"/>
-                <a:cs typeface="Arial" panose="020B0604020202020204" pitchFamily="34" charset="0"/>
-              </a:endParaRPr>
-            </a:p>
-          </p:txBody>
-        </p:sp>
-        <p:sp>
-          <p:nvSpPr>
-            <p:cNvPr id="49" name="Text Box 78"/>
-            <p:cNvSpPr txBox="1">
-              <a:spLocks noChangeArrowheads="1"/>
-            </p:cNvSpPr>
-            <p:nvPr/>
-          </p:nvSpPr>
-          <p:spPr bwMode="auto">
-            <a:xfrm>
-              <a:off x="4363277" y="2214444"/>
-              <a:ext cx="916146" cy="338554"/>
+              <a:off x="878683" y="2930122"/>
+              <a:ext cx="793236" cy="164349"/>
             </a:xfrm>
             <a:prstGeom prst="rect">
               <a:avLst/>
             </a:prstGeom>
             <a:noFill/>
-            <a:ln>
-              <a:noFill/>
-            </a:ln>
-            <a:effectLst/>
+          </p:spPr>
+          <p:txBody>
+            <a:bodyPr wrap="square" lIns="0" rIns="0" rtlCol="0">
+              <a:noAutofit/>
+            </a:bodyPr>
+            <a:lstStyle/>
+            <a:p>
+              <a:r>
+                <a:rPr lang="en-US" sz="1400" dirty="0" smtClean="0"/>
+                <a:t>PIC, Leader</a:t>
+              </a:r>
+              <a:endParaRPr lang="en-US" sz="1400" dirty="0"/>
+            </a:p>
+          </p:txBody>
+        </p:sp>
+        <p:graphicFrame>
+          <p:nvGraphicFramePr>
+            <p:cNvPr id="46" name="Diagram 45">
+              <a:extLst>
+                <a:ext uri="{FF2B5EF4-FFF2-40B4-BE49-F238E27FC236}">
+                  <a16:creationId xmlns:a16="http://schemas.microsoft.com/office/drawing/2014/main" id="{464C8BD0-F85D-D733-D886-9BEAC1C15DF7}"/>
+                </a:ext>
+              </a:extLst>
+            </p:cNvPr>
+            <p:cNvGraphicFramePr/>
+            <p:nvPr>
+              <p:extLst>
+                <p:ext uri="{D42A27DB-BD31-4B8C-83A1-F6EECF244321}">
+                  <p14:modId xmlns:p14="http://schemas.microsoft.com/office/powerpoint/2010/main" val="3685543947"/>
+                </p:ext>
+              </p:extLst>
+            </p:nvPr>
+          </p:nvGraphicFramePr>
+          <p:xfrm>
+            <a:off x="897021" y="2721692"/>
+            <a:ext cx="263999" cy="232385"/>
+          </p:xfrm>
+          <a:graphic>
+            <a:graphicData uri="http://schemas.openxmlformats.org/drawingml/2006/diagram">
+              <dgm:relIds xmlns:dgm="http://schemas.openxmlformats.org/drawingml/2006/diagram" xmlns:r="http://schemas.openxmlformats.org/officeDocument/2006/relationships" r:dm="rId4" r:lo="rId5" r:qs="rId6" r:cs="rId7"/>
+            </a:graphicData>
+          </a:graphic>
+        </p:graphicFrame>
+      </p:grpSp>
+      <p:pic>
+        <p:nvPicPr>
+          <p:cNvPr id="60" name="Picture 59" descr="Icon&#10;&#10;Description automatically generated">
             <a:extLst>
-              <a:ext uri="{909E8E84-426E-40DD-AFC4-6F175D3DCCD1}">
-                <a14:hiddenFill xmlns:a14="http://schemas.microsoft.com/office/drawing/2010/main">
-                  <a:solidFill>
-                    <a:schemeClr val="accent1"/>
-                  </a:solidFill>
-                </a14:hiddenFill>
-              </a:ext>
-              <a:ext uri="{91240B29-F687-4F45-9708-019B960494DF}">
-                <a14:hiddenLine xmlns:a14="http://schemas.microsoft.com/office/drawing/2010/main" w="9525" algn="ctr">
-                  <a:solidFill>
-                    <a:schemeClr val="tx1"/>
-                  </a:solidFill>
-                  <a:miter lim="800000"/>
-                  <a:headEnd/>
-                  <a:tailEnd/>
-                </a14:hiddenLine>
-              </a:ext>
-              <a:ext uri="{AF507438-7753-43E0-B8FC-AC1667EBCBE1}">
-                <a14:hiddenEffects xmlns:a14="http://schemas.microsoft.com/office/drawing/2010/main">
-                  <a:effectLst>
-                    <a:outerShdw dist="35921" dir="2700000" algn="ctr" rotWithShape="0">
-                      <a:schemeClr val="bg2"/>
-                    </a:outerShdw>
-                  </a:effectLst>
-                </a14:hiddenEffects>
+              <a:ext uri="{FF2B5EF4-FFF2-40B4-BE49-F238E27FC236}">
+                <a16:creationId xmlns:a16="http://schemas.microsoft.com/office/drawing/2014/main" id="{5A26B48B-004B-3C09-27A4-B76A0F9DE20F}"/>
               </a:ext>
             </a:extLst>
+          </p:cNvPr>
+          <p:cNvPicPr>
+            <a:picLocks noChangeAspect="1"/>
+          </p:cNvPicPr>
+          <p:nvPr/>
+        </p:nvPicPr>
+        <p:blipFill>
+          <a:blip r:embed="rId9" cstate="print">
+            <a:extLst>
+              <a:ext uri="{28A0092B-C50C-407E-A947-70E740481C1C}">
+                <a14:useLocalDpi xmlns:a14="http://schemas.microsoft.com/office/drawing/2010/main" val="0"/>
+              </a:ext>
+            </a:extLst>
+          </a:blip>
+          <a:stretch>
+            <a:fillRect/>
+          </a:stretch>
+        </p:blipFill>
+        <p:spPr>
+          <a:xfrm>
+            <a:off x="4593774" y="2971800"/>
+            <a:ext cx="458843" cy="194436"/>
+          </a:xfrm>
+          <a:prstGeom prst="rect">
+            <a:avLst/>
+          </a:prstGeom>
+        </p:spPr>
+      </p:pic>
+      <p:sp>
+        <p:nvSpPr>
+          <p:cNvPr id="61" name="TextBox 60">
+            <a:extLst>
+              <a:ext uri="{FF2B5EF4-FFF2-40B4-BE49-F238E27FC236}">
+                <a16:creationId xmlns:a16="http://schemas.microsoft.com/office/drawing/2014/main" id="{51F5F23A-A0CB-7018-2A50-D92ABC474BC9}"/>
+              </a:ext>
+            </a:extLst>
+          </p:cNvPr>
+          <p:cNvSpPr txBox="1"/>
+          <p:nvPr/>
+        </p:nvSpPr>
+        <p:spPr>
+          <a:xfrm>
+            <a:off x="4493362" y="3310388"/>
+            <a:ext cx="1027107" cy="273251"/>
+          </a:xfrm>
+          <a:prstGeom prst="rect">
+            <a:avLst/>
+          </a:prstGeom>
+          <a:noFill/>
+        </p:spPr>
+        <p:txBody>
+          <a:bodyPr wrap="none" lIns="0" tIns="0" rIns="0" bIns="0" rtlCol="0">
+            <a:noAutofit/>
+          </a:bodyPr>
+          <a:lstStyle/>
+          <a:p>
+            <a:r>
+              <a:rPr lang="en-US" sz="1400" b="1" dirty="0"/>
+              <a:t>Discuss</a:t>
+            </a:r>
+          </a:p>
+          <a:p>
+            <a:endParaRPr lang="en-US" sz="1400" b="1" dirty="0"/>
+          </a:p>
+        </p:txBody>
+      </p:sp>
+      <p:sp>
+        <p:nvSpPr>
+          <p:cNvPr id="73" name="TextBox 72">
+            <a:extLst>
+              <a:ext uri="{FF2B5EF4-FFF2-40B4-BE49-F238E27FC236}">
+                <a16:creationId xmlns:a16="http://schemas.microsoft.com/office/drawing/2014/main" id="{52EC2972-BFFB-5608-45D8-09BE825414FD}"/>
+              </a:ext>
+            </a:extLst>
+          </p:cNvPr>
+          <p:cNvSpPr txBox="1"/>
+          <p:nvPr/>
+        </p:nvSpPr>
+        <p:spPr>
+          <a:xfrm>
+            <a:off x="2469854" y="2867142"/>
+            <a:ext cx="1649195" cy="664542"/>
+          </a:xfrm>
+          <a:prstGeom prst="rect">
+            <a:avLst/>
+          </a:prstGeom>
+          <a:noFill/>
+          <a:ln>
+            <a:noFill/>
+          </a:ln>
+        </p:spPr>
+        <p:txBody>
+          <a:bodyPr wrap="none" rtlCol="0">
+            <a:noAutofit/>
+          </a:bodyPr>
+          <a:lstStyle/>
+          <a:p>
+            <a:r>
+              <a:rPr lang="en-US" b="1" dirty="0"/>
+              <a:t>    </a:t>
+            </a:r>
+            <a:r>
+              <a:rPr lang="en-US" b="1" dirty="0" smtClean="0">
+                <a:solidFill>
+                  <a:srgbClr val="1508B8"/>
+                </a:solidFill>
+              </a:rPr>
+              <a:t>Study</a:t>
+            </a:r>
+            <a:r>
+              <a:rPr lang="en-US" sz="1200" dirty="0" smtClean="0"/>
+              <a:t> </a:t>
+            </a:r>
+            <a:endParaRPr lang="en-US" sz="1200" dirty="0"/>
+          </a:p>
+          <a:p>
+            <a:r>
+              <a:rPr lang="en-US" sz="1200" dirty="0"/>
+              <a:t>Operating system ?</a:t>
+            </a:r>
+          </a:p>
+        </p:txBody>
+      </p:sp>
+      <p:sp>
+        <p:nvSpPr>
+          <p:cNvPr id="75" name="TextBox 74">
+            <a:extLst>
+              <a:ext uri="{FF2B5EF4-FFF2-40B4-BE49-F238E27FC236}">
+                <a16:creationId xmlns:a16="http://schemas.microsoft.com/office/drawing/2014/main" id="{97D11EE5-ED58-6343-D0DE-4384B064382C}"/>
+              </a:ext>
+            </a:extLst>
+          </p:cNvPr>
+          <p:cNvSpPr txBox="1"/>
+          <p:nvPr/>
+        </p:nvSpPr>
+        <p:spPr>
+          <a:xfrm>
+            <a:off x="3186207" y="3433102"/>
+            <a:ext cx="1227063" cy="658876"/>
+          </a:xfrm>
+          <a:prstGeom prst="rect">
+            <a:avLst/>
+          </a:prstGeom>
+          <a:noFill/>
+          <a:ln>
+            <a:noFill/>
+          </a:ln>
+        </p:spPr>
+        <p:txBody>
+          <a:bodyPr wrap="none" rtlCol="0">
+            <a:noAutofit/>
+          </a:bodyPr>
+          <a:lstStyle/>
+          <a:p>
+            <a:r>
+              <a:rPr lang="en-US" b="1" dirty="0">
+                <a:solidFill>
+                  <a:srgbClr val="1508B8"/>
+                </a:solidFill>
+              </a:rPr>
+              <a:t>Explain</a:t>
+            </a:r>
+          </a:p>
+          <a:p>
+            <a:r>
+              <a:rPr lang="en-US" sz="1200" dirty="0"/>
+              <a:t>new operations </a:t>
+            </a:r>
+          </a:p>
+        </p:txBody>
+      </p:sp>
+      <p:sp>
+        <p:nvSpPr>
+          <p:cNvPr id="77" name="TextBox 76">
+            <a:extLst>
+              <a:ext uri="{FF2B5EF4-FFF2-40B4-BE49-F238E27FC236}">
+                <a16:creationId xmlns:a16="http://schemas.microsoft.com/office/drawing/2014/main" id="{3B1163B5-5A47-5A2C-9E77-498DA10E77F7}"/>
+              </a:ext>
+            </a:extLst>
+          </p:cNvPr>
+          <p:cNvSpPr txBox="1"/>
+          <p:nvPr/>
+        </p:nvSpPr>
+        <p:spPr>
+          <a:xfrm>
+            <a:off x="2656124" y="2160577"/>
+            <a:ext cx="1665795" cy="541793"/>
+          </a:xfrm>
+          <a:prstGeom prst="rect">
+            <a:avLst/>
+          </a:prstGeom>
+          <a:noFill/>
+          <a:ln>
+            <a:noFill/>
+          </a:ln>
+        </p:spPr>
+        <p:txBody>
+          <a:bodyPr wrap="none" rtlCol="0">
+            <a:noAutofit/>
+          </a:bodyPr>
+          <a:lstStyle/>
+          <a:p>
+            <a:r>
+              <a:rPr lang="en-US" b="1" dirty="0">
+                <a:solidFill>
+                  <a:srgbClr val="1508B8"/>
+                </a:solidFill>
+              </a:rPr>
+              <a:t>   </a:t>
+            </a:r>
+            <a:r>
+              <a:rPr lang="en-US" b="1" dirty="0" smtClean="0">
+                <a:solidFill>
+                  <a:srgbClr val="1508B8"/>
+                </a:solidFill>
+              </a:rPr>
+              <a:t>List Job</a:t>
+            </a:r>
+            <a:r>
+              <a:rPr lang="en-US" b="1" dirty="0" smtClean="0"/>
+              <a:t> </a:t>
+            </a:r>
+            <a:endParaRPr lang="en-US" b="1" dirty="0"/>
+          </a:p>
+          <a:p>
+            <a:r>
+              <a:rPr lang="en-US" sz="1200" dirty="0" smtClean="0"/>
+              <a:t>Document, operators,</a:t>
+            </a:r>
+          </a:p>
+          <a:p>
+            <a:r>
+              <a:rPr lang="en-US" sz="1200" dirty="0" smtClean="0"/>
+              <a:t> reports</a:t>
+            </a:r>
+            <a:endParaRPr lang="en-US" sz="1200" dirty="0"/>
+          </a:p>
+        </p:txBody>
+      </p:sp>
+      <p:grpSp>
+        <p:nvGrpSpPr>
+          <p:cNvPr id="89" name="Group 88">
+            <a:extLst>
+              <a:ext uri="{FF2B5EF4-FFF2-40B4-BE49-F238E27FC236}">
+                <a16:creationId xmlns:a16="http://schemas.microsoft.com/office/drawing/2014/main" id="{4157F9F9-7F72-57E0-15E3-7E5541927503}"/>
+              </a:ext>
+            </a:extLst>
+          </p:cNvPr>
+          <p:cNvGrpSpPr/>
+          <p:nvPr/>
+        </p:nvGrpSpPr>
+        <p:grpSpPr>
+          <a:xfrm>
+            <a:off x="3988673" y="2642250"/>
+            <a:ext cx="666492" cy="744412"/>
+            <a:chOff x="7529327" y="1895268"/>
+            <a:chExt cx="723844" cy="760089"/>
+          </a:xfrm>
+        </p:grpSpPr>
+        <p:pic>
+          <p:nvPicPr>
+            <p:cNvPr id="90" name="Picture 89" descr="Icon&#10;&#10;Description automatically generated">
+              <a:extLst>
+                <a:ext uri="{FF2B5EF4-FFF2-40B4-BE49-F238E27FC236}">
+                  <a16:creationId xmlns:a16="http://schemas.microsoft.com/office/drawing/2014/main" id="{ED89A75C-77A8-B1D4-FEF6-66E41AFCC0B6}"/>
+                </a:ext>
+              </a:extLst>
+            </p:cNvPr>
+            <p:cNvPicPr>
+              <a:picLocks noChangeAspect="1"/>
+            </p:cNvPicPr>
+            <p:nvPr/>
+          </p:nvPicPr>
+          <p:blipFill>
+            <a:blip r:embed="rId10" cstate="print">
+              <a:extLst>
+                <a:ext uri="{28A0092B-C50C-407E-A947-70E740481C1C}">
+                  <a14:useLocalDpi xmlns:a14="http://schemas.microsoft.com/office/drawing/2010/main" val="0"/>
+                </a:ext>
+              </a:extLst>
+            </a:blip>
+            <a:stretch>
+              <a:fillRect/>
+            </a:stretch>
+          </p:blipFill>
+          <p:spPr>
+            <a:xfrm>
+              <a:off x="7529327" y="1895268"/>
+              <a:ext cx="723844" cy="760089"/>
+            </a:xfrm>
+            <a:prstGeom prst="rect">
+              <a:avLst/>
+            </a:prstGeom>
+          </p:spPr>
+        </p:pic>
+        <p:sp>
+          <p:nvSpPr>
+            <p:cNvPr id="91" name="TextBox 90">
+              <a:extLst>
+                <a:ext uri="{FF2B5EF4-FFF2-40B4-BE49-F238E27FC236}">
+                  <a16:creationId xmlns:a16="http://schemas.microsoft.com/office/drawing/2014/main" id="{6D89C655-7BD4-D5E9-1119-F1BA242D67E5}"/>
+                </a:ext>
+              </a:extLst>
+            </p:cNvPr>
+            <p:cNvSpPr txBox="1"/>
+            <p:nvPr/>
+          </p:nvSpPr>
+          <p:spPr>
+            <a:xfrm>
+              <a:off x="7797651" y="2226234"/>
+              <a:ext cx="357047" cy="292132"/>
+            </a:xfrm>
+            <a:prstGeom prst="rect">
+              <a:avLst/>
+            </a:prstGeom>
+            <a:noFill/>
           </p:spPr>
           <p:txBody>
-            <a:bodyPr wrap="square">
+            <a:bodyPr wrap="none" rtlCol="0">
               <a:spAutoFit/>
             </a:bodyPr>
             <a:lstStyle/>
             <a:p>
-              <a:pPr algn="ctr">
-                <a:spcBef>
-                  <a:spcPct val="50000"/>
-                </a:spcBef>
-              </a:pPr>
               <a:r>
-                <a:rPr lang="en-US" altLang="ja-JP" sz="1600" b="1" dirty="0" smtClean="0">
-                  <a:solidFill>
-                    <a:srgbClr val="FF0000"/>
-                  </a:solidFill>
-                  <a:latin typeface="Arial" panose="020B0604020202020204" pitchFamily="34" charset="0"/>
-                  <a:cs typeface="Arial" panose="020B0604020202020204" pitchFamily="34" charset="0"/>
-                </a:rPr>
-                <a:t>GR</a:t>
+                <a:rPr lang="en-US" sz="1400" b="1" dirty="0"/>
+                <a:t>IT</a:t>
               </a:r>
-              <a:endParaRPr lang="en-US" altLang="ja-JP" sz="1600" b="1" dirty="0" smtClean="0">
-                <a:solidFill>
-                  <a:srgbClr val="FF0000"/>
-                </a:solidFill>
-                <a:latin typeface="Arial" panose="020B0604020202020204" pitchFamily="34" charset="0"/>
-                <a:cs typeface="Arial" panose="020B0604020202020204" pitchFamily="34" charset="0"/>
-              </a:endParaRPr>
             </a:p>
           </p:txBody>
         </p:sp>
       </p:grpSp>
+      <p:sp>
+        <p:nvSpPr>
+          <p:cNvPr id="93" name="Callout: Bent Line 4278">
+            <a:extLst>
+              <a:ext uri="{FF2B5EF4-FFF2-40B4-BE49-F238E27FC236}">
+                <a16:creationId xmlns:a16="http://schemas.microsoft.com/office/drawing/2014/main" id="{4259CEBB-7591-0B78-C9E5-C78C069081E4}"/>
+              </a:ext>
+            </a:extLst>
+          </p:cNvPr>
+          <p:cNvSpPr/>
+          <p:nvPr/>
+        </p:nvSpPr>
+        <p:spPr>
+          <a:xfrm>
+            <a:off x="4906034" y="2234609"/>
+            <a:ext cx="1223205" cy="515731"/>
+          </a:xfrm>
+          <a:prstGeom prst="borderCallout2">
+            <a:avLst>
+              <a:gd name="adj1" fmla="val 37838"/>
+              <a:gd name="adj2" fmla="val -3573"/>
+              <a:gd name="adj3" fmla="val 39741"/>
+              <a:gd name="adj4" fmla="val -9369"/>
+              <a:gd name="adj5" fmla="val 129395"/>
+              <a:gd name="adj6" fmla="val -9191"/>
+            </a:avLst>
+          </a:prstGeom>
+          <a:noFill/>
+          <a:ln>
+            <a:solidFill>
+              <a:srgbClr val="51637B"/>
+            </a:solidFill>
+            <a:prstDash val="sysDot"/>
+          </a:ln>
+        </p:spPr>
+        <p:style>
+          <a:lnRef idx="2">
+            <a:schemeClr val="accent1">
+              <a:shade val="50000"/>
+            </a:schemeClr>
+          </a:lnRef>
+          <a:fillRef idx="1">
+            <a:schemeClr val="accent1"/>
+          </a:fillRef>
+          <a:effectRef idx="0">
+            <a:schemeClr val="accent1"/>
+          </a:effectRef>
+          <a:fontRef idx="minor">
+            <a:schemeClr val="lt1"/>
+          </a:fontRef>
+        </p:style>
+        <p:txBody>
+          <a:bodyPr lIns="91440" tIns="91440" rIns="91440" bIns="91440" rtlCol="0" anchor="ctr"/>
+          <a:lstStyle/>
+          <a:p>
+            <a:r>
+              <a:rPr lang="en-US" sz="1050" dirty="0">
+                <a:solidFill>
+                  <a:schemeClr val="tx1"/>
+                </a:solidFill>
+              </a:rPr>
+              <a:t>System </a:t>
+            </a:r>
+            <a:r>
+              <a:rPr lang="en-US" sz="1050" dirty="0" smtClean="0">
+                <a:solidFill>
+                  <a:schemeClr val="tx1"/>
+                </a:solidFill>
+              </a:rPr>
+              <a:t>Solutions</a:t>
+            </a:r>
+            <a:endParaRPr lang="en-US" sz="1050" dirty="0">
+              <a:solidFill>
+                <a:schemeClr val="tx1"/>
+              </a:solidFill>
+            </a:endParaRPr>
+          </a:p>
+        </p:txBody>
+      </p:sp>
+      <p:cxnSp>
+        <p:nvCxnSpPr>
+          <p:cNvPr id="96" name="Straight Arrow Connector 95">
+            <a:extLst>
+              <a:ext uri="{FF2B5EF4-FFF2-40B4-BE49-F238E27FC236}">
+                <a16:creationId xmlns:a16="http://schemas.microsoft.com/office/drawing/2014/main" id="{A720B565-3D51-AB02-3B36-6DBB9B14EE6C}"/>
+              </a:ext>
+            </a:extLst>
+          </p:cNvPr>
+          <p:cNvCxnSpPr>
+            <a:cxnSpLocks/>
+            <a:endCxn id="77" idx="2"/>
+          </p:cNvCxnSpPr>
+          <p:nvPr/>
+        </p:nvCxnSpPr>
+        <p:spPr>
+          <a:xfrm flipH="1" flipV="1">
+            <a:off x="3489022" y="2702370"/>
+            <a:ext cx="531079" cy="228312"/>
+          </a:xfrm>
+          <a:prstGeom prst="straightConnector1">
+            <a:avLst/>
+          </a:prstGeom>
+          <a:ln w="12700">
+            <a:solidFill>
+              <a:srgbClr val="4E5F77"/>
+            </a:solidFill>
+            <a:headEnd type="none"/>
+            <a:tailEnd type="oval"/>
+          </a:ln>
+        </p:spPr>
+        <p:style>
+          <a:lnRef idx="1">
+            <a:schemeClr val="accent1"/>
+          </a:lnRef>
+          <a:fillRef idx="0">
+            <a:schemeClr val="accent1"/>
+          </a:fillRef>
+          <a:effectRef idx="0">
+            <a:schemeClr val="accent1"/>
+          </a:effectRef>
+          <a:fontRef idx="minor">
+            <a:schemeClr val="tx1"/>
+          </a:fontRef>
+        </p:style>
+      </p:cxnSp>
+      <p:cxnSp>
+        <p:nvCxnSpPr>
+          <p:cNvPr id="97" name="Straight Arrow Connector 96">
+            <a:extLst>
+              <a:ext uri="{FF2B5EF4-FFF2-40B4-BE49-F238E27FC236}">
+                <a16:creationId xmlns:a16="http://schemas.microsoft.com/office/drawing/2014/main" id="{A720B565-3D51-AB02-3B36-6DBB9B14EE6C}"/>
+              </a:ext>
+            </a:extLst>
+          </p:cNvPr>
+          <p:cNvCxnSpPr>
+            <a:cxnSpLocks/>
+          </p:cNvCxnSpPr>
+          <p:nvPr/>
+        </p:nvCxnSpPr>
+        <p:spPr>
+          <a:xfrm flipH="1">
+            <a:off x="3532423" y="3039872"/>
+            <a:ext cx="502319" cy="4644"/>
+          </a:xfrm>
+          <a:prstGeom prst="straightConnector1">
+            <a:avLst/>
+          </a:prstGeom>
+          <a:ln w="12700">
+            <a:solidFill>
+              <a:srgbClr val="4E5F77"/>
+            </a:solidFill>
+            <a:headEnd type="none"/>
+            <a:tailEnd type="oval"/>
+          </a:ln>
+        </p:spPr>
+        <p:style>
+          <a:lnRef idx="1">
+            <a:schemeClr val="accent1"/>
+          </a:lnRef>
+          <a:fillRef idx="0">
+            <a:schemeClr val="accent1"/>
+          </a:fillRef>
+          <a:effectRef idx="0">
+            <a:schemeClr val="accent1"/>
+          </a:effectRef>
+          <a:fontRef idx="minor">
+            <a:schemeClr val="tx1"/>
+          </a:fontRef>
+        </p:style>
+      </p:cxnSp>
+      <p:cxnSp>
+        <p:nvCxnSpPr>
+          <p:cNvPr id="98" name="Straight Arrow Connector 97">
+            <a:extLst>
+              <a:ext uri="{FF2B5EF4-FFF2-40B4-BE49-F238E27FC236}">
+                <a16:creationId xmlns:a16="http://schemas.microsoft.com/office/drawing/2014/main" id="{A720B565-3D51-AB02-3B36-6DBB9B14EE6C}"/>
+              </a:ext>
+            </a:extLst>
+          </p:cNvPr>
+          <p:cNvCxnSpPr>
+            <a:cxnSpLocks/>
+            <a:endCxn id="75" idx="0"/>
+          </p:cNvCxnSpPr>
+          <p:nvPr/>
+        </p:nvCxnSpPr>
+        <p:spPr>
+          <a:xfrm flipH="1">
+            <a:off x="3799739" y="3110984"/>
+            <a:ext cx="258231" cy="322118"/>
+          </a:xfrm>
+          <a:prstGeom prst="straightConnector1">
+            <a:avLst/>
+          </a:prstGeom>
+          <a:ln w="12700">
+            <a:solidFill>
+              <a:srgbClr val="4E5F77"/>
+            </a:solidFill>
+            <a:headEnd type="none"/>
+            <a:tailEnd type="oval"/>
+          </a:ln>
+        </p:spPr>
+        <p:style>
+          <a:lnRef idx="1">
+            <a:schemeClr val="accent1"/>
+          </a:lnRef>
+          <a:fillRef idx="0">
+            <a:schemeClr val="accent1"/>
+          </a:fillRef>
+          <a:effectRef idx="0">
+            <a:schemeClr val="accent1"/>
+          </a:effectRef>
+          <a:fontRef idx="minor">
+            <a:schemeClr val="tx1"/>
+          </a:fontRef>
+        </p:style>
+      </p:cxnSp>
       <p:pic>
         <p:nvPicPr>
-          <p:cNvPr id="50" name="Picture 111" descr="j0079210"/>
+          <p:cNvPr id="102" name="Picture 101">
+            <a:extLst>
+              <a:ext uri="{FF2B5EF4-FFF2-40B4-BE49-F238E27FC236}">
+                <a16:creationId xmlns:a16="http://schemas.microsoft.com/office/drawing/2014/main" id="{8B68EE91-0199-4C89-A661-EFA5E0F916EB}"/>
+              </a:ext>
+            </a:extLst>
+          </p:cNvPr>
           <p:cNvPicPr>
             <a:picLocks noChangeAspect="1" noChangeArrowheads="1"/>
           </p:cNvPicPr>
           <p:nvPr/>
         </p:nvPicPr>
         <p:blipFill>
-          <a:blip r:embed="rId3" cstate="print">
+          <a:blip r:embed="rId11" cstate="print">
             <a:extLst>
               <a:ext uri="{28A0092B-C50C-407E-A947-70E740481C1C}">
                 <a14:useLocalDpi xmlns:a14="http://schemas.microsoft.com/office/drawing/2010/main" val="0"/>
@@ -36409,36 +38933,8 @@
         </p:blipFill>
         <p:spPr bwMode="auto">
           <a:xfrm>
-            <a:off x="6649817" y="3860991"/>
-            <a:ext cx="773399" cy="951075"/>
-          </a:xfrm>
-          <a:prstGeom prst="rect">
-            <a:avLst/>
-          </a:prstGeom>
-          <a:noFill/>
-          <a:extLst>
-            <a:ext uri="{909E8E84-426E-40DD-AFC4-6F175D3DCCD1}">
-              <a14:hiddenFill xmlns:a14="http://schemas.microsoft.com/office/drawing/2010/main">
-                <a:solidFill>
-                  <a:srgbClr val="FFFFFF"/>
-                </a:solidFill>
-              </a14:hiddenFill>
-            </a:ext>
-          </a:extLst>
-        </p:spPr>
-      </p:pic>
-      <p:sp>
-        <p:nvSpPr>
-          <p:cNvPr id="51" name="Text Box 113"/>
-          <p:cNvSpPr txBox="1">
-            <a:spLocks noChangeArrowheads="1"/>
-          </p:cNvSpPr>
-          <p:nvPr/>
-        </p:nvSpPr>
-        <p:spPr bwMode="auto">
-          <a:xfrm>
-            <a:off x="4693948" y="5006405"/>
-            <a:ext cx="1655763" cy="707886"/>
+            <a:off x="6729427" y="2573905"/>
+            <a:ext cx="677088" cy="232749"/>
           </a:xfrm>
           <a:prstGeom prst="rect">
             <a:avLst/>
@@ -36477,427 +38973,1189 @@
             </a:ext>
           </a:extLst>
         </p:spPr>
-        <p:txBody>
-          <a:bodyPr wrap="square">
-            <a:spAutoFit/>
-          </a:bodyPr>
-          <a:lstStyle/>
-          <a:p>
-            <a:pPr algn="ctr">
-              <a:lnSpc>
-                <a:spcPct val="100000"/>
-              </a:lnSpc>
-              <a:spcBef>
-                <a:spcPct val="50000"/>
-              </a:spcBef>
-            </a:pPr>
-            <a:r>
-              <a:rPr kumimoji="1" lang="en-US" altLang="ja-JP" sz="2000" b="1" dirty="0" smtClean="0">
-                <a:solidFill>
-                  <a:srgbClr val="000099"/>
-                </a:solidFill>
-                <a:effectLst>
-                  <a:outerShdw blurRad="38100" dist="38100" dir="2700000" algn="tl">
-                    <a:srgbClr val="C0C0C0"/>
-                  </a:outerShdw>
-                </a:effectLst>
-                <a:latin typeface="Arial" panose="020B0604020202020204" pitchFamily="34" charset="0"/>
-                <a:cs typeface="Arial" panose="020B0604020202020204" pitchFamily="34" charset="0"/>
-              </a:rPr>
-              <a:t>e-Pro </a:t>
-            </a:r>
-            <a:r>
-              <a:rPr kumimoji="1" lang="en-US" altLang="ja-JP" sz="2000" b="1" dirty="0">
-                <a:solidFill>
-                  <a:srgbClr val="000099"/>
-                </a:solidFill>
-                <a:effectLst>
-                  <a:outerShdw blurRad="38100" dist="38100" dir="2700000" algn="tl">
-                    <a:srgbClr val="C0C0C0"/>
-                  </a:outerShdw>
-                </a:effectLst>
-                <a:latin typeface="Arial" panose="020B0604020202020204" pitchFamily="34" charset="0"/>
-                <a:cs typeface="Arial" panose="020B0604020202020204" pitchFamily="34" charset="0"/>
-              </a:rPr>
-              <a:t>System</a:t>
-            </a:r>
-          </a:p>
-        </p:txBody>
-      </p:sp>
+      </p:pic>
       <p:pic>
         <p:nvPicPr>
-          <p:cNvPr id="52" name="Picture 17" descr="C:\Program Files\Microsoft Office\MEDIA\CAGCAT10\j0195384.wmf"/>
+          <p:cNvPr id="103" name="Picture 102">
+            <a:extLst>
+              <a:ext uri="{FF2B5EF4-FFF2-40B4-BE49-F238E27FC236}">
+                <a16:creationId xmlns:a16="http://schemas.microsoft.com/office/drawing/2014/main" id="{92421ECF-6541-4F15-9DB6-9190BE74F138}"/>
+              </a:ext>
+            </a:extLst>
+          </p:cNvPr>
           <p:cNvPicPr>
-            <a:picLocks noChangeAspect="1" noChangeArrowheads="1"/>
+            <a:picLocks noChangeAspect="1"/>
           </p:cNvPicPr>
           <p:nvPr/>
         </p:nvPicPr>
         <p:blipFill>
-          <a:blip r:embed="rId4" cstate="print">
-            <a:extLst>
-              <a:ext uri="{28A0092B-C50C-407E-A947-70E740481C1C}">
-                <a14:useLocalDpi xmlns:a14="http://schemas.microsoft.com/office/drawing/2010/main" val="0"/>
-              </a:ext>
-            </a:extLst>
-          </a:blip>
-          <a:srcRect/>
+          <a:blip r:embed="rId12"/>
           <a:stretch>
             <a:fillRect/>
           </a:stretch>
         </p:blipFill>
         <p:spPr>
           <a:xfrm>
-            <a:off x="3957195" y="2806516"/>
-            <a:ext cx="1097034" cy="877627"/>
+            <a:off x="6053472" y="2844201"/>
+            <a:ext cx="229402" cy="542462"/>
           </a:xfrm>
           <a:prstGeom prst="rect">
             <a:avLst/>
           </a:prstGeom>
-          <a:noFill/>
-          <a:extLst>
-            <a:ext uri="{909E8E84-426E-40DD-AFC4-6F175D3DCCD1}">
-              <a14:hiddenFill xmlns:a14="http://schemas.microsoft.com/office/drawing/2010/main">
-                <a:solidFill>
-                  <a:srgbClr val="FFFFFF"/>
-                </a:solidFill>
-              </a14:hiddenFill>
-            </a:ext>
-          </a:extLst>
         </p:spPr>
       </p:pic>
+      <p:grpSp>
+        <p:nvGrpSpPr>
+          <p:cNvPr id="104" name="Group 103">
+            <a:extLst>
+              <a:ext uri="{FF2B5EF4-FFF2-40B4-BE49-F238E27FC236}">
+                <a16:creationId xmlns:a16="http://schemas.microsoft.com/office/drawing/2014/main" id="{8995E611-FFBD-4243-B649-520DAADF5436}"/>
+              </a:ext>
+            </a:extLst>
+          </p:cNvPr>
+          <p:cNvGrpSpPr/>
+          <p:nvPr/>
+        </p:nvGrpSpPr>
+        <p:grpSpPr>
+          <a:xfrm>
+            <a:off x="6345934" y="2818161"/>
+            <a:ext cx="264371" cy="612078"/>
+            <a:chOff x="4752026" y="2337907"/>
+            <a:chExt cx="423620" cy="747587"/>
+          </a:xfrm>
+        </p:grpSpPr>
+        <p:pic>
+          <p:nvPicPr>
+            <p:cNvPr id="105" name="Picture 104">
+              <a:extLst>
+                <a:ext uri="{FF2B5EF4-FFF2-40B4-BE49-F238E27FC236}">
+                  <a16:creationId xmlns:a16="http://schemas.microsoft.com/office/drawing/2014/main" id="{164C5789-A360-4093-9415-405C11D74141}"/>
+                </a:ext>
+              </a:extLst>
+            </p:cNvPr>
+            <p:cNvPicPr>
+              <a:picLocks noChangeAspect="1"/>
+            </p:cNvPicPr>
+            <p:nvPr/>
+          </p:nvPicPr>
+          <p:blipFill rotWithShape="1">
+            <a:blip r:embed="rId13" cstate="print">
+              <a:extLst>
+                <a:ext uri="{28A0092B-C50C-407E-A947-70E740481C1C}">
+                  <a14:useLocalDpi xmlns:a14="http://schemas.microsoft.com/office/drawing/2010/main" val="0"/>
+                </a:ext>
+              </a:extLst>
+            </a:blip>
+            <a:srcRect l="23000" t="2000" r="20000"/>
+            <a:stretch/>
+          </p:blipFill>
+          <p:spPr>
+            <a:xfrm>
+              <a:off x="4752026" y="2337907"/>
+              <a:ext cx="423620" cy="747587"/>
+            </a:xfrm>
+            <a:prstGeom prst="rect">
+              <a:avLst/>
+            </a:prstGeom>
+          </p:spPr>
+        </p:pic>
+        <p:grpSp>
+          <p:nvGrpSpPr>
+            <p:cNvPr id="106" name="Group 105">
+              <a:extLst>
+                <a:ext uri="{FF2B5EF4-FFF2-40B4-BE49-F238E27FC236}">
+                  <a16:creationId xmlns:a16="http://schemas.microsoft.com/office/drawing/2014/main" id="{4E2A7FB9-6DE2-4572-8F41-2D7017336523}"/>
+                </a:ext>
+              </a:extLst>
+            </p:cNvPr>
+            <p:cNvGrpSpPr/>
+            <p:nvPr/>
+          </p:nvGrpSpPr>
+          <p:grpSpPr>
+            <a:xfrm>
+              <a:off x="4830322" y="2399191"/>
+              <a:ext cx="229602" cy="328194"/>
+              <a:chOff x="6526292" y="3223089"/>
+              <a:chExt cx="2749644" cy="2779604"/>
+            </a:xfrm>
+          </p:grpSpPr>
+          <p:sp>
+            <p:nvSpPr>
+              <p:cNvPr id="107" name="角丸四角形 3">
+                <a:extLst>
+                  <a:ext uri="{FF2B5EF4-FFF2-40B4-BE49-F238E27FC236}">
+                    <a16:creationId xmlns:a16="http://schemas.microsoft.com/office/drawing/2014/main" id="{ED63C750-64CE-4AA5-A192-7EB62A9D0E7B}"/>
+                  </a:ext>
+                </a:extLst>
+              </p:cNvPr>
+              <p:cNvSpPr/>
+              <p:nvPr/>
+            </p:nvSpPr>
+            <p:spPr bwMode="auto">
+              <a:xfrm>
+                <a:off x="6526292" y="3223089"/>
+                <a:ext cx="2749644" cy="2779604"/>
+              </a:xfrm>
+              <a:prstGeom prst="roundRect">
+                <a:avLst>
+                  <a:gd name="adj" fmla="val 6880"/>
+                </a:avLst>
+              </a:prstGeom>
+              <a:solidFill>
+                <a:schemeClr val="bg1"/>
+              </a:solidFill>
+              <a:ln w="9525" cap="flat" cmpd="sng" algn="ctr">
+                <a:solidFill>
+                  <a:srgbClr val="000000"/>
+                </a:solidFill>
+                <a:prstDash val="solid"/>
+                <a:round/>
+                <a:headEnd type="none" w="med" len="med"/>
+                <a:tailEnd type="none" w="med" len="med"/>
+              </a:ln>
+              <a:effectLst/>
+            </p:spPr>
+            <p:txBody>
+              <a:bodyPr>
+                <a:normAutofit lnSpcReduction="10000"/>
+              </a:bodyPr>
+              <a:lstStyle/>
+              <a:p>
+                <a:pPr marL="0" marR="0" lvl="0" indent="0" algn="ctr" defTabSz="914400" rtl="0" eaLnBrk="1" fontAlgn="auto" latinLnBrk="0" hangingPunct="1">
+                  <a:lnSpc>
+                    <a:spcPct val="100000"/>
+                  </a:lnSpc>
+                  <a:spcBef>
+                    <a:spcPts val="0"/>
+                  </a:spcBef>
+                  <a:spcAft>
+                    <a:spcPts val="0"/>
+                  </a:spcAft>
+                  <a:buClrTx/>
+                  <a:buSzTx/>
+                  <a:buFontTx/>
+                  <a:buNone/>
+                  <a:tabLst/>
+                  <a:defRPr/>
+                </a:pPr>
+                <a:endParaRPr kumimoji="0" lang="en-SG" sz="1200" b="0" i="0" u="none" strike="noStrike" kern="1200" cap="none" spc="0" normalizeH="0" baseline="0" noProof="0" dirty="0">
+                  <a:ln>
+                    <a:noFill/>
+                  </a:ln>
+                  <a:solidFill>
+                    <a:srgbClr val="0000FF"/>
+                  </a:solidFill>
+                  <a:effectLst/>
+                  <a:uLnTx/>
+                  <a:uFillTx/>
+                  <a:latin typeface="Arial" pitchFamily="34" charset="0"/>
+                  <a:ea typeface="ＭＳ Ｐゴシック" pitchFamily="50" charset="-128"/>
+                  <a:cs typeface="Arial" pitchFamily="34" charset="0"/>
+                </a:endParaRPr>
+              </a:p>
+            </p:txBody>
+          </p:sp>
+          <p:sp>
+            <p:nvSpPr>
+              <p:cNvPr id="108" name="正方形/長方形 1">
+                <a:extLst>
+                  <a:ext uri="{FF2B5EF4-FFF2-40B4-BE49-F238E27FC236}">
+                    <a16:creationId xmlns:a16="http://schemas.microsoft.com/office/drawing/2014/main" id="{0BD05415-D063-4030-A2D2-91CF0729A7A2}"/>
+                  </a:ext>
+                </a:extLst>
+              </p:cNvPr>
+              <p:cNvSpPr/>
+              <p:nvPr/>
+            </p:nvSpPr>
+            <p:spPr>
+              <a:xfrm>
+                <a:off x="6857999" y="3793755"/>
+                <a:ext cx="2178109" cy="576941"/>
+              </a:xfrm>
+              <a:prstGeom prst="rect">
+                <a:avLst/>
+              </a:prstGeom>
+              <a:solidFill>
+                <a:srgbClr val="FF0000"/>
+              </a:solidFill>
+            </p:spPr>
+            <p:style>
+              <a:lnRef idx="2">
+                <a:schemeClr val="accent1">
+                  <a:shade val="50000"/>
+                </a:schemeClr>
+              </a:lnRef>
+              <a:fillRef idx="1">
+                <a:schemeClr val="accent1"/>
+              </a:fillRef>
+              <a:effectRef idx="0">
+                <a:schemeClr val="accent1"/>
+              </a:effectRef>
+              <a:fontRef idx="minor">
+                <a:schemeClr val="lt1"/>
+              </a:fontRef>
+            </p:style>
+            <p:txBody>
+              <a:bodyPr rtlCol="0" anchor="ctr">
+                <a:noAutofit/>
+              </a:bodyPr>
+              <a:lstStyle/>
+              <a:p>
+                <a:pPr marL="0" marR="0" lvl="0" indent="0" algn="ctr" defTabSz="914400" rtl="0" eaLnBrk="1" fontAlgn="auto" latinLnBrk="0" hangingPunct="1">
+                  <a:lnSpc>
+                    <a:spcPct val="100000"/>
+                  </a:lnSpc>
+                  <a:spcBef>
+                    <a:spcPts val="0"/>
+                  </a:spcBef>
+                  <a:spcAft>
+                    <a:spcPts val="0"/>
+                  </a:spcAft>
+                  <a:buClrTx/>
+                  <a:buSzTx/>
+                  <a:buFontTx/>
+                  <a:buNone/>
+                  <a:tabLst/>
+                  <a:defRPr/>
+                </a:pPr>
+                <a:endParaRPr kumimoji="0" lang="en-SG" sz="200" b="0" i="0" u="none" strike="noStrike" kern="1200" cap="none" spc="0" normalizeH="0" baseline="0" noProof="0" dirty="0">
+                  <a:ln>
+                    <a:noFill/>
+                  </a:ln>
+                  <a:solidFill>
+                    <a:srgbClr val="FFFF00"/>
+                  </a:solidFill>
+                  <a:effectLst/>
+                  <a:uLnTx/>
+                  <a:uFillTx/>
+                  <a:latin typeface="Arial" pitchFamily="34" charset="0"/>
+                  <a:ea typeface="ＭＳ Ｐゴシック"/>
+                  <a:cs typeface="Arial" pitchFamily="34" charset="0"/>
+                </a:endParaRPr>
+              </a:p>
+            </p:txBody>
+          </p:sp>
+          <p:sp>
+            <p:nvSpPr>
+              <p:cNvPr id="109" name="テキスト ボックス 4">
+                <a:extLst>
+                  <a:ext uri="{FF2B5EF4-FFF2-40B4-BE49-F238E27FC236}">
+                    <a16:creationId xmlns:a16="http://schemas.microsoft.com/office/drawing/2014/main" id="{9D9F4512-233A-457A-A129-A4B428545E91}"/>
+                  </a:ext>
+                </a:extLst>
+              </p:cNvPr>
+              <p:cNvSpPr txBox="1"/>
+              <p:nvPr/>
+            </p:nvSpPr>
+            <p:spPr>
+              <a:xfrm>
+                <a:off x="6819061" y="4426348"/>
+                <a:ext cx="1053494" cy="361617"/>
+              </a:xfrm>
+              <a:prstGeom prst="rect">
+                <a:avLst/>
+              </a:prstGeom>
+              <a:noFill/>
+            </p:spPr>
+            <p:txBody>
+              <a:bodyPr wrap="none" rtlCol="0">
+                <a:normAutofit fontScale="25000" lnSpcReduction="20000"/>
+              </a:bodyPr>
+              <a:lstStyle/>
+              <a:p>
+                <a:pPr marL="0" marR="0" lvl="0" indent="0" algn="l" defTabSz="914400" rtl="0" eaLnBrk="1" fontAlgn="auto" latinLnBrk="0" hangingPunct="1">
+                  <a:lnSpc>
+                    <a:spcPct val="100000"/>
+                  </a:lnSpc>
+                  <a:spcBef>
+                    <a:spcPts val="0"/>
+                  </a:spcBef>
+                  <a:spcAft>
+                    <a:spcPts val="0"/>
+                  </a:spcAft>
+                  <a:buClrTx/>
+                  <a:buSzTx/>
+                  <a:buFontTx/>
+                  <a:buNone/>
+                  <a:tabLst/>
+                  <a:defRPr/>
+                </a:pPr>
+                <a:r>
+                  <a:rPr kumimoji="1" lang="en-US" altLang="ja-JP" sz="200" b="0" i="0" u="none" strike="noStrike" kern="1200" cap="none" spc="0" normalizeH="0" baseline="0" noProof="0" dirty="0">
+                    <a:ln>
+                      <a:noFill/>
+                    </a:ln>
+                    <a:solidFill>
+                      <a:srgbClr val="0000FF"/>
+                    </a:solidFill>
+                    <a:effectLst/>
+                    <a:uLnTx/>
+                    <a:uFillTx/>
+                    <a:latin typeface="Arial" pitchFamily="34" charset="0"/>
+                    <a:ea typeface="ＭＳ Ｐゴシック"/>
+                    <a:cs typeface="Arial" pitchFamily="34" charset="0"/>
+                  </a:rPr>
+                  <a:t>Part No  :</a:t>
+                </a:r>
+                <a:endParaRPr kumimoji="1" lang="ja-JP" altLang="en-US" sz="200" b="0" i="0" u="none" strike="noStrike" kern="1200" cap="none" spc="0" normalizeH="0" baseline="0" noProof="0" dirty="0">
+                  <a:ln>
+                    <a:noFill/>
+                  </a:ln>
+                  <a:solidFill>
+                    <a:srgbClr val="0000FF"/>
+                  </a:solidFill>
+                  <a:effectLst/>
+                  <a:uLnTx/>
+                  <a:uFillTx/>
+                  <a:latin typeface="Arial" pitchFamily="34" charset="0"/>
+                  <a:ea typeface="ＭＳ Ｐゴシック"/>
+                  <a:cs typeface="Arial" pitchFamily="34" charset="0"/>
+                </a:endParaRPr>
+              </a:p>
+            </p:txBody>
+          </p:sp>
+          <p:sp>
+            <p:nvSpPr>
+              <p:cNvPr id="110" name="テキスト ボックス 17">
+                <a:extLst>
+                  <a:ext uri="{FF2B5EF4-FFF2-40B4-BE49-F238E27FC236}">
+                    <a16:creationId xmlns:a16="http://schemas.microsoft.com/office/drawing/2014/main" id="{CFD09F78-E83F-4E3E-8C0B-E7D1D8AFB44D}"/>
+                  </a:ext>
+                </a:extLst>
+              </p:cNvPr>
+              <p:cNvSpPr txBox="1"/>
+              <p:nvPr/>
+            </p:nvSpPr>
+            <p:spPr>
+              <a:xfrm>
+                <a:off x="7905833" y="4405989"/>
+                <a:ext cx="367280" cy="361617"/>
+              </a:xfrm>
+              <a:prstGeom prst="rect">
+                <a:avLst/>
+              </a:prstGeom>
+              <a:noFill/>
+            </p:spPr>
+            <p:txBody>
+              <a:bodyPr wrap="none" rtlCol="0">
+                <a:normAutofit fontScale="25000" lnSpcReduction="20000"/>
+              </a:bodyPr>
+              <a:lstStyle/>
+              <a:p>
+                <a:pPr marL="0" marR="0" lvl="0" indent="0" algn="l" defTabSz="914400" rtl="0" eaLnBrk="1" fontAlgn="auto" latinLnBrk="0" hangingPunct="1">
+                  <a:lnSpc>
+                    <a:spcPct val="100000"/>
+                  </a:lnSpc>
+                  <a:spcBef>
+                    <a:spcPts val="0"/>
+                  </a:spcBef>
+                  <a:spcAft>
+                    <a:spcPts val="0"/>
+                  </a:spcAft>
+                  <a:buClrTx/>
+                  <a:buSzTx/>
+                  <a:buFontTx/>
+                  <a:buNone/>
+                  <a:tabLst/>
+                  <a:defRPr/>
+                </a:pPr>
+                <a:r>
+                  <a:rPr kumimoji="1" lang="en-US" altLang="ja-JP" sz="200" b="0" i="0" u="none" strike="noStrike" kern="1200" cap="none" spc="0" normalizeH="0" baseline="0" noProof="0" dirty="0">
+                    <a:ln>
+                      <a:noFill/>
+                    </a:ln>
+                    <a:solidFill>
+                      <a:srgbClr val="FF0000"/>
+                    </a:solidFill>
+                    <a:effectLst/>
+                    <a:uLnTx/>
+                    <a:uFillTx/>
+                    <a:latin typeface="Arial" panose="020B0604020202020204" pitchFamily="34" charset="0"/>
+                    <a:ea typeface="ＭＳ Ｐゴシック"/>
+                    <a:cs typeface="Arial" panose="020B0604020202020204" pitchFamily="34" charset="0"/>
+                  </a:rPr>
+                  <a:t> A</a:t>
+                </a:r>
+                <a:endParaRPr kumimoji="1" lang="ja-JP" altLang="en-US" sz="200" b="0" i="0" u="none" strike="noStrike" kern="1200" cap="none" spc="0" normalizeH="0" baseline="0" noProof="0" dirty="0">
+                  <a:ln>
+                    <a:noFill/>
+                  </a:ln>
+                  <a:solidFill>
+                    <a:srgbClr val="FF0000"/>
+                  </a:solidFill>
+                  <a:effectLst/>
+                  <a:uLnTx/>
+                  <a:uFillTx/>
+                  <a:latin typeface="Arial" panose="020B0604020202020204" pitchFamily="34" charset="0"/>
+                  <a:ea typeface="ＭＳ Ｐゴシック"/>
+                  <a:cs typeface="Arial" panose="020B0604020202020204" pitchFamily="34" charset="0"/>
+                </a:endParaRPr>
+              </a:p>
+            </p:txBody>
+          </p:sp>
+          <p:sp>
+            <p:nvSpPr>
+              <p:cNvPr id="111" name="テキスト ボックス 4">
+                <a:extLst>
+                  <a:ext uri="{FF2B5EF4-FFF2-40B4-BE49-F238E27FC236}">
+                    <a16:creationId xmlns:a16="http://schemas.microsoft.com/office/drawing/2014/main" id="{1FAF6F2F-8474-4B3C-BB85-50E9FB2CBCBD}"/>
+                  </a:ext>
+                </a:extLst>
+              </p:cNvPr>
+              <p:cNvSpPr txBox="1"/>
+              <p:nvPr/>
+            </p:nvSpPr>
+            <p:spPr>
+              <a:xfrm>
+                <a:off x="6819061" y="4816519"/>
+                <a:ext cx="1075936" cy="361617"/>
+              </a:xfrm>
+              <a:prstGeom prst="rect">
+                <a:avLst/>
+              </a:prstGeom>
+              <a:noFill/>
+            </p:spPr>
+            <p:txBody>
+              <a:bodyPr wrap="none" rtlCol="0">
+                <a:normAutofit fontScale="25000" lnSpcReduction="20000"/>
+              </a:bodyPr>
+              <a:lstStyle/>
+              <a:p>
+                <a:pPr marL="0" marR="0" lvl="0" indent="0" algn="l" defTabSz="914400" rtl="0" eaLnBrk="1" fontAlgn="auto" latinLnBrk="0" hangingPunct="1">
+                  <a:lnSpc>
+                    <a:spcPct val="100000"/>
+                  </a:lnSpc>
+                  <a:spcBef>
+                    <a:spcPts val="0"/>
+                  </a:spcBef>
+                  <a:spcAft>
+                    <a:spcPts val="0"/>
+                  </a:spcAft>
+                  <a:buClrTx/>
+                  <a:buSzTx/>
+                  <a:buFontTx/>
+                  <a:buNone/>
+                  <a:tabLst/>
+                  <a:defRPr/>
+                </a:pPr>
+                <a:r>
+                  <a:rPr kumimoji="1" lang="en-US" altLang="ja-JP" sz="200" b="0" i="0" u="none" strike="noStrike" kern="1200" cap="none" spc="0" normalizeH="0" baseline="0" noProof="0" dirty="0">
+                    <a:ln>
+                      <a:noFill/>
+                    </a:ln>
+                    <a:solidFill>
+                      <a:srgbClr val="0000FF"/>
+                    </a:solidFill>
+                    <a:effectLst/>
+                    <a:uLnTx/>
+                    <a:uFillTx/>
+                    <a:latin typeface="Arial" pitchFamily="34" charset="0"/>
+                    <a:ea typeface="ＭＳ Ｐゴシック"/>
+                    <a:cs typeface="Arial" pitchFamily="34" charset="0"/>
+                  </a:rPr>
+                  <a:t>Part card:</a:t>
+                </a:r>
+                <a:endParaRPr kumimoji="1" lang="ja-JP" altLang="en-US" sz="200" b="0" i="0" u="none" strike="noStrike" kern="1200" cap="none" spc="0" normalizeH="0" baseline="0" noProof="0" dirty="0">
+                  <a:ln>
+                    <a:noFill/>
+                  </a:ln>
+                  <a:solidFill>
+                    <a:srgbClr val="0000FF"/>
+                  </a:solidFill>
+                  <a:effectLst/>
+                  <a:uLnTx/>
+                  <a:uFillTx/>
+                  <a:latin typeface="Arial" pitchFamily="34" charset="0"/>
+                  <a:ea typeface="ＭＳ Ｐゴシック"/>
+                  <a:cs typeface="Arial" pitchFamily="34" charset="0"/>
+                </a:endParaRPr>
+              </a:p>
+            </p:txBody>
+          </p:sp>
+          <p:sp>
+            <p:nvSpPr>
+              <p:cNvPr id="112" name="テキスト ボックス 4">
+                <a:extLst>
+                  <a:ext uri="{FF2B5EF4-FFF2-40B4-BE49-F238E27FC236}">
+                    <a16:creationId xmlns:a16="http://schemas.microsoft.com/office/drawing/2014/main" id="{6215F53E-5CA9-4E21-A579-BD446FF6021D}"/>
+                  </a:ext>
+                </a:extLst>
+              </p:cNvPr>
+              <p:cNvSpPr txBox="1"/>
+              <p:nvPr/>
+            </p:nvSpPr>
+            <p:spPr>
+              <a:xfrm>
+                <a:off x="6852731" y="5202057"/>
+                <a:ext cx="652615" cy="361617"/>
+              </a:xfrm>
+              <a:prstGeom prst="rect">
+                <a:avLst/>
+              </a:prstGeom>
+              <a:noFill/>
+            </p:spPr>
+            <p:txBody>
+              <a:bodyPr wrap="none" rtlCol="0">
+                <a:normAutofit fontScale="25000" lnSpcReduction="20000"/>
+              </a:bodyPr>
+              <a:lstStyle/>
+              <a:p>
+                <a:pPr marL="0" marR="0" lvl="0" indent="0" algn="l" defTabSz="914400" rtl="0" eaLnBrk="1" fontAlgn="auto" latinLnBrk="0" hangingPunct="1">
+                  <a:lnSpc>
+                    <a:spcPct val="100000"/>
+                  </a:lnSpc>
+                  <a:spcBef>
+                    <a:spcPts val="0"/>
+                  </a:spcBef>
+                  <a:spcAft>
+                    <a:spcPts val="0"/>
+                  </a:spcAft>
+                  <a:buClrTx/>
+                  <a:buSzTx/>
+                  <a:buFontTx/>
+                  <a:buNone/>
+                  <a:tabLst/>
+                  <a:defRPr/>
+                </a:pPr>
+                <a:r>
+                  <a:rPr kumimoji="1" lang="en-US" altLang="ja-JP" sz="200" b="0" i="0" u="none" strike="noStrike" kern="1200" cap="none" spc="0" normalizeH="0" baseline="0" noProof="0" dirty="0">
+                    <a:ln>
+                      <a:noFill/>
+                    </a:ln>
+                    <a:solidFill>
+                      <a:srgbClr val="0000FF"/>
+                    </a:solidFill>
+                    <a:effectLst/>
+                    <a:uLnTx/>
+                    <a:uFillTx/>
+                    <a:latin typeface="Arial" pitchFamily="34" charset="0"/>
+                    <a:ea typeface="ＭＳ Ｐゴシック"/>
+                    <a:cs typeface="Arial" pitchFamily="34" charset="0"/>
+                  </a:rPr>
+                  <a:t>QTY:</a:t>
+                </a:r>
+                <a:endParaRPr kumimoji="1" lang="ja-JP" altLang="en-US" sz="200" b="0" i="0" u="none" strike="noStrike" kern="1200" cap="none" spc="0" normalizeH="0" baseline="0" noProof="0" dirty="0">
+                  <a:ln>
+                    <a:noFill/>
+                  </a:ln>
+                  <a:solidFill>
+                    <a:srgbClr val="0000FF"/>
+                  </a:solidFill>
+                  <a:effectLst/>
+                  <a:uLnTx/>
+                  <a:uFillTx/>
+                  <a:latin typeface="Arial" pitchFamily="34" charset="0"/>
+                  <a:ea typeface="ＭＳ Ｐゴシック"/>
+                  <a:cs typeface="Arial" pitchFamily="34" charset="0"/>
+                </a:endParaRPr>
+              </a:p>
+            </p:txBody>
+          </p:sp>
+          <p:sp>
+            <p:nvSpPr>
+              <p:cNvPr id="113" name="テキスト ボックス 17">
+                <a:extLst>
+                  <a:ext uri="{FF2B5EF4-FFF2-40B4-BE49-F238E27FC236}">
+                    <a16:creationId xmlns:a16="http://schemas.microsoft.com/office/drawing/2014/main" id="{572BD954-BD40-4747-BE7D-67D24AC592B5}"/>
+                  </a:ext>
+                </a:extLst>
+              </p:cNvPr>
+              <p:cNvSpPr txBox="1"/>
+              <p:nvPr/>
+            </p:nvSpPr>
+            <p:spPr>
+              <a:xfrm>
+                <a:off x="7905833" y="4776139"/>
+                <a:ext cx="929452" cy="361617"/>
+              </a:xfrm>
+              <a:prstGeom prst="rect">
+                <a:avLst/>
+              </a:prstGeom>
+              <a:noFill/>
+            </p:spPr>
+            <p:txBody>
+              <a:bodyPr wrap="square" rtlCol="0">
+                <a:normAutofit fontScale="25000" lnSpcReduction="20000"/>
+              </a:bodyPr>
+              <a:lstStyle/>
+              <a:p>
+                <a:pPr marL="0" marR="0" lvl="0" indent="0" algn="l" defTabSz="914400" rtl="0" eaLnBrk="1" fontAlgn="auto" latinLnBrk="0" hangingPunct="1">
+                  <a:lnSpc>
+                    <a:spcPct val="100000"/>
+                  </a:lnSpc>
+                  <a:spcBef>
+                    <a:spcPts val="0"/>
+                  </a:spcBef>
+                  <a:spcAft>
+                    <a:spcPts val="0"/>
+                  </a:spcAft>
+                  <a:buClrTx/>
+                  <a:buSzTx/>
+                  <a:buFontTx/>
+                  <a:buNone/>
+                  <a:tabLst/>
+                  <a:defRPr/>
+                </a:pPr>
+                <a:r>
+                  <a:rPr kumimoji="1" lang="en-US" altLang="ja-JP" sz="200" b="0" i="0" u="none" strike="noStrike" kern="1200" cap="none" spc="0" normalizeH="0" baseline="0" noProof="0" dirty="0">
+                    <a:ln>
+                      <a:noFill/>
+                    </a:ln>
+                    <a:solidFill>
+                      <a:srgbClr val="FF0000"/>
+                    </a:solidFill>
+                    <a:effectLst/>
+                    <a:uLnTx/>
+                    <a:uFillTx/>
+                    <a:latin typeface="Arial" panose="020B0604020202020204" pitchFamily="34" charset="0"/>
+                    <a:ea typeface="ＭＳ Ｐゴシック"/>
+                    <a:cs typeface="Arial" panose="020B0604020202020204" pitchFamily="34" charset="0"/>
+                  </a:rPr>
+                  <a:t> </a:t>
+                </a:r>
+                <a:r>
+                  <a:rPr kumimoji="1" lang="en-US" altLang="ja-JP" sz="200" b="0" i="0" u="none" strike="noStrike" kern="1200" cap="none" spc="0" normalizeH="0" baseline="0" noProof="0" dirty="0">
+                    <a:ln>
+                      <a:noFill/>
+                    </a:ln>
+                    <a:solidFill>
+                      <a:srgbClr val="0000FF"/>
+                    </a:solidFill>
+                    <a:effectLst/>
+                    <a:uLnTx/>
+                    <a:uFillTx/>
+                    <a:latin typeface="Arial" panose="020B0604020202020204" pitchFamily="34" charset="0"/>
+                    <a:ea typeface="ＭＳ Ｐゴシック"/>
+                    <a:cs typeface="Arial" panose="020B0604020202020204" pitchFamily="34" charset="0"/>
+                  </a:rPr>
+                  <a:t>A</a:t>
+                </a:r>
+                <a:endParaRPr kumimoji="1" lang="ja-JP" altLang="en-US" sz="200" b="0" i="0" u="none" strike="noStrike" kern="1200" cap="none" spc="0" normalizeH="0" baseline="0" noProof="0" dirty="0">
+                  <a:ln>
+                    <a:noFill/>
+                  </a:ln>
+                  <a:solidFill>
+                    <a:srgbClr val="0000FF"/>
+                  </a:solidFill>
+                  <a:effectLst/>
+                  <a:uLnTx/>
+                  <a:uFillTx/>
+                  <a:latin typeface="Arial" panose="020B0604020202020204" pitchFamily="34" charset="0"/>
+                  <a:ea typeface="ＭＳ Ｐゴシック"/>
+                  <a:cs typeface="Arial" panose="020B0604020202020204" pitchFamily="34" charset="0"/>
+                </a:endParaRPr>
+              </a:p>
+            </p:txBody>
+          </p:sp>
+          <p:sp>
+            <p:nvSpPr>
+              <p:cNvPr id="114" name="テキスト ボックス 17">
+                <a:extLst>
+                  <a:ext uri="{FF2B5EF4-FFF2-40B4-BE49-F238E27FC236}">
+                    <a16:creationId xmlns:a16="http://schemas.microsoft.com/office/drawing/2014/main" id="{65F6B9E4-5F2C-4DB5-BDF5-0349515A53DB}"/>
+                  </a:ext>
+                </a:extLst>
+              </p:cNvPr>
+              <p:cNvSpPr txBox="1"/>
+              <p:nvPr/>
+            </p:nvSpPr>
+            <p:spPr>
+              <a:xfrm>
+                <a:off x="7764928" y="5451805"/>
+                <a:ext cx="929452" cy="361617"/>
+              </a:xfrm>
+              <a:prstGeom prst="rect">
+                <a:avLst/>
+              </a:prstGeom>
+              <a:noFill/>
+            </p:spPr>
+            <p:txBody>
+              <a:bodyPr wrap="square" rtlCol="0">
+                <a:normAutofit fontScale="25000" lnSpcReduction="20000"/>
+              </a:bodyPr>
+              <a:lstStyle/>
+              <a:p>
+                <a:pPr marL="0" marR="0" lvl="0" indent="0" algn="l" defTabSz="914400" rtl="0" eaLnBrk="1" fontAlgn="auto" latinLnBrk="0" hangingPunct="1">
+                  <a:lnSpc>
+                    <a:spcPct val="100000"/>
+                  </a:lnSpc>
+                  <a:spcBef>
+                    <a:spcPts val="0"/>
+                  </a:spcBef>
+                  <a:spcAft>
+                    <a:spcPts val="0"/>
+                  </a:spcAft>
+                  <a:buClrTx/>
+                  <a:buSzTx/>
+                  <a:buFontTx/>
+                  <a:buNone/>
+                  <a:tabLst/>
+                  <a:defRPr/>
+                </a:pPr>
+                <a:r>
+                  <a:rPr kumimoji="1" lang="en-US" altLang="ja-JP" sz="200" b="0" i="0" u="none" strike="noStrike" kern="1200" cap="none" spc="0" normalizeH="0" baseline="0" noProof="0" dirty="0">
+                    <a:ln>
+                      <a:noFill/>
+                    </a:ln>
+                    <a:solidFill>
+                      <a:srgbClr val="FF0000"/>
+                    </a:solidFill>
+                    <a:effectLst/>
+                    <a:uLnTx/>
+                    <a:uFillTx/>
+                    <a:latin typeface="Arial" panose="020B0604020202020204" pitchFamily="34" charset="0"/>
+                    <a:ea typeface="ＭＳ Ｐゴシック"/>
+                    <a:cs typeface="Arial" panose="020B0604020202020204" pitchFamily="34" charset="0"/>
+                  </a:rPr>
+                  <a:t> </a:t>
+                </a:r>
+                <a:endParaRPr kumimoji="1" lang="ja-JP" altLang="en-US" sz="200" b="0" i="0" u="none" strike="noStrike" kern="1200" cap="none" spc="0" normalizeH="0" baseline="0" noProof="0" dirty="0">
+                  <a:ln>
+                    <a:noFill/>
+                  </a:ln>
+                  <a:solidFill>
+                    <a:srgbClr val="FF0000"/>
+                  </a:solidFill>
+                  <a:effectLst/>
+                  <a:uLnTx/>
+                  <a:uFillTx/>
+                  <a:latin typeface="Arial" panose="020B0604020202020204" pitchFamily="34" charset="0"/>
+                  <a:ea typeface="ＭＳ Ｐゴシック"/>
+                  <a:cs typeface="Arial" panose="020B0604020202020204" pitchFamily="34" charset="0"/>
+                </a:endParaRPr>
+              </a:p>
+            </p:txBody>
+          </p:sp>
+          <p:sp>
+            <p:nvSpPr>
+              <p:cNvPr id="115" name="テキスト ボックス 17">
+                <a:extLst>
+                  <a:ext uri="{FF2B5EF4-FFF2-40B4-BE49-F238E27FC236}">
+                    <a16:creationId xmlns:a16="http://schemas.microsoft.com/office/drawing/2014/main" id="{9CCA033E-70C7-4AD8-97B6-39C29D9B890E}"/>
+                  </a:ext>
+                </a:extLst>
+              </p:cNvPr>
+              <p:cNvSpPr txBox="1"/>
+              <p:nvPr/>
+            </p:nvSpPr>
+            <p:spPr>
+              <a:xfrm>
+                <a:off x="7905833" y="5186668"/>
+                <a:ext cx="929452" cy="361617"/>
+              </a:xfrm>
+              <a:prstGeom prst="rect">
+                <a:avLst/>
+              </a:prstGeom>
+              <a:noFill/>
+            </p:spPr>
+            <p:txBody>
+              <a:bodyPr wrap="square" rtlCol="0">
+                <a:normAutofit fontScale="25000" lnSpcReduction="20000"/>
+              </a:bodyPr>
+              <a:lstStyle/>
+              <a:p>
+                <a:pPr marL="0" marR="0" lvl="0" indent="0" algn="l" defTabSz="914400" rtl="0" eaLnBrk="1" fontAlgn="auto" latinLnBrk="0" hangingPunct="1">
+                  <a:lnSpc>
+                    <a:spcPct val="100000"/>
+                  </a:lnSpc>
+                  <a:spcBef>
+                    <a:spcPts val="0"/>
+                  </a:spcBef>
+                  <a:spcAft>
+                    <a:spcPts val="0"/>
+                  </a:spcAft>
+                  <a:buClrTx/>
+                  <a:buSzTx/>
+                  <a:buFontTx/>
+                  <a:buNone/>
+                  <a:tabLst/>
+                  <a:defRPr/>
+                </a:pPr>
+                <a:r>
+                  <a:rPr kumimoji="1" lang="en-US" altLang="ja-JP" sz="200" b="0" i="0" u="none" strike="noStrike" kern="1200" cap="none" spc="0" normalizeH="0" baseline="0" noProof="0" dirty="0">
+                    <a:ln>
+                      <a:noFill/>
+                    </a:ln>
+                    <a:solidFill>
+                      <a:srgbClr val="FF0000"/>
+                    </a:solidFill>
+                    <a:effectLst/>
+                    <a:uLnTx/>
+                    <a:uFillTx/>
+                    <a:latin typeface="Arial" panose="020B0604020202020204" pitchFamily="34" charset="0"/>
+                    <a:ea typeface="ＭＳ Ｐゴシック"/>
+                    <a:cs typeface="Arial" panose="020B0604020202020204" pitchFamily="34" charset="0"/>
+                  </a:rPr>
+                  <a:t> </a:t>
+                </a:r>
+                <a:r>
+                  <a:rPr kumimoji="1" lang="en-US" altLang="ja-JP" sz="200" b="0" i="0" u="none" strike="noStrike" kern="1200" cap="none" spc="0" normalizeH="0" baseline="0" noProof="0" dirty="0">
+                    <a:ln>
+                      <a:noFill/>
+                    </a:ln>
+                    <a:solidFill>
+                      <a:srgbClr val="0000FF"/>
+                    </a:solidFill>
+                    <a:effectLst/>
+                    <a:uLnTx/>
+                    <a:uFillTx/>
+                    <a:latin typeface="Arial" panose="020B0604020202020204" pitchFamily="34" charset="0"/>
+                    <a:ea typeface="ＭＳ Ｐゴシック"/>
+                    <a:cs typeface="Arial" panose="020B0604020202020204" pitchFamily="34" charset="0"/>
+                  </a:rPr>
+                  <a:t>30</a:t>
+                </a:r>
+                <a:endParaRPr kumimoji="1" lang="ja-JP" altLang="en-US" sz="200" b="0" i="0" u="none" strike="noStrike" kern="1200" cap="none" spc="0" normalizeH="0" baseline="0" noProof="0" dirty="0">
+                  <a:ln>
+                    <a:noFill/>
+                  </a:ln>
+                  <a:solidFill>
+                    <a:srgbClr val="0000FF"/>
+                  </a:solidFill>
+                  <a:effectLst/>
+                  <a:uLnTx/>
+                  <a:uFillTx/>
+                  <a:latin typeface="Arial" panose="020B0604020202020204" pitchFamily="34" charset="0"/>
+                  <a:ea typeface="ＭＳ Ｐゴシック"/>
+                  <a:cs typeface="Arial" panose="020B0604020202020204" pitchFamily="34" charset="0"/>
+                </a:endParaRPr>
+              </a:p>
+            </p:txBody>
+          </p:sp>
+          <p:sp>
+            <p:nvSpPr>
+              <p:cNvPr id="116" name="正方形/長方形 1">
+                <a:extLst>
+                  <a:ext uri="{FF2B5EF4-FFF2-40B4-BE49-F238E27FC236}">
+                    <a16:creationId xmlns:a16="http://schemas.microsoft.com/office/drawing/2014/main" id="{AFBB7449-2979-4CFA-81E8-3DAC04086FD3}"/>
+                  </a:ext>
+                </a:extLst>
+              </p:cNvPr>
+              <p:cNvSpPr/>
+              <p:nvPr/>
+            </p:nvSpPr>
+            <p:spPr>
+              <a:xfrm>
+                <a:off x="6808654" y="5607877"/>
+                <a:ext cx="2227455" cy="349049"/>
+              </a:xfrm>
+              <a:prstGeom prst="rect">
+                <a:avLst/>
+              </a:prstGeom>
+              <a:solidFill>
+                <a:srgbClr val="FF0000"/>
+              </a:solidFill>
+            </p:spPr>
+            <p:style>
+              <a:lnRef idx="2">
+                <a:schemeClr val="accent1">
+                  <a:shade val="50000"/>
+                </a:schemeClr>
+              </a:lnRef>
+              <a:fillRef idx="1">
+                <a:schemeClr val="accent1"/>
+              </a:fillRef>
+              <a:effectRef idx="0">
+                <a:schemeClr val="accent1"/>
+              </a:effectRef>
+              <a:fontRef idx="minor">
+                <a:schemeClr val="lt1"/>
+              </a:fontRef>
+            </p:style>
+            <p:txBody>
+              <a:bodyPr rtlCol="0" anchor="ctr">
+                <a:noAutofit/>
+              </a:bodyPr>
+              <a:lstStyle/>
+              <a:p>
+                <a:pPr marL="0" marR="0" lvl="0" indent="0" algn="ctr" defTabSz="914400" rtl="0" eaLnBrk="1" fontAlgn="auto" latinLnBrk="0" hangingPunct="1">
+                  <a:lnSpc>
+                    <a:spcPct val="100000"/>
+                  </a:lnSpc>
+                  <a:spcBef>
+                    <a:spcPts val="0"/>
+                  </a:spcBef>
+                  <a:spcAft>
+                    <a:spcPts val="0"/>
+                  </a:spcAft>
+                  <a:buClrTx/>
+                  <a:buSzTx/>
+                  <a:buFontTx/>
+                  <a:buNone/>
+                  <a:tabLst/>
+                  <a:defRPr/>
+                </a:pPr>
+                <a:endParaRPr kumimoji="0" lang="en-SG" sz="200" b="0" i="0" u="none" strike="noStrike" kern="1200" cap="none" spc="0" normalizeH="0" baseline="0" noProof="0" dirty="0">
+                  <a:ln>
+                    <a:noFill/>
+                  </a:ln>
+                  <a:solidFill>
+                    <a:srgbClr val="FFFF00"/>
+                  </a:solidFill>
+                  <a:effectLst/>
+                  <a:uLnTx/>
+                  <a:uFillTx/>
+                  <a:latin typeface="Arial" pitchFamily="34" charset="0"/>
+                  <a:ea typeface="ＭＳ Ｐゴシック"/>
+                  <a:cs typeface="Arial" pitchFamily="34" charset="0"/>
+                </a:endParaRPr>
+              </a:p>
+            </p:txBody>
+          </p:sp>
+        </p:grpSp>
+      </p:grpSp>
       <p:sp>
         <p:nvSpPr>
-          <p:cNvPr id="53" name="Text Box 114"/>
-          <p:cNvSpPr txBox="1">
+          <p:cNvPr id="117" name="二等辺三角形 7172">
+            <a:extLst>
+              <a:ext uri="{FF2B5EF4-FFF2-40B4-BE49-F238E27FC236}">
+                <a16:creationId xmlns:a16="http://schemas.microsoft.com/office/drawing/2014/main" id="{EEAF7A1A-0451-4878-8959-683185F74505}"/>
+              </a:ext>
+            </a:extLst>
+          </p:cNvPr>
+          <p:cNvSpPr>
             <a:spLocks noChangeArrowheads="1"/>
           </p:cNvSpPr>
           <p:nvPr/>
         </p:nvSpPr>
         <p:spPr bwMode="auto">
-          <a:xfrm>
-            <a:off x="3633410" y="4093529"/>
-            <a:ext cx="1325869" cy="477054"/>
+          <a:xfrm rot="5400000" flipV="1">
+            <a:off x="6398173" y="2712920"/>
+            <a:ext cx="383777" cy="166609"/>
           </a:xfrm>
-          <a:prstGeom prst="rect">
-            <a:avLst/>
+          <a:prstGeom prst="triangle">
+            <a:avLst>
+              <a:gd name="adj" fmla="val 50000"/>
+            </a:avLst>
           </a:prstGeom>
-          <a:noFill/>
-          <a:ln>
-            <a:noFill/>
+          <a:solidFill>
+            <a:srgbClr val="FFFF00">
+              <a:alpha val="50195"/>
+            </a:srgbClr>
+          </a:solidFill>
+          <a:ln w="9525" algn="ctr">
+            <a:solidFill>
+              <a:srgbClr val="000000"/>
+            </a:solidFill>
+            <a:round/>
+            <a:headEnd/>
+            <a:tailEnd/>
           </a:ln>
-          <a:effectLst/>
-          <a:extLst>
-            <a:ext uri="{909E8E84-426E-40DD-AFC4-6F175D3DCCD1}">
-              <a14:hiddenFill xmlns:a14="http://schemas.microsoft.com/office/drawing/2010/main">
-                <a:solidFill>
-                  <a:schemeClr val="accent1"/>
-                </a:solidFill>
-              </a14:hiddenFill>
-            </a:ext>
-            <a:ext uri="{91240B29-F687-4F45-9708-019B960494DF}">
-              <a14:hiddenLine xmlns:a14="http://schemas.microsoft.com/office/drawing/2010/main" w="9525">
-                <a:solidFill>
-                  <a:schemeClr val="tx1"/>
-                </a:solidFill>
-                <a:miter lim="800000"/>
-                <a:headEnd/>
-                <a:tailEnd/>
-              </a14:hiddenLine>
-            </a:ext>
-            <a:ext uri="{AF507438-7753-43E0-B8FC-AC1667EBCBE1}">
-              <a14:hiddenEffects xmlns:a14="http://schemas.microsoft.com/office/drawing/2010/main">
-                <a:effectLst>
-                  <a:outerShdw dist="35921" dir="2700000" algn="ctr" rotWithShape="0">
-                    <a:schemeClr val="bg2"/>
-                  </a:outerShdw>
-                </a:effectLst>
-              </a14:hiddenEffects>
-            </a:ext>
-          </a:extLst>
+          <a:effectLst>
+            <a:outerShdw dist="35921" dir="2700000" algn="ctr" rotWithShape="0">
+              <a:srgbClr val="808080"/>
+            </a:outerShdw>
+          </a:effectLst>
         </p:spPr>
         <p:txBody>
-          <a:bodyPr wrap="square">
-            <a:spAutoFit/>
-          </a:bodyPr>
+          <a:bodyPr/>
           <a:lstStyle/>
           <a:p>
-            <a:pPr algn="l">
+            <a:pPr marL="0" marR="0" lvl="0" indent="0" algn="ctr" defTabSz="914400" rtl="0" eaLnBrk="1" fontAlgn="auto" latinLnBrk="0" hangingPunct="1">
               <a:lnSpc>
                 <a:spcPct val="100000"/>
               </a:lnSpc>
               <a:spcBef>
-                <a:spcPct val="50000"/>
+                <a:spcPts val="0"/>
               </a:spcBef>
+              <a:spcAft>
+                <a:spcPts val="0"/>
+              </a:spcAft>
+              <a:buClrTx/>
+              <a:buSzTx/>
+              <a:buFontTx/>
+              <a:buNone/>
+              <a:tabLst/>
+              <a:defRPr/>
+            </a:pPr>
+            <a:endParaRPr kumimoji="0" lang="en-SG" sz="1800" b="0" i="0" u="none" strike="noStrike" kern="1200" cap="none" spc="0" normalizeH="0" baseline="0" noProof="0">
+              <a:ln>
+                <a:noFill/>
+              </a:ln>
+              <a:solidFill>
+                <a:srgbClr val="000000"/>
+              </a:solidFill>
+              <a:effectLst/>
+              <a:uLnTx/>
+              <a:uFillTx/>
+              <a:latin typeface="Arial" pitchFamily="34" charset="0"/>
+              <a:ea typeface="ＭＳ Ｐゴシック"/>
+              <a:cs typeface="Arial" pitchFamily="34" charset="0"/>
+            </a:endParaRPr>
+          </a:p>
+        </p:txBody>
+      </p:sp>
+      <p:graphicFrame>
+        <p:nvGraphicFramePr>
+          <p:cNvPr id="118" name="Object 117"/>
+          <p:cNvGraphicFramePr>
+            <a:graphicFrameLocks noChangeAspect="1"/>
+          </p:cNvGraphicFramePr>
+          <p:nvPr>
+            <p:extLst>
+              <p:ext uri="{D42A27DB-BD31-4B8C-83A1-F6EECF244321}">
+                <p14:modId xmlns:p14="http://schemas.microsoft.com/office/powerpoint/2010/main" val="3065131412"/>
+              </p:ext>
+            </p:extLst>
+          </p:nvPr>
+        </p:nvGraphicFramePr>
+        <p:xfrm>
+          <a:off x="6875561" y="2857666"/>
+          <a:ext cx="384649" cy="373700"/>
+        </p:xfrm>
+        <a:graphic>
+          <a:graphicData uri="http://schemas.openxmlformats.org/presentationml/2006/ole">
+            <mc:AlternateContent xmlns:mc="http://schemas.openxmlformats.org/markup-compatibility/2006">
+              <mc:Choice xmlns:v="urn:schemas-microsoft-com:vml" Requires="v">
+                <p:oleObj spid="_x0000_s2060" name="ｸﾘｯﾌﾟ" r:id="rId14" imgW="1666667" imgH="1695238" progId="">
+                  <p:embed/>
+                </p:oleObj>
+              </mc:Choice>
+              <mc:Fallback>
+                <p:oleObj name="ｸﾘｯﾌﾟ" r:id="rId14" imgW="1666667" imgH="1695238" progId="">
+                  <p:embed/>
+                  <p:pic>
+                    <p:nvPicPr>
+                      <p:cNvPr id="119" name="Object 118"/>
+                      <p:cNvPicPr>
+                        <a:picLocks noChangeAspect="1" noChangeArrowheads="1"/>
+                      </p:cNvPicPr>
+                      <p:nvPr/>
+                    </p:nvPicPr>
+                    <p:blipFill>
+                      <a:blip r:embed="rId15">
+                        <a:extLst>
+                          <a:ext uri="{28A0092B-C50C-407E-A947-70E740481C1C}">
+                            <a14:useLocalDpi xmlns:a14="http://schemas.microsoft.com/office/drawing/2010/main" val="0"/>
+                          </a:ext>
+                        </a:extLst>
+                      </a:blip>
+                      <a:srcRect/>
+                      <a:stretch>
+                        <a:fillRect/>
+                      </a:stretch>
+                    </p:blipFill>
+                    <p:spPr bwMode="auto">
+                      <a:xfrm>
+                        <a:off x="6875561" y="2857666"/>
+                        <a:ext cx="384649" cy="373700"/>
+                      </a:xfrm>
+                      <a:prstGeom prst="rect">
+                        <a:avLst/>
+                      </a:prstGeom>
+                      <a:solidFill>
+                        <a:srgbClr val="FFFFFF"/>
+                      </a:solidFill>
+                      <a:ln w="28575">
+                        <a:solidFill>
+                          <a:srgbClr val="00B0F0"/>
+                        </a:solidFill>
+                        <a:miter lim="800000"/>
+                        <a:headEnd/>
+                        <a:tailEnd/>
+                      </a:ln>
+                    </p:spPr>
+                  </p:pic>
+                </p:oleObj>
+              </mc:Fallback>
+            </mc:AlternateContent>
+          </a:graphicData>
+        </a:graphic>
+      </p:graphicFrame>
+      <p:sp>
+        <p:nvSpPr>
+          <p:cNvPr id="119" name="Can 936">
+            <a:extLst>
+              <a:ext uri="{FF2B5EF4-FFF2-40B4-BE49-F238E27FC236}">
+                <a16:creationId xmlns:a16="http://schemas.microsoft.com/office/drawing/2014/main" id="{20E37E8C-1460-47CE-9066-03D6A1E6A168}"/>
+              </a:ext>
+            </a:extLst>
+          </p:cNvPr>
+          <p:cNvSpPr/>
+          <p:nvPr/>
+        </p:nvSpPr>
+        <p:spPr>
+          <a:xfrm>
+            <a:off x="6446837" y="3746631"/>
+            <a:ext cx="992197" cy="548963"/>
+          </a:xfrm>
+          <a:prstGeom prst="can">
+            <a:avLst/>
+          </a:prstGeom>
+          <a:solidFill>
+            <a:srgbClr val="2D2D8A"/>
+          </a:solidFill>
+          <a:ln w="25400" cap="flat" cmpd="sng" algn="ctr">
+            <a:solidFill>
+              <a:srgbClr val="333399">
+                <a:shade val="50000"/>
+              </a:srgbClr>
+            </a:solidFill>
+            <a:prstDash val="solid"/>
+          </a:ln>
+          <a:effectLst/>
+        </p:spPr>
+        <p:txBody>
+          <a:bodyPr vert="horz" rtlCol="0" anchor="t"/>
+          <a:lstStyle/>
+          <a:p>
+            <a:pPr marL="0" marR="0" lvl="0" indent="0" algn="ctr" defTabSz="914400" eaLnBrk="1" fontAlgn="auto" latinLnBrk="0" hangingPunct="1">
+              <a:lnSpc>
+                <a:spcPct val="100000"/>
+              </a:lnSpc>
+              <a:spcBef>
+                <a:spcPts val="0"/>
+              </a:spcBef>
+              <a:spcAft>
+                <a:spcPts val="0"/>
+              </a:spcAft>
+              <a:buClrTx/>
+              <a:buSzTx/>
+              <a:buFontTx/>
+              <a:buNone/>
+              <a:tabLst/>
+              <a:defRPr/>
             </a:pPr>
             <a:r>
-              <a:rPr kumimoji="1" lang="en-US" altLang="ja-JP" sz="2500" b="1" dirty="0" smtClean="0">
-                <a:solidFill>
-                  <a:srgbClr val="FF0000"/>
-                </a:solidFill>
-                <a:effectLst>
-                  <a:outerShdw blurRad="38100" dist="38100" dir="2700000" algn="tl">
-                    <a:srgbClr val="C0C0C0"/>
-                  </a:outerShdw>
-                </a:effectLst>
-                <a:latin typeface="Arial" panose="020B0604020202020204" pitchFamily="34" charset="0"/>
-                <a:cs typeface="Arial" panose="020B0604020202020204" pitchFamily="34" charset="0"/>
+              <a:rPr lang="en-US" sz="1400" b="1" kern="0" dirty="0" smtClean="0">
+                <a:solidFill>
+                  <a:srgbClr val="FFFFFF"/>
+                </a:solidFill>
+                <a:latin typeface="Arial"/>
+                <a:cs typeface="Arial"/>
               </a:rPr>
-              <a:t>Excel</a:t>
+              <a:t>Database</a:t>
             </a:r>
-            <a:endParaRPr kumimoji="1" lang="en-US" altLang="ja-JP" sz="2500" b="1" dirty="0">
+            <a:endParaRPr kumimoji="0" lang="vi-VN" sz="1400" b="1" i="0" u="none" strike="noStrike" kern="0" cap="none" spc="0" normalizeH="0" baseline="0" noProof="0" dirty="0">
+              <a:ln>
+                <a:noFill/>
+              </a:ln>
               <a:solidFill>
-                <a:srgbClr val="FF0000"/>
+                <a:srgbClr val="FFFFFF"/>
               </a:solidFill>
-              <a:effectLst>
-                <a:outerShdw blurRad="38100" dist="38100" dir="2700000" algn="tl">
-                  <a:srgbClr val="C0C0C0"/>
-                </a:outerShdw>
-              </a:effectLst>
-              <a:latin typeface="Arial" panose="020B0604020202020204" pitchFamily="34" charset="0"/>
-              <a:cs typeface="Arial" panose="020B0604020202020204" pitchFamily="34" charset="0"/>
+              <a:effectLst/>
+              <a:uLnTx/>
+              <a:uFillTx/>
+              <a:latin typeface="Arial"/>
+              <a:cs typeface="Arial"/>
             </a:endParaRPr>
           </a:p>
         </p:txBody>
       </p:sp>
       <p:sp>
         <p:nvSpPr>
-          <p:cNvPr id="58" name="Text Box 78"/>
-          <p:cNvSpPr txBox="1">
-            <a:spLocks noChangeArrowheads="1"/>
-          </p:cNvSpPr>
-          <p:nvPr/>
-        </p:nvSpPr>
-        <p:spPr bwMode="auto">
-          <a:xfrm>
-            <a:off x="2570360" y="3518839"/>
-            <a:ext cx="1302665" cy="523220"/>
-          </a:xfrm>
-          <a:prstGeom prst="rect">
-            <a:avLst/>
-          </a:prstGeom>
-          <a:solidFill>
-            <a:srgbClr val="FFFF00"/>
-          </a:solidFill>
-          <a:ln>
-            <a:noFill/>
-          </a:ln>
-          <a:effectLst/>
-          <a:extLst/>
-        </p:spPr>
-        <p:txBody>
-          <a:bodyPr wrap="square">
-            <a:spAutoFit/>
-          </a:bodyPr>
-          <a:lstStyle/>
-          <a:p>
-            <a:pPr algn="ctr">
-              <a:spcBef>
-                <a:spcPct val="50000"/>
-              </a:spcBef>
-            </a:pPr>
-            <a:r>
-              <a:rPr lang="en-US" altLang="ja-JP" sz="1400" b="1" dirty="0" smtClean="0">
-                <a:solidFill>
-                  <a:srgbClr val="0E067C"/>
-                </a:solidFill>
-                <a:latin typeface="Arial" panose="020B0604020202020204" pitchFamily="34" charset="0"/>
-                <a:cs typeface="Arial" panose="020B0604020202020204" pitchFamily="34" charset="0"/>
-              </a:rPr>
-              <a:t>Print </a:t>
-            </a:r>
-            <a:r>
-              <a:rPr lang="en-US" altLang="ja-JP" sz="1400" b="1" dirty="0" smtClean="0">
-                <a:solidFill>
-                  <a:srgbClr val="0E067C"/>
-                </a:solidFill>
-                <a:latin typeface="Arial" panose="020B0604020202020204" pitchFamily="34" charset="0"/>
-                <a:cs typeface="Arial" panose="020B0604020202020204" pitchFamily="34" charset="0"/>
-              </a:rPr>
-              <a:t>barcode</a:t>
-            </a:r>
-            <a:endParaRPr lang="en-US" altLang="ja-JP" sz="1400" b="1" dirty="0">
-              <a:solidFill>
-                <a:srgbClr val="0E067C"/>
-              </a:solidFill>
-              <a:latin typeface="Arial" panose="020B0604020202020204" pitchFamily="34" charset="0"/>
-              <a:cs typeface="Arial" panose="020B0604020202020204" pitchFamily="34" charset="0"/>
-            </a:endParaRPr>
-          </a:p>
-        </p:txBody>
-      </p:sp>
-      <p:sp>
-        <p:nvSpPr>
-          <p:cNvPr id="62" name="Text Box 113"/>
-          <p:cNvSpPr txBox="1">
-            <a:spLocks noChangeArrowheads="1"/>
-          </p:cNvSpPr>
-          <p:nvPr/>
-        </p:nvSpPr>
-        <p:spPr bwMode="auto">
-          <a:xfrm>
-            <a:off x="3331225" y="2329465"/>
-            <a:ext cx="1655763" cy="400110"/>
-          </a:xfrm>
-          <a:prstGeom prst="rect">
-            <a:avLst/>
-          </a:prstGeom>
-          <a:noFill/>
-          <a:ln>
-            <a:noFill/>
-          </a:ln>
-          <a:effectLst/>
-          <a:extLst>
-            <a:ext uri="{909E8E84-426E-40DD-AFC4-6F175D3DCCD1}">
-              <a14:hiddenFill xmlns:a14="http://schemas.microsoft.com/office/drawing/2010/main">
-                <a:solidFill>
-                  <a:schemeClr val="accent1"/>
-                </a:solidFill>
-              </a14:hiddenFill>
-            </a:ext>
-            <a:ext uri="{91240B29-F687-4F45-9708-019B960494DF}">
-              <a14:hiddenLine xmlns:a14="http://schemas.microsoft.com/office/drawing/2010/main" w="9525">
-                <a:solidFill>
-                  <a:schemeClr val="tx1"/>
-                </a:solidFill>
-                <a:miter lim="800000"/>
-                <a:headEnd/>
-                <a:tailEnd/>
-              </a14:hiddenLine>
-            </a:ext>
-            <a:ext uri="{AF507438-7753-43E0-B8FC-AC1667EBCBE1}">
-              <a14:hiddenEffects xmlns:a14="http://schemas.microsoft.com/office/drawing/2010/main">
-                <a:effectLst>
-                  <a:outerShdw dist="35921" dir="2700000" algn="ctr" rotWithShape="0">
-                    <a:schemeClr val="bg2"/>
-                  </a:outerShdw>
-                </a:effectLst>
-              </a14:hiddenEffects>
-            </a:ext>
-          </a:extLst>
-        </p:spPr>
-        <p:txBody>
-          <a:bodyPr wrap="square">
-            <a:spAutoFit/>
-          </a:bodyPr>
-          <a:lstStyle/>
-          <a:p>
-            <a:pPr algn="ctr">
-              <a:lnSpc>
-                <a:spcPct val="100000"/>
-              </a:lnSpc>
-              <a:spcBef>
-                <a:spcPct val="50000"/>
-              </a:spcBef>
-            </a:pPr>
-            <a:r>
-              <a:rPr kumimoji="1" lang="en-US" altLang="ja-JP" sz="2000" b="1" dirty="0" smtClean="0">
-                <a:solidFill>
-                  <a:srgbClr val="000099"/>
-                </a:solidFill>
-                <a:effectLst>
-                  <a:outerShdw blurRad="38100" dist="38100" dir="2700000" algn="tl">
-                    <a:srgbClr val="C0C0C0"/>
-                  </a:outerShdw>
-                </a:effectLst>
-                <a:latin typeface="Arial" panose="020B0604020202020204" pitchFamily="34" charset="0"/>
-                <a:cs typeface="Arial" panose="020B0604020202020204" pitchFamily="34" charset="0"/>
-              </a:rPr>
-              <a:t>Supplier</a:t>
-            </a:r>
-            <a:endParaRPr kumimoji="1" lang="en-US" altLang="ja-JP" sz="2000" b="1" dirty="0">
-              <a:solidFill>
-                <a:srgbClr val="000099"/>
-              </a:solidFill>
-              <a:effectLst>
-                <a:outerShdw blurRad="38100" dist="38100" dir="2700000" algn="tl">
-                  <a:srgbClr val="C0C0C0"/>
-                </a:outerShdw>
-              </a:effectLst>
-              <a:latin typeface="Arial" panose="020B0604020202020204" pitchFamily="34" charset="0"/>
-              <a:cs typeface="Arial" panose="020B0604020202020204" pitchFamily="34" charset="0"/>
-            </a:endParaRPr>
-          </a:p>
-        </p:txBody>
-      </p:sp>
-      <p:sp>
-        <p:nvSpPr>
-          <p:cNvPr id="64" name="Freeform 63"/>
+          <p:cNvPr id="101" name="Right Arrow 100"/>
           <p:cNvSpPr/>
           <p:nvPr/>
         </p:nvSpPr>
         <p:spPr>
           <a:xfrm>
-            <a:off x="5326027" y="4710582"/>
-            <a:ext cx="682373" cy="45719"/>
+            <a:off x="5679301" y="3000167"/>
+            <a:ext cx="264299" cy="199246"/>
           </a:xfrm>
-          <a:custGeom>
+          <a:prstGeom prst="rightArrow">
             <a:avLst/>
-            <a:gdLst>
-              <a:gd name="connsiteX0" fmla="*/ 0 w 1991213"/>
-              <a:gd name="connsiteY0" fmla="*/ 250746 h 612005"/>
-              <a:gd name="connsiteX1" fmla="*/ 1229194 w 1991213"/>
-              <a:gd name="connsiteY1" fmla="*/ 10904 h 612005"/>
-              <a:gd name="connsiteX2" fmla="*/ 1933731 w 1991213"/>
-              <a:gd name="connsiteY2" fmla="*/ 565540 h 612005"/>
-              <a:gd name="connsiteX3" fmla="*/ 1948721 w 1991213"/>
-              <a:gd name="connsiteY3" fmla="*/ 580530 h 612005"/>
-              <a:gd name="connsiteX4" fmla="*/ 1978702 w 1991213"/>
-              <a:gd name="connsiteY4" fmla="*/ 610510 h 612005"/>
-            </a:gdLst>
-            <a:ahLst/>
-            <a:cxnLst>
-              <a:cxn ang="0">
-                <a:pos x="connsiteX0" y="connsiteY0"/>
-              </a:cxn>
-              <a:cxn ang="0">
-                <a:pos x="connsiteX1" y="connsiteY1"/>
-              </a:cxn>
-              <a:cxn ang="0">
-                <a:pos x="connsiteX2" y="connsiteY2"/>
-              </a:cxn>
-              <a:cxn ang="0">
-                <a:pos x="connsiteX3" y="connsiteY3"/>
-              </a:cxn>
-              <a:cxn ang="0">
-                <a:pos x="connsiteX4" y="connsiteY4"/>
-              </a:cxn>
-            </a:cxnLst>
-            <a:rect l="l" t="t" r="r" b="b"/>
-            <a:pathLst>
-              <a:path w="1991213" h="612005">
-                <a:moveTo>
-                  <a:pt x="0" y="250746"/>
-                </a:moveTo>
-                <a:cubicBezTo>
-                  <a:pt x="453452" y="104592"/>
-                  <a:pt x="906905" y="-41562"/>
-                  <a:pt x="1229194" y="10904"/>
-                </a:cubicBezTo>
-                <a:cubicBezTo>
-                  <a:pt x="1551483" y="63370"/>
-                  <a:pt x="1813810" y="470602"/>
-                  <a:pt x="1933731" y="565540"/>
-                </a:cubicBezTo>
-                <a:cubicBezTo>
-                  <a:pt x="2053652" y="660478"/>
-                  <a:pt x="1948721" y="580530"/>
-                  <a:pt x="1948721" y="580530"/>
-                </a:cubicBezTo>
-                <a:lnTo>
-                  <a:pt x="1978702" y="610510"/>
-                </a:lnTo>
-              </a:path>
-            </a:pathLst>
-          </a:custGeom>
-          <a:noFill/>
-          <a:ln>
-            <a:solidFill>
-              <a:srgbClr val="2313F3"/>
-            </a:solidFill>
-            <a:prstDash val="sysDash"/>
-            <a:headEnd type="arrow" w="med" len="med"/>
-            <a:tailEnd type="arrow" w="med" len="med"/>
-          </a:ln>
+          </a:prstGeom>
         </p:spPr>
         <p:style>
           <a:lnRef idx="2">
@@ -36920,16 +40178,53 @@
           <a:lstStyle/>
           <a:p>
             <a:pPr algn="ctr"/>
-            <a:endParaRPr lang="en-US">
-              <a:latin typeface="Arial" panose="020B0604020202020204" pitchFamily="34" charset="0"/>
-              <a:cs typeface="Arial" panose="020B0604020202020204" pitchFamily="34" charset="0"/>
-            </a:endParaRPr>
+            <a:endParaRPr lang="en-US"/>
           </a:p>
         </p:txBody>
       </p:sp>
       <p:sp>
         <p:nvSpPr>
-          <p:cNvPr id="65" name="Text Box 113"/>
+          <p:cNvPr id="120" name="Down Arrow 119"/>
+          <p:cNvSpPr/>
+          <p:nvPr/>
+        </p:nvSpPr>
+        <p:spPr>
+          <a:xfrm>
+            <a:off x="6875561" y="3297631"/>
+            <a:ext cx="211039" cy="359969"/>
+          </a:xfrm>
+          <a:prstGeom prst="downArrow">
+            <a:avLst/>
+          </a:prstGeom>
+        </p:spPr>
+        <p:style>
+          <a:lnRef idx="2">
+            <a:schemeClr val="accent1">
+              <a:shade val="50000"/>
+            </a:schemeClr>
+          </a:lnRef>
+          <a:fillRef idx="1">
+            <a:schemeClr val="accent1"/>
+          </a:fillRef>
+          <a:effectRef idx="0">
+            <a:schemeClr val="accent1"/>
+          </a:effectRef>
+          <a:fontRef idx="minor">
+            <a:schemeClr val="lt1"/>
+          </a:fontRef>
+        </p:style>
+        <p:txBody>
+          <a:bodyPr rtlCol="0" anchor="ctr"/>
+          <a:lstStyle/>
+          <a:p>
+            <a:pPr algn="ctr"/>
+            <a:endParaRPr lang="en-US"/>
+          </a:p>
+        </p:txBody>
+      </p:sp>
+      <p:sp>
+        <p:nvSpPr>
+          <p:cNvPr id="122" name="Text Box 80"/>
           <p:cNvSpPr txBox="1">
             <a:spLocks noChangeArrowheads="1"/>
           </p:cNvSpPr>
@@ -36937,115 +40232,8 @@
         </p:nvSpPr>
         <p:spPr bwMode="auto">
           <a:xfrm>
-            <a:off x="6338455" y="4894868"/>
-            <a:ext cx="786979" cy="400110"/>
-          </a:xfrm>
-          <a:prstGeom prst="rect">
-            <a:avLst/>
-          </a:prstGeom>
-          <a:noFill/>
-          <a:ln>
-            <a:noFill/>
-          </a:ln>
-          <a:effectLst/>
-          <a:extLst>
-            <a:ext uri="{909E8E84-426E-40DD-AFC4-6F175D3DCCD1}">
-              <a14:hiddenFill xmlns:a14="http://schemas.microsoft.com/office/drawing/2010/main">
-                <a:solidFill>
-                  <a:schemeClr val="accent1"/>
-                </a:solidFill>
-              </a14:hiddenFill>
-            </a:ext>
-            <a:ext uri="{91240B29-F687-4F45-9708-019B960494DF}">
-              <a14:hiddenLine xmlns:a14="http://schemas.microsoft.com/office/drawing/2010/main" w="9525">
-                <a:solidFill>
-                  <a:schemeClr val="tx1"/>
-                </a:solidFill>
-                <a:miter lim="800000"/>
-                <a:headEnd/>
-                <a:tailEnd/>
-              </a14:hiddenLine>
-            </a:ext>
-            <a:ext uri="{AF507438-7753-43E0-B8FC-AC1667EBCBE1}">
-              <a14:hiddenEffects xmlns:a14="http://schemas.microsoft.com/office/drawing/2010/main">
-                <a:effectLst>
-                  <a:outerShdw dist="35921" dir="2700000" algn="ctr" rotWithShape="0">
-                    <a:schemeClr val="bg2"/>
-                  </a:outerShdw>
-                </a:effectLst>
-              </a14:hiddenEffects>
-            </a:ext>
-          </a:extLst>
-        </p:spPr>
-        <p:txBody>
-          <a:bodyPr wrap="square">
-            <a:spAutoFit/>
-          </a:bodyPr>
-          <a:lstStyle/>
-          <a:p>
-            <a:pPr algn="ctr">
-              <a:lnSpc>
-                <a:spcPct val="100000"/>
-              </a:lnSpc>
-              <a:spcBef>
-                <a:spcPct val="50000"/>
-              </a:spcBef>
-            </a:pPr>
-            <a:r>
-              <a:rPr kumimoji="1" lang="en-US" altLang="ja-JP" sz="2000" b="1" dirty="0" smtClean="0">
-                <a:solidFill>
-                  <a:srgbClr val="000099"/>
-                </a:solidFill>
-                <a:effectLst>
-                  <a:outerShdw blurRad="38100" dist="38100" dir="2700000" algn="tl">
-                    <a:srgbClr val="C0C0C0"/>
-                  </a:outerShdw>
-                </a:effectLst>
-                <a:latin typeface="Arial" panose="020B0604020202020204" pitchFamily="34" charset="0"/>
-                <a:cs typeface="Arial" panose="020B0604020202020204" pitchFamily="34" charset="0"/>
-              </a:rPr>
-              <a:t>SAP</a:t>
-            </a:r>
-            <a:endParaRPr kumimoji="1" lang="en-US" altLang="ja-JP" sz="2000" b="1" dirty="0">
-              <a:solidFill>
-                <a:srgbClr val="000099"/>
-              </a:solidFill>
-              <a:effectLst>
-                <a:outerShdw blurRad="38100" dist="38100" dir="2700000" algn="tl">
-                  <a:srgbClr val="C0C0C0"/>
-                </a:outerShdw>
-              </a:effectLst>
-              <a:latin typeface="Arial" panose="020B0604020202020204" pitchFamily="34" charset="0"/>
-              <a:cs typeface="Arial" panose="020B0604020202020204" pitchFamily="34" charset="0"/>
-            </a:endParaRPr>
-          </a:p>
-        </p:txBody>
-      </p:sp>
-      <p:pic>
-        <p:nvPicPr>
-          <p:cNvPr id="67" name="Picture 2"/>
-          <p:cNvPicPr>
-            <a:picLocks noChangeAspect="1" noChangeArrowheads="1"/>
-          </p:cNvPicPr>
-          <p:nvPr/>
-        </p:nvPicPr>
-        <p:blipFill>
-          <a:blip r:embed="rId5">
-            <a:extLst>
-              <a:ext uri="{28A0092B-C50C-407E-A947-70E740481C1C}">
-                <a14:useLocalDpi xmlns:a14="http://schemas.microsoft.com/office/drawing/2010/main" val="0"/>
-              </a:ext>
-            </a:extLst>
-          </a:blip>
-          <a:srcRect/>
-          <a:stretch>
-            <a:fillRect/>
-          </a:stretch>
-        </p:blipFill>
-        <p:spPr bwMode="auto">
-          <a:xfrm>
-            <a:off x="3342614" y="5094923"/>
-            <a:ext cx="816492" cy="863825"/>
+            <a:off x="2465220" y="3875458"/>
+            <a:ext cx="3876851" cy="402291"/>
           </a:xfrm>
           <a:prstGeom prst="rect">
             <a:avLst/>
@@ -37058,14 +40246,14 @@
             <a:ext uri="{909E8E84-426E-40DD-AFC4-6F175D3DCCD1}">
               <a14:hiddenFill xmlns:a14="http://schemas.microsoft.com/office/drawing/2010/main">
                 <a:solidFill>
-                  <a:schemeClr val="accent1"/>
+                  <a:srgbClr val="FFFFFF"/>
                 </a:solidFill>
               </a14:hiddenFill>
             </a:ext>
             <a:ext uri="{91240B29-F687-4F45-9708-019B960494DF}">
-              <a14:hiddenLine xmlns:a14="http://schemas.microsoft.com/office/drawing/2010/main" w="9525">
-                <a:solidFill>
-                  <a:schemeClr val="tx1"/>
+              <a14:hiddenLine xmlns:a14="http://schemas.microsoft.com/office/drawing/2010/main" w="9525" algn="ctr">
+                <a:solidFill>
+                  <a:srgbClr val="000000"/>
                 </a:solidFill>
                 <a:miter lim="800000"/>
                 <a:headEnd/>
@@ -37074,56 +40262,153 @@
             </a:ext>
           </a:extLst>
         </p:spPr>
-      </p:pic>
-      <p:sp>
-        <p:nvSpPr>
-          <p:cNvPr id="68" name="AutoShape 83"/>
-          <p:cNvSpPr>
-            <a:spLocks noChangeArrowheads="1"/>
-          </p:cNvSpPr>
-          <p:nvPr/>
-        </p:nvSpPr>
-        <p:spPr bwMode="auto">
-          <a:xfrm rot="1085408">
-            <a:off x="3298291" y="2846201"/>
-            <a:ext cx="801494" cy="176958"/>
-          </a:xfrm>
-          <a:prstGeom prst="notchedRightArrow">
-            <a:avLst>
-              <a:gd name="adj1" fmla="val 50000"/>
-              <a:gd name="adj2" fmla="val 69934"/>
-            </a:avLst>
-          </a:prstGeom>
-          <a:solidFill>
-            <a:srgbClr val="0000FF"/>
-          </a:solidFill>
-          <a:ln w="9525" algn="ctr">
-            <a:solidFill>
-              <a:schemeClr val="tx1"/>
-            </a:solidFill>
-            <a:miter lim="800000"/>
-            <a:headEnd/>
-            <a:tailEnd/>
-          </a:ln>
-          <a:effectLst/>
-          <a:extLst>
-            <a:ext uri="{AF507438-7753-43E0-B8FC-AC1667EBCBE1}">
-              <a14:hiddenEffects xmlns:a14="http://schemas.microsoft.com/office/drawing/2010/main">
-                <a:effectLst>
-                  <a:outerShdw dist="35921" dir="2700000" algn="ctr" rotWithShape="0">
-                    <a:schemeClr val="bg2"/>
-                  </a:outerShdw>
-                </a:effectLst>
-              </a14:hiddenEffects>
-            </a:ext>
-          </a:extLst>
-        </p:spPr>
         <p:txBody>
-          <a:bodyPr wrap="none" anchor="ctr"/>
-          <a:lstStyle/>
+          <a:bodyPr wrap="square" lIns="90000" tIns="46800" rIns="90000" bIns="46800">
+            <a:spAutoFit/>
+          </a:bodyPr>
+          <a:lstStyle>
+            <a:lvl1pPr marL="285750" indent="-285750" eaLnBrk="0" hangingPunct="0">
+              <a:defRPr>
+                <a:solidFill>
+                  <a:schemeClr val="tx1"/>
+                </a:solidFill>
+                <a:latin typeface="Arial" charset="0"/>
+                <a:cs typeface="Arial" charset="0"/>
+              </a:defRPr>
+            </a:lvl1pPr>
+            <a:lvl2pPr marL="742950" indent="-285750" eaLnBrk="0" hangingPunct="0">
+              <a:defRPr>
+                <a:solidFill>
+                  <a:schemeClr val="tx1"/>
+                </a:solidFill>
+                <a:latin typeface="Arial" charset="0"/>
+                <a:cs typeface="Arial" charset="0"/>
+              </a:defRPr>
+            </a:lvl2pPr>
+            <a:lvl3pPr marL="1143000" indent="-228600" eaLnBrk="0" hangingPunct="0">
+              <a:defRPr>
+                <a:solidFill>
+                  <a:schemeClr val="tx1"/>
+                </a:solidFill>
+                <a:latin typeface="Arial" charset="0"/>
+                <a:cs typeface="Arial" charset="0"/>
+              </a:defRPr>
+            </a:lvl3pPr>
+            <a:lvl4pPr marL="1600200" indent="-228600" eaLnBrk="0" hangingPunct="0">
+              <a:defRPr>
+                <a:solidFill>
+                  <a:schemeClr val="tx1"/>
+                </a:solidFill>
+                <a:latin typeface="Arial" charset="0"/>
+                <a:cs typeface="Arial" charset="0"/>
+              </a:defRPr>
+            </a:lvl4pPr>
+            <a:lvl5pPr marL="2057400" indent="-228600" eaLnBrk="0" hangingPunct="0">
+              <a:defRPr>
+                <a:solidFill>
+                  <a:schemeClr val="tx1"/>
+                </a:solidFill>
+                <a:latin typeface="Arial" charset="0"/>
+                <a:cs typeface="Arial" charset="0"/>
+              </a:defRPr>
+            </a:lvl5pPr>
+            <a:lvl6pPr marL="2514600" indent="-228600" eaLnBrk="0" fontAlgn="base" hangingPunct="0">
+              <a:spcBef>
+                <a:spcPct val="0"/>
+              </a:spcBef>
+              <a:spcAft>
+                <a:spcPct val="0"/>
+              </a:spcAft>
+              <a:defRPr>
+                <a:solidFill>
+                  <a:schemeClr val="tx1"/>
+                </a:solidFill>
+                <a:latin typeface="Arial" charset="0"/>
+                <a:cs typeface="Arial" charset="0"/>
+              </a:defRPr>
+            </a:lvl6pPr>
+            <a:lvl7pPr marL="2971800" indent="-228600" eaLnBrk="0" fontAlgn="base" hangingPunct="0">
+              <a:spcBef>
+                <a:spcPct val="0"/>
+              </a:spcBef>
+              <a:spcAft>
+                <a:spcPct val="0"/>
+              </a:spcAft>
+              <a:defRPr>
+                <a:solidFill>
+                  <a:schemeClr val="tx1"/>
+                </a:solidFill>
+                <a:latin typeface="Arial" charset="0"/>
+                <a:cs typeface="Arial" charset="0"/>
+              </a:defRPr>
+            </a:lvl7pPr>
+            <a:lvl8pPr marL="3429000" indent="-228600" eaLnBrk="0" fontAlgn="base" hangingPunct="0">
+              <a:spcBef>
+                <a:spcPct val="0"/>
+              </a:spcBef>
+              <a:spcAft>
+                <a:spcPct val="0"/>
+              </a:spcAft>
+              <a:defRPr>
+                <a:solidFill>
+                  <a:schemeClr val="tx1"/>
+                </a:solidFill>
+                <a:latin typeface="Arial" charset="0"/>
+                <a:cs typeface="Arial" charset="0"/>
+              </a:defRPr>
+            </a:lvl8pPr>
+            <a:lvl9pPr marL="3886200" indent="-228600" eaLnBrk="0" fontAlgn="base" hangingPunct="0">
+              <a:spcBef>
+                <a:spcPct val="0"/>
+              </a:spcBef>
+              <a:spcAft>
+                <a:spcPct val="0"/>
+              </a:spcAft>
+              <a:defRPr>
+                <a:solidFill>
+                  <a:schemeClr val="tx1"/>
+                </a:solidFill>
+                <a:latin typeface="Arial" charset="0"/>
+                <a:cs typeface="Arial" charset="0"/>
+              </a:defRPr>
+            </a:lvl9pPr>
+          </a:lstStyle>
           <a:p>
-            <a:endParaRPr lang="en-US">
+            <a:pPr marL="0" indent="0" eaLnBrk="1" hangingPunct="1">
+              <a:spcBef>
+                <a:spcPct val="30000"/>
+              </a:spcBef>
+              <a:buFont typeface="Wingdings" pitchFamily="2" charset="2"/>
+              <a:buChar char="q"/>
+            </a:pPr>
+            <a:r>
+              <a:rPr kumimoji="1" lang="en-US" altLang="ja-JP" sz="2000" dirty="0" smtClean="0">
+                <a:solidFill>
+                  <a:srgbClr val="0000FF"/>
+                </a:solidFill>
+                <a:latin typeface="Arial" panose="020B0604020202020204" pitchFamily="34" charset="0"/>
+                <a:ea typeface="HGP創英角ｺﾞｼｯｸUB" pitchFamily="50" charset="-128"/>
+                <a:cs typeface="Arial" panose="020B0604020202020204" pitchFamily="34" charset="0"/>
+              </a:rPr>
+              <a:t> </a:t>
+            </a:r>
+            <a:r>
+              <a:rPr kumimoji="1" lang="en-US" altLang="ja-JP" sz="2000" dirty="0" smtClean="0">
+                <a:solidFill>
+                  <a:srgbClr val="0000FF"/>
+                </a:solidFill>
+                <a:latin typeface="Arial" panose="020B0604020202020204" pitchFamily="34" charset="0"/>
+                <a:ea typeface="HGP創英角ｺﾞｼｯｸUB" pitchFamily="50" charset="-128"/>
+                <a:cs typeface="Arial" panose="020B0604020202020204" pitchFamily="34" charset="0"/>
+              </a:rPr>
+              <a:t>Process of system &amp; Target</a:t>
+            </a:r>
+            <a:endParaRPr kumimoji="1" lang="en-US" altLang="ja-JP" sz="2000" dirty="0">
+              <a:solidFill>
+                <a:srgbClr val="0000FF"/>
+              </a:solidFill>
               <a:latin typeface="Arial" panose="020B0604020202020204" pitchFamily="34" charset="0"/>
+              <a:ea typeface="HGP創英角ｺﾞｼｯｸUB" pitchFamily="50" charset="-128"/>
               <a:cs typeface="Arial" panose="020B0604020202020204" pitchFamily="34" charset="0"/>
             </a:endParaRPr>
           </a:p>
@@ -37131,54 +40416,2361 @@
       </p:sp>
       <p:sp>
         <p:nvSpPr>
-          <p:cNvPr id="69" name="AutoShape 83"/>
-          <p:cNvSpPr>
+          <p:cNvPr id="151" name="Rectangle: Rounded Corners 5">
+            <a:extLst>
+              <a:ext uri="{FF2B5EF4-FFF2-40B4-BE49-F238E27FC236}">
+                <a16:creationId xmlns:a16="http://schemas.microsoft.com/office/drawing/2014/main" id="{00000000-0008-0000-0000-000006000000}"/>
+              </a:ext>
+            </a:extLst>
+          </p:cNvPr>
+          <p:cNvSpPr/>
+          <p:nvPr/>
+        </p:nvSpPr>
+        <p:spPr>
+          <a:xfrm>
+            <a:off x="3470400" y="4267200"/>
+            <a:ext cx="1558799" cy="390717"/>
+          </a:xfrm>
+          <a:prstGeom prst="roundRect">
+            <a:avLst>
+              <a:gd name="adj" fmla="val 16667"/>
+            </a:avLst>
+          </a:prstGeom>
+          <a:solidFill>
+            <a:srgbClr val="ED7D31"/>
+          </a:solidFill>
+          <a:ln w="25560">
+            <a:solidFill>
+              <a:srgbClr val="FFFFFF"/>
+            </a:solidFill>
+            <a:round/>
+          </a:ln>
+        </p:spPr>
+        <p:style>
+          <a:lnRef idx="0">
+            <a:scrgbClr r="0" g="0" b="0"/>
+          </a:lnRef>
+          <a:fillRef idx="0">
+            <a:scrgbClr r="0" g="0" b="0"/>
+          </a:fillRef>
+          <a:effectRef idx="0">
+            <a:scrgbClr r="0" g="0" b="0"/>
+          </a:effectRef>
+          <a:fontRef idx="minor"/>
+        </p:style>
+        <p:txBody>
+          <a:bodyPr lIns="57240" tIns="57240" rIns="57240" bIns="57240" numCol="1" spcCol="1440" anchor="ctr">
+            <a:noAutofit/>
+          </a:bodyPr>
+          <a:lstStyle>
+            <a:lvl1pPr marL="0" indent="0">
+              <a:defRPr sz="1100">
+                <a:latin typeface="+mn-lt"/>
+                <a:ea typeface="+mn-ea"/>
+                <a:cs typeface="+mn-cs"/>
+              </a:defRPr>
+            </a:lvl1pPr>
+            <a:lvl2pPr marL="457200" indent="0">
+              <a:defRPr sz="1100">
+                <a:latin typeface="+mn-lt"/>
+                <a:ea typeface="+mn-ea"/>
+                <a:cs typeface="+mn-cs"/>
+              </a:defRPr>
+            </a:lvl2pPr>
+            <a:lvl3pPr marL="914400" indent="0">
+              <a:defRPr sz="1100">
+                <a:latin typeface="+mn-lt"/>
+                <a:ea typeface="+mn-ea"/>
+                <a:cs typeface="+mn-cs"/>
+              </a:defRPr>
+            </a:lvl3pPr>
+            <a:lvl4pPr marL="1371600" indent="0">
+              <a:defRPr sz="1100">
+                <a:latin typeface="+mn-lt"/>
+                <a:ea typeface="+mn-ea"/>
+                <a:cs typeface="+mn-cs"/>
+              </a:defRPr>
+            </a:lvl4pPr>
+            <a:lvl5pPr marL="1828800" indent="0">
+              <a:defRPr sz="1100">
+                <a:latin typeface="+mn-lt"/>
+                <a:ea typeface="+mn-ea"/>
+                <a:cs typeface="+mn-cs"/>
+              </a:defRPr>
+            </a:lvl5pPr>
+            <a:lvl6pPr marL="2286000" indent="0">
+              <a:defRPr sz="1100">
+                <a:latin typeface="+mn-lt"/>
+                <a:ea typeface="+mn-ea"/>
+                <a:cs typeface="+mn-cs"/>
+              </a:defRPr>
+            </a:lvl6pPr>
+            <a:lvl7pPr marL="2743200" indent="0">
+              <a:defRPr sz="1100">
+                <a:latin typeface="+mn-lt"/>
+                <a:ea typeface="+mn-ea"/>
+                <a:cs typeface="+mn-cs"/>
+              </a:defRPr>
+            </a:lvl7pPr>
+            <a:lvl8pPr marL="3200400" indent="0">
+              <a:defRPr sz="1100">
+                <a:latin typeface="+mn-lt"/>
+                <a:ea typeface="+mn-ea"/>
+                <a:cs typeface="+mn-cs"/>
+              </a:defRPr>
+            </a:lvl8pPr>
+            <a:lvl9pPr marL="3657600" indent="0">
+              <a:defRPr sz="1100">
+                <a:latin typeface="+mn-lt"/>
+                <a:ea typeface="+mn-ea"/>
+                <a:cs typeface="+mn-cs"/>
+              </a:defRPr>
+            </a:lvl9pPr>
+          </a:lstStyle>
+          <a:p>
+            <a:pPr algn="ctr" defTabSz="666720">
+              <a:lnSpc>
+                <a:spcPct val="90000"/>
+              </a:lnSpc>
+              <a:spcAft>
+                <a:spcPts val="524"/>
+              </a:spcAft>
+              <a:tabLst>
+                <a:tab pos="0" algn="l"/>
+              </a:tabLst>
+            </a:pPr>
+            <a:r>
+              <a:rPr lang="en-US" sz="1600" b="1" strike="noStrike" spc="-1" dirty="0">
+                <a:solidFill>
+                  <a:srgbClr val="002060"/>
+                </a:solidFill>
+                <a:latin typeface="Arial "/>
+                <a:ea typeface="Microsoft YaHei"/>
+              </a:rPr>
+              <a:t>Good receipt</a:t>
+            </a:r>
+            <a:endParaRPr lang="en-US" sz="1600" b="0" strike="noStrike" spc="-1" dirty="0">
+              <a:solidFill>
+                <a:srgbClr val="002060"/>
+              </a:solidFill>
+              <a:latin typeface="Arial "/>
+            </a:endParaRPr>
+          </a:p>
+        </p:txBody>
+      </p:sp>
+      <p:sp>
+        <p:nvSpPr>
+          <p:cNvPr id="152" name="Rectangle: Rounded Corners 7">
+            <a:extLst>
+              <a:ext uri="{FF2B5EF4-FFF2-40B4-BE49-F238E27FC236}">
+                <a16:creationId xmlns:a16="http://schemas.microsoft.com/office/drawing/2014/main" id="{00000000-0008-0000-0000-000008000000}"/>
+              </a:ext>
+            </a:extLst>
+          </p:cNvPr>
+          <p:cNvSpPr/>
+          <p:nvPr/>
+        </p:nvSpPr>
+        <p:spPr>
+          <a:xfrm>
+            <a:off x="5016828" y="4818538"/>
+            <a:ext cx="1044825" cy="481146"/>
+          </a:xfrm>
+          <a:prstGeom prst="roundRect">
+            <a:avLst>
+              <a:gd name="adj" fmla="val 16667"/>
+            </a:avLst>
+          </a:prstGeom>
+          <a:solidFill>
+            <a:srgbClr val="A5A5A5"/>
+          </a:solidFill>
+          <a:ln w="25560">
+            <a:solidFill>
+              <a:srgbClr val="FFFFFF"/>
+            </a:solidFill>
+            <a:round/>
+          </a:ln>
+        </p:spPr>
+        <p:style>
+          <a:lnRef idx="0">
+            <a:scrgbClr r="0" g="0" b="0"/>
+          </a:lnRef>
+          <a:fillRef idx="0">
+            <a:scrgbClr r="0" g="0" b="0"/>
+          </a:fillRef>
+          <a:effectRef idx="0">
+            <a:scrgbClr r="0" g="0" b="0"/>
+          </a:effectRef>
+          <a:fontRef idx="minor"/>
+        </p:style>
+        <p:txBody>
+          <a:bodyPr lIns="57240" tIns="57240" rIns="57240" bIns="57240" numCol="1" spcCol="1440" anchor="ctr">
+            <a:noAutofit/>
+          </a:bodyPr>
+          <a:lstStyle>
+            <a:lvl1pPr marL="0" indent="0">
+              <a:defRPr sz="1100">
+                <a:latin typeface="+mn-lt"/>
+                <a:ea typeface="+mn-ea"/>
+                <a:cs typeface="+mn-cs"/>
+              </a:defRPr>
+            </a:lvl1pPr>
+            <a:lvl2pPr marL="457200" indent="0">
+              <a:defRPr sz="1100">
+                <a:latin typeface="+mn-lt"/>
+                <a:ea typeface="+mn-ea"/>
+                <a:cs typeface="+mn-cs"/>
+              </a:defRPr>
+            </a:lvl2pPr>
+            <a:lvl3pPr marL="914400" indent="0">
+              <a:defRPr sz="1100">
+                <a:latin typeface="+mn-lt"/>
+                <a:ea typeface="+mn-ea"/>
+                <a:cs typeface="+mn-cs"/>
+              </a:defRPr>
+            </a:lvl3pPr>
+            <a:lvl4pPr marL="1371600" indent="0">
+              <a:defRPr sz="1100">
+                <a:latin typeface="+mn-lt"/>
+                <a:ea typeface="+mn-ea"/>
+                <a:cs typeface="+mn-cs"/>
+              </a:defRPr>
+            </a:lvl4pPr>
+            <a:lvl5pPr marL="1828800" indent="0">
+              <a:defRPr sz="1100">
+                <a:latin typeface="+mn-lt"/>
+                <a:ea typeface="+mn-ea"/>
+                <a:cs typeface="+mn-cs"/>
+              </a:defRPr>
+            </a:lvl5pPr>
+            <a:lvl6pPr marL="2286000" indent="0">
+              <a:defRPr sz="1100">
+                <a:latin typeface="+mn-lt"/>
+                <a:ea typeface="+mn-ea"/>
+                <a:cs typeface="+mn-cs"/>
+              </a:defRPr>
+            </a:lvl6pPr>
+            <a:lvl7pPr marL="2743200" indent="0">
+              <a:defRPr sz="1100">
+                <a:latin typeface="+mn-lt"/>
+                <a:ea typeface="+mn-ea"/>
+                <a:cs typeface="+mn-cs"/>
+              </a:defRPr>
+            </a:lvl7pPr>
+            <a:lvl8pPr marL="3200400" indent="0">
+              <a:defRPr sz="1100">
+                <a:latin typeface="+mn-lt"/>
+                <a:ea typeface="+mn-ea"/>
+                <a:cs typeface="+mn-cs"/>
+              </a:defRPr>
+            </a:lvl8pPr>
+            <a:lvl9pPr marL="3657600" indent="0">
+              <a:defRPr sz="1100">
+                <a:latin typeface="+mn-lt"/>
+                <a:ea typeface="+mn-ea"/>
+                <a:cs typeface="+mn-cs"/>
+              </a:defRPr>
+            </a:lvl9pPr>
+          </a:lstStyle>
+          <a:p>
+            <a:pPr algn="ctr" defTabSz="666720">
+              <a:lnSpc>
+                <a:spcPct val="90000"/>
+              </a:lnSpc>
+              <a:spcAft>
+                <a:spcPts val="524"/>
+              </a:spcAft>
+              <a:tabLst>
+                <a:tab pos="0" algn="l"/>
+              </a:tabLst>
+            </a:pPr>
+            <a:r>
+              <a:rPr lang="en-US" sz="1600" b="1" strike="noStrike" spc="-1" dirty="0">
+                <a:solidFill>
+                  <a:srgbClr val="002060"/>
+                </a:solidFill>
+                <a:ea typeface="Microsoft YaHei"/>
+              </a:rPr>
+              <a:t>Transfer</a:t>
+            </a:r>
+            <a:endParaRPr lang="en-US" sz="1600" b="0" strike="noStrike" spc="-1" dirty="0">
+              <a:solidFill>
+                <a:srgbClr val="002060"/>
+              </a:solidFill>
+            </a:endParaRPr>
+          </a:p>
+        </p:txBody>
+      </p:sp>
+      <p:sp>
+        <p:nvSpPr>
+          <p:cNvPr id="153" name="Rectangle: Rounded Corners 9">
+            <a:extLst>
+              <a:ext uri="{FF2B5EF4-FFF2-40B4-BE49-F238E27FC236}">
+                <a16:creationId xmlns:a16="http://schemas.microsoft.com/office/drawing/2014/main" id="{00000000-0008-0000-0000-00000A000000}"/>
+              </a:ext>
+            </a:extLst>
+          </p:cNvPr>
+          <p:cNvSpPr/>
+          <p:nvPr/>
+        </p:nvSpPr>
+        <p:spPr>
+          <a:xfrm>
+            <a:off x="4830470" y="5819299"/>
+            <a:ext cx="1417540" cy="426529"/>
+          </a:xfrm>
+          <a:prstGeom prst="roundRect">
+            <a:avLst>
+              <a:gd name="adj" fmla="val 16667"/>
+            </a:avLst>
+          </a:prstGeom>
+          <a:solidFill>
+            <a:schemeClr val="accent1">
+              <a:lumMod val="60000"/>
+              <a:lumOff val="40000"/>
+            </a:schemeClr>
+          </a:solidFill>
+          <a:ln w="25560">
+            <a:solidFill>
+              <a:srgbClr val="FFFFFF"/>
+            </a:solidFill>
+            <a:round/>
+          </a:ln>
+        </p:spPr>
+        <p:style>
+          <a:lnRef idx="0">
+            <a:scrgbClr r="0" g="0" b="0"/>
+          </a:lnRef>
+          <a:fillRef idx="0">
+            <a:scrgbClr r="0" g="0" b="0"/>
+          </a:fillRef>
+          <a:effectRef idx="0">
+            <a:scrgbClr r="0" g="0" b="0"/>
+          </a:effectRef>
+          <a:fontRef idx="minor"/>
+        </p:style>
+        <p:txBody>
+          <a:bodyPr lIns="57240" tIns="57240" rIns="57240" bIns="57240" numCol="1" spcCol="1440" anchor="ctr">
+            <a:noAutofit/>
+          </a:bodyPr>
+          <a:lstStyle>
+            <a:lvl1pPr marL="0" indent="0">
+              <a:defRPr sz="1100">
+                <a:latin typeface="+mn-lt"/>
+                <a:ea typeface="+mn-ea"/>
+                <a:cs typeface="+mn-cs"/>
+              </a:defRPr>
+            </a:lvl1pPr>
+            <a:lvl2pPr marL="457200" indent="0">
+              <a:defRPr sz="1100">
+                <a:latin typeface="+mn-lt"/>
+                <a:ea typeface="+mn-ea"/>
+                <a:cs typeface="+mn-cs"/>
+              </a:defRPr>
+            </a:lvl2pPr>
+            <a:lvl3pPr marL="914400" indent="0">
+              <a:defRPr sz="1100">
+                <a:latin typeface="+mn-lt"/>
+                <a:ea typeface="+mn-ea"/>
+                <a:cs typeface="+mn-cs"/>
+              </a:defRPr>
+            </a:lvl3pPr>
+            <a:lvl4pPr marL="1371600" indent="0">
+              <a:defRPr sz="1100">
+                <a:latin typeface="+mn-lt"/>
+                <a:ea typeface="+mn-ea"/>
+                <a:cs typeface="+mn-cs"/>
+              </a:defRPr>
+            </a:lvl4pPr>
+            <a:lvl5pPr marL="1828800" indent="0">
+              <a:defRPr sz="1100">
+                <a:latin typeface="+mn-lt"/>
+                <a:ea typeface="+mn-ea"/>
+                <a:cs typeface="+mn-cs"/>
+              </a:defRPr>
+            </a:lvl5pPr>
+            <a:lvl6pPr marL="2286000" indent="0">
+              <a:defRPr sz="1100">
+                <a:latin typeface="+mn-lt"/>
+                <a:ea typeface="+mn-ea"/>
+                <a:cs typeface="+mn-cs"/>
+              </a:defRPr>
+            </a:lvl6pPr>
+            <a:lvl7pPr marL="2743200" indent="0">
+              <a:defRPr sz="1100">
+                <a:latin typeface="+mn-lt"/>
+                <a:ea typeface="+mn-ea"/>
+                <a:cs typeface="+mn-cs"/>
+              </a:defRPr>
+            </a:lvl7pPr>
+            <a:lvl8pPr marL="3200400" indent="0">
+              <a:defRPr sz="1100">
+                <a:latin typeface="+mn-lt"/>
+                <a:ea typeface="+mn-ea"/>
+                <a:cs typeface="+mn-cs"/>
+              </a:defRPr>
+            </a:lvl8pPr>
+            <a:lvl9pPr marL="3657600" indent="0">
+              <a:defRPr sz="1100">
+                <a:latin typeface="+mn-lt"/>
+                <a:ea typeface="+mn-ea"/>
+                <a:cs typeface="+mn-cs"/>
+              </a:defRPr>
+            </a:lvl9pPr>
+          </a:lstStyle>
+          <a:p>
+            <a:pPr algn="ctr" defTabSz="666720">
+              <a:lnSpc>
+                <a:spcPct val="90000"/>
+              </a:lnSpc>
+              <a:spcAft>
+                <a:spcPts val="524"/>
+              </a:spcAft>
+              <a:tabLst>
+                <a:tab pos="0" algn="l"/>
+              </a:tabLst>
+            </a:pPr>
+            <a:r>
+              <a:rPr lang="en-US" sz="1600" b="1" strike="noStrike" spc="-1" dirty="0">
+                <a:solidFill>
+                  <a:srgbClr val="002060"/>
+                </a:solidFill>
+                <a:latin typeface="Arial "/>
+                <a:ea typeface="Microsoft YaHei"/>
+              </a:rPr>
+              <a:t>Maintenance</a:t>
+            </a:r>
+            <a:endParaRPr lang="en-US" sz="1600" b="0" strike="noStrike" spc="-1" dirty="0">
+              <a:solidFill>
+                <a:srgbClr val="002060"/>
+              </a:solidFill>
+              <a:latin typeface="Arial "/>
+            </a:endParaRPr>
+          </a:p>
+        </p:txBody>
+      </p:sp>
+      <p:sp>
+        <p:nvSpPr>
+          <p:cNvPr id="154" name="Rectangle: Rounded Corners 11">
+            <a:extLst>
+              <a:ext uri="{FF2B5EF4-FFF2-40B4-BE49-F238E27FC236}">
+                <a16:creationId xmlns:a16="http://schemas.microsoft.com/office/drawing/2014/main" id="{00000000-0008-0000-0000-00000C000000}"/>
+              </a:ext>
+            </a:extLst>
+          </p:cNvPr>
+          <p:cNvSpPr/>
+          <p:nvPr/>
+        </p:nvSpPr>
+        <p:spPr>
+          <a:xfrm>
+            <a:off x="2648685" y="5862724"/>
+            <a:ext cx="1223449" cy="431508"/>
+          </a:xfrm>
+          <a:prstGeom prst="roundRect">
+            <a:avLst>
+              <a:gd name="adj" fmla="val 16667"/>
+            </a:avLst>
+          </a:prstGeom>
+          <a:solidFill>
+            <a:srgbClr val="4472C4"/>
+          </a:solidFill>
+          <a:ln w="25560">
+            <a:solidFill>
+              <a:srgbClr val="FFFFFF"/>
+            </a:solidFill>
+            <a:round/>
+          </a:ln>
+        </p:spPr>
+        <p:style>
+          <a:lnRef idx="0">
+            <a:scrgbClr r="0" g="0" b="0"/>
+          </a:lnRef>
+          <a:fillRef idx="0">
+            <a:scrgbClr r="0" g="0" b="0"/>
+          </a:fillRef>
+          <a:effectRef idx="0">
+            <a:scrgbClr r="0" g="0" b="0"/>
+          </a:effectRef>
+          <a:fontRef idx="minor"/>
+        </p:style>
+        <p:txBody>
+          <a:bodyPr lIns="57240" tIns="57240" rIns="57240" bIns="57240" numCol="1" spcCol="1440" anchor="ctr">
+            <a:noAutofit/>
+          </a:bodyPr>
+          <a:lstStyle>
+            <a:lvl1pPr marL="0" indent="0">
+              <a:defRPr sz="1100">
+                <a:latin typeface="+mn-lt"/>
+                <a:ea typeface="+mn-ea"/>
+                <a:cs typeface="+mn-cs"/>
+              </a:defRPr>
+            </a:lvl1pPr>
+            <a:lvl2pPr marL="457200" indent="0">
+              <a:defRPr sz="1100">
+                <a:latin typeface="+mn-lt"/>
+                <a:ea typeface="+mn-ea"/>
+                <a:cs typeface="+mn-cs"/>
+              </a:defRPr>
+            </a:lvl2pPr>
+            <a:lvl3pPr marL="914400" indent="0">
+              <a:defRPr sz="1100">
+                <a:latin typeface="+mn-lt"/>
+                <a:ea typeface="+mn-ea"/>
+                <a:cs typeface="+mn-cs"/>
+              </a:defRPr>
+            </a:lvl3pPr>
+            <a:lvl4pPr marL="1371600" indent="0">
+              <a:defRPr sz="1100">
+                <a:latin typeface="+mn-lt"/>
+                <a:ea typeface="+mn-ea"/>
+                <a:cs typeface="+mn-cs"/>
+              </a:defRPr>
+            </a:lvl4pPr>
+            <a:lvl5pPr marL="1828800" indent="0">
+              <a:defRPr sz="1100">
+                <a:latin typeface="+mn-lt"/>
+                <a:ea typeface="+mn-ea"/>
+                <a:cs typeface="+mn-cs"/>
+              </a:defRPr>
+            </a:lvl5pPr>
+            <a:lvl6pPr marL="2286000" indent="0">
+              <a:defRPr sz="1100">
+                <a:latin typeface="+mn-lt"/>
+                <a:ea typeface="+mn-ea"/>
+                <a:cs typeface="+mn-cs"/>
+              </a:defRPr>
+            </a:lvl6pPr>
+            <a:lvl7pPr marL="2743200" indent="0">
+              <a:defRPr sz="1100">
+                <a:latin typeface="+mn-lt"/>
+                <a:ea typeface="+mn-ea"/>
+                <a:cs typeface="+mn-cs"/>
+              </a:defRPr>
+            </a:lvl7pPr>
+            <a:lvl8pPr marL="3200400" indent="0">
+              <a:defRPr sz="1100">
+                <a:latin typeface="+mn-lt"/>
+                <a:ea typeface="+mn-ea"/>
+                <a:cs typeface="+mn-cs"/>
+              </a:defRPr>
+            </a:lvl8pPr>
+            <a:lvl9pPr marL="3657600" indent="0">
+              <a:defRPr sz="1100">
+                <a:latin typeface="+mn-lt"/>
+                <a:ea typeface="+mn-ea"/>
+                <a:cs typeface="+mn-cs"/>
+              </a:defRPr>
+            </a:lvl9pPr>
+          </a:lstStyle>
+          <a:p>
+            <a:pPr algn="ctr" defTabSz="666720">
+              <a:lnSpc>
+                <a:spcPct val="90000"/>
+              </a:lnSpc>
+              <a:spcAft>
+                <a:spcPts val="524"/>
+              </a:spcAft>
+              <a:tabLst>
+                <a:tab pos="0" algn="l"/>
+              </a:tabLst>
+            </a:pPr>
+            <a:r>
+              <a:rPr lang="en-US" sz="1600" b="0" strike="noStrike" spc="-1" dirty="0">
+                <a:solidFill>
+                  <a:schemeClr val="lt1"/>
+                </a:solidFill>
+                <a:latin typeface="Arial "/>
+                <a:ea typeface="Microsoft YaHei"/>
+              </a:rPr>
+              <a:t>Inventory</a:t>
+            </a:r>
+            <a:endParaRPr lang="en-US" sz="1600" b="0" strike="noStrike" spc="-1" dirty="0">
+              <a:latin typeface="Arial "/>
+            </a:endParaRPr>
+          </a:p>
+        </p:txBody>
+      </p:sp>
+      <p:sp>
+        <p:nvSpPr>
+          <p:cNvPr id="155" name="Rectangle: Rounded Corners 13">
+            <a:extLst>
+              <a:ext uri="{FF2B5EF4-FFF2-40B4-BE49-F238E27FC236}">
+                <a16:creationId xmlns:a16="http://schemas.microsoft.com/office/drawing/2014/main" id="{00000000-0008-0000-0000-00000E000000}"/>
+              </a:ext>
+            </a:extLst>
+          </p:cNvPr>
+          <p:cNvSpPr/>
+          <p:nvPr/>
+        </p:nvSpPr>
+        <p:spPr>
+          <a:xfrm>
+            <a:off x="2539698" y="4859977"/>
+            <a:ext cx="1007227" cy="442473"/>
+          </a:xfrm>
+          <a:prstGeom prst="roundRect">
+            <a:avLst>
+              <a:gd name="adj" fmla="val 16667"/>
+            </a:avLst>
+          </a:prstGeom>
+          <a:solidFill>
+            <a:srgbClr val="70AD47"/>
+          </a:solidFill>
+          <a:ln w="25560">
+            <a:solidFill>
+              <a:srgbClr val="FFFFFF"/>
+            </a:solidFill>
+            <a:round/>
+          </a:ln>
+        </p:spPr>
+        <p:style>
+          <a:lnRef idx="0">
+            <a:scrgbClr r="0" g="0" b="0"/>
+          </a:lnRef>
+          <a:fillRef idx="0">
+            <a:scrgbClr r="0" g="0" b="0"/>
+          </a:fillRef>
+          <a:effectRef idx="0">
+            <a:scrgbClr r="0" g="0" b="0"/>
+          </a:effectRef>
+          <a:fontRef idx="minor"/>
+        </p:style>
+        <p:txBody>
+          <a:bodyPr lIns="57240" tIns="57240" rIns="57240" bIns="57240" numCol="1" spcCol="1440" anchor="ctr">
+            <a:noAutofit/>
+          </a:bodyPr>
+          <a:lstStyle>
+            <a:lvl1pPr marL="0" indent="0">
+              <a:defRPr sz="1100">
+                <a:latin typeface="+mn-lt"/>
+                <a:ea typeface="+mn-ea"/>
+                <a:cs typeface="+mn-cs"/>
+              </a:defRPr>
+            </a:lvl1pPr>
+            <a:lvl2pPr marL="457200" indent="0">
+              <a:defRPr sz="1100">
+                <a:latin typeface="+mn-lt"/>
+                <a:ea typeface="+mn-ea"/>
+                <a:cs typeface="+mn-cs"/>
+              </a:defRPr>
+            </a:lvl2pPr>
+            <a:lvl3pPr marL="914400" indent="0">
+              <a:defRPr sz="1100">
+                <a:latin typeface="+mn-lt"/>
+                <a:ea typeface="+mn-ea"/>
+                <a:cs typeface="+mn-cs"/>
+              </a:defRPr>
+            </a:lvl3pPr>
+            <a:lvl4pPr marL="1371600" indent="0">
+              <a:defRPr sz="1100">
+                <a:latin typeface="+mn-lt"/>
+                <a:ea typeface="+mn-ea"/>
+                <a:cs typeface="+mn-cs"/>
+              </a:defRPr>
+            </a:lvl4pPr>
+            <a:lvl5pPr marL="1828800" indent="0">
+              <a:defRPr sz="1100">
+                <a:latin typeface="+mn-lt"/>
+                <a:ea typeface="+mn-ea"/>
+                <a:cs typeface="+mn-cs"/>
+              </a:defRPr>
+            </a:lvl5pPr>
+            <a:lvl6pPr marL="2286000" indent="0">
+              <a:defRPr sz="1100">
+                <a:latin typeface="+mn-lt"/>
+                <a:ea typeface="+mn-ea"/>
+                <a:cs typeface="+mn-cs"/>
+              </a:defRPr>
+            </a:lvl6pPr>
+            <a:lvl7pPr marL="2743200" indent="0">
+              <a:defRPr sz="1100">
+                <a:latin typeface="+mn-lt"/>
+                <a:ea typeface="+mn-ea"/>
+                <a:cs typeface="+mn-cs"/>
+              </a:defRPr>
+            </a:lvl7pPr>
+            <a:lvl8pPr marL="3200400" indent="0">
+              <a:defRPr sz="1100">
+                <a:latin typeface="+mn-lt"/>
+                <a:ea typeface="+mn-ea"/>
+                <a:cs typeface="+mn-cs"/>
+              </a:defRPr>
+            </a:lvl8pPr>
+            <a:lvl9pPr marL="3657600" indent="0">
+              <a:defRPr sz="1100">
+                <a:latin typeface="+mn-lt"/>
+                <a:ea typeface="+mn-ea"/>
+                <a:cs typeface="+mn-cs"/>
+              </a:defRPr>
+            </a:lvl9pPr>
+          </a:lstStyle>
+          <a:p>
+            <a:pPr algn="ctr" defTabSz="666720">
+              <a:lnSpc>
+                <a:spcPct val="90000"/>
+              </a:lnSpc>
+              <a:spcAft>
+                <a:spcPts val="524"/>
+              </a:spcAft>
+              <a:tabLst>
+                <a:tab pos="0" algn="l"/>
+              </a:tabLst>
+            </a:pPr>
+            <a:r>
+              <a:rPr lang="en-US" sz="1600" b="1" strike="noStrike" spc="-1" dirty="0">
+                <a:solidFill>
+                  <a:srgbClr val="002060"/>
+                </a:solidFill>
+                <a:latin typeface="Arial "/>
+                <a:ea typeface="Microsoft YaHei"/>
+              </a:rPr>
+              <a:t>Scrap</a:t>
+            </a:r>
+            <a:endParaRPr lang="en-US" sz="1600" b="0" strike="noStrike" spc="-1" dirty="0">
+              <a:solidFill>
+                <a:srgbClr val="002060"/>
+              </a:solidFill>
+              <a:latin typeface="Arial "/>
+            </a:endParaRPr>
+          </a:p>
+        </p:txBody>
+      </p:sp>
+      <p:sp>
+        <p:nvSpPr>
+          <p:cNvPr id="160" name="Freeform: Shape 12">
+            <a:extLst>
+              <a:ext uri="{FF2B5EF4-FFF2-40B4-BE49-F238E27FC236}">
+                <a16:creationId xmlns:a16="http://schemas.microsoft.com/office/drawing/2014/main" id="{00000000-0008-0000-0000-00000D000000}"/>
+              </a:ext>
+            </a:extLst>
+          </p:cNvPr>
+          <p:cNvSpPr/>
+          <p:nvPr/>
+        </p:nvSpPr>
+        <p:spPr>
+          <a:xfrm>
+            <a:off x="3162461" y="4874198"/>
+            <a:ext cx="1345659" cy="1046520"/>
+          </a:xfrm>
+          <a:custGeom>
+            <a:avLst/>
+            <a:gdLst>
+              <a:gd name="textAreaLeft" fmla="*/ 0 w 1434240"/>
+              <a:gd name="textAreaRight" fmla="*/ 1434600 w 1434240"/>
+              <a:gd name="textAreaTop" fmla="*/ 0 h 1046520"/>
+              <a:gd name="textAreaBottom" fmla="*/ 1046880 h 1046520"/>
+            </a:gdLst>
+            <a:ahLst/>
+            <a:cxnLst/>
+            <a:rect l="textAreaLeft" t="textAreaTop" r="textAreaRight" b="textAreaBottom"/>
+            <a:pathLst>
+              <a:path w="3284576" h="3284576">
+                <a:moveTo>
+                  <a:pt x="174199" y="2378376"/>
+                </a:moveTo>
+                <a:arcTo wR="1642288" hR="1642288" stAng="9202269" swAng="1359451"/>
+              </a:path>
+            </a:pathLst>
+          </a:custGeom>
+          <a:noFill/>
+          <a:ln w="9360">
+            <a:solidFill>
+              <a:srgbClr val="4BACC6"/>
+            </a:solidFill>
+            <a:round/>
+            <a:tailEnd type="arrow" w="med" len="med"/>
+          </a:ln>
+        </p:spPr>
+        <p:style>
+          <a:lnRef idx="0">
+            <a:scrgbClr r="0" g="0" b="0"/>
+          </a:lnRef>
+          <a:fillRef idx="0">
+            <a:scrgbClr r="0" g="0" b="0"/>
+          </a:fillRef>
+          <a:effectRef idx="0">
+            <a:scrgbClr r="0" g="0" b="0"/>
+          </a:effectRef>
+          <a:fontRef idx="minor"/>
+        </p:style>
+        <p:txBody>
+          <a:bodyPr/>
+          <a:lstStyle/>
+          <a:p>
+            <a:endParaRPr lang="en-US"/>
+          </a:p>
+        </p:txBody>
+      </p:sp>
+      <p:sp>
+        <p:nvSpPr>
+          <p:cNvPr id="161" name="Freeform: Shape 8">
+            <a:extLst>
+              <a:ext uri="{FF2B5EF4-FFF2-40B4-BE49-F238E27FC236}">
+                <a16:creationId xmlns:a16="http://schemas.microsoft.com/office/drawing/2014/main" id="{00000000-0008-0000-0000-000009000000}"/>
+              </a:ext>
+            </a:extLst>
+          </p:cNvPr>
+          <p:cNvSpPr/>
+          <p:nvPr/>
+        </p:nvSpPr>
+        <p:spPr>
+          <a:xfrm>
+            <a:off x="4107621" y="4803048"/>
+            <a:ext cx="1345659" cy="1143254"/>
+          </a:xfrm>
+          <a:custGeom>
+            <a:avLst/>
+            <a:gdLst>
+              <a:gd name="textAreaLeft" fmla="*/ 0 w 1434240"/>
+              <a:gd name="textAreaRight" fmla="*/ 1434600 w 1434240"/>
+              <a:gd name="textAreaTop" fmla="*/ 0 h 1046520"/>
+              <a:gd name="textAreaBottom" fmla="*/ 1046880 h 1046520"/>
+            </a:gdLst>
+            <a:ahLst/>
+            <a:cxnLst/>
+            <a:rect l="textAreaLeft" t="textAreaTop" r="textAreaRight" b="textAreaBottom"/>
+            <a:pathLst>
+              <a:path w="3284576" h="3284576">
+                <a:moveTo>
+                  <a:pt x="3280633" y="1756028"/>
+                </a:moveTo>
+                <a:arcTo wR="1642288" hR="1642288" stAng="21838279" swAng="1359451"/>
+              </a:path>
+            </a:pathLst>
+          </a:custGeom>
+          <a:noFill/>
+          <a:ln w="9360">
+            <a:solidFill>
+              <a:srgbClr val="9BBB59"/>
+            </a:solidFill>
+            <a:round/>
+            <a:tailEnd type="arrow" w="med" len="med"/>
+          </a:ln>
+        </p:spPr>
+        <p:style>
+          <a:lnRef idx="0">
+            <a:scrgbClr r="0" g="0" b="0"/>
+          </a:lnRef>
+          <a:fillRef idx="0">
+            <a:scrgbClr r="0" g="0" b="0"/>
+          </a:fillRef>
+          <a:effectRef idx="0">
+            <a:scrgbClr r="0" g="0" b="0"/>
+          </a:effectRef>
+          <a:fontRef idx="minor"/>
+        </p:style>
+        <p:txBody>
+          <a:bodyPr/>
+          <a:lstStyle/>
+          <a:p>
+            <a:endParaRPr lang="en-US"/>
+          </a:p>
+        </p:txBody>
+      </p:sp>
+      <p:sp>
+        <p:nvSpPr>
+          <p:cNvPr id="162" name="Freeform: Shape 6">
+            <a:extLst>
+              <a:ext uri="{FF2B5EF4-FFF2-40B4-BE49-F238E27FC236}">
+                <a16:creationId xmlns:a16="http://schemas.microsoft.com/office/drawing/2014/main" id="{00000000-0008-0000-0000-000007000000}"/>
+              </a:ext>
+            </a:extLst>
+          </p:cNvPr>
+          <p:cNvSpPr/>
+          <p:nvPr/>
+        </p:nvSpPr>
+        <p:spPr>
+          <a:xfrm>
+            <a:off x="4107620" y="4514339"/>
+            <a:ext cx="1345659" cy="1046520"/>
+          </a:xfrm>
+          <a:custGeom>
+            <a:avLst/>
+            <a:gdLst>
+              <a:gd name="textAreaLeft" fmla="*/ 0 w 1434240"/>
+              <a:gd name="textAreaRight" fmla="*/ 1434600 w 1434240"/>
+              <a:gd name="textAreaTop" fmla="*/ 0 h 1046520"/>
+              <a:gd name="textAreaBottom" fmla="*/ 1046880 h 1046520"/>
+            </a:gdLst>
+            <a:ahLst/>
+            <a:cxnLst/>
+            <a:rect l="textAreaLeft" t="textAreaTop" r="textAreaRight" b="textAreaBottom"/>
+            <a:pathLst>
+              <a:path w="3284576" h="3284576">
+                <a:moveTo>
+                  <a:pt x="2444186" y="209085"/>
+                </a:moveTo>
+                <a:arcTo wR="1642288" hR="1642288" stAng="17953659" swAng="1211183"/>
+              </a:path>
+            </a:pathLst>
+          </a:custGeom>
+          <a:noFill/>
+          <a:ln w="9360">
+            <a:solidFill>
+              <a:srgbClr val="C0504D"/>
+            </a:solidFill>
+            <a:round/>
+            <a:tailEnd type="arrow" w="med" len="med"/>
+          </a:ln>
+        </p:spPr>
+        <p:style>
+          <a:lnRef idx="0">
+            <a:scrgbClr r="0" g="0" b="0"/>
+          </a:lnRef>
+          <a:fillRef idx="0">
+            <a:scrgbClr r="0" g="0" b="0"/>
+          </a:fillRef>
+          <a:effectRef idx="0">
+            <a:scrgbClr r="0" g="0" b="0"/>
+          </a:effectRef>
+          <a:fontRef idx="minor"/>
+        </p:style>
+        <p:txBody>
+          <a:bodyPr/>
+          <a:lstStyle/>
+          <a:p>
+            <a:endParaRPr lang="en-US"/>
+          </a:p>
+        </p:txBody>
+      </p:sp>
+      <p:sp>
+        <p:nvSpPr>
+          <p:cNvPr id="163" name="Freeform: Shape 14">
+            <a:extLst>
+              <a:ext uri="{FF2B5EF4-FFF2-40B4-BE49-F238E27FC236}">
+                <a16:creationId xmlns:a16="http://schemas.microsoft.com/office/drawing/2014/main" id="{00000000-0008-0000-0000-00000F000000}"/>
+              </a:ext>
+            </a:extLst>
+          </p:cNvPr>
+          <p:cNvSpPr/>
+          <p:nvPr/>
+        </p:nvSpPr>
+        <p:spPr>
+          <a:xfrm>
+            <a:off x="2846595" y="4526560"/>
+            <a:ext cx="1345659" cy="1046520"/>
+          </a:xfrm>
+          <a:custGeom>
+            <a:avLst/>
+            <a:gdLst>
+              <a:gd name="textAreaLeft" fmla="*/ 0 w 1434240"/>
+              <a:gd name="textAreaRight" fmla="*/ 1434600 w 1434240"/>
+              <a:gd name="textAreaTop" fmla="*/ 0 h 1046520"/>
+              <a:gd name="textAreaBottom" fmla="*/ 1046880 h 1046520"/>
+            </a:gdLst>
+            <a:ahLst/>
+            <a:cxnLst/>
+            <a:rect l="textAreaLeft" t="textAreaTop" r="textAreaRight" b="textAreaBottom"/>
+            <a:pathLst>
+              <a:path w="3284576" h="3284576">
+                <a:moveTo>
+                  <a:pt x="395084" y="573834"/>
+                </a:moveTo>
+                <a:arcTo wR="1642288" hR="1642288" stAng="13235158" swAng="1211183"/>
+              </a:path>
+            </a:pathLst>
+          </a:custGeom>
+          <a:noFill/>
+          <a:ln w="9360">
+            <a:solidFill>
+              <a:srgbClr val="F79646"/>
+            </a:solidFill>
+            <a:round/>
+            <a:tailEnd type="arrow" w="med" len="med"/>
+          </a:ln>
+        </p:spPr>
+        <p:style>
+          <a:lnRef idx="0">
+            <a:scrgbClr r="0" g="0" b="0"/>
+          </a:lnRef>
+          <a:fillRef idx="0">
+            <a:scrgbClr r="0" g="0" b="0"/>
+          </a:fillRef>
+          <a:effectRef idx="0">
+            <a:scrgbClr r="0" g="0" b="0"/>
+          </a:effectRef>
+          <a:fontRef idx="minor"/>
+        </p:style>
+        <p:txBody>
+          <a:bodyPr/>
+          <a:lstStyle/>
+          <a:p>
+            <a:endParaRPr lang="en-US"/>
+          </a:p>
+        </p:txBody>
+      </p:sp>
+      <p:sp>
+        <p:nvSpPr>
+          <p:cNvPr id="176" name="Freeform: Shape 10">
+            <a:extLst>
+              <a:ext uri="{FF2B5EF4-FFF2-40B4-BE49-F238E27FC236}">
+                <a16:creationId xmlns:a16="http://schemas.microsoft.com/office/drawing/2014/main" id="{00000000-0008-0000-0000-00000B000000}"/>
+              </a:ext>
+            </a:extLst>
+          </p:cNvPr>
+          <p:cNvSpPr/>
+          <p:nvPr/>
+        </p:nvSpPr>
+        <p:spPr>
+          <a:xfrm>
+            <a:off x="3759861" y="5072304"/>
+            <a:ext cx="1345659" cy="1046520"/>
+          </a:xfrm>
+          <a:custGeom>
+            <a:avLst/>
+            <a:gdLst>
+              <a:gd name="textAreaLeft" fmla="*/ 0 w 1434240"/>
+              <a:gd name="textAreaRight" fmla="*/ 1434600 w 1434240"/>
+              <a:gd name="textAreaTop" fmla="*/ 0 h 1046520"/>
+              <a:gd name="textAreaBottom" fmla="*/ 1046880 h 1046520"/>
+            </a:gdLst>
+            <a:ahLst/>
+            <a:cxnLst/>
+            <a:rect l="textAreaLeft" t="textAreaTop" r="textAreaRight" b="textAreaBottom"/>
+            <a:pathLst>
+              <a:path w="3284576" h="3284576">
+                <a:moveTo>
+                  <a:pt x="1843741" y="3272173"/>
+                </a:moveTo>
+                <a:arcTo wR="1642288" hR="1642288" stAng="4977240" swAng="845520"/>
+              </a:path>
+            </a:pathLst>
+          </a:custGeom>
+          <a:noFill/>
+          <a:ln w="9360">
+            <a:solidFill>
+              <a:srgbClr val="8064A2"/>
+            </a:solidFill>
+            <a:round/>
+            <a:tailEnd type="arrow" w="med" len="med"/>
+          </a:ln>
+        </p:spPr>
+        <p:style>
+          <a:lnRef idx="0">
+            <a:scrgbClr r="0" g="0" b="0"/>
+          </a:lnRef>
+          <a:fillRef idx="0">
+            <a:scrgbClr r="0" g="0" b="0"/>
+          </a:fillRef>
+          <a:effectRef idx="0">
+            <a:scrgbClr r="0" g="0" b="0"/>
+          </a:effectRef>
+          <a:fontRef idx="minor"/>
+        </p:style>
+        <p:txBody>
+          <a:bodyPr/>
+          <a:lstStyle/>
+          <a:p>
+            <a:endParaRPr lang="en-US"/>
+          </a:p>
+        </p:txBody>
+      </p:sp>
+      <p:grpSp>
+        <p:nvGrpSpPr>
+          <p:cNvPr id="177" name="Group 176">
+            <a:extLst>
+              <a:ext uri="{FF2B5EF4-FFF2-40B4-BE49-F238E27FC236}">
+                <a16:creationId xmlns:a16="http://schemas.microsoft.com/office/drawing/2014/main" id="{00000000-0008-0000-0000-000010000000}"/>
+              </a:ext>
+            </a:extLst>
+          </p:cNvPr>
+          <p:cNvGrpSpPr/>
+          <p:nvPr/>
+        </p:nvGrpSpPr>
+        <p:grpSpPr>
+          <a:xfrm>
+            <a:off x="3583974" y="4779030"/>
+            <a:ext cx="1277299" cy="1108201"/>
+            <a:chOff x="0" y="0"/>
+            <a:chExt cx="722880" cy="687960"/>
+          </a:xfrm>
+        </p:grpSpPr>
+        <p:pic>
+          <p:nvPicPr>
+            <p:cNvPr id="178" name="図 1">
+              <a:extLst>
+                <a:ext uri="{FF2B5EF4-FFF2-40B4-BE49-F238E27FC236}">
+                  <a16:creationId xmlns:a16="http://schemas.microsoft.com/office/drawing/2014/main" id="{00000000-0008-0000-0000-000011000000}"/>
+                </a:ext>
+              </a:extLst>
+            </p:cNvPr>
+            <p:cNvPicPr/>
+            <p:nvPr/>
+          </p:nvPicPr>
+          <p:blipFill>
+            <a:blip r:embed="rId16"/>
+            <a:stretch/>
+          </p:blipFill>
+          <p:spPr>
+            <a:xfrm>
+              <a:off x="86040" y="38520"/>
+              <a:ext cx="134640" cy="236160"/>
+            </a:xfrm>
+            <a:prstGeom prst="rect">
+              <a:avLst/>
+            </a:prstGeom>
+            <a:ln w="0">
+              <a:noFill/>
+            </a:ln>
+          </p:spPr>
+        </p:pic>
+        <p:pic>
+          <p:nvPicPr>
+            <p:cNvPr id="179" name="Picture 178" descr="C:\Program Files\Microsoft Office\MEDIA\CAGCAT10\j0285750.wmf">
+              <a:extLst>
+                <a:ext uri="{FF2B5EF4-FFF2-40B4-BE49-F238E27FC236}">
+                  <a16:creationId xmlns:a16="http://schemas.microsoft.com/office/drawing/2014/main" id="{00000000-0008-0000-0000-000012000000}"/>
+                </a:ext>
+              </a:extLst>
+            </p:cNvPr>
+            <p:cNvPicPr/>
+            <p:nvPr/>
+          </p:nvPicPr>
+          <p:blipFill>
+            <a:blip r:embed="rId17"/>
+            <a:stretch/>
+          </p:blipFill>
+          <p:spPr>
+            <a:xfrm>
+              <a:off x="321120" y="45720"/>
+              <a:ext cx="325800" cy="152280"/>
+            </a:xfrm>
+            <a:prstGeom prst="rect">
+              <a:avLst/>
+            </a:prstGeom>
+            <a:ln w="0">
+              <a:noFill/>
+            </a:ln>
+          </p:spPr>
+        </p:pic>
+        <p:sp>
+          <p:nvSpPr>
+            <p:cNvPr id="180" name="フローチャート : 磁気ディスク 1">
+              <a:extLst>
+                <a:ext uri="{FF2B5EF4-FFF2-40B4-BE49-F238E27FC236}">
+                  <a16:creationId xmlns:a16="http://schemas.microsoft.com/office/drawing/2014/main" id="{00000000-0008-0000-0000-000013000000}"/>
+                </a:ext>
+              </a:extLst>
+            </p:cNvPr>
+            <p:cNvSpPr/>
+            <p:nvPr/>
+          </p:nvSpPr>
+          <p:spPr>
+            <a:xfrm>
+              <a:off x="177773" y="479520"/>
+              <a:ext cx="433502" cy="208440"/>
+            </a:xfrm>
+            <a:prstGeom prst="flowChartMagneticDisk">
+              <a:avLst/>
+            </a:prstGeom>
+            <a:solidFill>
+              <a:srgbClr val="5B9BD5"/>
+            </a:solidFill>
+            <a:ln w="25560">
+              <a:solidFill>
+                <a:srgbClr val="3A5F8B"/>
+              </a:solidFill>
+              <a:round/>
+            </a:ln>
+          </p:spPr>
+          <p:style>
+            <a:lnRef idx="0">
+              <a:scrgbClr r="0" g="0" b="0"/>
+            </a:lnRef>
+            <a:fillRef idx="0">
+              <a:scrgbClr r="0" g="0" b="0"/>
+            </a:fillRef>
+            <a:effectRef idx="0">
+              <a:scrgbClr r="0" g="0" b="0"/>
+            </a:effectRef>
+            <a:fontRef idx="minor"/>
+          </p:style>
+          <p:txBody>
+            <a:bodyPr lIns="90000" tIns="45000" rIns="90000" bIns="45000" anchor="ctr">
+              <a:noAutofit/>
+            </a:bodyPr>
+            <a:lstStyle>
+              <a:lvl1pPr marL="0" indent="0">
+                <a:defRPr sz="1100">
+                  <a:latin typeface="+mn-lt"/>
+                  <a:ea typeface="+mn-ea"/>
+                  <a:cs typeface="+mn-cs"/>
+                </a:defRPr>
+              </a:lvl1pPr>
+              <a:lvl2pPr marL="457200" indent="0">
+                <a:defRPr sz="1100">
+                  <a:latin typeface="+mn-lt"/>
+                  <a:ea typeface="+mn-ea"/>
+                  <a:cs typeface="+mn-cs"/>
+                </a:defRPr>
+              </a:lvl2pPr>
+              <a:lvl3pPr marL="914400" indent="0">
+                <a:defRPr sz="1100">
+                  <a:latin typeface="+mn-lt"/>
+                  <a:ea typeface="+mn-ea"/>
+                  <a:cs typeface="+mn-cs"/>
+                </a:defRPr>
+              </a:lvl3pPr>
+              <a:lvl4pPr marL="1371600" indent="0">
+                <a:defRPr sz="1100">
+                  <a:latin typeface="+mn-lt"/>
+                  <a:ea typeface="+mn-ea"/>
+                  <a:cs typeface="+mn-cs"/>
+                </a:defRPr>
+              </a:lvl4pPr>
+              <a:lvl5pPr marL="1828800" indent="0">
+                <a:defRPr sz="1100">
+                  <a:latin typeface="+mn-lt"/>
+                  <a:ea typeface="+mn-ea"/>
+                  <a:cs typeface="+mn-cs"/>
+                </a:defRPr>
+              </a:lvl5pPr>
+              <a:lvl6pPr marL="2286000" indent="0">
+                <a:defRPr sz="1100">
+                  <a:latin typeface="+mn-lt"/>
+                  <a:ea typeface="+mn-ea"/>
+                  <a:cs typeface="+mn-cs"/>
+                </a:defRPr>
+              </a:lvl6pPr>
+              <a:lvl7pPr marL="2743200" indent="0">
+                <a:defRPr sz="1100">
+                  <a:latin typeface="+mn-lt"/>
+                  <a:ea typeface="+mn-ea"/>
+                  <a:cs typeface="+mn-cs"/>
+                </a:defRPr>
+              </a:lvl7pPr>
+              <a:lvl8pPr marL="3200400" indent="0">
+                <a:defRPr sz="1100">
+                  <a:latin typeface="+mn-lt"/>
+                  <a:ea typeface="+mn-ea"/>
+                  <a:cs typeface="+mn-cs"/>
+                </a:defRPr>
+              </a:lvl8pPr>
+              <a:lvl9pPr marL="3657600" indent="0">
+                <a:defRPr sz="1100">
+                  <a:latin typeface="+mn-lt"/>
+                  <a:ea typeface="+mn-ea"/>
+                  <a:cs typeface="+mn-cs"/>
+                </a:defRPr>
+              </a:lvl9pPr>
+            </a:lstStyle>
+            <a:p>
+              <a:pPr algn="ctr" defTabSz="914400">
+                <a:lnSpc>
+                  <a:spcPct val="100000"/>
+                </a:lnSpc>
+              </a:pPr>
+              <a:r>
+                <a:rPr lang="en-US" sz="1200" b="1" strike="noStrike" spc="-1" dirty="0">
+                  <a:solidFill>
+                    <a:schemeClr val="lt1"/>
+                  </a:solidFill>
+                  <a:latin typeface="Arial "/>
+                  <a:ea typeface="Microsoft YaHei"/>
+                </a:rPr>
+                <a:t>ALCMS</a:t>
+              </a:r>
+              <a:endParaRPr lang="en-US" sz="1200" b="1" strike="noStrike" spc="-1" dirty="0">
+                <a:latin typeface="Arial "/>
+              </a:endParaRPr>
+            </a:p>
+          </p:txBody>
+        </p:sp>
+        <p:sp>
+          <p:nvSpPr>
+            <p:cNvPr id="181" name="Rounded Rectangle 180">
+              <a:extLst>
+                <a:ext uri="{FF2B5EF4-FFF2-40B4-BE49-F238E27FC236}">
+                  <a16:creationId xmlns:a16="http://schemas.microsoft.com/office/drawing/2014/main" id="{00000000-0008-0000-0000-000014000000}"/>
+                </a:ext>
+              </a:extLst>
+            </p:cNvPr>
+            <p:cNvSpPr/>
+            <p:nvPr/>
+          </p:nvSpPr>
+          <p:spPr>
+            <a:xfrm>
+              <a:off x="0" y="0"/>
+              <a:ext cx="722880" cy="312480"/>
+            </a:xfrm>
+            <a:prstGeom prst="roundRect">
+              <a:avLst>
+                <a:gd name="adj" fmla="val 16667"/>
+              </a:avLst>
+            </a:prstGeom>
+            <a:noFill/>
+            <a:ln w="25560">
+              <a:solidFill>
+                <a:srgbClr val="3A5F8B"/>
+              </a:solidFill>
+              <a:round/>
+            </a:ln>
+          </p:spPr>
+          <p:style>
+            <a:lnRef idx="0">
+              <a:scrgbClr r="0" g="0" b="0"/>
+            </a:lnRef>
+            <a:fillRef idx="0">
+              <a:scrgbClr r="0" g="0" b="0"/>
+            </a:fillRef>
+            <a:effectRef idx="0">
+              <a:scrgbClr r="0" g="0" b="0"/>
+            </a:effectRef>
+            <a:fontRef idx="minor"/>
+          </p:style>
+          <p:txBody>
+            <a:bodyPr/>
+            <a:lstStyle/>
+            <a:p>
+              <a:endParaRPr lang="en-US"/>
+            </a:p>
+          </p:txBody>
+        </p:sp>
+        <p:sp>
+          <p:nvSpPr>
+            <p:cNvPr id="182" name="上下矢印 1">
+              <a:extLst>
+                <a:ext uri="{FF2B5EF4-FFF2-40B4-BE49-F238E27FC236}">
+                  <a16:creationId xmlns:a16="http://schemas.microsoft.com/office/drawing/2014/main" id="{00000000-0008-0000-0000-000015000000}"/>
+                </a:ext>
+              </a:extLst>
+            </p:cNvPr>
+            <p:cNvSpPr/>
+            <p:nvPr/>
+          </p:nvSpPr>
+          <p:spPr>
+            <a:xfrm>
+              <a:off x="315000" y="313200"/>
+              <a:ext cx="111600" cy="157320"/>
+            </a:xfrm>
+            <a:prstGeom prst="upDownArrow">
+              <a:avLst>
+                <a:gd name="adj1" fmla="val 50000"/>
+                <a:gd name="adj2" fmla="val 50000"/>
+              </a:avLst>
+            </a:prstGeom>
+            <a:solidFill>
+              <a:srgbClr val="FFCC00"/>
+            </a:solidFill>
+            <a:ln w="25560">
+              <a:solidFill>
+                <a:srgbClr val="FF9900"/>
+              </a:solidFill>
+              <a:round/>
+            </a:ln>
+          </p:spPr>
+          <p:style>
+            <a:lnRef idx="0">
+              <a:scrgbClr r="0" g="0" b="0"/>
+            </a:lnRef>
+            <a:fillRef idx="0">
+              <a:scrgbClr r="0" g="0" b="0"/>
+            </a:fillRef>
+            <a:effectRef idx="0">
+              <a:scrgbClr r="0" g="0" b="0"/>
+            </a:effectRef>
+            <a:fontRef idx="minor"/>
+          </p:style>
+          <p:txBody>
+            <a:bodyPr/>
+            <a:lstStyle/>
+            <a:p>
+              <a:endParaRPr lang="en-US"/>
+            </a:p>
+          </p:txBody>
+        </p:sp>
+      </p:grpSp>
+      <p:sp>
+        <p:nvSpPr>
+          <p:cNvPr id="183" name="Text Box 80"/>
+          <p:cNvSpPr txBox="1">
             <a:spLocks noChangeArrowheads="1"/>
           </p:cNvSpPr>
           <p:nvPr/>
         </p:nvSpPr>
         <p:spPr bwMode="auto">
-          <a:xfrm rot="7907941" flipV="1">
-            <a:off x="3649229" y="3412000"/>
-            <a:ext cx="486223" cy="177378"/>
+          <a:xfrm>
+            <a:off x="2584270" y="6408536"/>
+            <a:ext cx="4959530" cy="307777"/>
           </a:xfrm>
-          <a:prstGeom prst="notchedRightArrow">
-            <a:avLst>
-              <a:gd name="adj1" fmla="val 50000"/>
-              <a:gd name="adj2" fmla="val 69934"/>
-            </a:avLst>
+          <a:prstGeom prst="rect">
+            <a:avLst/>
           </a:prstGeom>
-          <a:solidFill>
-            <a:srgbClr val="0000FF"/>
-          </a:solidFill>
-          <a:ln w="9525" algn="ctr">
-            <a:solidFill>
-              <a:schemeClr val="tx1"/>
-            </a:solidFill>
-            <a:miter lim="800000"/>
-            <a:headEnd/>
-            <a:tailEnd/>
+          <a:noFill/>
+          <a:ln>
+            <a:noFill/>
           </a:ln>
-          <a:effectLst/>
           <a:extLst>
-            <a:ext uri="{AF507438-7753-43E0-B8FC-AC1667EBCBE1}">
-              <a14:hiddenEffects xmlns:a14="http://schemas.microsoft.com/office/drawing/2010/main">
-                <a:effectLst>
-                  <a:outerShdw dist="35921" dir="2700000" algn="ctr" rotWithShape="0">
-                    <a:schemeClr val="bg2"/>
-                  </a:outerShdw>
-                </a:effectLst>
-              </a14:hiddenEffects>
+            <a:ext uri="{909E8E84-426E-40DD-AFC4-6F175D3DCCD1}">
+              <a14:hiddenFill xmlns:a14="http://schemas.microsoft.com/office/drawing/2010/main">
+                <a:solidFill>
+                  <a:srgbClr val="FFFFFF"/>
+                </a:solidFill>
+              </a14:hiddenFill>
+            </a:ext>
+            <a:ext uri="{91240B29-F687-4F45-9708-019B960494DF}">
+              <a14:hiddenLine xmlns:a14="http://schemas.microsoft.com/office/drawing/2010/main" w="9525" algn="ctr">
+                <a:solidFill>
+                  <a:srgbClr val="000000"/>
+                </a:solidFill>
+                <a:miter lim="800000"/>
+                <a:headEnd/>
+                <a:tailEnd/>
+              </a14:hiddenLine>
             </a:ext>
           </a:extLst>
         </p:spPr>
         <p:txBody>
-          <a:bodyPr wrap="none" anchor="ctr"/>
+          <a:bodyPr wrap="square" lIns="0" tIns="0" rIns="0" bIns="0">
+            <a:spAutoFit/>
+          </a:bodyPr>
+          <a:lstStyle>
+            <a:lvl1pPr marL="285750" indent="-285750" eaLnBrk="0" hangingPunct="0">
+              <a:defRPr>
+                <a:solidFill>
+                  <a:schemeClr val="tx1"/>
+                </a:solidFill>
+                <a:latin typeface="Arial" charset="0"/>
+                <a:cs typeface="Arial" charset="0"/>
+              </a:defRPr>
+            </a:lvl1pPr>
+            <a:lvl2pPr marL="742950" indent="-285750" eaLnBrk="0" hangingPunct="0">
+              <a:defRPr>
+                <a:solidFill>
+                  <a:schemeClr val="tx1"/>
+                </a:solidFill>
+                <a:latin typeface="Arial" charset="0"/>
+                <a:cs typeface="Arial" charset="0"/>
+              </a:defRPr>
+            </a:lvl2pPr>
+            <a:lvl3pPr marL="1143000" indent="-228600" eaLnBrk="0" hangingPunct="0">
+              <a:defRPr>
+                <a:solidFill>
+                  <a:schemeClr val="tx1"/>
+                </a:solidFill>
+                <a:latin typeface="Arial" charset="0"/>
+                <a:cs typeface="Arial" charset="0"/>
+              </a:defRPr>
+            </a:lvl3pPr>
+            <a:lvl4pPr marL="1600200" indent="-228600" eaLnBrk="0" hangingPunct="0">
+              <a:defRPr>
+                <a:solidFill>
+                  <a:schemeClr val="tx1"/>
+                </a:solidFill>
+                <a:latin typeface="Arial" charset="0"/>
+                <a:cs typeface="Arial" charset="0"/>
+              </a:defRPr>
+            </a:lvl4pPr>
+            <a:lvl5pPr marL="2057400" indent="-228600" eaLnBrk="0" hangingPunct="0">
+              <a:defRPr>
+                <a:solidFill>
+                  <a:schemeClr val="tx1"/>
+                </a:solidFill>
+                <a:latin typeface="Arial" charset="0"/>
+                <a:cs typeface="Arial" charset="0"/>
+              </a:defRPr>
+            </a:lvl5pPr>
+            <a:lvl6pPr marL="2514600" indent="-228600" eaLnBrk="0" fontAlgn="base" hangingPunct="0">
+              <a:spcBef>
+                <a:spcPct val="0"/>
+              </a:spcBef>
+              <a:spcAft>
+                <a:spcPct val="0"/>
+              </a:spcAft>
+              <a:defRPr>
+                <a:solidFill>
+                  <a:schemeClr val="tx1"/>
+                </a:solidFill>
+                <a:latin typeface="Arial" charset="0"/>
+                <a:cs typeface="Arial" charset="0"/>
+              </a:defRPr>
+            </a:lvl6pPr>
+            <a:lvl7pPr marL="2971800" indent="-228600" eaLnBrk="0" fontAlgn="base" hangingPunct="0">
+              <a:spcBef>
+                <a:spcPct val="0"/>
+              </a:spcBef>
+              <a:spcAft>
+                <a:spcPct val="0"/>
+              </a:spcAft>
+              <a:defRPr>
+                <a:solidFill>
+                  <a:schemeClr val="tx1"/>
+                </a:solidFill>
+                <a:latin typeface="Arial" charset="0"/>
+                <a:cs typeface="Arial" charset="0"/>
+              </a:defRPr>
+            </a:lvl7pPr>
+            <a:lvl8pPr marL="3429000" indent="-228600" eaLnBrk="0" fontAlgn="base" hangingPunct="0">
+              <a:spcBef>
+                <a:spcPct val="0"/>
+              </a:spcBef>
+              <a:spcAft>
+                <a:spcPct val="0"/>
+              </a:spcAft>
+              <a:defRPr>
+                <a:solidFill>
+                  <a:schemeClr val="tx1"/>
+                </a:solidFill>
+                <a:latin typeface="Arial" charset="0"/>
+                <a:cs typeface="Arial" charset="0"/>
+              </a:defRPr>
+            </a:lvl8pPr>
+            <a:lvl9pPr marL="3886200" indent="-228600" eaLnBrk="0" fontAlgn="base" hangingPunct="0">
+              <a:spcBef>
+                <a:spcPct val="0"/>
+              </a:spcBef>
+              <a:spcAft>
+                <a:spcPct val="0"/>
+              </a:spcAft>
+              <a:defRPr>
+                <a:solidFill>
+                  <a:schemeClr val="tx1"/>
+                </a:solidFill>
+                <a:latin typeface="Arial" charset="0"/>
+                <a:cs typeface="Arial" charset="0"/>
+              </a:defRPr>
+            </a:lvl9pPr>
+          </a:lstStyle>
+          <a:p>
+            <a:pPr marL="0" indent="0" eaLnBrk="1" hangingPunct="1">
+              <a:spcBef>
+                <a:spcPct val="30000"/>
+              </a:spcBef>
+            </a:pPr>
+            <a:r>
+              <a:rPr kumimoji="1" lang="en-US" altLang="ja-JP" sz="2000" dirty="0" smtClean="0">
+                <a:solidFill>
+                  <a:srgbClr val="0000FF"/>
+                </a:solidFill>
+                <a:latin typeface="Arial" panose="020B0604020202020204" pitchFamily="34" charset="0"/>
+                <a:ea typeface="HGP創英角ｺﾞｼｯｸUB" pitchFamily="50" charset="-128"/>
+                <a:cs typeface="Arial" panose="020B0604020202020204" pitchFamily="34" charset="0"/>
+                <a:sym typeface="Wingdings 3" panose="05040102010807070707" pitchFamily="18" charset="2"/>
+              </a:rPr>
+              <a:t></a:t>
+            </a:r>
+            <a:r>
+              <a:rPr kumimoji="1" lang="en-US" altLang="ja-JP" sz="2000" b="1" dirty="0" smtClean="0">
+                <a:solidFill>
+                  <a:srgbClr val="1508B8"/>
+                </a:solidFill>
+                <a:latin typeface="Arial" panose="020B0604020202020204" pitchFamily="34" charset="0"/>
+                <a:ea typeface="HGP創英角ｺﾞｼｯｸUB" pitchFamily="50" charset="-128"/>
+                <a:cs typeface="Arial" panose="020B0604020202020204" pitchFamily="34" charset="0"/>
+                <a:sym typeface="Wingdings 3" panose="05040102010807070707" pitchFamily="18" charset="2"/>
+              </a:rPr>
+              <a:t>Equipment management by barcode</a:t>
+            </a:r>
+            <a:endParaRPr kumimoji="1" lang="en-US" altLang="ja-JP" sz="2000" b="1" dirty="0">
+              <a:solidFill>
+                <a:srgbClr val="1508B8"/>
+              </a:solidFill>
+              <a:latin typeface="Arial" panose="020B0604020202020204" pitchFamily="34" charset="0"/>
+              <a:ea typeface="HGP創英角ｺﾞｼｯｸUB" pitchFamily="50" charset="-128"/>
+              <a:cs typeface="Arial" panose="020B0604020202020204" pitchFamily="34" charset="0"/>
+            </a:endParaRPr>
+          </a:p>
+        </p:txBody>
+      </p:sp>
+      <p:sp>
+        <p:nvSpPr>
+          <p:cNvPr id="185" name="Text Box 80"/>
+          <p:cNvSpPr txBox="1">
+            <a:spLocks noChangeArrowheads="1"/>
+          </p:cNvSpPr>
+          <p:nvPr/>
+        </p:nvSpPr>
+        <p:spPr bwMode="auto">
+          <a:xfrm>
+            <a:off x="7585280" y="3427470"/>
+            <a:ext cx="1618534" cy="830997"/>
+          </a:xfrm>
+          <a:prstGeom prst="rect">
+            <a:avLst/>
+          </a:prstGeom>
+          <a:noFill/>
+          <a:ln>
+            <a:noFill/>
+          </a:ln>
+          <a:extLst>
+            <a:ext uri="{909E8E84-426E-40DD-AFC4-6F175D3DCCD1}">
+              <a14:hiddenFill xmlns:a14="http://schemas.microsoft.com/office/drawing/2010/main">
+                <a:solidFill>
+                  <a:srgbClr val="FFFFFF"/>
+                </a:solidFill>
+              </a14:hiddenFill>
+            </a:ext>
+            <a:ext uri="{91240B29-F687-4F45-9708-019B960494DF}">
+              <a14:hiddenLine xmlns:a14="http://schemas.microsoft.com/office/drawing/2010/main" w="9525" algn="ctr">
+                <a:solidFill>
+                  <a:srgbClr val="000000"/>
+                </a:solidFill>
+                <a:miter lim="800000"/>
+                <a:headEnd/>
+                <a:tailEnd/>
+              </a14:hiddenLine>
+            </a:ext>
+          </a:extLst>
+        </p:spPr>
+        <p:txBody>
+          <a:bodyPr wrap="square" lIns="0" tIns="0" rIns="0" bIns="0">
+            <a:spAutoFit/>
+          </a:bodyPr>
+          <a:lstStyle>
+            <a:lvl1pPr eaLnBrk="0" hangingPunct="0">
+              <a:defRPr>
+                <a:solidFill>
+                  <a:schemeClr val="tx1"/>
+                </a:solidFill>
+                <a:latin typeface="Arial" charset="0"/>
+                <a:cs typeface="Arial" charset="0"/>
+              </a:defRPr>
+            </a:lvl1pPr>
+            <a:lvl2pPr marL="742950" indent="-285750" eaLnBrk="0" hangingPunct="0">
+              <a:defRPr>
+                <a:solidFill>
+                  <a:schemeClr val="tx1"/>
+                </a:solidFill>
+                <a:latin typeface="Arial" charset="0"/>
+                <a:cs typeface="Arial" charset="0"/>
+              </a:defRPr>
+            </a:lvl2pPr>
+            <a:lvl3pPr marL="1143000" indent="-228600" eaLnBrk="0" hangingPunct="0">
+              <a:defRPr>
+                <a:solidFill>
+                  <a:schemeClr val="tx1"/>
+                </a:solidFill>
+                <a:latin typeface="Arial" charset="0"/>
+                <a:cs typeface="Arial" charset="0"/>
+              </a:defRPr>
+            </a:lvl3pPr>
+            <a:lvl4pPr marL="1600200" indent="-228600" eaLnBrk="0" hangingPunct="0">
+              <a:defRPr>
+                <a:solidFill>
+                  <a:schemeClr val="tx1"/>
+                </a:solidFill>
+                <a:latin typeface="Arial" charset="0"/>
+                <a:cs typeface="Arial" charset="0"/>
+              </a:defRPr>
+            </a:lvl4pPr>
+            <a:lvl5pPr marL="2057400" indent="-228600" eaLnBrk="0" hangingPunct="0">
+              <a:defRPr>
+                <a:solidFill>
+                  <a:schemeClr val="tx1"/>
+                </a:solidFill>
+                <a:latin typeface="Arial" charset="0"/>
+                <a:cs typeface="Arial" charset="0"/>
+              </a:defRPr>
+            </a:lvl5pPr>
+            <a:lvl6pPr marL="2514600" indent="-228600" eaLnBrk="0" fontAlgn="base" hangingPunct="0">
+              <a:spcBef>
+                <a:spcPct val="0"/>
+              </a:spcBef>
+              <a:spcAft>
+                <a:spcPct val="0"/>
+              </a:spcAft>
+              <a:defRPr>
+                <a:solidFill>
+                  <a:schemeClr val="tx1"/>
+                </a:solidFill>
+                <a:latin typeface="Arial" charset="0"/>
+                <a:cs typeface="Arial" charset="0"/>
+              </a:defRPr>
+            </a:lvl6pPr>
+            <a:lvl7pPr marL="2971800" indent="-228600" eaLnBrk="0" fontAlgn="base" hangingPunct="0">
+              <a:spcBef>
+                <a:spcPct val="0"/>
+              </a:spcBef>
+              <a:spcAft>
+                <a:spcPct val="0"/>
+              </a:spcAft>
+              <a:defRPr>
+                <a:solidFill>
+                  <a:schemeClr val="tx1"/>
+                </a:solidFill>
+                <a:latin typeface="Arial" charset="0"/>
+                <a:cs typeface="Arial" charset="0"/>
+              </a:defRPr>
+            </a:lvl7pPr>
+            <a:lvl8pPr marL="3429000" indent="-228600" eaLnBrk="0" fontAlgn="base" hangingPunct="0">
+              <a:spcBef>
+                <a:spcPct val="0"/>
+              </a:spcBef>
+              <a:spcAft>
+                <a:spcPct val="0"/>
+              </a:spcAft>
+              <a:defRPr>
+                <a:solidFill>
+                  <a:schemeClr val="tx1"/>
+                </a:solidFill>
+                <a:latin typeface="Arial" charset="0"/>
+                <a:cs typeface="Arial" charset="0"/>
+              </a:defRPr>
+            </a:lvl8pPr>
+            <a:lvl9pPr marL="3886200" indent="-228600" eaLnBrk="0" fontAlgn="base" hangingPunct="0">
+              <a:spcBef>
+                <a:spcPct val="0"/>
+              </a:spcBef>
+              <a:spcAft>
+                <a:spcPct val="0"/>
+              </a:spcAft>
+              <a:defRPr>
+                <a:solidFill>
+                  <a:schemeClr val="tx1"/>
+                </a:solidFill>
+                <a:latin typeface="Arial" charset="0"/>
+                <a:cs typeface="Arial" charset="0"/>
+              </a:defRPr>
+            </a:lvl9pPr>
+          </a:lstStyle>
+          <a:p>
+            <a:pPr eaLnBrk="1" hangingPunct="1">
+              <a:spcBef>
+                <a:spcPct val="20000"/>
+              </a:spcBef>
+            </a:pPr>
+            <a:r>
+              <a:rPr kumimoji="1" lang="en-US" altLang="en-US" dirty="0" smtClean="0">
+                <a:latin typeface="Arial" panose="020B0604020202020204" pitchFamily="34" charset="0"/>
+                <a:ea typeface="HGP創英角ｺﾞｼｯｸUB" pitchFamily="50" charset="-128"/>
+                <a:cs typeface="Arial" panose="020B0604020202020204" pitchFamily="34" charset="0"/>
+                <a:sym typeface="Wingdings 2" pitchFamily="18" charset="2"/>
+              </a:rPr>
+              <a:t>Create tool barcode (</a:t>
+            </a:r>
+            <a:r>
+              <a:rPr kumimoji="1" lang="en-US" altLang="en-US" b="1" dirty="0" smtClean="0">
+                <a:latin typeface="Arial" panose="020B0604020202020204" pitchFamily="34" charset="0"/>
+                <a:ea typeface="HGP創英角ｺﾞｼｯｸUB" pitchFamily="50" charset="-128"/>
+                <a:cs typeface="Arial" panose="020B0604020202020204" pitchFamily="34" charset="0"/>
+                <a:sym typeface="Wingdings 2" pitchFamily="18" charset="2"/>
+              </a:rPr>
+              <a:t>Nov.23</a:t>
+            </a:r>
+            <a:r>
+              <a:rPr kumimoji="1" lang="en-US" altLang="en-US" dirty="0">
+                <a:latin typeface="Arial" panose="020B0604020202020204" pitchFamily="34" charset="0"/>
+                <a:ea typeface="HGP創英角ｺﾞｼｯｸUB" pitchFamily="50" charset="-128"/>
+                <a:cs typeface="Arial" panose="020B0604020202020204" pitchFamily="34" charset="0"/>
+                <a:sym typeface="Wingdings 2" pitchFamily="18" charset="2"/>
+              </a:rPr>
+              <a:t>)</a:t>
+            </a:r>
+            <a:endParaRPr kumimoji="1" lang="en-US" altLang="en-US" dirty="0" smtClean="0">
+              <a:latin typeface="Arial" panose="020B0604020202020204" pitchFamily="34" charset="0"/>
+              <a:ea typeface="HGP創英角ｺﾞｼｯｸUB" pitchFamily="50" charset="-128"/>
+              <a:cs typeface="Arial" panose="020B0604020202020204" pitchFamily="34" charset="0"/>
+              <a:sym typeface="Wingdings 2" pitchFamily="18" charset="2"/>
+            </a:endParaRPr>
+          </a:p>
+        </p:txBody>
+      </p:sp>
+      <p:sp>
+        <p:nvSpPr>
+          <p:cNvPr id="4161" name="Rounded Rectangle 4160"/>
+          <p:cNvSpPr/>
+          <p:nvPr/>
+        </p:nvSpPr>
+        <p:spPr>
+          <a:xfrm>
+            <a:off x="6096000" y="4785121"/>
+            <a:ext cx="1346510" cy="901138"/>
+          </a:xfrm>
+          <a:prstGeom prst="roundRect">
+            <a:avLst/>
+          </a:prstGeom>
+          <a:solidFill>
+            <a:schemeClr val="bg1"/>
+          </a:solidFill>
+        </p:spPr>
+        <p:style>
+          <a:lnRef idx="2">
+            <a:schemeClr val="accent1">
+              <a:shade val="50000"/>
+            </a:schemeClr>
+          </a:lnRef>
+          <a:fillRef idx="1">
+            <a:schemeClr val="accent1"/>
+          </a:fillRef>
+          <a:effectRef idx="0">
+            <a:schemeClr val="accent1"/>
+          </a:effectRef>
+          <a:fontRef idx="minor">
+            <a:schemeClr val="lt1"/>
+          </a:fontRef>
+        </p:style>
+        <p:txBody>
+          <a:bodyPr lIns="0" tIns="0" rIns="0" bIns="0" rtlCol="0" anchor="ctr"/>
           <a:lstStyle/>
           <a:p>
-            <a:endParaRPr lang="en-US">
+            <a:pPr>
+              <a:lnSpc>
+                <a:spcPct val="150000"/>
+              </a:lnSpc>
+            </a:pPr>
+            <a:r>
+              <a:rPr lang="en-US" sz="1600" b="1" dirty="0" smtClean="0">
+                <a:solidFill>
+                  <a:schemeClr val="tx1"/>
+                </a:solidFill>
+                <a:latin typeface="Arial "/>
+              </a:rPr>
+              <a:t>Time : 50%</a:t>
+            </a:r>
+          </a:p>
+          <a:p>
+            <a:pPr>
+              <a:lnSpc>
+                <a:spcPct val="150000"/>
+              </a:lnSpc>
+            </a:pPr>
+            <a:r>
+              <a:rPr lang="en-US" sz="1600" b="1" dirty="0" smtClean="0">
+                <a:solidFill>
+                  <a:schemeClr val="tx1"/>
+                </a:solidFill>
+                <a:latin typeface="Arial "/>
+              </a:rPr>
+              <a:t>paper: 70%</a:t>
+            </a:r>
+          </a:p>
+        </p:txBody>
+      </p:sp>
+      <p:sp>
+        <p:nvSpPr>
+          <p:cNvPr id="188" name="Rectangle: Rounded Corners 30">
+            <a:extLst>
+              <a:ext uri="{FF2B5EF4-FFF2-40B4-BE49-F238E27FC236}">
+                <a16:creationId xmlns:a16="http://schemas.microsoft.com/office/drawing/2014/main" id="{00000000-0008-0000-0000-00001F000000}"/>
+              </a:ext>
+            </a:extLst>
+          </p:cNvPr>
+          <p:cNvSpPr/>
+          <p:nvPr/>
+        </p:nvSpPr>
+        <p:spPr>
+          <a:xfrm>
+            <a:off x="5829647" y="4393513"/>
+            <a:ext cx="1615315" cy="348648"/>
+          </a:xfrm>
+          <a:prstGeom prst="roundRect">
+            <a:avLst>
+              <a:gd name="adj" fmla="val 16667"/>
+            </a:avLst>
+          </a:prstGeom>
+          <a:solidFill>
+            <a:srgbClr val="1508B8"/>
+          </a:solidFill>
+          <a:ln w="0">
+            <a:solidFill>
+              <a:srgbClr val="3465A4"/>
+            </a:solidFill>
+          </a:ln>
+        </p:spPr>
+        <p:style>
+          <a:lnRef idx="0">
+            <a:scrgbClr r="0" g="0" b="0"/>
+          </a:lnRef>
+          <a:fillRef idx="0">
+            <a:scrgbClr r="0" g="0" b="0"/>
+          </a:fillRef>
+          <a:effectRef idx="0">
+            <a:scrgbClr r="0" g="0" b="0"/>
+          </a:effectRef>
+          <a:fontRef idx="minor"/>
+        </p:style>
+        <p:txBody>
+          <a:bodyPr lIns="0" tIns="0" rIns="0" bIns="0" anchor="ctr">
+            <a:noAutofit/>
+          </a:bodyPr>
+          <a:lstStyle>
+            <a:lvl1pPr marL="0" indent="0">
+              <a:defRPr sz="1100">
+                <a:latin typeface="+mn-lt"/>
+                <a:ea typeface="+mn-ea"/>
+                <a:cs typeface="+mn-cs"/>
+              </a:defRPr>
+            </a:lvl1pPr>
+            <a:lvl2pPr marL="457200" indent="0">
+              <a:defRPr sz="1100">
+                <a:latin typeface="+mn-lt"/>
+                <a:ea typeface="+mn-ea"/>
+                <a:cs typeface="+mn-cs"/>
+              </a:defRPr>
+            </a:lvl2pPr>
+            <a:lvl3pPr marL="914400" indent="0">
+              <a:defRPr sz="1100">
+                <a:latin typeface="+mn-lt"/>
+                <a:ea typeface="+mn-ea"/>
+                <a:cs typeface="+mn-cs"/>
+              </a:defRPr>
+            </a:lvl3pPr>
+            <a:lvl4pPr marL="1371600" indent="0">
+              <a:defRPr sz="1100">
+                <a:latin typeface="+mn-lt"/>
+                <a:ea typeface="+mn-ea"/>
+                <a:cs typeface="+mn-cs"/>
+              </a:defRPr>
+            </a:lvl4pPr>
+            <a:lvl5pPr marL="1828800" indent="0">
+              <a:defRPr sz="1100">
+                <a:latin typeface="+mn-lt"/>
+                <a:ea typeface="+mn-ea"/>
+                <a:cs typeface="+mn-cs"/>
+              </a:defRPr>
+            </a:lvl5pPr>
+            <a:lvl6pPr marL="2286000" indent="0">
+              <a:defRPr sz="1100">
+                <a:latin typeface="+mn-lt"/>
+                <a:ea typeface="+mn-ea"/>
+                <a:cs typeface="+mn-cs"/>
+              </a:defRPr>
+            </a:lvl6pPr>
+            <a:lvl7pPr marL="2743200" indent="0">
+              <a:defRPr sz="1100">
+                <a:latin typeface="+mn-lt"/>
+                <a:ea typeface="+mn-ea"/>
+                <a:cs typeface="+mn-cs"/>
+              </a:defRPr>
+            </a:lvl7pPr>
+            <a:lvl8pPr marL="3200400" indent="0">
+              <a:defRPr sz="1100">
+                <a:latin typeface="+mn-lt"/>
+                <a:ea typeface="+mn-ea"/>
+                <a:cs typeface="+mn-cs"/>
+              </a:defRPr>
+            </a:lvl8pPr>
+            <a:lvl9pPr marL="3657600" indent="0">
+              <a:defRPr sz="1100">
+                <a:latin typeface="+mn-lt"/>
+                <a:ea typeface="+mn-ea"/>
+                <a:cs typeface="+mn-cs"/>
+              </a:defRPr>
+            </a:lvl9pPr>
+          </a:lstStyle>
+          <a:p>
+            <a:pPr algn="ctr">
+              <a:lnSpc>
+                <a:spcPct val="100000"/>
+              </a:lnSpc>
+            </a:pPr>
+            <a:r>
+              <a:rPr lang="en-US" sz="1600" b="1" spc="-1" dirty="0" smtClean="0">
+                <a:solidFill>
+                  <a:schemeClr val="bg1"/>
+                </a:solidFill>
+                <a:latin typeface="Arial" panose="020B0604020202020204" pitchFamily="34" charset="0"/>
+                <a:ea typeface="Microsoft YaHei"/>
+                <a:cs typeface="Arial" panose="020B0604020202020204" pitchFamily="34" charset="0"/>
+              </a:rPr>
+              <a:t>Reducing target</a:t>
+            </a:r>
+            <a:endParaRPr lang="en-US" sz="1600" b="1" strike="noStrike" spc="-1" dirty="0">
+              <a:solidFill>
+                <a:schemeClr val="bg1"/>
+              </a:solidFill>
               <a:latin typeface="Arial" panose="020B0604020202020204" pitchFamily="34" charset="0"/>
+              <a:ea typeface="Microsoft YaHei"/>
               <a:cs typeface="Arial" panose="020B0604020202020204" pitchFamily="34" charset="0"/>
+            </a:endParaRPr>
+          </a:p>
+        </p:txBody>
+      </p:sp>
+      <p:sp>
+        <p:nvSpPr>
+          <p:cNvPr id="189" name="Text Box 80"/>
+          <p:cNvSpPr txBox="1">
+            <a:spLocks noChangeArrowheads="1"/>
+          </p:cNvSpPr>
+          <p:nvPr/>
+        </p:nvSpPr>
+        <p:spPr bwMode="auto">
+          <a:xfrm>
+            <a:off x="7600065" y="4557144"/>
+            <a:ext cx="1430186" cy="1384995"/>
+          </a:xfrm>
+          <a:prstGeom prst="rect">
+            <a:avLst/>
+          </a:prstGeom>
+          <a:noFill/>
+          <a:ln>
+            <a:noFill/>
+          </a:ln>
+          <a:extLst>
+            <a:ext uri="{909E8E84-426E-40DD-AFC4-6F175D3DCCD1}">
+              <a14:hiddenFill xmlns:a14="http://schemas.microsoft.com/office/drawing/2010/main">
+                <a:solidFill>
+                  <a:srgbClr val="FFFFFF"/>
+                </a:solidFill>
+              </a14:hiddenFill>
+            </a:ext>
+            <a:ext uri="{91240B29-F687-4F45-9708-019B960494DF}">
+              <a14:hiddenLine xmlns:a14="http://schemas.microsoft.com/office/drawing/2010/main" w="9525" algn="ctr">
+                <a:solidFill>
+                  <a:srgbClr val="000000"/>
+                </a:solidFill>
+                <a:miter lim="800000"/>
+                <a:headEnd/>
+                <a:tailEnd/>
+              </a14:hiddenLine>
+            </a:ext>
+          </a:extLst>
+        </p:spPr>
+        <p:txBody>
+          <a:bodyPr wrap="square" lIns="0" tIns="0" rIns="0" bIns="0">
+            <a:spAutoFit/>
+          </a:bodyPr>
+          <a:lstStyle>
+            <a:lvl1pPr eaLnBrk="0" hangingPunct="0">
+              <a:defRPr>
+                <a:solidFill>
+                  <a:schemeClr val="tx1"/>
+                </a:solidFill>
+                <a:latin typeface="Arial" charset="0"/>
+                <a:cs typeface="Arial" charset="0"/>
+              </a:defRPr>
+            </a:lvl1pPr>
+            <a:lvl2pPr marL="742950" indent="-285750" eaLnBrk="0" hangingPunct="0">
+              <a:defRPr>
+                <a:solidFill>
+                  <a:schemeClr val="tx1"/>
+                </a:solidFill>
+                <a:latin typeface="Arial" charset="0"/>
+                <a:cs typeface="Arial" charset="0"/>
+              </a:defRPr>
+            </a:lvl2pPr>
+            <a:lvl3pPr marL="1143000" indent="-228600" eaLnBrk="0" hangingPunct="0">
+              <a:defRPr>
+                <a:solidFill>
+                  <a:schemeClr val="tx1"/>
+                </a:solidFill>
+                <a:latin typeface="Arial" charset="0"/>
+                <a:cs typeface="Arial" charset="0"/>
+              </a:defRPr>
+            </a:lvl3pPr>
+            <a:lvl4pPr marL="1600200" indent="-228600" eaLnBrk="0" hangingPunct="0">
+              <a:defRPr>
+                <a:solidFill>
+                  <a:schemeClr val="tx1"/>
+                </a:solidFill>
+                <a:latin typeface="Arial" charset="0"/>
+                <a:cs typeface="Arial" charset="0"/>
+              </a:defRPr>
+            </a:lvl4pPr>
+            <a:lvl5pPr marL="2057400" indent="-228600" eaLnBrk="0" hangingPunct="0">
+              <a:defRPr>
+                <a:solidFill>
+                  <a:schemeClr val="tx1"/>
+                </a:solidFill>
+                <a:latin typeface="Arial" charset="0"/>
+                <a:cs typeface="Arial" charset="0"/>
+              </a:defRPr>
+            </a:lvl5pPr>
+            <a:lvl6pPr marL="2514600" indent="-228600" eaLnBrk="0" fontAlgn="base" hangingPunct="0">
+              <a:spcBef>
+                <a:spcPct val="0"/>
+              </a:spcBef>
+              <a:spcAft>
+                <a:spcPct val="0"/>
+              </a:spcAft>
+              <a:defRPr>
+                <a:solidFill>
+                  <a:schemeClr val="tx1"/>
+                </a:solidFill>
+                <a:latin typeface="Arial" charset="0"/>
+                <a:cs typeface="Arial" charset="0"/>
+              </a:defRPr>
+            </a:lvl6pPr>
+            <a:lvl7pPr marL="2971800" indent="-228600" eaLnBrk="0" fontAlgn="base" hangingPunct="0">
+              <a:spcBef>
+                <a:spcPct val="0"/>
+              </a:spcBef>
+              <a:spcAft>
+                <a:spcPct val="0"/>
+              </a:spcAft>
+              <a:defRPr>
+                <a:solidFill>
+                  <a:schemeClr val="tx1"/>
+                </a:solidFill>
+                <a:latin typeface="Arial" charset="0"/>
+                <a:cs typeface="Arial" charset="0"/>
+              </a:defRPr>
+            </a:lvl7pPr>
+            <a:lvl8pPr marL="3429000" indent="-228600" eaLnBrk="0" fontAlgn="base" hangingPunct="0">
+              <a:spcBef>
+                <a:spcPct val="0"/>
+              </a:spcBef>
+              <a:spcAft>
+                <a:spcPct val="0"/>
+              </a:spcAft>
+              <a:defRPr>
+                <a:solidFill>
+                  <a:schemeClr val="tx1"/>
+                </a:solidFill>
+                <a:latin typeface="Arial" charset="0"/>
+                <a:cs typeface="Arial" charset="0"/>
+              </a:defRPr>
+            </a:lvl8pPr>
+            <a:lvl9pPr marL="3886200" indent="-228600" eaLnBrk="0" fontAlgn="base" hangingPunct="0">
+              <a:spcBef>
+                <a:spcPct val="0"/>
+              </a:spcBef>
+              <a:spcAft>
+                <a:spcPct val="0"/>
+              </a:spcAft>
+              <a:defRPr>
+                <a:solidFill>
+                  <a:schemeClr val="tx1"/>
+                </a:solidFill>
+                <a:latin typeface="Arial" charset="0"/>
+                <a:cs typeface="Arial" charset="0"/>
+              </a:defRPr>
+            </a:lvl9pPr>
+          </a:lstStyle>
+          <a:p>
+            <a:pPr eaLnBrk="1" hangingPunct="1">
+              <a:spcBef>
+                <a:spcPct val="20000"/>
+              </a:spcBef>
+            </a:pPr>
+            <a:r>
+              <a:rPr kumimoji="1" lang="en-US" altLang="en-US" dirty="0" smtClean="0">
+                <a:latin typeface="Arial" panose="020B0604020202020204" pitchFamily="34" charset="0"/>
+                <a:ea typeface="HGP創英角ｺﾞｼｯｸUB" pitchFamily="50" charset="-128"/>
+                <a:cs typeface="Arial" panose="020B0604020202020204" pitchFamily="34" charset="0"/>
+                <a:sym typeface="Wingdings 2" pitchFamily="18" charset="2"/>
+              </a:rPr>
+              <a:t>Create tool Borrow &amp; Return Equipment (</a:t>
+            </a:r>
+            <a:r>
+              <a:rPr kumimoji="1" lang="en-US" altLang="en-US" b="1" dirty="0" smtClean="0">
+                <a:latin typeface="Arial" panose="020B0604020202020204" pitchFamily="34" charset="0"/>
+                <a:ea typeface="HGP創英角ｺﾞｼｯｸUB" pitchFamily="50" charset="-128"/>
+                <a:cs typeface="Arial" panose="020B0604020202020204" pitchFamily="34" charset="0"/>
+                <a:sym typeface="Wingdings 2" pitchFamily="18" charset="2"/>
+              </a:rPr>
+              <a:t>Dec.23</a:t>
+            </a:r>
+            <a:r>
+              <a:rPr kumimoji="1" lang="en-US" altLang="en-US" dirty="0">
+                <a:latin typeface="Arial" panose="020B0604020202020204" pitchFamily="34" charset="0"/>
+                <a:ea typeface="HGP創英角ｺﾞｼｯｸUB" pitchFamily="50" charset="-128"/>
+                <a:cs typeface="Arial" panose="020B0604020202020204" pitchFamily="34" charset="0"/>
+                <a:sym typeface="Wingdings 2" pitchFamily="18" charset="2"/>
+              </a:rPr>
+              <a:t>)</a:t>
+            </a:r>
+            <a:endParaRPr kumimoji="1" lang="en-US" altLang="en-US" dirty="0" smtClean="0">
+              <a:latin typeface="Arial" panose="020B0604020202020204" pitchFamily="34" charset="0"/>
+              <a:ea typeface="HGP創英角ｺﾞｼｯｸUB" pitchFamily="50" charset="-128"/>
+              <a:cs typeface="Arial" panose="020B0604020202020204" pitchFamily="34" charset="0"/>
+              <a:sym typeface="Wingdings 2" pitchFamily="18" charset="2"/>
+            </a:endParaRPr>
+          </a:p>
+        </p:txBody>
+      </p:sp>
+      <p:sp>
+        <p:nvSpPr>
+          <p:cNvPr id="190" name="Text Box 80"/>
+          <p:cNvSpPr txBox="1">
+            <a:spLocks noChangeArrowheads="1"/>
+          </p:cNvSpPr>
+          <p:nvPr/>
+        </p:nvSpPr>
+        <p:spPr bwMode="auto">
+          <a:xfrm>
+            <a:off x="7554634" y="2117527"/>
+            <a:ext cx="1618534" cy="1163395"/>
+          </a:xfrm>
+          <a:prstGeom prst="rect">
+            <a:avLst/>
+          </a:prstGeom>
+          <a:noFill/>
+          <a:ln>
+            <a:noFill/>
+          </a:ln>
+          <a:extLst>
+            <a:ext uri="{909E8E84-426E-40DD-AFC4-6F175D3DCCD1}">
+              <a14:hiddenFill xmlns:a14="http://schemas.microsoft.com/office/drawing/2010/main">
+                <a:solidFill>
+                  <a:srgbClr val="FFFFFF"/>
+                </a:solidFill>
+              </a14:hiddenFill>
+            </a:ext>
+            <a:ext uri="{91240B29-F687-4F45-9708-019B960494DF}">
+              <a14:hiddenLine xmlns:a14="http://schemas.microsoft.com/office/drawing/2010/main" w="9525" algn="ctr">
+                <a:solidFill>
+                  <a:srgbClr val="000000"/>
+                </a:solidFill>
+                <a:miter lim="800000"/>
+                <a:headEnd/>
+                <a:tailEnd/>
+              </a14:hiddenLine>
+            </a:ext>
+          </a:extLst>
+        </p:spPr>
+        <p:txBody>
+          <a:bodyPr wrap="square" lIns="0" tIns="0" rIns="0" bIns="0">
+            <a:spAutoFit/>
+          </a:bodyPr>
+          <a:lstStyle>
+            <a:lvl1pPr eaLnBrk="0" hangingPunct="0">
+              <a:defRPr>
+                <a:solidFill>
+                  <a:schemeClr val="tx1"/>
+                </a:solidFill>
+                <a:latin typeface="Arial" charset="0"/>
+                <a:cs typeface="Arial" charset="0"/>
+              </a:defRPr>
+            </a:lvl1pPr>
+            <a:lvl2pPr marL="742950" indent="-285750" eaLnBrk="0" hangingPunct="0">
+              <a:defRPr>
+                <a:solidFill>
+                  <a:schemeClr val="tx1"/>
+                </a:solidFill>
+                <a:latin typeface="Arial" charset="0"/>
+                <a:cs typeface="Arial" charset="0"/>
+              </a:defRPr>
+            </a:lvl2pPr>
+            <a:lvl3pPr marL="1143000" indent="-228600" eaLnBrk="0" hangingPunct="0">
+              <a:defRPr>
+                <a:solidFill>
+                  <a:schemeClr val="tx1"/>
+                </a:solidFill>
+                <a:latin typeface="Arial" charset="0"/>
+                <a:cs typeface="Arial" charset="0"/>
+              </a:defRPr>
+            </a:lvl3pPr>
+            <a:lvl4pPr marL="1600200" indent="-228600" eaLnBrk="0" hangingPunct="0">
+              <a:defRPr>
+                <a:solidFill>
+                  <a:schemeClr val="tx1"/>
+                </a:solidFill>
+                <a:latin typeface="Arial" charset="0"/>
+                <a:cs typeface="Arial" charset="0"/>
+              </a:defRPr>
+            </a:lvl4pPr>
+            <a:lvl5pPr marL="2057400" indent="-228600" eaLnBrk="0" hangingPunct="0">
+              <a:defRPr>
+                <a:solidFill>
+                  <a:schemeClr val="tx1"/>
+                </a:solidFill>
+                <a:latin typeface="Arial" charset="0"/>
+                <a:cs typeface="Arial" charset="0"/>
+              </a:defRPr>
+            </a:lvl5pPr>
+            <a:lvl6pPr marL="2514600" indent="-228600" eaLnBrk="0" fontAlgn="base" hangingPunct="0">
+              <a:spcBef>
+                <a:spcPct val="0"/>
+              </a:spcBef>
+              <a:spcAft>
+                <a:spcPct val="0"/>
+              </a:spcAft>
+              <a:defRPr>
+                <a:solidFill>
+                  <a:schemeClr val="tx1"/>
+                </a:solidFill>
+                <a:latin typeface="Arial" charset="0"/>
+                <a:cs typeface="Arial" charset="0"/>
+              </a:defRPr>
+            </a:lvl6pPr>
+            <a:lvl7pPr marL="2971800" indent="-228600" eaLnBrk="0" fontAlgn="base" hangingPunct="0">
+              <a:spcBef>
+                <a:spcPct val="0"/>
+              </a:spcBef>
+              <a:spcAft>
+                <a:spcPct val="0"/>
+              </a:spcAft>
+              <a:defRPr>
+                <a:solidFill>
+                  <a:schemeClr val="tx1"/>
+                </a:solidFill>
+                <a:latin typeface="Arial" charset="0"/>
+                <a:cs typeface="Arial" charset="0"/>
+              </a:defRPr>
+            </a:lvl7pPr>
+            <a:lvl8pPr marL="3429000" indent="-228600" eaLnBrk="0" fontAlgn="base" hangingPunct="0">
+              <a:spcBef>
+                <a:spcPct val="0"/>
+              </a:spcBef>
+              <a:spcAft>
+                <a:spcPct val="0"/>
+              </a:spcAft>
+              <a:defRPr>
+                <a:solidFill>
+                  <a:schemeClr val="tx1"/>
+                </a:solidFill>
+                <a:latin typeface="Arial" charset="0"/>
+                <a:cs typeface="Arial" charset="0"/>
+              </a:defRPr>
+            </a:lvl8pPr>
+            <a:lvl9pPr marL="3886200" indent="-228600" eaLnBrk="0" fontAlgn="base" hangingPunct="0">
+              <a:spcBef>
+                <a:spcPct val="0"/>
+              </a:spcBef>
+              <a:spcAft>
+                <a:spcPct val="0"/>
+              </a:spcAft>
+              <a:defRPr>
+                <a:solidFill>
+                  <a:schemeClr val="tx1"/>
+                </a:solidFill>
+                <a:latin typeface="Arial" charset="0"/>
+                <a:cs typeface="Arial" charset="0"/>
+              </a:defRPr>
+            </a:lvl9pPr>
+          </a:lstStyle>
+          <a:p>
+            <a:pPr eaLnBrk="1" hangingPunct="1">
+              <a:spcBef>
+                <a:spcPct val="20000"/>
+              </a:spcBef>
+            </a:pPr>
+            <a:r>
+              <a:rPr kumimoji="1" lang="en-US" altLang="en-US" dirty="0" smtClean="0">
+                <a:latin typeface="Arial" panose="020B0604020202020204" pitchFamily="34" charset="0"/>
+                <a:ea typeface="HGP創英角ｺﾞｼｯｸUB" pitchFamily="50" charset="-128"/>
+                <a:cs typeface="Arial" panose="020B0604020202020204" pitchFamily="34" charset="0"/>
+                <a:sym typeface="Wingdings 2" pitchFamily="18" charset="2"/>
+              </a:rPr>
+              <a:t>Make documents &amp; Design system</a:t>
+            </a:r>
+          </a:p>
+          <a:p>
+            <a:pPr eaLnBrk="1" hangingPunct="1">
+              <a:spcBef>
+                <a:spcPct val="20000"/>
+              </a:spcBef>
+            </a:pPr>
+            <a:r>
+              <a:rPr kumimoji="1" lang="en-US" altLang="en-US" dirty="0" smtClean="0">
+                <a:latin typeface="Arial" panose="020B0604020202020204" pitchFamily="34" charset="0"/>
+                <a:ea typeface="HGP創英角ｺﾞｼｯｸUB" pitchFamily="50" charset="-128"/>
+                <a:cs typeface="Arial" panose="020B0604020202020204" pitchFamily="34" charset="0"/>
+                <a:sym typeface="Wingdings 2" pitchFamily="18" charset="2"/>
+              </a:rPr>
+              <a:t>(</a:t>
+            </a:r>
+            <a:r>
+              <a:rPr kumimoji="1" lang="en-US" altLang="en-US" b="1" dirty="0" smtClean="0">
+                <a:latin typeface="Arial" panose="020B0604020202020204" pitchFamily="34" charset="0"/>
+                <a:ea typeface="HGP創英角ｺﾞｼｯｸUB" pitchFamily="50" charset="-128"/>
+                <a:cs typeface="Arial" panose="020B0604020202020204" pitchFamily="34" charset="0"/>
+                <a:sym typeface="Wingdings 2" pitchFamily="18" charset="2"/>
+              </a:rPr>
+              <a:t>Oct.23</a:t>
+            </a:r>
+            <a:r>
+              <a:rPr kumimoji="1" lang="en-US" altLang="en-US" dirty="0">
+                <a:latin typeface="Arial" panose="020B0604020202020204" pitchFamily="34" charset="0"/>
+                <a:ea typeface="HGP創英角ｺﾞｼｯｸUB" pitchFamily="50" charset="-128"/>
+                <a:cs typeface="Arial" panose="020B0604020202020204" pitchFamily="34" charset="0"/>
+                <a:sym typeface="Wingdings 2" pitchFamily="18" charset="2"/>
+              </a:rPr>
+              <a:t>)</a:t>
+            </a:r>
+            <a:endParaRPr kumimoji="1" lang="en-US" altLang="en-US" dirty="0" smtClean="0">
+              <a:latin typeface="Arial" panose="020B0604020202020204" pitchFamily="34" charset="0"/>
+              <a:ea typeface="HGP創英角ｺﾞｼｯｸUB" pitchFamily="50" charset="-128"/>
+              <a:cs typeface="Arial" panose="020B0604020202020204" pitchFamily="34" charset="0"/>
+              <a:sym typeface="Wingdings 2" pitchFamily="18" charset="2"/>
             </a:endParaRPr>
           </a:p>
         </p:txBody>
@@ -38786,21 +44378,324 @@
                 <a:latin typeface="Arial" panose="020B0604020202020204" pitchFamily="34" charset="0"/>
                 <a:cs typeface="Arial" panose="020B0604020202020204" pitchFamily="34" charset="0"/>
               </a:rPr>
-              <a:t>[3] </a:t>
-            </a:r>
-            <a:r>
-              <a:rPr lang="en-US" sz="2000" dirty="0" smtClean="0">
-                <a:solidFill>
-                  <a:srgbClr val="1508B8"/>
-                </a:solidFill>
-                <a:latin typeface="Arial" panose="020B0604020202020204" pitchFamily="34" charset="0"/>
-                <a:cs typeface="Arial" panose="020B0604020202020204" pitchFamily="34" charset="0"/>
-              </a:rPr>
-              <a:t>Develop and testing</a:t>
+              <a:t>[3] Develop and testing</a:t>
             </a:r>
             <a:endParaRPr lang="en-US" sz="2000" dirty="0">
               <a:solidFill>
                 <a:srgbClr val="1508B8"/>
+              </a:solidFill>
+              <a:latin typeface="Arial" panose="020B0604020202020204" pitchFamily="34" charset="0"/>
+              <a:cs typeface="Arial" panose="020B0604020202020204" pitchFamily="34" charset="0"/>
+            </a:endParaRPr>
+          </a:p>
+        </p:txBody>
+      </p:sp>
+      <p:sp>
+        <p:nvSpPr>
+          <p:cNvPr id="17" name="Google Shape;403;p23">
+            <a:extLst>
+              <a:ext uri="{FF2B5EF4-FFF2-40B4-BE49-F238E27FC236}">
+                <a16:creationId xmlns:a16="http://schemas.microsoft.com/office/drawing/2014/main" id="{5B8F4818-F0E7-B544-1B33-0EC21ED9C035}"/>
+              </a:ext>
+            </a:extLst>
+          </p:cNvPr>
+          <p:cNvSpPr txBox="1">
+            <a:spLocks/>
+          </p:cNvSpPr>
+          <p:nvPr/>
+        </p:nvSpPr>
+        <p:spPr>
+          <a:xfrm>
+            <a:off x="47260" y="2690177"/>
+            <a:ext cx="2376159" cy="1216894"/>
+          </a:xfrm>
+          <a:prstGeom prst="rect">
+            <a:avLst/>
+          </a:prstGeom>
+          <a:noFill/>
+          <a:ln>
+            <a:noFill/>
+          </a:ln>
+        </p:spPr>
+        <p:txBody>
+          <a:bodyPr spcFirstLastPara="1" wrap="square" lIns="68569" tIns="68569" rIns="68569" bIns="68569" anchor="ctr" anchorCtr="0">
+            <a:noAutofit/>
+          </a:bodyPr>
+          <a:lstStyle>
+            <a:defPPr marR="0" lvl="0" algn="l" rtl="0">
+              <a:lnSpc>
+                <a:spcPct val="100000"/>
+              </a:lnSpc>
+              <a:spcBef>
+                <a:spcPts val="0"/>
+              </a:spcBef>
+              <a:spcAft>
+                <a:spcPts val="0"/>
+              </a:spcAft>
+            </a:defPPr>
+            <a:lvl1pPr marR="0" lvl="0" algn="ctr" rtl="0">
+              <a:lnSpc>
+                <a:spcPct val="100000"/>
+              </a:lnSpc>
+              <a:spcBef>
+                <a:spcPts val="0"/>
+              </a:spcBef>
+              <a:spcAft>
+                <a:spcPts val="0"/>
+              </a:spcAft>
+              <a:buClr>
+                <a:schemeClr val="dk1"/>
+              </a:buClr>
+              <a:buSzPts val="3600"/>
+              <a:buFont typeface="Fira Sans Extra Condensed"/>
+              <a:buNone/>
+              <a:defRPr sz="3600" b="0" i="0" u="none" strike="noStrike" cap="none">
+                <a:solidFill>
+                  <a:schemeClr val="dk1"/>
+                </a:solidFill>
+                <a:latin typeface="Fira Sans Extra Condensed"/>
+                <a:ea typeface="Fira Sans Extra Condensed"/>
+                <a:cs typeface="Fira Sans Extra Condensed"/>
+                <a:sym typeface="Fira Sans Extra Condensed"/>
+              </a:defRPr>
+            </a:lvl1pPr>
+            <a:lvl2pPr marR="0" lvl="1" algn="ctr" rtl="0">
+              <a:lnSpc>
+                <a:spcPct val="100000"/>
+              </a:lnSpc>
+              <a:spcBef>
+                <a:spcPts val="0"/>
+              </a:spcBef>
+              <a:spcAft>
+                <a:spcPts val="0"/>
+              </a:spcAft>
+              <a:buClr>
+                <a:schemeClr val="dk1"/>
+              </a:buClr>
+              <a:buSzPts val="3600"/>
+              <a:buFont typeface="Fira Sans Extra Condensed"/>
+              <a:buNone/>
+              <a:defRPr sz="3600" b="0" i="0" u="none" strike="noStrike" cap="none">
+                <a:solidFill>
+                  <a:schemeClr val="dk1"/>
+                </a:solidFill>
+                <a:latin typeface="Fira Sans Extra Condensed"/>
+                <a:ea typeface="Fira Sans Extra Condensed"/>
+                <a:cs typeface="Fira Sans Extra Condensed"/>
+                <a:sym typeface="Fira Sans Extra Condensed"/>
+              </a:defRPr>
+            </a:lvl2pPr>
+            <a:lvl3pPr marR="0" lvl="2" algn="ctr" rtl="0">
+              <a:lnSpc>
+                <a:spcPct val="100000"/>
+              </a:lnSpc>
+              <a:spcBef>
+                <a:spcPts val="0"/>
+              </a:spcBef>
+              <a:spcAft>
+                <a:spcPts val="0"/>
+              </a:spcAft>
+              <a:buClr>
+                <a:schemeClr val="dk1"/>
+              </a:buClr>
+              <a:buSzPts val="3600"/>
+              <a:buFont typeface="Fira Sans Extra Condensed"/>
+              <a:buNone/>
+              <a:defRPr sz="3600" b="0" i="0" u="none" strike="noStrike" cap="none">
+                <a:solidFill>
+                  <a:schemeClr val="dk1"/>
+                </a:solidFill>
+                <a:latin typeface="Fira Sans Extra Condensed"/>
+                <a:ea typeface="Fira Sans Extra Condensed"/>
+                <a:cs typeface="Fira Sans Extra Condensed"/>
+                <a:sym typeface="Fira Sans Extra Condensed"/>
+              </a:defRPr>
+            </a:lvl3pPr>
+            <a:lvl4pPr marR="0" lvl="3" algn="ctr" rtl="0">
+              <a:lnSpc>
+                <a:spcPct val="100000"/>
+              </a:lnSpc>
+              <a:spcBef>
+                <a:spcPts val="0"/>
+              </a:spcBef>
+              <a:spcAft>
+                <a:spcPts val="0"/>
+              </a:spcAft>
+              <a:buClr>
+                <a:schemeClr val="dk1"/>
+              </a:buClr>
+              <a:buSzPts val="3600"/>
+              <a:buFont typeface="Fira Sans Extra Condensed"/>
+              <a:buNone/>
+              <a:defRPr sz="3600" b="0" i="0" u="none" strike="noStrike" cap="none">
+                <a:solidFill>
+                  <a:schemeClr val="dk1"/>
+                </a:solidFill>
+                <a:latin typeface="Fira Sans Extra Condensed"/>
+                <a:ea typeface="Fira Sans Extra Condensed"/>
+                <a:cs typeface="Fira Sans Extra Condensed"/>
+                <a:sym typeface="Fira Sans Extra Condensed"/>
+              </a:defRPr>
+            </a:lvl4pPr>
+            <a:lvl5pPr marR="0" lvl="4" algn="ctr" rtl="0">
+              <a:lnSpc>
+                <a:spcPct val="100000"/>
+              </a:lnSpc>
+              <a:spcBef>
+                <a:spcPts val="0"/>
+              </a:spcBef>
+              <a:spcAft>
+                <a:spcPts val="0"/>
+              </a:spcAft>
+              <a:buClr>
+                <a:schemeClr val="dk1"/>
+              </a:buClr>
+              <a:buSzPts val="3600"/>
+              <a:buFont typeface="Fira Sans Extra Condensed"/>
+              <a:buNone/>
+              <a:defRPr sz="3600" b="0" i="0" u="none" strike="noStrike" cap="none">
+                <a:solidFill>
+                  <a:schemeClr val="dk1"/>
+                </a:solidFill>
+                <a:latin typeface="Fira Sans Extra Condensed"/>
+                <a:ea typeface="Fira Sans Extra Condensed"/>
+                <a:cs typeface="Fira Sans Extra Condensed"/>
+                <a:sym typeface="Fira Sans Extra Condensed"/>
+              </a:defRPr>
+            </a:lvl5pPr>
+            <a:lvl6pPr marR="0" lvl="5" algn="ctr" rtl="0">
+              <a:lnSpc>
+                <a:spcPct val="100000"/>
+              </a:lnSpc>
+              <a:spcBef>
+                <a:spcPts val="0"/>
+              </a:spcBef>
+              <a:spcAft>
+                <a:spcPts val="0"/>
+              </a:spcAft>
+              <a:buClr>
+                <a:schemeClr val="dk1"/>
+              </a:buClr>
+              <a:buSzPts val="3600"/>
+              <a:buFont typeface="Fira Sans Extra Condensed"/>
+              <a:buNone/>
+              <a:defRPr sz="3600" b="0" i="0" u="none" strike="noStrike" cap="none">
+                <a:solidFill>
+                  <a:schemeClr val="dk1"/>
+                </a:solidFill>
+                <a:latin typeface="Fira Sans Extra Condensed"/>
+                <a:ea typeface="Fira Sans Extra Condensed"/>
+                <a:cs typeface="Fira Sans Extra Condensed"/>
+                <a:sym typeface="Fira Sans Extra Condensed"/>
+              </a:defRPr>
+            </a:lvl6pPr>
+            <a:lvl7pPr marR="0" lvl="6" algn="ctr" rtl="0">
+              <a:lnSpc>
+                <a:spcPct val="100000"/>
+              </a:lnSpc>
+              <a:spcBef>
+                <a:spcPts val="0"/>
+              </a:spcBef>
+              <a:spcAft>
+                <a:spcPts val="0"/>
+              </a:spcAft>
+              <a:buClr>
+                <a:schemeClr val="dk1"/>
+              </a:buClr>
+              <a:buSzPts val="3600"/>
+              <a:buFont typeface="Fira Sans Extra Condensed"/>
+              <a:buNone/>
+              <a:defRPr sz="3600" b="0" i="0" u="none" strike="noStrike" cap="none">
+                <a:solidFill>
+                  <a:schemeClr val="dk1"/>
+                </a:solidFill>
+                <a:latin typeface="Fira Sans Extra Condensed"/>
+                <a:ea typeface="Fira Sans Extra Condensed"/>
+                <a:cs typeface="Fira Sans Extra Condensed"/>
+                <a:sym typeface="Fira Sans Extra Condensed"/>
+              </a:defRPr>
+            </a:lvl7pPr>
+            <a:lvl8pPr marR="0" lvl="7" algn="ctr" rtl="0">
+              <a:lnSpc>
+                <a:spcPct val="100000"/>
+              </a:lnSpc>
+              <a:spcBef>
+                <a:spcPts val="0"/>
+              </a:spcBef>
+              <a:spcAft>
+                <a:spcPts val="0"/>
+              </a:spcAft>
+              <a:buClr>
+                <a:schemeClr val="dk1"/>
+              </a:buClr>
+              <a:buSzPts val="3600"/>
+              <a:buFont typeface="Fira Sans Extra Condensed"/>
+              <a:buNone/>
+              <a:defRPr sz="3600" b="0" i="0" u="none" strike="noStrike" cap="none">
+                <a:solidFill>
+                  <a:schemeClr val="dk1"/>
+                </a:solidFill>
+                <a:latin typeface="Fira Sans Extra Condensed"/>
+                <a:ea typeface="Fira Sans Extra Condensed"/>
+                <a:cs typeface="Fira Sans Extra Condensed"/>
+                <a:sym typeface="Fira Sans Extra Condensed"/>
+              </a:defRPr>
+            </a:lvl8pPr>
+            <a:lvl9pPr marR="0" lvl="8" algn="ctr" rtl="0">
+              <a:lnSpc>
+                <a:spcPct val="100000"/>
+              </a:lnSpc>
+              <a:spcBef>
+                <a:spcPts val="0"/>
+              </a:spcBef>
+              <a:spcAft>
+                <a:spcPts val="0"/>
+              </a:spcAft>
+              <a:buClr>
+                <a:schemeClr val="dk1"/>
+              </a:buClr>
+              <a:buSzPts val="3600"/>
+              <a:buFont typeface="Fira Sans Extra Condensed"/>
+              <a:buNone/>
+              <a:defRPr sz="3600" b="0" i="0" u="none" strike="noStrike" cap="none">
+                <a:solidFill>
+                  <a:schemeClr val="dk1"/>
+                </a:solidFill>
+                <a:latin typeface="Fira Sans Extra Condensed"/>
+                <a:ea typeface="Fira Sans Extra Condensed"/>
+                <a:cs typeface="Fira Sans Extra Condensed"/>
+                <a:sym typeface="Fira Sans Extra Condensed"/>
+              </a:defRPr>
+            </a:lvl9pPr>
+          </a:lstStyle>
+          <a:p>
+            <a:pPr algn="l"/>
+            <a:r>
+              <a:rPr lang="en-US" sz="1800" dirty="0">
+                <a:solidFill>
+                  <a:schemeClr val="tx1"/>
+                </a:solidFill>
+                <a:latin typeface="Arial" panose="020B0604020202020204" pitchFamily="34" charset="0"/>
+                <a:cs typeface="Arial" panose="020B0604020202020204" pitchFamily="34" charset="0"/>
+              </a:rPr>
+              <a:t>Use barcode &amp; scan device to manage.</a:t>
+            </a:r>
+          </a:p>
+          <a:p>
+            <a:pPr algn="l"/>
+            <a:r>
+              <a:rPr lang="en-US" sz="1800" dirty="0">
+                <a:solidFill>
+                  <a:schemeClr val="tx1"/>
+                </a:solidFill>
+                <a:latin typeface="Arial" panose="020B0604020202020204" pitchFamily="34" charset="0"/>
+                <a:cs typeface="Arial" panose="020B0604020202020204" pitchFamily="34" charset="0"/>
+              </a:rPr>
+              <a:t>Stored database on server</a:t>
+            </a:r>
+            <a:endParaRPr lang="en-US" sz="1800" dirty="0" smtClean="0">
+              <a:solidFill>
+                <a:schemeClr val="tx1"/>
               </a:solidFill>
               <a:latin typeface="Arial" panose="020B0604020202020204" pitchFamily="34" charset="0"/>
               <a:cs typeface="Arial" panose="020B0604020202020204" pitchFamily="34" charset="0"/>
